--- a/Covid-19 and the NYC Apartment Market.pptx
+++ b/Covid-19 and the NYC Apartment Market.pptx
@@ -5,7 +5,7 @@
     <p:sldMasterId id="2147483799" r:id="rId1"/>
   </p:sldMasterIdLst>
   <p:notesMasterIdLst>
-    <p:notesMasterId r:id="rId7"/>
+    <p:notesMasterId r:id="rId10"/>
   </p:notesMasterIdLst>
   <p:sldIdLst>
     <p:sldId id="256" r:id="rId2"/>
@@ -13,6 +13,9 @@
     <p:sldId id="258" r:id="rId4"/>
     <p:sldId id="259" r:id="rId5"/>
     <p:sldId id="260" r:id="rId6"/>
+    <p:sldId id="261" r:id="rId7"/>
+    <p:sldId id="262" r:id="rId8"/>
+    <p:sldId id="263" r:id="rId9"/>
   </p:sldIdLst>
   <p:sldSz cx="12192000" cy="6858000"/>
   <p:notesSz cx="6858000" cy="9144000"/>
@@ -111,7 +114,326 @@
       </a:defRPr>
     </a:lvl9pPr>
   </p:defaultTextStyle>
+  <p:extLst>
+    <p:ext uri="{EFAFB233-063F-42B5-8137-9DF3F51BA10A}">
+      <p15:sldGuideLst xmlns:p15="http://schemas.microsoft.com/office/powerpoint/2012/main"/>
+    </p:ext>
+  </p:extLst>
 </p:presentation>
+</file>
+
+<file path=ppt/revisionInfo.xml><?xml version="1.0" encoding="utf-8"?>
+<p1510:revInfo xmlns:a="http://schemas.openxmlformats.org/drawingml/2006/main" xmlns:r="http://schemas.openxmlformats.org/officeDocument/2006/relationships" xmlns:p1510="http://schemas.microsoft.com/office/powerpoint/2015/10/main">
+  <p1510:revLst>
+    <p1510:client id="{61313348-D28B-4C2B-88EF-82071CA11326}" v="12" dt="2021-10-15T19:36:21.266"/>
+  </p1510:revLst>
+</p1510:revInfo>
+</file>
+
+<file path=ppt/changesInfos/changesInfo1.xml><?xml version="1.0" encoding="utf-8"?>
+<pc:chgInfo xmlns:a="http://schemas.openxmlformats.org/drawingml/2006/main" xmlns:r="http://schemas.openxmlformats.org/officeDocument/2006/relationships" xmlns:ac="http://schemas.microsoft.com/office/drawing/2013/main/command" xmlns:pc="http://schemas.microsoft.com/office/powerpoint/2013/main/command">
+  <pc:docChgLst>
+    <pc:chgData name="jack copeland" userId="c1f67f945e5b5c42" providerId="LiveId" clId="{61313348-D28B-4C2B-88EF-82071CA11326}"/>
+    <pc:docChg chg="undo custSel addSld modSld sldOrd">
+      <pc:chgData name="jack copeland" userId="c1f67f945e5b5c42" providerId="LiveId" clId="{61313348-D28B-4C2B-88EF-82071CA11326}" dt="2021-10-15T19:36:32.879" v="600" actId="20577"/>
+      <pc:docMkLst>
+        <pc:docMk/>
+      </pc:docMkLst>
+      <pc:sldChg chg="addSp delSp modSp mod">
+        <pc:chgData name="jack copeland" userId="c1f67f945e5b5c42" providerId="LiveId" clId="{61313348-D28B-4C2B-88EF-82071CA11326}" dt="2021-10-15T18:39:57.254" v="40" actId="1076"/>
+        <pc:sldMkLst>
+          <pc:docMk/>
+          <pc:sldMk cId="2637618212" sldId="260"/>
+        </pc:sldMkLst>
+        <pc:spChg chg="mod">
+          <ac:chgData name="jack copeland" userId="c1f67f945e5b5c42" providerId="LiveId" clId="{61313348-D28B-4C2B-88EF-82071CA11326}" dt="2021-10-15T18:39:57.254" v="40" actId="1076"/>
+          <ac:spMkLst>
+            <pc:docMk/>
+            <pc:sldMk cId="2637618212" sldId="260"/>
+            <ac:spMk id="10" creationId="{8151ECB6-771A-41F2-9B75-F6D7485D1F36}"/>
+          </ac:spMkLst>
+        </pc:spChg>
+        <pc:spChg chg="mod">
+          <ac:chgData name="jack copeland" userId="c1f67f945e5b5c42" providerId="LiveId" clId="{61313348-D28B-4C2B-88EF-82071CA11326}" dt="2021-10-15T18:38:18.084" v="16" actId="1035"/>
+          <ac:spMkLst>
+            <pc:docMk/>
+            <pc:sldMk cId="2637618212" sldId="260"/>
+            <ac:spMk id="11" creationId="{65C2FC47-B642-4DEB-85B7-3BA4FDD484D0}"/>
+          </ac:spMkLst>
+        </pc:spChg>
+        <pc:spChg chg="mod">
+          <ac:chgData name="jack copeland" userId="c1f67f945e5b5c42" providerId="LiveId" clId="{61313348-D28B-4C2B-88EF-82071CA11326}" dt="2021-10-15T18:39:48.720" v="38" actId="1076"/>
+          <ac:spMkLst>
+            <pc:docMk/>
+            <pc:sldMk cId="2637618212" sldId="260"/>
+            <ac:spMk id="12" creationId="{DB55FAF1-051D-4CD8-9D47-0F8E762ED402}"/>
+          </ac:spMkLst>
+        </pc:spChg>
+        <pc:picChg chg="add del mod">
+          <ac:chgData name="jack copeland" userId="c1f67f945e5b5c42" providerId="LiveId" clId="{61313348-D28B-4C2B-88EF-82071CA11326}" dt="2021-10-15T18:38:14.630" v="1" actId="478"/>
+          <ac:picMkLst>
+            <pc:docMk/>
+            <pc:sldMk cId="2637618212" sldId="260"/>
+            <ac:picMk id="13" creationId="{656ACCB7-9EA0-408E-9040-55FFEC6970E2}"/>
+          </ac:picMkLst>
+        </pc:picChg>
+        <pc:picChg chg="add mod">
+          <ac:chgData name="jack copeland" userId="c1f67f945e5b5c42" providerId="LiveId" clId="{61313348-D28B-4C2B-88EF-82071CA11326}" dt="2021-10-15T18:38:41.495" v="19" actId="1076"/>
+          <ac:picMkLst>
+            <pc:docMk/>
+            <pc:sldMk cId="2637618212" sldId="260"/>
+            <ac:picMk id="15" creationId="{BD1C0119-446E-45B1-BC44-6BFD7C1767B3}"/>
+          </ac:picMkLst>
+        </pc:picChg>
+        <pc:picChg chg="add mod">
+          <ac:chgData name="jack copeland" userId="c1f67f945e5b5c42" providerId="LiveId" clId="{61313348-D28B-4C2B-88EF-82071CA11326}" dt="2021-10-15T18:38:56.878" v="21" actId="1076"/>
+          <ac:picMkLst>
+            <pc:docMk/>
+            <pc:sldMk cId="2637618212" sldId="260"/>
+            <ac:picMk id="17" creationId="{401C06C2-BF78-4281-A59F-963C45084A34}"/>
+          </ac:picMkLst>
+        </pc:picChg>
+        <pc:picChg chg="add mod">
+          <ac:chgData name="jack copeland" userId="c1f67f945e5b5c42" providerId="LiveId" clId="{61313348-D28B-4C2B-88EF-82071CA11326}" dt="2021-10-15T18:39:14.645" v="24" actId="1076"/>
+          <ac:picMkLst>
+            <pc:docMk/>
+            <pc:sldMk cId="2637618212" sldId="260"/>
+            <ac:picMk id="19" creationId="{F41D8342-5602-4058-943C-8BF765452E6E}"/>
+          </ac:picMkLst>
+        </pc:picChg>
+      </pc:sldChg>
+      <pc:sldChg chg="add">
+        <pc:chgData name="jack copeland" userId="c1f67f945e5b5c42" providerId="LiveId" clId="{61313348-D28B-4C2B-88EF-82071CA11326}" dt="2021-10-15T19:29:00.926" v="41"/>
+        <pc:sldMkLst>
+          <pc:docMk/>
+          <pc:sldMk cId="3918163098" sldId="261"/>
+        </pc:sldMkLst>
+      </pc:sldChg>
+      <pc:sldChg chg="addSp delSp modSp add mod ord">
+        <pc:chgData name="jack copeland" userId="c1f67f945e5b5c42" providerId="LiveId" clId="{61313348-D28B-4C2B-88EF-82071CA11326}" dt="2021-10-15T19:36:08.844" v="584" actId="1076"/>
+        <pc:sldMkLst>
+          <pc:docMk/>
+          <pc:sldMk cId="1634980106" sldId="262"/>
+        </pc:sldMkLst>
+        <pc:spChg chg="mod">
+          <ac:chgData name="jack copeland" userId="c1f67f945e5b5c42" providerId="LiveId" clId="{61313348-D28B-4C2B-88EF-82071CA11326}" dt="2021-10-15T19:29:18.333" v="74" actId="20577"/>
+          <ac:spMkLst>
+            <pc:docMk/>
+            <pc:sldMk cId="1634980106" sldId="262"/>
+            <ac:spMk id="2" creationId="{92A9B60F-7F68-48F6-9FB9-2CF291C61653}"/>
+          </ac:spMkLst>
+        </pc:spChg>
+        <pc:spChg chg="mod">
+          <ac:chgData name="jack copeland" userId="c1f67f945e5b5c42" providerId="LiveId" clId="{61313348-D28B-4C2B-88EF-82071CA11326}" dt="2021-10-15T19:36:08.844" v="584" actId="1076"/>
+          <ac:spMkLst>
+            <pc:docMk/>
+            <pc:sldMk cId="1634980106" sldId="262"/>
+            <ac:spMk id="4" creationId="{27678693-BBE0-41E4-9C41-F551D931A2B5}"/>
+          </ac:spMkLst>
+        </pc:spChg>
+        <pc:spChg chg="mod">
+          <ac:chgData name="jack copeland" userId="c1f67f945e5b5c42" providerId="LiveId" clId="{61313348-D28B-4C2B-88EF-82071CA11326}" dt="2021-10-15T19:35:55.245" v="581" actId="1076"/>
+          <ac:spMkLst>
+            <pc:docMk/>
+            <pc:sldMk cId="1634980106" sldId="262"/>
+            <ac:spMk id="5" creationId="{3FACFDE9-4AB9-4A9F-960E-7C0140DA598C}"/>
+          </ac:spMkLst>
+        </pc:spChg>
+        <pc:spChg chg="mod">
+          <ac:chgData name="jack copeland" userId="c1f67f945e5b5c42" providerId="LiveId" clId="{61313348-D28B-4C2B-88EF-82071CA11326}" dt="2021-10-15T19:36:08.844" v="584" actId="1076"/>
+          <ac:spMkLst>
+            <pc:docMk/>
+            <pc:sldMk cId="1634980106" sldId="262"/>
+            <ac:spMk id="7" creationId="{877D3999-8A00-476F-941E-3D041924533D}"/>
+          </ac:spMkLst>
+        </pc:spChg>
+        <pc:spChg chg="del">
+          <ac:chgData name="jack copeland" userId="c1f67f945e5b5c42" providerId="LiveId" clId="{61313348-D28B-4C2B-88EF-82071CA11326}" dt="2021-10-15T19:32:08.678" v="296" actId="478"/>
+          <ac:spMkLst>
+            <pc:docMk/>
+            <pc:sldMk cId="1634980106" sldId="262"/>
+            <ac:spMk id="8" creationId="{36E3E685-553D-428E-A476-163BCED0DAC8}"/>
+          </ac:spMkLst>
+        </pc:spChg>
+        <pc:spChg chg="del">
+          <ac:chgData name="jack copeland" userId="c1f67f945e5b5c42" providerId="LiveId" clId="{61313348-D28B-4C2B-88EF-82071CA11326}" dt="2021-10-15T19:32:10.757" v="297" actId="478"/>
+          <ac:spMkLst>
+            <pc:docMk/>
+            <pc:sldMk cId="1634980106" sldId="262"/>
+            <ac:spMk id="9" creationId="{93C075AE-07AA-4E59-B183-9CC5ECD3CFD8}"/>
+          </ac:spMkLst>
+        </pc:spChg>
+        <pc:spChg chg="mod">
+          <ac:chgData name="jack copeland" userId="c1f67f945e5b5c42" providerId="LiveId" clId="{61313348-D28B-4C2B-88EF-82071CA11326}" dt="2021-10-15T19:36:08.844" v="584" actId="1076"/>
+          <ac:spMkLst>
+            <pc:docMk/>
+            <pc:sldMk cId="1634980106" sldId="262"/>
+            <ac:spMk id="10" creationId="{8151ECB6-771A-41F2-9B75-F6D7485D1F36}"/>
+          </ac:spMkLst>
+        </pc:spChg>
+        <pc:spChg chg="del">
+          <ac:chgData name="jack copeland" userId="c1f67f945e5b5c42" providerId="LiveId" clId="{61313348-D28B-4C2B-88EF-82071CA11326}" dt="2021-10-15T19:32:08.678" v="296" actId="478"/>
+          <ac:spMkLst>
+            <pc:docMk/>
+            <pc:sldMk cId="1634980106" sldId="262"/>
+            <ac:spMk id="11" creationId="{65C2FC47-B642-4DEB-85B7-3BA4FDD484D0}"/>
+          </ac:spMkLst>
+        </pc:spChg>
+        <pc:spChg chg="del">
+          <ac:chgData name="jack copeland" userId="c1f67f945e5b5c42" providerId="LiveId" clId="{61313348-D28B-4C2B-88EF-82071CA11326}" dt="2021-10-15T19:32:10.757" v="297" actId="478"/>
+          <ac:spMkLst>
+            <pc:docMk/>
+            <pc:sldMk cId="1634980106" sldId="262"/>
+            <ac:spMk id="12" creationId="{DB55FAF1-051D-4CD8-9D47-0F8E762ED402}"/>
+          </ac:spMkLst>
+        </pc:spChg>
+        <pc:spChg chg="add mod">
+          <ac:chgData name="jack copeland" userId="c1f67f945e5b5c42" providerId="LiveId" clId="{61313348-D28B-4C2B-88EF-82071CA11326}" dt="2021-10-15T19:35:55.245" v="581" actId="1076"/>
+          <ac:spMkLst>
+            <pc:docMk/>
+            <pc:sldMk cId="1634980106" sldId="262"/>
+            <ac:spMk id="16" creationId="{2C2794D9-6CC1-452C-924B-CF55D1A9E269}"/>
+          </ac:spMkLst>
+        </pc:spChg>
+        <pc:spChg chg="add mod">
+          <ac:chgData name="jack copeland" userId="c1f67f945e5b5c42" providerId="LiveId" clId="{61313348-D28B-4C2B-88EF-82071CA11326}" dt="2021-10-15T19:35:55.245" v="581" actId="1076"/>
+          <ac:spMkLst>
+            <pc:docMk/>
+            <pc:sldMk cId="1634980106" sldId="262"/>
+            <ac:spMk id="18" creationId="{9A789815-F435-4D86-8F4E-74AE43E70512}"/>
+          </ac:spMkLst>
+        </pc:spChg>
+        <pc:spChg chg="add mod">
+          <ac:chgData name="jack copeland" userId="c1f67f945e5b5c42" providerId="LiveId" clId="{61313348-D28B-4C2B-88EF-82071CA11326}" dt="2021-10-15T19:33:33.375" v="420" actId="20577"/>
+          <ac:spMkLst>
+            <pc:docMk/>
+            <pc:sldMk cId="1634980106" sldId="262"/>
+            <ac:spMk id="20" creationId="{AD1E1E39-EDBD-4F70-9A47-995DFB77DAED}"/>
+          </ac:spMkLst>
+        </pc:spChg>
+        <pc:spChg chg="add mod">
+          <ac:chgData name="jack copeland" userId="c1f67f945e5b5c42" providerId="LiveId" clId="{61313348-D28B-4C2B-88EF-82071CA11326}" dt="2021-10-15T19:34:47.895" v="577" actId="20577"/>
+          <ac:spMkLst>
+            <pc:docMk/>
+            <pc:sldMk cId="1634980106" sldId="262"/>
+            <ac:spMk id="21" creationId="{1EFBDC71-4252-491E-96B8-C1DE650265B5}"/>
+          </ac:spMkLst>
+        </pc:spChg>
+        <pc:picChg chg="del">
+          <ac:chgData name="jack copeland" userId="c1f67f945e5b5c42" providerId="LiveId" clId="{61313348-D28B-4C2B-88EF-82071CA11326}" dt="2021-10-15T19:29:40.368" v="92" actId="478"/>
+          <ac:picMkLst>
+            <pc:docMk/>
+            <pc:sldMk cId="1634980106" sldId="262"/>
+            <ac:picMk id="15" creationId="{BD1C0119-446E-45B1-BC44-6BFD7C1767B3}"/>
+          </ac:picMkLst>
+        </pc:picChg>
+        <pc:picChg chg="del">
+          <ac:chgData name="jack copeland" userId="c1f67f945e5b5c42" providerId="LiveId" clId="{61313348-D28B-4C2B-88EF-82071CA11326}" dt="2021-10-15T19:32:08.678" v="296" actId="478"/>
+          <ac:picMkLst>
+            <pc:docMk/>
+            <pc:sldMk cId="1634980106" sldId="262"/>
+            <ac:picMk id="17" creationId="{401C06C2-BF78-4281-A59F-963C45084A34}"/>
+          </ac:picMkLst>
+        </pc:picChg>
+        <pc:picChg chg="del">
+          <ac:chgData name="jack copeland" userId="c1f67f945e5b5c42" providerId="LiveId" clId="{61313348-D28B-4C2B-88EF-82071CA11326}" dt="2021-10-15T19:32:10.757" v="297" actId="478"/>
+          <ac:picMkLst>
+            <pc:docMk/>
+            <pc:sldMk cId="1634980106" sldId="262"/>
+            <ac:picMk id="19" creationId="{F41D8342-5602-4058-943C-8BF765452E6E}"/>
+          </ac:picMkLst>
+        </pc:picChg>
+      </pc:sldChg>
+      <pc:sldChg chg="delSp modSp add mod">
+        <pc:chgData name="jack copeland" userId="c1f67f945e5b5c42" providerId="LiveId" clId="{61313348-D28B-4C2B-88EF-82071CA11326}" dt="2021-10-15T19:36:32.879" v="600" actId="20577"/>
+        <pc:sldMkLst>
+          <pc:docMk/>
+          <pc:sldMk cId="3472992963" sldId="263"/>
+        </pc:sldMkLst>
+        <pc:spChg chg="mod">
+          <ac:chgData name="jack copeland" userId="c1f67f945e5b5c42" providerId="LiveId" clId="{61313348-D28B-4C2B-88EF-82071CA11326}" dt="2021-10-15T19:36:32.879" v="600" actId="20577"/>
+          <ac:spMkLst>
+            <pc:docMk/>
+            <pc:sldMk cId="3472992963" sldId="263"/>
+            <ac:spMk id="2" creationId="{92A9B60F-7F68-48F6-9FB9-2CF291C61653}"/>
+          </ac:spMkLst>
+        </pc:spChg>
+        <pc:spChg chg="del">
+          <ac:chgData name="jack copeland" userId="c1f67f945e5b5c42" providerId="LiveId" clId="{61313348-D28B-4C2B-88EF-82071CA11326}" dt="2021-10-15T19:36:24.762" v="586" actId="478"/>
+          <ac:spMkLst>
+            <pc:docMk/>
+            <pc:sldMk cId="3472992963" sldId="263"/>
+            <ac:spMk id="4" creationId="{27678693-BBE0-41E4-9C41-F551D931A2B5}"/>
+          </ac:spMkLst>
+        </pc:spChg>
+        <pc:spChg chg="del">
+          <ac:chgData name="jack copeland" userId="c1f67f945e5b5c42" providerId="LiveId" clId="{61313348-D28B-4C2B-88EF-82071CA11326}" dt="2021-10-15T19:36:24.762" v="586" actId="478"/>
+          <ac:spMkLst>
+            <pc:docMk/>
+            <pc:sldMk cId="3472992963" sldId="263"/>
+            <ac:spMk id="5" creationId="{3FACFDE9-4AB9-4A9F-960E-7C0140DA598C}"/>
+          </ac:spMkLst>
+        </pc:spChg>
+        <pc:spChg chg="del">
+          <ac:chgData name="jack copeland" userId="c1f67f945e5b5c42" providerId="LiveId" clId="{61313348-D28B-4C2B-88EF-82071CA11326}" dt="2021-10-15T19:36:24.762" v="586" actId="478"/>
+          <ac:spMkLst>
+            <pc:docMk/>
+            <pc:sldMk cId="3472992963" sldId="263"/>
+            <ac:spMk id="6" creationId="{4790EC81-6187-493A-8E26-C869A2988A4E}"/>
+          </ac:spMkLst>
+        </pc:spChg>
+        <pc:spChg chg="del">
+          <ac:chgData name="jack copeland" userId="c1f67f945e5b5c42" providerId="LiveId" clId="{61313348-D28B-4C2B-88EF-82071CA11326}" dt="2021-10-15T19:36:24.762" v="586" actId="478"/>
+          <ac:spMkLst>
+            <pc:docMk/>
+            <pc:sldMk cId="3472992963" sldId="263"/>
+            <ac:spMk id="7" creationId="{877D3999-8A00-476F-941E-3D041924533D}"/>
+          </ac:spMkLst>
+        </pc:spChg>
+        <pc:spChg chg="del">
+          <ac:chgData name="jack copeland" userId="c1f67f945e5b5c42" providerId="LiveId" clId="{61313348-D28B-4C2B-88EF-82071CA11326}" dt="2021-10-15T19:36:24.762" v="586" actId="478"/>
+          <ac:spMkLst>
+            <pc:docMk/>
+            <pc:sldMk cId="3472992963" sldId="263"/>
+            <ac:spMk id="10" creationId="{8151ECB6-771A-41F2-9B75-F6D7485D1F36}"/>
+          </ac:spMkLst>
+        </pc:spChg>
+        <pc:spChg chg="del">
+          <ac:chgData name="jack copeland" userId="c1f67f945e5b5c42" providerId="LiveId" clId="{61313348-D28B-4C2B-88EF-82071CA11326}" dt="2021-10-15T19:36:24.762" v="586" actId="478"/>
+          <ac:spMkLst>
+            <pc:docMk/>
+            <pc:sldMk cId="3472992963" sldId="263"/>
+            <ac:spMk id="16" creationId="{2C2794D9-6CC1-452C-924B-CF55D1A9E269}"/>
+          </ac:spMkLst>
+        </pc:spChg>
+        <pc:spChg chg="del">
+          <ac:chgData name="jack copeland" userId="c1f67f945e5b5c42" providerId="LiveId" clId="{61313348-D28B-4C2B-88EF-82071CA11326}" dt="2021-10-15T19:36:24.762" v="586" actId="478"/>
+          <ac:spMkLst>
+            <pc:docMk/>
+            <pc:sldMk cId="3472992963" sldId="263"/>
+            <ac:spMk id="18" creationId="{9A789815-F435-4D86-8F4E-74AE43E70512}"/>
+          </ac:spMkLst>
+        </pc:spChg>
+        <pc:spChg chg="del">
+          <ac:chgData name="jack copeland" userId="c1f67f945e5b5c42" providerId="LiveId" clId="{61313348-D28B-4C2B-88EF-82071CA11326}" dt="2021-10-15T19:36:24.762" v="586" actId="478"/>
+          <ac:spMkLst>
+            <pc:docMk/>
+            <pc:sldMk cId="3472992963" sldId="263"/>
+            <ac:spMk id="20" creationId="{AD1E1E39-EDBD-4F70-9A47-995DFB77DAED}"/>
+          </ac:spMkLst>
+        </pc:spChg>
+        <pc:spChg chg="del">
+          <ac:chgData name="jack copeland" userId="c1f67f945e5b5c42" providerId="LiveId" clId="{61313348-D28B-4C2B-88EF-82071CA11326}" dt="2021-10-15T19:36:24.762" v="586" actId="478"/>
+          <ac:spMkLst>
+            <pc:docMk/>
+            <pc:sldMk cId="3472992963" sldId="263"/>
+            <ac:spMk id="21" creationId="{1EFBDC71-4252-491E-96B8-C1DE650265B5}"/>
+          </ac:spMkLst>
+        </pc:spChg>
+      </pc:sldChg>
+    </pc:docChg>
+  </pc:docChgLst>
+</pc:chgInfo>
 </file>
 
 <file path=ppt/diagrams/colors1.xml><?xml version="1.0" encoding="utf-8"?>
@@ -862,6 +1184,753 @@
 </file>
 
 <file path=ppt/diagrams/colors2.xml><?xml version="1.0" encoding="utf-8"?>
+<dgm:colorsDef xmlns:dgm="http://schemas.openxmlformats.org/drawingml/2006/diagram" xmlns:a="http://schemas.openxmlformats.org/drawingml/2006/main" uniqueId="urn:microsoft.com/office/officeart/2005/8/colors/accent1_2">
+  <dgm:title val=""/>
+  <dgm:desc val=""/>
+  <dgm:catLst>
+    <dgm:cat type="accent1" pri="11200"/>
+  </dgm:catLst>
+  <dgm:styleLbl name="node0">
+    <dgm:fillClrLst meth="repeat">
+      <a:schemeClr val="accent1"/>
+    </dgm:fillClrLst>
+    <dgm:linClrLst meth="repeat">
+      <a:schemeClr val="lt1"/>
+    </dgm:linClrLst>
+    <dgm:effectClrLst/>
+    <dgm:txLinClrLst/>
+    <dgm:txFillClrLst/>
+    <dgm:txEffectClrLst/>
+  </dgm:styleLbl>
+  <dgm:styleLbl name="alignNode1">
+    <dgm:fillClrLst meth="repeat">
+      <a:schemeClr val="accent1"/>
+    </dgm:fillClrLst>
+    <dgm:linClrLst meth="repeat">
+      <a:schemeClr val="accent1"/>
+    </dgm:linClrLst>
+    <dgm:effectClrLst/>
+    <dgm:txLinClrLst/>
+    <dgm:txFillClrLst/>
+    <dgm:txEffectClrLst/>
+  </dgm:styleLbl>
+  <dgm:styleLbl name="node1">
+    <dgm:fillClrLst meth="repeat">
+      <a:schemeClr val="accent1"/>
+    </dgm:fillClrLst>
+    <dgm:linClrLst meth="repeat">
+      <a:schemeClr val="lt1"/>
+    </dgm:linClrLst>
+    <dgm:effectClrLst/>
+    <dgm:txLinClrLst/>
+    <dgm:txFillClrLst/>
+    <dgm:txEffectClrLst/>
+  </dgm:styleLbl>
+  <dgm:styleLbl name="lnNode1">
+    <dgm:fillClrLst meth="repeat">
+      <a:schemeClr val="accent1"/>
+    </dgm:fillClrLst>
+    <dgm:linClrLst meth="repeat">
+      <a:schemeClr val="lt1"/>
+    </dgm:linClrLst>
+    <dgm:effectClrLst/>
+    <dgm:txLinClrLst/>
+    <dgm:txFillClrLst/>
+    <dgm:txEffectClrLst/>
+  </dgm:styleLbl>
+  <dgm:styleLbl name="vennNode1">
+    <dgm:fillClrLst meth="repeat">
+      <a:schemeClr val="accent1">
+        <a:alpha val="50000"/>
+      </a:schemeClr>
+    </dgm:fillClrLst>
+    <dgm:linClrLst meth="repeat">
+      <a:schemeClr val="lt1"/>
+    </dgm:linClrLst>
+    <dgm:effectClrLst/>
+    <dgm:txLinClrLst/>
+    <dgm:txFillClrLst/>
+    <dgm:txEffectClrLst/>
+  </dgm:styleLbl>
+  <dgm:styleLbl name="node2">
+    <dgm:fillClrLst meth="repeat">
+      <a:schemeClr val="accent1"/>
+    </dgm:fillClrLst>
+    <dgm:linClrLst meth="repeat">
+      <a:schemeClr val="lt1"/>
+    </dgm:linClrLst>
+    <dgm:effectClrLst/>
+    <dgm:txLinClrLst/>
+    <dgm:txFillClrLst/>
+    <dgm:txEffectClrLst/>
+  </dgm:styleLbl>
+  <dgm:styleLbl name="node3">
+    <dgm:fillClrLst meth="repeat">
+      <a:schemeClr val="accent1"/>
+    </dgm:fillClrLst>
+    <dgm:linClrLst meth="repeat">
+      <a:schemeClr val="lt1"/>
+    </dgm:linClrLst>
+    <dgm:effectClrLst/>
+    <dgm:txLinClrLst/>
+    <dgm:txFillClrLst/>
+    <dgm:txEffectClrLst/>
+  </dgm:styleLbl>
+  <dgm:styleLbl name="node4">
+    <dgm:fillClrLst meth="repeat">
+      <a:schemeClr val="accent1"/>
+    </dgm:fillClrLst>
+    <dgm:linClrLst meth="repeat">
+      <a:schemeClr val="lt1"/>
+    </dgm:linClrLst>
+    <dgm:effectClrLst/>
+    <dgm:txLinClrLst/>
+    <dgm:txFillClrLst/>
+    <dgm:txEffectClrLst/>
+  </dgm:styleLbl>
+  <dgm:styleLbl name="fgImgPlace1">
+    <dgm:fillClrLst meth="repeat">
+      <a:schemeClr val="accent1">
+        <a:tint val="50000"/>
+      </a:schemeClr>
+    </dgm:fillClrLst>
+    <dgm:linClrLst meth="repeat">
+      <a:schemeClr val="lt1"/>
+    </dgm:linClrLst>
+    <dgm:effectClrLst/>
+    <dgm:txLinClrLst/>
+    <dgm:txFillClrLst meth="repeat">
+      <a:schemeClr val="lt1"/>
+    </dgm:txFillClrLst>
+    <dgm:txEffectClrLst/>
+  </dgm:styleLbl>
+  <dgm:styleLbl name="alignImgPlace1">
+    <dgm:fillClrLst meth="repeat">
+      <a:schemeClr val="accent1">
+        <a:tint val="50000"/>
+      </a:schemeClr>
+    </dgm:fillClrLst>
+    <dgm:linClrLst meth="repeat">
+      <a:schemeClr val="lt1"/>
+    </dgm:linClrLst>
+    <dgm:effectClrLst/>
+    <dgm:txLinClrLst/>
+    <dgm:txFillClrLst meth="repeat">
+      <a:schemeClr val="lt1"/>
+    </dgm:txFillClrLst>
+    <dgm:txEffectClrLst/>
+  </dgm:styleLbl>
+  <dgm:styleLbl name="bgImgPlace1">
+    <dgm:fillClrLst meth="repeat">
+      <a:schemeClr val="accent1">
+        <a:tint val="50000"/>
+      </a:schemeClr>
+    </dgm:fillClrLst>
+    <dgm:linClrLst meth="repeat">
+      <a:schemeClr val="lt1"/>
+    </dgm:linClrLst>
+    <dgm:effectClrLst/>
+    <dgm:txLinClrLst/>
+    <dgm:txFillClrLst meth="repeat">
+      <a:schemeClr val="lt1"/>
+    </dgm:txFillClrLst>
+    <dgm:txEffectClrLst/>
+  </dgm:styleLbl>
+  <dgm:styleLbl name="sibTrans2D1">
+    <dgm:fillClrLst meth="repeat">
+      <a:schemeClr val="accent1">
+        <a:tint val="60000"/>
+      </a:schemeClr>
+    </dgm:fillClrLst>
+    <dgm:linClrLst meth="repeat">
+      <a:schemeClr val="accent1">
+        <a:tint val="60000"/>
+      </a:schemeClr>
+    </dgm:linClrLst>
+    <dgm:effectClrLst/>
+    <dgm:txLinClrLst/>
+    <dgm:txFillClrLst/>
+    <dgm:txEffectClrLst/>
+  </dgm:styleLbl>
+  <dgm:styleLbl name="fgSibTrans2D1">
+    <dgm:fillClrLst meth="repeat">
+      <a:schemeClr val="accent1">
+        <a:tint val="60000"/>
+      </a:schemeClr>
+    </dgm:fillClrLst>
+    <dgm:linClrLst meth="repeat">
+      <a:schemeClr val="accent1">
+        <a:tint val="60000"/>
+      </a:schemeClr>
+    </dgm:linClrLst>
+    <dgm:effectClrLst/>
+    <dgm:txLinClrLst/>
+    <dgm:txFillClrLst/>
+    <dgm:txEffectClrLst/>
+  </dgm:styleLbl>
+  <dgm:styleLbl name="bgSibTrans2D1">
+    <dgm:fillClrLst meth="repeat">
+      <a:schemeClr val="accent1">
+        <a:tint val="60000"/>
+      </a:schemeClr>
+    </dgm:fillClrLst>
+    <dgm:linClrLst meth="repeat">
+      <a:schemeClr val="accent1">
+        <a:tint val="60000"/>
+      </a:schemeClr>
+    </dgm:linClrLst>
+    <dgm:effectClrLst/>
+    <dgm:txLinClrLst/>
+    <dgm:txFillClrLst/>
+    <dgm:txEffectClrLst/>
+  </dgm:styleLbl>
+  <dgm:styleLbl name="sibTrans1D1">
+    <dgm:fillClrLst meth="repeat">
+      <a:schemeClr val="accent1"/>
+    </dgm:fillClrLst>
+    <dgm:linClrLst meth="repeat">
+      <a:schemeClr val="accent1"/>
+    </dgm:linClrLst>
+    <dgm:effectClrLst/>
+    <dgm:txLinClrLst/>
+    <dgm:txFillClrLst meth="repeat">
+      <a:schemeClr val="tx1"/>
+    </dgm:txFillClrLst>
+    <dgm:txEffectClrLst/>
+  </dgm:styleLbl>
+  <dgm:styleLbl name="callout">
+    <dgm:fillClrLst meth="repeat">
+      <a:schemeClr val="accent1"/>
+    </dgm:fillClrLst>
+    <dgm:linClrLst meth="repeat">
+      <a:schemeClr val="accent1">
+        <a:tint val="50000"/>
+      </a:schemeClr>
+    </dgm:linClrLst>
+    <dgm:effectClrLst/>
+    <dgm:txLinClrLst/>
+    <dgm:txFillClrLst meth="repeat">
+      <a:schemeClr val="tx1"/>
+    </dgm:txFillClrLst>
+    <dgm:txEffectClrLst/>
+  </dgm:styleLbl>
+  <dgm:styleLbl name="asst0">
+    <dgm:fillClrLst meth="repeat">
+      <a:schemeClr val="accent1"/>
+    </dgm:fillClrLst>
+    <dgm:linClrLst meth="repeat">
+      <a:schemeClr val="lt1"/>
+    </dgm:linClrLst>
+    <dgm:effectClrLst/>
+    <dgm:txLinClrLst/>
+    <dgm:txFillClrLst/>
+    <dgm:txEffectClrLst/>
+  </dgm:styleLbl>
+  <dgm:styleLbl name="asst1">
+    <dgm:fillClrLst meth="repeat">
+      <a:schemeClr val="accent1"/>
+    </dgm:fillClrLst>
+    <dgm:linClrLst meth="repeat">
+      <a:schemeClr val="lt1"/>
+    </dgm:linClrLst>
+    <dgm:effectClrLst/>
+    <dgm:txLinClrLst/>
+    <dgm:txFillClrLst/>
+    <dgm:txEffectClrLst/>
+  </dgm:styleLbl>
+  <dgm:styleLbl name="asst2">
+    <dgm:fillClrLst meth="repeat">
+      <a:schemeClr val="accent1"/>
+    </dgm:fillClrLst>
+    <dgm:linClrLst meth="repeat">
+      <a:schemeClr val="lt1"/>
+    </dgm:linClrLst>
+    <dgm:effectClrLst/>
+    <dgm:txLinClrLst/>
+    <dgm:txFillClrLst/>
+    <dgm:txEffectClrLst/>
+  </dgm:styleLbl>
+  <dgm:styleLbl name="asst3">
+    <dgm:fillClrLst meth="repeat">
+      <a:schemeClr val="accent1"/>
+    </dgm:fillClrLst>
+    <dgm:linClrLst meth="repeat">
+      <a:schemeClr val="lt1"/>
+    </dgm:linClrLst>
+    <dgm:effectClrLst/>
+    <dgm:txLinClrLst/>
+    <dgm:txFillClrLst/>
+    <dgm:txEffectClrLst/>
+  </dgm:styleLbl>
+  <dgm:styleLbl name="asst4">
+    <dgm:fillClrLst meth="repeat">
+      <a:schemeClr val="accent1"/>
+    </dgm:fillClrLst>
+    <dgm:linClrLst meth="repeat">
+      <a:schemeClr val="lt1"/>
+    </dgm:linClrLst>
+    <dgm:effectClrLst/>
+    <dgm:txLinClrLst/>
+    <dgm:txFillClrLst/>
+    <dgm:txEffectClrLst/>
+  </dgm:styleLbl>
+  <dgm:styleLbl name="parChTrans2D1">
+    <dgm:fillClrLst meth="repeat">
+      <a:schemeClr val="accent1">
+        <a:tint val="60000"/>
+      </a:schemeClr>
+    </dgm:fillClrLst>
+    <dgm:linClrLst meth="repeat">
+      <a:schemeClr val="accent1">
+        <a:tint val="60000"/>
+      </a:schemeClr>
+    </dgm:linClrLst>
+    <dgm:effectClrLst/>
+    <dgm:txLinClrLst/>
+    <dgm:txFillClrLst meth="repeat">
+      <a:schemeClr val="lt1"/>
+    </dgm:txFillClrLst>
+    <dgm:txEffectClrLst/>
+  </dgm:styleLbl>
+  <dgm:styleLbl name="parChTrans2D2">
+    <dgm:fillClrLst meth="repeat">
+      <a:schemeClr val="accent1"/>
+    </dgm:fillClrLst>
+    <dgm:linClrLst meth="repeat">
+      <a:schemeClr val="accent1"/>
+    </dgm:linClrLst>
+    <dgm:effectClrLst/>
+    <dgm:txLinClrLst/>
+    <dgm:txFillClrLst meth="repeat">
+      <a:schemeClr val="lt1"/>
+    </dgm:txFillClrLst>
+    <dgm:txEffectClrLst/>
+  </dgm:styleLbl>
+  <dgm:styleLbl name="parChTrans2D3">
+    <dgm:fillClrLst meth="repeat">
+      <a:schemeClr val="accent1"/>
+    </dgm:fillClrLst>
+    <dgm:linClrLst meth="repeat">
+      <a:schemeClr val="accent1"/>
+    </dgm:linClrLst>
+    <dgm:effectClrLst/>
+    <dgm:txLinClrLst/>
+    <dgm:txFillClrLst meth="repeat">
+      <a:schemeClr val="lt1"/>
+    </dgm:txFillClrLst>
+    <dgm:txEffectClrLst/>
+  </dgm:styleLbl>
+  <dgm:styleLbl name="parChTrans2D4">
+    <dgm:fillClrLst meth="repeat">
+      <a:schemeClr val="accent1"/>
+    </dgm:fillClrLst>
+    <dgm:linClrLst meth="repeat">
+      <a:schemeClr val="accent1"/>
+    </dgm:linClrLst>
+    <dgm:effectClrLst/>
+    <dgm:txLinClrLst/>
+    <dgm:txFillClrLst meth="repeat">
+      <a:schemeClr val="lt1"/>
+    </dgm:txFillClrLst>
+    <dgm:txEffectClrLst/>
+  </dgm:styleLbl>
+  <dgm:styleLbl name="parChTrans1D1">
+    <dgm:fillClrLst meth="repeat">
+      <a:schemeClr val="accent1"/>
+    </dgm:fillClrLst>
+    <dgm:linClrLst meth="repeat">
+      <a:schemeClr val="accent1">
+        <a:shade val="60000"/>
+      </a:schemeClr>
+    </dgm:linClrLst>
+    <dgm:effectClrLst/>
+    <dgm:txLinClrLst/>
+    <dgm:txFillClrLst meth="repeat">
+      <a:schemeClr val="tx1"/>
+    </dgm:txFillClrLst>
+    <dgm:txEffectClrLst/>
+  </dgm:styleLbl>
+  <dgm:styleLbl name="parChTrans1D2">
+    <dgm:fillClrLst meth="repeat">
+      <a:schemeClr val="accent1"/>
+    </dgm:fillClrLst>
+    <dgm:linClrLst meth="repeat">
+      <a:schemeClr val="accent1">
+        <a:shade val="60000"/>
+      </a:schemeClr>
+    </dgm:linClrLst>
+    <dgm:effectClrLst/>
+    <dgm:txLinClrLst/>
+    <dgm:txFillClrLst meth="repeat">
+      <a:schemeClr val="tx1"/>
+    </dgm:txFillClrLst>
+    <dgm:txEffectClrLst/>
+  </dgm:styleLbl>
+  <dgm:styleLbl name="parChTrans1D3">
+    <dgm:fillClrLst meth="repeat">
+      <a:schemeClr val="accent1"/>
+    </dgm:fillClrLst>
+    <dgm:linClrLst meth="repeat">
+      <a:schemeClr val="accent1">
+        <a:shade val="80000"/>
+      </a:schemeClr>
+    </dgm:linClrLst>
+    <dgm:effectClrLst/>
+    <dgm:txLinClrLst/>
+    <dgm:txFillClrLst meth="repeat">
+      <a:schemeClr val="tx1"/>
+    </dgm:txFillClrLst>
+    <dgm:txEffectClrLst/>
+  </dgm:styleLbl>
+  <dgm:styleLbl name="parChTrans1D4">
+    <dgm:fillClrLst meth="repeat">
+      <a:schemeClr val="accent1"/>
+    </dgm:fillClrLst>
+    <dgm:linClrLst meth="repeat">
+      <a:schemeClr val="accent1">
+        <a:shade val="80000"/>
+      </a:schemeClr>
+    </dgm:linClrLst>
+    <dgm:effectClrLst/>
+    <dgm:txLinClrLst/>
+    <dgm:txFillClrLst meth="repeat">
+      <a:schemeClr val="tx1"/>
+    </dgm:txFillClrLst>
+    <dgm:txEffectClrLst/>
+  </dgm:styleLbl>
+  <dgm:styleLbl name="fgAcc1">
+    <dgm:fillClrLst meth="repeat">
+      <a:schemeClr val="lt1">
+        <a:alpha val="90000"/>
+      </a:schemeClr>
+    </dgm:fillClrLst>
+    <dgm:linClrLst meth="repeat">
+      <a:schemeClr val="accent1"/>
+    </dgm:linClrLst>
+    <dgm:effectClrLst/>
+    <dgm:txLinClrLst/>
+    <dgm:txFillClrLst meth="repeat">
+      <a:schemeClr val="dk1"/>
+    </dgm:txFillClrLst>
+    <dgm:txEffectClrLst/>
+  </dgm:styleLbl>
+  <dgm:styleLbl name="conFgAcc1">
+    <dgm:fillClrLst meth="repeat">
+      <a:schemeClr val="lt1">
+        <a:alpha val="90000"/>
+      </a:schemeClr>
+    </dgm:fillClrLst>
+    <dgm:linClrLst meth="repeat">
+      <a:schemeClr val="accent1"/>
+    </dgm:linClrLst>
+    <dgm:effectClrLst/>
+    <dgm:txLinClrLst/>
+    <dgm:txFillClrLst meth="repeat">
+      <a:schemeClr val="dk1"/>
+    </dgm:txFillClrLst>
+    <dgm:txEffectClrLst/>
+  </dgm:styleLbl>
+  <dgm:styleLbl name="alignAcc1">
+    <dgm:fillClrLst meth="repeat">
+      <a:schemeClr val="lt1">
+        <a:alpha val="90000"/>
+      </a:schemeClr>
+    </dgm:fillClrLst>
+    <dgm:linClrLst meth="repeat">
+      <a:schemeClr val="accent1"/>
+    </dgm:linClrLst>
+    <dgm:effectClrLst/>
+    <dgm:txLinClrLst/>
+    <dgm:txFillClrLst meth="repeat">
+      <a:schemeClr val="dk1"/>
+    </dgm:txFillClrLst>
+    <dgm:txEffectClrLst/>
+  </dgm:styleLbl>
+  <dgm:styleLbl name="trAlignAcc1">
+    <dgm:fillClrLst meth="repeat">
+      <a:schemeClr val="lt1">
+        <a:alpha val="40000"/>
+      </a:schemeClr>
+    </dgm:fillClrLst>
+    <dgm:linClrLst meth="repeat">
+      <a:schemeClr val="accent1"/>
+    </dgm:linClrLst>
+    <dgm:effectClrLst/>
+    <dgm:txLinClrLst/>
+    <dgm:txFillClrLst meth="repeat">
+      <a:schemeClr val="dk1"/>
+    </dgm:txFillClrLst>
+    <dgm:txEffectClrLst/>
+  </dgm:styleLbl>
+  <dgm:styleLbl name="bgAcc1">
+    <dgm:fillClrLst meth="repeat">
+      <a:schemeClr val="lt1">
+        <a:alpha val="90000"/>
+      </a:schemeClr>
+    </dgm:fillClrLst>
+    <dgm:linClrLst meth="repeat">
+      <a:schemeClr val="accent1"/>
+    </dgm:linClrLst>
+    <dgm:effectClrLst/>
+    <dgm:txLinClrLst/>
+    <dgm:txFillClrLst meth="repeat">
+      <a:schemeClr val="dk1"/>
+    </dgm:txFillClrLst>
+    <dgm:txEffectClrLst/>
+  </dgm:styleLbl>
+  <dgm:styleLbl name="solidFgAcc1">
+    <dgm:fillClrLst meth="repeat">
+      <a:schemeClr val="lt1"/>
+    </dgm:fillClrLst>
+    <dgm:linClrLst meth="repeat">
+      <a:schemeClr val="accent1"/>
+    </dgm:linClrLst>
+    <dgm:effectClrLst/>
+    <dgm:txLinClrLst/>
+    <dgm:txFillClrLst meth="repeat">
+      <a:schemeClr val="dk1"/>
+    </dgm:txFillClrLst>
+    <dgm:txEffectClrLst/>
+  </dgm:styleLbl>
+  <dgm:styleLbl name="solidAlignAcc1">
+    <dgm:fillClrLst meth="repeat">
+      <a:schemeClr val="lt1"/>
+    </dgm:fillClrLst>
+    <dgm:linClrLst meth="repeat">
+      <a:schemeClr val="accent1"/>
+    </dgm:linClrLst>
+    <dgm:effectClrLst/>
+    <dgm:txLinClrLst/>
+    <dgm:txFillClrLst meth="repeat">
+      <a:schemeClr val="dk1"/>
+    </dgm:txFillClrLst>
+    <dgm:txEffectClrLst/>
+  </dgm:styleLbl>
+  <dgm:styleLbl name="solidBgAcc1">
+    <dgm:fillClrLst meth="repeat">
+      <a:schemeClr val="lt1"/>
+    </dgm:fillClrLst>
+    <dgm:linClrLst meth="repeat">
+      <a:schemeClr val="accent1"/>
+    </dgm:linClrLst>
+    <dgm:effectClrLst/>
+    <dgm:txLinClrLst/>
+    <dgm:txFillClrLst meth="repeat">
+      <a:schemeClr val="dk1"/>
+    </dgm:txFillClrLst>
+    <dgm:txEffectClrLst/>
+  </dgm:styleLbl>
+  <dgm:styleLbl name="fgAccFollowNode1">
+    <dgm:fillClrLst meth="repeat">
+      <a:schemeClr val="accent1">
+        <a:alpha val="90000"/>
+        <a:tint val="40000"/>
+      </a:schemeClr>
+    </dgm:fillClrLst>
+    <dgm:linClrLst meth="repeat">
+      <a:schemeClr val="accent1">
+        <a:alpha val="90000"/>
+        <a:tint val="40000"/>
+      </a:schemeClr>
+    </dgm:linClrLst>
+    <dgm:effectClrLst/>
+    <dgm:txLinClrLst/>
+    <dgm:txFillClrLst meth="repeat">
+      <a:schemeClr val="dk1"/>
+    </dgm:txFillClrLst>
+    <dgm:txEffectClrLst/>
+  </dgm:styleLbl>
+  <dgm:styleLbl name="alignAccFollowNode1">
+    <dgm:fillClrLst meth="repeat">
+      <a:schemeClr val="accent1">
+        <a:alpha val="90000"/>
+        <a:tint val="40000"/>
+      </a:schemeClr>
+    </dgm:fillClrLst>
+    <dgm:linClrLst meth="repeat">
+      <a:schemeClr val="accent1">
+        <a:alpha val="90000"/>
+        <a:tint val="40000"/>
+      </a:schemeClr>
+    </dgm:linClrLst>
+    <dgm:effectClrLst/>
+    <dgm:txLinClrLst/>
+    <dgm:txFillClrLst meth="repeat">
+      <a:schemeClr val="dk1"/>
+    </dgm:txFillClrLst>
+    <dgm:txEffectClrLst/>
+  </dgm:styleLbl>
+  <dgm:styleLbl name="bgAccFollowNode1">
+    <dgm:fillClrLst meth="repeat">
+      <a:schemeClr val="accent1">
+        <a:alpha val="90000"/>
+        <a:tint val="40000"/>
+      </a:schemeClr>
+    </dgm:fillClrLst>
+    <dgm:linClrLst meth="repeat">
+      <a:schemeClr val="accent1">
+        <a:alpha val="90000"/>
+        <a:tint val="40000"/>
+      </a:schemeClr>
+    </dgm:linClrLst>
+    <dgm:effectClrLst/>
+    <dgm:txLinClrLst/>
+    <dgm:txFillClrLst meth="repeat">
+      <a:schemeClr val="dk1"/>
+    </dgm:txFillClrLst>
+    <dgm:txEffectClrLst/>
+  </dgm:styleLbl>
+  <dgm:styleLbl name="fgAcc0">
+    <dgm:fillClrLst meth="repeat">
+      <a:schemeClr val="lt1">
+        <a:alpha val="90000"/>
+      </a:schemeClr>
+    </dgm:fillClrLst>
+    <dgm:linClrLst meth="repeat">
+      <a:schemeClr val="accent1"/>
+    </dgm:linClrLst>
+    <dgm:effectClrLst/>
+    <dgm:txLinClrLst/>
+    <dgm:txFillClrLst meth="repeat">
+      <a:schemeClr val="dk1"/>
+    </dgm:txFillClrLst>
+    <dgm:txEffectClrLst/>
+  </dgm:styleLbl>
+  <dgm:styleLbl name="fgAcc2">
+    <dgm:fillClrLst meth="repeat">
+      <a:schemeClr val="lt1">
+        <a:alpha val="90000"/>
+      </a:schemeClr>
+    </dgm:fillClrLst>
+    <dgm:linClrLst meth="repeat">
+      <a:schemeClr val="accent1"/>
+    </dgm:linClrLst>
+    <dgm:effectClrLst/>
+    <dgm:txLinClrLst/>
+    <dgm:txFillClrLst meth="repeat">
+      <a:schemeClr val="dk1"/>
+    </dgm:txFillClrLst>
+    <dgm:txEffectClrLst/>
+  </dgm:styleLbl>
+  <dgm:styleLbl name="fgAcc3">
+    <dgm:fillClrLst meth="repeat">
+      <a:schemeClr val="lt1">
+        <a:alpha val="90000"/>
+      </a:schemeClr>
+    </dgm:fillClrLst>
+    <dgm:linClrLst meth="repeat">
+      <a:schemeClr val="accent1"/>
+    </dgm:linClrLst>
+    <dgm:effectClrLst/>
+    <dgm:txLinClrLst/>
+    <dgm:txFillClrLst meth="repeat">
+      <a:schemeClr val="dk1"/>
+    </dgm:txFillClrLst>
+    <dgm:txEffectClrLst/>
+  </dgm:styleLbl>
+  <dgm:styleLbl name="fgAcc4">
+    <dgm:fillClrLst meth="repeat">
+      <a:schemeClr val="lt1">
+        <a:alpha val="90000"/>
+      </a:schemeClr>
+    </dgm:fillClrLst>
+    <dgm:linClrLst meth="repeat">
+      <a:schemeClr val="accent1"/>
+    </dgm:linClrLst>
+    <dgm:effectClrLst/>
+    <dgm:txLinClrLst/>
+    <dgm:txFillClrLst meth="repeat">
+      <a:schemeClr val="dk1"/>
+    </dgm:txFillClrLst>
+    <dgm:txEffectClrLst/>
+  </dgm:styleLbl>
+  <dgm:styleLbl name="bgShp">
+    <dgm:fillClrLst meth="repeat">
+      <a:schemeClr val="accent1">
+        <a:tint val="40000"/>
+      </a:schemeClr>
+    </dgm:fillClrLst>
+    <dgm:linClrLst meth="repeat">
+      <a:schemeClr val="accent1"/>
+    </dgm:linClrLst>
+    <dgm:effectClrLst/>
+    <dgm:txLinClrLst/>
+    <dgm:txFillClrLst meth="repeat">
+      <a:schemeClr val="dk1"/>
+    </dgm:txFillClrLst>
+    <dgm:txEffectClrLst/>
+  </dgm:styleLbl>
+  <dgm:styleLbl name="dkBgShp">
+    <dgm:fillClrLst meth="repeat">
+      <a:schemeClr val="accent1">
+        <a:shade val="80000"/>
+      </a:schemeClr>
+    </dgm:fillClrLst>
+    <dgm:linClrLst meth="repeat">
+      <a:schemeClr val="accent1"/>
+    </dgm:linClrLst>
+    <dgm:effectClrLst/>
+    <dgm:txLinClrLst/>
+    <dgm:txFillClrLst meth="repeat">
+      <a:schemeClr val="lt1"/>
+    </dgm:txFillClrLst>
+    <dgm:txEffectClrLst/>
+  </dgm:styleLbl>
+  <dgm:styleLbl name="trBgShp">
+    <dgm:fillClrLst meth="repeat">
+      <a:schemeClr val="accent1">
+        <a:tint val="50000"/>
+        <a:alpha val="40000"/>
+      </a:schemeClr>
+    </dgm:fillClrLst>
+    <dgm:linClrLst meth="repeat">
+      <a:schemeClr val="accent1"/>
+    </dgm:linClrLst>
+    <dgm:effectClrLst/>
+    <dgm:txLinClrLst/>
+    <dgm:txFillClrLst meth="repeat">
+      <a:schemeClr val="lt1"/>
+    </dgm:txFillClrLst>
+    <dgm:txEffectClrLst/>
+  </dgm:styleLbl>
+  <dgm:styleLbl name="fgShp">
+    <dgm:fillClrLst meth="repeat">
+      <a:schemeClr val="accent1">
+        <a:tint val="60000"/>
+      </a:schemeClr>
+    </dgm:fillClrLst>
+    <dgm:linClrLst meth="repeat">
+      <a:schemeClr val="lt1"/>
+    </dgm:linClrLst>
+    <dgm:effectClrLst/>
+    <dgm:txLinClrLst/>
+    <dgm:txFillClrLst meth="repeat">
+      <a:schemeClr val="dk1"/>
+    </dgm:txFillClrLst>
+    <dgm:txEffectClrLst/>
+  </dgm:styleLbl>
+  <dgm:styleLbl name="revTx">
+    <dgm:fillClrLst meth="repeat">
+      <a:schemeClr val="lt1">
+        <a:alpha val="0"/>
+      </a:schemeClr>
+    </dgm:fillClrLst>
+    <dgm:linClrLst meth="repeat">
+      <a:schemeClr val="dk1">
+        <a:alpha val="0"/>
+      </a:schemeClr>
+    </dgm:linClrLst>
+    <dgm:effectClrLst/>
+    <dgm:txLinClrLst/>
+    <dgm:txFillClrLst meth="repeat">
+      <a:schemeClr val="tx1"/>
+    </dgm:txFillClrLst>
+    <dgm:txEffectClrLst/>
+  </dgm:styleLbl>
+</dgm:colorsDef>
+</file>
+
+<file path=ppt/diagrams/colors3.xml><?xml version="1.0" encoding="utf-8"?>
 <dgm:colorsDef xmlns:dgm="http://schemas.openxmlformats.org/drawingml/2006/diagram" xmlns:a="http://schemas.openxmlformats.org/drawingml/2006/main" uniqueId="urn:microsoft.com/office/officeart/2005/8/colors/accent1_2">
   <dgm:title val=""/>
   <dgm:desc val=""/>
@@ -1963,6 +3032,360 @@
 </file>
 
 <file path=ppt/diagrams/data2.xml><?xml version="1.0" encoding="utf-8"?>
+<dgm:dataModel xmlns:dgm="http://schemas.openxmlformats.org/drawingml/2006/diagram" xmlns:a="http://schemas.openxmlformats.org/drawingml/2006/main">
+  <dgm:ptLst>
+    <dgm:pt modelId="{81356977-3A7C-41EE-944B-165096A9B22B}" type="doc">
+      <dgm:prSet loTypeId="urn:microsoft.com/office/officeart/2008/layout/VerticalCurvedList" loCatId="list" qsTypeId="urn:microsoft.com/office/officeart/2005/8/quickstyle/simple1" qsCatId="simple" csTypeId="urn:microsoft.com/office/officeart/2005/8/colors/accent1_2" csCatId="accent1" phldr="1"/>
+      <dgm:spPr/>
+      <dgm:t>
+        <a:bodyPr/>
+        <a:lstStyle/>
+        <a:p>
+          <a:endParaRPr lang="en-US"/>
+        </a:p>
+      </dgm:t>
+    </dgm:pt>
+    <dgm:pt modelId="{2487AD34-618A-47DC-93CC-6FD709619C5F}">
+      <dgm:prSet phldrT="[Text]"/>
+      <dgm:spPr/>
+      <dgm:t>
+        <a:bodyPr/>
+        <a:lstStyle/>
+        <a:p>
+          <a:r>
+            <a:rPr lang="en-US" dirty="0"/>
+            <a:t>Background Information</a:t>
+          </a:r>
+        </a:p>
+      </dgm:t>
+    </dgm:pt>
+    <dgm:pt modelId="{E343E530-A616-4AE3-BAB2-394642ABEBB9}" type="parTrans" cxnId="{5A702C0E-4D20-4F51-B12A-7A0878E6D012}">
+      <dgm:prSet/>
+      <dgm:spPr/>
+      <dgm:t>
+        <a:bodyPr/>
+        <a:lstStyle/>
+        <a:p>
+          <a:endParaRPr lang="en-US"/>
+        </a:p>
+      </dgm:t>
+    </dgm:pt>
+    <dgm:pt modelId="{58CC171C-66DA-4598-BF35-CFE3DF266562}" type="sibTrans" cxnId="{5A702C0E-4D20-4F51-B12A-7A0878E6D012}">
+      <dgm:prSet/>
+      <dgm:spPr/>
+      <dgm:t>
+        <a:bodyPr/>
+        <a:lstStyle/>
+        <a:p>
+          <a:endParaRPr lang="en-US"/>
+        </a:p>
+      </dgm:t>
+    </dgm:pt>
+    <dgm:pt modelId="{FEA88821-40BA-455D-8687-BB2F034D2D28}">
+      <dgm:prSet phldrT="[Text]"/>
+      <dgm:spPr/>
+      <dgm:t>
+        <a:bodyPr/>
+        <a:lstStyle/>
+        <a:p>
+          <a:r>
+            <a:rPr lang="en-US" dirty="0"/>
+            <a:t>Research Question</a:t>
+          </a:r>
+        </a:p>
+      </dgm:t>
+    </dgm:pt>
+    <dgm:pt modelId="{A3099FDB-FB33-4D3D-8178-3E73EE991E17}" type="parTrans" cxnId="{735D96F6-44CC-44A2-8668-892C62141E19}">
+      <dgm:prSet/>
+      <dgm:spPr/>
+      <dgm:t>
+        <a:bodyPr/>
+        <a:lstStyle/>
+        <a:p>
+          <a:endParaRPr lang="en-US"/>
+        </a:p>
+      </dgm:t>
+    </dgm:pt>
+    <dgm:pt modelId="{7D8B849B-55A3-4DBB-96AB-A938BE389C10}" type="sibTrans" cxnId="{735D96F6-44CC-44A2-8668-892C62141E19}">
+      <dgm:prSet/>
+      <dgm:spPr/>
+      <dgm:t>
+        <a:bodyPr/>
+        <a:lstStyle/>
+        <a:p>
+          <a:endParaRPr lang="en-US"/>
+        </a:p>
+      </dgm:t>
+    </dgm:pt>
+    <dgm:pt modelId="{07D6B59E-AF83-4FCC-8F5F-FEFB06C1866B}">
+      <dgm:prSet phldrT="[Text]"/>
+      <dgm:spPr/>
+      <dgm:t>
+        <a:bodyPr/>
+        <a:lstStyle/>
+        <a:p>
+          <a:r>
+            <a:rPr lang="en-US" dirty="0"/>
+            <a:t>Data Analysis</a:t>
+          </a:r>
+        </a:p>
+      </dgm:t>
+    </dgm:pt>
+    <dgm:pt modelId="{3C1B3F8F-BD88-49A5-A558-3CA74CBCA6EB}" type="parTrans" cxnId="{79F4FAF4-9798-4676-8011-F3FC4CB83288}">
+      <dgm:prSet/>
+      <dgm:spPr/>
+      <dgm:t>
+        <a:bodyPr/>
+        <a:lstStyle/>
+        <a:p>
+          <a:endParaRPr lang="en-US"/>
+        </a:p>
+      </dgm:t>
+    </dgm:pt>
+    <dgm:pt modelId="{A8172C5C-847D-44E7-B678-0C350190848D}" type="sibTrans" cxnId="{79F4FAF4-9798-4676-8011-F3FC4CB83288}">
+      <dgm:prSet/>
+      <dgm:spPr/>
+      <dgm:t>
+        <a:bodyPr/>
+        <a:lstStyle/>
+        <a:p>
+          <a:endParaRPr lang="en-US"/>
+        </a:p>
+      </dgm:t>
+    </dgm:pt>
+    <dgm:pt modelId="{DC167FC4-AE7E-40A1-ADD8-45CE0F936D0A}">
+      <dgm:prSet phldrT="[Text]"/>
+      <dgm:spPr/>
+      <dgm:t>
+        <a:bodyPr/>
+        <a:lstStyle/>
+        <a:p>
+          <a:r>
+            <a:rPr lang="en-US" dirty="0"/>
+            <a:t>Conclusion</a:t>
+          </a:r>
+        </a:p>
+      </dgm:t>
+    </dgm:pt>
+    <dgm:pt modelId="{6578EFC0-105C-4942-9A10-C6E50ABE049B}" type="parTrans" cxnId="{CC190814-F35A-4475-B2C8-72EA8BF263F7}">
+      <dgm:prSet/>
+      <dgm:spPr/>
+      <dgm:t>
+        <a:bodyPr/>
+        <a:lstStyle/>
+        <a:p>
+          <a:endParaRPr lang="en-US"/>
+        </a:p>
+      </dgm:t>
+    </dgm:pt>
+    <dgm:pt modelId="{1E20FF92-ADA7-4651-B718-8FA617C6C933}" type="sibTrans" cxnId="{CC190814-F35A-4475-B2C8-72EA8BF263F7}">
+      <dgm:prSet/>
+      <dgm:spPr/>
+      <dgm:t>
+        <a:bodyPr/>
+        <a:lstStyle/>
+        <a:p>
+          <a:endParaRPr lang="en-US"/>
+        </a:p>
+      </dgm:t>
+    </dgm:pt>
+    <dgm:pt modelId="{390BA653-E6AF-4E4C-A2F7-64ABB2AED570}">
+      <dgm:prSet phldrT="[Text]"/>
+      <dgm:spPr/>
+      <dgm:t>
+        <a:bodyPr/>
+        <a:lstStyle/>
+        <a:p>
+          <a:r>
+            <a:rPr lang="en-US" dirty="0"/>
+            <a:t>Future Work/Next Steps</a:t>
+          </a:r>
+        </a:p>
+      </dgm:t>
+    </dgm:pt>
+    <dgm:pt modelId="{CF14DB24-9F2E-4009-A93C-978CC932956A}" type="parTrans" cxnId="{415710A2-1B41-4192-9711-F02FFA03D424}">
+      <dgm:prSet/>
+      <dgm:spPr/>
+      <dgm:t>
+        <a:bodyPr/>
+        <a:lstStyle/>
+        <a:p>
+          <a:endParaRPr lang="en-US"/>
+        </a:p>
+      </dgm:t>
+    </dgm:pt>
+    <dgm:pt modelId="{089AC43F-F68C-4DD1-BA67-9AC6DB073C31}" type="sibTrans" cxnId="{415710A2-1B41-4192-9711-F02FFA03D424}">
+      <dgm:prSet/>
+      <dgm:spPr/>
+      <dgm:t>
+        <a:bodyPr/>
+        <a:lstStyle/>
+        <a:p>
+          <a:endParaRPr lang="en-US"/>
+        </a:p>
+      </dgm:t>
+    </dgm:pt>
+    <dgm:pt modelId="{72D371A8-900E-4003-AD0B-BC21E485B71E}" type="pres">
+      <dgm:prSet presAssocID="{81356977-3A7C-41EE-944B-165096A9B22B}" presName="Name0" presStyleCnt="0">
+        <dgm:presLayoutVars>
+          <dgm:chMax val="7"/>
+          <dgm:chPref val="7"/>
+          <dgm:dir/>
+        </dgm:presLayoutVars>
+      </dgm:prSet>
+      <dgm:spPr/>
+    </dgm:pt>
+    <dgm:pt modelId="{1ED25D08-D906-4D51-9F2D-52293CD11578}" type="pres">
+      <dgm:prSet presAssocID="{81356977-3A7C-41EE-944B-165096A9B22B}" presName="Name1" presStyleCnt="0"/>
+      <dgm:spPr/>
+    </dgm:pt>
+    <dgm:pt modelId="{502970D2-A058-412A-81A9-96E53E169941}" type="pres">
+      <dgm:prSet presAssocID="{81356977-3A7C-41EE-944B-165096A9B22B}" presName="cycle" presStyleCnt="0"/>
+      <dgm:spPr/>
+    </dgm:pt>
+    <dgm:pt modelId="{2BF104DE-6A9D-4CEE-889C-7B4AAB30507A}" type="pres">
+      <dgm:prSet presAssocID="{81356977-3A7C-41EE-944B-165096A9B22B}" presName="srcNode" presStyleLbl="node1" presStyleIdx="0" presStyleCnt="5"/>
+      <dgm:spPr/>
+    </dgm:pt>
+    <dgm:pt modelId="{985CC7EC-2571-4781-9BEE-4D2051FDA60B}" type="pres">
+      <dgm:prSet presAssocID="{81356977-3A7C-41EE-944B-165096A9B22B}" presName="conn" presStyleLbl="parChTrans1D2" presStyleIdx="0" presStyleCnt="1"/>
+      <dgm:spPr/>
+    </dgm:pt>
+    <dgm:pt modelId="{1821764E-DF98-4D14-955A-E56AF8D671CB}" type="pres">
+      <dgm:prSet presAssocID="{81356977-3A7C-41EE-944B-165096A9B22B}" presName="extraNode" presStyleLbl="node1" presStyleIdx="0" presStyleCnt="5"/>
+      <dgm:spPr/>
+    </dgm:pt>
+    <dgm:pt modelId="{802A1291-13A8-4758-A76C-C96744E63E9C}" type="pres">
+      <dgm:prSet presAssocID="{81356977-3A7C-41EE-944B-165096A9B22B}" presName="dstNode" presStyleLbl="node1" presStyleIdx="0" presStyleCnt="5"/>
+      <dgm:spPr/>
+    </dgm:pt>
+    <dgm:pt modelId="{1FA2E616-CB41-4CCA-AEFF-4771D064C713}" type="pres">
+      <dgm:prSet presAssocID="{2487AD34-618A-47DC-93CC-6FD709619C5F}" presName="text_1" presStyleLbl="node1" presStyleIdx="0" presStyleCnt="5">
+        <dgm:presLayoutVars>
+          <dgm:bulletEnabled val="1"/>
+        </dgm:presLayoutVars>
+      </dgm:prSet>
+      <dgm:spPr/>
+    </dgm:pt>
+    <dgm:pt modelId="{413F8789-57A2-4F48-B3C0-97FAE06959D2}" type="pres">
+      <dgm:prSet presAssocID="{2487AD34-618A-47DC-93CC-6FD709619C5F}" presName="accent_1" presStyleCnt="0"/>
+      <dgm:spPr/>
+    </dgm:pt>
+    <dgm:pt modelId="{6815A97F-5379-4D5E-ACA8-BA0F1C5B7937}" type="pres">
+      <dgm:prSet presAssocID="{2487AD34-618A-47DC-93CC-6FD709619C5F}" presName="accentRepeatNode" presStyleLbl="solidFgAcc1" presStyleIdx="0" presStyleCnt="5"/>
+      <dgm:spPr/>
+    </dgm:pt>
+    <dgm:pt modelId="{91971360-DCA5-401B-BED8-52D33871E09B}" type="pres">
+      <dgm:prSet presAssocID="{FEA88821-40BA-455D-8687-BB2F034D2D28}" presName="text_2" presStyleLbl="node1" presStyleIdx="1" presStyleCnt="5">
+        <dgm:presLayoutVars>
+          <dgm:bulletEnabled val="1"/>
+        </dgm:presLayoutVars>
+      </dgm:prSet>
+      <dgm:spPr/>
+    </dgm:pt>
+    <dgm:pt modelId="{80101E17-A8B1-4995-9479-AE00D7F18275}" type="pres">
+      <dgm:prSet presAssocID="{FEA88821-40BA-455D-8687-BB2F034D2D28}" presName="accent_2" presStyleCnt="0"/>
+      <dgm:spPr/>
+    </dgm:pt>
+    <dgm:pt modelId="{2CA897BC-1B34-4449-A1AD-59C84149C01A}" type="pres">
+      <dgm:prSet presAssocID="{FEA88821-40BA-455D-8687-BB2F034D2D28}" presName="accentRepeatNode" presStyleLbl="solidFgAcc1" presStyleIdx="1" presStyleCnt="5"/>
+      <dgm:spPr/>
+    </dgm:pt>
+    <dgm:pt modelId="{B03BA408-0BCB-4BE9-A573-B70B6F3383B5}" type="pres">
+      <dgm:prSet presAssocID="{07D6B59E-AF83-4FCC-8F5F-FEFB06C1866B}" presName="text_3" presStyleLbl="node1" presStyleIdx="2" presStyleCnt="5">
+        <dgm:presLayoutVars>
+          <dgm:bulletEnabled val="1"/>
+        </dgm:presLayoutVars>
+      </dgm:prSet>
+      <dgm:spPr/>
+    </dgm:pt>
+    <dgm:pt modelId="{3AD62853-35CE-47B0-9018-3854C145BD23}" type="pres">
+      <dgm:prSet presAssocID="{07D6B59E-AF83-4FCC-8F5F-FEFB06C1866B}" presName="accent_3" presStyleCnt="0"/>
+      <dgm:spPr/>
+    </dgm:pt>
+    <dgm:pt modelId="{EAA3E4E6-C136-4FEB-9063-ED1F983673DB}" type="pres">
+      <dgm:prSet presAssocID="{07D6B59E-AF83-4FCC-8F5F-FEFB06C1866B}" presName="accentRepeatNode" presStyleLbl="solidFgAcc1" presStyleIdx="2" presStyleCnt="5"/>
+      <dgm:spPr/>
+    </dgm:pt>
+    <dgm:pt modelId="{99419089-53B3-476B-9D70-DA750D374797}" type="pres">
+      <dgm:prSet presAssocID="{DC167FC4-AE7E-40A1-ADD8-45CE0F936D0A}" presName="text_4" presStyleLbl="node1" presStyleIdx="3" presStyleCnt="5">
+        <dgm:presLayoutVars>
+          <dgm:bulletEnabled val="1"/>
+        </dgm:presLayoutVars>
+      </dgm:prSet>
+      <dgm:spPr/>
+    </dgm:pt>
+    <dgm:pt modelId="{58288E66-5538-4BDB-AA57-3C1E314DE828}" type="pres">
+      <dgm:prSet presAssocID="{DC167FC4-AE7E-40A1-ADD8-45CE0F936D0A}" presName="accent_4" presStyleCnt="0"/>
+      <dgm:spPr/>
+    </dgm:pt>
+    <dgm:pt modelId="{9E086C9A-D27B-490C-9406-1F17662CCB0B}" type="pres">
+      <dgm:prSet presAssocID="{DC167FC4-AE7E-40A1-ADD8-45CE0F936D0A}" presName="accentRepeatNode" presStyleLbl="solidFgAcc1" presStyleIdx="3" presStyleCnt="5"/>
+      <dgm:spPr/>
+    </dgm:pt>
+    <dgm:pt modelId="{B661DBEE-881F-4F18-A271-83DB8243A08C}" type="pres">
+      <dgm:prSet presAssocID="{390BA653-E6AF-4E4C-A2F7-64ABB2AED570}" presName="text_5" presStyleLbl="node1" presStyleIdx="4" presStyleCnt="5">
+        <dgm:presLayoutVars>
+          <dgm:bulletEnabled val="1"/>
+        </dgm:presLayoutVars>
+      </dgm:prSet>
+      <dgm:spPr/>
+    </dgm:pt>
+    <dgm:pt modelId="{EDBD2987-A607-4D68-B1A4-9183E837EA62}" type="pres">
+      <dgm:prSet presAssocID="{390BA653-E6AF-4E4C-A2F7-64ABB2AED570}" presName="accent_5" presStyleCnt="0"/>
+      <dgm:spPr/>
+    </dgm:pt>
+    <dgm:pt modelId="{A60867B2-2A52-4BCD-8F45-E8CEF8A0AF2B}" type="pres">
+      <dgm:prSet presAssocID="{390BA653-E6AF-4E4C-A2F7-64ABB2AED570}" presName="accentRepeatNode" presStyleLbl="solidFgAcc1" presStyleIdx="4" presStyleCnt="5"/>
+      <dgm:spPr/>
+    </dgm:pt>
+  </dgm:ptLst>
+  <dgm:cxnLst>
+    <dgm:cxn modelId="{5A702C0E-4D20-4F51-B12A-7A0878E6D012}" srcId="{81356977-3A7C-41EE-944B-165096A9B22B}" destId="{2487AD34-618A-47DC-93CC-6FD709619C5F}" srcOrd="0" destOrd="0" parTransId="{E343E530-A616-4AE3-BAB2-394642ABEBB9}" sibTransId="{58CC171C-66DA-4598-BF35-CFE3DF266562}"/>
+    <dgm:cxn modelId="{CC190814-F35A-4475-B2C8-72EA8BF263F7}" srcId="{81356977-3A7C-41EE-944B-165096A9B22B}" destId="{DC167FC4-AE7E-40A1-ADD8-45CE0F936D0A}" srcOrd="3" destOrd="0" parTransId="{6578EFC0-105C-4942-9A10-C6E50ABE049B}" sibTransId="{1E20FF92-ADA7-4651-B718-8FA617C6C933}"/>
+    <dgm:cxn modelId="{D1B01915-8FDD-4517-9E4C-02FA1D5849C1}" type="presOf" srcId="{390BA653-E6AF-4E4C-A2F7-64ABB2AED570}" destId="{B661DBEE-881F-4F18-A271-83DB8243A08C}" srcOrd="0" destOrd="0" presId="urn:microsoft.com/office/officeart/2008/layout/VerticalCurvedList"/>
+    <dgm:cxn modelId="{52AC5C61-7984-4AFE-9071-EC0353B753A8}" type="presOf" srcId="{07D6B59E-AF83-4FCC-8F5F-FEFB06C1866B}" destId="{B03BA408-0BCB-4BE9-A573-B70B6F3383B5}" srcOrd="0" destOrd="0" presId="urn:microsoft.com/office/officeart/2008/layout/VerticalCurvedList"/>
+    <dgm:cxn modelId="{4FD2BB6F-DCD9-4620-9C4B-B60E5709E528}" type="presOf" srcId="{58CC171C-66DA-4598-BF35-CFE3DF266562}" destId="{985CC7EC-2571-4781-9BEE-4D2051FDA60B}" srcOrd="0" destOrd="0" presId="urn:microsoft.com/office/officeart/2008/layout/VerticalCurvedList"/>
+    <dgm:cxn modelId="{FF4A5259-C775-4DEE-A6DA-5C17D4ABDAB4}" type="presOf" srcId="{81356977-3A7C-41EE-944B-165096A9B22B}" destId="{72D371A8-900E-4003-AD0B-BC21E485B71E}" srcOrd="0" destOrd="0" presId="urn:microsoft.com/office/officeart/2008/layout/VerticalCurvedList"/>
+    <dgm:cxn modelId="{415710A2-1B41-4192-9711-F02FFA03D424}" srcId="{81356977-3A7C-41EE-944B-165096A9B22B}" destId="{390BA653-E6AF-4E4C-A2F7-64ABB2AED570}" srcOrd="4" destOrd="0" parTransId="{CF14DB24-9F2E-4009-A93C-978CC932956A}" sibTransId="{089AC43F-F68C-4DD1-BA67-9AC6DB073C31}"/>
+    <dgm:cxn modelId="{54A464B5-A0C4-4379-ABF2-97AB882B8FD2}" type="presOf" srcId="{2487AD34-618A-47DC-93CC-6FD709619C5F}" destId="{1FA2E616-CB41-4CCA-AEFF-4771D064C713}" srcOrd="0" destOrd="0" presId="urn:microsoft.com/office/officeart/2008/layout/VerticalCurvedList"/>
+    <dgm:cxn modelId="{604341CE-92BF-4608-ACCA-E466D5AE6419}" type="presOf" srcId="{FEA88821-40BA-455D-8687-BB2F034D2D28}" destId="{91971360-DCA5-401B-BED8-52D33871E09B}" srcOrd="0" destOrd="0" presId="urn:microsoft.com/office/officeart/2008/layout/VerticalCurvedList"/>
+    <dgm:cxn modelId="{79F4FAF4-9798-4676-8011-F3FC4CB83288}" srcId="{81356977-3A7C-41EE-944B-165096A9B22B}" destId="{07D6B59E-AF83-4FCC-8F5F-FEFB06C1866B}" srcOrd="2" destOrd="0" parTransId="{3C1B3F8F-BD88-49A5-A558-3CA74CBCA6EB}" sibTransId="{A8172C5C-847D-44E7-B678-0C350190848D}"/>
+    <dgm:cxn modelId="{735D96F6-44CC-44A2-8668-892C62141E19}" srcId="{81356977-3A7C-41EE-944B-165096A9B22B}" destId="{FEA88821-40BA-455D-8687-BB2F034D2D28}" srcOrd="1" destOrd="0" parTransId="{A3099FDB-FB33-4D3D-8178-3E73EE991E17}" sibTransId="{7D8B849B-55A3-4DBB-96AB-A938BE389C10}"/>
+    <dgm:cxn modelId="{EB1889FB-238E-4910-A553-7B663CF91F1E}" type="presOf" srcId="{DC167FC4-AE7E-40A1-ADD8-45CE0F936D0A}" destId="{99419089-53B3-476B-9D70-DA750D374797}" srcOrd="0" destOrd="0" presId="urn:microsoft.com/office/officeart/2008/layout/VerticalCurvedList"/>
+    <dgm:cxn modelId="{03064DB9-0F7F-406C-8986-1EFB0AB382D7}" type="presParOf" srcId="{72D371A8-900E-4003-AD0B-BC21E485B71E}" destId="{1ED25D08-D906-4D51-9F2D-52293CD11578}" srcOrd="0" destOrd="0" presId="urn:microsoft.com/office/officeart/2008/layout/VerticalCurvedList"/>
+    <dgm:cxn modelId="{20A5086A-B31A-41B5-8B26-DD69F1B25AC0}" type="presParOf" srcId="{1ED25D08-D906-4D51-9F2D-52293CD11578}" destId="{502970D2-A058-412A-81A9-96E53E169941}" srcOrd="0" destOrd="0" presId="urn:microsoft.com/office/officeart/2008/layout/VerticalCurvedList"/>
+    <dgm:cxn modelId="{06E6FBFC-F9B8-4BAB-A378-4EF54FA3F60D}" type="presParOf" srcId="{502970D2-A058-412A-81A9-96E53E169941}" destId="{2BF104DE-6A9D-4CEE-889C-7B4AAB30507A}" srcOrd="0" destOrd="0" presId="urn:microsoft.com/office/officeart/2008/layout/VerticalCurvedList"/>
+    <dgm:cxn modelId="{64160BB0-6266-4C5C-BF68-63D78B2DDBF1}" type="presParOf" srcId="{502970D2-A058-412A-81A9-96E53E169941}" destId="{985CC7EC-2571-4781-9BEE-4D2051FDA60B}" srcOrd="1" destOrd="0" presId="urn:microsoft.com/office/officeart/2008/layout/VerticalCurvedList"/>
+    <dgm:cxn modelId="{AC35F695-9319-4468-92D8-C8863F1B397F}" type="presParOf" srcId="{502970D2-A058-412A-81A9-96E53E169941}" destId="{1821764E-DF98-4D14-955A-E56AF8D671CB}" srcOrd="2" destOrd="0" presId="urn:microsoft.com/office/officeart/2008/layout/VerticalCurvedList"/>
+    <dgm:cxn modelId="{02CEBDEE-9FAB-4CCD-AAF1-631EE06A8FD9}" type="presParOf" srcId="{502970D2-A058-412A-81A9-96E53E169941}" destId="{802A1291-13A8-4758-A76C-C96744E63E9C}" srcOrd="3" destOrd="0" presId="urn:microsoft.com/office/officeart/2008/layout/VerticalCurvedList"/>
+    <dgm:cxn modelId="{BC37C4D0-65E9-454D-9F6B-158C65282E10}" type="presParOf" srcId="{1ED25D08-D906-4D51-9F2D-52293CD11578}" destId="{1FA2E616-CB41-4CCA-AEFF-4771D064C713}" srcOrd="1" destOrd="0" presId="urn:microsoft.com/office/officeart/2008/layout/VerticalCurvedList"/>
+    <dgm:cxn modelId="{3192A740-D68F-4629-8780-69418FB22936}" type="presParOf" srcId="{1ED25D08-D906-4D51-9F2D-52293CD11578}" destId="{413F8789-57A2-4F48-B3C0-97FAE06959D2}" srcOrd="2" destOrd="0" presId="urn:microsoft.com/office/officeart/2008/layout/VerticalCurvedList"/>
+    <dgm:cxn modelId="{2ABC5476-731D-40A3-88DF-800637052F83}" type="presParOf" srcId="{413F8789-57A2-4F48-B3C0-97FAE06959D2}" destId="{6815A97F-5379-4D5E-ACA8-BA0F1C5B7937}" srcOrd="0" destOrd="0" presId="urn:microsoft.com/office/officeart/2008/layout/VerticalCurvedList"/>
+    <dgm:cxn modelId="{8B1D82E9-C850-4F0F-BE62-21DEDEAA46EE}" type="presParOf" srcId="{1ED25D08-D906-4D51-9F2D-52293CD11578}" destId="{91971360-DCA5-401B-BED8-52D33871E09B}" srcOrd="3" destOrd="0" presId="urn:microsoft.com/office/officeart/2008/layout/VerticalCurvedList"/>
+    <dgm:cxn modelId="{85E15DB9-CBDF-4D2F-860D-BE8C8AA4920F}" type="presParOf" srcId="{1ED25D08-D906-4D51-9F2D-52293CD11578}" destId="{80101E17-A8B1-4995-9479-AE00D7F18275}" srcOrd="4" destOrd="0" presId="urn:microsoft.com/office/officeart/2008/layout/VerticalCurvedList"/>
+    <dgm:cxn modelId="{EB8FA365-1AD5-4B1A-8677-D2E21DAAD822}" type="presParOf" srcId="{80101E17-A8B1-4995-9479-AE00D7F18275}" destId="{2CA897BC-1B34-4449-A1AD-59C84149C01A}" srcOrd="0" destOrd="0" presId="urn:microsoft.com/office/officeart/2008/layout/VerticalCurvedList"/>
+    <dgm:cxn modelId="{A827FF15-8669-45F9-9494-9629E16CF51C}" type="presParOf" srcId="{1ED25D08-D906-4D51-9F2D-52293CD11578}" destId="{B03BA408-0BCB-4BE9-A573-B70B6F3383B5}" srcOrd="5" destOrd="0" presId="urn:microsoft.com/office/officeart/2008/layout/VerticalCurvedList"/>
+    <dgm:cxn modelId="{92DC08FA-1CBA-413E-A1B8-D31F39D7029C}" type="presParOf" srcId="{1ED25D08-D906-4D51-9F2D-52293CD11578}" destId="{3AD62853-35CE-47B0-9018-3854C145BD23}" srcOrd="6" destOrd="0" presId="urn:microsoft.com/office/officeart/2008/layout/VerticalCurvedList"/>
+    <dgm:cxn modelId="{1B364014-65A5-45E4-9657-3A5E6F50D32F}" type="presParOf" srcId="{3AD62853-35CE-47B0-9018-3854C145BD23}" destId="{EAA3E4E6-C136-4FEB-9063-ED1F983673DB}" srcOrd="0" destOrd="0" presId="urn:microsoft.com/office/officeart/2008/layout/VerticalCurvedList"/>
+    <dgm:cxn modelId="{6901C9C2-F2D1-4943-AA84-AFDB2CF97BD3}" type="presParOf" srcId="{1ED25D08-D906-4D51-9F2D-52293CD11578}" destId="{99419089-53B3-476B-9D70-DA750D374797}" srcOrd="7" destOrd="0" presId="urn:microsoft.com/office/officeart/2008/layout/VerticalCurvedList"/>
+    <dgm:cxn modelId="{21B79C5A-9C08-4BFB-ABE0-0F74C84CBFBC}" type="presParOf" srcId="{1ED25D08-D906-4D51-9F2D-52293CD11578}" destId="{58288E66-5538-4BDB-AA57-3C1E314DE828}" srcOrd="8" destOrd="0" presId="urn:microsoft.com/office/officeart/2008/layout/VerticalCurvedList"/>
+    <dgm:cxn modelId="{CB9CA2A4-C575-4C84-BEE1-9A6187B2CCA6}" type="presParOf" srcId="{58288E66-5538-4BDB-AA57-3C1E314DE828}" destId="{9E086C9A-D27B-490C-9406-1F17662CCB0B}" srcOrd="0" destOrd="0" presId="urn:microsoft.com/office/officeart/2008/layout/VerticalCurvedList"/>
+    <dgm:cxn modelId="{42CE577A-0AE9-4C32-BC93-ADF8CC0F37A3}" type="presParOf" srcId="{1ED25D08-D906-4D51-9F2D-52293CD11578}" destId="{B661DBEE-881F-4F18-A271-83DB8243A08C}" srcOrd="9" destOrd="0" presId="urn:microsoft.com/office/officeart/2008/layout/VerticalCurvedList"/>
+    <dgm:cxn modelId="{61ED6985-CD19-4417-850B-400BF4682973}" type="presParOf" srcId="{1ED25D08-D906-4D51-9F2D-52293CD11578}" destId="{EDBD2987-A607-4D68-B1A4-9183E837EA62}" srcOrd="10" destOrd="0" presId="urn:microsoft.com/office/officeart/2008/layout/VerticalCurvedList"/>
+    <dgm:cxn modelId="{2039CACF-A217-4E19-9258-BED1679CC083}" type="presParOf" srcId="{EDBD2987-A607-4D68-B1A4-9183E837EA62}" destId="{A60867B2-2A52-4BCD-8F45-E8CEF8A0AF2B}" srcOrd="0" destOrd="0" presId="urn:microsoft.com/office/officeart/2008/layout/VerticalCurvedList"/>
+  </dgm:cxnLst>
+  <dgm:bg/>
+  <dgm:whole/>
+  <dgm:extLst>
+    <a:ext uri="http://schemas.microsoft.com/office/drawing/2008/diagram">
+      <dsp:dataModelExt xmlns:dsp="http://schemas.microsoft.com/office/drawing/2008/diagram" relId="rId6" minVer="http://schemas.openxmlformats.org/drawingml/2006/diagram"/>
+    </a:ext>
+  </dgm:extLst>
+</dgm:dataModel>
+</file>
+
+<file path=ppt/diagrams/data3.xml><?xml version="1.0" encoding="utf-8"?>
 <dgm:dataModel xmlns:dgm="http://schemas.openxmlformats.org/drawingml/2006/diagram" xmlns:a="http://schemas.openxmlformats.org/drawingml/2006/main">
   <dgm:ptLst>
     <dgm:pt modelId="{81356977-3A7C-41EE-944B-165096A9B22B}" type="doc">
@@ -2994,6 +4417,683 @@
 </file>
 
 <file path=ppt/diagrams/drawing2.xml><?xml version="1.0" encoding="utf-8"?>
+<dsp:drawing xmlns:dgm="http://schemas.openxmlformats.org/drawingml/2006/diagram" xmlns:dsp="http://schemas.microsoft.com/office/drawing/2008/diagram" xmlns:a="http://schemas.openxmlformats.org/drawingml/2006/main">
+  <dsp:spTree>
+    <dsp:nvGrpSpPr>
+      <dsp:cNvPr id="0" name=""/>
+      <dsp:cNvGrpSpPr/>
+    </dsp:nvGrpSpPr>
+    <dsp:grpSpPr/>
+    <dsp:sp modelId="{985CC7EC-2571-4781-9BEE-4D2051FDA60B}">
+      <dsp:nvSpPr>
+        <dsp:cNvPr id="0" name=""/>
+        <dsp:cNvSpPr/>
+      </dsp:nvSpPr>
+      <dsp:spPr>
+        <a:xfrm>
+          <a:off x="-4547637" y="-697308"/>
+          <a:ext cx="5417342" cy="5417342"/>
+        </a:xfrm>
+        <a:prstGeom prst="blockArc">
+          <a:avLst>
+            <a:gd name="adj1" fmla="val 18900000"/>
+            <a:gd name="adj2" fmla="val 2700000"/>
+            <a:gd name="adj3" fmla="val 399"/>
+          </a:avLst>
+        </a:prstGeom>
+        <a:noFill/>
+        <a:ln w="15875" cap="flat" cmpd="sng" algn="ctr">
+          <a:solidFill>
+            <a:schemeClr val="accent1">
+              <a:shade val="60000"/>
+              <a:hueOff val="0"/>
+              <a:satOff val="0"/>
+              <a:lumOff val="0"/>
+              <a:alphaOff val="0"/>
+            </a:schemeClr>
+          </a:solidFill>
+          <a:prstDash val="solid"/>
+        </a:ln>
+        <a:effectLst/>
+      </dsp:spPr>
+      <dsp:style>
+        <a:lnRef idx="2">
+          <a:scrgbClr r="0" g="0" b="0"/>
+        </a:lnRef>
+        <a:fillRef idx="0">
+          <a:scrgbClr r="0" g="0" b="0"/>
+        </a:fillRef>
+        <a:effectRef idx="0">
+          <a:scrgbClr r="0" g="0" b="0"/>
+        </a:effectRef>
+        <a:fontRef idx="minor"/>
+      </dsp:style>
+    </dsp:sp>
+    <dsp:sp modelId="{1FA2E616-CB41-4CCA-AEFF-4771D064C713}">
+      <dsp:nvSpPr>
+        <dsp:cNvPr id="0" name=""/>
+        <dsp:cNvSpPr/>
+      </dsp:nvSpPr>
+      <dsp:spPr>
+        <a:xfrm>
+          <a:off x="380724" y="251339"/>
+          <a:ext cx="9623141" cy="503001"/>
+        </a:xfrm>
+        <a:prstGeom prst="rect">
+          <a:avLst/>
+        </a:prstGeom>
+        <a:solidFill>
+          <a:schemeClr val="accent1">
+            <a:hueOff val="0"/>
+            <a:satOff val="0"/>
+            <a:lumOff val="0"/>
+            <a:alphaOff val="0"/>
+          </a:schemeClr>
+        </a:solidFill>
+        <a:ln w="15875" cap="flat" cmpd="sng" algn="ctr">
+          <a:solidFill>
+            <a:schemeClr val="lt1">
+              <a:hueOff val="0"/>
+              <a:satOff val="0"/>
+              <a:lumOff val="0"/>
+              <a:alphaOff val="0"/>
+            </a:schemeClr>
+          </a:solidFill>
+          <a:prstDash val="solid"/>
+        </a:ln>
+        <a:effectLst/>
+      </dsp:spPr>
+      <dsp:style>
+        <a:lnRef idx="2">
+          <a:scrgbClr r="0" g="0" b="0"/>
+        </a:lnRef>
+        <a:fillRef idx="1">
+          <a:scrgbClr r="0" g="0" b="0"/>
+        </a:fillRef>
+        <a:effectRef idx="0">
+          <a:scrgbClr r="0" g="0" b="0"/>
+        </a:effectRef>
+        <a:fontRef idx="minor">
+          <a:schemeClr val="lt1"/>
+        </a:fontRef>
+      </dsp:style>
+      <dsp:txBody>
+        <a:bodyPr spcFirstLastPara="0" vert="horz" wrap="square" lIns="399257" tIns="66040" rIns="66040" bIns="66040" numCol="1" spcCol="1270" anchor="ctr" anchorCtr="0">
+          <a:noAutofit/>
+        </a:bodyPr>
+        <a:lstStyle/>
+        <a:p>
+          <a:pPr marL="0" lvl="0" indent="0" algn="l" defTabSz="1155700">
+            <a:lnSpc>
+              <a:spcPct val="90000"/>
+            </a:lnSpc>
+            <a:spcBef>
+              <a:spcPct val="0"/>
+            </a:spcBef>
+            <a:spcAft>
+              <a:spcPct val="35000"/>
+            </a:spcAft>
+            <a:buNone/>
+          </a:pPr>
+          <a:r>
+            <a:rPr lang="en-US" sz="2600" kern="1200" dirty="0"/>
+            <a:t>Background Information</a:t>
+          </a:r>
+        </a:p>
+      </dsp:txBody>
+      <dsp:txXfrm>
+        <a:off x="380724" y="251339"/>
+        <a:ext cx="9623141" cy="503001"/>
+      </dsp:txXfrm>
+    </dsp:sp>
+    <dsp:sp modelId="{6815A97F-5379-4D5E-ACA8-BA0F1C5B7937}">
+      <dsp:nvSpPr>
+        <dsp:cNvPr id="0" name=""/>
+        <dsp:cNvSpPr/>
+      </dsp:nvSpPr>
+      <dsp:spPr>
+        <a:xfrm>
+          <a:off x="66348" y="188464"/>
+          <a:ext cx="628751" cy="628751"/>
+        </a:xfrm>
+        <a:prstGeom prst="ellipse">
+          <a:avLst/>
+        </a:prstGeom>
+        <a:solidFill>
+          <a:schemeClr val="lt1">
+            <a:hueOff val="0"/>
+            <a:satOff val="0"/>
+            <a:lumOff val="0"/>
+            <a:alphaOff val="0"/>
+          </a:schemeClr>
+        </a:solidFill>
+        <a:ln w="15875" cap="flat" cmpd="sng" algn="ctr">
+          <a:solidFill>
+            <a:schemeClr val="accent1">
+              <a:hueOff val="0"/>
+              <a:satOff val="0"/>
+              <a:lumOff val="0"/>
+              <a:alphaOff val="0"/>
+            </a:schemeClr>
+          </a:solidFill>
+          <a:prstDash val="solid"/>
+        </a:ln>
+        <a:effectLst/>
+      </dsp:spPr>
+      <dsp:style>
+        <a:lnRef idx="2">
+          <a:scrgbClr r="0" g="0" b="0"/>
+        </a:lnRef>
+        <a:fillRef idx="1">
+          <a:scrgbClr r="0" g="0" b="0"/>
+        </a:fillRef>
+        <a:effectRef idx="0">
+          <a:scrgbClr r="0" g="0" b="0"/>
+        </a:effectRef>
+        <a:fontRef idx="minor"/>
+      </dsp:style>
+    </dsp:sp>
+    <dsp:sp modelId="{91971360-DCA5-401B-BED8-52D33871E09B}">
+      <dsp:nvSpPr>
+        <dsp:cNvPr id="0" name=""/>
+        <dsp:cNvSpPr/>
+      </dsp:nvSpPr>
+      <dsp:spPr>
+        <a:xfrm>
+          <a:off x="741160" y="1005600"/>
+          <a:ext cx="9262704" cy="503001"/>
+        </a:xfrm>
+        <a:prstGeom prst="rect">
+          <a:avLst/>
+        </a:prstGeom>
+        <a:solidFill>
+          <a:schemeClr val="accent1">
+            <a:hueOff val="0"/>
+            <a:satOff val="0"/>
+            <a:lumOff val="0"/>
+            <a:alphaOff val="0"/>
+          </a:schemeClr>
+        </a:solidFill>
+        <a:ln w="15875" cap="flat" cmpd="sng" algn="ctr">
+          <a:solidFill>
+            <a:schemeClr val="lt1">
+              <a:hueOff val="0"/>
+              <a:satOff val="0"/>
+              <a:lumOff val="0"/>
+              <a:alphaOff val="0"/>
+            </a:schemeClr>
+          </a:solidFill>
+          <a:prstDash val="solid"/>
+        </a:ln>
+        <a:effectLst/>
+      </dsp:spPr>
+      <dsp:style>
+        <a:lnRef idx="2">
+          <a:scrgbClr r="0" g="0" b="0"/>
+        </a:lnRef>
+        <a:fillRef idx="1">
+          <a:scrgbClr r="0" g="0" b="0"/>
+        </a:fillRef>
+        <a:effectRef idx="0">
+          <a:scrgbClr r="0" g="0" b="0"/>
+        </a:effectRef>
+        <a:fontRef idx="minor">
+          <a:schemeClr val="lt1"/>
+        </a:fontRef>
+      </dsp:style>
+      <dsp:txBody>
+        <a:bodyPr spcFirstLastPara="0" vert="horz" wrap="square" lIns="399257" tIns="66040" rIns="66040" bIns="66040" numCol="1" spcCol="1270" anchor="ctr" anchorCtr="0">
+          <a:noAutofit/>
+        </a:bodyPr>
+        <a:lstStyle/>
+        <a:p>
+          <a:pPr marL="0" lvl="0" indent="0" algn="l" defTabSz="1155700">
+            <a:lnSpc>
+              <a:spcPct val="90000"/>
+            </a:lnSpc>
+            <a:spcBef>
+              <a:spcPct val="0"/>
+            </a:spcBef>
+            <a:spcAft>
+              <a:spcPct val="35000"/>
+            </a:spcAft>
+            <a:buNone/>
+          </a:pPr>
+          <a:r>
+            <a:rPr lang="en-US" sz="2600" kern="1200" dirty="0"/>
+            <a:t>Research Question</a:t>
+          </a:r>
+        </a:p>
+      </dsp:txBody>
+      <dsp:txXfrm>
+        <a:off x="741160" y="1005600"/>
+        <a:ext cx="9262704" cy="503001"/>
+      </dsp:txXfrm>
+    </dsp:sp>
+    <dsp:sp modelId="{2CA897BC-1B34-4449-A1AD-59C84149C01A}">
+      <dsp:nvSpPr>
+        <dsp:cNvPr id="0" name=""/>
+        <dsp:cNvSpPr/>
+      </dsp:nvSpPr>
+      <dsp:spPr>
+        <a:xfrm>
+          <a:off x="426784" y="942725"/>
+          <a:ext cx="628751" cy="628751"/>
+        </a:xfrm>
+        <a:prstGeom prst="ellipse">
+          <a:avLst/>
+        </a:prstGeom>
+        <a:solidFill>
+          <a:schemeClr val="lt1">
+            <a:hueOff val="0"/>
+            <a:satOff val="0"/>
+            <a:lumOff val="0"/>
+            <a:alphaOff val="0"/>
+          </a:schemeClr>
+        </a:solidFill>
+        <a:ln w="15875" cap="flat" cmpd="sng" algn="ctr">
+          <a:solidFill>
+            <a:schemeClr val="accent1">
+              <a:hueOff val="0"/>
+              <a:satOff val="0"/>
+              <a:lumOff val="0"/>
+              <a:alphaOff val="0"/>
+            </a:schemeClr>
+          </a:solidFill>
+          <a:prstDash val="solid"/>
+        </a:ln>
+        <a:effectLst/>
+      </dsp:spPr>
+      <dsp:style>
+        <a:lnRef idx="2">
+          <a:scrgbClr r="0" g="0" b="0"/>
+        </a:lnRef>
+        <a:fillRef idx="1">
+          <a:scrgbClr r="0" g="0" b="0"/>
+        </a:fillRef>
+        <a:effectRef idx="0">
+          <a:scrgbClr r="0" g="0" b="0"/>
+        </a:effectRef>
+        <a:fontRef idx="minor"/>
+      </dsp:style>
+    </dsp:sp>
+    <dsp:sp modelId="{B03BA408-0BCB-4BE9-A573-B70B6F3383B5}">
+      <dsp:nvSpPr>
+        <dsp:cNvPr id="0" name=""/>
+        <dsp:cNvSpPr/>
+      </dsp:nvSpPr>
+      <dsp:spPr>
+        <a:xfrm>
+          <a:off x="851785" y="1759861"/>
+          <a:ext cx="9152080" cy="503001"/>
+        </a:xfrm>
+        <a:prstGeom prst="rect">
+          <a:avLst/>
+        </a:prstGeom>
+        <a:solidFill>
+          <a:schemeClr val="accent1">
+            <a:hueOff val="0"/>
+            <a:satOff val="0"/>
+            <a:lumOff val="0"/>
+            <a:alphaOff val="0"/>
+          </a:schemeClr>
+        </a:solidFill>
+        <a:ln w="15875" cap="flat" cmpd="sng" algn="ctr">
+          <a:solidFill>
+            <a:schemeClr val="lt1">
+              <a:hueOff val="0"/>
+              <a:satOff val="0"/>
+              <a:lumOff val="0"/>
+              <a:alphaOff val="0"/>
+            </a:schemeClr>
+          </a:solidFill>
+          <a:prstDash val="solid"/>
+        </a:ln>
+        <a:effectLst/>
+      </dsp:spPr>
+      <dsp:style>
+        <a:lnRef idx="2">
+          <a:scrgbClr r="0" g="0" b="0"/>
+        </a:lnRef>
+        <a:fillRef idx="1">
+          <a:scrgbClr r="0" g="0" b="0"/>
+        </a:fillRef>
+        <a:effectRef idx="0">
+          <a:scrgbClr r="0" g="0" b="0"/>
+        </a:effectRef>
+        <a:fontRef idx="minor">
+          <a:schemeClr val="lt1"/>
+        </a:fontRef>
+      </dsp:style>
+      <dsp:txBody>
+        <a:bodyPr spcFirstLastPara="0" vert="horz" wrap="square" lIns="399257" tIns="66040" rIns="66040" bIns="66040" numCol="1" spcCol="1270" anchor="ctr" anchorCtr="0">
+          <a:noAutofit/>
+        </a:bodyPr>
+        <a:lstStyle/>
+        <a:p>
+          <a:pPr marL="0" lvl="0" indent="0" algn="l" defTabSz="1155700">
+            <a:lnSpc>
+              <a:spcPct val="90000"/>
+            </a:lnSpc>
+            <a:spcBef>
+              <a:spcPct val="0"/>
+            </a:spcBef>
+            <a:spcAft>
+              <a:spcPct val="35000"/>
+            </a:spcAft>
+            <a:buNone/>
+          </a:pPr>
+          <a:r>
+            <a:rPr lang="en-US" sz="2600" kern="1200" dirty="0"/>
+            <a:t>Data Analysis</a:t>
+          </a:r>
+        </a:p>
+      </dsp:txBody>
+      <dsp:txXfrm>
+        <a:off x="851785" y="1759861"/>
+        <a:ext cx="9152080" cy="503001"/>
+      </dsp:txXfrm>
+    </dsp:sp>
+    <dsp:sp modelId="{EAA3E4E6-C136-4FEB-9063-ED1F983673DB}">
+      <dsp:nvSpPr>
+        <dsp:cNvPr id="0" name=""/>
+        <dsp:cNvSpPr/>
+      </dsp:nvSpPr>
+      <dsp:spPr>
+        <a:xfrm>
+          <a:off x="537409" y="1696986"/>
+          <a:ext cx="628751" cy="628751"/>
+        </a:xfrm>
+        <a:prstGeom prst="ellipse">
+          <a:avLst/>
+        </a:prstGeom>
+        <a:solidFill>
+          <a:schemeClr val="lt1">
+            <a:hueOff val="0"/>
+            <a:satOff val="0"/>
+            <a:lumOff val="0"/>
+            <a:alphaOff val="0"/>
+          </a:schemeClr>
+        </a:solidFill>
+        <a:ln w="15875" cap="flat" cmpd="sng" algn="ctr">
+          <a:solidFill>
+            <a:schemeClr val="accent1">
+              <a:hueOff val="0"/>
+              <a:satOff val="0"/>
+              <a:lumOff val="0"/>
+              <a:alphaOff val="0"/>
+            </a:schemeClr>
+          </a:solidFill>
+          <a:prstDash val="solid"/>
+        </a:ln>
+        <a:effectLst/>
+      </dsp:spPr>
+      <dsp:style>
+        <a:lnRef idx="2">
+          <a:scrgbClr r="0" g="0" b="0"/>
+        </a:lnRef>
+        <a:fillRef idx="1">
+          <a:scrgbClr r="0" g="0" b="0"/>
+        </a:fillRef>
+        <a:effectRef idx="0">
+          <a:scrgbClr r="0" g="0" b="0"/>
+        </a:effectRef>
+        <a:fontRef idx="minor"/>
+      </dsp:style>
+    </dsp:sp>
+    <dsp:sp modelId="{99419089-53B3-476B-9D70-DA750D374797}">
+      <dsp:nvSpPr>
+        <dsp:cNvPr id="0" name=""/>
+        <dsp:cNvSpPr/>
+      </dsp:nvSpPr>
+      <dsp:spPr>
+        <a:xfrm>
+          <a:off x="741160" y="2514122"/>
+          <a:ext cx="9262704" cy="503001"/>
+        </a:xfrm>
+        <a:prstGeom prst="rect">
+          <a:avLst/>
+        </a:prstGeom>
+        <a:solidFill>
+          <a:schemeClr val="accent1">
+            <a:hueOff val="0"/>
+            <a:satOff val="0"/>
+            <a:lumOff val="0"/>
+            <a:alphaOff val="0"/>
+          </a:schemeClr>
+        </a:solidFill>
+        <a:ln w="15875" cap="flat" cmpd="sng" algn="ctr">
+          <a:solidFill>
+            <a:schemeClr val="lt1">
+              <a:hueOff val="0"/>
+              <a:satOff val="0"/>
+              <a:lumOff val="0"/>
+              <a:alphaOff val="0"/>
+            </a:schemeClr>
+          </a:solidFill>
+          <a:prstDash val="solid"/>
+        </a:ln>
+        <a:effectLst/>
+      </dsp:spPr>
+      <dsp:style>
+        <a:lnRef idx="2">
+          <a:scrgbClr r="0" g="0" b="0"/>
+        </a:lnRef>
+        <a:fillRef idx="1">
+          <a:scrgbClr r="0" g="0" b="0"/>
+        </a:fillRef>
+        <a:effectRef idx="0">
+          <a:scrgbClr r="0" g="0" b="0"/>
+        </a:effectRef>
+        <a:fontRef idx="minor">
+          <a:schemeClr val="lt1"/>
+        </a:fontRef>
+      </dsp:style>
+      <dsp:txBody>
+        <a:bodyPr spcFirstLastPara="0" vert="horz" wrap="square" lIns="399257" tIns="66040" rIns="66040" bIns="66040" numCol="1" spcCol="1270" anchor="ctr" anchorCtr="0">
+          <a:noAutofit/>
+        </a:bodyPr>
+        <a:lstStyle/>
+        <a:p>
+          <a:pPr marL="0" lvl="0" indent="0" algn="l" defTabSz="1155700">
+            <a:lnSpc>
+              <a:spcPct val="90000"/>
+            </a:lnSpc>
+            <a:spcBef>
+              <a:spcPct val="0"/>
+            </a:spcBef>
+            <a:spcAft>
+              <a:spcPct val="35000"/>
+            </a:spcAft>
+            <a:buNone/>
+          </a:pPr>
+          <a:r>
+            <a:rPr lang="en-US" sz="2600" kern="1200" dirty="0"/>
+            <a:t>Conclusion</a:t>
+          </a:r>
+        </a:p>
+      </dsp:txBody>
+      <dsp:txXfrm>
+        <a:off x="741160" y="2514122"/>
+        <a:ext cx="9262704" cy="503001"/>
+      </dsp:txXfrm>
+    </dsp:sp>
+    <dsp:sp modelId="{9E086C9A-D27B-490C-9406-1F17662CCB0B}">
+      <dsp:nvSpPr>
+        <dsp:cNvPr id="0" name=""/>
+        <dsp:cNvSpPr/>
+      </dsp:nvSpPr>
+      <dsp:spPr>
+        <a:xfrm>
+          <a:off x="426784" y="2451247"/>
+          <a:ext cx="628751" cy="628751"/>
+        </a:xfrm>
+        <a:prstGeom prst="ellipse">
+          <a:avLst/>
+        </a:prstGeom>
+        <a:solidFill>
+          <a:schemeClr val="lt1">
+            <a:hueOff val="0"/>
+            <a:satOff val="0"/>
+            <a:lumOff val="0"/>
+            <a:alphaOff val="0"/>
+          </a:schemeClr>
+        </a:solidFill>
+        <a:ln w="15875" cap="flat" cmpd="sng" algn="ctr">
+          <a:solidFill>
+            <a:schemeClr val="accent1">
+              <a:hueOff val="0"/>
+              <a:satOff val="0"/>
+              <a:lumOff val="0"/>
+              <a:alphaOff val="0"/>
+            </a:schemeClr>
+          </a:solidFill>
+          <a:prstDash val="solid"/>
+        </a:ln>
+        <a:effectLst/>
+      </dsp:spPr>
+      <dsp:style>
+        <a:lnRef idx="2">
+          <a:scrgbClr r="0" g="0" b="0"/>
+        </a:lnRef>
+        <a:fillRef idx="1">
+          <a:scrgbClr r="0" g="0" b="0"/>
+        </a:fillRef>
+        <a:effectRef idx="0">
+          <a:scrgbClr r="0" g="0" b="0"/>
+        </a:effectRef>
+        <a:fontRef idx="minor"/>
+      </dsp:style>
+    </dsp:sp>
+    <dsp:sp modelId="{B661DBEE-881F-4F18-A271-83DB8243A08C}">
+      <dsp:nvSpPr>
+        <dsp:cNvPr id="0" name=""/>
+        <dsp:cNvSpPr/>
+      </dsp:nvSpPr>
+      <dsp:spPr>
+        <a:xfrm>
+          <a:off x="380724" y="3268383"/>
+          <a:ext cx="9623141" cy="503001"/>
+        </a:xfrm>
+        <a:prstGeom prst="rect">
+          <a:avLst/>
+        </a:prstGeom>
+        <a:solidFill>
+          <a:schemeClr val="accent1">
+            <a:hueOff val="0"/>
+            <a:satOff val="0"/>
+            <a:lumOff val="0"/>
+            <a:alphaOff val="0"/>
+          </a:schemeClr>
+        </a:solidFill>
+        <a:ln w="15875" cap="flat" cmpd="sng" algn="ctr">
+          <a:solidFill>
+            <a:schemeClr val="lt1">
+              <a:hueOff val="0"/>
+              <a:satOff val="0"/>
+              <a:lumOff val="0"/>
+              <a:alphaOff val="0"/>
+            </a:schemeClr>
+          </a:solidFill>
+          <a:prstDash val="solid"/>
+        </a:ln>
+        <a:effectLst/>
+      </dsp:spPr>
+      <dsp:style>
+        <a:lnRef idx="2">
+          <a:scrgbClr r="0" g="0" b="0"/>
+        </a:lnRef>
+        <a:fillRef idx="1">
+          <a:scrgbClr r="0" g="0" b="0"/>
+        </a:fillRef>
+        <a:effectRef idx="0">
+          <a:scrgbClr r="0" g="0" b="0"/>
+        </a:effectRef>
+        <a:fontRef idx="minor">
+          <a:schemeClr val="lt1"/>
+        </a:fontRef>
+      </dsp:style>
+      <dsp:txBody>
+        <a:bodyPr spcFirstLastPara="0" vert="horz" wrap="square" lIns="399257" tIns="66040" rIns="66040" bIns="66040" numCol="1" spcCol="1270" anchor="ctr" anchorCtr="0">
+          <a:noAutofit/>
+        </a:bodyPr>
+        <a:lstStyle/>
+        <a:p>
+          <a:pPr marL="0" lvl="0" indent="0" algn="l" defTabSz="1155700">
+            <a:lnSpc>
+              <a:spcPct val="90000"/>
+            </a:lnSpc>
+            <a:spcBef>
+              <a:spcPct val="0"/>
+            </a:spcBef>
+            <a:spcAft>
+              <a:spcPct val="35000"/>
+            </a:spcAft>
+            <a:buNone/>
+          </a:pPr>
+          <a:r>
+            <a:rPr lang="en-US" sz="2600" kern="1200" dirty="0"/>
+            <a:t>Future Work/Next Steps</a:t>
+          </a:r>
+        </a:p>
+      </dsp:txBody>
+      <dsp:txXfrm>
+        <a:off x="380724" y="3268383"/>
+        <a:ext cx="9623141" cy="503001"/>
+      </dsp:txXfrm>
+    </dsp:sp>
+    <dsp:sp modelId="{A60867B2-2A52-4BCD-8F45-E8CEF8A0AF2B}">
+      <dsp:nvSpPr>
+        <dsp:cNvPr id="0" name=""/>
+        <dsp:cNvSpPr/>
+      </dsp:nvSpPr>
+      <dsp:spPr>
+        <a:xfrm>
+          <a:off x="66348" y="3205508"/>
+          <a:ext cx="628751" cy="628751"/>
+        </a:xfrm>
+        <a:prstGeom prst="ellipse">
+          <a:avLst/>
+        </a:prstGeom>
+        <a:solidFill>
+          <a:schemeClr val="lt1">
+            <a:hueOff val="0"/>
+            <a:satOff val="0"/>
+            <a:lumOff val="0"/>
+            <a:alphaOff val="0"/>
+          </a:schemeClr>
+        </a:solidFill>
+        <a:ln w="15875" cap="flat" cmpd="sng" algn="ctr">
+          <a:solidFill>
+            <a:schemeClr val="accent1">
+              <a:hueOff val="0"/>
+              <a:satOff val="0"/>
+              <a:lumOff val="0"/>
+              <a:alphaOff val="0"/>
+            </a:schemeClr>
+          </a:solidFill>
+          <a:prstDash val="solid"/>
+        </a:ln>
+        <a:effectLst/>
+      </dsp:spPr>
+      <dsp:style>
+        <a:lnRef idx="2">
+          <a:scrgbClr r="0" g="0" b="0"/>
+        </a:lnRef>
+        <a:fillRef idx="1">
+          <a:scrgbClr r="0" g="0" b="0"/>
+        </a:fillRef>
+        <a:effectRef idx="0">
+          <a:scrgbClr r="0" g="0" b="0"/>
+        </a:effectRef>
+        <a:fontRef idx="minor"/>
+      </dsp:style>
+    </dsp:sp>
+  </dsp:spTree>
+</dsp:drawing>
+</file>
+
+<file path=ppt/diagrams/drawing3.xml><?xml version="1.0" encoding="utf-8"?>
 <dsp:drawing xmlns:dgm="http://schemas.openxmlformats.org/drawingml/2006/diagram" xmlns:dsp="http://schemas.microsoft.com/office/drawing/2008/diagram" xmlns:a="http://schemas.openxmlformats.org/drawingml/2006/main">
   <dsp:spTree>
     <dsp:nvGrpSpPr>
@@ -6226,6 +8326,1284 @@
 </dgm:layoutDef>
 </file>
 
+<file path=ppt/diagrams/layout3.xml><?xml version="1.0" encoding="utf-8"?>
+<dgm:layoutDef xmlns:dgm="http://schemas.openxmlformats.org/drawingml/2006/diagram" xmlns:a="http://schemas.openxmlformats.org/drawingml/2006/main" uniqueId="urn:microsoft.com/office/officeart/2008/layout/VerticalCurvedList">
+  <dgm:title val=""/>
+  <dgm:desc val=""/>
+  <dgm:catLst>
+    <dgm:cat type="list" pri="20000"/>
+  </dgm:catLst>
+  <dgm:sampData>
+    <dgm:dataModel>
+      <dgm:ptLst>
+        <dgm:pt modelId="0" type="doc"/>
+        <dgm:pt modelId="1">
+          <dgm:prSet phldr="1"/>
+        </dgm:pt>
+        <dgm:pt modelId="2">
+          <dgm:prSet phldr="1"/>
+        </dgm:pt>
+        <dgm:pt modelId="3">
+          <dgm:prSet phldr="1"/>
+        </dgm:pt>
+      </dgm:ptLst>
+      <dgm:cxnLst>
+        <dgm:cxn modelId="4" srcId="0" destId="1" srcOrd="0" destOrd="0"/>
+        <dgm:cxn modelId="5" srcId="0" destId="2" srcOrd="1" destOrd="0"/>
+        <dgm:cxn modelId="6" srcId="0" destId="3" srcOrd="2" destOrd="0"/>
+      </dgm:cxnLst>
+      <dgm:bg/>
+      <dgm:whole/>
+    </dgm:dataModel>
+  </dgm:sampData>
+  <dgm:styleData>
+    <dgm:dataModel>
+      <dgm:ptLst>
+        <dgm:pt modelId="0" type="doc"/>
+        <dgm:pt modelId="1">
+          <dgm:prSet phldr="1"/>
+        </dgm:pt>
+        <dgm:pt modelId="2">
+          <dgm:prSet phldr="1"/>
+        </dgm:pt>
+      </dgm:ptLst>
+      <dgm:cxnLst>
+        <dgm:cxn modelId="3" srcId="0" destId="1" srcOrd="0" destOrd="0"/>
+        <dgm:cxn modelId="4" srcId="0" destId="2" srcOrd="1" destOrd="0"/>
+      </dgm:cxnLst>
+      <dgm:bg/>
+      <dgm:whole/>
+    </dgm:dataModel>
+  </dgm:styleData>
+  <dgm:clrData>
+    <dgm:dataModel>
+      <dgm:ptLst>
+        <dgm:pt modelId="0" type="doc"/>
+        <dgm:pt modelId="1">
+          <dgm:prSet phldr="1"/>
+        </dgm:pt>
+        <dgm:pt modelId="2">
+          <dgm:prSet phldr="1"/>
+        </dgm:pt>
+        <dgm:pt modelId="3">
+          <dgm:prSet phldr="1"/>
+        </dgm:pt>
+        <dgm:pt modelId="4">
+          <dgm:prSet phldr="1"/>
+        </dgm:pt>
+      </dgm:ptLst>
+      <dgm:cxnLst>
+        <dgm:cxn modelId="5" srcId="0" destId="1" srcOrd="0" destOrd="0"/>
+        <dgm:cxn modelId="6" srcId="0" destId="2" srcOrd="1" destOrd="0"/>
+        <dgm:cxn modelId="7" srcId="0" destId="3" srcOrd="2" destOrd="0"/>
+        <dgm:cxn modelId="8" srcId="0" destId="4" srcOrd="3" destOrd="0"/>
+      </dgm:cxnLst>
+      <dgm:bg/>
+      <dgm:whole/>
+    </dgm:dataModel>
+  </dgm:clrData>
+  <dgm:layoutNode name="Name0">
+    <dgm:varLst>
+      <dgm:chMax val="7"/>
+      <dgm:chPref val="7"/>
+      <dgm:dir/>
+    </dgm:varLst>
+    <dgm:alg type="composite"/>
+    <dgm:shape xmlns:r="http://schemas.openxmlformats.org/officeDocument/2006/relationships" r:blip="">
+      <dgm:adjLst/>
+    </dgm:shape>
+    <dgm:constrLst>
+      <dgm:constr type="w" for="ch" refType="h" refFor="ch" op="gte" fact="0.8"/>
+    </dgm:constrLst>
+    <dgm:layoutNode name="Name1">
+      <dgm:alg type="composite"/>
+      <dgm:shape xmlns:r="http://schemas.openxmlformats.org/officeDocument/2006/relationships" r:blip="">
+        <dgm:adjLst/>
+      </dgm:shape>
+      <dgm:choose name="Name2">
+        <dgm:if name="Name3" func="var" arg="dir" op="equ" val="norm">
+          <dgm:choose name="Name4">
+            <dgm:if name="Name5" axis="ch" ptType="node" func="cnt" op="equ" val="1">
+              <dgm:constrLst>
+                <dgm:constr type="h" for="ch" forName="cycle" refType="h"/>
+                <dgm:constr type="w" for="ch" forName="cycle" refType="h" refFor="ch" refForName="cycle" fact="0.26"/>
+                <dgm:constr type="l" for="ch" forName="cycle"/>
+                <dgm:constr type="ctrY" for="ch" forName="cycle" refType="h" fact="0.5"/>
+                <dgm:constr type="diam" for="ch" forName="cycle" refType="h" fact="1.344"/>
+                <dgm:constr type="h" for="ch" forName="accent_1" refType="h" fact="0.625"/>
+                <dgm:constr type="w" for="ch" forName="accent_1" refType="h" refFor="ch" refForName="accent_1" op="equ"/>
+                <dgm:constr type="ctrY" for="ch" forName="accent_1" refType="h" fact="0.5"/>
+                <dgm:constr type="ctrX" for="ch" forName="accent_1" refType="h" fact="0.2253"/>
+                <dgm:constr type="l" for="ch" forName="text_1" refType="ctrX" refFor="ch" refForName="accent_1"/>
+                <dgm:constr type="r" for="ch" forName="text_1" refType="w"/>
+                <dgm:constr type="w" for="ch" forName="text_1" refType="h" refFor="ch" refForName="text_1" op="gte"/>
+                <dgm:constr type="h" for="ch" forName="text_1" refType="h" refFor="ch" refForName="accent_1" fact="0.8"/>
+                <dgm:constr type="ctrY" for="ch" forName="text_1" refType="ctrY" refFor="ch" refForName="accent_1"/>
+                <dgm:constr type="lMarg" for="ch" forName="text_1" refType="w" refFor="ch" refForName="accent_1" fact="1.8"/>
+                <dgm:constr type="primFontSz" for="ch" ptType="node" op="equ" val="65"/>
+              </dgm:constrLst>
+            </dgm:if>
+            <dgm:if name="Name6" axis="ch" ptType="node" func="cnt" op="equ" val="2">
+              <dgm:constrLst>
+                <dgm:constr type="h" for="ch" forName="cycle" refType="h"/>
+                <dgm:constr type="w" for="ch" forName="cycle" refType="h" refFor="ch" refForName="cycle" fact="0.26"/>
+                <dgm:constr type="l" for="ch" forName="cycle"/>
+                <dgm:constr type="ctrY" for="ch" forName="cycle" refType="h" fact="0.5"/>
+                <dgm:constr type="diam" for="ch" forName="cycle" refType="h" fact="1.344"/>
+                <dgm:constr type="h" for="ch" forName="accent_1" refType="h" fact="0.3571"/>
+                <dgm:constr type="w" for="ch" forName="accent_1" refType="h" refFor="ch" refForName="accent_1" op="equ"/>
+                <dgm:constr type="ctrY" for="ch" forName="accent_1" refType="h" fact="0.2857"/>
+                <dgm:constr type="ctrX" for="ch" forName="accent_1" refType="h" fact="0.1891"/>
+                <dgm:constr type="l" for="ch" forName="text_1" refType="ctrX" refFor="ch" refForName="accent_1"/>
+                <dgm:constr type="r" for="ch" forName="text_1" refType="w"/>
+                <dgm:constr type="w" for="ch" forName="text_1" refType="h" refFor="ch" refForName="text_1" op="gte"/>
+                <dgm:constr type="h" for="ch" forName="text_1" refType="h" refFor="ch" refForName="accent_1" fact="0.8"/>
+                <dgm:constr type="ctrY" for="ch" forName="text_1" refType="ctrY" refFor="ch" refForName="accent_1"/>
+                <dgm:constr type="lMarg" for="ch" forName="text_1" refType="w" refFor="ch" refForName="accent_1" fact="1.8"/>
+                <dgm:constr type="h" for="ch" forName="accent_2" refType="h" fact="0.3571"/>
+                <dgm:constr type="w" for="ch" forName="accent_2" refType="h" refFor="ch" refForName="accent_2" op="equ"/>
+                <dgm:constr type="ctrY" for="ch" forName="accent_2" refType="h" fact="0.7143"/>
+                <dgm:constr type="ctrX" for="ch" forName="accent_2" refType="h" fact="0.1891"/>
+                <dgm:constr type="l" for="ch" forName="text_2" refType="ctrX" refFor="ch" refForName="accent_2"/>
+                <dgm:constr type="r" for="ch" forName="text_2" refType="w"/>
+                <dgm:constr type="w" for="ch" forName="text_2" refType="h" refFor="ch" refForName="text_2" op="gte"/>
+                <dgm:constr type="h" for="ch" forName="text_2" refType="h" refFor="ch" refForName="accent_2" fact="0.8"/>
+                <dgm:constr type="ctrY" for="ch" forName="text_2" refType="ctrY" refFor="ch" refForName="accent_2"/>
+                <dgm:constr type="lMarg" for="ch" forName="text_2" refType="w" refFor="ch" refForName="accent_2" fact="1.8"/>
+                <dgm:constr type="primFontSz" for="ch" ptType="node" op="equ" val="65"/>
+              </dgm:constrLst>
+            </dgm:if>
+            <dgm:if name="Name7" axis="ch" ptType="node" func="cnt" op="equ" val="3">
+              <dgm:constrLst>
+                <dgm:constr type="h" for="ch" forName="cycle" refType="h"/>
+                <dgm:constr type="w" for="ch" forName="cycle" refType="h" refFor="ch" refForName="cycle" fact="0.26"/>
+                <dgm:constr type="l" for="ch" forName="cycle"/>
+                <dgm:constr type="ctrY" for="ch" forName="cycle" refType="h" fact="0.5"/>
+                <dgm:constr type="diam" for="ch" forName="cycle" refType="h" fact="1.344"/>
+                <dgm:constr type="h" for="ch" forName="accent_1" refType="h" fact="0.25"/>
+                <dgm:constr type="w" for="ch" forName="accent_1" refType="h" refFor="ch" refForName="accent_1" op="equ"/>
+                <dgm:constr type="ctrY" for="ch" forName="accent_1" refType="h" fact="0.2"/>
+                <dgm:constr type="ctrX" for="ch" forName="accent_1" refType="h" fact="0.1526"/>
+                <dgm:constr type="l" for="ch" forName="text_1" refType="ctrX" refFor="ch" refForName="accent_1"/>
+                <dgm:constr type="r" for="ch" forName="text_1" refType="w"/>
+                <dgm:constr type="w" for="ch" forName="text_1" refType="h" refFor="ch" refForName="text_1" op="gte"/>
+                <dgm:constr type="h" for="ch" forName="text_1" refType="h" refFor="ch" refForName="accent_1" fact="0.8"/>
+                <dgm:constr type="ctrY" for="ch" forName="text_1" refType="ctrY" refFor="ch" refForName="accent_1"/>
+                <dgm:constr type="lMarg" for="ch" forName="text_1" refType="w" refFor="ch" refForName="accent_1" fact="1.8"/>
+                <dgm:constr type="h" for="ch" forName="accent_2" refType="h" fact="0.25"/>
+                <dgm:constr type="w" for="ch" forName="accent_2" refType="h" refFor="ch" refForName="accent_2" op="equ"/>
+                <dgm:constr type="ctrY" for="ch" forName="accent_2" refType="h" fact="0.5"/>
+                <dgm:constr type="ctrX" for="ch" forName="accent_2" refType="h" fact="0.2253"/>
+                <dgm:constr type="l" for="ch" forName="text_2" refType="ctrX" refFor="ch" refForName="accent_2"/>
+                <dgm:constr type="r" for="ch" forName="text_2" refType="w"/>
+                <dgm:constr type="w" for="ch" forName="text_2" refType="h" refFor="ch" refForName="text_2" op="gte"/>
+                <dgm:constr type="h" for="ch" forName="text_2" refType="h" refFor="ch" refForName="accent_2" fact="0.8"/>
+                <dgm:constr type="ctrY" for="ch" forName="text_2" refType="ctrY" refFor="ch" refForName="accent_2"/>
+                <dgm:constr type="lMarg" for="ch" forName="text_2" refType="w" refFor="ch" refForName="accent_2" fact="1.8"/>
+                <dgm:constr type="h" for="ch" forName="accent_3" refType="h" fact="0.25"/>
+                <dgm:constr type="w" for="ch" forName="accent_3" refType="h" refFor="ch" refForName="accent_3" op="equ"/>
+                <dgm:constr type="ctrY" for="ch" forName="accent_3" refType="h" fact="0.8"/>
+                <dgm:constr type="ctrX" for="ch" forName="accent_3" refType="h" fact="0.1526"/>
+                <dgm:constr type="l" for="ch" forName="text_3" refType="ctrX" refFor="ch" refForName="accent_3"/>
+                <dgm:constr type="r" for="ch" forName="text_3" refType="w"/>
+                <dgm:constr type="w" for="ch" forName="text_3" refType="h" refFor="ch" refForName="text_3" op="gte"/>
+                <dgm:constr type="h" for="ch" forName="text_3" refType="h" refFor="ch" refForName="accent_3" fact="0.8"/>
+                <dgm:constr type="ctrY" for="ch" forName="text_3" refType="ctrY" refFor="ch" refForName="accent_3"/>
+                <dgm:constr type="lMarg" for="ch" forName="text_3" refType="w" refFor="ch" refForName="accent_3" fact="1.8"/>
+                <dgm:constr type="primFontSz" for="ch" ptType="node" op="equ" val="65"/>
+              </dgm:constrLst>
+            </dgm:if>
+            <dgm:if name="Name8" axis="ch" ptType="node" func="cnt" op="equ" val="4">
+              <dgm:constrLst>
+                <dgm:constr type="h" for="ch" forName="cycle" refType="h"/>
+                <dgm:constr type="w" for="ch" forName="cycle" refType="h" refFor="ch" refForName="cycle" fact="0.26"/>
+                <dgm:constr type="l" for="ch" forName="cycle"/>
+                <dgm:constr type="ctrY" for="ch" forName="cycle" refType="h" fact="0.5"/>
+                <dgm:constr type="diam" for="ch" forName="cycle" refType="h" fact="1.344"/>
+                <dgm:constr type="h" for="ch" forName="accent_1" refType="h" fact="0.1923"/>
+                <dgm:constr type="w" for="ch" forName="accent_1" refType="h" refFor="ch" refForName="accent_1" op="equ"/>
+                <dgm:constr type="ctrY" for="ch" forName="accent_1" refType="h" fact="0.1538"/>
+                <dgm:constr type="ctrX" for="ch" forName="accent_1" refType="h" fact="0.1268"/>
+                <dgm:constr type="l" for="ch" forName="text_1" refType="ctrX" refFor="ch" refForName="accent_1"/>
+                <dgm:constr type="r" for="ch" forName="text_1" refType="w"/>
+                <dgm:constr type="w" for="ch" forName="text_1" refType="h" refFor="ch" refForName="text_1" op="gte"/>
+                <dgm:constr type="h" for="ch" forName="text_1" refType="h" refFor="ch" refForName="accent_1" fact="0.8"/>
+                <dgm:constr type="ctrY" for="ch" forName="text_1" refType="ctrY" refFor="ch" refForName="accent_1"/>
+                <dgm:constr type="lMarg" for="ch" forName="text_1" refType="w" refFor="ch" refForName="accent_1" fact="1.8"/>
+                <dgm:constr type="h" for="ch" forName="accent_2" refType="h" fact="0.1923"/>
+                <dgm:constr type="w" for="ch" forName="accent_2" refType="h" refFor="ch" refForName="accent_2" op="equ"/>
+                <dgm:constr type="ctrY" for="ch" forName="accent_2" refType="h" fact="0.3846"/>
+                <dgm:constr type="ctrX" for="ch" forName="accent_2" refType="h" fact="0.215"/>
+                <dgm:constr type="l" for="ch" forName="text_2" refType="ctrX" refFor="ch" refForName="accent_2"/>
+                <dgm:constr type="r" for="ch" forName="text_2" refType="w"/>
+                <dgm:constr type="w" for="ch" forName="text_2" refType="h" refFor="ch" refForName="text_2" op="gte"/>
+                <dgm:constr type="h" for="ch" forName="text_2" refType="h" refFor="ch" refForName="accent_2" fact="0.8"/>
+                <dgm:constr type="ctrY" for="ch" forName="text_2" refType="ctrY" refFor="ch" refForName="accent_2"/>
+                <dgm:constr type="lMarg" for="ch" forName="text_2" refType="w" refFor="ch" refForName="accent_2" fact="1.8"/>
+                <dgm:constr type="h" for="ch" forName="accent_3" refType="h" fact="0.1923"/>
+                <dgm:constr type="w" for="ch" forName="accent_3" refType="h" refFor="ch" refForName="accent_3" op="equ"/>
+                <dgm:constr type="ctrY" for="ch" forName="accent_3" refType="h" fact="0.6154"/>
+                <dgm:constr type="ctrX" for="ch" forName="accent_3" refType="h" fact="0.215"/>
+                <dgm:constr type="l" for="ch" forName="text_3" refType="ctrX" refFor="ch" refForName="accent_3"/>
+                <dgm:constr type="r" for="ch" forName="text_3" refType="w"/>
+                <dgm:constr type="w" for="ch" forName="text_3" refType="h" refFor="ch" refForName="text_3" op="gte"/>
+                <dgm:constr type="h" for="ch" forName="text_3" refType="h" refFor="ch" refForName="accent_3" fact="0.8"/>
+                <dgm:constr type="ctrY" for="ch" forName="text_3" refType="ctrY" refFor="ch" refForName="accent_3"/>
+                <dgm:constr type="lMarg" for="ch" forName="text_3" refType="w" refFor="ch" refForName="accent_3" fact="1.8"/>
+                <dgm:constr type="h" for="ch" forName="accent_4" refType="h" fact="0.1923"/>
+                <dgm:constr type="w" for="ch" forName="accent_4" refType="h" refFor="ch" refForName="accent_4" op="equ"/>
+                <dgm:constr type="ctrY" for="ch" forName="accent_4" refType="h" fact="0.8462"/>
+                <dgm:constr type="ctrX" for="ch" forName="accent_4" refType="h" fact="0.1268"/>
+                <dgm:constr type="l" for="ch" forName="text_4" refType="ctrX" refFor="ch" refForName="accent_4"/>
+                <dgm:constr type="r" for="ch" forName="text_4" refType="w"/>
+                <dgm:constr type="w" for="ch" forName="text_4" refType="h" refFor="ch" refForName="text_4" op="gte"/>
+                <dgm:constr type="h" for="ch" forName="text_4" refType="h" refFor="ch" refForName="accent_4" fact="0.8"/>
+                <dgm:constr type="ctrY" for="ch" forName="text_4" refType="ctrY" refFor="ch" refForName="accent_4"/>
+                <dgm:constr type="lMarg" for="ch" forName="text_4" refType="w" refFor="ch" refForName="accent_4" fact="1.8"/>
+                <dgm:constr type="primFontSz" for="ch" ptType="node" op="equ" val="65"/>
+              </dgm:constrLst>
+            </dgm:if>
+            <dgm:if name="Name9" axis="ch" ptType="node" func="cnt" op="equ" val="5">
+              <dgm:constrLst>
+                <dgm:constr type="h" for="ch" forName="cycle" refType="h"/>
+                <dgm:constr type="w" for="ch" forName="cycle" refType="h" refFor="ch" refForName="cycle" fact="0.26"/>
+                <dgm:constr type="l" for="ch" forName="cycle"/>
+                <dgm:constr type="ctrY" for="ch" forName="cycle" refType="h" fact="0.5"/>
+                <dgm:constr type="diam" for="ch" forName="cycle" refType="h" fact="1.344"/>
+                <dgm:constr type="h" for="ch" forName="accent_1" refType="h" fact="0.1563"/>
+                <dgm:constr type="w" for="ch" forName="accent_1" refType="h" refFor="ch" refForName="accent_1" op="equ"/>
+                <dgm:constr type="ctrY" for="ch" forName="accent_1" refType="h" fact="0.125"/>
+                <dgm:constr type="ctrX" for="ch" forName="accent_1" refType="h" fact="0.1082"/>
+                <dgm:constr type="l" for="ch" forName="text_1" refType="ctrX" refFor="ch" refForName="accent_1"/>
+                <dgm:constr type="r" for="ch" forName="text_1" refType="w"/>
+                <dgm:constr type="w" for="ch" forName="text_1" refType="h" refFor="ch" refForName="text_1" op="gte"/>
+                <dgm:constr type="h" for="ch" forName="text_1" refType="h" refFor="ch" refForName="accent_1" fact="0.8"/>
+                <dgm:constr type="ctrY" for="ch" forName="text_1" refType="ctrY" refFor="ch" refForName="accent_1"/>
+                <dgm:constr type="lMarg" for="ch" forName="text_1" refType="w" refFor="ch" refForName="accent_1" fact="1.8"/>
+                <dgm:constr type="h" for="ch" forName="accent_2" refType="h" fact="0.1563"/>
+                <dgm:constr type="w" for="ch" forName="accent_2" refType="h" refFor="ch" refForName="accent_2" op="equ"/>
+                <dgm:constr type="ctrY" for="ch" forName="accent_2" refType="h" fact="0.3125"/>
+                <dgm:constr type="ctrX" for="ch" forName="accent_2" refType="h" fact="0.1978"/>
+                <dgm:constr type="l" for="ch" forName="text_2" refType="ctrX" refFor="ch" refForName="accent_2"/>
+                <dgm:constr type="r" for="ch" forName="text_2" refType="w"/>
+                <dgm:constr type="w" for="ch" forName="text_2" refType="h" refFor="ch" refForName="text_2" op="gte"/>
+                <dgm:constr type="h" for="ch" forName="text_2" refType="h" refFor="ch" refForName="accent_2" fact="0.8"/>
+                <dgm:constr type="ctrY" for="ch" forName="text_2" refType="ctrY" refFor="ch" refForName="accent_2"/>
+                <dgm:constr type="lMarg" for="ch" forName="text_2" refType="w" refFor="ch" refForName="accent_2" fact="1.8"/>
+                <dgm:constr type="h" for="ch" forName="accent_3" refType="h" fact="0.1563"/>
+                <dgm:constr type="w" for="ch" forName="accent_3" refType="h" refFor="ch" refForName="accent_3" op="equ"/>
+                <dgm:constr type="ctrY" for="ch" forName="accent_3" refType="h" fact="0.5"/>
+                <dgm:constr type="ctrX" for="ch" forName="accent_3" refType="h" fact="0.2253"/>
+                <dgm:constr type="l" for="ch" forName="text_3" refType="ctrX" refFor="ch" refForName="accent_3"/>
+                <dgm:constr type="r" for="ch" forName="text_3" refType="w"/>
+                <dgm:constr type="w" for="ch" forName="text_3" refType="h" refFor="ch" refForName="text_3" op="gte"/>
+                <dgm:constr type="h" for="ch" forName="text_3" refType="h" refFor="ch" refForName="accent_3" fact="0.8"/>
+                <dgm:constr type="ctrY" for="ch" forName="text_3" refType="ctrY" refFor="ch" refForName="accent_3"/>
+                <dgm:constr type="lMarg" for="ch" forName="text_3" refType="w" refFor="ch" refForName="accent_3" fact="1.8"/>
+                <dgm:constr type="h" for="ch" forName="accent_4" refType="h" fact="0.1563"/>
+                <dgm:constr type="w" for="ch" forName="accent_4" refType="h" refFor="ch" refForName="accent_4" op="equ"/>
+                <dgm:constr type="ctrY" for="ch" forName="accent_4" refType="h" fact="0.6875"/>
+                <dgm:constr type="ctrX" for="ch" forName="accent_4" refType="h" fact="0.1978"/>
+                <dgm:constr type="l" for="ch" forName="text_4" refType="ctrX" refFor="ch" refForName="accent_4"/>
+                <dgm:constr type="r" for="ch" forName="text_4" refType="w"/>
+                <dgm:constr type="w" for="ch" forName="text_4" refType="h" refFor="ch" refForName="text_4" op="gte"/>
+                <dgm:constr type="h" for="ch" forName="text_4" refType="h" refFor="ch" refForName="accent_4" fact="0.8"/>
+                <dgm:constr type="ctrY" for="ch" forName="text_4" refType="ctrY" refFor="ch" refForName="accent_4"/>
+                <dgm:constr type="lMarg" for="ch" forName="text_4" refType="w" refFor="ch" refForName="accent_4" fact="1.8"/>
+                <dgm:constr type="h" for="ch" forName="accent_5" refType="h" fact="0.1563"/>
+                <dgm:constr type="w" for="ch" forName="accent_5" refType="h" refFor="ch" refForName="accent_5" op="equ"/>
+                <dgm:constr type="ctrY" for="ch" forName="accent_5" refType="h" fact="0.875"/>
+                <dgm:constr type="ctrX" for="ch" forName="accent_5" refType="h" fact="0.1082"/>
+                <dgm:constr type="l" for="ch" forName="text_5" refType="ctrX" refFor="ch" refForName="accent_5"/>
+                <dgm:constr type="r" for="ch" forName="text_5" refType="w"/>
+                <dgm:constr type="w" for="ch" forName="text_5" refType="h" refFor="ch" refForName="text_5" op="gte"/>
+                <dgm:constr type="h" for="ch" forName="text_5" refType="h" refFor="ch" refForName="accent_5" fact="0.8"/>
+                <dgm:constr type="ctrY" for="ch" forName="text_5" refType="ctrY" refFor="ch" refForName="accent_5"/>
+                <dgm:constr type="lMarg" for="ch" forName="text_5" refType="w" refFor="ch" refForName="accent_5" fact="1.8"/>
+                <dgm:constr type="primFontSz" for="ch" ptType="node" op="equ" val="65"/>
+              </dgm:constrLst>
+            </dgm:if>
+            <dgm:if name="Name10" axis="ch" ptType="node" func="cnt" op="equ" val="6">
+              <dgm:constrLst>
+                <dgm:constr type="h" for="ch" forName="cycle" refType="h"/>
+                <dgm:constr type="w" for="ch" forName="cycle" refType="h" refFor="ch" refForName="cycle" fact="0.26"/>
+                <dgm:constr type="l" for="ch" forName="cycle"/>
+                <dgm:constr type="ctrY" for="ch" forName="cycle" refType="h" fact="0.5"/>
+                <dgm:constr type="diam" for="ch" forName="cycle" refType="h" fact="1.344"/>
+                <dgm:constr type="h" for="ch" forName="accent_1" refType="h" fact="0.1316"/>
+                <dgm:constr type="w" for="ch" forName="accent_1" refType="h" refFor="ch" refForName="accent_1" op="equ"/>
+                <dgm:constr type="ctrY" for="ch" forName="accent_1" refType="h" fact="0.1053"/>
+                <dgm:constr type="ctrX" for="ch" forName="accent_1" refType="h" fact="0.0943"/>
+                <dgm:constr type="l" for="ch" forName="text_1" refType="ctrX" refFor="ch" refForName="accent_1"/>
+                <dgm:constr type="r" for="ch" forName="text_1" refType="w"/>
+                <dgm:constr type="w" for="ch" forName="text_1" refType="h" refFor="ch" refForName="text_1" op="gte"/>
+                <dgm:constr type="h" for="ch" forName="text_1" refType="h" refFor="ch" refForName="accent_1" fact="0.8"/>
+                <dgm:constr type="ctrY" for="ch" forName="text_1" refType="ctrY" refFor="ch" refForName="accent_1"/>
+                <dgm:constr type="lMarg" for="ch" forName="text_1" refType="w" refFor="ch" refForName="accent_1" fact="1.8"/>
+                <dgm:constr type="h" for="ch" forName="accent_2" refType="h" fact="0.1316"/>
+                <dgm:constr type="w" for="ch" forName="accent_2" refType="h" refFor="ch" refForName="accent_2" op="equ"/>
+                <dgm:constr type="ctrY" for="ch" forName="accent_2" refType="h" fact="0.2632"/>
+                <dgm:constr type="ctrX" for="ch" forName="accent_2" refType="h" fact="0.1809"/>
+                <dgm:constr type="l" for="ch" forName="text_2" refType="ctrX" refFor="ch" refForName="accent_2"/>
+                <dgm:constr type="r" for="ch" forName="text_2" refType="w"/>
+                <dgm:constr type="w" for="ch" forName="text_2" refType="h" refFor="ch" refForName="text_2" op="gte"/>
+                <dgm:constr type="h" for="ch" forName="text_2" refType="h" refFor="ch" refForName="accent_2" fact="0.8"/>
+                <dgm:constr type="ctrY" for="ch" forName="text_2" refType="ctrY" refFor="ch" refForName="accent_2"/>
+                <dgm:constr type="lMarg" for="ch" forName="text_2" refType="w" refFor="ch" refForName="accent_2" fact="1.8"/>
+                <dgm:constr type="h" for="ch" forName="accent_3" refType="h" fact="0.1316"/>
+                <dgm:constr type="w" for="ch" forName="accent_3" refType="h" refFor="ch" refForName="accent_3" op="equ"/>
+                <dgm:constr type="ctrY" for="ch" forName="accent_3" refType="h" fact="0.4211"/>
+                <dgm:constr type="ctrX" for="ch" forName="accent_3" refType="h" fact="0.2205"/>
+                <dgm:constr type="l" for="ch" forName="text_3" refType="ctrX" refFor="ch" refForName="accent_3"/>
+                <dgm:constr type="r" for="ch" forName="text_3" refType="w"/>
+                <dgm:constr type="w" for="ch" forName="text_3" refType="h" refFor="ch" refForName="text_3" op="gte"/>
+                <dgm:constr type="h" for="ch" forName="text_3" refType="h" refFor="ch" refForName="accent_3" fact="0.8"/>
+                <dgm:constr type="ctrY" for="ch" forName="text_3" refType="ctrY" refFor="ch" refForName="accent_3"/>
+                <dgm:constr type="lMarg" for="ch" forName="text_3" refType="w" refFor="ch" refForName="accent_3" fact="1.8"/>
+                <dgm:constr type="h" for="ch" forName="accent_4" refType="h" fact="0.1316"/>
+                <dgm:constr type="w" for="ch" forName="accent_4" refType="h" refFor="ch" refForName="accent_4" op="equ"/>
+                <dgm:constr type="ctrY" for="ch" forName="accent_4" refType="h" fact="0.5789"/>
+                <dgm:constr type="ctrX" for="ch" forName="accent_4" refType="h" fact="0.2205"/>
+                <dgm:constr type="l" for="ch" forName="text_4" refType="ctrX" refFor="ch" refForName="accent_4"/>
+                <dgm:constr type="r" for="ch" forName="text_4" refType="w"/>
+                <dgm:constr type="w" for="ch" forName="text_4" refType="h" refFor="ch" refForName="text_4" op="gte"/>
+                <dgm:constr type="h" for="ch" forName="text_4" refType="h" refFor="ch" refForName="accent_4" fact="0.8"/>
+                <dgm:constr type="ctrY" for="ch" forName="text_4" refType="ctrY" refFor="ch" refForName="accent_4"/>
+                <dgm:constr type="lMarg" for="ch" forName="text_4" refType="w" refFor="ch" refForName="accent_4" fact="1.8"/>
+                <dgm:constr type="h" for="ch" forName="accent_5" refType="h" fact="0.1316"/>
+                <dgm:constr type="w" for="ch" forName="accent_5" refType="h" refFor="ch" refForName="accent_5" op="equ"/>
+                <dgm:constr type="ctrY" for="ch" forName="accent_5" refType="h" fact="0.7368"/>
+                <dgm:constr type="ctrX" for="ch" forName="accent_5" refType="h" fact="0.1809"/>
+                <dgm:constr type="l" for="ch" forName="text_5" refType="ctrX" refFor="ch" refForName="accent_5"/>
+                <dgm:constr type="r" for="ch" forName="text_5" refType="w"/>
+                <dgm:constr type="w" for="ch" forName="text_5" refType="h" refFor="ch" refForName="text_5" op="gte"/>
+                <dgm:constr type="h" for="ch" forName="text_5" refType="h" refFor="ch" refForName="accent_5" fact="0.8"/>
+                <dgm:constr type="ctrY" for="ch" forName="text_5" refType="ctrY" refFor="ch" refForName="accent_5"/>
+                <dgm:constr type="lMarg" for="ch" forName="text_5" refType="w" refFor="ch" refForName="accent_5" fact="1.8"/>
+                <dgm:constr type="h" for="ch" forName="accent_6" refType="h" fact="0.1316"/>
+                <dgm:constr type="w" for="ch" forName="accent_6" refType="h" refFor="ch" refForName="accent_6" op="equ"/>
+                <dgm:constr type="ctrY" for="ch" forName="accent_6" refType="h" fact="0.8947"/>
+                <dgm:constr type="ctrX" for="ch" forName="accent_6" refType="h" fact="0.0943"/>
+                <dgm:constr type="l" for="ch" forName="text_6" refType="ctrX" refFor="ch" refForName="accent_6"/>
+                <dgm:constr type="r" for="ch" forName="text_6" refType="w"/>
+                <dgm:constr type="w" for="ch" forName="text_6" refType="h" refFor="ch" refForName="text_6" op="gte"/>
+                <dgm:constr type="h" for="ch" forName="text_6" refType="h" refFor="ch" refForName="accent_6" fact="0.8"/>
+                <dgm:constr type="ctrY" for="ch" forName="text_6" refType="ctrY" refFor="ch" refForName="accent_6"/>
+                <dgm:constr type="lMarg" for="ch" forName="text_6" refType="w" refFor="ch" refForName="accent_6" fact="1.8"/>
+                <dgm:constr type="primFontSz" for="ch" ptType="node" op="equ" val="65"/>
+              </dgm:constrLst>
+            </dgm:if>
+            <dgm:else name="Name11">
+              <dgm:constrLst>
+                <dgm:constr type="h" for="ch" forName="cycle" refType="h"/>
+                <dgm:constr type="w" for="ch" forName="cycle" refType="h" refFor="ch" refForName="cycle" fact="0.26"/>
+                <dgm:constr type="l" for="ch" forName="cycle"/>
+                <dgm:constr type="ctrY" for="ch" forName="cycle" refType="h" fact="0.5"/>
+                <dgm:constr type="diam" for="ch" forName="cycle" refType="h" fact="1.344"/>
+                <dgm:constr type="h" for="ch" forName="accent_1" refType="h" fact="0.1136"/>
+                <dgm:constr type="w" for="ch" forName="accent_1" refType="h" refFor="ch" refForName="accent_1" op="equ"/>
+                <dgm:constr type="ctrY" for="ch" forName="accent_1" refType="h" fact="0.0909"/>
+                <dgm:constr type="ctrX" for="ch" forName="accent_1" refType="h" fact="0.0835"/>
+                <dgm:constr type="l" for="ch" forName="text_1" refType="ctrX" refFor="ch" refForName="accent_1"/>
+                <dgm:constr type="r" for="ch" forName="text_1" refType="w"/>
+                <dgm:constr type="w" for="ch" forName="text_1" refType="h" refFor="ch" refForName="text_1" op="gte"/>
+                <dgm:constr type="h" for="ch" forName="text_1" refType="h" refFor="ch" refForName="accent_1" fact="0.8"/>
+                <dgm:constr type="ctrY" for="ch" forName="text_1" refType="ctrY" refFor="ch" refForName="accent_1"/>
+                <dgm:constr type="lMarg" for="ch" forName="text_1" refType="w" refFor="ch" refForName="accent_1" fact="1.8"/>
+                <dgm:constr type="h" for="ch" forName="accent_2" refType="h" fact="0.1136"/>
+                <dgm:constr type="w" for="ch" forName="accent_2" refType="h" refFor="ch" refForName="accent_2" op="equ"/>
+                <dgm:constr type="ctrY" for="ch" forName="accent_2" refType="h" fact="0.2273"/>
+                <dgm:constr type="ctrX" for="ch" forName="accent_2" refType="h" fact="0.1658"/>
+                <dgm:constr type="l" for="ch" forName="text_2" refType="ctrX" refFor="ch" refForName="accent_2"/>
+                <dgm:constr type="r" for="ch" forName="text_2" refType="w"/>
+                <dgm:constr type="w" for="ch" forName="text_2" refType="h" refFor="ch" refForName="text_2" op="gte"/>
+                <dgm:constr type="h" for="ch" forName="text_2" refType="h" refFor="ch" refForName="accent_2" fact="0.8"/>
+                <dgm:constr type="ctrY" for="ch" forName="text_2" refType="ctrY" refFor="ch" refForName="accent_2"/>
+                <dgm:constr type="lMarg" for="ch" forName="text_2" refType="w" refFor="ch" refForName="accent_2" fact="1.8"/>
+                <dgm:constr type="h" for="ch" forName="accent_3" refType="h" fact="0.1136"/>
+                <dgm:constr type="w" for="ch" forName="accent_3" refType="h" refFor="ch" refForName="accent_3" op="equ"/>
+                <dgm:constr type="ctrY" for="ch" forName="accent_3" refType="h" fact="0.3636"/>
+                <dgm:constr type="ctrX" for="ch" forName="accent_3" refType="h" fact="0.2109"/>
+                <dgm:constr type="l" for="ch" forName="text_3" refType="ctrX" refFor="ch" refForName="accent_3"/>
+                <dgm:constr type="r" for="ch" forName="text_3" refType="w"/>
+                <dgm:constr type="w" for="ch" forName="text_3" refType="h" refFor="ch" refForName="text_3" op="gte"/>
+                <dgm:constr type="h" for="ch" forName="text_3" refType="h" refFor="ch" refForName="accent_3" fact="0.8"/>
+                <dgm:constr type="ctrY" for="ch" forName="text_3" refType="ctrY" refFor="ch" refForName="accent_3"/>
+                <dgm:constr type="lMarg" for="ch" forName="text_3" refType="w" refFor="ch" refForName="accent_3" fact="1.8"/>
+                <dgm:constr type="h" for="ch" forName="accent_4" refType="h" fact="0.1136"/>
+                <dgm:constr type="w" for="ch" forName="accent_4" refType="h" refFor="ch" refForName="accent_4" op="equ"/>
+                <dgm:constr type="ctrY" for="ch" forName="accent_4" refType="h" fact="0.5"/>
+                <dgm:constr type="ctrX" for="ch" forName="accent_4" refType="h" fact="0.2253"/>
+                <dgm:constr type="l" for="ch" forName="text_4" refType="ctrX" refFor="ch" refForName="accent_4"/>
+                <dgm:constr type="r" for="ch" forName="text_4" refType="w"/>
+                <dgm:constr type="w" for="ch" forName="text_4" refType="h" refFor="ch" refForName="text_4" op="gte"/>
+                <dgm:constr type="h" for="ch" forName="text_4" refType="h" refFor="ch" refForName="accent_4" fact="0.8"/>
+                <dgm:constr type="ctrY" for="ch" forName="text_4" refType="ctrY" refFor="ch" refForName="accent_4"/>
+                <dgm:constr type="lMarg" for="ch" forName="text_4" refType="w" refFor="ch" refForName="accent_4" fact="1.8"/>
+                <dgm:constr type="h" for="ch" forName="accent_5" refType="h" fact="0.1136"/>
+                <dgm:constr type="w" for="ch" forName="accent_5" refType="h" refFor="ch" refForName="accent_5" op="equ"/>
+                <dgm:constr type="ctrY" for="ch" forName="accent_5" refType="h" fact="0.6364"/>
+                <dgm:constr type="ctrX" for="ch" forName="accent_5" refType="h" fact="0.2109"/>
+                <dgm:constr type="l" for="ch" forName="text_5" refType="ctrX" refFor="ch" refForName="accent_5"/>
+                <dgm:constr type="r" for="ch" forName="text_5" refType="w"/>
+                <dgm:constr type="w" for="ch" forName="text_5" refType="h" refFor="ch" refForName="text_5" op="gte"/>
+                <dgm:constr type="h" for="ch" forName="text_5" refType="h" refFor="ch" refForName="accent_5" fact="0.8"/>
+                <dgm:constr type="ctrY" for="ch" forName="text_5" refType="ctrY" refFor="ch" refForName="accent_5"/>
+                <dgm:constr type="lMarg" for="ch" forName="text_5" refType="w" refFor="ch" refForName="accent_5" fact="1.8"/>
+                <dgm:constr type="h" for="ch" forName="accent_6" refType="h" fact="0.1136"/>
+                <dgm:constr type="w" for="ch" forName="accent_6" refType="h" refFor="ch" refForName="accent_6" op="equ"/>
+                <dgm:constr type="ctrY" for="ch" forName="accent_6" refType="h" fact="0.7727"/>
+                <dgm:constr type="ctrX" for="ch" forName="accent_6" refType="h" fact="0.1658"/>
+                <dgm:constr type="l" for="ch" forName="text_6" refType="ctrX" refFor="ch" refForName="accent_6"/>
+                <dgm:constr type="r" for="ch" forName="text_6" refType="w"/>
+                <dgm:constr type="w" for="ch" forName="text_6" refType="h" refFor="ch" refForName="text_6" op="gte"/>
+                <dgm:constr type="h" for="ch" forName="text_6" refType="h" refFor="ch" refForName="accent_6" fact="0.8"/>
+                <dgm:constr type="ctrY" for="ch" forName="text_6" refType="ctrY" refFor="ch" refForName="accent_6"/>
+                <dgm:constr type="lMarg" for="ch" forName="text_6" refType="w" refFor="ch" refForName="accent_6" fact="1.8"/>
+                <dgm:constr type="h" for="ch" forName="accent_7" refType="h" fact="0.1136"/>
+                <dgm:constr type="w" for="ch" forName="accent_7" refType="h" refFor="ch" refForName="accent_7" op="equ"/>
+                <dgm:constr type="ctrY" for="ch" forName="accent_7" refType="h" fact="0.9091"/>
+                <dgm:constr type="ctrX" for="ch" forName="accent_7" refType="h" fact="0.0835"/>
+                <dgm:constr type="l" for="ch" forName="text_7" refType="ctrX" refFor="ch" refForName="accent_7"/>
+                <dgm:constr type="r" for="ch" forName="text_7" refType="w"/>
+                <dgm:constr type="w" for="ch" forName="text_7" refType="h" refFor="ch" refForName="text_7" op="gte"/>
+                <dgm:constr type="h" for="ch" forName="text_7" refType="h" refFor="ch" refForName="accent_7" fact="0.8"/>
+                <dgm:constr type="ctrY" for="ch" forName="text_7" refType="ctrY" refFor="ch" refForName="accent_7"/>
+                <dgm:constr type="lMarg" for="ch" forName="text_7" refType="w" refFor="ch" refForName="accent_7" fact="1.8"/>
+                <dgm:constr type="primFontSz" for="ch" ptType="node" op="equ" val="65"/>
+              </dgm:constrLst>
+            </dgm:else>
+          </dgm:choose>
+        </dgm:if>
+        <dgm:else name="Name12">
+          <dgm:choose name="Name13">
+            <dgm:if name="Name14" axis="ch" ptType="node" func="cnt" op="equ" val="1">
+              <dgm:constrLst>
+                <dgm:constr type="h" for="ch" forName="cycle" refType="h"/>
+                <dgm:constr type="w" for="ch" forName="cycle" refType="h" refFor="ch" refForName="cycle" fact="0.26"/>
+                <dgm:constr type="r" for="ch" forName="cycle" refType="w"/>
+                <dgm:constr type="ctrY" for="ch" forName="cycle" refType="h" fact="0.5"/>
+                <dgm:constr type="diam" for="ch" forName="cycle" refType="h" fact="1.344"/>
+                <dgm:constr type="h" for="ch" forName="accent_1" refType="h" fact="0.625"/>
+                <dgm:constr type="w" for="ch" forName="accent_1" refType="h" refFor="ch" refForName="accent_1" op="equ"/>
+                <dgm:constr type="ctrY" for="ch" forName="accent_1" refType="h" fact="0.5"/>
+                <dgm:constr type="ctrX" for="ch" forName="accent_1" refType="w"/>
+                <dgm:constr type="ctrXOff" for="ch" forName="accent_1" refType="h" fact="-0.2253"/>
+                <dgm:constr type="r" for="ch" forName="text_1" refType="ctrX" refFor="ch" refForName="accent_1"/>
+                <dgm:constr type="rOff" for="ch" forName="text_1" refType="ctrXOff" refFor="ch" refForName="accent_1"/>
+                <dgm:constr type="l" for="ch" forName="text_1"/>
+                <dgm:constr type="w" for="ch" forName="text_1" refType="h" refFor="ch" refForName="text_1" op="gte"/>
+                <dgm:constr type="h" for="ch" forName="text_1" refType="h" refFor="ch" refForName="accent_1" fact="0.8"/>
+                <dgm:constr type="ctrY" for="ch" forName="text_1" refType="ctrY" refFor="ch" refForName="accent_1"/>
+                <dgm:constr type="rMarg" for="ch" forName="text_1" refType="w" refFor="ch" refForName="accent_1" fact="1.8"/>
+                <dgm:constr type="primFontSz" for="ch" ptType="node" op="equ" val="65"/>
+              </dgm:constrLst>
+            </dgm:if>
+            <dgm:if name="Name15" axis="ch" ptType="node" func="cnt" op="equ" val="2">
+              <dgm:constrLst>
+                <dgm:constr type="h" for="ch" forName="cycle" refType="h"/>
+                <dgm:constr type="w" for="ch" forName="cycle" refType="h" refFor="ch" refForName="cycle" fact="0.26"/>
+                <dgm:constr type="r" for="ch" forName="cycle" refType="w"/>
+                <dgm:constr type="ctrY" for="ch" forName="cycle" refType="h" fact="0.5"/>
+                <dgm:constr type="diam" for="ch" forName="cycle" refType="h" fact="1.344"/>
+                <dgm:constr type="h" for="ch" forName="accent_1" refType="h" fact="0.3571"/>
+                <dgm:constr type="w" for="ch" forName="accent_1" refType="h" refFor="ch" refForName="accent_1" op="equ"/>
+                <dgm:constr type="ctrY" for="ch" forName="accent_1" refType="h" fact="0.2857"/>
+                <dgm:constr type="ctrX" for="ch" forName="accent_1" refType="w"/>
+                <dgm:constr type="ctrXOff" for="ch" forName="accent_1" refType="h" fact="-0.1891"/>
+                <dgm:constr type="r" for="ch" forName="text_1" refType="ctrX" refFor="ch" refForName="accent_1"/>
+                <dgm:constr type="rOff" for="ch" forName="text_1" refType="ctrXOff" refFor="ch" refForName="accent_1"/>
+                <dgm:constr type="l" for="ch" forName="text_1"/>
+                <dgm:constr type="w" for="ch" forName="text_1" refType="h" refFor="ch" refForName="text_1" op="gte"/>
+                <dgm:constr type="h" for="ch" forName="text_1" refType="h" refFor="ch" refForName="accent_1" fact="0.8"/>
+                <dgm:constr type="ctrY" for="ch" forName="text_1" refType="ctrY" refFor="ch" refForName="accent_1"/>
+                <dgm:constr type="rMarg" for="ch" forName="text_1" refType="w" refFor="ch" refForName="accent_1" fact="1.8"/>
+                <dgm:constr type="h" for="ch" forName="accent_2" refType="h" fact="0.3571"/>
+                <dgm:constr type="w" for="ch" forName="accent_2" refType="h" refFor="ch" refForName="accent_2" op="equ"/>
+                <dgm:constr type="ctrY" for="ch" forName="accent_2" refType="h" fact="0.7143"/>
+                <dgm:constr type="ctrX" for="ch" forName="accent_2" refType="w"/>
+                <dgm:constr type="ctrXOff" for="ch" forName="accent_2" refType="h" fact="-0.1891"/>
+                <dgm:constr type="r" for="ch" forName="text_2" refType="ctrX" refFor="ch" refForName="accent_2"/>
+                <dgm:constr type="rOff" for="ch" forName="text_2" refType="ctrXOff" refFor="ch" refForName="accent_2"/>
+                <dgm:constr type="l" for="ch" forName="text_2"/>
+                <dgm:constr type="w" for="ch" forName="text_2" refType="h" refFor="ch" refForName="text_2" op="gte"/>
+                <dgm:constr type="h" for="ch" forName="text_2" refType="h" refFor="ch" refForName="accent_2" fact="0.8"/>
+                <dgm:constr type="ctrY" for="ch" forName="text_2" refType="ctrY" refFor="ch" refForName="accent_2"/>
+                <dgm:constr type="rMarg" for="ch" forName="text_2" refType="w" refFor="ch" refForName="accent_2" fact="1.8"/>
+                <dgm:constr type="primFontSz" for="ch" ptType="node" op="equ" val="65"/>
+              </dgm:constrLst>
+            </dgm:if>
+            <dgm:if name="Name16" axis="ch" ptType="node" func="cnt" op="equ" val="3">
+              <dgm:constrLst>
+                <dgm:constr type="h" for="ch" forName="cycle" refType="h"/>
+                <dgm:constr type="w" for="ch" forName="cycle" refType="h" refFor="ch" refForName="cycle" fact="0.26"/>
+                <dgm:constr type="r" for="ch" forName="cycle" refType="w"/>
+                <dgm:constr type="ctrY" for="ch" forName="cycle" refType="h" fact="0.5"/>
+                <dgm:constr type="diam" for="ch" forName="cycle" refType="h" fact="1.344"/>
+                <dgm:constr type="h" for="ch" forName="accent_1" refType="h" fact="0.25"/>
+                <dgm:constr type="w" for="ch" forName="accent_1" refType="h" refFor="ch" refForName="accent_1" op="equ"/>
+                <dgm:constr type="ctrY" for="ch" forName="accent_1" refType="h" fact="0.2"/>
+                <dgm:constr type="ctrX" for="ch" forName="accent_1" refType="w"/>
+                <dgm:constr type="ctrXOff" for="ch" forName="accent_1" refType="h" fact="-0.1526"/>
+                <dgm:constr type="r" for="ch" forName="text_1" refType="ctrX" refFor="ch" refForName="accent_1"/>
+                <dgm:constr type="rOff" for="ch" forName="text_1" refType="ctrXOff" refFor="ch" refForName="accent_1"/>
+                <dgm:constr type="l" for="ch" forName="text_1"/>
+                <dgm:constr type="w" for="ch" forName="text_1" refType="h" refFor="ch" refForName="text_1" op="gte"/>
+                <dgm:constr type="h" for="ch" forName="text_1" refType="h" refFor="ch" refForName="accent_1" fact="0.8"/>
+                <dgm:constr type="ctrY" for="ch" forName="text_1" refType="ctrY" refFor="ch" refForName="accent_1"/>
+                <dgm:constr type="rMarg" for="ch" forName="text_1" refType="w" refFor="ch" refForName="accent_1" fact="1.8"/>
+                <dgm:constr type="h" for="ch" forName="accent_2" refType="h" fact="0.25"/>
+                <dgm:constr type="w" for="ch" forName="accent_2" refType="h" refFor="ch" refForName="accent_2" op="equ"/>
+                <dgm:constr type="ctrY" for="ch" forName="accent_2" refType="h" fact="0.5"/>
+                <dgm:constr type="ctrX" for="ch" forName="accent_2" refType="w"/>
+                <dgm:constr type="ctrXOff" for="ch" forName="accent_2" refType="h" fact="-0.2253"/>
+                <dgm:constr type="r" for="ch" forName="text_2" refType="ctrX" refFor="ch" refForName="accent_2"/>
+                <dgm:constr type="rOff" for="ch" forName="text_2" refType="ctrXOff" refFor="ch" refForName="accent_2"/>
+                <dgm:constr type="l" for="ch" forName="text_2"/>
+                <dgm:constr type="w" for="ch" forName="text_2" refType="h" refFor="ch" refForName="text_2" op="gte"/>
+                <dgm:constr type="h" for="ch" forName="text_2" refType="h" refFor="ch" refForName="accent_2" fact="0.8"/>
+                <dgm:constr type="ctrY" for="ch" forName="text_2" refType="ctrY" refFor="ch" refForName="accent_2"/>
+                <dgm:constr type="rMarg" for="ch" forName="text_2" refType="w" refFor="ch" refForName="accent_2" fact="1.8"/>
+                <dgm:constr type="h" for="ch" forName="accent_3" refType="h" fact="0.25"/>
+                <dgm:constr type="w" for="ch" forName="accent_3" refType="h" refFor="ch" refForName="accent_3" op="equ"/>
+                <dgm:constr type="ctrY" for="ch" forName="accent_3" refType="h" fact="0.8"/>
+                <dgm:constr type="ctrX" for="ch" forName="accent_3" refType="w"/>
+                <dgm:constr type="ctrXOff" for="ch" forName="accent_3" refType="h" fact="-0.1526"/>
+                <dgm:constr type="r" for="ch" forName="text_3" refType="ctrX" refFor="ch" refForName="accent_3"/>
+                <dgm:constr type="rOff" for="ch" forName="text_3" refType="ctrXOff" refFor="ch" refForName="accent_3"/>
+                <dgm:constr type="l" for="ch" forName="text_3"/>
+                <dgm:constr type="w" for="ch" forName="text_3" refType="h" refFor="ch" refForName="text_3" op="gte"/>
+                <dgm:constr type="h" for="ch" forName="text_3" refType="h" refFor="ch" refForName="accent_3" fact="0.8"/>
+                <dgm:constr type="ctrY" for="ch" forName="text_3" refType="ctrY" refFor="ch" refForName="accent_3"/>
+                <dgm:constr type="rMarg" for="ch" forName="text_3" refType="w" refFor="ch" refForName="accent_3" fact="1.8"/>
+                <dgm:constr type="primFontSz" for="ch" ptType="node" op="equ" val="65"/>
+              </dgm:constrLst>
+            </dgm:if>
+            <dgm:if name="Name17" axis="ch" ptType="node" func="cnt" op="equ" val="4">
+              <dgm:constrLst>
+                <dgm:constr type="h" for="ch" forName="cycle" refType="h"/>
+                <dgm:constr type="w" for="ch" forName="cycle" refType="h" refFor="ch" refForName="cycle" fact="0.26"/>
+                <dgm:constr type="r" for="ch" forName="cycle" refType="w"/>
+                <dgm:constr type="ctrY" for="ch" forName="cycle" refType="h" fact="0.5"/>
+                <dgm:constr type="diam" for="ch" forName="cycle" refType="h" fact="1.344"/>
+                <dgm:constr type="h" for="ch" forName="accent_1" refType="h" fact="0.1923"/>
+                <dgm:constr type="w" for="ch" forName="accent_1" refType="h" refFor="ch" refForName="accent_1" op="equ"/>
+                <dgm:constr type="ctrY" for="ch" forName="accent_1" refType="h" fact="0.1538"/>
+                <dgm:constr type="ctrX" for="ch" forName="accent_1" refType="w"/>
+                <dgm:constr type="ctrXOff" for="ch" forName="accent_1" refType="h" fact="-0.1268"/>
+                <dgm:constr type="r" for="ch" forName="text_1" refType="ctrX" refFor="ch" refForName="accent_1"/>
+                <dgm:constr type="rOff" for="ch" forName="text_1" refType="ctrXOff" refFor="ch" refForName="accent_1"/>
+                <dgm:constr type="l" for="ch" forName="text_1"/>
+                <dgm:constr type="w" for="ch" forName="text_1" refType="h" refFor="ch" refForName="text_1" op="gte"/>
+                <dgm:constr type="h" for="ch" forName="text_1" refType="h" refFor="ch" refForName="accent_1" fact="0.8"/>
+                <dgm:constr type="ctrY" for="ch" forName="text_1" refType="ctrY" refFor="ch" refForName="accent_1"/>
+                <dgm:constr type="rMarg" for="ch" forName="text_1" refType="w" refFor="ch" refForName="accent_1" fact="1.8"/>
+                <dgm:constr type="h" for="ch" forName="accent_2" refType="h" fact="0.1923"/>
+                <dgm:constr type="w" for="ch" forName="accent_2" refType="h" refFor="ch" refForName="accent_2" op="equ"/>
+                <dgm:constr type="ctrY" for="ch" forName="accent_2" refType="h" fact="0.3846"/>
+                <dgm:constr type="ctrX" for="ch" forName="accent_2" refType="w"/>
+                <dgm:constr type="ctrXOff" for="ch" forName="accent_2" refType="h" fact="-0.215"/>
+                <dgm:constr type="r" for="ch" forName="text_2" refType="ctrX" refFor="ch" refForName="accent_2"/>
+                <dgm:constr type="rOff" for="ch" forName="text_2" refType="ctrXOff" refFor="ch" refForName="accent_2"/>
+                <dgm:constr type="l" for="ch" forName="text_2"/>
+                <dgm:constr type="w" for="ch" forName="text_2" refType="h" refFor="ch" refForName="text_2" op="gte"/>
+                <dgm:constr type="h" for="ch" forName="text_2" refType="h" refFor="ch" refForName="accent_2" fact="0.8"/>
+                <dgm:constr type="ctrY" for="ch" forName="text_2" refType="ctrY" refFor="ch" refForName="accent_2"/>
+                <dgm:constr type="rMarg" for="ch" forName="text_2" refType="w" refFor="ch" refForName="accent_2" fact="1.8"/>
+                <dgm:constr type="h" for="ch" forName="accent_3" refType="h" fact="0.1923"/>
+                <dgm:constr type="w" for="ch" forName="accent_3" refType="h" refFor="ch" refForName="accent_3" op="equ"/>
+                <dgm:constr type="ctrY" for="ch" forName="accent_3" refType="h" fact="0.6154"/>
+                <dgm:constr type="ctrX" for="ch" forName="accent_3" refType="w"/>
+                <dgm:constr type="ctrXOff" for="ch" forName="accent_3" refType="h" fact="-0.215"/>
+                <dgm:constr type="r" for="ch" forName="text_3" refType="ctrX" refFor="ch" refForName="accent_3"/>
+                <dgm:constr type="rOff" for="ch" forName="text_3" refType="ctrXOff" refFor="ch" refForName="accent_3"/>
+                <dgm:constr type="l" for="ch" forName="text_3"/>
+                <dgm:constr type="w" for="ch" forName="text_3" refType="h" refFor="ch" refForName="text_3" op="gte"/>
+                <dgm:constr type="h" for="ch" forName="text_3" refType="h" refFor="ch" refForName="accent_3" fact="0.8"/>
+                <dgm:constr type="ctrY" for="ch" forName="text_3" refType="ctrY" refFor="ch" refForName="accent_3"/>
+                <dgm:constr type="rMarg" for="ch" forName="text_3" refType="w" refFor="ch" refForName="accent_3" fact="1.8"/>
+                <dgm:constr type="h" for="ch" forName="accent_4" refType="h" fact="0.1923"/>
+                <dgm:constr type="w" for="ch" forName="accent_4" refType="h" refFor="ch" refForName="accent_4" op="equ"/>
+                <dgm:constr type="ctrY" for="ch" forName="accent_4" refType="h" fact="0.8462"/>
+                <dgm:constr type="ctrX" for="ch" forName="accent_4" refType="w"/>
+                <dgm:constr type="ctrXOff" for="ch" forName="accent_4" refType="h" fact="-0.1268"/>
+                <dgm:constr type="r" for="ch" forName="text_4" refType="ctrX" refFor="ch" refForName="accent_4"/>
+                <dgm:constr type="rOff" for="ch" forName="text_4" refType="ctrXOff" refFor="ch" refForName="accent_4"/>
+                <dgm:constr type="l" for="ch" forName="text_4"/>
+                <dgm:constr type="w" for="ch" forName="text_4" refType="h" refFor="ch" refForName="text_4" op="gte"/>
+                <dgm:constr type="h" for="ch" forName="text_4" refType="h" refFor="ch" refForName="accent_4" fact="0.8"/>
+                <dgm:constr type="ctrY" for="ch" forName="text_4" refType="ctrY" refFor="ch" refForName="accent_4"/>
+                <dgm:constr type="rMarg" for="ch" forName="text_4" refType="w" refFor="ch" refForName="accent_4" fact="1.8"/>
+                <dgm:constr type="primFontSz" for="ch" ptType="node" op="equ" val="65"/>
+              </dgm:constrLst>
+            </dgm:if>
+            <dgm:if name="Name18" axis="ch" ptType="node" func="cnt" op="equ" val="5">
+              <dgm:constrLst>
+                <dgm:constr type="h" for="ch" forName="cycle" refType="h"/>
+                <dgm:constr type="w" for="ch" forName="cycle" refType="h" refFor="ch" refForName="cycle" fact="0.26"/>
+                <dgm:constr type="r" for="ch" forName="cycle" refType="w"/>
+                <dgm:constr type="ctrY" for="ch" forName="cycle" refType="h" fact="0.5"/>
+                <dgm:constr type="diam" for="ch" forName="cycle" refType="h" fact="1.344"/>
+                <dgm:constr type="h" for="ch" forName="accent_1" refType="h" fact="0.1563"/>
+                <dgm:constr type="w" for="ch" forName="accent_1" refType="h" refFor="ch" refForName="accent_1" op="equ"/>
+                <dgm:constr type="ctrY" for="ch" forName="accent_1" refType="h" fact="0.125"/>
+                <dgm:constr type="ctrX" for="ch" forName="accent_1" refType="w"/>
+                <dgm:constr type="ctrXOff" for="ch" forName="accent_1" refType="h" fact="-0.1082"/>
+                <dgm:constr type="r" for="ch" forName="text_1" refType="ctrX" refFor="ch" refForName="accent_1"/>
+                <dgm:constr type="rOff" for="ch" forName="text_1" refType="ctrXOff" refFor="ch" refForName="accent_1"/>
+                <dgm:constr type="l" for="ch" forName="text_1"/>
+                <dgm:constr type="w" for="ch" forName="text_1" refType="h" refFor="ch" refForName="text_1" op="gte"/>
+                <dgm:constr type="h" for="ch" forName="text_1" refType="h" refFor="ch" refForName="accent_1" fact="0.8"/>
+                <dgm:constr type="ctrY" for="ch" forName="text_1" refType="ctrY" refFor="ch" refForName="accent_1"/>
+                <dgm:constr type="rMarg" for="ch" forName="text_1" refType="w" refFor="ch" refForName="accent_1" fact="1.8"/>
+                <dgm:constr type="h" for="ch" forName="accent_2" refType="h" fact="0.1563"/>
+                <dgm:constr type="w" for="ch" forName="accent_2" refType="h" refFor="ch" refForName="accent_2" op="equ"/>
+                <dgm:constr type="ctrY" for="ch" forName="accent_2" refType="h" fact="0.3125"/>
+                <dgm:constr type="ctrX" for="ch" forName="accent_2" refType="w"/>
+                <dgm:constr type="ctrXOff" for="ch" forName="accent_2" refType="h" fact="-0.1978"/>
+                <dgm:constr type="r" for="ch" forName="text_2" refType="ctrX" refFor="ch" refForName="accent_2"/>
+                <dgm:constr type="rOff" for="ch" forName="text_2" refType="ctrXOff" refFor="ch" refForName="accent_2"/>
+                <dgm:constr type="l" for="ch" forName="text_2"/>
+                <dgm:constr type="w" for="ch" forName="text_2" refType="h" refFor="ch" refForName="text_2" op="gte"/>
+                <dgm:constr type="h" for="ch" forName="text_2" refType="h" refFor="ch" refForName="accent_2" fact="0.8"/>
+                <dgm:constr type="ctrY" for="ch" forName="text_2" refType="ctrY" refFor="ch" refForName="accent_2"/>
+                <dgm:constr type="rMarg" for="ch" forName="text_2" refType="w" refFor="ch" refForName="accent_2" fact="1.8"/>
+                <dgm:constr type="h" for="ch" forName="accent_3" refType="h" fact="0.1563"/>
+                <dgm:constr type="w" for="ch" forName="accent_3" refType="h" refFor="ch" refForName="accent_3" op="equ"/>
+                <dgm:constr type="ctrY" for="ch" forName="accent_3" refType="h" fact="0.5"/>
+                <dgm:constr type="ctrX" for="ch" forName="accent_3" refType="w"/>
+                <dgm:constr type="ctrXOff" for="ch" forName="accent_3" refType="h" fact="-0.2253"/>
+                <dgm:constr type="r" for="ch" forName="text_3" refType="ctrX" refFor="ch" refForName="accent_3"/>
+                <dgm:constr type="rOff" for="ch" forName="text_3" refType="ctrXOff" refFor="ch" refForName="accent_3"/>
+                <dgm:constr type="l" for="ch" forName="text_3"/>
+                <dgm:constr type="w" for="ch" forName="text_3" refType="h" refFor="ch" refForName="text_3" op="gte"/>
+                <dgm:constr type="h" for="ch" forName="text_3" refType="h" refFor="ch" refForName="accent_3" fact="0.8"/>
+                <dgm:constr type="ctrY" for="ch" forName="text_3" refType="ctrY" refFor="ch" refForName="accent_3"/>
+                <dgm:constr type="rMarg" for="ch" forName="text_3" refType="w" refFor="ch" refForName="accent_3" fact="1.8"/>
+                <dgm:constr type="h" for="ch" forName="accent_4" refType="h" fact="0.1563"/>
+                <dgm:constr type="w" for="ch" forName="accent_4" refType="h" refFor="ch" refForName="accent_4" op="equ"/>
+                <dgm:constr type="ctrY" for="ch" forName="accent_4" refType="h" fact="0.6875"/>
+                <dgm:constr type="ctrX" for="ch" forName="accent_4" refType="w"/>
+                <dgm:constr type="ctrXOff" for="ch" forName="accent_4" refType="h" fact="-0.1978"/>
+                <dgm:constr type="r" for="ch" forName="text_4" refType="ctrX" refFor="ch" refForName="accent_4"/>
+                <dgm:constr type="rOff" for="ch" forName="text_4" refType="ctrXOff" refFor="ch" refForName="accent_4"/>
+                <dgm:constr type="l" for="ch" forName="text_4"/>
+                <dgm:constr type="w" for="ch" forName="text_4" refType="h" refFor="ch" refForName="text_4" op="gte"/>
+                <dgm:constr type="h" for="ch" forName="text_4" refType="h" refFor="ch" refForName="accent_4" fact="0.8"/>
+                <dgm:constr type="ctrY" for="ch" forName="text_4" refType="ctrY" refFor="ch" refForName="accent_4"/>
+                <dgm:constr type="rMarg" for="ch" forName="text_4" refType="w" refFor="ch" refForName="accent_4" fact="1.8"/>
+                <dgm:constr type="h" for="ch" forName="accent_5" refType="h" fact="0.1563"/>
+                <dgm:constr type="w" for="ch" forName="accent_5" refType="h" refFor="ch" refForName="accent_5" op="equ"/>
+                <dgm:constr type="ctrY" for="ch" forName="accent_5" refType="h" fact="0.875"/>
+                <dgm:constr type="ctrX" for="ch" forName="accent_5" refType="w"/>
+                <dgm:constr type="ctrXOff" for="ch" forName="accent_5" refType="h" fact="-0.1082"/>
+                <dgm:constr type="r" for="ch" forName="text_5" refType="ctrX" refFor="ch" refForName="accent_5"/>
+                <dgm:constr type="rOff" for="ch" forName="text_5" refType="ctrXOff" refFor="ch" refForName="accent_5"/>
+                <dgm:constr type="l" for="ch" forName="text_5"/>
+                <dgm:constr type="w" for="ch" forName="text_5" refType="h" refFor="ch" refForName="text_5" op="gte"/>
+                <dgm:constr type="h" for="ch" forName="text_5" refType="h" refFor="ch" refForName="accent_5" fact="0.8"/>
+                <dgm:constr type="ctrY" for="ch" forName="text_5" refType="ctrY" refFor="ch" refForName="accent_5"/>
+                <dgm:constr type="rMarg" for="ch" forName="text_5" refType="w" refFor="ch" refForName="accent_5" fact="1.8"/>
+                <dgm:constr type="primFontSz" for="ch" ptType="node" op="equ" val="65"/>
+              </dgm:constrLst>
+            </dgm:if>
+            <dgm:if name="Name19" axis="ch" ptType="node" func="cnt" op="equ" val="6">
+              <dgm:constrLst>
+                <dgm:constr type="h" for="ch" forName="cycle" refType="h"/>
+                <dgm:constr type="w" for="ch" forName="cycle" refType="h" refFor="ch" refForName="cycle" fact="0.26"/>
+                <dgm:constr type="r" for="ch" forName="cycle" refType="w"/>
+                <dgm:constr type="ctrY" for="ch" forName="cycle" refType="h" fact="0.5"/>
+                <dgm:constr type="diam" for="ch" forName="cycle" refType="h" fact="1.344"/>
+                <dgm:constr type="h" for="ch" forName="accent_1" refType="h" fact="0.1316"/>
+                <dgm:constr type="w" for="ch" forName="accent_1" refType="h" refFor="ch" refForName="accent_1" op="equ"/>
+                <dgm:constr type="ctrY" for="ch" forName="accent_1" refType="h" fact="0.1053"/>
+                <dgm:constr type="ctrX" for="ch" forName="accent_1" refType="w"/>
+                <dgm:constr type="ctrXOff" for="ch" forName="accent_1" refType="h" fact="-0.0943"/>
+                <dgm:constr type="r" for="ch" forName="text_1" refType="ctrX" refFor="ch" refForName="accent_1"/>
+                <dgm:constr type="rOff" for="ch" forName="text_1" refType="ctrXOff" refFor="ch" refForName="accent_1"/>
+                <dgm:constr type="l" for="ch" forName="text_1"/>
+                <dgm:constr type="w" for="ch" forName="text_1" refType="h" refFor="ch" refForName="text_1" op="gte"/>
+                <dgm:constr type="h" for="ch" forName="text_1" refType="h" refFor="ch" refForName="accent_1" fact="0.8"/>
+                <dgm:constr type="ctrY" for="ch" forName="text_1" refType="ctrY" refFor="ch" refForName="accent_1"/>
+                <dgm:constr type="rMarg" for="ch" forName="text_1" refType="w" refFor="ch" refForName="accent_1" fact="1.8"/>
+                <dgm:constr type="h" for="ch" forName="accent_2" refType="h" fact="0.1316"/>
+                <dgm:constr type="w" for="ch" forName="accent_2" refType="h" refFor="ch" refForName="accent_2" op="equ"/>
+                <dgm:constr type="ctrY" for="ch" forName="accent_2" refType="h" fact="0.2632"/>
+                <dgm:constr type="ctrX" for="ch" forName="accent_2" refType="w"/>
+                <dgm:constr type="ctrXOff" for="ch" forName="accent_2" refType="h" fact="-0.1809"/>
+                <dgm:constr type="r" for="ch" forName="text_2" refType="ctrX" refFor="ch" refForName="accent_2"/>
+                <dgm:constr type="rOff" for="ch" forName="text_2" refType="ctrXOff" refFor="ch" refForName="accent_2"/>
+                <dgm:constr type="l" for="ch" forName="text_2"/>
+                <dgm:constr type="w" for="ch" forName="text_2" refType="h" refFor="ch" refForName="text_2" op="gte"/>
+                <dgm:constr type="h" for="ch" forName="text_2" refType="h" refFor="ch" refForName="accent_2" fact="0.8"/>
+                <dgm:constr type="ctrY" for="ch" forName="text_2" refType="ctrY" refFor="ch" refForName="accent_2"/>
+                <dgm:constr type="rMarg" for="ch" forName="text_2" refType="w" refFor="ch" refForName="accent_2" fact="1.8"/>
+                <dgm:constr type="h" for="ch" forName="accent_3" refType="h" fact="0.1316"/>
+                <dgm:constr type="w" for="ch" forName="accent_3" refType="h" refFor="ch" refForName="accent_3" op="equ"/>
+                <dgm:constr type="ctrY" for="ch" forName="accent_3" refType="h" fact="0.4211"/>
+                <dgm:constr type="ctrX" for="ch" forName="accent_3" refType="w"/>
+                <dgm:constr type="ctrXOff" for="ch" forName="accent_3" refType="h" fact="-0.2205"/>
+                <dgm:constr type="r" for="ch" forName="text_3" refType="ctrX" refFor="ch" refForName="accent_3"/>
+                <dgm:constr type="rOff" for="ch" forName="text_3" refType="ctrXOff" refFor="ch" refForName="accent_3"/>
+                <dgm:constr type="l" for="ch" forName="text_3"/>
+                <dgm:constr type="w" for="ch" forName="text_3" refType="h" refFor="ch" refForName="text_3" op="gte"/>
+                <dgm:constr type="h" for="ch" forName="text_3" refType="h" refFor="ch" refForName="accent_3" fact="0.8"/>
+                <dgm:constr type="ctrY" for="ch" forName="text_3" refType="ctrY" refFor="ch" refForName="accent_3"/>
+                <dgm:constr type="rMarg" for="ch" forName="text_3" refType="w" refFor="ch" refForName="accent_3" fact="1.8"/>
+                <dgm:constr type="h" for="ch" forName="accent_4" refType="h" fact="0.1316"/>
+                <dgm:constr type="w" for="ch" forName="accent_4" refType="h" refFor="ch" refForName="accent_4" op="equ"/>
+                <dgm:constr type="ctrY" for="ch" forName="accent_4" refType="h" fact="0.5789"/>
+                <dgm:constr type="ctrX" for="ch" forName="accent_4" refType="w"/>
+                <dgm:constr type="ctrXOff" for="ch" forName="accent_4" refType="h" fact="-0.2205"/>
+                <dgm:constr type="r" for="ch" forName="text_4" refType="ctrX" refFor="ch" refForName="accent_4"/>
+                <dgm:constr type="rOff" for="ch" forName="text_4" refType="ctrXOff" refFor="ch" refForName="accent_4"/>
+                <dgm:constr type="l" for="ch" forName="text_4"/>
+                <dgm:constr type="w" for="ch" forName="text_4" refType="h" refFor="ch" refForName="text_4" op="gte"/>
+                <dgm:constr type="h" for="ch" forName="text_4" refType="h" refFor="ch" refForName="accent_4" fact="0.8"/>
+                <dgm:constr type="ctrY" for="ch" forName="text_4" refType="ctrY" refFor="ch" refForName="accent_4"/>
+                <dgm:constr type="rMarg" for="ch" forName="text_4" refType="w" refFor="ch" refForName="accent_4" fact="1.8"/>
+                <dgm:constr type="h" for="ch" forName="accent_5" refType="h" fact="0.1316"/>
+                <dgm:constr type="w" for="ch" forName="accent_5" refType="h" refFor="ch" refForName="accent_5" op="equ"/>
+                <dgm:constr type="ctrY" for="ch" forName="accent_5" refType="h" fact="0.7368"/>
+                <dgm:constr type="ctrX" for="ch" forName="accent_5" refType="w"/>
+                <dgm:constr type="ctrXOff" for="ch" forName="accent_5" refType="h" fact="-0.1809"/>
+                <dgm:constr type="r" for="ch" forName="text_5" refType="ctrX" refFor="ch" refForName="accent_5"/>
+                <dgm:constr type="rOff" for="ch" forName="text_5" refType="ctrXOff" refFor="ch" refForName="accent_5"/>
+                <dgm:constr type="l" for="ch" forName="text_5"/>
+                <dgm:constr type="w" for="ch" forName="text_5" refType="h" refFor="ch" refForName="text_5" op="gte"/>
+                <dgm:constr type="h" for="ch" forName="text_5" refType="h" refFor="ch" refForName="accent_5" fact="0.8"/>
+                <dgm:constr type="ctrY" for="ch" forName="text_5" refType="ctrY" refFor="ch" refForName="accent_5"/>
+                <dgm:constr type="rMarg" for="ch" forName="text_5" refType="w" refFor="ch" refForName="accent_5" fact="1.8"/>
+                <dgm:constr type="h" for="ch" forName="accent_6" refType="h" fact="0.1316"/>
+                <dgm:constr type="w" for="ch" forName="accent_6" refType="h" refFor="ch" refForName="accent_6" op="equ"/>
+                <dgm:constr type="ctrY" for="ch" forName="accent_6" refType="h" fact="0.8947"/>
+                <dgm:constr type="ctrX" for="ch" forName="accent_6" refType="w"/>
+                <dgm:constr type="ctrXOff" for="ch" forName="accent_6" refType="h" fact="-0.0943"/>
+                <dgm:constr type="r" for="ch" forName="text_6" refType="ctrX" refFor="ch" refForName="accent_6"/>
+                <dgm:constr type="rOff" for="ch" forName="text_6" refType="ctrXOff" refFor="ch" refForName="accent_6"/>
+                <dgm:constr type="l" for="ch" forName="text_6"/>
+                <dgm:constr type="w" for="ch" forName="text_6" refType="h" refFor="ch" refForName="text_6" op="gte"/>
+                <dgm:constr type="h" for="ch" forName="text_6" refType="h" refFor="ch" refForName="accent_6" fact="0.8"/>
+                <dgm:constr type="ctrY" for="ch" forName="text_6" refType="ctrY" refFor="ch" refForName="accent_6"/>
+                <dgm:constr type="rMarg" for="ch" forName="text_6" refType="w" refFor="ch" refForName="accent_6" fact="1.8"/>
+                <dgm:constr type="primFontSz" for="ch" ptType="node" op="equ" val="65"/>
+              </dgm:constrLst>
+            </dgm:if>
+            <dgm:else name="Name20">
+              <dgm:constrLst>
+                <dgm:constr type="h" for="ch" forName="cycle" refType="h"/>
+                <dgm:constr type="w" for="ch" forName="cycle" refType="h" refFor="ch" refForName="cycle" fact="0.26"/>
+                <dgm:constr type="r" for="ch" forName="cycle" refType="w"/>
+                <dgm:constr type="ctrY" for="ch" forName="cycle" refType="h" fact="0.5"/>
+                <dgm:constr type="diam" for="ch" forName="cycle" refType="h" fact="1.344"/>
+                <dgm:constr type="h" for="ch" forName="accent_1" refType="h" fact="0.1136"/>
+                <dgm:constr type="w" for="ch" forName="accent_1" refType="h" refFor="ch" refForName="accent_1" op="equ"/>
+                <dgm:constr type="ctrY" for="ch" forName="accent_1" refType="h" fact="0.0909"/>
+                <dgm:constr type="ctrX" for="ch" forName="accent_1" refType="w"/>
+                <dgm:constr type="ctrXOff" for="ch" forName="accent_1" refType="h" fact="-0.0835"/>
+                <dgm:constr type="r" for="ch" forName="text_1" refType="ctrX" refFor="ch" refForName="accent_1"/>
+                <dgm:constr type="rOff" for="ch" forName="text_1" refType="ctrXOff" refFor="ch" refForName="accent_1"/>
+                <dgm:constr type="l" for="ch" forName="text_1"/>
+                <dgm:constr type="w" for="ch" forName="text_1" refType="h" refFor="ch" refForName="text_1" op="gte"/>
+                <dgm:constr type="h" for="ch" forName="text_1" refType="h" refFor="ch" refForName="accent_1" fact="0.8"/>
+                <dgm:constr type="ctrY" for="ch" forName="text_1" refType="ctrY" refFor="ch" refForName="accent_1"/>
+                <dgm:constr type="rMarg" for="ch" forName="text_1" refType="w" refFor="ch" refForName="accent_1" fact="1.8"/>
+                <dgm:constr type="h" for="ch" forName="accent_2" refType="h" fact="0.1136"/>
+                <dgm:constr type="w" for="ch" forName="accent_2" refType="h" refFor="ch" refForName="accent_2" op="equ"/>
+                <dgm:constr type="ctrY" for="ch" forName="accent_2" refType="h" fact="0.2273"/>
+                <dgm:constr type="ctrX" for="ch" forName="accent_2" refType="w"/>
+                <dgm:constr type="ctrXOff" for="ch" forName="accent_2" refType="h" fact="-0.1658"/>
+                <dgm:constr type="r" for="ch" forName="text_2" refType="ctrX" refFor="ch" refForName="accent_2"/>
+                <dgm:constr type="rOff" for="ch" forName="text_2" refType="ctrXOff" refFor="ch" refForName="accent_2"/>
+                <dgm:constr type="l" for="ch" forName="text_2"/>
+                <dgm:constr type="w" for="ch" forName="text_2" refType="h" refFor="ch" refForName="text_2" op="gte"/>
+                <dgm:constr type="h" for="ch" forName="text_2" refType="h" refFor="ch" refForName="accent_2" fact="0.8"/>
+                <dgm:constr type="ctrY" for="ch" forName="text_2" refType="ctrY" refFor="ch" refForName="accent_2"/>
+                <dgm:constr type="rMarg" for="ch" forName="text_2" refType="w" refFor="ch" refForName="accent_2" fact="1.8"/>
+                <dgm:constr type="h" for="ch" forName="accent_3" refType="h" fact="0.1136"/>
+                <dgm:constr type="w" for="ch" forName="accent_3" refType="h" refFor="ch" refForName="accent_3" op="equ"/>
+                <dgm:constr type="ctrY" for="ch" forName="accent_3" refType="h" fact="0.3636"/>
+                <dgm:constr type="ctrX" for="ch" forName="accent_3" refType="w"/>
+                <dgm:constr type="ctrXOff" for="ch" forName="accent_3" refType="h" fact="-0.2109"/>
+                <dgm:constr type="r" for="ch" forName="text_3" refType="ctrX" refFor="ch" refForName="accent_3"/>
+                <dgm:constr type="rOff" for="ch" forName="text_3" refType="ctrXOff" refFor="ch" refForName="accent_3"/>
+                <dgm:constr type="l" for="ch" forName="text_3"/>
+                <dgm:constr type="w" for="ch" forName="text_3" refType="h" refFor="ch" refForName="text_3" op="gte"/>
+                <dgm:constr type="h" for="ch" forName="text_3" refType="h" refFor="ch" refForName="accent_3" fact="0.8"/>
+                <dgm:constr type="ctrY" for="ch" forName="text_3" refType="ctrY" refFor="ch" refForName="accent_3"/>
+                <dgm:constr type="rMarg" for="ch" forName="text_3" refType="w" refFor="ch" refForName="accent_3" fact="1.8"/>
+                <dgm:constr type="h" for="ch" forName="accent_4" refType="h" fact="0.1136"/>
+                <dgm:constr type="w" for="ch" forName="accent_4" refType="h" refFor="ch" refForName="accent_4" op="equ"/>
+                <dgm:constr type="ctrY" for="ch" forName="accent_4" refType="h" fact="0.5"/>
+                <dgm:constr type="ctrX" for="ch" forName="accent_4" refType="w"/>
+                <dgm:constr type="ctrXOff" for="ch" forName="accent_4" refType="h" fact="-0.2253"/>
+                <dgm:constr type="r" for="ch" forName="text_4" refType="ctrX" refFor="ch" refForName="accent_4"/>
+                <dgm:constr type="rOff" for="ch" forName="text_4" refType="ctrXOff" refFor="ch" refForName="accent_4"/>
+                <dgm:constr type="l" for="ch" forName="text_4"/>
+                <dgm:constr type="w" for="ch" forName="text_4" refType="h" refFor="ch" refForName="text_4" op="gte"/>
+                <dgm:constr type="h" for="ch" forName="text_4" refType="h" refFor="ch" refForName="accent_4" fact="0.8"/>
+                <dgm:constr type="ctrY" for="ch" forName="text_4" refType="ctrY" refFor="ch" refForName="accent_4"/>
+                <dgm:constr type="rMarg" for="ch" forName="text_4" refType="w" refFor="ch" refForName="accent_4" fact="1.8"/>
+                <dgm:constr type="h" for="ch" forName="accent_5" refType="h" fact="0.1136"/>
+                <dgm:constr type="w" for="ch" forName="accent_5" refType="h" refFor="ch" refForName="accent_5" op="equ"/>
+                <dgm:constr type="ctrY" for="ch" forName="accent_5" refType="h" fact="0.6364"/>
+                <dgm:constr type="ctrX" for="ch" forName="accent_5" refType="w"/>
+                <dgm:constr type="ctrXOff" for="ch" forName="accent_5" refType="h" fact="-0.2109"/>
+                <dgm:constr type="r" for="ch" forName="text_5" refType="ctrX" refFor="ch" refForName="accent_5"/>
+                <dgm:constr type="rOff" for="ch" forName="text_5" refType="ctrXOff" refFor="ch" refForName="accent_5"/>
+                <dgm:constr type="l" for="ch" forName="text_5"/>
+                <dgm:constr type="w" for="ch" forName="text_5" refType="h" refFor="ch" refForName="text_5" op="gte"/>
+                <dgm:constr type="h" for="ch" forName="text_5" refType="h" refFor="ch" refForName="accent_5" fact="0.8"/>
+                <dgm:constr type="ctrY" for="ch" forName="text_5" refType="ctrY" refFor="ch" refForName="accent_5"/>
+                <dgm:constr type="rMarg" for="ch" forName="text_5" refType="w" refFor="ch" refForName="accent_5" fact="1.8"/>
+                <dgm:constr type="h" for="ch" forName="accent_6" refType="h" fact="0.1136"/>
+                <dgm:constr type="w" for="ch" forName="accent_6" refType="h" refFor="ch" refForName="accent_6" op="equ"/>
+                <dgm:constr type="ctrY" for="ch" forName="accent_6" refType="h" fact="0.7727"/>
+                <dgm:constr type="ctrX" for="ch" forName="accent_6" refType="w"/>
+                <dgm:constr type="ctrXOff" for="ch" forName="accent_6" refType="h" fact="-0.1658"/>
+                <dgm:constr type="r" for="ch" forName="text_6" refType="ctrX" refFor="ch" refForName="accent_6"/>
+                <dgm:constr type="rOff" for="ch" forName="text_6" refType="ctrXOff" refFor="ch" refForName="accent_6"/>
+                <dgm:constr type="l" for="ch" forName="text_6"/>
+                <dgm:constr type="w" for="ch" forName="text_6" refType="h" refFor="ch" refForName="text_6" op="gte"/>
+                <dgm:constr type="h" for="ch" forName="text_6" refType="h" refFor="ch" refForName="accent_6" fact="0.8"/>
+                <dgm:constr type="ctrY" for="ch" forName="text_6" refType="ctrY" refFor="ch" refForName="accent_6"/>
+                <dgm:constr type="rMarg" for="ch" forName="text_6" refType="w" refFor="ch" refForName="accent_6" fact="1.8"/>
+                <dgm:constr type="h" for="ch" forName="accent_7" refType="h" fact="0.1136"/>
+                <dgm:constr type="w" for="ch" forName="accent_7" refType="h" refFor="ch" refForName="accent_7" op="equ"/>
+                <dgm:constr type="ctrY" for="ch" forName="accent_7" refType="h" fact="0.9091"/>
+                <dgm:constr type="ctrX" for="ch" forName="accent_7" refType="w"/>
+                <dgm:constr type="ctrXOff" for="ch" forName="accent_7" refType="h" fact="-0.0835"/>
+                <dgm:constr type="r" for="ch" forName="text_7" refType="ctrX" refFor="ch" refForName="accent_7"/>
+                <dgm:constr type="rOff" for="ch" forName="text_7" refType="ctrXOff" refFor="ch" refForName="accent_7"/>
+                <dgm:constr type="l" for="ch" forName="text_7"/>
+                <dgm:constr type="w" for="ch" forName="text_7" refType="h" refFor="ch" refForName="text_7" op="gte"/>
+                <dgm:constr type="h" for="ch" forName="text_7" refType="h" refFor="ch" refForName="accent_7" fact="0.8"/>
+                <dgm:constr type="ctrY" for="ch" forName="text_7" refType="ctrY" refFor="ch" refForName="accent_7"/>
+                <dgm:constr type="rMarg" for="ch" forName="text_7" refType="w" refFor="ch" refForName="accent_7" fact="1.8"/>
+                <dgm:constr type="primFontSz" for="ch" ptType="node" op="equ" val="65"/>
+              </dgm:constrLst>
+            </dgm:else>
+          </dgm:choose>
+        </dgm:else>
+      </dgm:choose>
+      <dgm:layoutNode name="cycle">
+        <dgm:choose name="Name21">
+          <dgm:if name="Name22" func="var" arg="dir" op="equ" val="norm">
+            <dgm:alg type="cycle">
+              <dgm:param type="stAng" val="45"/>
+              <dgm:param type="spanAng" val="90"/>
+            </dgm:alg>
+          </dgm:if>
+          <dgm:else name="Name23">
+            <dgm:alg type="cycle">
+              <dgm:param type="stAng" val="225"/>
+              <dgm:param type="spanAng" val="90"/>
+            </dgm:alg>
+          </dgm:else>
+        </dgm:choose>
+        <dgm:shape xmlns:r="http://schemas.openxmlformats.org/officeDocument/2006/relationships" r:blip="">
+          <dgm:adjLst/>
+        </dgm:shape>
+        <dgm:presOf/>
+        <dgm:constrLst>
+          <dgm:constr type="w" for="ch" val="1"/>
+          <dgm:constr type="h" for="ch" val="1"/>
+          <dgm:constr type="diam" for="ch" forName="conn" refType="diam"/>
+        </dgm:constrLst>
+        <dgm:layoutNode name="srcNode">
+          <dgm:alg type="sp"/>
+          <dgm:shape xmlns:r="http://schemas.openxmlformats.org/officeDocument/2006/relationships" type="rect" r:blip="" hideGeom="1">
+            <dgm:adjLst/>
+          </dgm:shape>
+          <dgm:presOf/>
+        </dgm:layoutNode>
+        <dgm:layoutNode name="conn" styleLbl="parChTrans1D2">
+          <dgm:alg type="conn">
+            <dgm:param type="connRout" val="curve"/>
+            <dgm:param type="srcNode" val="srcNode"/>
+            <dgm:param type="dstNode" val="dstNode"/>
+            <dgm:param type="begPts" val="ctr"/>
+            <dgm:param type="endPts" val="ctr"/>
+            <dgm:param type="endSty" val="noArr"/>
+          </dgm:alg>
+          <dgm:shape xmlns:r="http://schemas.openxmlformats.org/officeDocument/2006/relationships" type="conn" r:blip="">
+            <dgm:adjLst/>
+          </dgm:shape>
+          <dgm:presOf axis="desOrSelf" ptType="sibTrans" hideLastTrans="0" st="0" cnt="1"/>
+          <dgm:constrLst>
+            <dgm:constr type="begPad"/>
+            <dgm:constr type="endPad"/>
+          </dgm:constrLst>
+        </dgm:layoutNode>
+        <dgm:layoutNode name="extraNode">
+          <dgm:alg type="sp"/>
+          <dgm:shape xmlns:r="http://schemas.openxmlformats.org/officeDocument/2006/relationships" type="rect" r:blip="" hideGeom="1">
+            <dgm:adjLst/>
+          </dgm:shape>
+          <dgm:presOf/>
+        </dgm:layoutNode>
+        <dgm:layoutNode name="dstNode">
+          <dgm:alg type="sp"/>
+          <dgm:shape xmlns:r="http://schemas.openxmlformats.org/officeDocument/2006/relationships" type="rect" r:blip="" hideGeom="1">
+            <dgm:adjLst/>
+          </dgm:shape>
+          <dgm:presOf/>
+        </dgm:layoutNode>
+      </dgm:layoutNode>
+      <dgm:forEach name="wrapper" axis="self" ptType="parTrans">
+        <dgm:forEach name="wrapper2" axis="self" ptType="sibTrans" st="2">
+          <dgm:forEach name="accentRepeat" axis="self">
+            <dgm:layoutNode name="accentRepeatNode" styleLbl="solidFgAcc1">
+              <dgm:alg type="sp"/>
+              <dgm:shape xmlns:r="http://schemas.openxmlformats.org/officeDocument/2006/relationships" type="ellipse" r:blip="">
+                <dgm:adjLst/>
+              </dgm:shape>
+              <dgm:presOf/>
+            </dgm:layoutNode>
+          </dgm:forEach>
+        </dgm:forEach>
+      </dgm:forEach>
+      <dgm:forEach name="Name24" axis="ch" ptType="node" cnt="1">
+        <dgm:layoutNode name="text_1" styleLbl="node1">
+          <dgm:varLst>
+            <dgm:bulletEnabled val="1"/>
+          </dgm:varLst>
+          <dgm:choose name="Name25">
+            <dgm:if name="Name26" func="var" arg="dir" op="equ" val="norm">
+              <dgm:alg type="tx">
+                <dgm:param type="parTxLTRAlign" val="l"/>
+                <dgm:param type="shpTxLTRAlignCh" val="l"/>
+                <dgm:param type="parTxRTLAlign" val="l"/>
+                <dgm:param type="shpTxRTLAlignCh" val="l"/>
+              </dgm:alg>
+            </dgm:if>
+            <dgm:else name="Name27">
+              <dgm:alg type="tx">
+                <dgm:param type="parTxLTRAlign" val="r"/>
+                <dgm:param type="shpTxLTRAlignCh" val="r"/>
+                <dgm:param type="parTxRTLAlign" val="r"/>
+                <dgm:param type="shpTxRTLAlignCh" val="r"/>
+              </dgm:alg>
+            </dgm:else>
+          </dgm:choose>
+          <dgm:shape xmlns:r="http://schemas.openxmlformats.org/officeDocument/2006/relationships" type="rect" r:blip="">
+            <dgm:adjLst/>
+          </dgm:shape>
+          <dgm:presOf axis="desOrSelf" ptType="node"/>
+          <dgm:constrLst>
+            <dgm:constr type="primFontSz" val="65"/>
+            <dgm:constr type="lMarg" refType="primFontSz" fact="0.2"/>
+            <dgm:constr type="rMarg" refType="primFontSz" fact="0.2"/>
+            <dgm:constr type="tMarg" refType="primFontSz" fact="0.2"/>
+            <dgm:constr type="bMarg" refType="primFontSz" fact="0.2"/>
+          </dgm:constrLst>
+          <dgm:ruleLst>
+            <dgm:rule type="primFontSz" val="5" fact="NaN" max="NaN"/>
+          </dgm:ruleLst>
+        </dgm:layoutNode>
+        <dgm:layoutNode name="accent_1">
+          <dgm:alg type="sp"/>
+          <dgm:shape xmlns:r="http://schemas.openxmlformats.org/officeDocument/2006/relationships" r:blip="">
+            <dgm:adjLst/>
+          </dgm:shape>
+          <dgm:presOf/>
+          <dgm:constrLst/>
+          <dgm:forEach name="Name28" ref="accentRepeat"/>
+        </dgm:layoutNode>
+      </dgm:forEach>
+      <dgm:forEach name="Name29" axis="ch" ptType="node" st="2" cnt="1">
+        <dgm:layoutNode name="text_2" styleLbl="node1">
+          <dgm:varLst>
+            <dgm:bulletEnabled val="1"/>
+          </dgm:varLst>
+          <dgm:choose name="Name30">
+            <dgm:if name="Name31" func="var" arg="dir" op="equ" val="norm">
+              <dgm:alg type="tx">
+                <dgm:param type="parTxLTRAlign" val="l"/>
+                <dgm:param type="shpTxLTRAlignCh" val="l"/>
+                <dgm:param type="parTxRTLAlign" val="l"/>
+                <dgm:param type="shpTxRTLAlignCh" val="l"/>
+              </dgm:alg>
+            </dgm:if>
+            <dgm:else name="Name32">
+              <dgm:alg type="tx">
+                <dgm:param type="parTxLTRAlign" val="r"/>
+                <dgm:param type="shpTxLTRAlignCh" val="r"/>
+                <dgm:param type="parTxRTLAlign" val="r"/>
+                <dgm:param type="shpTxRTLAlignCh" val="r"/>
+              </dgm:alg>
+            </dgm:else>
+          </dgm:choose>
+          <dgm:shape xmlns:r="http://schemas.openxmlformats.org/officeDocument/2006/relationships" type="rect" r:blip="">
+            <dgm:adjLst/>
+          </dgm:shape>
+          <dgm:presOf axis="desOrSelf" ptType="node"/>
+          <dgm:constrLst>
+            <dgm:constr type="primFontSz" val="65"/>
+            <dgm:constr type="lMarg" refType="primFontSz" fact="0.2"/>
+            <dgm:constr type="rMarg" refType="primFontSz" fact="0.2"/>
+            <dgm:constr type="tMarg" refType="primFontSz" fact="0.2"/>
+            <dgm:constr type="bMarg" refType="primFontSz" fact="0.2"/>
+          </dgm:constrLst>
+          <dgm:ruleLst>
+            <dgm:rule type="primFontSz" val="5" fact="NaN" max="NaN"/>
+          </dgm:ruleLst>
+        </dgm:layoutNode>
+        <dgm:layoutNode name="accent_2">
+          <dgm:alg type="sp"/>
+          <dgm:shape xmlns:r="http://schemas.openxmlformats.org/officeDocument/2006/relationships" r:blip="">
+            <dgm:adjLst/>
+          </dgm:shape>
+          <dgm:presOf/>
+          <dgm:constrLst/>
+          <dgm:forEach name="Name33" ref="accentRepeat"/>
+        </dgm:layoutNode>
+      </dgm:forEach>
+      <dgm:forEach name="Name34" axis="ch" ptType="node" st="3" cnt="1">
+        <dgm:layoutNode name="text_3" styleLbl="node1">
+          <dgm:varLst>
+            <dgm:bulletEnabled val="1"/>
+          </dgm:varLst>
+          <dgm:choose name="Name35">
+            <dgm:if name="Name36" func="var" arg="dir" op="equ" val="norm">
+              <dgm:alg type="tx">
+                <dgm:param type="parTxLTRAlign" val="l"/>
+                <dgm:param type="shpTxLTRAlignCh" val="l"/>
+                <dgm:param type="parTxRTLAlign" val="l"/>
+                <dgm:param type="shpTxRTLAlignCh" val="l"/>
+              </dgm:alg>
+            </dgm:if>
+            <dgm:else name="Name37">
+              <dgm:alg type="tx">
+                <dgm:param type="parTxLTRAlign" val="r"/>
+                <dgm:param type="shpTxLTRAlignCh" val="r"/>
+                <dgm:param type="parTxRTLAlign" val="r"/>
+                <dgm:param type="shpTxRTLAlignCh" val="r"/>
+              </dgm:alg>
+            </dgm:else>
+          </dgm:choose>
+          <dgm:shape xmlns:r="http://schemas.openxmlformats.org/officeDocument/2006/relationships" type="rect" r:blip="">
+            <dgm:adjLst/>
+          </dgm:shape>
+          <dgm:presOf axis="desOrSelf" ptType="node"/>
+          <dgm:constrLst>
+            <dgm:constr type="primFontSz" val="65"/>
+            <dgm:constr type="lMarg" refType="primFontSz" fact="0.2"/>
+            <dgm:constr type="rMarg" refType="primFontSz" fact="0.2"/>
+            <dgm:constr type="tMarg" refType="primFontSz" fact="0.2"/>
+            <dgm:constr type="bMarg" refType="primFontSz" fact="0.2"/>
+          </dgm:constrLst>
+          <dgm:ruleLst>
+            <dgm:rule type="primFontSz" val="5" fact="NaN" max="NaN"/>
+          </dgm:ruleLst>
+        </dgm:layoutNode>
+        <dgm:layoutNode name="accent_3">
+          <dgm:alg type="sp"/>
+          <dgm:shape xmlns:r="http://schemas.openxmlformats.org/officeDocument/2006/relationships" r:blip="">
+            <dgm:adjLst/>
+          </dgm:shape>
+          <dgm:presOf/>
+          <dgm:constrLst/>
+          <dgm:forEach name="Name38" ref="accentRepeat"/>
+        </dgm:layoutNode>
+      </dgm:forEach>
+      <dgm:forEach name="Name39" axis="ch" ptType="node" st="4" cnt="1">
+        <dgm:layoutNode name="text_4" styleLbl="node1">
+          <dgm:varLst>
+            <dgm:bulletEnabled val="1"/>
+          </dgm:varLst>
+          <dgm:choose name="Name40">
+            <dgm:if name="Name41" func="var" arg="dir" op="equ" val="norm">
+              <dgm:alg type="tx">
+                <dgm:param type="parTxLTRAlign" val="l"/>
+                <dgm:param type="shpTxLTRAlignCh" val="l"/>
+                <dgm:param type="parTxRTLAlign" val="l"/>
+                <dgm:param type="shpTxRTLAlignCh" val="l"/>
+              </dgm:alg>
+            </dgm:if>
+            <dgm:else name="Name42">
+              <dgm:alg type="tx">
+                <dgm:param type="parTxLTRAlign" val="r"/>
+                <dgm:param type="shpTxLTRAlignCh" val="r"/>
+                <dgm:param type="parTxRTLAlign" val="r"/>
+                <dgm:param type="shpTxRTLAlignCh" val="r"/>
+              </dgm:alg>
+            </dgm:else>
+          </dgm:choose>
+          <dgm:shape xmlns:r="http://schemas.openxmlformats.org/officeDocument/2006/relationships" type="rect" r:blip="">
+            <dgm:adjLst/>
+          </dgm:shape>
+          <dgm:presOf axis="desOrSelf" ptType="node"/>
+          <dgm:constrLst>
+            <dgm:constr type="primFontSz" val="65"/>
+            <dgm:constr type="lMarg" refType="primFontSz" fact="0.2"/>
+            <dgm:constr type="rMarg" refType="primFontSz" fact="0.2"/>
+            <dgm:constr type="tMarg" refType="primFontSz" fact="0.2"/>
+            <dgm:constr type="bMarg" refType="primFontSz" fact="0.2"/>
+          </dgm:constrLst>
+          <dgm:ruleLst>
+            <dgm:rule type="primFontSz" val="5" fact="NaN" max="NaN"/>
+          </dgm:ruleLst>
+        </dgm:layoutNode>
+        <dgm:layoutNode name="accent_4">
+          <dgm:alg type="sp"/>
+          <dgm:shape xmlns:r="http://schemas.openxmlformats.org/officeDocument/2006/relationships" r:blip="">
+            <dgm:adjLst/>
+          </dgm:shape>
+          <dgm:presOf/>
+          <dgm:constrLst/>
+          <dgm:forEach name="Name43" ref="accentRepeat"/>
+        </dgm:layoutNode>
+      </dgm:forEach>
+      <dgm:forEach name="Name44" axis="ch" ptType="node" st="5" cnt="1">
+        <dgm:layoutNode name="text_5" styleLbl="node1">
+          <dgm:varLst>
+            <dgm:bulletEnabled val="1"/>
+          </dgm:varLst>
+          <dgm:choose name="Name45">
+            <dgm:if name="Name46" func="var" arg="dir" op="equ" val="norm">
+              <dgm:alg type="tx">
+                <dgm:param type="parTxLTRAlign" val="l"/>
+                <dgm:param type="shpTxLTRAlignCh" val="l"/>
+                <dgm:param type="parTxRTLAlign" val="l"/>
+                <dgm:param type="shpTxRTLAlignCh" val="l"/>
+              </dgm:alg>
+            </dgm:if>
+            <dgm:else name="Name47">
+              <dgm:alg type="tx">
+                <dgm:param type="parTxLTRAlign" val="r"/>
+                <dgm:param type="shpTxLTRAlignCh" val="r"/>
+                <dgm:param type="parTxRTLAlign" val="r"/>
+                <dgm:param type="shpTxRTLAlignCh" val="r"/>
+              </dgm:alg>
+            </dgm:else>
+          </dgm:choose>
+          <dgm:shape xmlns:r="http://schemas.openxmlformats.org/officeDocument/2006/relationships" type="rect" r:blip="">
+            <dgm:adjLst/>
+          </dgm:shape>
+          <dgm:presOf axis="desOrSelf" ptType="node"/>
+          <dgm:constrLst>
+            <dgm:constr type="primFontSz" val="65"/>
+            <dgm:constr type="lMarg" refType="primFontSz" fact="0.2"/>
+            <dgm:constr type="rMarg" refType="primFontSz" fact="0.2"/>
+            <dgm:constr type="tMarg" refType="primFontSz" fact="0.2"/>
+            <dgm:constr type="bMarg" refType="primFontSz" fact="0.2"/>
+          </dgm:constrLst>
+          <dgm:ruleLst>
+            <dgm:rule type="primFontSz" val="5" fact="NaN" max="NaN"/>
+          </dgm:ruleLst>
+        </dgm:layoutNode>
+        <dgm:layoutNode name="accent_5">
+          <dgm:alg type="sp"/>
+          <dgm:shape xmlns:r="http://schemas.openxmlformats.org/officeDocument/2006/relationships" r:blip="">
+            <dgm:adjLst/>
+          </dgm:shape>
+          <dgm:presOf/>
+          <dgm:constrLst/>
+          <dgm:forEach name="Name48" ref="accentRepeat"/>
+        </dgm:layoutNode>
+      </dgm:forEach>
+      <dgm:forEach name="Name49" axis="ch" ptType="node" st="6" cnt="1">
+        <dgm:layoutNode name="text_6" styleLbl="node1">
+          <dgm:varLst>
+            <dgm:bulletEnabled val="1"/>
+          </dgm:varLst>
+          <dgm:choose name="Name50">
+            <dgm:if name="Name51" func="var" arg="dir" op="equ" val="norm">
+              <dgm:alg type="tx">
+                <dgm:param type="parTxLTRAlign" val="l"/>
+                <dgm:param type="shpTxLTRAlignCh" val="l"/>
+                <dgm:param type="parTxRTLAlign" val="l"/>
+                <dgm:param type="shpTxRTLAlignCh" val="l"/>
+              </dgm:alg>
+            </dgm:if>
+            <dgm:else name="Name52">
+              <dgm:alg type="tx">
+                <dgm:param type="parTxLTRAlign" val="r"/>
+                <dgm:param type="shpTxLTRAlignCh" val="r"/>
+                <dgm:param type="parTxRTLAlign" val="r"/>
+                <dgm:param type="shpTxRTLAlignCh" val="r"/>
+              </dgm:alg>
+            </dgm:else>
+          </dgm:choose>
+          <dgm:shape xmlns:r="http://schemas.openxmlformats.org/officeDocument/2006/relationships" type="rect" r:blip="">
+            <dgm:adjLst/>
+          </dgm:shape>
+          <dgm:presOf axis="desOrSelf" ptType="node"/>
+          <dgm:constrLst>
+            <dgm:constr type="primFontSz" val="65"/>
+            <dgm:constr type="lMarg" refType="primFontSz" fact="0.2"/>
+            <dgm:constr type="rMarg" refType="primFontSz" fact="0.2"/>
+            <dgm:constr type="tMarg" refType="primFontSz" fact="0.2"/>
+            <dgm:constr type="bMarg" refType="primFontSz" fact="0.2"/>
+          </dgm:constrLst>
+          <dgm:ruleLst>
+            <dgm:rule type="primFontSz" val="5" fact="NaN" max="NaN"/>
+          </dgm:ruleLst>
+        </dgm:layoutNode>
+        <dgm:layoutNode name="accent_6">
+          <dgm:alg type="sp"/>
+          <dgm:shape xmlns:r="http://schemas.openxmlformats.org/officeDocument/2006/relationships" r:blip="">
+            <dgm:adjLst/>
+          </dgm:shape>
+          <dgm:presOf/>
+          <dgm:constrLst/>
+          <dgm:forEach name="Name53" ref="accentRepeat"/>
+        </dgm:layoutNode>
+      </dgm:forEach>
+      <dgm:forEach name="Name54" axis="ch" ptType="node" st="7" cnt="1">
+        <dgm:layoutNode name="text_7" styleLbl="node1">
+          <dgm:varLst>
+            <dgm:bulletEnabled val="1"/>
+          </dgm:varLst>
+          <dgm:choose name="Name55">
+            <dgm:if name="Name56" func="var" arg="dir" op="equ" val="norm">
+              <dgm:alg type="tx">
+                <dgm:param type="parTxLTRAlign" val="l"/>
+                <dgm:param type="shpTxLTRAlignCh" val="l"/>
+                <dgm:param type="parTxRTLAlign" val="l"/>
+                <dgm:param type="shpTxRTLAlignCh" val="l"/>
+              </dgm:alg>
+            </dgm:if>
+            <dgm:else name="Name57">
+              <dgm:alg type="tx">
+                <dgm:param type="parTxLTRAlign" val="r"/>
+                <dgm:param type="shpTxLTRAlignCh" val="r"/>
+                <dgm:param type="parTxRTLAlign" val="r"/>
+                <dgm:param type="shpTxRTLAlignCh" val="r"/>
+              </dgm:alg>
+            </dgm:else>
+          </dgm:choose>
+          <dgm:shape xmlns:r="http://schemas.openxmlformats.org/officeDocument/2006/relationships" type="rect" r:blip="">
+            <dgm:adjLst/>
+          </dgm:shape>
+          <dgm:presOf axis="desOrSelf" ptType="node"/>
+          <dgm:constrLst>
+            <dgm:constr type="primFontSz" val="65"/>
+            <dgm:constr type="lMarg" refType="primFontSz" fact="0.2"/>
+            <dgm:constr type="rMarg" refType="primFontSz" fact="0.2"/>
+            <dgm:constr type="tMarg" refType="primFontSz" fact="0.2"/>
+            <dgm:constr type="bMarg" refType="primFontSz" fact="0.2"/>
+          </dgm:constrLst>
+          <dgm:ruleLst>
+            <dgm:rule type="primFontSz" val="5" fact="NaN" max="NaN"/>
+          </dgm:ruleLst>
+        </dgm:layoutNode>
+        <dgm:layoutNode name="accent_7">
+          <dgm:alg type="sp"/>
+          <dgm:shape xmlns:r="http://schemas.openxmlformats.org/officeDocument/2006/relationships" r:blip="">
+            <dgm:adjLst/>
+          </dgm:shape>
+          <dgm:presOf/>
+          <dgm:constrLst/>
+          <dgm:forEach name="Name58" ref="accentRepeat"/>
+        </dgm:layoutNode>
+      </dgm:forEach>
+    </dgm:layoutNode>
+  </dgm:layoutNode>
+</dgm:layoutDef>
+</file>
+
 <file path=ppt/diagrams/quickStyle1.xml><?xml version="1.0" encoding="utf-8"?>
 <dgm:styleDef xmlns:dgm="http://schemas.openxmlformats.org/drawingml/2006/diagram" xmlns:a="http://schemas.openxmlformats.org/drawingml/2006/main" uniqueId="urn:microsoft.com/office/officeart/2005/8/quickstyle/simple1">
   <dgm:title val=""/>
@@ -7261,6 +10639,1040 @@
 </file>
 
 <file path=ppt/diagrams/quickStyle2.xml><?xml version="1.0" encoding="utf-8"?>
+<dgm:styleDef xmlns:dgm="http://schemas.openxmlformats.org/drawingml/2006/diagram" xmlns:a="http://schemas.openxmlformats.org/drawingml/2006/main" uniqueId="urn:microsoft.com/office/officeart/2005/8/quickstyle/simple1">
+  <dgm:title val=""/>
+  <dgm:desc val=""/>
+  <dgm:catLst>
+    <dgm:cat type="simple" pri="10100"/>
+  </dgm:catLst>
+  <dgm:scene3d>
+    <a:camera prst="orthographicFront"/>
+    <a:lightRig rig="threePt" dir="t"/>
+  </dgm:scene3d>
+  <dgm:styleLbl name="node0">
+    <dgm:scene3d>
+      <a:camera prst="orthographicFront"/>
+      <a:lightRig rig="threePt" dir="t"/>
+    </dgm:scene3d>
+    <dgm:sp3d/>
+    <dgm:txPr/>
+    <dgm:style>
+      <a:lnRef idx="2">
+        <a:scrgbClr r="0" g="0" b="0"/>
+      </a:lnRef>
+      <a:fillRef idx="1">
+        <a:scrgbClr r="0" g="0" b="0"/>
+      </a:fillRef>
+      <a:effectRef idx="0">
+        <a:scrgbClr r="0" g="0" b="0"/>
+      </a:effectRef>
+      <a:fontRef idx="minor">
+        <a:schemeClr val="lt1"/>
+      </a:fontRef>
+    </dgm:style>
+  </dgm:styleLbl>
+  <dgm:styleLbl name="lnNode1">
+    <dgm:scene3d>
+      <a:camera prst="orthographicFront"/>
+      <a:lightRig rig="threePt" dir="t"/>
+    </dgm:scene3d>
+    <dgm:sp3d/>
+    <dgm:txPr/>
+    <dgm:style>
+      <a:lnRef idx="2">
+        <a:scrgbClr r="0" g="0" b="0"/>
+      </a:lnRef>
+      <a:fillRef idx="1">
+        <a:scrgbClr r="0" g="0" b="0"/>
+      </a:fillRef>
+      <a:effectRef idx="0">
+        <a:scrgbClr r="0" g="0" b="0"/>
+      </a:effectRef>
+      <a:fontRef idx="minor">
+        <a:schemeClr val="lt1"/>
+      </a:fontRef>
+    </dgm:style>
+  </dgm:styleLbl>
+  <dgm:styleLbl name="vennNode1">
+    <dgm:scene3d>
+      <a:camera prst="orthographicFront"/>
+      <a:lightRig rig="threePt" dir="t"/>
+    </dgm:scene3d>
+    <dgm:sp3d/>
+    <dgm:txPr/>
+    <dgm:style>
+      <a:lnRef idx="2">
+        <a:scrgbClr r="0" g="0" b="0"/>
+      </a:lnRef>
+      <a:fillRef idx="1">
+        <a:scrgbClr r="0" g="0" b="0"/>
+      </a:fillRef>
+      <a:effectRef idx="0">
+        <a:scrgbClr r="0" g="0" b="0"/>
+      </a:effectRef>
+      <a:fontRef idx="minor">
+        <a:schemeClr val="tx1"/>
+      </a:fontRef>
+    </dgm:style>
+  </dgm:styleLbl>
+  <dgm:styleLbl name="alignNode1">
+    <dgm:scene3d>
+      <a:camera prst="orthographicFront"/>
+      <a:lightRig rig="threePt" dir="t"/>
+    </dgm:scene3d>
+    <dgm:sp3d/>
+    <dgm:txPr/>
+    <dgm:style>
+      <a:lnRef idx="2">
+        <a:scrgbClr r="0" g="0" b="0"/>
+      </a:lnRef>
+      <a:fillRef idx="1">
+        <a:scrgbClr r="0" g="0" b="0"/>
+      </a:fillRef>
+      <a:effectRef idx="0">
+        <a:scrgbClr r="0" g="0" b="0"/>
+      </a:effectRef>
+      <a:fontRef idx="minor">
+        <a:schemeClr val="lt1"/>
+      </a:fontRef>
+    </dgm:style>
+  </dgm:styleLbl>
+  <dgm:styleLbl name="node1">
+    <dgm:scene3d>
+      <a:camera prst="orthographicFront"/>
+      <a:lightRig rig="threePt" dir="t"/>
+    </dgm:scene3d>
+    <dgm:sp3d/>
+    <dgm:txPr/>
+    <dgm:style>
+      <a:lnRef idx="2">
+        <a:scrgbClr r="0" g="0" b="0"/>
+      </a:lnRef>
+      <a:fillRef idx="1">
+        <a:scrgbClr r="0" g="0" b="0"/>
+      </a:fillRef>
+      <a:effectRef idx="0">
+        <a:scrgbClr r="0" g="0" b="0"/>
+      </a:effectRef>
+      <a:fontRef idx="minor">
+        <a:schemeClr val="lt1"/>
+      </a:fontRef>
+    </dgm:style>
+  </dgm:styleLbl>
+  <dgm:styleLbl name="node2">
+    <dgm:scene3d>
+      <a:camera prst="orthographicFront"/>
+      <a:lightRig rig="threePt" dir="t"/>
+    </dgm:scene3d>
+    <dgm:sp3d/>
+    <dgm:txPr/>
+    <dgm:style>
+      <a:lnRef idx="2">
+        <a:scrgbClr r="0" g="0" b="0"/>
+      </a:lnRef>
+      <a:fillRef idx="1">
+        <a:scrgbClr r="0" g="0" b="0"/>
+      </a:fillRef>
+      <a:effectRef idx="0">
+        <a:scrgbClr r="0" g="0" b="0"/>
+      </a:effectRef>
+      <a:fontRef idx="minor">
+        <a:schemeClr val="lt1"/>
+      </a:fontRef>
+    </dgm:style>
+  </dgm:styleLbl>
+  <dgm:styleLbl name="node3">
+    <dgm:scene3d>
+      <a:camera prst="orthographicFront"/>
+      <a:lightRig rig="threePt" dir="t"/>
+    </dgm:scene3d>
+    <dgm:sp3d/>
+    <dgm:txPr/>
+    <dgm:style>
+      <a:lnRef idx="2">
+        <a:scrgbClr r="0" g="0" b="0"/>
+      </a:lnRef>
+      <a:fillRef idx="1">
+        <a:scrgbClr r="0" g="0" b="0"/>
+      </a:fillRef>
+      <a:effectRef idx="0">
+        <a:scrgbClr r="0" g="0" b="0"/>
+      </a:effectRef>
+      <a:fontRef idx="minor">
+        <a:schemeClr val="lt1"/>
+      </a:fontRef>
+    </dgm:style>
+  </dgm:styleLbl>
+  <dgm:styleLbl name="node4">
+    <dgm:scene3d>
+      <a:camera prst="orthographicFront"/>
+      <a:lightRig rig="threePt" dir="t"/>
+    </dgm:scene3d>
+    <dgm:sp3d/>
+    <dgm:txPr/>
+    <dgm:style>
+      <a:lnRef idx="2">
+        <a:scrgbClr r="0" g="0" b="0"/>
+      </a:lnRef>
+      <a:fillRef idx="1">
+        <a:scrgbClr r="0" g="0" b="0"/>
+      </a:fillRef>
+      <a:effectRef idx="0">
+        <a:scrgbClr r="0" g="0" b="0"/>
+      </a:effectRef>
+      <a:fontRef idx="minor">
+        <a:schemeClr val="lt1"/>
+      </a:fontRef>
+    </dgm:style>
+  </dgm:styleLbl>
+  <dgm:styleLbl name="fgImgPlace1">
+    <dgm:scene3d>
+      <a:camera prst="orthographicFront"/>
+      <a:lightRig rig="threePt" dir="t"/>
+    </dgm:scene3d>
+    <dgm:sp3d/>
+    <dgm:txPr/>
+    <dgm:style>
+      <a:lnRef idx="2">
+        <a:scrgbClr r="0" g="0" b="0"/>
+      </a:lnRef>
+      <a:fillRef idx="1">
+        <a:scrgbClr r="0" g="0" b="0"/>
+      </a:fillRef>
+      <a:effectRef idx="0">
+        <a:scrgbClr r="0" g="0" b="0"/>
+      </a:effectRef>
+      <a:fontRef idx="minor"/>
+    </dgm:style>
+  </dgm:styleLbl>
+  <dgm:styleLbl name="alignImgPlace1">
+    <dgm:scene3d>
+      <a:camera prst="orthographicFront"/>
+      <a:lightRig rig="threePt" dir="t"/>
+    </dgm:scene3d>
+    <dgm:sp3d/>
+    <dgm:txPr/>
+    <dgm:style>
+      <a:lnRef idx="2">
+        <a:scrgbClr r="0" g="0" b="0"/>
+      </a:lnRef>
+      <a:fillRef idx="1">
+        <a:scrgbClr r="0" g="0" b="0"/>
+      </a:fillRef>
+      <a:effectRef idx="0">
+        <a:scrgbClr r="0" g="0" b="0"/>
+      </a:effectRef>
+      <a:fontRef idx="minor"/>
+    </dgm:style>
+  </dgm:styleLbl>
+  <dgm:styleLbl name="bgImgPlace1">
+    <dgm:scene3d>
+      <a:camera prst="orthographicFront"/>
+      <a:lightRig rig="threePt" dir="t"/>
+    </dgm:scene3d>
+    <dgm:sp3d/>
+    <dgm:txPr/>
+    <dgm:style>
+      <a:lnRef idx="2">
+        <a:scrgbClr r="0" g="0" b="0"/>
+      </a:lnRef>
+      <a:fillRef idx="1">
+        <a:scrgbClr r="0" g="0" b="0"/>
+      </a:fillRef>
+      <a:effectRef idx="0">
+        <a:scrgbClr r="0" g="0" b="0"/>
+      </a:effectRef>
+      <a:fontRef idx="minor"/>
+    </dgm:style>
+  </dgm:styleLbl>
+  <dgm:styleLbl name="sibTrans2D1">
+    <dgm:scene3d>
+      <a:camera prst="orthographicFront"/>
+      <a:lightRig rig="threePt" dir="t"/>
+    </dgm:scene3d>
+    <dgm:sp3d/>
+    <dgm:txPr/>
+    <dgm:style>
+      <a:lnRef idx="0">
+        <a:scrgbClr r="0" g="0" b="0"/>
+      </a:lnRef>
+      <a:fillRef idx="1">
+        <a:scrgbClr r="0" g="0" b="0"/>
+      </a:fillRef>
+      <a:effectRef idx="0">
+        <a:scrgbClr r="0" g="0" b="0"/>
+      </a:effectRef>
+      <a:fontRef idx="minor">
+        <a:schemeClr val="lt1"/>
+      </a:fontRef>
+    </dgm:style>
+  </dgm:styleLbl>
+  <dgm:styleLbl name="fgSibTrans2D1">
+    <dgm:scene3d>
+      <a:camera prst="orthographicFront"/>
+      <a:lightRig rig="threePt" dir="t"/>
+    </dgm:scene3d>
+    <dgm:sp3d/>
+    <dgm:txPr/>
+    <dgm:style>
+      <a:lnRef idx="0">
+        <a:scrgbClr r="0" g="0" b="0"/>
+      </a:lnRef>
+      <a:fillRef idx="1">
+        <a:scrgbClr r="0" g="0" b="0"/>
+      </a:fillRef>
+      <a:effectRef idx="0">
+        <a:scrgbClr r="0" g="0" b="0"/>
+      </a:effectRef>
+      <a:fontRef idx="minor">
+        <a:schemeClr val="lt1"/>
+      </a:fontRef>
+    </dgm:style>
+  </dgm:styleLbl>
+  <dgm:styleLbl name="bgSibTrans2D1">
+    <dgm:scene3d>
+      <a:camera prst="orthographicFront"/>
+      <a:lightRig rig="threePt" dir="t"/>
+    </dgm:scene3d>
+    <dgm:sp3d/>
+    <dgm:txPr/>
+    <dgm:style>
+      <a:lnRef idx="0">
+        <a:scrgbClr r="0" g="0" b="0"/>
+      </a:lnRef>
+      <a:fillRef idx="1">
+        <a:scrgbClr r="0" g="0" b="0"/>
+      </a:fillRef>
+      <a:effectRef idx="0">
+        <a:scrgbClr r="0" g="0" b="0"/>
+      </a:effectRef>
+      <a:fontRef idx="minor">
+        <a:schemeClr val="lt1"/>
+      </a:fontRef>
+    </dgm:style>
+  </dgm:styleLbl>
+  <dgm:styleLbl name="sibTrans1D1">
+    <dgm:scene3d>
+      <a:camera prst="orthographicFront"/>
+      <a:lightRig rig="threePt" dir="t"/>
+    </dgm:scene3d>
+    <dgm:sp3d/>
+    <dgm:txPr/>
+    <dgm:style>
+      <a:lnRef idx="1">
+        <a:scrgbClr r="0" g="0" b="0"/>
+      </a:lnRef>
+      <a:fillRef idx="0">
+        <a:scrgbClr r="0" g="0" b="0"/>
+      </a:fillRef>
+      <a:effectRef idx="0">
+        <a:scrgbClr r="0" g="0" b="0"/>
+      </a:effectRef>
+      <a:fontRef idx="minor"/>
+    </dgm:style>
+  </dgm:styleLbl>
+  <dgm:styleLbl name="callout">
+    <dgm:scene3d>
+      <a:camera prst="orthographicFront"/>
+      <a:lightRig rig="threePt" dir="t"/>
+    </dgm:scene3d>
+    <dgm:sp3d/>
+    <dgm:txPr/>
+    <dgm:style>
+      <a:lnRef idx="2">
+        <a:scrgbClr r="0" g="0" b="0"/>
+      </a:lnRef>
+      <a:fillRef idx="1">
+        <a:scrgbClr r="0" g="0" b="0"/>
+      </a:fillRef>
+      <a:effectRef idx="0">
+        <a:scrgbClr r="0" g="0" b="0"/>
+      </a:effectRef>
+      <a:fontRef idx="minor"/>
+    </dgm:style>
+  </dgm:styleLbl>
+  <dgm:styleLbl name="asst0">
+    <dgm:scene3d>
+      <a:camera prst="orthographicFront"/>
+      <a:lightRig rig="threePt" dir="t"/>
+    </dgm:scene3d>
+    <dgm:sp3d/>
+    <dgm:txPr/>
+    <dgm:style>
+      <a:lnRef idx="2">
+        <a:scrgbClr r="0" g="0" b="0"/>
+      </a:lnRef>
+      <a:fillRef idx="1">
+        <a:scrgbClr r="0" g="0" b="0"/>
+      </a:fillRef>
+      <a:effectRef idx="0">
+        <a:scrgbClr r="0" g="0" b="0"/>
+      </a:effectRef>
+      <a:fontRef idx="minor">
+        <a:schemeClr val="lt1"/>
+      </a:fontRef>
+    </dgm:style>
+  </dgm:styleLbl>
+  <dgm:styleLbl name="asst1">
+    <dgm:scene3d>
+      <a:camera prst="orthographicFront"/>
+      <a:lightRig rig="threePt" dir="t"/>
+    </dgm:scene3d>
+    <dgm:sp3d/>
+    <dgm:txPr/>
+    <dgm:style>
+      <a:lnRef idx="2">
+        <a:scrgbClr r="0" g="0" b="0"/>
+      </a:lnRef>
+      <a:fillRef idx="1">
+        <a:scrgbClr r="0" g="0" b="0"/>
+      </a:fillRef>
+      <a:effectRef idx="0">
+        <a:scrgbClr r="0" g="0" b="0"/>
+      </a:effectRef>
+      <a:fontRef idx="minor">
+        <a:schemeClr val="lt1"/>
+      </a:fontRef>
+    </dgm:style>
+  </dgm:styleLbl>
+  <dgm:styleLbl name="asst2">
+    <dgm:scene3d>
+      <a:camera prst="orthographicFront"/>
+      <a:lightRig rig="threePt" dir="t"/>
+    </dgm:scene3d>
+    <dgm:sp3d/>
+    <dgm:txPr/>
+    <dgm:style>
+      <a:lnRef idx="2">
+        <a:scrgbClr r="0" g="0" b="0"/>
+      </a:lnRef>
+      <a:fillRef idx="1">
+        <a:scrgbClr r="0" g="0" b="0"/>
+      </a:fillRef>
+      <a:effectRef idx="0">
+        <a:scrgbClr r="0" g="0" b="0"/>
+      </a:effectRef>
+      <a:fontRef idx="minor">
+        <a:schemeClr val="lt1"/>
+      </a:fontRef>
+    </dgm:style>
+  </dgm:styleLbl>
+  <dgm:styleLbl name="asst3">
+    <dgm:scene3d>
+      <a:camera prst="orthographicFront"/>
+      <a:lightRig rig="threePt" dir="t"/>
+    </dgm:scene3d>
+    <dgm:sp3d/>
+    <dgm:txPr/>
+    <dgm:style>
+      <a:lnRef idx="2">
+        <a:scrgbClr r="0" g="0" b="0"/>
+      </a:lnRef>
+      <a:fillRef idx="1">
+        <a:scrgbClr r="0" g="0" b="0"/>
+      </a:fillRef>
+      <a:effectRef idx="0">
+        <a:scrgbClr r="0" g="0" b="0"/>
+      </a:effectRef>
+      <a:fontRef idx="minor">
+        <a:schemeClr val="lt1"/>
+      </a:fontRef>
+    </dgm:style>
+  </dgm:styleLbl>
+  <dgm:styleLbl name="asst4">
+    <dgm:scene3d>
+      <a:camera prst="orthographicFront"/>
+      <a:lightRig rig="threePt" dir="t"/>
+    </dgm:scene3d>
+    <dgm:sp3d/>
+    <dgm:txPr/>
+    <dgm:style>
+      <a:lnRef idx="2">
+        <a:scrgbClr r="0" g="0" b="0"/>
+      </a:lnRef>
+      <a:fillRef idx="1">
+        <a:scrgbClr r="0" g="0" b="0"/>
+      </a:fillRef>
+      <a:effectRef idx="0">
+        <a:scrgbClr r="0" g="0" b="0"/>
+      </a:effectRef>
+      <a:fontRef idx="minor">
+        <a:schemeClr val="lt1"/>
+      </a:fontRef>
+    </dgm:style>
+  </dgm:styleLbl>
+  <dgm:styleLbl name="parChTrans2D1">
+    <dgm:scene3d>
+      <a:camera prst="orthographicFront"/>
+      <a:lightRig rig="threePt" dir="t"/>
+    </dgm:scene3d>
+    <dgm:sp3d/>
+    <dgm:txPr/>
+    <dgm:style>
+      <a:lnRef idx="2">
+        <a:scrgbClr r="0" g="0" b="0"/>
+      </a:lnRef>
+      <a:fillRef idx="1">
+        <a:scrgbClr r="0" g="0" b="0"/>
+      </a:fillRef>
+      <a:effectRef idx="0">
+        <a:scrgbClr r="0" g="0" b="0"/>
+      </a:effectRef>
+      <a:fontRef idx="minor">
+        <a:schemeClr val="lt1"/>
+      </a:fontRef>
+    </dgm:style>
+  </dgm:styleLbl>
+  <dgm:styleLbl name="parChTrans2D2">
+    <dgm:scene3d>
+      <a:camera prst="orthographicFront"/>
+      <a:lightRig rig="threePt" dir="t"/>
+    </dgm:scene3d>
+    <dgm:sp3d/>
+    <dgm:txPr/>
+    <dgm:style>
+      <a:lnRef idx="2">
+        <a:scrgbClr r="0" g="0" b="0"/>
+      </a:lnRef>
+      <a:fillRef idx="1">
+        <a:scrgbClr r="0" g="0" b="0"/>
+      </a:fillRef>
+      <a:effectRef idx="0">
+        <a:scrgbClr r="0" g="0" b="0"/>
+      </a:effectRef>
+      <a:fontRef idx="minor">
+        <a:schemeClr val="lt1"/>
+      </a:fontRef>
+    </dgm:style>
+  </dgm:styleLbl>
+  <dgm:styleLbl name="parChTrans2D3">
+    <dgm:scene3d>
+      <a:camera prst="orthographicFront"/>
+      <a:lightRig rig="threePt" dir="t"/>
+    </dgm:scene3d>
+    <dgm:sp3d/>
+    <dgm:txPr/>
+    <dgm:style>
+      <a:lnRef idx="2">
+        <a:scrgbClr r="0" g="0" b="0"/>
+      </a:lnRef>
+      <a:fillRef idx="1">
+        <a:scrgbClr r="0" g="0" b="0"/>
+      </a:fillRef>
+      <a:effectRef idx="0">
+        <a:scrgbClr r="0" g="0" b="0"/>
+      </a:effectRef>
+      <a:fontRef idx="minor">
+        <a:schemeClr val="lt1"/>
+      </a:fontRef>
+    </dgm:style>
+  </dgm:styleLbl>
+  <dgm:styleLbl name="parChTrans2D4">
+    <dgm:scene3d>
+      <a:camera prst="orthographicFront"/>
+      <a:lightRig rig="threePt" dir="t"/>
+    </dgm:scene3d>
+    <dgm:sp3d/>
+    <dgm:txPr/>
+    <dgm:style>
+      <a:lnRef idx="2">
+        <a:scrgbClr r="0" g="0" b="0"/>
+      </a:lnRef>
+      <a:fillRef idx="1">
+        <a:scrgbClr r="0" g="0" b="0"/>
+      </a:fillRef>
+      <a:effectRef idx="0">
+        <a:scrgbClr r="0" g="0" b="0"/>
+      </a:effectRef>
+      <a:fontRef idx="minor">
+        <a:schemeClr val="lt1"/>
+      </a:fontRef>
+    </dgm:style>
+  </dgm:styleLbl>
+  <dgm:styleLbl name="parChTrans1D1">
+    <dgm:scene3d>
+      <a:camera prst="orthographicFront"/>
+      <a:lightRig rig="threePt" dir="t"/>
+    </dgm:scene3d>
+    <dgm:sp3d/>
+    <dgm:txPr/>
+    <dgm:style>
+      <a:lnRef idx="2">
+        <a:scrgbClr r="0" g="0" b="0"/>
+      </a:lnRef>
+      <a:fillRef idx="0">
+        <a:scrgbClr r="0" g="0" b="0"/>
+      </a:fillRef>
+      <a:effectRef idx="0">
+        <a:scrgbClr r="0" g="0" b="0"/>
+      </a:effectRef>
+      <a:fontRef idx="minor"/>
+    </dgm:style>
+  </dgm:styleLbl>
+  <dgm:styleLbl name="parChTrans1D2">
+    <dgm:scene3d>
+      <a:camera prst="orthographicFront"/>
+      <a:lightRig rig="threePt" dir="t"/>
+    </dgm:scene3d>
+    <dgm:sp3d/>
+    <dgm:txPr/>
+    <dgm:style>
+      <a:lnRef idx="2">
+        <a:scrgbClr r="0" g="0" b="0"/>
+      </a:lnRef>
+      <a:fillRef idx="0">
+        <a:scrgbClr r="0" g="0" b="0"/>
+      </a:fillRef>
+      <a:effectRef idx="0">
+        <a:scrgbClr r="0" g="0" b="0"/>
+      </a:effectRef>
+      <a:fontRef idx="minor"/>
+    </dgm:style>
+  </dgm:styleLbl>
+  <dgm:styleLbl name="parChTrans1D3">
+    <dgm:scene3d>
+      <a:camera prst="orthographicFront"/>
+      <a:lightRig rig="threePt" dir="t"/>
+    </dgm:scene3d>
+    <dgm:sp3d/>
+    <dgm:txPr/>
+    <dgm:style>
+      <a:lnRef idx="2">
+        <a:scrgbClr r="0" g="0" b="0"/>
+      </a:lnRef>
+      <a:fillRef idx="0">
+        <a:scrgbClr r="0" g="0" b="0"/>
+      </a:fillRef>
+      <a:effectRef idx="0">
+        <a:scrgbClr r="0" g="0" b="0"/>
+      </a:effectRef>
+      <a:fontRef idx="minor"/>
+    </dgm:style>
+  </dgm:styleLbl>
+  <dgm:styleLbl name="parChTrans1D4">
+    <dgm:scene3d>
+      <a:camera prst="orthographicFront"/>
+      <a:lightRig rig="threePt" dir="t"/>
+    </dgm:scene3d>
+    <dgm:sp3d/>
+    <dgm:txPr/>
+    <dgm:style>
+      <a:lnRef idx="2">
+        <a:scrgbClr r="0" g="0" b="0"/>
+      </a:lnRef>
+      <a:fillRef idx="0">
+        <a:scrgbClr r="0" g="0" b="0"/>
+      </a:fillRef>
+      <a:effectRef idx="0">
+        <a:scrgbClr r="0" g="0" b="0"/>
+      </a:effectRef>
+      <a:fontRef idx="minor"/>
+    </dgm:style>
+  </dgm:styleLbl>
+  <dgm:styleLbl name="fgAcc1">
+    <dgm:scene3d>
+      <a:camera prst="orthographicFront"/>
+      <a:lightRig rig="threePt" dir="t"/>
+    </dgm:scene3d>
+    <dgm:sp3d/>
+    <dgm:txPr/>
+    <dgm:style>
+      <a:lnRef idx="2">
+        <a:scrgbClr r="0" g="0" b="0"/>
+      </a:lnRef>
+      <a:fillRef idx="1">
+        <a:scrgbClr r="0" g="0" b="0"/>
+      </a:fillRef>
+      <a:effectRef idx="0">
+        <a:scrgbClr r="0" g="0" b="0"/>
+      </a:effectRef>
+      <a:fontRef idx="minor"/>
+    </dgm:style>
+  </dgm:styleLbl>
+  <dgm:styleLbl name="conFgAcc1">
+    <dgm:scene3d>
+      <a:camera prst="orthographicFront"/>
+      <a:lightRig rig="threePt" dir="t"/>
+    </dgm:scene3d>
+    <dgm:sp3d/>
+    <dgm:txPr/>
+    <dgm:style>
+      <a:lnRef idx="2">
+        <a:scrgbClr r="0" g="0" b="0"/>
+      </a:lnRef>
+      <a:fillRef idx="1">
+        <a:scrgbClr r="0" g="0" b="0"/>
+      </a:fillRef>
+      <a:effectRef idx="0">
+        <a:scrgbClr r="0" g="0" b="0"/>
+      </a:effectRef>
+      <a:fontRef idx="minor"/>
+    </dgm:style>
+  </dgm:styleLbl>
+  <dgm:styleLbl name="alignAcc1">
+    <dgm:scene3d>
+      <a:camera prst="orthographicFront"/>
+      <a:lightRig rig="threePt" dir="t"/>
+    </dgm:scene3d>
+    <dgm:sp3d/>
+    <dgm:txPr/>
+    <dgm:style>
+      <a:lnRef idx="2">
+        <a:scrgbClr r="0" g="0" b="0"/>
+      </a:lnRef>
+      <a:fillRef idx="1">
+        <a:scrgbClr r="0" g="0" b="0"/>
+      </a:fillRef>
+      <a:effectRef idx="0">
+        <a:scrgbClr r="0" g="0" b="0"/>
+      </a:effectRef>
+      <a:fontRef idx="minor"/>
+    </dgm:style>
+  </dgm:styleLbl>
+  <dgm:styleLbl name="trAlignAcc1">
+    <dgm:scene3d>
+      <a:camera prst="orthographicFront"/>
+      <a:lightRig rig="threePt" dir="t"/>
+    </dgm:scene3d>
+    <dgm:sp3d/>
+    <dgm:txPr/>
+    <dgm:style>
+      <a:lnRef idx="1">
+        <a:scrgbClr r="0" g="0" b="0"/>
+      </a:lnRef>
+      <a:fillRef idx="1">
+        <a:scrgbClr r="0" g="0" b="0"/>
+      </a:fillRef>
+      <a:effectRef idx="0">
+        <a:scrgbClr r="0" g="0" b="0"/>
+      </a:effectRef>
+      <a:fontRef idx="minor"/>
+    </dgm:style>
+  </dgm:styleLbl>
+  <dgm:styleLbl name="bgAcc1">
+    <dgm:scene3d>
+      <a:camera prst="orthographicFront"/>
+      <a:lightRig rig="threePt" dir="t"/>
+    </dgm:scene3d>
+    <dgm:sp3d/>
+    <dgm:txPr/>
+    <dgm:style>
+      <a:lnRef idx="2">
+        <a:scrgbClr r="0" g="0" b="0"/>
+      </a:lnRef>
+      <a:fillRef idx="1">
+        <a:scrgbClr r="0" g="0" b="0"/>
+      </a:fillRef>
+      <a:effectRef idx="0">
+        <a:scrgbClr r="0" g="0" b="0"/>
+      </a:effectRef>
+      <a:fontRef idx="minor"/>
+    </dgm:style>
+  </dgm:styleLbl>
+  <dgm:styleLbl name="solidFgAcc1">
+    <dgm:scene3d>
+      <a:camera prst="orthographicFront"/>
+      <a:lightRig rig="threePt" dir="t"/>
+    </dgm:scene3d>
+    <dgm:sp3d/>
+    <dgm:txPr/>
+    <dgm:style>
+      <a:lnRef idx="2">
+        <a:scrgbClr r="0" g="0" b="0"/>
+      </a:lnRef>
+      <a:fillRef idx="1">
+        <a:scrgbClr r="0" g="0" b="0"/>
+      </a:fillRef>
+      <a:effectRef idx="0">
+        <a:scrgbClr r="0" g="0" b="0"/>
+      </a:effectRef>
+      <a:fontRef idx="minor"/>
+    </dgm:style>
+  </dgm:styleLbl>
+  <dgm:styleLbl name="solidAlignAcc1">
+    <dgm:scene3d>
+      <a:camera prst="orthographicFront"/>
+      <a:lightRig rig="threePt" dir="t"/>
+    </dgm:scene3d>
+    <dgm:sp3d/>
+    <dgm:txPr/>
+    <dgm:style>
+      <a:lnRef idx="2">
+        <a:scrgbClr r="0" g="0" b="0"/>
+      </a:lnRef>
+      <a:fillRef idx="1">
+        <a:scrgbClr r="0" g="0" b="0"/>
+      </a:fillRef>
+      <a:effectRef idx="0">
+        <a:scrgbClr r="0" g="0" b="0"/>
+      </a:effectRef>
+      <a:fontRef idx="minor"/>
+    </dgm:style>
+  </dgm:styleLbl>
+  <dgm:styleLbl name="solidBgAcc1">
+    <dgm:scene3d>
+      <a:camera prst="orthographicFront"/>
+      <a:lightRig rig="threePt" dir="t"/>
+    </dgm:scene3d>
+    <dgm:sp3d/>
+    <dgm:txPr/>
+    <dgm:style>
+      <a:lnRef idx="2">
+        <a:scrgbClr r="0" g="0" b="0"/>
+      </a:lnRef>
+      <a:fillRef idx="1">
+        <a:scrgbClr r="0" g="0" b="0"/>
+      </a:fillRef>
+      <a:effectRef idx="0">
+        <a:scrgbClr r="0" g="0" b="0"/>
+      </a:effectRef>
+      <a:fontRef idx="minor"/>
+    </dgm:style>
+  </dgm:styleLbl>
+  <dgm:styleLbl name="fgAccFollowNode1">
+    <dgm:scene3d>
+      <a:camera prst="orthographicFront"/>
+      <a:lightRig rig="threePt" dir="t"/>
+    </dgm:scene3d>
+    <dgm:sp3d/>
+    <dgm:txPr/>
+    <dgm:style>
+      <a:lnRef idx="2">
+        <a:scrgbClr r="0" g="0" b="0"/>
+      </a:lnRef>
+      <a:fillRef idx="1">
+        <a:scrgbClr r="0" g="0" b="0"/>
+      </a:fillRef>
+      <a:effectRef idx="0">
+        <a:scrgbClr r="0" g="0" b="0"/>
+      </a:effectRef>
+      <a:fontRef idx="minor"/>
+    </dgm:style>
+  </dgm:styleLbl>
+  <dgm:styleLbl name="alignAccFollowNode1">
+    <dgm:scene3d>
+      <a:camera prst="orthographicFront"/>
+      <a:lightRig rig="threePt" dir="t"/>
+    </dgm:scene3d>
+    <dgm:sp3d/>
+    <dgm:txPr/>
+    <dgm:style>
+      <a:lnRef idx="2">
+        <a:scrgbClr r="0" g="0" b="0"/>
+      </a:lnRef>
+      <a:fillRef idx="1">
+        <a:scrgbClr r="0" g="0" b="0"/>
+      </a:fillRef>
+      <a:effectRef idx="0">
+        <a:scrgbClr r="0" g="0" b="0"/>
+      </a:effectRef>
+      <a:fontRef idx="minor"/>
+    </dgm:style>
+  </dgm:styleLbl>
+  <dgm:styleLbl name="bgAccFollowNode1">
+    <dgm:scene3d>
+      <a:camera prst="orthographicFront"/>
+      <a:lightRig rig="threePt" dir="t"/>
+    </dgm:scene3d>
+    <dgm:sp3d/>
+    <dgm:txPr/>
+    <dgm:style>
+      <a:lnRef idx="2">
+        <a:scrgbClr r="0" g="0" b="0"/>
+      </a:lnRef>
+      <a:fillRef idx="1">
+        <a:scrgbClr r="0" g="0" b="0"/>
+      </a:fillRef>
+      <a:effectRef idx="0">
+        <a:scrgbClr r="0" g="0" b="0"/>
+      </a:effectRef>
+      <a:fontRef idx="minor"/>
+    </dgm:style>
+  </dgm:styleLbl>
+  <dgm:styleLbl name="fgAcc0">
+    <dgm:scene3d>
+      <a:camera prst="orthographicFront"/>
+      <a:lightRig rig="threePt" dir="t"/>
+    </dgm:scene3d>
+    <dgm:sp3d/>
+    <dgm:txPr/>
+    <dgm:style>
+      <a:lnRef idx="2">
+        <a:scrgbClr r="0" g="0" b="0"/>
+      </a:lnRef>
+      <a:fillRef idx="1">
+        <a:scrgbClr r="0" g="0" b="0"/>
+      </a:fillRef>
+      <a:effectRef idx="0">
+        <a:scrgbClr r="0" g="0" b="0"/>
+      </a:effectRef>
+      <a:fontRef idx="minor"/>
+    </dgm:style>
+  </dgm:styleLbl>
+  <dgm:styleLbl name="fgAcc2">
+    <dgm:scene3d>
+      <a:camera prst="orthographicFront"/>
+      <a:lightRig rig="threePt" dir="t"/>
+    </dgm:scene3d>
+    <dgm:sp3d/>
+    <dgm:txPr/>
+    <dgm:style>
+      <a:lnRef idx="2">
+        <a:scrgbClr r="0" g="0" b="0"/>
+      </a:lnRef>
+      <a:fillRef idx="1">
+        <a:scrgbClr r="0" g="0" b="0"/>
+      </a:fillRef>
+      <a:effectRef idx="0">
+        <a:scrgbClr r="0" g="0" b="0"/>
+      </a:effectRef>
+      <a:fontRef idx="minor"/>
+    </dgm:style>
+  </dgm:styleLbl>
+  <dgm:styleLbl name="fgAcc3">
+    <dgm:scene3d>
+      <a:camera prst="orthographicFront"/>
+      <a:lightRig rig="threePt" dir="t"/>
+    </dgm:scene3d>
+    <dgm:sp3d/>
+    <dgm:txPr/>
+    <dgm:style>
+      <a:lnRef idx="2">
+        <a:scrgbClr r="0" g="0" b="0"/>
+      </a:lnRef>
+      <a:fillRef idx="1">
+        <a:scrgbClr r="0" g="0" b="0"/>
+      </a:fillRef>
+      <a:effectRef idx="0">
+        <a:scrgbClr r="0" g="0" b="0"/>
+      </a:effectRef>
+      <a:fontRef idx="minor"/>
+    </dgm:style>
+  </dgm:styleLbl>
+  <dgm:styleLbl name="fgAcc4">
+    <dgm:scene3d>
+      <a:camera prst="orthographicFront"/>
+      <a:lightRig rig="threePt" dir="t"/>
+    </dgm:scene3d>
+    <dgm:sp3d/>
+    <dgm:txPr/>
+    <dgm:style>
+      <a:lnRef idx="2">
+        <a:scrgbClr r="0" g="0" b="0"/>
+      </a:lnRef>
+      <a:fillRef idx="1">
+        <a:scrgbClr r="0" g="0" b="0"/>
+      </a:fillRef>
+      <a:effectRef idx="0">
+        <a:scrgbClr r="0" g="0" b="0"/>
+      </a:effectRef>
+      <a:fontRef idx="minor"/>
+    </dgm:style>
+  </dgm:styleLbl>
+  <dgm:styleLbl name="bgShp">
+    <dgm:scene3d>
+      <a:camera prst="orthographicFront"/>
+      <a:lightRig rig="threePt" dir="t"/>
+    </dgm:scene3d>
+    <dgm:sp3d/>
+    <dgm:txPr/>
+    <dgm:style>
+      <a:lnRef idx="0">
+        <a:scrgbClr r="0" g="0" b="0"/>
+      </a:lnRef>
+      <a:fillRef idx="1">
+        <a:scrgbClr r="0" g="0" b="0"/>
+      </a:fillRef>
+      <a:effectRef idx="0">
+        <a:scrgbClr r="0" g="0" b="0"/>
+      </a:effectRef>
+      <a:fontRef idx="minor"/>
+    </dgm:style>
+  </dgm:styleLbl>
+  <dgm:styleLbl name="dkBgShp">
+    <dgm:scene3d>
+      <a:camera prst="orthographicFront"/>
+      <a:lightRig rig="threePt" dir="t"/>
+    </dgm:scene3d>
+    <dgm:sp3d/>
+    <dgm:txPr/>
+    <dgm:style>
+      <a:lnRef idx="0">
+        <a:scrgbClr r="0" g="0" b="0"/>
+      </a:lnRef>
+      <a:fillRef idx="1">
+        <a:scrgbClr r="0" g="0" b="0"/>
+      </a:fillRef>
+      <a:effectRef idx="0">
+        <a:scrgbClr r="0" g="0" b="0"/>
+      </a:effectRef>
+      <a:fontRef idx="minor"/>
+    </dgm:style>
+  </dgm:styleLbl>
+  <dgm:styleLbl name="trBgShp">
+    <dgm:scene3d>
+      <a:camera prst="orthographicFront"/>
+      <a:lightRig rig="threePt" dir="t"/>
+    </dgm:scene3d>
+    <dgm:sp3d/>
+    <dgm:txPr/>
+    <dgm:style>
+      <a:lnRef idx="0">
+        <a:scrgbClr r="0" g="0" b="0"/>
+      </a:lnRef>
+      <a:fillRef idx="1">
+        <a:scrgbClr r="0" g="0" b="0"/>
+      </a:fillRef>
+      <a:effectRef idx="0">
+        <a:scrgbClr r="0" g="0" b="0"/>
+      </a:effectRef>
+      <a:fontRef idx="minor"/>
+    </dgm:style>
+  </dgm:styleLbl>
+  <dgm:styleLbl name="fgShp">
+    <dgm:scene3d>
+      <a:camera prst="orthographicFront"/>
+      <a:lightRig rig="threePt" dir="t"/>
+    </dgm:scene3d>
+    <dgm:sp3d/>
+    <dgm:txPr/>
+    <dgm:style>
+      <a:lnRef idx="2">
+        <a:scrgbClr r="0" g="0" b="0"/>
+      </a:lnRef>
+      <a:fillRef idx="1">
+        <a:scrgbClr r="0" g="0" b="0"/>
+      </a:fillRef>
+      <a:effectRef idx="0">
+        <a:scrgbClr r="0" g="0" b="0"/>
+      </a:effectRef>
+      <a:fontRef idx="minor"/>
+    </dgm:style>
+  </dgm:styleLbl>
+  <dgm:styleLbl name="revTx">
+    <dgm:scene3d>
+      <a:camera prst="orthographicFront"/>
+      <a:lightRig rig="threePt" dir="t"/>
+    </dgm:scene3d>
+    <dgm:sp3d/>
+    <dgm:txPr/>
+    <dgm:style>
+      <a:lnRef idx="0">
+        <a:scrgbClr r="0" g="0" b="0"/>
+      </a:lnRef>
+      <a:fillRef idx="0">
+        <a:scrgbClr r="0" g="0" b="0"/>
+      </a:fillRef>
+      <a:effectRef idx="0">
+        <a:scrgbClr r="0" g="0" b="0"/>
+      </a:effectRef>
+      <a:fontRef idx="minor"/>
+    </dgm:style>
+  </dgm:styleLbl>
+</dgm:styleDef>
+</file>
+
+<file path=ppt/diagrams/quickStyle3.xml><?xml version="1.0" encoding="utf-8"?>
 <dgm:styleDef xmlns:dgm="http://schemas.openxmlformats.org/drawingml/2006/diagram" xmlns:a="http://schemas.openxmlformats.org/drawingml/2006/main" uniqueId="urn:microsoft.com/office/officeart/2005/8/quickstyle/simple1">
   <dgm:title val=""/>
   <dgm:desc val=""/>
@@ -13936,7 +18348,7 @@
         </p:nvSpPr>
         <p:spPr>
           <a:xfrm>
-            <a:off x="459740" y="3614926"/>
+            <a:off x="448310" y="3345130"/>
             <a:ext cx="3030220" cy="1323439"/>
           </a:xfrm>
           <a:prstGeom prst="rect">
@@ -13953,7 +18365,7 @@
             <a:pPr algn="ctr"/>
             <a:r>
               <a:rPr lang="en-US" sz="2000" dirty="0"/>
-              <a:t>How drastically did Covid affect apartment rental rates? Have the rates fully recovered?</a:t>
+              <a:t>How drastically did Covid affect apartment rental rates? Have rates fully recovered?</a:t>
             </a:r>
           </a:p>
         </p:txBody>
@@ -13972,7 +18384,7 @@
         </p:nvSpPr>
         <p:spPr>
           <a:xfrm>
-            <a:off x="4536440" y="3768814"/>
+            <a:off x="4536440" y="3454489"/>
             <a:ext cx="3030220" cy="1015663"/>
           </a:xfrm>
           <a:prstGeom prst="rect">
@@ -14008,8 +18420,8 @@
         </p:nvSpPr>
         <p:spPr>
           <a:xfrm>
-            <a:off x="8702040" y="3461037"/>
-            <a:ext cx="3030220" cy="1631216"/>
+            <a:off x="8702040" y="3450386"/>
+            <a:ext cx="3030220" cy="1015663"/>
           </a:xfrm>
           <a:prstGeom prst="rect">
             <a:avLst/>
@@ -14025,7 +18437,904 @@
             <a:pPr algn="ctr"/>
             <a:r>
               <a:rPr lang="en-US" sz="2000" dirty="0"/>
-              <a:t>Are there any characteristics of each area that could predict how dramatically rates would be affected?</a:t>
+              <a:t>Can characteristics of each area predict how rates will be affected?</a:t>
+            </a:r>
+          </a:p>
+        </p:txBody>
+      </p:sp>
+      <p:pic>
+        <p:nvPicPr>
+          <p:cNvPr id="15" name="Graphic 14" descr="Money outline">
+            <a:extLst>
+              <a:ext uri="{FF2B5EF4-FFF2-40B4-BE49-F238E27FC236}">
+                <a16:creationId xmlns:a16="http://schemas.microsoft.com/office/drawing/2014/main" id="{BD1C0119-446E-45B1-BC44-6BFD7C1767B3}"/>
+              </a:ext>
+            </a:extLst>
+          </p:cNvPr>
+          <p:cNvPicPr>
+            <a:picLocks noChangeAspect="1"/>
+          </p:cNvPicPr>
+          <p:nvPr/>
+        </p:nvPicPr>
+        <p:blipFill>
+          <a:blip r:embed="rId2">
+            <a:extLst>
+              <a:ext uri="{28A0092B-C50C-407E-A947-70E740481C1C}">
+                <a14:useLocalDpi xmlns:a14="http://schemas.microsoft.com/office/drawing/2010/main" val="0"/>
+              </a:ext>
+              <a:ext uri="{96DAC541-7B7A-43D3-8B79-37D633B846F1}">
+                <asvg:svgBlip xmlns:asvg="http://schemas.microsoft.com/office/drawing/2016/SVG/main" r:embed="rId3"/>
+              </a:ext>
+            </a:extLst>
+          </a:blip>
+          <a:stretch>
+            <a:fillRect/>
+          </a:stretch>
+        </p:blipFill>
+        <p:spPr>
+          <a:xfrm>
+            <a:off x="1517650" y="4813141"/>
+            <a:ext cx="914400" cy="914400"/>
+          </a:xfrm>
+          <a:prstGeom prst="rect">
+            <a:avLst/>
+          </a:prstGeom>
+        </p:spPr>
+      </p:pic>
+      <p:pic>
+        <p:nvPicPr>
+          <p:cNvPr id="17" name="Graphic 16" descr="City outline">
+            <a:extLst>
+              <a:ext uri="{FF2B5EF4-FFF2-40B4-BE49-F238E27FC236}">
+                <a16:creationId xmlns:a16="http://schemas.microsoft.com/office/drawing/2014/main" id="{401C06C2-BF78-4281-A59F-963C45084A34}"/>
+              </a:ext>
+            </a:extLst>
+          </p:cNvPr>
+          <p:cNvPicPr>
+            <a:picLocks noChangeAspect="1"/>
+          </p:cNvPicPr>
+          <p:nvPr/>
+        </p:nvPicPr>
+        <p:blipFill>
+          <a:blip r:embed="rId4">
+            <a:extLst>
+              <a:ext uri="{28A0092B-C50C-407E-A947-70E740481C1C}">
+                <a14:useLocalDpi xmlns:a14="http://schemas.microsoft.com/office/drawing/2010/main" val="0"/>
+              </a:ext>
+              <a:ext uri="{96DAC541-7B7A-43D3-8B79-37D633B846F1}">
+                <asvg:svgBlip xmlns:asvg="http://schemas.microsoft.com/office/drawing/2016/SVG/main" r:embed="rId5"/>
+              </a:ext>
+            </a:extLst>
+          </a:blip>
+          <a:stretch>
+            <a:fillRect/>
+          </a:stretch>
+        </p:blipFill>
+        <p:spPr>
+          <a:xfrm>
+            <a:off x="5594350" y="4795424"/>
+            <a:ext cx="914400" cy="914400"/>
+          </a:xfrm>
+          <a:prstGeom prst="rect">
+            <a:avLst/>
+          </a:prstGeom>
+        </p:spPr>
+      </p:pic>
+      <p:pic>
+        <p:nvPicPr>
+          <p:cNvPr id="19" name="Graphic 18" descr="Future outline">
+            <a:extLst>
+              <a:ext uri="{FF2B5EF4-FFF2-40B4-BE49-F238E27FC236}">
+                <a16:creationId xmlns:a16="http://schemas.microsoft.com/office/drawing/2014/main" id="{F41D8342-5602-4058-943C-8BF765452E6E}"/>
+              </a:ext>
+            </a:extLst>
+          </p:cNvPr>
+          <p:cNvPicPr>
+            <a:picLocks noChangeAspect="1"/>
+          </p:cNvPicPr>
+          <p:nvPr/>
+        </p:nvPicPr>
+        <p:blipFill>
+          <a:blip r:embed="rId6">
+            <a:extLst>
+              <a:ext uri="{28A0092B-C50C-407E-A947-70E740481C1C}">
+                <a14:useLocalDpi xmlns:a14="http://schemas.microsoft.com/office/drawing/2010/main" val="0"/>
+              </a:ext>
+              <a:ext uri="{96DAC541-7B7A-43D3-8B79-37D633B846F1}">
+                <asvg:svgBlip xmlns:asvg="http://schemas.microsoft.com/office/drawing/2016/SVG/main" r:embed="rId7"/>
+              </a:ext>
+            </a:extLst>
+          </a:blip>
+          <a:stretch>
+            <a:fillRect/>
+          </a:stretch>
+        </p:blipFill>
+        <p:spPr>
+          <a:xfrm>
+            <a:off x="9845675" y="4925789"/>
+            <a:ext cx="742950" cy="742950"/>
+          </a:xfrm>
+          <a:prstGeom prst="rect">
+            <a:avLst/>
+          </a:prstGeom>
+        </p:spPr>
+      </p:pic>
+    </p:spTree>
+    <p:extLst>
+      <p:ext uri="{BB962C8B-B14F-4D97-AF65-F5344CB8AC3E}">
+        <p14:creationId xmlns:p14="http://schemas.microsoft.com/office/powerpoint/2010/main" val="2637618212"/>
+      </p:ext>
+    </p:extLst>
+  </p:cSld>
+  <p:clrMapOvr>
+    <a:masterClrMapping/>
+  </p:clrMapOvr>
+</p:sld>
+</file>
+
+<file path=ppt/slides/slide6.xml><?xml version="1.0" encoding="utf-8"?>
+<p:sld xmlns:a="http://schemas.openxmlformats.org/drawingml/2006/main" xmlns:r="http://schemas.openxmlformats.org/officeDocument/2006/relationships" xmlns:p="http://schemas.openxmlformats.org/presentationml/2006/main">
+  <p:cSld>
+    <p:spTree>
+      <p:nvGrpSpPr>
+        <p:cNvPr id="1" name=""/>
+        <p:cNvGrpSpPr/>
+        <p:nvPr/>
+      </p:nvGrpSpPr>
+      <p:grpSpPr>
+        <a:xfrm>
+          <a:off x="0" y="0"/>
+          <a:ext cx="0" cy="0"/>
+          <a:chOff x="0" y="0"/>
+          <a:chExt cx="0" cy="0"/>
+        </a:xfrm>
+      </p:grpSpPr>
+      <p:sp>
+        <p:nvSpPr>
+          <p:cNvPr id="2" name="Title 1">
+            <a:extLst>
+              <a:ext uri="{FF2B5EF4-FFF2-40B4-BE49-F238E27FC236}">
+                <a16:creationId xmlns:a16="http://schemas.microsoft.com/office/drawing/2014/main" id="{56651043-58A8-4279-A949-143C7B546F07}"/>
+              </a:ext>
+            </a:extLst>
+          </p:cNvPr>
+          <p:cNvSpPr>
+            <a:spLocks noGrp="1"/>
+          </p:cNvSpPr>
+          <p:nvPr>
+            <p:ph type="title"/>
+          </p:nvPr>
+        </p:nvSpPr>
+        <p:spPr/>
+        <p:txBody>
+          <a:bodyPr/>
+          <a:lstStyle/>
+          <a:p>
+            <a:r>
+              <a:rPr lang="en-US" dirty="0"/>
+              <a:t>Outline</a:t>
+            </a:r>
+          </a:p>
+        </p:txBody>
+      </p:sp>
+      <p:graphicFrame>
+        <p:nvGraphicFramePr>
+          <p:cNvPr id="4" name="Content Placeholder 3">
+            <a:extLst>
+              <a:ext uri="{FF2B5EF4-FFF2-40B4-BE49-F238E27FC236}">
+                <a16:creationId xmlns:a16="http://schemas.microsoft.com/office/drawing/2014/main" id="{3E6131AB-8164-4B6B-8E68-5AE0D422DE4B}"/>
+              </a:ext>
+            </a:extLst>
+          </p:cNvPr>
+          <p:cNvGraphicFramePr>
+            <a:graphicFrameLocks noGrp="1"/>
+          </p:cNvGraphicFramePr>
+          <p:nvPr>
+            <p:ph idx="1"/>
+          </p:nvPr>
+        </p:nvGraphicFramePr>
+        <p:xfrm>
+          <a:off x="1096963" y="1846263"/>
+          <a:ext cx="10058400" cy="4022725"/>
+        </p:xfrm>
+        <a:graphic>
+          <a:graphicData uri="http://schemas.openxmlformats.org/drawingml/2006/diagram">
+            <dgm:relIds xmlns:dgm="http://schemas.openxmlformats.org/drawingml/2006/diagram" xmlns:r="http://schemas.openxmlformats.org/officeDocument/2006/relationships" r:dm="rId2" r:lo="rId3" r:qs="rId4" r:cs="rId5"/>
+          </a:graphicData>
+        </a:graphic>
+      </p:graphicFrame>
+    </p:spTree>
+    <p:extLst>
+      <p:ext uri="{BB962C8B-B14F-4D97-AF65-F5344CB8AC3E}">
+        <p14:creationId xmlns:p14="http://schemas.microsoft.com/office/powerpoint/2010/main" val="3918163098"/>
+      </p:ext>
+    </p:extLst>
+  </p:cSld>
+  <p:clrMapOvr>
+    <a:masterClrMapping/>
+  </p:clrMapOvr>
+</p:sld>
+</file>
+
+<file path=ppt/slides/slide7.xml><?xml version="1.0" encoding="utf-8"?>
+<p:sld xmlns:a="http://schemas.openxmlformats.org/drawingml/2006/main" xmlns:r="http://schemas.openxmlformats.org/officeDocument/2006/relationships" xmlns:p="http://schemas.openxmlformats.org/presentationml/2006/main">
+  <p:cSld>
+    <p:spTree>
+      <p:nvGrpSpPr>
+        <p:cNvPr id="1" name=""/>
+        <p:cNvGrpSpPr/>
+        <p:nvPr/>
+      </p:nvGrpSpPr>
+      <p:grpSpPr>
+        <a:xfrm>
+          <a:off x="0" y="0"/>
+          <a:ext cx="0" cy="0"/>
+          <a:chOff x="0" y="0"/>
+          <a:chExt cx="0" cy="0"/>
+        </a:xfrm>
+      </p:grpSpPr>
+      <p:sp>
+        <p:nvSpPr>
+          <p:cNvPr id="2" name="Title 1">
+            <a:extLst>
+              <a:ext uri="{FF2B5EF4-FFF2-40B4-BE49-F238E27FC236}">
+                <a16:creationId xmlns:a16="http://schemas.microsoft.com/office/drawing/2014/main" id="{92A9B60F-7F68-48F6-9FB9-2CF291C61653}"/>
+              </a:ext>
+            </a:extLst>
+          </p:cNvPr>
+          <p:cNvSpPr>
+            <a:spLocks noGrp="1"/>
+          </p:cNvSpPr>
+          <p:nvPr>
+            <p:ph type="title"/>
+          </p:nvPr>
+        </p:nvSpPr>
+        <p:spPr/>
+        <p:txBody>
+          <a:bodyPr/>
+          <a:lstStyle/>
+          <a:p>
+            <a:r>
+              <a:rPr lang="en-US" dirty="0"/>
+              <a:t>Data Sources</a:t>
+            </a:r>
+          </a:p>
+        </p:txBody>
+      </p:sp>
+      <p:sp>
+        <p:nvSpPr>
+          <p:cNvPr id="4" name="Rectangle 3">
+            <a:extLst>
+              <a:ext uri="{FF2B5EF4-FFF2-40B4-BE49-F238E27FC236}">
+                <a16:creationId xmlns:a16="http://schemas.microsoft.com/office/drawing/2014/main" id="{27678693-BBE0-41E4-9C41-F551D931A2B5}"/>
+              </a:ext>
+            </a:extLst>
+          </p:cNvPr>
+          <p:cNvSpPr/>
+          <p:nvPr/>
+        </p:nvSpPr>
+        <p:spPr>
+          <a:xfrm>
+            <a:off x="4360862" y="2197100"/>
+            <a:ext cx="3517900" cy="3619500"/>
+          </a:xfrm>
+          <a:prstGeom prst="rect">
+            <a:avLst/>
+          </a:prstGeom>
+          <a:solidFill>
+            <a:schemeClr val="bg1">
+              <a:lumMod val="95000"/>
+            </a:schemeClr>
+          </a:solidFill>
+        </p:spPr>
+        <p:style>
+          <a:lnRef idx="2">
+            <a:schemeClr val="accent1">
+              <a:shade val="50000"/>
+            </a:schemeClr>
+          </a:lnRef>
+          <a:fillRef idx="1">
+            <a:schemeClr val="accent1"/>
+          </a:fillRef>
+          <a:effectRef idx="0">
+            <a:schemeClr val="accent1"/>
+          </a:effectRef>
+          <a:fontRef idx="minor">
+            <a:schemeClr val="lt1"/>
+          </a:fontRef>
+        </p:style>
+        <p:txBody>
+          <a:bodyPr rtlCol="0" anchor="ctr"/>
+          <a:lstStyle/>
+          <a:p>
+            <a:pPr algn="ctr"/>
+            <a:endParaRPr lang="en-US" sz="1600" dirty="0"/>
+          </a:p>
+        </p:txBody>
+      </p:sp>
+      <p:sp>
+        <p:nvSpPr>
+          <p:cNvPr id="5" name="Rectangle 4">
+            <a:extLst>
+              <a:ext uri="{FF2B5EF4-FFF2-40B4-BE49-F238E27FC236}">
+                <a16:creationId xmlns:a16="http://schemas.microsoft.com/office/drawing/2014/main" id="{3FACFDE9-4AB9-4A9F-960E-7C0140DA598C}"/>
+              </a:ext>
+            </a:extLst>
+          </p:cNvPr>
+          <p:cNvSpPr/>
+          <p:nvPr/>
+        </p:nvSpPr>
+        <p:spPr>
+          <a:xfrm>
+            <a:off x="304800" y="2197100"/>
+            <a:ext cx="3517900" cy="3619500"/>
+          </a:xfrm>
+          <a:prstGeom prst="rect">
+            <a:avLst/>
+          </a:prstGeom>
+          <a:solidFill>
+            <a:schemeClr val="bg1">
+              <a:lumMod val="95000"/>
+            </a:schemeClr>
+          </a:solidFill>
+        </p:spPr>
+        <p:style>
+          <a:lnRef idx="2">
+            <a:schemeClr val="accent1">
+              <a:shade val="50000"/>
+            </a:schemeClr>
+          </a:lnRef>
+          <a:fillRef idx="1">
+            <a:schemeClr val="accent1"/>
+          </a:fillRef>
+          <a:effectRef idx="0">
+            <a:schemeClr val="accent1"/>
+          </a:effectRef>
+          <a:fontRef idx="minor">
+            <a:schemeClr val="lt1"/>
+          </a:fontRef>
+        </p:style>
+        <p:txBody>
+          <a:bodyPr rtlCol="0" anchor="ctr"/>
+          <a:lstStyle/>
+          <a:p>
+            <a:pPr algn="ctr"/>
+            <a:endParaRPr lang="en-US" sz="1600" dirty="0"/>
+          </a:p>
+        </p:txBody>
+      </p:sp>
+      <p:sp>
+        <p:nvSpPr>
+          <p:cNvPr id="6" name="Rectangle 5">
+            <a:extLst>
+              <a:ext uri="{FF2B5EF4-FFF2-40B4-BE49-F238E27FC236}">
+                <a16:creationId xmlns:a16="http://schemas.microsoft.com/office/drawing/2014/main" id="{4790EC81-6187-493A-8E26-C869A2988A4E}"/>
+              </a:ext>
+            </a:extLst>
+          </p:cNvPr>
+          <p:cNvSpPr/>
+          <p:nvPr/>
+        </p:nvSpPr>
+        <p:spPr>
+          <a:xfrm>
+            <a:off x="8369300" y="2197100"/>
+            <a:ext cx="3517900" cy="3619500"/>
+          </a:xfrm>
+          <a:prstGeom prst="rect">
+            <a:avLst/>
+          </a:prstGeom>
+          <a:solidFill>
+            <a:schemeClr val="bg1">
+              <a:lumMod val="95000"/>
+            </a:schemeClr>
+          </a:solidFill>
+        </p:spPr>
+        <p:style>
+          <a:lnRef idx="2">
+            <a:schemeClr val="accent1">
+              <a:shade val="50000"/>
+            </a:schemeClr>
+          </a:lnRef>
+          <a:fillRef idx="1">
+            <a:schemeClr val="accent1"/>
+          </a:fillRef>
+          <a:effectRef idx="0">
+            <a:schemeClr val="accent1"/>
+          </a:effectRef>
+          <a:fontRef idx="minor">
+            <a:schemeClr val="lt1"/>
+          </a:fontRef>
+        </p:style>
+        <p:txBody>
+          <a:bodyPr rtlCol="0" anchor="ctr"/>
+          <a:lstStyle/>
+          <a:p>
+            <a:pPr algn="ctr"/>
+            <a:endParaRPr lang="en-US" sz="1600" dirty="0"/>
+          </a:p>
+        </p:txBody>
+      </p:sp>
+      <p:sp>
+        <p:nvSpPr>
+          <p:cNvPr id="7" name="TextBox 6">
+            <a:extLst>
+              <a:ext uri="{FF2B5EF4-FFF2-40B4-BE49-F238E27FC236}">
+                <a16:creationId xmlns:a16="http://schemas.microsoft.com/office/drawing/2014/main" id="{877D3999-8A00-476F-941E-3D041924533D}"/>
+              </a:ext>
+            </a:extLst>
+          </p:cNvPr>
+          <p:cNvSpPr txBox="1"/>
+          <p:nvPr/>
+        </p:nvSpPr>
+        <p:spPr>
+          <a:xfrm>
+            <a:off x="4357687" y="2356008"/>
+            <a:ext cx="3517900" cy="584775"/>
+          </a:xfrm>
+          <a:prstGeom prst="rect">
+            <a:avLst/>
+          </a:prstGeom>
+          <a:noFill/>
+        </p:spPr>
+        <p:txBody>
+          <a:bodyPr wrap="square" rtlCol="0">
+            <a:spAutoFit/>
+          </a:bodyPr>
+          <a:lstStyle/>
+          <a:p>
+            <a:pPr algn="ctr"/>
+            <a:r>
+              <a:rPr lang="en-US" sz="3200" dirty="0"/>
+              <a:t>Street Easy </a:t>
+            </a:r>
+          </a:p>
+        </p:txBody>
+      </p:sp>
+      <p:sp>
+        <p:nvSpPr>
+          <p:cNvPr id="10" name="TextBox 9">
+            <a:extLst>
+              <a:ext uri="{FF2B5EF4-FFF2-40B4-BE49-F238E27FC236}">
+                <a16:creationId xmlns:a16="http://schemas.microsoft.com/office/drawing/2014/main" id="{8151ECB6-771A-41F2-9B75-F6D7485D1F36}"/>
+              </a:ext>
+            </a:extLst>
+          </p:cNvPr>
+          <p:cNvSpPr txBox="1"/>
+          <p:nvPr/>
+        </p:nvSpPr>
+        <p:spPr>
+          <a:xfrm>
+            <a:off x="4449762" y="3099691"/>
+            <a:ext cx="3333750" cy="2831544"/>
+          </a:xfrm>
+          <a:prstGeom prst="rect">
+            <a:avLst/>
+          </a:prstGeom>
+          <a:noFill/>
+        </p:spPr>
+        <p:txBody>
+          <a:bodyPr wrap="square" rtlCol="0">
+            <a:spAutoFit/>
+          </a:bodyPr>
+          <a:lstStyle/>
+          <a:p>
+            <a:r>
+              <a:rPr lang="en-US" b="1" dirty="0"/>
+              <a:t>Attributes: </a:t>
+            </a:r>
+          </a:p>
+          <a:p>
+            <a:pPr marL="342900" indent="-342900">
+              <a:buFont typeface="Arial" panose="020B0604020202020204" pitchFamily="34" charset="0"/>
+              <a:buChar char="•"/>
+            </a:pPr>
+            <a:r>
+              <a:rPr lang="en-US" sz="1600" dirty="0"/>
+              <a:t>Median Rent </a:t>
+            </a:r>
+          </a:p>
+          <a:p>
+            <a:pPr marL="342900" indent="-342900">
+              <a:buFont typeface="Arial" panose="020B0604020202020204" pitchFamily="34" charset="0"/>
+              <a:buChar char="•"/>
+            </a:pPr>
+            <a:r>
+              <a:rPr lang="en-US" sz="1600" dirty="0"/>
+              <a:t>Number of Discounted Apartments </a:t>
+            </a:r>
+          </a:p>
+          <a:p>
+            <a:pPr marL="342900" indent="-342900">
+              <a:buFont typeface="Arial" panose="020B0604020202020204" pitchFamily="34" charset="0"/>
+              <a:buChar char="•"/>
+            </a:pPr>
+            <a:r>
+              <a:rPr lang="en-US" sz="1600" dirty="0"/>
+              <a:t>Share of Discounted Apartments</a:t>
+            </a:r>
+          </a:p>
+          <a:p>
+            <a:r>
+              <a:rPr lang="en-US" sz="1600" dirty="0"/>
+              <a:t> </a:t>
+            </a:r>
+          </a:p>
+          <a:p>
+            <a:r>
+              <a:rPr lang="en-US" sz="1600" b="1" dirty="0"/>
+              <a:t>Timeframe: </a:t>
+            </a:r>
+          </a:p>
+          <a:p>
+            <a:pPr marL="342900" indent="-342900">
+              <a:buFont typeface="Arial" panose="020B0604020202020204" pitchFamily="34" charset="0"/>
+              <a:buChar char="•"/>
+            </a:pPr>
+            <a:r>
+              <a:rPr lang="en-US" sz="1600" dirty="0"/>
+              <a:t>January 2010 through present</a:t>
+            </a:r>
+          </a:p>
+          <a:p>
+            <a:endParaRPr lang="en-US" sz="1600" dirty="0"/>
+          </a:p>
+          <a:p>
+            <a:r>
+              <a:rPr lang="en-US" sz="1600" b="1" dirty="0"/>
+              <a:t>Source: </a:t>
+            </a:r>
+            <a:r>
+              <a:rPr lang="en-US" sz="1600" dirty="0">
+                <a:hlinkClick r:id="rId2"/>
+              </a:rPr>
+              <a:t>Link Here</a:t>
+            </a:r>
+            <a:endParaRPr lang="en-US" sz="1600" dirty="0"/>
+          </a:p>
+          <a:p>
+            <a:endParaRPr lang="en-US" sz="1600" dirty="0"/>
+          </a:p>
+        </p:txBody>
+      </p:sp>
+      <p:sp>
+        <p:nvSpPr>
+          <p:cNvPr id="16" name="TextBox 15">
+            <a:extLst>
+              <a:ext uri="{FF2B5EF4-FFF2-40B4-BE49-F238E27FC236}">
+                <a16:creationId xmlns:a16="http://schemas.microsoft.com/office/drawing/2014/main" id="{2C2794D9-6CC1-452C-924B-CF55D1A9E269}"/>
+              </a:ext>
+            </a:extLst>
+          </p:cNvPr>
+          <p:cNvSpPr txBox="1"/>
+          <p:nvPr/>
+        </p:nvSpPr>
+        <p:spPr>
+          <a:xfrm>
+            <a:off x="349250" y="2356008"/>
+            <a:ext cx="3517900" cy="584775"/>
+          </a:xfrm>
+          <a:prstGeom prst="rect">
+            <a:avLst/>
+          </a:prstGeom>
+          <a:noFill/>
+        </p:spPr>
+        <p:txBody>
+          <a:bodyPr wrap="square" rtlCol="0">
+            <a:spAutoFit/>
+          </a:bodyPr>
+          <a:lstStyle/>
+          <a:p>
+            <a:pPr algn="ctr"/>
+            <a:r>
+              <a:rPr lang="en-US" sz="3200" dirty="0"/>
+              <a:t>NYT Covid Data</a:t>
+            </a:r>
+          </a:p>
+        </p:txBody>
+      </p:sp>
+      <p:sp>
+        <p:nvSpPr>
+          <p:cNvPr id="18" name="TextBox 17">
+            <a:extLst>
+              <a:ext uri="{FF2B5EF4-FFF2-40B4-BE49-F238E27FC236}">
+                <a16:creationId xmlns:a16="http://schemas.microsoft.com/office/drawing/2014/main" id="{9A789815-F435-4D86-8F4E-74AE43E70512}"/>
+              </a:ext>
+            </a:extLst>
+          </p:cNvPr>
+          <p:cNvSpPr txBox="1"/>
+          <p:nvPr/>
+        </p:nvSpPr>
+        <p:spPr>
+          <a:xfrm>
+            <a:off x="441325" y="3099691"/>
+            <a:ext cx="3333750" cy="2831544"/>
+          </a:xfrm>
+          <a:prstGeom prst="rect">
+            <a:avLst/>
+          </a:prstGeom>
+          <a:noFill/>
+        </p:spPr>
+        <p:txBody>
+          <a:bodyPr wrap="square" rtlCol="0">
+            <a:spAutoFit/>
+          </a:bodyPr>
+          <a:lstStyle/>
+          <a:p>
+            <a:r>
+              <a:rPr lang="en-US" b="1" dirty="0"/>
+              <a:t>Attributes: </a:t>
+            </a:r>
+          </a:p>
+          <a:p>
+            <a:pPr marL="342900" indent="-342900">
+              <a:buFont typeface="Arial" panose="020B0604020202020204" pitchFamily="34" charset="0"/>
+              <a:buChar char="•"/>
+            </a:pPr>
+            <a:r>
+              <a:rPr lang="en-US" sz="1600" dirty="0"/>
+              <a:t>Number of daily cases </a:t>
+            </a:r>
+          </a:p>
+          <a:p>
+            <a:pPr marL="342900" indent="-342900">
+              <a:buFont typeface="Arial" panose="020B0604020202020204" pitchFamily="34" charset="0"/>
+              <a:buChar char="•"/>
+            </a:pPr>
+            <a:r>
+              <a:rPr lang="en-US" sz="1600" dirty="0"/>
+              <a:t>7 Day avg of cases </a:t>
+            </a:r>
+          </a:p>
+          <a:p>
+            <a:pPr marL="342900" indent="-342900">
+              <a:buFont typeface="Arial" panose="020B0604020202020204" pitchFamily="34" charset="0"/>
+              <a:buChar char="•"/>
+            </a:pPr>
+            <a:r>
+              <a:rPr lang="en-US" sz="1600" dirty="0"/>
+              <a:t>Broken out by Borough and total NYC</a:t>
+            </a:r>
+          </a:p>
+          <a:p>
+            <a:endParaRPr lang="en-US" sz="1600" dirty="0"/>
+          </a:p>
+          <a:p>
+            <a:r>
+              <a:rPr lang="en-US" sz="1600" b="1" dirty="0"/>
+              <a:t>Timeframe: </a:t>
+            </a:r>
+          </a:p>
+          <a:p>
+            <a:pPr marL="342900" indent="-342900">
+              <a:buFont typeface="Arial" panose="020B0604020202020204" pitchFamily="34" charset="0"/>
+              <a:buChar char="•"/>
+            </a:pPr>
+            <a:r>
+              <a:rPr lang="en-US" sz="1600" dirty="0"/>
+              <a:t>March 2020 through present</a:t>
+            </a:r>
+          </a:p>
+          <a:p>
+            <a:endParaRPr lang="en-US" sz="1600" dirty="0"/>
+          </a:p>
+          <a:p>
+            <a:r>
+              <a:rPr lang="en-US" sz="1600" b="1" dirty="0"/>
+              <a:t>Source: </a:t>
+            </a:r>
+            <a:r>
+              <a:rPr lang="en-US" sz="1600" dirty="0">
+                <a:hlinkClick r:id="rId3"/>
+              </a:rPr>
+              <a:t>Link Here</a:t>
+            </a:r>
+            <a:endParaRPr lang="en-US" sz="1600" dirty="0"/>
+          </a:p>
+          <a:p>
+            <a:endParaRPr lang="en-US" sz="1600" dirty="0"/>
+          </a:p>
+        </p:txBody>
+      </p:sp>
+      <p:sp>
+        <p:nvSpPr>
+          <p:cNvPr id="20" name="TextBox 19">
+            <a:extLst>
+              <a:ext uri="{FF2B5EF4-FFF2-40B4-BE49-F238E27FC236}">
+                <a16:creationId xmlns:a16="http://schemas.microsoft.com/office/drawing/2014/main" id="{AD1E1E39-EDBD-4F70-9A47-995DFB77DAED}"/>
+              </a:ext>
+            </a:extLst>
+          </p:cNvPr>
+          <p:cNvSpPr txBox="1"/>
+          <p:nvPr/>
+        </p:nvSpPr>
+        <p:spPr>
+          <a:xfrm>
+            <a:off x="8369300" y="2356008"/>
+            <a:ext cx="3517900" cy="584775"/>
+          </a:xfrm>
+          <a:prstGeom prst="rect">
+            <a:avLst/>
+          </a:prstGeom>
+          <a:noFill/>
+        </p:spPr>
+        <p:txBody>
+          <a:bodyPr wrap="square" rtlCol="0">
+            <a:spAutoFit/>
+          </a:bodyPr>
+          <a:lstStyle/>
+          <a:p>
+            <a:pPr algn="ctr"/>
+            <a:r>
+              <a:rPr lang="en-US" sz="3200" dirty="0"/>
+              <a:t>US Census Data</a:t>
+            </a:r>
+          </a:p>
+        </p:txBody>
+      </p:sp>
+      <p:sp>
+        <p:nvSpPr>
+          <p:cNvPr id="21" name="TextBox 20">
+            <a:extLst>
+              <a:ext uri="{FF2B5EF4-FFF2-40B4-BE49-F238E27FC236}">
+                <a16:creationId xmlns:a16="http://schemas.microsoft.com/office/drawing/2014/main" id="{1EFBDC71-4252-491E-96B8-C1DE650265B5}"/>
+              </a:ext>
+            </a:extLst>
+          </p:cNvPr>
+          <p:cNvSpPr txBox="1"/>
+          <p:nvPr/>
+        </p:nvSpPr>
+        <p:spPr>
+          <a:xfrm>
+            <a:off x="8461375" y="3099691"/>
+            <a:ext cx="3333750" cy="2831544"/>
+          </a:xfrm>
+          <a:prstGeom prst="rect">
+            <a:avLst/>
+          </a:prstGeom>
+          <a:noFill/>
+        </p:spPr>
+        <p:txBody>
+          <a:bodyPr wrap="square" rtlCol="0">
+            <a:spAutoFit/>
+          </a:bodyPr>
+          <a:lstStyle/>
+          <a:p>
+            <a:r>
+              <a:rPr lang="en-US" b="1" dirty="0"/>
+              <a:t>Attributes: </a:t>
+            </a:r>
+          </a:p>
+          <a:p>
+            <a:pPr marL="342900" indent="-342900">
+              <a:buFont typeface="Arial" panose="020B0604020202020204" pitchFamily="34" charset="0"/>
+              <a:buChar char="•"/>
+            </a:pPr>
+            <a:r>
+              <a:rPr lang="en-US" sz="1600" dirty="0"/>
+              <a:t>Population</a:t>
+            </a:r>
+          </a:p>
+          <a:p>
+            <a:pPr marL="342900" indent="-342900">
+              <a:buFont typeface="Arial" panose="020B0604020202020204" pitchFamily="34" charset="0"/>
+              <a:buChar char="•"/>
+            </a:pPr>
+            <a:r>
+              <a:rPr lang="en-US" sz="1600" dirty="0"/>
+              <a:t>Population under 18</a:t>
+            </a:r>
+          </a:p>
+          <a:p>
+            <a:pPr marL="342900" indent="-342900">
+              <a:buFont typeface="Arial" panose="020B0604020202020204" pitchFamily="34" charset="0"/>
+              <a:buChar char="•"/>
+            </a:pPr>
+            <a:r>
+              <a:rPr lang="en-US" sz="1600" dirty="0"/>
+              <a:t>Number of occupied housing units</a:t>
+            </a:r>
+          </a:p>
+          <a:p>
+            <a:pPr marL="342900" indent="-342900">
+              <a:buFont typeface="Arial" panose="020B0604020202020204" pitchFamily="34" charset="0"/>
+              <a:buChar char="•"/>
+            </a:pPr>
+            <a:r>
+              <a:rPr lang="en-US" sz="1600" dirty="0"/>
+              <a:t>Number of vacant housing units</a:t>
+            </a:r>
+          </a:p>
+          <a:p>
+            <a:r>
+              <a:rPr lang="en-US" sz="1600" b="1" dirty="0"/>
+              <a:t>Timeframe: </a:t>
+            </a:r>
+          </a:p>
+          <a:p>
+            <a:pPr marL="342900" indent="-342900">
+              <a:buFont typeface="Arial" panose="020B0604020202020204" pitchFamily="34" charset="0"/>
+              <a:buChar char="•"/>
+            </a:pPr>
+            <a:r>
+              <a:rPr lang="en-US" sz="1600" dirty="0"/>
+              <a:t>2020</a:t>
+            </a:r>
+          </a:p>
+          <a:p>
+            <a:endParaRPr lang="en-US" sz="1600" dirty="0"/>
+          </a:p>
+          <a:p>
+            <a:r>
+              <a:rPr lang="en-US" sz="1600" b="1" dirty="0"/>
+              <a:t>Source: </a:t>
+            </a:r>
+            <a:r>
+              <a:rPr lang="en-US" sz="1600" dirty="0">
+                <a:hlinkClick r:id="rId4"/>
+              </a:rPr>
+              <a:t>Link Here</a:t>
+            </a:r>
+            <a:endParaRPr lang="en-US" sz="1600" dirty="0"/>
+          </a:p>
+          <a:p>
+            <a:endParaRPr lang="en-US" sz="1600" dirty="0"/>
+          </a:p>
+        </p:txBody>
+      </p:sp>
+    </p:spTree>
+    <p:extLst>
+      <p:ext uri="{BB962C8B-B14F-4D97-AF65-F5344CB8AC3E}">
+        <p14:creationId xmlns:p14="http://schemas.microsoft.com/office/powerpoint/2010/main" val="1634980106"/>
+      </p:ext>
+    </p:extLst>
+  </p:cSld>
+  <p:clrMapOvr>
+    <a:masterClrMapping/>
+  </p:clrMapOvr>
+</p:sld>
+</file>
+
+<file path=ppt/slides/slide8.xml><?xml version="1.0" encoding="utf-8"?>
+<p:sld xmlns:a="http://schemas.openxmlformats.org/drawingml/2006/main" xmlns:r="http://schemas.openxmlformats.org/officeDocument/2006/relationships" xmlns:p="http://schemas.openxmlformats.org/presentationml/2006/main">
+  <p:cSld>
+    <p:spTree>
+      <p:nvGrpSpPr>
+        <p:cNvPr id="1" name=""/>
+        <p:cNvGrpSpPr/>
+        <p:nvPr/>
+      </p:nvGrpSpPr>
+      <p:grpSpPr>
+        <a:xfrm>
+          <a:off x="0" y="0"/>
+          <a:ext cx="0" cy="0"/>
+          <a:chOff x="0" y="0"/>
+          <a:chExt cx="0" cy="0"/>
+        </a:xfrm>
+      </p:grpSpPr>
+      <p:sp>
+        <p:nvSpPr>
+          <p:cNvPr id="2" name="Title 1">
+            <a:extLst>
+              <a:ext uri="{FF2B5EF4-FFF2-40B4-BE49-F238E27FC236}">
+                <a16:creationId xmlns:a16="http://schemas.microsoft.com/office/drawing/2014/main" id="{92A9B60F-7F68-48F6-9FB9-2CF291C61653}"/>
+              </a:ext>
+            </a:extLst>
+          </p:cNvPr>
+          <p:cNvSpPr>
+            <a:spLocks noGrp="1"/>
+          </p:cNvSpPr>
+          <p:nvPr>
+            <p:ph type="title"/>
+          </p:nvPr>
+        </p:nvSpPr>
+        <p:spPr/>
+        <p:txBody>
+          <a:bodyPr/>
+          <a:lstStyle/>
+          <a:p>
+            <a:r>
+              <a:rPr lang="en-US" dirty="0"/>
+              <a:t>Covid Data</a:t>
             </a:r>
           </a:p>
         </p:txBody>
@@ -14033,7 +19342,7 @@
     </p:spTree>
     <p:extLst>
       <p:ext uri="{BB962C8B-B14F-4D97-AF65-F5344CB8AC3E}">
-        <p14:creationId xmlns:p14="http://schemas.microsoft.com/office/powerpoint/2010/main" val="2637618212"/>
+        <p14:creationId xmlns:p14="http://schemas.microsoft.com/office/powerpoint/2010/main" val="3472992963"/>
       </p:ext>
     </p:extLst>
   </p:cSld>

--- a/Covid-19 and the NYC Apartment Market.pptx
+++ b/Covid-19 and the NYC Apartment Market.pptx
@@ -5,7 +5,7 @@
     <p:sldMasterId id="2147483799" r:id="rId1"/>
   </p:sldMasterIdLst>
   <p:notesMasterIdLst>
-    <p:notesMasterId r:id="rId10"/>
+    <p:notesMasterId r:id="rId14"/>
   </p:notesMasterIdLst>
   <p:sldIdLst>
     <p:sldId id="256" r:id="rId2"/>
@@ -16,6 +16,10 @@
     <p:sldId id="261" r:id="rId7"/>
     <p:sldId id="262" r:id="rId8"/>
     <p:sldId id="263" r:id="rId9"/>
+    <p:sldId id="264" r:id="rId10"/>
+    <p:sldId id="267" r:id="rId11"/>
+    <p:sldId id="266" r:id="rId12"/>
+    <p:sldId id="268" r:id="rId13"/>
   </p:sldIdLst>
   <p:sldSz cx="12192000" cy="6858000"/>
   <p:notesSz cx="6858000" cy="9144000"/>
@@ -125,7 +129,7 @@
 <file path=ppt/revisionInfo.xml><?xml version="1.0" encoding="utf-8"?>
 <p1510:revInfo xmlns:a="http://schemas.openxmlformats.org/drawingml/2006/main" xmlns:r="http://schemas.openxmlformats.org/officeDocument/2006/relationships" xmlns:p1510="http://schemas.microsoft.com/office/powerpoint/2015/10/main">
   <p1510:revLst>
-    <p1510:client id="{61313348-D28B-4C2B-88EF-82071CA11326}" v="12" dt="2021-10-15T19:36:21.266"/>
+    <p1510:client id="{61313348-D28B-4C2B-88EF-82071CA11326}" v="35" dt="2021-10-15T20:03:00.016"/>
   </p1510:revLst>
 </p1510:revInfo>
 </file>
@@ -134,11 +138,26 @@
 <pc:chgInfo xmlns:a="http://schemas.openxmlformats.org/drawingml/2006/main" xmlns:r="http://schemas.openxmlformats.org/officeDocument/2006/relationships" xmlns:ac="http://schemas.microsoft.com/office/drawing/2013/main/command" xmlns:pc="http://schemas.microsoft.com/office/powerpoint/2013/main/command">
   <pc:docChgLst>
     <pc:chgData name="jack copeland" userId="c1f67f945e5b5c42" providerId="LiveId" clId="{61313348-D28B-4C2B-88EF-82071CA11326}"/>
-    <pc:docChg chg="undo custSel addSld modSld sldOrd">
-      <pc:chgData name="jack copeland" userId="c1f67f945e5b5c42" providerId="LiveId" clId="{61313348-D28B-4C2B-88EF-82071CA11326}" dt="2021-10-15T19:36:32.879" v="600" actId="20577"/>
+    <pc:docChg chg="undo redo custSel addSld delSld modSld sldOrd">
+      <pc:chgData name="jack copeland" userId="c1f67f945e5b5c42" providerId="LiveId" clId="{61313348-D28B-4C2B-88EF-82071CA11326}" dt="2021-10-15T20:03:00.015" v="1833" actId="20577"/>
       <pc:docMkLst>
         <pc:docMk/>
       </pc:docMkLst>
+      <pc:sldChg chg="modSp">
+        <pc:chgData name="jack copeland" userId="c1f67f945e5b5c42" providerId="LiveId" clId="{61313348-D28B-4C2B-88EF-82071CA11326}" dt="2021-10-15T20:03:00.015" v="1833" actId="20577"/>
+        <pc:sldMkLst>
+          <pc:docMk/>
+          <pc:sldMk cId="2410825078" sldId="257"/>
+        </pc:sldMkLst>
+        <pc:graphicFrameChg chg="mod">
+          <ac:chgData name="jack copeland" userId="c1f67f945e5b5c42" providerId="LiveId" clId="{61313348-D28B-4C2B-88EF-82071CA11326}" dt="2021-10-15T20:03:00.015" v="1833" actId="20577"/>
+          <ac:graphicFrameMkLst>
+            <pc:docMk/>
+            <pc:sldMk cId="2410825078" sldId="257"/>
+            <ac:graphicFrameMk id="4" creationId="{3E6131AB-8164-4B6B-8E68-5AE0D422DE4B}"/>
+          </ac:graphicFrameMkLst>
+        </pc:graphicFrameChg>
+      </pc:sldChg>
       <pc:sldChg chg="addSp delSp modSp mod">
         <pc:chgData name="jack copeland" userId="c1f67f945e5b5c42" providerId="LiveId" clId="{61313348-D28B-4C2B-88EF-82071CA11326}" dt="2021-10-15T18:39:57.254" v="40" actId="1076"/>
         <pc:sldMkLst>
@@ -344,8 +363,8 @@
           </ac:picMkLst>
         </pc:picChg>
       </pc:sldChg>
-      <pc:sldChg chg="delSp modSp add mod">
-        <pc:chgData name="jack copeland" userId="c1f67f945e5b5c42" providerId="LiveId" clId="{61313348-D28B-4C2B-88EF-82071CA11326}" dt="2021-10-15T19:36:32.879" v="600" actId="20577"/>
+      <pc:sldChg chg="addSp delSp modSp add mod">
+        <pc:chgData name="jack copeland" userId="c1f67f945e5b5c42" providerId="LiveId" clId="{61313348-D28B-4C2B-88EF-82071CA11326}" dt="2021-10-15T19:42:24.577" v="954" actId="404"/>
         <pc:sldMkLst>
           <pc:docMk/>
           <pc:sldMk cId="3472992963" sldId="263"/>
@@ -372,6 +391,14 @@
             <pc:docMk/>
             <pc:sldMk cId="3472992963" sldId="263"/>
             <ac:spMk id="5" creationId="{3FACFDE9-4AB9-4A9F-960E-7C0140DA598C}"/>
+          </ac:spMkLst>
+        </pc:spChg>
+        <pc:spChg chg="add mod">
+          <ac:chgData name="jack copeland" userId="c1f67f945e5b5c42" providerId="LiveId" clId="{61313348-D28B-4C2B-88EF-82071CA11326}" dt="2021-10-15T19:42:24.577" v="954" actId="404"/>
+          <ac:spMkLst>
+            <pc:docMk/>
+            <pc:sldMk cId="3472992963" sldId="263"/>
+            <ac:spMk id="5" creationId="{B2E9AF01-269C-41F1-AE19-40DA7D48E507}"/>
           </ac:spMkLst>
         </pc:spChg>
         <pc:spChg chg="del">
@@ -430,6 +457,489 @@
             <ac:spMk id="21" creationId="{1EFBDC71-4252-491E-96B8-C1DE650265B5}"/>
           </ac:spMkLst>
         </pc:spChg>
+        <pc:picChg chg="add mod">
+          <ac:chgData name="jack copeland" userId="c1f67f945e5b5c42" providerId="LiveId" clId="{61313348-D28B-4C2B-88EF-82071CA11326}" dt="2021-10-15T19:39:53.687" v="610" actId="1076"/>
+          <ac:picMkLst>
+            <pc:docMk/>
+            <pc:sldMk cId="3472992963" sldId="263"/>
+            <ac:picMk id="4" creationId="{5BF8F774-5544-44EE-A728-A59B0D471603}"/>
+          </ac:picMkLst>
+        </pc:picChg>
+      </pc:sldChg>
+      <pc:sldChg chg="addSp modSp add mod">
+        <pc:chgData name="jack copeland" userId="c1f67f945e5b5c42" providerId="LiveId" clId="{61313348-D28B-4C2B-88EF-82071CA11326}" dt="2021-10-15T19:47:27.800" v="1340" actId="5793"/>
+        <pc:sldMkLst>
+          <pc:docMk/>
+          <pc:sldMk cId="2285805491" sldId="264"/>
+        </pc:sldMkLst>
+        <pc:spChg chg="mod">
+          <ac:chgData name="jack copeland" userId="c1f67f945e5b5c42" providerId="LiveId" clId="{61313348-D28B-4C2B-88EF-82071CA11326}" dt="2021-10-15T19:43:54.454" v="977" actId="20577"/>
+          <ac:spMkLst>
+            <pc:docMk/>
+            <pc:sldMk cId="2285805491" sldId="264"/>
+            <ac:spMk id="2" creationId="{92A9B60F-7F68-48F6-9FB9-2CF291C61653}"/>
+          </ac:spMkLst>
+        </pc:spChg>
+        <pc:spChg chg="mod">
+          <ac:chgData name="jack copeland" userId="c1f67f945e5b5c42" providerId="LiveId" clId="{61313348-D28B-4C2B-88EF-82071CA11326}" dt="2021-10-15T19:47:27.800" v="1340" actId="5793"/>
+          <ac:spMkLst>
+            <pc:docMk/>
+            <pc:sldMk cId="2285805491" sldId="264"/>
+            <ac:spMk id="5" creationId="{B2E9AF01-269C-41F1-AE19-40DA7D48E507}"/>
+          </ac:spMkLst>
+        </pc:spChg>
+        <pc:picChg chg="mod">
+          <ac:chgData name="jack copeland" userId="c1f67f945e5b5c42" providerId="LiveId" clId="{61313348-D28B-4C2B-88EF-82071CA11326}" dt="2021-10-15T19:45:25.528" v="978" actId="14826"/>
+          <ac:picMkLst>
+            <pc:docMk/>
+            <pc:sldMk cId="2285805491" sldId="264"/>
+            <ac:picMk id="4" creationId="{5BF8F774-5544-44EE-A728-A59B0D471603}"/>
+          </ac:picMkLst>
+        </pc:picChg>
+        <pc:cxnChg chg="add mod">
+          <ac:chgData name="jack copeland" userId="c1f67f945e5b5c42" providerId="LiveId" clId="{61313348-D28B-4C2B-88EF-82071CA11326}" dt="2021-10-15T19:46:10.774" v="985" actId="208"/>
+          <ac:cxnSpMkLst>
+            <pc:docMk/>
+            <pc:sldMk cId="2285805491" sldId="264"/>
+            <ac:cxnSpMk id="6" creationId="{7110F110-0206-4F8D-8B70-EEF84A281CF2}"/>
+          </ac:cxnSpMkLst>
+        </pc:cxnChg>
+      </pc:sldChg>
+      <pc:sldChg chg="add del">
+        <pc:chgData name="jack copeland" userId="c1f67f945e5b5c42" providerId="LiveId" clId="{61313348-D28B-4C2B-88EF-82071CA11326}" dt="2021-10-15T19:54:53.752" v="1460" actId="47"/>
+        <pc:sldMkLst>
+          <pc:docMk/>
+          <pc:sldMk cId="3198867209" sldId="265"/>
+        </pc:sldMkLst>
+      </pc:sldChg>
+      <pc:sldChg chg="addSp delSp modSp add mod setBg">
+        <pc:chgData name="jack copeland" userId="c1f67f945e5b5c42" providerId="LiveId" clId="{61313348-D28B-4C2B-88EF-82071CA11326}" dt="2021-10-15T19:59:05.837" v="1764" actId="1076"/>
+        <pc:sldMkLst>
+          <pc:docMk/>
+          <pc:sldMk cId="3937668167" sldId="266"/>
+        </pc:sldMkLst>
+        <pc:spChg chg="mod">
+          <ac:chgData name="jack copeland" userId="c1f67f945e5b5c42" providerId="LiveId" clId="{61313348-D28B-4C2B-88EF-82071CA11326}" dt="2021-10-15T19:53:06.178" v="1375" actId="26606"/>
+          <ac:spMkLst>
+            <pc:docMk/>
+            <pc:sldMk cId="3937668167" sldId="266"/>
+            <ac:spMk id="2" creationId="{92A9B60F-7F68-48F6-9FB9-2CF291C61653}"/>
+          </ac:spMkLst>
+        </pc:spChg>
+        <pc:spChg chg="del">
+          <ac:chgData name="jack copeland" userId="c1f67f945e5b5c42" providerId="LiveId" clId="{61313348-D28B-4C2B-88EF-82071CA11326}" dt="2021-10-15T19:51:20.783" v="1349" actId="478"/>
+          <ac:spMkLst>
+            <pc:docMk/>
+            <pc:sldMk cId="3937668167" sldId="266"/>
+            <ac:spMk id="5" creationId="{B2E9AF01-269C-41F1-AE19-40DA7D48E507}"/>
+          </ac:spMkLst>
+        </pc:spChg>
+        <pc:spChg chg="add del mod">
+          <ac:chgData name="jack copeland" userId="c1f67f945e5b5c42" providerId="LiveId" clId="{61313348-D28B-4C2B-88EF-82071CA11326}" dt="2021-10-15T19:55:53.470" v="1513" actId="478"/>
+          <ac:spMkLst>
+            <pc:docMk/>
+            <pc:sldMk cId="3937668167" sldId="266"/>
+            <ac:spMk id="8" creationId="{B0BA38DA-91D7-4AA3-AC6D-9C9CD8956C18}"/>
+          </ac:spMkLst>
+        </pc:spChg>
+        <pc:spChg chg="add del">
+          <ac:chgData name="jack copeland" userId="c1f67f945e5b5c42" providerId="LiveId" clId="{61313348-D28B-4C2B-88EF-82071CA11326}" dt="2021-10-15T19:52:48.308" v="1365" actId="26606"/>
+          <ac:spMkLst>
+            <pc:docMk/>
+            <pc:sldMk cId="3937668167" sldId="266"/>
+            <ac:spMk id="12" creationId="{BB2B8762-61F0-4F1B-9364-D633EE9D6AF5}"/>
+          </ac:spMkLst>
+        </pc:spChg>
+        <pc:spChg chg="add del">
+          <ac:chgData name="jack copeland" userId="c1f67f945e5b5c42" providerId="LiveId" clId="{61313348-D28B-4C2B-88EF-82071CA11326}" dt="2021-10-15T19:52:48.308" v="1365" actId="26606"/>
+          <ac:spMkLst>
+            <pc:docMk/>
+            <pc:sldMk cId="3937668167" sldId="266"/>
+            <ac:spMk id="14" creationId="{E97675C8-1328-460C-9EBF-6B446B67EAD3}"/>
+          </ac:spMkLst>
+        </pc:spChg>
+        <pc:spChg chg="add del">
+          <ac:chgData name="jack copeland" userId="c1f67f945e5b5c42" providerId="LiveId" clId="{61313348-D28B-4C2B-88EF-82071CA11326}" dt="2021-10-15T19:52:48.308" v="1365" actId="26606"/>
+          <ac:spMkLst>
+            <pc:docMk/>
+            <pc:sldMk cId="3937668167" sldId="266"/>
+            <ac:spMk id="18" creationId="{20136764-CEC5-462E-AEA9-4AA1CF15E312}"/>
+          </ac:spMkLst>
+        </pc:spChg>
+        <pc:spChg chg="add del">
+          <ac:chgData name="jack copeland" userId="c1f67f945e5b5c42" providerId="LiveId" clId="{61313348-D28B-4C2B-88EF-82071CA11326}" dt="2021-10-15T19:52:48.308" v="1365" actId="26606"/>
+          <ac:spMkLst>
+            <pc:docMk/>
+            <pc:sldMk cId="3937668167" sldId="266"/>
+            <ac:spMk id="20" creationId="{12E2F1EB-DD93-49F9-8F7D-3DE282902466}"/>
+          </ac:spMkLst>
+        </pc:spChg>
+        <pc:spChg chg="add del">
+          <ac:chgData name="jack copeland" userId="c1f67f945e5b5c42" providerId="LiveId" clId="{61313348-D28B-4C2B-88EF-82071CA11326}" dt="2021-10-15T19:52:48.308" v="1365" actId="26606"/>
+          <ac:spMkLst>
+            <pc:docMk/>
+            <pc:sldMk cId="3937668167" sldId="266"/>
+            <ac:spMk id="22" creationId="{10D82C66-EAC6-46C6-AC04-27A5632D486D}"/>
+          </ac:spMkLst>
+        </pc:spChg>
+        <pc:spChg chg="add del">
+          <ac:chgData name="jack copeland" userId="c1f67f945e5b5c42" providerId="LiveId" clId="{61313348-D28B-4C2B-88EF-82071CA11326}" dt="2021-10-15T19:52:48.308" v="1365" actId="26606"/>
+          <ac:spMkLst>
+            <pc:docMk/>
+            <pc:sldMk cId="3937668167" sldId="266"/>
+            <ac:spMk id="24" creationId="{DCF2CA89-CD8C-40CF-8273-C3FA6690BF77}"/>
+          </ac:spMkLst>
+        </pc:spChg>
+        <pc:spChg chg="add del">
+          <ac:chgData name="jack copeland" userId="c1f67f945e5b5c42" providerId="LiveId" clId="{61313348-D28B-4C2B-88EF-82071CA11326}" dt="2021-10-15T19:52:48.308" v="1365" actId="26606"/>
+          <ac:spMkLst>
+            <pc:docMk/>
+            <pc:sldMk cId="3937668167" sldId="266"/>
+            <ac:spMk id="26" creationId="{1A82F9E0-1CBD-4E82-B740-B329F65F5FB0}"/>
+          </ac:spMkLst>
+        </pc:spChg>
+        <pc:spChg chg="add del">
+          <ac:chgData name="jack copeland" userId="c1f67f945e5b5c42" providerId="LiveId" clId="{61313348-D28B-4C2B-88EF-82071CA11326}" dt="2021-10-15T19:52:48.308" v="1365" actId="26606"/>
+          <ac:spMkLst>
+            <pc:docMk/>
+            <pc:sldMk cId="3937668167" sldId="266"/>
+            <ac:spMk id="28" creationId="{38EE5F1E-8455-462D-8415-D85B2D4B9C9A}"/>
+          </ac:spMkLst>
+        </pc:spChg>
+        <pc:spChg chg="add del">
+          <ac:chgData name="jack copeland" userId="c1f67f945e5b5c42" providerId="LiveId" clId="{61313348-D28B-4C2B-88EF-82071CA11326}" dt="2021-10-15T19:52:48.308" v="1365" actId="26606"/>
+          <ac:spMkLst>
+            <pc:docMk/>
+            <pc:sldMk cId="3937668167" sldId="266"/>
+            <ac:spMk id="30" creationId="{5404E500-F0A1-42F1-8F1A-179948E39571}"/>
+          </ac:spMkLst>
+        </pc:spChg>
+        <pc:spChg chg="add del">
+          <ac:chgData name="jack copeland" userId="c1f67f945e5b5c42" providerId="LiveId" clId="{61313348-D28B-4C2B-88EF-82071CA11326}" dt="2021-10-15T19:52:51.053" v="1367" actId="26606"/>
+          <ac:spMkLst>
+            <pc:docMk/>
+            <pc:sldMk cId="3937668167" sldId="266"/>
+            <ac:spMk id="32" creationId="{BB2B8762-61F0-4F1B-9364-D633EE9D6AF5}"/>
+          </ac:spMkLst>
+        </pc:spChg>
+        <pc:spChg chg="add del">
+          <ac:chgData name="jack copeland" userId="c1f67f945e5b5c42" providerId="LiveId" clId="{61313348-D28B-4C2B-88EF-82071CA11326}" dt="2021-10-15T19:52:51.053" v="1367" actId="26606"/>
+          <ac:spMkLst>
+            <pc:docMk/>
+            <pc:sldMk cId="3937668167" sldId="266"/>
+            <ac:spMk id="33" creationId="{E97675C8-1328-460C-9EBF-6B446B67EAD3}"/>
+          </ac:spMkLst>
+        </pc:spChg>
+        <pc:spChg chg="add del">
+          <ac:chgData name="jack copeland" userId="c1f67f945e5b5c42" providerId="LiveId" clId="{61313348-D28B-4C2B-88EF-82071CA11326}" dt="2021-10-15T19:52:51.053" v="1367" actId="26606"/>
+          <ac:spMkLst>
+            <pc:docMk/>
+            <pc:sldMk cId="3937668167" sldId="266"/>
+            <ac:spMk id="35" creationId="{2AD83CFE-1CA3-4832-A4B9-C48CD1347C03}"/>
+          </ac:spMkLst>
+        </pc:spChg>
+        <pc:spChg chg="add del">
+          <ac:chgData name="jack copeland" userId="c1f67f945e5b5c42" providerId="LiveId" clId="{61313348-D28B-4C2B-88EF-82071CA11326}" dt="2021-10-15T19:52:51.053" v="1367" actId="26606"/>
+          <ac:spMkLst>
+            <pc:docMk/>
+            <pc:sldMk cId="3937668167" sldId="266"/>
+            <ac:spMk id="36" creationId="{BC98641C-7F74-435D-996F-A4387A3C3C26}"/>
+          </ac:spMkLst>
+        </pc:spChg>
+        <pc:spChg chg="add del">
+          <ac:chgData name="jack copeland" userId="c1f67f945e5b5c42" providerId="LiveId" clId="{61313348-D28B-4C2B-88EF-82071CA11326}" dt="2021-10-15T19:52:51.053" v="1367" actId="26606"/>
+          <ac:spMkLst>
+            <pc:docMk/>
+            <pc:sldMk cId="3937668167" sldId="266"/>
+            <ac:spMk id="37" creationId="{F530C0F6-C8DF-4539-B30C-8105DB618C20}"/>
+          </ac:spMkLst>
+        </pc:spChg>
+        <pc:spChg chg="add del">
+          <ac:chgData name="jack copeland" userId="c1f67f945e5b5c42" providerId="LiveId" clId="{61313348-D28B-4C2B-88EF-82071CA11326}" dt="2021-10-15T19:52:51.053" v="1367" actId="26606"/>
+          <ac:spMkLst>
+            <pc:docMk/>
+            <pc:sldMk cId="3937668167" sldId="266"/>
+            <ac:spMk id="38" creationId="{BAE51241-AA8B-4B82-9C59-6738DB85674C}"/>
+          </ac:spMkLst>
+        </pc:spChg>
+        <pc:spChg chg="add mod">
+          <ac:chgData name="jack copeland" userId="c1f67f945e5b5c42" providerId="LiveId" clId="{61313348-D28B-4C2B-88EF-82071CA11326}" dt="2021-10-15T19:59:05.837" v="1764" actId="1076"/>
+          <ac:spMkLst>
+            <pc:docMk/>
+            <pc:sldMk cId="3937668167" sldId="266"/>
+            <ac:spMk id="39" creationId="{7DCC5B35-660B-48B1-B480-FE9EA1C104AC}"/>
+          </ac:spMkLst>
+        </pc:spChg>
+        <pc:spChg chg="add del">
+          <ac:chgData name="jack copeland" userId="c1f67f945e5b5c42" providerId="LiveId" clId="{61313348-D28B-4C2B-88EF-82071CA11326}" dt="2021-10-15T19:53:06.178" v="1375" actId="26606"/>
+          <ac:spMkLst>
+            <pc:docMk/>
+            <pc:sldMk cId="3937668167" sldId="266"/>
+            <ac:spMk id="40" creationId="{BB2B8762-61F0-4F1B-9364-D633EE9D6AF5}"/>
+          </ac:spMkLst>
+        </pc:spChg>
+        <pc:spChg chg="add del">
+          <ac:chgData name="jack copeland" userId="c1f67f945e5b5c42" providerId="LiveId" clId="{61313348-D28B-4C2B-88EF-82071CA11326}" dt="2021-10-15T19:53:06.178" v="1375" actId="26606"/>
+          <ac:spMkLst>
+            <pc:docMk/>
+            <pc:sldMk cId="3937668167" sldId="266"/>
+            <ac:spMk id="41" creationId="{E97675C8-1328-460C-9EBF-6B446B67EAD3}"/>
+          </ac:spMkLst>
+        </pc:spChg>
+        <pc:spChg chg="add del">
+          <ac:chgData name="jack copeland" userId="c1f67f945e5b5c42" providerId="LiveId" clId="{61313348-D28B-4C2B-88EF-82071CA11326}" dt="2021-10-15T19:53:06.178" v="1375" actId="26606"/>
+          <ac:spMkLst>
+            <pc:docMk/>
+            <pc:sldMk cId="3937668167" sldId="266"/>
+            <ac:spMk id="43" creationId="{C6417104-D4C1-4710-9982-2154A7F48492}"/>
+          </ac:spMkLst>
+        </pc:spChg>
+        <pc:spChg chg="add del">
+          <ac:chgData name="jack copeland" userId="c1f67f945e5b5c42" providerId="LiveId" clId="{61313348-D28B-4C2B-88EF-82071CA11326}" dt="2021-10-15T19:53:06.178" v="1375" actId="26606"/>
+          <ac:spMkLst>
+            <pc:docMk/>
+            <pc:sldMk cId="3937668167" sldId="266"/>
+            <ac:spMk id="44" creationId="{626F1402-2DEC-4071-84AF-350C7BF00D43}"/>
+          </ac:spMkLst>
+        </pc:spChg>
+        <pc:spChg chg="add del">
+          <ac:chgData name="jack copeland" userId="c1f67f945e5b5c42" providerId="LiveId" clId="{61313348-D28B-4C2B-88EF-82071CA11326}" dt="2021-10-15T19:53:06.178" v="1375" actId="26606"/>
+          <ac:spMkLst>
+            <pc:docMk/>
+            <pc:sldMk cId="3937668167" sldId="266"/>
+            <ac:spMk id="46" creationId="{DA52A394-10F4-4AA5-90E4-634D1E919DBA}"/>
+          </ac:spMkLst>
+        </pc:spChg>
+        <pc:spChg chg="add del">
+          <ac:chgData name="jack copeland" userId="c1f67f945e5b5c42" providerId="LiveId" clId="{61313348-D28B-4C2B-88EF-82071CA11326}" dt="2021-10-15T19:53:06.178" v="1375" actId="26606"/>
+          <ac:spMkLst>
+            <pc:docMk/>
+            <pc:sldMk cId="3937668167" sldId="266"/>
+            <ac:spMk id="47" creationId="{07BDDC51-8BB2-42BE-8EA8-39B3E9AC1EF6}"/>
+          </ac:spMkLst>
+        </pc:spChg>
+        <pc:spChg chg="add mod">
+          <ac:chgData name="jack copeland" userId="c1f67f945e5b5c42" providerId="LiveId" clId="{61313348-D28B-4C2B-88EF-82071CA11326}" dt="2021-10-15T19:59:01.704" v="1762" actId="1076"/>
+          <ac:spMkLst>
+            <pc:docMk/>
+            <pc:sldMk cId="3937668167" sldId="266"/>
+            <ac:spMk id="49" creationId="{371C004D-6EFA-4601-9F34-A6BEA448D4FB}"/>
+          </ac:spMkLst>
+        </pc:spChg>
+        <pc:picChg chg="add del mod">
+          <ac:chgData name="jack copeland" userId="c1f67f945e5b5c42" providerId="LiveId" clId="{61313348-D28B-4C2B-88EF-82071CA11326}" dt="2021-10-15T19:55:52.408" v="1512" actId="478"/>
+          <ac:picMkLst>
+            <pc:docMk/>
+            <pc:sldMk cId="3937668167" sldId="266"/>
+            <ac:picMk id="4" creationId="{5BF8F774-5544-44EE-A728-A59B0D471603}"/>
+          </ac:picMkLst>
+        </pc:picChg>
+        <pc:picChg chg="add mod">
+          <ac:chgData name="jack copeland" userId="c1f67f945e5b5c42" providerId="LiveId" clId="{61313348-D28B-4C2B-88EF-82071CA11326}" dt="2021-10-15T19:59:03.213" v="1763" actId="1076"/>
+          <ac:picMkLst>
+            <pc:docMk/>
+            <pc:sldMk cId="3937668167" sldId="266"/>
+            <ac:picMk id="7" creationId="{0EEEFFFE-362A-42AF-B2A2-FD58FAE57F09}"/>
+          </ac:picMkLst>
+        </pc:picChg>
+        <pc:picChg chg="add mod">
+          <ac:chgData name="jack copeland" userId="c1f67f945e5b5c42" providerId="LiveId" clId="{61313348-D28B-4C2B-88EF-82071CA11326}" dt="2021-10-15T19:58:59.943" v="1761" actId="1076"/>
+          <ac:picMkLst>
+            <pc:docMk/>
+            <pc:sldMk cId="3937668167" sldId="266"/>
+            <ac:picMk id="48" creationId="{4F858A45-48DC-4EDC-8377-97E9A5ECD36B}"/>
+          </ac:picMkLst>
+        </pc:picChg>
+        <pc:cxnChg chg="add del">
+          <ac:chgData name="jack copeland" userId="c1f67f945e5b5c42" providerId="LiveId" clId="{61313348-D28B-4C2B-88EF-82071CA11326}" dt="2021-10-15T19:51:00.966" v="1347" actId="478"/>
+          <ac:cxnSpMkLst>
+            <pc:docMk/>
+            <pc:sldMk cId="3937668167" sldId="266"/>
+            <ac:cxnSpMk id="6" creationId="{7110F110-0206-4F8D-8B70-EEF84A281CF2}"/>
+          </ac:cxnSpMkLst>
+        </pc:cxnChg>
+        <pc:cxnChg chg="add del">
+          <ac:chgData name="jack copeland" userId="c1f67f945e5b5c42" providerId="LiveId" clId="{61313348-D28B-4C2B-88EF-82071CA11326}" dt="2021-10-15T19:52:48.308" v="1365" actId="26606"/>
+          <ac:cxnSpMkLst>
+            <pc:docMk/>
+            <pc:sldMk cId="3937668167" sldId="266"/>
+            <ac:cxnSpMk id="16" creationId="{514EE78B-AF71-4195-A01B-F1165D9233BF}"/>
+          </ac:cxnSpMkLst>
+        </pc:cxnChg>
+        <pc:cxnChg chg="add del">
+          <ac:chgData name="jack copeland" userId="c1f67f945e5b5c42" providerId="LiveId" clId="{61313348-D28B-4C2B-88EF-82071CA11326}" dt="2021-10-15T19:52:51.053" v="1367" actId="26606"/>
+          <ac:cxnSpMkLst>
+            <pc:docMk/>
+            <pc:sldMk cId="3937668167" sldId="266"/>
+            <ac:cxnSpMk id="34" creationId="{514EE78B-AF71-4195-A01B-F1165D9233BF}"/>
+          </ac:cxnSpMkLst>
+        </pc:cxnChg>
+        <pc:cxnChg chg="add del">
+          <ac:chgData name="jack copeland" userId="c1f67f945e5b5c42" providerId="LiveId" clId="{61313348-D28B-4C2B-88EF-82071CA11326}" dt="2021-10-15T19:53:06.178" v="1375" actId="26606"/>
+          <ac:cxnSpMkLst>
+            <pc:docMk/>
+            <pc:sldMk cId="3937668167" sldId="266"/>
+            <ac:cxnSpMk id="42" creationId="{514EE78B-AF71-4195-A01B-F1165D9233BF}"/>
+          </ac:cxnSpMkLst>
+        </pc:cxnChg>
+        <pc:cxnChg chg="add del">
+          <ac:chgData name="jack copeland" userId="c1f67f945e5b5c42" providerId="LiveId" clId="{61313348-D28B-4C2B-88EF-82071CA11326}" dt="2021-10-15T19:53:06.178" v="1375" actId="26606"/>
+          <ac:cxnSpMkLst>
+            <pc:docMk/>
+            <pc:sldMk cId="3937668167" sldId="266"/>
+            <ac:cxnSpMk id="45" creationId="{04733B62-1719-4677-A612-CA0AC0AD7482}"/>
+          </ac:cxnSpMkLst>
+        </pc:cxnChg>
+      </pc:sldChg>
+      <pc:sldChg chg="delSp modSp add mod">
+        <pc:chgData name="jack copeland" userId="c1f67f945e5b5c42" providerId="LiveId" clId="{61313348-D28B-4C2B-88EF-82071CA11326}" dt="2021-10-15T19:58:52.567" v="1760" actId="20577"/>
+        <pc:sldMkLst>
+          <pc:docMk/>
+          <pc:sldMk cId="4074031005" sldId="267"/>
+        </pc:sldMkLst>
+        <pc:spChg chg="mod">
+          <ac:chgData name="jack copeland" userId="c1f67f945e5b5c42" providerId="LiveId" clId="{61313348-D28B-4C2B-88EF-82071CA11326}" dt="2021-10-15T19:58:52.567" v="1760" actId="20577"/>
+          <ac:spMkLst>
+            <pc:docMk/>
+            <pc:sldMk cId="4074031005" sldId="267"/>
+            <ac:spMk id="5" creationId="{B2E9AF01-269C-41F1-AE19-40DA7D48E507}"/>
+          </ac:spMkLst>
+        </pc:spChg>
+        <pc:picChg chg="mod">
+          <ac:chgData name="jack copeland" userId="c1f67f945e5b5c42" providerId="LiveId" clId="{61313348-D28B-4C2B-88EF-82071CA11326}" dt="2021-10-15T19:57:57.294" v="1556" actId="14826"/>
+          <ac:picMkLst>
+            <pc:docMk/>
+            <pc:sldMk cId="4074031005" sldId="267"/>
+            <ac:picMk id="4" creationId="{5BF8F774-5544-44EE-A728-A59B0D471603}"/>
+          </ac:picMkLst>
+        </pc:picChg>
+        <pc:cxnChg chg="del">
+          <ac:chgData name="jack copeland" userId="c1f67f945e5b5c42" providerId="LiveId" clId="{61313348-D28B-4C2B-88EF-82071CA11326}" dt="2021-10-15T19:58:00.302" v="1557" actId="478"/>
+          <ac:cxnSpMkLst>
+            <pc:docMk/>
+            <pc:sldMk cId="4074031005" sldId="267"/>
+            <ac:cxnSpMk id="6" creationId="{7110F110-0206-4F8D-8B70-EEF84A281CF2}"/>
+          </ac:cxnSpMkLst>
+        </pc:cxnChg>
+      </pc:sldChg>
+      <pc:sldChg chg="addSp delSp modSp add mod setBg">
+        <pc:chgData name="jack copeland" userId="c1f67f945e5b5c42" providerId="LiveId" clId="{61313348-D28B-4C2B-88EF-82071CA11326}" dt="2021-10-15T20:02:09.486" v="1828" actId="20577"/>
+        <pc:sldMkLst>
+          <pc:docMk/>
+          <pc:sldMk cId="2398329897" sldId="268"/>
+        </pc:sldMkLst>
+        <pc:spChg chg="mod">
+          <ac:chgData name="jack copeland" userId="c1f67f945e5b5c42" providerId="LiveId" clId="{61313348-D28B-4C2B-88EF-82071CA11326}" dt="2021-10-15T20:01:10.436" v="1812" actId="1076"/>
+          <ac:spMkLst>
+            <pc:docMk/>
+            <pc:sldMk cId="2398329897" sldId="268"/>
+            <ac:spMk id="2" creationId="{92A9B60F-7F68-48F6-9FB9-2CF291C61653}"/>
+          </ac:spMkLst>
+        </pc:spChg>
+        <pc:spChg chg="add mod ord">
+          <ac:chgData name="jack copeland" userId="c1f67f945e5b5c42" providerId="LiveId" clId="{61313348-D28B-4C2B-88EF-82071CA11326}" dt="2021-10-15T20:01:42.441" v="1819" actId="167"/>
+          <ac:spMkLst>
+            <pc:docMk/>
+            <pc:sldMk cId="2398329897" sldId="268"/>
+            <ac:spMk id="5" creationId="{94338BE7-D0DC-4348-B863-E0C1E46E2508}"/>
+          </ac:spMkLst>
+        </pc:spChg>
+        <pc:spChg chg="add del">
+          <ac:chgData name="jack copeland" userId="c1f67f945e5b5c42" providerId="LiveId" clId="{61313348-D28B-4C2B-88EF-82071CA11326}" dt="2021-10-15T20:01:00.418" v="1807" actId="26606"/>
+          <ac:spMkLst>
+            <pc:docMk/>
+            <pc:sldMk cId="2398329897" sldId="268"/>
+            <ac:spMk id="9" creationId="{25C8D2C1-DA83-420D-9635-D52CE066B5DA}"/>
+          </ac:spMkLst>
+        </pc:spChg>
+        <pc:spChg chg="add del">
+          <ac:chgData name="jack copeland" userId="c1f67f945e5b5c42" providerId="LiveId" clId="{61313348-D28B-4C2B-88EF-82071CA11326}" dt="2021-10-15T20:01:00.418" v="1807" actId="26606"/>
+          <ac:spMkLst>
+            <pc:docMk/>
+            <pc:sldMk cId="2398329897" sldId="268"/>
+            <ac:spMk id="11" creationId="{434F74C9-6A0B-409E-AD1C-45B58BE91BB8}"/>
+          </ac:spMkLst>
+        </pc:spChg>
+        <pc:spChg chg="add del">
+          <ac:chgData name="jack copeland" userId="c1f67f945e5b5c42" providerId="LiveId" clId="{61313348-D28B-4C2B-88EF-82071CA11326}" dt="2021-10-15T20:01:00.418" v="1807" actId="26606"/>
+          <ac:spMkLst>
+            <pc:docMk/>
+            <pc:sldMk cId="2398329897" sldId="268"/>
+            <ac:spMk id="15" creationId="{90AA6468-80AC-4DDF-9CFB-C7A9507E203F}"/>
+          </ac:spMkLst>
+        </pc:spChg>
+        <pc:spChg chg="add del">
+          <ac:chgData name="jack copeland" userId="c1f67f945e5b5c42" providerId="LiveId" clId="{61313348-D28B-4C2B-88EF-82071CA11326}" dt="2021-10-15T20:01:00.418" v="1807" actId="26606"/>
+          <ac:spMkLst>
+            <pc:docMk/>
+            <pc:sldMk cId="2398329897" sldId="268"/>
+            <ac:spMk id="17" creationId="{4AB900CC-5074-4746-A1A4-AF640455BD43}"/>
+          </ac:spMkLst>
+        </pc:spChg>
+        <pc:spChg chg="add mod">
+          <ac:chgData name="jack copeland" userId="c1f67f945e5b5c42" providerId="LiveId" clId="{61313348-D28B-4C2B-88EF-82071CA11326}" dt="2021-10-15T20:02:09.486" v="1828" actId="20577"/>
+          <ac:spMkLst>
+            <pc:docMk/>
+            <pc:sldMk cId="2398329897" sldId="268"/>
+            <ac:spMk id="18" creationId="{D9EBEAEA-2A8A-40C4-8E55-39AB8DDC4052}"/>
+          </ac:spMkLst>
+        </pc:spChg>
+        <pc:spChg chg="del">
+          <ac:chgData name="jack copeland" userId="c1f67f945e5b5c42" providerId="LiveId" clId="{61313348-D28B-4C2B-88EF-82071CA11326}" dt="2021-10-15T20:00:36.150" v="1800" actId="478"/>
+          <ac:spMkLst>
+            <pc:docMk/>
+            <pc:sldMk cId="2398329897" sldId="268"/>
+            <ac:spMk id="39" creationId="{7DCC5B35-660B-48B1-B480-FE9EA1C104AC}"/>
+          </ac:spMkLst>
+        </pc:spChg>
+        <pc:spChg chg="del">
+          <ac:chgData name="jack copeland" userId="c1f67f945e5b5c42" providerId="LiveId" clId="{61313348-D28B-4C2B-88EF-82071CA11326}" dt="2021-10-15T20:00:36.150" v="1800" actId="478"/>
+          <ac:spMkLst>
+            <pc:docMk/>
+            <pc:sldMk cId="2398329897" sldId="268"/>
+            <ac:spMk id="49" creationId="{371C004D-6EFA-4601-9F34-A6BEA448D4FB}"/>
+          </ac:spMkLst>
+        </pc:spChg>
+        <pc:picChg chg="add mod">
+          <ac:chgData name="jack copeland" userId="c1f67f945e5b5c42" providerId="LiveId" clId="{61313348-D28B-4C2B-88EF-82071CA11326}" dt="2021-10-15T20:01:51.593" v="1823" actId="208"/>
+          <ac:picMkLst>
+            <pc:docMk/>
+            <pc:sldMk cId="2398329897" sldId="268"/>
+            <ac:picMk id="4" creationId="{44F94718-B425-42CB-AC4C-3B4E82CB53B7}"/>
+          </ac:picMkLst>
+        </pc:picChg>
+        <pc:picChg chg="del">
+          <ac:chgData name="jack copeland" userId="c1f67f945e5b5c42" providerId="LiveId" clId="{61313348-D28B-4C2B-88EF-82071CA11326}" dt="2021-10-15T20:00:34.078" v="1799" actId="478"/>
+          <ac:picMkLst>
+            <pc:docMk/>
+            <pc:sldMk cId="2398329897" sldId="268"/>
+            <ac:picMk id="7" creationId="{0EEEFFFE-362A-42AF-B2A2-FD58FAE57F09}"/>
+          </ac:picMkLst>
+        </pc:picChg>
+        <pc:picChg chg="del">
+          <ac:chgData name="jack copeland" userId="c1f67f945e5b5c42" providerId="LiveId" clId="{61313348-D28B-4C2B-88EF-82071CA11326}" dt="2021-10-15T20:00:34.078" v="1799" actId="478"/>
+          <ac:picMkLst>
+            <pc:docMk/>
+            <pc:sldMk cId="2398329897" sldId="268"/>
+            <ac:picMk id="48" creationId="{4F858A45-48DC-4EDC-8377-97E9A5ECD36B}"/>
+          </ac:picMkLst>
+        </pc:picChg>
+        <pc:cxnChg chg="add">
+          <ac:chgData name="jack copeland" userId="c1f67f945e5b5c42" providerId="LiveId" clId="{61313348-D28B-4C2B-88EF-82071CA11326}" dt="2021-10-15T20:01:37.288" v="1817" actId="11529"/>
+          <ac:cxnSpMkLst>
+            <pc:docMk/>
+            <pc:sldMk cId="2398329897" sldId="268"/>
+            <ac:cxnSpMk id="8" creationId="{759EAF15-9400-4679-BEE9-A871E43327B8}"/>
+          </ac:cxnSpMkLst>
+        </pc:cxnChg>
+        <pc:cxnChg chg="add del">
+          <ac:chgData name="jack copeland" userId="c1f67f945e5b5c42" providerId="LiveId" clId="{61313348-D28B-4C2B-88EF-82071CA11326}" dt="2021-10-15T20:01:00.418" v="1807" actId="26606"/>
+          <ac:cxnSpMkLst>
+            <pc:docMk/>
+            <pc:sldMk cId="2398329897" sldId="268"/>
+            <ac:cxnSpMk id="13" creationId="{F5486A9D-1265-4B57-91E6-68E666B978BC}"/>
+          </ac:cxnSpMkLst>
+        </pc:cxnChg>
       </pc:sldChg>
     </pc:docChg>
   </pc:docChgLst>
@@ -2736,7 +3246,7 @@
         <a:p>
           <a:r>
             <a:rPr lang="en-US" dirty="0"/>
-            <a:t>Research Question/Results</a:t>
+            <a:t>Research Question</a:t>
           </a:r>
         </a:p>
       </dgm:t>
@@ -3984,7 +4494,7 @@
           </a:pPr>
           <a:r>
             <a:rPr lang="en-US" sz="2600" kern="1200" dirty="0"/>
-            <a:t>Research Question/Results</a:t>
+            <a:t>Research Question</a:t>
           </a:r>
         </a:p>
       </dsp:txBody>
@@ -13055,6 +13565,342 @@
 </p:notesMaster>
 </file>
 
+<file path=ppt/notesSlides/notesSlide1.xml><?xml version="1.0" encoding="utf-8"?>
+<p:notes xmlns:a="http://schemas.openxmlformats.org/drawingml/2006/main" xmlns:r="http://schemas.openxmlformats.org/officeDocument/2006/relationships" xmlns:p="http://schemas.openxmlformats.org/presentationml/2006/main">
+  <p:cSld>
+    <p:spTree>
+      <p:nvGrpSpPr>
+        <p:cNvPr id="1" name=""/>
+        <p:cNvGrpSpPr/>
+        <p:nvPr/>
+      </p:nvGrpSpPr>
+      <p:grpSpPr>
+        <a:xfrm>
+          <a:off x="0" y="0"/>
+          <a:ext cx="0" cy="0"/>
+          <a:chOff x="0" y="0"/>
+          <a:chExt cx="0" cy="0"/>
+        </a:xfrm>
+      </p:grpSpPr>
+      <p:sp>
+        <p:nvSpPr>
+          <p:cNvPr id="2" name="Slide Image Placeholder 1"/>
+          <p:cNvSpPr>
+            <a:spLocks noGrp="1" noRot="1" noChangeAspect="1"/>
+          </p:cNvSpPr>
+          <p:nvPr>
+            <p:ph type="sldImg"/>
+          </p:nvPr>
+        </p:nvSpPr>
+        <p:spPr/>
+      </p:sp>
+      <p:sp>
+        <p:nvSpPr>
+          <p:cNvPr id="3" name="Notes Placeholder 2"/>
+          <p:cNvSpPr>
+            <a:spLocks noGrp="1"/>
+          </p:cNvSpPr>
+          <p:nvPr>
+            <p:ph type="body" idx="1"/>
+          </p:nvPr>
+        </p:nvSpPr>
+        <p:spPr/>
+        <p:txBody>
+          <a:bodyPr/>
+          <a:lstStyle/>
+          <a:p>
+            <a:endParaRPr lang="en-US" dirty="0"/>
+          </a:p>
+        </p:txBody>
+      </p:sp>
+      <p:sp>
+        <p:nvSpPr>
+          <p:cNvPr id="4" name="Slide Number Placeholder 3"/>
+          <p:cNvSpPr>
+            <a:spLocks noGrp="1"/>
+          </p:cNvSpPr>
+          <p:nvPr>
+            <p:ph type="sldNum" sz="quarter" idx="5"/>
+          </p:nvPr>
+        </p:nvSpPr>
+        <p:spPr/>
+        <p:txBody>
+          <a:bodyPr/>
+          <a:lstStyle/>
+          <a:p>
+            <a:fld id="{302C64B7-96AE-4C1F-AFF5-ACD431C321CF}" type="slidenum">
+              <a:rPr lang="en-US" smtClean="0"/>
+              <a:t>9</a:t>
+            </a:fld>
+            <a:endParaRPr lang="en-US"/>
+          </a:p>
+        </p:txBody>
+      </p:sp>
+    </p:spTree>
+    <p:extLst>
+      <p:ext uri="{BB962C8B-B14F-4D97-AF65-F5344CB8AC3E}">
+        <p14:creationId xmlns:p14="http://schemas.microsoft.com/office/powerpoint/2010/main" val="1038184211"/>
+      </p:ext>
+    </p:extLst>
+  </p:cSld>
+  <p:clrMapOvr>
+    <a:masterClrMapping/>
+  </p:clrMapOvr>
+</p:notes>
+</file>
+
+<file path=ppt/notesSlides/notesSlide2.xml><?xml version="1.0" encoding="utf-8"?>
+<p:notes xmlns:a="http://schemas.openxmlformats.org/drawingml/2006/main" xmlns:r="http://schemas.openxmlformats.org/officeDocument/2006/relationships" xmlns:p="http://schemas.openxmlformats.org/presentationml/2006/main">
+  <p:cSld>
+    <p:spTree>
+      <p:nvGrpSpPr>
+        <p:cNvPr id="1" name=""/>
+        <p:cNvGrpSpPr/>
+        <p:nvPr/>
+      </p:nvGrpSpPr>
+      <p:grpSpPr>
+        <a:xfrm>
+          <a:off x="0" y="0"/>
+          <a:ext cx="0" cy="0"/>
+          <a:chOff x="0" y="0"/>
+          <a:chExt cx="0" cy="0"/>
+        </a:xfrm>
+      </p:grpSpPr>
+      <p:sp>
+        <p:nvSpPr>
+          <p:cNvPr id="2" name="Slide Image Placeholder 1"/>
+          <p:cNvSpPr>
+            <a:spLocks noGrp="1" noRot="1" noChangeAspect="1"/>
+          </p:cNvSpPr>
+          <p:nvPr>
+            <p:ph type="sldImg"/>
+          </p:nvPr>
+        </p:nvSpPr>
+        <p:spPr/>
+      </p:sp>
+      <p:sp>
+        <p:nvSpPr>
+          <p:cNvPr id="3" name="Notes Placeholder 2"/>
+          <p:cNvSpPr>
+            <a:spLocks noGrp="1"/>
+          </p:cNvSpPr>
+          <p:nvPr>
+            <p:ph type="body" idx="1"/>
+          </p:nvPr>
+        </p:nvSpPr>
+        <p:spPr/>
+        <p:txBody>
+          <a:bodyPr/>
+          <a:lstStyle/>
+          <a:p>
+            <a:endParaRPr lang="en-US" dirty="0"/>
+          </a:p>
+        </p:txBody>
+      </p:sp>
+      <p:sp>
+        <p:nvSpPr>
+          <p:cNvPr id="4" name="Slide Number Placeholder 3"/>
+          <p:cNvSpPr>
+            <a:spLocks noGrp="1"/>
+          </p:cNvSpPr>
+          <p:nvPr>
+            <p:ph type="sldNum" sz="quarter" idx="5"/>
+          </p:nvPr>
+        </p:nvSpPr>
+        <p:spPr/>
+        <p:txBody>
+          <a:bodyPr/>
+          <a:lstStyle/>
+          <a:p>
+            <a:fld id="{302C64B7-96AE-4C1F-AFF5-ACD431C321CF}" type="slidenum">
+              <a:rPr lang="en-US" smtClean="0"/>
+              <a:t>10</a:t>
+            </a:fld>
+            <a:endParaRPr lang="en-US"/>
+          </a:p>
+        </p:txBody>
+      </p:sp>
+    </p:spTree>
+    <p:extLst>
+      <p:ext uri="{BB962C8B-B14F-4D97-AF65-F5344CB8AC3E}">
+        <p14:creationId xmlns:p14="http://schemas.microsoft.com/office/powerpoint/2010/main" val="3498044902"/>
+      </p:ext>
+    </p:extLst>
+  </p:cSld>
+  <p:clrMapOvr>
+    <a:masterClrMapping/>
+  </p:clrMapOvr>
+</p:notes>
+</file>
+
+<file path=ppt/notesSlides/notesSlide3.xml><?xml version="1.0" encoding="utf-8"?>
+<p:notes xmlns:a="http://schemas.openxmlformats.org/drawingml/2006/main" xmlns:r="http://schemas.openxmlformats.org/officeDocument/2006/relationships" xmlns:p="http://schemas.openxmlformats.org/presentationml/2006/main">
+  <p:cSld>
+    <p:spTree>
+      <p:nvGrpSpPr>
+        <p:cNvPr id="1" name=""/>
+        <p:cNvGrpSpPr/>
+        <p:nvPr/>
+      </p:nvGrpSpPr>
+      <p:grpSpPr>
+        <a:xfrm>
+          <a:off x="0" y="0"/>
+          <a:ext cx="0" cy="0"/>
+          <a:chOff x="0" y="0"/>
+          <a:chExt cx="0" cy="0"/>
+        </a:xfrm>
+      </p:grpSpPr>
+      <p:sp>
+        <p:nvSpPr>
+          <p:cNvPr id="2" name="Slide Image Placeholder 1"/>
+          <p:cNvSpPr>
+            <a:spLocks noGrp="1" noRot="1" noChangeAspect="1"/>
+          </p:cNvSpPr>
+          <p:nvPr>
+            <p:ph type="sldImg"/>
+          </p:nvPr>
+        </p:nvSpPr>
+        <p:spPr/>
+      </p:sp>
+      <p:sp>
+        <p:nvSpPr>
+          <p:cNvPr id="3" name="Notes Placeholder 2"/>
+          <p:cNvSpPr>
+            <a:spLocks noGrp="1"/>
+          </p:cNvSpPr>
+          <p:nvPr>
+            <p:ph type="body" idx="1"/>
+          </p:nvPr>
+        </p:nvSpPr>
+        <p:spPr/>
+        <p:txBody>
+          <a:bodyPr/>
+          <a:lstStyle/>
+          <a:p>
+            <a:endParaRPr lang="en-US" dirty="0"/>
+          </a:p>
+        </p:txBody>
+      </p:sp>
+      <p:sp>
+        <p:nvSpPr>
+          <p:cNvPr id="4" name="Slide Number Placeholder 3"/>
+          <p:cNvSpPr>
+            <a:spLocks noGrp="1"/>
+          </p:cNvSpPr>
+          <p:nvPr>
+            <p:ph type="sldNum" sz="quarter" idx="5"/>
+          </p:nvPr>
+        </p:nvSpPr>
+        <p:spPr/>
+        <p:txBody>
+          <a:bodyPr/>
+          <a:lstStyle/>
+          <a:p>
+            <a:fld id="{302C64B7-96AE-4C1F-AFF5-ACD431C321CF}" type="slidenum">
+              <a:rPr lang="en-US" smtClean="0"/>
+              <a:t>11</a:t>
+            </a:fld>
+            <a:endParaRPr lang="en-US"/>
+          </a:p>
+        </p:txBody>
+      </p:sp>
+    </p:spTree>
+    <p:extLst>
+      <p:ext uri="{BB962C8B-B14F-4D97-AF65-F5344CB8AC3E}">
+        <p14:creationId xmlns:p14="http://schemas.microsoft.com/office/powerpoint/2010/main" val="744852310"/>
+      </p:ext>
+    </p:extLst>
+  </p:cSld>
+  <p:clrMapOvr>
+    <a:masterClrMapping/>
+  </p:clrMapOvr>
+</p:notes>
+</file>
+
+<file path=ppt/notesSlides/notesSlide4.xml><?xml version="1.0" encoding="utf-8"?>
+<p:notes xmlns:a="http://schemas.openxmlformats.org/drawingml/2006/main" xmlns:r="http://schemas.openxmlformats.org/officeDocument/2006/relationships" xmlns:p="http://schemas.openxmlformats.org/presentationml/2006/main">
+  <p:cSld>
+    <p:spTree>
+      <p:nvGrpSpPr>
+        <p:cNvPr id="1" name=""/>
+        <p:cNvGrpSpPr/>
+        <p:nvPr/>
+      </p:nvGrpSpPr>
+      <p:grpSpPr>
+        <a:xfrm>
+          <a:off x="0" y="0"/>
+          <a:ext cx="0" cy="0"/>
+          <a:chOff x="0" y="0"/>
+          <a:chExt cx="0" cy="0"/>
+        </a:xfrm>
+      </p:grpSpPr>
+      <p:sp>
+        <p:nvSpPr>
+          <p:cNvPr id="2" name="Slide Image Placeholder 1"/>
+          <p:cNvSpPr>
+            <a:spLocks noGrp="1" noRot="1" noChangeAspect="1"/>
+          </p:cNvSpPr>
+          <p:nvPr>
+            <p:ph type="sldImg"/>
+          </p:nvPr>
+        </p:nvSpPr>
+        <p:spPr/>
+      </p:sp>
+      <p:sp>
+        <p:nvSpPr>
+          <p:cNvPr id="3" name="Notes Placeholder 2"/>
+          <p:cNvSpPr>
+            <a:spLocks noGrp="1"/>
+          </p:cNvSpPr>
+          <p:nvPr>
+            <p:ph type="body" idx="1"/>
+          </p:nvPr>
+        </p:nvSpPr>
+        <p:spPr/>
+        <p:txBody>
+          <a:bodyPr/>
+          <a:lstStyle/>
+          <a:p>
+            <a:endParaRPr lang="en-US" dirty="0"/>
+          </a:p>
+        </p:txBody>
+      </p:sp>
+      <p:sp>
+        <p:nvSpPr>
+          <p:cNvPr id="4" name="Slide Number Placeholder 3"/>
+          <p:cNvSpPr>
+            <a:spLocks noGrp="1"/>
+          </p:cNvSpPr>
+          <p:nvPr>
+            <p:ph type="sldNum" sz="quarter" idx="5"/>
+          </p:nvPr>
+        </p:nvSpPr>
+        <p:spPr/>
+        <p:txBody>
+          <a:bodyPr/>
+          <a:lstStyle/>
+          <a:p>
+            <a:fld id="{302C64B7-96AE-4C1F-AFF5-ACD431C321CF}" type="slidenum">
+              <a:rPr lang="en-US" smtClean="0"/>
+              <a:t>12</a:t>
+            </a:fld>
+            <a:endParaRPr lang="en-US"/>
+          </a:p>
+        </p:txBody>
+      </p:sp>
+    </p:spTree>
+    <p:extLst>
+      <p:ext uri="{BB962C8B-B14F-4D97-AF65-F5344CB8AC3E}">
+        <p14:creationId xmlns:p14="http://schemas.microsoft.com/office/powerpoint/2010/main" val="2495858463"/>
+      </p:ext>
+    </p:extLst>
+  </p:cSld>
+  <p:clrMapOvr>
+    <a:masterClrMapping/>
+  </p:clrMapOvr>
+</p:notes>
+</file>
+
 <file path=ppt/slideLayouts/slideLayout1.xml><?xml version="1.0" encoding="utf-8"?>
 <p:sldLayout xmlns:a="http://schemas.openxmlformats.org/drawingml/2006/main" xmlns:r="http://schemas.openxmlformats.org/officeDocument/2006/relationships" xmlns:p="http://schemas.openxmlformats.org/presentationml/2006/main" showMasterSp="0" type="title" preserve="1">
   <p:cSld name="Title Slide">
@@ -16893,6 +17739,722 @@
 </p:sld>
 </file>
 
+<file path=ppt/slides/slide10.xml><?xml version="1.0" encoding="utf-8"?>
+<p:sld xmlns:a="http://schemas.openxmlformats.org/drawingml/2006/main" xmlns:r="http://schemas.openxmlformats.org/officeDocument/2006/relationships" xmlns:p="http://schemas.openxmlformats.org/presentationml/2006/main">
+  <p:cSld>
+    <p:spTree>
+      <p:nvGrpSpPr>
+        <p:cNvPr id="1" name=""/>
+        <p:cNvGrpSpPr/>
+        <p:nvPr/>
+      </p:nvGrpSpPr>
+      <p:grpSpPr>
+        <a:xfrm>
+          <a:off x="0" y="0"/>
+          <a:ext cx="0" cy="0"/>
+          <a:chOff x="0" y="0"/>
+          <a:chExt cx="0" cy="0"/>
+        </a:xfrm>
+      </p:grpSpPr>
+      <p:sp>
+        <p:nvSpPr>
+          <p:cNvPr id="2" name="Title 1">
+            <a:extLst>
+              <a:ext uri="{FF2B5EF4-FFF2-40B4-BE49-F238E27FC236}">
+                <a16:creationId xmlns:a16="http://schemas.microsoft.com/office/drawing/2014/main" id="{92A9B60F-7F68-48F6-9FB9-2CF291C61653}"/>
+              </a:ext>
+            </a:extLst>
+          </p:cNvPr>
+          <p:cNvSpPr>
+            <a:spLocks noGrp="1"/>
+          </p:cNvSpPr>
+          <p:nvPr>
+            <p:ph type="title"/>
+          </p:nvPr>
+        </p:nvSpPr>
+        <p:spPr/>
+        <p:txBody>
+          <a:bodyPr/>
+          <a:lstStyle/>
+          <a:p>
+            <a:r>
+              <a:rPr lang="en-US" dirty="0"/>
+              <a:t>Street Easy Rent Data </a:t>
+            </a:r>
+          </a:p>
+        </p:txBody>
+      </p:sp>
+      <p:pic>
+        <p:nvPicPr>
+          <p:cNvPr id="4" name="Picture 3">
+            <a:extLst>
+              <a:ext uri="{FF2B5EF4-FFF2-40B4-BE49-F238E27FC236}">
+                <a16:creationId xmlns:a16="http://schemas.microsoft.com/office/drawing/2014/main" id="{5BF8F774-5544-44EE-A728-A59B0D471603}"/>
+              </a:ext>
+            </a:extLst>
+          </p:cNvPr>
+          <p:cNvPicPr>
+            <a:picLocks noChangeAspect="1"/>
+          </p:cNvPicPr>
+          <p:nvPr/>
+        </p:nvPicPr>
+        <p:blipFill>
+          <a:blip r:embed="rId3">
+            <a:extLst>
+              <a:ext uri="{28A0092B-C50C-407E-A947-70E740481C1C}">
+                <a14:useLocalDpi xmlns:a14="http://schemas.microsoft.com/office/drawing/2010/main" val="0"/>
+              </a:ext>
+            </a:extLst>
+          </a:blip>
+          <a:srcRect/>
+          <a:stretch/>
+        </p:blipFill>
+        <p:spPr>
+          <a:xfrm>
+            <a:off x="1163956" y="1844332"/>
+            <a:ext cx="8065768" cy="4324472"/>
+          </a:xfrm>
+          <a:prstGeom prst="rect">
+            <a:avLst/>
+          </a:prstGeom>
+          <a:ln>
+            <a:solidFill>
+              <a:schemeClr val="tx1"/>
+            </a:solidFill>
+          </a:ln>
+        </p:spPr>
+      </p:pic>
+      <p:sp>
+        <p:nvSpPr>
+          <p:cNvPr id="5" name="Rectangle 4">
+            <a:extLst>
+              <a:ext uri="{FF2B5EF4-FFF2-40B4-BE49-F238E27FC236}">
+                <a16:creationId xmlns:a16="http://schemas.microsoft.com/office/drawing/2014/main" id="{B2E9AF01-269C-41F1-AE19-40DA7D48E507}"/>
+              </a:ext>
+            </a:extLst>
+          </p:cNvPr>
+          <p:cNvSpPr/>
+          <p:nvPr/>
+        </p:nvSpPr>
+        <p:spPr>
+          <a:xfrm>
+            <a:off x="9401175" y="1844332"/>
+            <a:ext cx="2667000" cy="4324473"/>
+          </a:xfrm>
+          <a:prstGeom prst="rect">
+            <a:avLst/>
+          </a:prstGeom>
+          <a:solidFill>
+            <a:schemeClr val="bg1"/>
+          </a:solidFill>
+          <a:ln w="12700"/>
+        </p:spPr>
+        <p:style>
+          <a:lnRef idx="2">
+            <a:schemeClr val="accent1">
+              <a:shade val="50000"/>
+            </a:schemeClr>
+          </a:lnRef>
+          <a:fillRef idx="1">
+            <a:schemeClr val="accent1"/>
+          </a:fillRef>
+          <a:effectRef idx="0">
+            <a:schemeClr val="accent1"/>
+          </a:effectRef>
+          <a:fontRef idx="minor">
+            <a:schemeClr val="lt1"/>
+          </a:fontRef>
+        </p:style>
+        <p:txBody>
+          <a:bodyPr rtlCol="0" anchor="t"/>
+          <a:lstStyle/>
+          <a:p>
+            <a:r>
+              <a:rPr lang="en-US" b="1" dirty="0">
+                <a:solidFill>
+                  <a:schemeClr val="tx1"/>
+                </a:solidFill>
+              </a:rPr>
+              <a:t>Key Takeaways:</a:t>
+            </a:r>
+          </a:p>
+          <a:p>
+            <a:endParaRPr lang="en-US" sz="1600" b="1" dirty="0">
+              <a:solidFill>
+                <a:schemeClr val="tx1"/>
+              </a:solidFill>
+            </a:endParaRPr>
+          </a:p>
+          <a:p>
+            <a:pPr marL="285750" indent="-285750">
+              <a:buFontTx/>
+              <a:buChar char="-"/>
+            </a:pPr>
+            <a:r>
+              <a:rPr lang="en-US" sz="1600" dirty="0">
+                <a:solidFill>
+                  <a:schemeClr val="tx1"/>
+                </a:solidFill>
+              </a:rPr>
+              <a:t>Rents dropped significantly in Brooklyn and Manhattan </a:t>
+            </a:r>
+          </a:p>
+          <a:p>
+            <a:pPr marL="285750" indent="-285750">
+              <a:buFontTx/>
+              <a:buChar char="-"/>
+            </a:pPr>
+            <a:r>
+              <a:rPr lang="en-US" sz="1600" dirty="0">
+                <a:solidFill>
+                  <a:schemeClr val="tx1"/>
+                </a:solidFill>
+              </a:rPr>
+              <a:t>The other three boroughs only saw a slight decrease in rent </a:t>
+            </a:r>
+          </a:p>
+          <a:p>
+            <a:pPr marL="285750" indent="-285750">
+              <a:buFontTx/>
+              <a:buChar char="-"/>
+            </a:pPr>
+            <a:r>
+              <a:rPr lang="en-US" sz="1600" dirty="0">
+                <a:solidFill>
+                  <a:schemeClr val="tx1"/>
+                </a:solidFill>
+              </a:rPr>
+              <a:t>Currently, most boroughs have completely recovered to pre-covid rents</a:t>
+            </a:r>
+          </a:p>
+          <a:p>
+            <a:endParaRPr lang="en-US" sz="1600" dirty="0">
+              <a:solidFill>
+                <a:schemeClr val="tx1"/>
+              </a:solidFill>
+            </a:endParaRPr>
+          </a:p>
+          <a:p>
+            <a:pPr marL="285750" indent="-285750">
+              <a:buFontTx/>
+              <a:buChar char="-"/>
+            </a:pPr>
+            <a:endParaRPr lang="en-US" dirty="0">
+              <a:solidFill>
+                <a:schemeClr val="tx1"/>
+              </a:solidFill>
+            </a:endParaRPr>
+          </a:p>
+        </p:txBody>
+      </p:sp>
+    </p:spTree>
+    <p:extLst>
+      <p:ext uri="{BB962C8B-B14F-4D97-AF65-F5344CB8AC3E}">
+        <p14:creationId xmlns:p14="http://schemas.microsoft.com/office/powerpoint/2010/main" val="4074031005"/>
+      </p:ext>
+    </p:extLst>
+  </p:cSld>
+  <p:clrMapOvr>
+    <a:masterClrMapping/>
+  </p:clrMapOvr>
+</p:sld>
+</file>
+
+<file path=ppt/slides/slide11.xml><?xml version="1.0" encoding="utf-8"?>
+<p:sld xmlns:a="http://schemas.openxmlformats.org/drawingml/2006/main" xmlns:r="http://schemas.openxmlformats.org/officeDocument/2006/relationships" xmlns:p="http://schemas.openxmlformats.org/presentationml/2006/main">
+  <p:cSld>
+    <p:spTree>
+      <p:nvGrpSpPr>
+        <p:cNvPr id="1" name=""/>
+        <p:cNvGrpSpPr/>
+        <p:nvPr/>
+      </p:nvGrpSpPr>
+      <p:grpSpPr>
+        <a:xfrm>
+          <a:off x="0" y="0"/>
+          <a:ext cx="0" cy="0"/>
+          <a:chOff x="0" y="0"/>
+          <a:chExt cx="0" cy="0"/>
+        </a:xfrm>
+      </p:grpSpPr>
+      <p:sp>
+        <p:nvSpPr>
+          <p:cNvPr id="2" name="Title 1">
+            <a:extLst>
+              <a:ext uri="{FF2B5EF4-FFF2-40B4-BE49-F238E27FC236}">
+                <a16:creationId xmlns:a16="http://schemas.microsoft.com/office/drawing/2014/main" id="{92A9B60F-7F68-48F6-9FB9-2CF291C61653}"/>
+              </a:ext>
+            </a:extLst>
+          </p:cNvPr>
+          <p:cNvSpPr>
+            <a:spLocks noGrp="1"/>
+          </p:cNvSpPr>
+          <p:nvPr>
+            <p:ph type="title"/>
+          </p:nvPr>
+        </p:nvSpPr>
+        <p:spPr/>
+        <p:txBody>
+          <a:bodyPr/>
+          <a:lstStyle/>
+          <a:p>
+            <a:r>
+              <a:rPr lang="en-US"/>
+              <a:t>Street Easy Rent Data </a:t>
+            </a:r>
+            <a:endParaRPr lang="en-US" dirty="0"/>
+          </a:p>
+        </p:txBody>
+      </p:sp>
+      <p:pic>
+        <p:nvPicPr>
+          <p:cNvPr id="7" name="Picture 6" descr="Chart, waterfall chart&#10;&#10;Description automatically generated">
+            <a:extLst>
+              <a:ext uri="{FF2B5EF4-FFF2-40B4-BE49-F238E27FC236}">
+                <a16:creationId xmlns:a16="http://schemas.microsoft.com/office/drawing/2014/main" id="{0EEEFFFE-362A-42AF-B2A2-FD58FAE57F09}"/>
+              </a:ext>
+            </a:extLst>
+          </p:cNvPr>
+          <p:cNvPicPr>
+            <a:picLocks/>
+          </p:cNvPicPr>
+          <p:nvPr/>
+        </p:nvPicPr>
+        <p:blipFill>
+          <a:blip r:embed="rId3">
+            <a:extLst>
+              <a:ext uri="{28A0092B-C50C-407E-A947-70E740481C1C}">
+                <a14:useLocalDpi xmlns:a14="http://schemas.microsoft.com/office/drawing/2010/main" val="0"/>
+              </a:ext>
+            </a:extLst>
+          </a:blip>
+          <a:stretch>
+            <a:fillRect/>
+          </a:stretch>
+        </p:blipFill>
+        <p:spPr>
+          <a:xfrm>
+            <a:off x="312441" y="2439888"/>
+            <a:ext cx="5486400" cy="3547872"/>
+          </a:xfrm>
+          <a:prstGeom prst="rect">
+            <a:avLst/>
+          </a:prstGeom>
+          <a:ln>
+            <a:solidFill>
+              <a:schemeClr val="tx1"/>
+            </a:solidFill>
+          </a:ln>
+        </p:spPr>
+      </p:pic>
+      <p:sp>
+        <p:nvSpPr>
+          <p:cNvPr id="39" name="TextBox 38">
+            <a:extLst>
+              <a:ext uri="{FF2B5EF4-FFF2-40B4-BE49-F238E27FC236}">
+                <a16:creationId xmlns:a16="http://schemas.microsoft.com/office/drawing/2014/main" id="{7DCC5B35-660B-48B1-B480-FE9EA1C104AC}"/>
+              </a:ext>
+            </a:extLst>
+          </p:cNvPr>
+          <p:cNvSpPr txBox="1"/>
+          <p:nvPr/>
+        </p:nvSpPr>
+        <p:spPr>
+          <a:xfrm>
+            <a:off x="1232556" y="1793557"/>
+            <a:ext cx="3646170" cy="646331"/>
+          </a:xfrm>
+          <a:prstGeom prst="rect">
+            <a:avLst/>
+          </a:prstGeom>
+          <a:noFill/>
+        </p:spPr>
+        <p:txBody>
+          <a:bodyPr wrap="square" rtlCol="0">
+            <a:spAutoFit/>
+          </a:bodyPr>
+          <a:lstStyle/>
+          <a:p>
+            <a:pPr algn="ctr"/>
+            <a:r>
+              <a:rPr lang="en-US" dirty="0"/>
+              <a:t>Percent Change in Rent by Borough (Peak Covid vs. Pre Covid)</a:t>
+            </a:r>
+          </a:p>
+        </p:txBody>
+      </p:sp>
+      <p:pic>
+        <p:nvPicPr>
+          <p:cNvPr id="48" name="Picture 47">
+            <a:extLst>
+              <a:ext uri="{FF2B5EF4-FFF2-40B4-BE49-F238E27FC236}">
+                <a16:creationId xmlns:a16="http://schemas.microsoft.com/office/drawing/2014/main" id="{4F858A45-48DC-4EDC-8377-97E9A5ECD36B}"/>
+              </a:ext>
+            </a:extLst>
+          </p:cNvPr>
+          <p:cNvPicPr>
+            <a:picLocks/>
+          </p:cNvPicPr>
+          <p:nvPr/>
+        </p:nvPicPr>
+        <p:blipFill>
+          <a:blip r:embed="rId4">
+            <a:extLst>
+              <a:ext uri="{28A0092B-C50C-407E-A947-70E740481C1C}">
+                <a14:useLocalDpi xmlns:a14="http://schemas.microsoft.com/office/drawing/2010/main" val="0"/>
+              </a:ext>
+            </a:extLst>
+          </a:blip>
+          <a:srcRect/>
+          <a:stretch/>
+        </p:blipFill>
+        <p:spPr>
+          <a:xfrm>
+            <a:off x="6478884" y="2426553"/>
+            <a:ext cx="5486400" cy="3547871"/>
+          </a:xfrm>
+          <a:prstGeom prst="rect">
+            <a:avLst/>
+          </a:prstGeom>
+          <a:ln>
+            <a:solidFill>
+              <a:schemeClr val="tx1"/>
+            </a:solidFill>
+          </a:ln>
+        </p:spPr>
+      </p:pic>
+      <p:sp>
+        <p:nvSpPr>
+          <p:cNvPr id="49" name="TextBox 48">
+            <a:extLst>
+              <a:ext uri="{FF2B5EF4-FFF2-40B4-BE49-F238E27FC236}">
+                <a16:creationId xmlns:a16="http://schemas.microsoft.com/office/drawing/2014/main" id="{371C004D-6EFA-4601-9F34-A6BEA448D4FB}"/>
+              </a:ext>
+            </a:extLst>
+          </p:cNvPr>
+          <p:cNvSpPr txBox="1"/>
+          <p:nvPr/>
+        </p:nvSpPr>
+        <p:spPr>
+          <a:xfrm>
+            <a:off x="7398999" y="1780222"/>
+            <a:ext cx="3646170" cy="646331"/>
+          </a:xfrm>
+          <a:prstGeom prst="rect">
+            <a:avLst/>
+          </a:prstGeom>
+          <a:noFill/>
+        </p:spPr>
+        <p:txBody>
+          <a:bodyPr wrap="square" rtlCol="0">
+            <a:spAutoFit/>
+          </a:bodyPr>
+          <a:lstStyle/>
+          <a:p>
+            <a:pPr algn="ctr"/>
+            <a:r>
+              <a:rPr lang="en-US" dirty="0"/>
+              <a:t>Percent Change in Rent by Borough (Current rates vs. Pre-Covid)</a:t>
+            </a:r>
+          </a:p>
+        </p:txBody>
+      </p:sp>
+    </p:spTree>
+    <p:extLst>
+      <p:ext uri="{BB962C8B-B14F-4D97-AF65-F5344CB8AC3E}">
+        <p14:creationId xmlns:p14="http://schemas.microsoft.com/office/powerpoint/2010/main" val="3937668167"/>
+      </p:ext>
+    </p:extLst>
+  </p:cSld>
+  <p:clrMapOvr>
+    <a:masterClrMapping/>
+  </p:clrMapOvr>
+</p:sld>
+</file>
+
+<file path=ppt/slides/slide12.xml><?xml version="1.0" encoding="utf-8"?>
+<p:sld xmlns:a="http://schemas.openxmlformats.org/drawingml/2006/main" xmlns:r="http://schemas.openxmlformats.org/officeDocument/2006/relationships" xmlns:p="http://schemas.openxmlformats.org/presentationml/2006/main">
+  <p:cSld>
+    <p:spTree>
+      <p:nvGrpSpPr>
+        <p:cNvPr id="1" name=""/>
+        <p:cNvGrpSpPr/>
+        <p:nvPr/>
+      </p:nvGrpSpPr>
+      <p:grpSpPr>
+        <a:xfrm>
+          <a:off x="0" y="0"/>
+          <a:ext cx="0" cy="0"/>
+          <a:chOff x="0" y="0"/>
+          <a:chExt cx="0" cy="0"/>
+        </a:xfrm>
+      </p:grpSpPr>
+      <p:sp>
+        <p:nvSpPr>
+          <p:cNvPr id="5" name="Rectangle 4">
+            <a:extLst>
+              <a:ext uri="{FF2B5EF4-FFF2-40B4-BE49-F238E27FC236}">
+                <a16:creationId xmlns:a16="http://schemas.microsoft.com/office/drawing/2014/main" id="{94338BE7-D0DC-4348-B863-E0C1E46E2508}"/>
+              </a:ext>
+            </a:extLst>
+          </p:cNvPr>
+          <p:cNvSpPr/>
+          <p:nvPr/>
+        </p:nvSpPr>
+        <p:spPr>
+          <a:xfrm>
+            <a:off x="971550" y="1543050"/>
+            <a:ext cx="10401300" cy="257175"/>
+          </a:xfrm>
+          <a:prstGeom prst="rect">
+            <a:avLst/>
+          </a:prstGeom>
+          <a:solidFill>
+            <a:schemeClr val="bg1"/>
+          </a:solidFill>
+          <a:ln>
+            <a:solidFill>
+              <a:schemeClr val="bg1"/>
+            </a:solidFill>
+          </a:ln>
+        </p:spPr>
+        <p:style>
+          <a:lnRef idx="2">
+            <a:schemeClr val="accent1">
+              <a:shade val="50000"/>
+            </a:schemeClr>
+          </a:lnRef>
+          <a:fillRef idx="1">
+            <a:schemeClr val="accent1"/>
+          </a:fillRef>
+          <a:effectRef idx="0">
+            <a:schemeClr val="accent1"/>
+          </a:effectRef>
+          <a:fontRef idx="minor">
+            <a:schemeClr val="lt1"/>
+          </a:fontRef>
+        </p:style>
+        <p:txBody>
+          <a:bodyPr rtlCol="0" anchor="ctr"/>
+          <a:lstStyle/>
+          <a:p>
+            <a:pPr algn="ctr"/>
+            <a:endParaRPr lang="en-US">
+              <a:ln>
+                <a:solidFill>
+                  <a:schemeClr val="bg1"/>
+                </a:solidFill>
+              </a:ln>
+            </a:endParaRPr>
+          </a:p>
+        </p:txBody>
+      </p:sp>
+      <p:sp>
+        <p:nvSpPr>
+          <p:cNvPr id="2" name="Title 1">
+            <a:extLst>
+              <a:ext uri="{FF2B5EF4-FFF2-40B4-BE49-F238E27FC236}">
+                <a16:creationId xmlns:a16="http://schemas.microsoft.com/office/drawing/2014/main" id="{92A9B60F-7F68-48F6-9FB9-2CF291C61653}"/>
+              </a:ext>
+            </a:extLst>
+          </p:cNvPr>
+          <p:cNvSpPr>
+            <a:spLocks noGrp="1"/>
+          </p:cNvSpPr>
+          <p:nvPr>
+            <p:ph type="title"/>
+          </p:nvPr>
+        </p:nvSpPr>
+        <p:spPr>
+          <a:xfrm>
+            <a:off x="1066800" y="329039"/>
+            <a:ext cx="10058400" cy="580172"/>
+          </a:xfrm>
+        </p:spPr>
+        <p:txBody>
+          <a:bodyPr>
+            <a:normAutofit fontScale="90000"/>
+          </a:bodyPr>
+          <a:lstStyle/>
+          <a:p>
+            <a:r>
+              <a:rPr lang="en-US" dirty="0"/>
+              <a:t>Factors affecting changes</a:t>
+            </a:r>
+          </a:p>
+        </p:txBody>
+      </p:sp>
+      <p:pic>
+        <p:nvPicPr>
+          <p:cNvPr id="4" name="Picture 3" descr="A picture containing chart&#10;&#10;Description automatically generated">
+            <a:extLst>
+              <a:ext uri="{FF2B5EF4-FFF2-40B4-BE49-F238E27FC236}">
+                <a16:creationId xmlns:a16="http://schemas.microsoft.com/office/drawing/2014/main" id="{44F94718-B425-42CB-AC4C-3B4E82CB53B7}"/>
+              </a:ext>
+            </a:extLst>
+          </p:cNvPr>
+          <p:cNvPicPr>
+            <a:picLocks noChangeAspect="1"/>
+          </p:cNvPicPr>
+          <p:nvPr/>
+        </p:nvPicPr>
+        <p:blipFill>
+          <a:blip r:embed="rId3">
+            <a:extLst>
+              <a:ext uri="{28A0092B-C50C-407E-A947-70E740481C1C}">
+                <a14:useLocalDpi xmlns:a14="http://schemas.microsoft.com/office/drawing/2010/main" val="0"/>
+              </a:ext>
+            </a:extLst>
+          </a:blip>
+          <a:stretch>
+            <a:fillRect/>
+          </a:stretch>
+        </p:blipFill>
+        <p:spPr>
+          <a:xfrm>
+            <a:off x="1066800" y="1085849"/>
+            <a:ext cx="7505552" cy="5057769"/>
+          </a:xfrm>
+          <a:prstGeom prst="rect">
+            <a:avLst/>
+          </a:prstGeom>
+          <a:ln>
+            <a:solidFill>
+              <a:schemeClr val="tx1"/>
+            </a:solidFill>
+          </a:ln>
+        </p:spPr>
+      </p:pic>
+      <p:cxnSp>
+        <p:nvCxnSpPr>
+          <p:cNvPr id="8" name="Straight Connector 7">
+            <a:extLst>
+              <a:ext uri="{FF2B5EF4-FFF2-40B4-BE49-F238E27FC236}">
+                <a16:creationId xmlns:a16="http://schemas.microsoft.com/office/drawing/2014/main" id="{759EAF15-9400-4679-BEE9-A871E43327B8}"/>
+              </a:ext>
+            </a:extLst>
+          </p:cNvPr>
+          <p:cNvCxnSpPr/>
+          <p:nvPr/>
+        </p:nvCxnSpPr>
+        <p:spPr>
+          <a:xfrm>
+            <a:off x="971550" y="909211"/>
+            <a:ext cx="10477500" cy="0"/>
+          </a:xfrm>
+          <a:prstGeom prst="line">
+            <a:avLst/>
+          </a:prstGeom>
+        </p:spPr>
+        <p:style>
+          <a:lnRef idx="1">
+            <a:schemeClr val="accent1"/>
+          </a:lnRef>
+          <a:fillRef idx="0">
+            <a:schemeClr val="accent1"/>
+          </a:fillRef>
+          <a:effectRef idx="0">
+            <a:schemeClr val="accent1"/>
+          </a:effectRef>
+          <a:fontRef idx="minor">
+            <a:schemeClr val="tx1"/>
+          </a:fontRef>
+        </p:style>
+      </p:cxnSp>
+      <p:sp>
+        <p:nvSpPr>
+          <p:cNvPr id="18" name="Rectangle 17">
+            <a:extLst>
+              <a:ext uri="{FF2B5EF4-FFF2-40B4-BE49-F238E27FC236}">
+                <a16:creationId xmlns:a16="http://schemas.microsoft.com/office/drawing/2014/main" id="{D9EBEAEA-2A8A-40C4-8E55-39AB8DDC4052}"/>
+              </a:ext>
+            </a:extLst>
+          </p:cNvPr>
+          <p:cNvSpPr/>
+          <p:nvPr/>
+        </p:nvSpPr>
+        <p:spPr>
+          <a:xfrm>
+            <a:off x="8705850" y="1085849"/>
+            <a:ext cx="3067050" cy="5057767"/>
+          </a:xfrm>
+          <a:prstGeom prst="rect">
+            <a:avLst/>
+          </a:prstGeom>
+          <a:solidFill>
+            <a:schemeClr val="bg1"/>
+          </a:solidFill>
+          <a:ln w="12700"/>
+        </p:spPr>
+        <p:style>
+          <a:lnRef idx="2">
+            <a:schemeClr val="accent1">
+              <a:shade val="50000"/>
+            </a:schemeClr>
+          </a:lnRef>
+          <a:fillRef idx="1">
+            <a:schemeClr val="accent1"/>
+          </a:fillRef>
+          <a:effectRef idx="0">
+            <a:schemeClr val="accent1"/>
+          </a:effectRef>
+          <a:fontRef idx="minor">
+            <a:schemeClr val="lt1"/>
+          </a:fontRef>
+        </p:style>
+        <p:txBody>
+          <a:bodyPr rtlCol="0" anchor="t"/>
+          <a:lstStyle/>
+          <a:p>
+            <a:r>
+              <a:rPr lang="en-US" b="1" dirty="0">
+                <a:solidFill>
+                  <a:schemeClr val="tx1"/>
+                </a:solidFill>
+              </a:rPr>
+              <a:t>Key Takeaways:</a:t>
+            </a:r>
+          </a:p>
+          <a:p>
+            <a:endParaRPr lang="en-US" sz="1600" b="1" dirty="0">
+              <a:solidFill>
+                <a:schemeClr val="tx1"/>
+              </a:solidFill>
+            </a:endParaRPr>
+          </a:p>
+          <a:p>
+            <a:endParaRPr lang="en-US" sz="1600" dirty="0">
+              <a:solidFill>
+                <a:schemeClr val="tx1"/>
+              </a:solidFill>
+            </a:endParaRPr>
+          </a:p>
+          <a:p>
+            <a:pPr marL="285750" indent="-285750">
+              <a:buFontTx/>
+              <a:buChar char="-"/>
+            </a:pPr>
+            <a:endParaRPr lang="en-US" dirty="0">
+              <a:solidFill>
+                <a:schemeClr val="tx1"/>
+              </a:solidFill>
+            </a:endParaRPr>
+          </a:p>
+        </p:txBody>
+      </p:sp>
+    </p:spTree>
+    <p:extLst>
+      <p:ext uri="{BB962C8B-B14F-4D97-AF65-F5344CB8AC3E}">
+        <p14:creationId xmlns:p14="http://schemas.microsoft.com/office/powerpoint/2010/main" val="2398329897"/>
+      </p:ext>
+    </p:extLst>
+  </p:cSld>
+  <p:clrMapOvr>
+    <a:masterClrMapping/>
+  </p:clrMapOvr>
+</p:sld>
+</file>
+
 <file path=ppt/slides/slide2.xml><?xml version="1.0" encoding="utf-8"?>
 <p:sld xmlns:a="http://schemas.openxmlformats.org/drawingml/2006/main" xmlns:r="http://schemas.openxmlformats.org/officeDocument/2006/relationships" xmlns:p="http://schemas.openxmlformats.org/presentationml/2006/main">
   <p:cSld>
@@ -16954,7 +18516,7 @@
             <p:ph idx="1"/>
             <p:extLst>
               <p:ext uri="{D42A27DB-BD31-4B8C-83A1-F6EECF244321}">
-                <p14:modId xmlns:p14="http://schemas.microsoft.com/office/powerpoint/2010/main" val="2042215995"/>
+                <p14:modId xmlns:p14="http://schemas.microsoft.com/office/powerpoint/2010/main" val="4291507767"/>
               </p:ext>
             </p:extLst>
           </p:nvPr>
@@ -19339,10 +20901,431 @@
           </a:p>
         </p:txBody>
       </p:sp>
+      <p:pic>
+        <p:nvPicPr>
+          <p:cNvPr id="4" name="Picture 3" descr="Chart, histogram&#10;&#10;Description automatically generated">
+            <a:extLst>
+              <a:ext uri="{FF2B5EF4-FFF2-40B4-BE49-F238E27FC236}">
+                <a16:creationId xmlns:a16="http://schemas.microsoft.com/office/drawing/2014/main" id="{5BF8F774-5544-44EE-A728-A59B0D471603}"/>
+              </a:ext>
+            </a:extLst>
+          </p:cNvPr>
+          <p:cNvPicPr>
+            <a:picLocks noChangeAspect="1"/>
+          </p:cNvPicPr>
+          <p:nvPr/>
+        </p:nvPicPr>
+        <p:blipFill>
+          <a:blip r:embed="rId2">
+            <a:extLst>
+              <a:ext uri="{28A0092B-C50C-407E-A947-70E740481C1C}">
+                <a14:useLocalDpi xmlns:a14="http://schemas.microsoft.com/office/drawing/2010/main" val="0"/>
+              </a:ext>
+            </a:extLst>
+          </a:blip>
+          <a:stretch>
+            <a:fillRect/>
+          </a:stretch>
+        </p:blipFill>
+        <p:spPr>
+          <a:xfrm>
+            <a:off x="1163955" y="1844332"/>
+            <a:ext cx="8065770" cy="4324473"/>
+          </a:xfrm>
+          <a:prstGeom prst="rect">
+            <a:avLst/>
+          </a:prstGeom>
+          <a:ln>
+            <a:solidFill>
+              <a:schemeClr val="tx1"/>
+            </a:solidFill>
+          </a:ln>
+        </p:spPr>
+      </p:pic>
+      <p:sp>
+        <p:nvSpPr>
+          <p:cNvPr id="5" name="Rectangle 4">
+            <a:extLst>
+              <a:ext uri="{FF2B5EF4-FFF2-40B4-BE49-F238E27FC236}">
+                <a16:creationId xmlns:a16="http://schemas.microsoft.com/office/drawing/2014/main" id="{B2E9AF01-269C-41F1-AE19-40DA7D48E507}"/>
+              </a:ext>
+            </a:extLst>
+          </p:cNvPr>
+          <p:cNvSpPr/>
+          <p:nvPr/>
+        </p:nvSpPr>
+        <p:spPr>
+          <a:xfrm>
+            <a:off x="9401175" y="1844332"/>
+            <a:ext cx="2667000" cy="4324473"/>
+          </a:xfrm>
+          <a:prstGeom prst="rect">
+            <a:avLst/>
+          </a:prstGeom>
+          <a:solidFill>
+            <a:schemeClr val="bg1"/>
+          </a:solidFill>
+          <a:ln w="12700"/>
+        </p:spPr>
+        <p:style>
+          <a:lnRef idx="2">
+            <a:schemeClr val="accent1">
+              <a:shade val="50000"/>
+            </a:schemeClr>
+          </a:lnRef>
+          <a:fillRef idx="1">
+            <a:schemeClr val="accent1"/>
+          </a:fillRef>
+          <a:effectRef idx="0">
+            <a:schemeClr val="accent1"/>
+          </a:effectRef>
+          <a:fontRef idx="minor">
+            <a:schemeClr val="lt1"/>
+          </a:fontRef>
+        </p:style>
+        <p:txBody>
+          <a:bodyPr rtlCol="0" anchor="t"/>
+          <a:lstStyle/>
+          <a:p>
+            <a:r>
+              <a:rPr lang="en-US" b="1" dirty="0">
+                <a:solidFill>
+                  <a:schemeClr val="tx1"/>
+                </a:solidFill>
+              </a:rPr>
+              <a:t>Key Takeaways:</a:t>
+            </a:r>
+          </a:p>
+          <a:p>
+            <a:endParaRPr lang="en-US" sz="1600" b="1" dirty="0">
+              <a:solidFill>
+                <a:schemeClr val="tx1"/>
+              </a:solidFill>
+            </a:endParaRPr>
+          </a:p>
+          <a:p>
+            <a:pPr marL="285750" indent="-285750">
+              <a:buFontTx/>
+              <a:buChar char="-"/>
+            </a:pPr>
+            <a:r>
+              <a:rPr lang="en-US" sz="1600" dirty="0">
+                <a:solidFill>
+                  <a:schemeClr val="tx1"/>
+                </a:solidFill>
+              </a:rPr>
+              <a:t>Covid Start Date in NYC is listed as March 1st </a:t>
+            </a:r>
+          </a:p>
+          <a:p>
+            <a:pPr marL="285750" indent="-285750">
+              <a:buFontTx/>
+              <a:buChar char="-"/>
+            </a:pPr>
+            <a:r>
+              <a:rPr lang="en-US" sz="1600" dirty="0">
+                <a:solidFill>
+                  <a:schemeClr val="tx1"/>
+                </a:solidFill>
+              </a:rPr>
+              <a:t>Covid Peak in NYC is in January 2021</a:t>
+            </a:r>
+          </a:p>
+          <a:p>
+            <a:pPr marL="285750" indent="-285750">
+              <a:buFontTx/>
+              <a:buChar char="-"/>
+            </a:pPr>
+            <a:r>
+              <a:rPr lang="en-US" sz="1600" dirty="0">
+                <a:solidFill>
+                  <a:schemeClr val="tx1"/>
+                </a:solidFill>
+              </a:rPr>
+              <a:t>Queens and Brooklyn saw the highest number of cases of Covid </a:t>
+            </a:r>
+          </a:p>
+          <a:p>
+            <a:pPr marL="285750" indent="-285750">
+              <a:buFontTx/>
+              <a:buChar char="-"/>
+            </a:pPr>
+            <a:r>
+              <a:rPr lang="en-US" sz="1600" dirty="0">
+                <a:solidFill>
+                  <a:schemeClr val="tx1"/>
+                </a:solidFill>
+              </a:rPr>
+              <a:t>Staten Island and Manhattan experienced the lowest numbers of the five boroughs</a:t>
+            </a:r>
+          </a:p>
+          <a:p>
+            <a:pPr marL="285750" indent="-285750">
+              <a:buFontTx/>
+              <a:buChar char="-"/>
+            </a:pPr>
+            <a:endParaRPr lang="en-US" dirty="0">
+              <a:solidFill>
+                <a:schemeClr val="tx1"/>
+              </a:solidFill>
+            </a:endParaRPr>
+          </a:p>
+        </p:txBody>
+      </p:sp>
     </p:spTree>
     <p:extLst>
       <p:ext uri="{BB962C8B-B14F-4D97-AF65-F5344CB8AC3E}">
         <p14:creationId xmlns:p14="http://schemas.microsoft.com/office/powerpoint/2010/main" val="3472992963"/>
+      </p:ext>
+    </p:extLst>
+  </p:cSld>
+  <p:clrMapOvr>
+    <a:masterClrMapping/>
+  </p:clrMapOvr>
+</p:sld>
+</file>
+
+<file path=ppt/slides/slide9.xml><?xml version="1.0" encoding="utf-8"?>
+<p:sld xmlns:a="http://schemas.openxmlformats.org/drawingml/2006/main" xmlns:r="http://schemas.openxmlformats.org/officeDocument/2006/relationships" xmlns:p="http://schemas.openxmlformats.org/presentationml/2006/main">
+  <p:cSld>
+    <p:spTree>
+      <p:nvGrpSpPr>
+        <p:cNvPr id="1" name=""/>
+        <p:cNvGrpSpPr/>
+        <p:nvPr/>
+      </p:nvGrpSpPr>
+      <p:grpSpPr>
+        <a:xfrm>
+          <a:off x="0" y="0"/>
+          <a:ext cx="0" cy="0"/>
+          <a:chOff x="0" y="0"/>
+          <a:chExt cx="0" cy="0"/>
+        </a:xfrm>
+      </p:grpSpPr>
+      <p:sp>
+        <p:nvSpPr>
+          <p:cNvPr id="2" name="Title 1">
+            <a:extLst>
+              <a:ext uri="{FF2B5EF4-FFF2-40B4-BE49-F238E27FC236}">
+                <a16:creationId xmlns:a16="http://schemas.microsoft.com/office/drawing/2014/main" id="{92A9B60F-7F68-48F6-9FB9-2CF291C61653}"/>
+              </a:ext>
+            </a:extLst>
+          </p:cNvPr>
+          <p:cNvSpPr>
+            <a:spLocks noGrp="1"/>
+          </p:cNvSpPr>
+          <p:nvPr>
+            <p:ph type="title"/>
+          </p:nvPr>
+        </p:nvSpPr>
+        <p:spPr/>
+        <p:txBody>
+          <a:bodyPr/>
+          <a:lstStyle/>
+          <a:p>
+            <a:r>
+              <a:rPr lang="en-US" dirty="0"/>
+              <a:t>Street Easy Rent Data </a:t>
+            </a:r>
+          </a:p>
+        </p:txBody>
+      </p:sp>
+      <p:pic>
+        <p:nvPicPr>
+          <p:cNvPr id="4" name="Picture 3">
+            <a:extLst>
+              <a:ext uri="{FF2B5EF4-FFF2-40B4-BE49-F238E27FC236}">
+                <a16:creationId xmlns:a16="http://schemas.microsoft.com/office/drawing/2014/main" id="{5BF8F774-5544-44EE-A728-A59B0D471603}"/>
+              </a:ext>
+            </a:extLst>
+          </p:cNvPr>
+          <p:cNvPicPr>
+            <a:picLocks noChangeAspect="1"/>
+          </p:cNvPicPr>
+          <p:nvPr/>
+        </p:nvPicPr>
+        <p:blipFill>
+          <a:blip r:embed="rId3">
+            <a:extLst>
+              <a:ext uri="{28A0092B-C50C-407E-A947-70E740481C1C}">
+                <a14:useLocalDpi xmlns:a14="http://schemas.microsoft.com/office/drawing/2010/main" val="0"/>
+              </a:ext>
+            </a:extLst>
+          </a:blip>
+          <a:srcRect/>
+          <a:stretch/>
+        </p:blipFill>
+        <p:spPr>
+          <a:xfrm>
+            <a:off x="1163955" y="1844332"/>
+            <a:ext cx="8065770" cy="4324472"/>
+          </a:xfrm>
+          <a:prstGeom prst="rect">
+            <a:avLst/>
+          </a:prstGeom>
+          <a:ln>
+            <a:solidFill>
+              <a:schemeClr val="tx1"/>
+            </a:solidFill>
+          </a:ln>
+        </p:spPr>
+      </p:pic>
+      <p:sp>
+        <p:nvSpPr>
+          <p:cNvPr id="5" name="Rectangle 4">
+            <a:extLst>
+              <a:ext uri="{FF2B5EF4-FFF2-40B4-BE49-F238E27FC236}">
+                <a16:creationId xmlns:a16="http://schemas.microsoft.com/office/drawing/2014/main" id="{B2E9AF01-269C-41F1-AE19-40DA7D48E507}"/>
+              </a:ext>
+            </a:extLst>
+          </p:cNvPr>
+          <p:cNvSpPr/>
+          <p:nvPr/>
+        </p:nvSpPr>
+        <p:spPr>
+          <a:xfrm>
+            <a:off x="9401175" y="1844332"/>
+            <a:ext cx="2667000" cy="4324473"/>
+          </a:xfrm>
+          <a:prstGeom prst="rect">
+            <a:avLst/>
+          </a:prstGeom>
+          <a:solidFill>
+            <a:schemeClr val="bg1"/>
+          </a:solidFill>
+          <a:ln w="12700"/>
+        </p:spPr>
+        <p:style>
+          <a:lnRef idx="2">
+            <a:schemeClr val="accent1">
+              <a:shade val="50000"/>
+            </a:schemeClr>
+          </a:lnRef>
+          <a:fillRef idx="1">
+            <a:schemeClr val="accent1"/>
+          </a:fillRef>
+          <a:effectRef idx="0">
+            <a:schemeClr val="accent1"/>
+          </a:effectRef>
+          <a:fontRef idx="minor">
+            <a:schemeClr val="lt1"/>
+          </a:fontRef>
+        </p:style>
+        <p:txBody>
+          <a:bodyPr rtlCol="0" anchor="t"/>
+          <a:lstStyle/>
+          <a:p>
+            <a:r>
+              <a:rPr lang="en-US" b="1" dirty="0">
+                <a:solidFill>
+                  <a:schemeClr val="tx1"/>
+                </a:solidFill>
+              </a:rPr>
+              <a:t>Key Takeaways:</a:t>
+            </a:r>
+          </a:p>
+          <a:p>
+            <a:endParaRPr lang="en-US" sz="1600" b="1" dirty="0">
+              <a:solidFill>
+                <a:schemeClr val="tx1"/>
+              </a:solidFill>
+            </a:endParaRPr>
+          </a:p>
+          <a:p>
+            <a:pPr marL="285750" indent="-285750">
+              <a:buFontTx/>
+              <a:buChar char="-"/>
+            </a:pPr>
+            <a:r>
+              <a:rPr lang="en-US" sz="1600" dirty="0">
+                <a:solidFill>
+                  <a:schemeClr val="tx1"/>
+                </a:solidFill>
+              </a:rPr>
+              <a:t>Rents were increasingly consistently from 2010 through the beginning of 2020 </a:t>
+            </a:r>
+          </a:p>
+          <a:p>
+            <a:pPr marL="285750" indent="-285750">
+              <a:buFontTx/>
+              <a:buChar char="-"/>
+            </a:pPr>
+            <a:r>
+              <a:rPr lang="en-US" sz="1600" dirty="0">
+                <a:solidFill>
+                  <a:schemeClr val="tx1"/>
+                </a:solidFill>
+              </a:rPr>
+              <a:t>After the first Covid case in NYC (marked by the red line), rents started dropping significantly for Manhattan and Brooklyn </a:t>
+            </a:r>
+          </a:p>
+          <a:p>
+            <a:endParaRPr lang="en-US" sz="1600" dirty="0">
+              <a:solidFill>
+                <a:schemeClr val="tx1"/>
+              </a:solidFill>
+            </a:endParaRPr>
+          </a:p>
+          <a:p>
+            <a:pPr marL="285750" indent="-285750">
+              <a:buFontTx/>
+              <a:buChar char="-"/>
+            </a:pPr>
+            <a:endParaRPr lang="en-US" dirty="0">
+              <a:solidFill>
+                <a:schemeClr val="tx1"/>
+              </a:solidFill>
+            </a:endParaRPr>
+          </a:p>
+        </p:txBody>
+      </p:sp>
+      <p:cxnSp>
+        <p:nvCxnSpPr>
+          <p:cNvPr id="6" name="Straight Connector 5">
+            <a:extLst>
+              <a:ext uri="{FF2B5EF4-FFF2-40B4-BE49-F238E27FC236}">
+                <a16:creationId xmlns:a16="http://schemas.microsoft.com/office/drawing/2014/main" id="{7110F110-0206-4F8D-8B70-EEF84A281CF2}"/>
+              </a:ext>
+            </a:extLst>
+          </p:cNvPr>
+          <p:cNvCxnSpPr>
+            <a:cxnSpLocks/>
+          </p:cNvCxnSpPr>
+          <p:nvPr/>
+        </p:nvCxnSpPr>
+        <p:spPr>
+          <a:xfrm>
+            <a:off x="7991475" y="1844332"/>
+            <a:ext cx="0" cy="3946868"/>
+          </a:xfrm>
+          <a:prstGeom prst="line">
+            <a:avLst/>
+          </a:prstGeom>
+          <a:ln>
+            <a:solidFill>
+              <a:srgbClr val="FF0000"/>
+            </a:solidFill>
+          </a:ln>
+        </p:spPr>
+        <p:style>
+          <a:lnRef idx="1">
+            <a:schemeClr val="accent1"/>
+          </a:lnRef>
+          <a:fillRef idx="0">
+            <a:schemeClr val="accent1"/>
+          </a:fillRef>
+          <a:effectRef idx="0">
+            <a:schemeClr val="accent1"/>
+          </a:effectRef>
+          <a:fontRef idx="minor">
+            <a:schemeClr val="tx1"/>
+          </a:fontRef>
+        </p:style>
+      </p:cxnSp>
+    </p:spTree>
+    <p:extLst>
+      <p:ext uri="{BB962C8B-B14F-4D97-AF65-F5344CB8AC3E}">
+        <p14:creationId xmlns:p14="http://schemas.microsoft.com/office/powerpoint/2010/main" val="2285805491"/>
       </p:ext>
     </p:extLst>
   </p:cSld>

--- a/Covid-19 and the NYC Apartment Market.pptx
+++ b/Covid-19 and the NYC Apartment Market.pptx
@@ -5,7 +5,7 @@
     <p:sldMasterId id="2147483799" r:id="rId1"/>
   </p:sldMasterIdLst>
   <p:notesMasterIdLst>
-    <p:notesMasterId r:id="rId14"/>
+    <p:notesMasterId r:id="rId16"/>
   </p:notesMasterIdLst>
   <p:sldIdLst>
     <p:sldId id="256" r:id="rId2"/>
@@ -20,6 +20,8 @@
     <p:sldId id="267" r:id="rId11"/>
     <p:sldId id="266" r:id="rId12"/>
     <p:sldId id="268" r:id="rId13"/>
+    <p:sldId id="269" r:id="rId14"/>
+    <p:sldId id="270" r:id="rId15"/>
   </p:sldIdLst>
   <p:sldSz cx="12192000" cy="6858000"/>
   <p:notesSz cx="6858000" cy="9144000"/>
@@ -129,7 +131,7 @@
 <file path=ppt/revisionInfo.xml><?xml version="1.0" encoding="utf-8"?>
 <p1510:revInfo xmlns:a="http://schemas.openxmlformats.org/drawingml/2006/main" xmlns:r="http://schemas.openxmlformats.org/officeDocument/2006/relationships" xmlns:p1510="http://schemas.microsoft.com/office/powerpoint/2015/10/main">
   <p1510:revLst>
-    <p1510:client id="{61313348-D28B-4C2B-88EF-82071CA11326}" v="35" dt="2021-10-15T20:03:00.016"/>
+    <p1510:client id="{61313348-D28B-4C2B-88EF-82071CA11326}" v="63" dt="2021-10-17T16:17:20.592"/>
   </p1510:revLst>
 </p1510:revInfo>
 </file>
@@ -139,18 +141,18 @@
   <pc:docChgLst>
     <pc:chgData name="jack copeland" userId="c1f67f945e5b5c42" providerId="LiveId" clId="{61313348-D28B-4C2B-88EF-82071CA11326}"/>
     <pc:docChg chg="undo redo custSel addSld delSld modSld sldOrd">
-      <pc:chgData name="jack copeland" userId="c1f67f945e5b5c42" providerId="LiveId" clId="{61313348-D28B-4C2B-88EF-82071CA11326}" dt="2021-10-15T20:03:00.015" v="1833" actId="20577"/>
+      <pc:chgData name="jack copeland" userId="c1f67f945e5b5c42" providerId="LiveId" clId="{61313348-D28B-4C2B-88EF-82071CA11326}" dt="2021-10-17T16:17:24.166" v="2452" actId="1076"/>
       <pc:docMkLst>
         <pc:docMk/>
       </pc:docMkLst>
       <pc:sldChg chg="modSp">
-        <pc:chgData name="jack copeland" userId="c1f67f945e5b5c42" providerId="LiveId" clId="{61313348-D28B-4C2B-88EF-82071CA11326}" dt="2021-10-15T20:03:00.015" v="1833" actId="20577"/>
+        <pc:chgData name="jack copeland" userId="c1f67f945e5b5c42" providerId="LiveId" clId="{61313348-D28B-4C2B-88EF-82071CA11326}" dt="2021-10-17T15:48:23.812" v="1834" actId="207"/>
         <pc:sldMkLst>
           <pc:docMk/>
           <pc:sldMk cId="2410825078" sldId="257"/>
         </pc:sldMkLst>
         <pc:graphicFrameChg chg="mod">
-          <ac:chgData name="jack copeland" userId="c1f67f945e5b5c42" providerId="LiveId" clId="{61313348-D28B-4C2B-88EF-82071CA11326}" dt="2021-10-15T20:03:00.015" v="1833" actId="20577"/>
+          <ac:chgData name="jack copeland" userId="c1f67f945e5b5c42" providerId="LiveId" clId="{61313348-D28B-4C2B-88EF-82071CA11326}" dt="2021-10-17T15:48:23.812" v="1834" actId="207"/>
           <ac:graphicFrameMkLst>
             <pc:docMk/>
             <pc:sldMk cId="2410825078" sldId="257"/>
@@ -158,34 +160,312 @@
           </ac:graphicFrameMkLst>
         </pc:graphicFrameChg>
       </pc:sldChg>
+      <pc:sldChg chg="addSp modSp mod">
+        <pc:chgData name="jack copeland" userId="c1f67f945e5b5c42" providerId="LiveId" clId="{61313348-D28B-4C2B-88EF-82071CA11326}" dt="2021-10-17T15:50:17.643" v="1896" actId="1076"/>
+        <pc:sldMkLst>
+          <pc:docMk/>
+          <pc:sldMk cId="2137121050" sldId="258"/>
+        </pc:sldMkLst>
+        <pc:spChg chg="mod">
+          <ac:chgData name="jack copeland" userId="c1f67f945e5b5c42" providerId="LiveId" clId="{61313348-D28B-4C2B-88EF-82071CA11326}" dt="2021-10-17T15:49:53.592" v="1852" actId="1076"/>
+          <ac:spMkLst>
+            <pc:docMk/>
+            <pc:sldMk cId="2137121050" sldId="258"/>
+            <ac:spMk id="2" creationId="{DAB4513B-547A-4C7A-95CB-74411897CE3F}"/>
+          </ac:spMkLst>
+        </pc:spChg>
+        <pc:spChg chg="mod">
+          <ac:chgData name="jack copeland" userId="c1f67f945e5b5c42" providerId="LiveId" clId="{61313348-D28B-4C2B-88EF-82071CA11326}" dt="2021-10-17T15:50:02.776" v="1892" actId="1035"/>
+          <ac:spMkLst>
+            <pc:docMk/>
+            <pc:sldMk cId="2137121050" sldId="258"/>
+            <ac:spMk id="5" creationId="{CD202980-1C07-45E7-A965-6A8C27F32E1E}"/>
+          </ac:spMkLst>
+        </pc:spChg>
+        <pc:spChg chg="mod">
+          <ac:chgData name="jack copeland" userId="c1f67f945e5b5c42" providerId="LiveId" clId="{61313348-D28B-4C2B-88EF-82071CA11326}" dt="2021-10-17T15:50:02.776" v="1892" actId="1035"/>
+          <ac:spMkLst>
+            <pc:docMk/>
+            <pc:sldMk cId="2137121050" sldId="258"/>
+            <ac:spMk id="8" creationId="{345B3465-322F-4143-A398-88BEFA7CCC4C}"/>
+          </ac:spMkLst>
+        </pc:spChg>
+        <pc:spChg chg="mod">
+          <ac:chgData name="jack copeland" userId="c1f67f945e5b5c42" providerId="LiveId" clId="{61313348-D28B-4C2B-88EF-82071CA11326}" dt="2021-10-17T15:50:02.776" v="1892" actId="1035"/>
+          <ac:spMkLst>
+            <pc:docMk/>
+            <pc:sldMk cId="2137121050" sldId="258"/>
+            <ac:spMk id="10" creationId="{A1CC24FD-FA00-4FAE-B1C7-DCBEAD369628}"/>
+          </ac:spMkLst>
+        </pc:spChg>
+        <pc:spChg chg="mod">
+          <ac:chgData name="jack copeland" userId="c1f67f945e5b5c42" providerId="LiveId" clId="{61313348-D28B-4C2B-88EF-82071CA11326}" dt="2021-10-17T15:50:02.776" v="1892" actId="1035"/>
+          <ac:spMkLst>
+            <pc:docMk/>
+            <pc:sldMk cId="2137121050" sldId="258"/>
+            <ac:spMk id="13" creationId="{F38821FD-9194-4DD9-9817-1D16AC176A70}"/>
+          </ac:spMkLst>
+        </pc:spChg>
+        <pc:spChg chg="mod">
+          <ac:chgData name="jack copeland" userId="c1f67f945e5b5c42" providerId="LiveId" clId="{61313348-D28B-4C2B-88EF-82071CA11326}" dt="2021-10-17T15:50:02.776" v="1892" actId="1035"/>
+          <ac:spMkLst>
+            <pc:docMk/>
+            <pc:sldMk cId="2137121050" sldId="258"/>
+            <ac:spMk id="14" creationId="{BDFC6C98-4B97-4513-9056-B6C03444C9BB}"/>
+          </ac:spMkLst>
+        </pc:spChg>
+        <pc:spChg chg="mod">
+          <ac:chgData name="jack copeland" userId="c1f67f945e5b5c42" providerId="LiveId" clId="{61313348-D28B-4C2B-88EF-82071CA11326}" dt="2021-10-17T15:50:02.776" v="1892" actId="1035"/>
+          <ac:spMkLst>
+            <pc:docMk/>
+            <pc:sldMk cId="2137121050" sldId="258"/>
+            <ac:spMk id="15" creationId="{5D5DC4F4-CEB2-4338-B60A-9B798619EEDB}"/>
+          </ac:spMkLst>
+        </pc:spChg>
+        <pc:spChg chg="mod">
+          <ac:chgData name="jack copeland" userId="c1f67f945e5b5c42" providerId="LiveId" clId="{61313348-D28B-4C2B-88EF-82071CA11326}" dt="2021-10-17T15:50:02.776" v="1892" actId="1035"/>
+          <ac:spMkLst>
+            <pc:docMk/>
+            <pc:sldMk cId="2137121050" sldId="258"/>
+            <ac:spMk id="16" creationId="{5C0B5C03-0969-499D-B506-1278AF476AB5}"/>
+          </ac:spMkLst>
+        </pc:spChg>
+        <pc:spChg chg="mod">
+          <ac:chgData name="jack copeland" userId="c1f67f945e5b5c42" providerId="LiveId" clId="{61313348-D28B-4C2B-88EF-82071CA11326}" dt="2021-10-17T15:50:02.776" v="1892" actId="1035"/>
+          <ac:spMkLst>
+            <pc:docMk/>
+            <pc:sldMk cId="2137121050" sldId="258"/>
+            <ac:spMk id="17" creationId="{8ED32982-084B-43AB-9B95-645E9DFCD294}"/>
+          </ac:spMkLst>
+        </pc:spChg>
+        <pc:spChg chg="mod">
+          <ac:chgData name="jack copeland" userId="c1f67f945e5b5c42" providerId="LiveId" clId="{61313348-D28B-4C2B-88EF-82071CA11326}" dt="2021-10-17T15:50:02.776" v="1892" actId="1035"/>
+          <ac:spMkLst>
+            <pc:docMk/>
+            <pc:sldMk cId="2137121050" sldId="258"/>
+            <ac:spMk id="18" creationId="{A4FB9D5E-66FA-442A-9115-B1E578F4F737}"/>
+          </ac:spMkLst>
+        </pc:spChg>
+        <pc:spChg chg="mod">
+          <ac:chgData name="jack copeland" userId="c1f67f945e5b5c42" providerId="LiveId" clId="{61313348-D28B-4C2B-88EF-82071CA11326}" dt="2021-10-17T15:50:02.776" v="1892" actId="1035"/>
+          <ac:spMkLst>
+            <pc:docMk/>
+            <pc:sldMk cId="2137121050" sldId="258"/>
+            <ac:spMk id="19" creationId="{02DC504D-28F7-4B30-B683-2D45663B2E05}"/>
+          </ac:spMkLst>
+        </pc:spChg>
+        <pc:spChg chg="mod">
+          <ac:chgData name="jack copeland" userId="c1f67f945e5b5c42" providerId="LiveId" clId="{61313348-D28B-4C2B-88EF-82071CA11326}" dt="2021-10-17T15:50:02.776" v="1892" actId="1035"/>
+          <ac:spMkLst>
+            <pc:docMk/>
+            <pc:sldMk cId="2137121050" sldId="258"/>
+            <ac:spMk id="20" creationId="{4CB89D97-D7CD-473C-B373-2EFACE13AFC3}"/>
+          </ac:spMkLst>
+        </pc:spChg>
+        <pc:spChg chg="mod">
+          <ac:chgData name="jack copeland" userId="c1f67f945e5b5c42" providerId="LiveId" clId="{61313348-D28B-4C2B-88EF-82071CA11326}" dt="2021-10-17T15:50:02.776" v="1892" actId="1035"/>
+          <ac:spMkLst>
+            <pc:docMk/>
+            <pc:sldMk cId="2137121050" sldId="258"/>
+            <ac:spMk id="21" creationId="{3711D58A-A5E9-4217-ADA7-C90D2A46D74D}"/>
+          </ac:spMkLst>
+        </pc:spChg>
+        <pc:spChg chg="add mod ord">
+          <ac:chgData name="jack copeland" userId="c1f67f945e5b5c42" providerId="LiveId" clId="{61313348-D28B-4C2B-88EF-82071CA11326}" dt="2021-10-17T15:50:06.238" v="1893" actId="167"/>
+          <ac:spMkLst>
+            <pc:docMk/>
+            <pc:sldMk cId="2137121050" sldId="258"/>
+            <ac:spMk id="24" creationId="{BBE1C276-AA11-44C2-918E-75F0649F4A75}"/>
+          </ac:spMkLst>
+        </pc:spChg>
+        <pc:picChg chg="mod">
+          <ac:chgData name="jack copeland" userId="c1f67f945e5b5c42" providerId="LiveId" clId="{61313348-D28B-4C2B-88EF-82071CA11326}" dt="2021-10-17T15:50:17.643" v="1896" actId="1076"/>
+          <ac:picMkLst>
+            <pc:docMk/>
+            <pc:sldMk cId="2137121050" sldId="258"/>
+            <ac:picMk id="28" creationId="{1A7EC8A1-FC86-42FD-BB3C-BD166869F5F4}"/>
+          </ac:picMkLst>
+        </pc:picChg>
+        <pc:picChg chg="mod">
+          <ac:chgData name="jack copeland" userId="c1f67f945e5b5c42" providerId="LiveId" clId="{61313348-D28B-4C2B-88EF-82071CA11326}" dt="2021-10-17T15:50:17.643" v="1896" actId="1076"/>
+          <ac:picMkLst>
+            <pc:docMk/>
+            <pc:sldMk cId="2137121050" sldId="258"/>
+            <ac:picMk id="30" creationId="{780A5FBE-AB58-4A05-B897-0A7A6D222055}"/>
+          </ac:picMkLst>
+        </pc:picChg>
+        <pc:picChg chg="mod">
+          <ac:chgData name="jack copeland" userId="c1f67f945e5b5c42" providerId="LiveId" clId="{61313348-D28B-4C2B-88EF-82071CA11326}" dt="2021-10-17T15:50:13.908" v="1895" actId="1076"/>
+          <ac:picMkLst>
+            <pc:docMk/>
+            <pc:sldMk cId="2137121050" sldId="258"/>
+            <ac:picMk id="40" creationId="{30117702-BAAB-4EC2-BC53-12FD31C908F5}"/>
+          </ac:picMkLst>
+        </pc:picChg>
+        <pc:picChg chg="mod">
+          <ac:chgData name="jack copeland" userId="c1f67f945e5b5c42" providerId="LiveId" clId="{61313348-D28B-4C2B-88EF-82071CA11326}" dt="2021-10-17T15:50:13.908" v="1895" actId="1076"/>
+          <ac:picMkLst>
+            <pc:docMk/>
+            <pc:sldMk cId="2137121050" sldId="258"/>
+            <ac:picMk id="42" creationId="{66AA5A20-CFE8-46CA-A21E-ED0444A63ACA}"/>
+          </ac:picMkLst>
+        </pc:picChg>
+        <pc:cxnChg chg="mod">
+          <ac:chgData name="jack copeland" userId="c1f67f945e5b5c42" providerId="LiveId" clId="{61313348-D28B-4C2B-88EF-82071CA11326}" dt="2021-10-17T15:50:02.776" v="1892" actId="1035"/>
+          <ac:cxnSpMkLst>
+            <pc:docMk/>
+            <pc:sldMk cId="2137121050" sldId="258"/>
+            <ac:cxnSpMk id="23" creationId="{7D34ADE7-76DF-46DF-84EF-B7D97E50D6D3}"/>
+          </ac:cxnSpMkLst>
+        </pc:cxnChg>
+        <pc:cxnChg chg="mod">
+          <ac:chgData name="jack copeland" userId="c1f67f945e5b5c42" providerId="LiveId" clId="{61313348-D28B-4C2B-88EF-82071CA11326}" dt="2021-10-17T15:50:02.776" v="1892" actId="1035"/>
+          <ac:cxnSpMkLst>
+            <pc:docMk/>
+            <pc:sldMk cId="2137121050" sldId="258"/>
+            <ac:cxnSpMk id="25" creationId="{5D50BB88-2088-4CD4-A3DA-CD2105FB2499}"/>
+          </ac:cxnSpMkLst>
+        </pc:cxnChg>
+        <pc:cxnChg chg="mod">
+          <ac:chgData name="jack copeland" userId="c1f67f945e5b5c42" providerId="LiveId" clId="{61313348-D28B-4C2B-88EF-82071CA11326}" dt="2021-10-17T15:50:02.776" v="1892" actId="1035"/>
+          <ac:cxnSpMkLst>
+            <pc:docMk/>
+            <pc:sldMk cId="2137121050" sldId="258"/>
+            <ac:cxnSpMk id="26" creationId="{53ABBE89-3947-430E-AAD5-B884CED2BC61}"/>
+          </ac:cxnSpMkLst>
+        </pc:cxnChg>
+        <pc:cxnChg chg="add mod">
+          <ac:chgData name="jack copeland" userId="c1f67f945e5b5c42" providerId="LiveId" clId="{61313348-D28B-4C2B-88EF-82071CA11326}" dt="2021-10-17T15:49:47.916" v="1851"/>
+          <ac:cxnSpMkLst>
+            <pc:docMk/>
+            <pc:sldMk cId="2137121050" sldId="258"/>
+            <ac:cxnSpMk id="27" creationId="{C79EA314-3025-4155-853C-EF807B300239}"/>
+          </ac:cxnSpMkLst>
+        </pc:cxnChg>
+        <pc:cxnChg chg="mod">
+          <ac:chgData name="jack copeland" userId="c1f67f945e5b5c42" providerId="LiveId" clId="{61313348-D28B-4C2B-88EF-82071CA11326}" dt="2021-10-17T15:50:09.627" v="1894" actId="14100"/>
+          <ac:cxnSpMkLst>
+            <pc:docMk/>
+            <pc:sldMk cId="2137121050" sldId="258"/>
+            <ac:cxnSpMk id="32" creationId="{A37C0CC0-2CDF-4075-ADA1-1C0F91506F73}"/>
+          </ac:cxnSpMkLst>
+        </pc:cxnChg>
+        <pc:cxnChg chg="mod">
+          <ac:chgData name="jack copeland" userId="c1f67f945e5b5c42" providerId="LiveId" clId="{61313348-D28B-4C2B-88EF-82071CA11326}" dt="2021-10-17T15:50:02.776" v="1892" actId="1035"/>
+          <ac:cxnSpMkLst>
+            <pc:docMk/>
+            <pc:sldMk cId="2137121050" sldId="258"/>
+            <ac:cxnSpMk id="33" creationId="{523B2EC3-4DB7-4978-8CB4-48CA403375AF}"/>
+          </ac:cxnSpMkLst>
+        </pc:cxnChg>
+      </pc:sldChg>
+      <pc:sldChg chg="modSp">
+        <pc:chgData name="jack copeland" userId="c1f67f945e5b5c42" providerId="LiveId" clId="{61313348-D28B-4C2B-88EF-82071CA11326}" dt="2021-10-17T15:48:30.236" v="1835" actId="207"/>
+        <pc:sldMkLst>
+          <pc:docMk/>
+          <pc:sldMk cId="3778762607" sldId="259"/>
+        </pc:sldMkLst>
+        <pc:graphicFrameChg chg="mod">
+          <ac:chgData name="jack copeland" userId="c1f67f945e5b5c42" providerId="LiveId" clId="{61313348-D28B-4C2B-88EF-82071CA11326}" dt="2021-10-17T15:48:30.236" v="1835" actId="207"/>
+          <ac:graphicFrameMkLst>
+            <pc:docMk/>
+            <pc:sldMk cId="3778762607" sldId="259"/>
+            <ac:graphicFrameMk id="4" creationId="{3E6131AB-8164-4B6B-8E68-5AE0D422DE4B}"/>
+          </ac:graphicFrameMkLst>
+        </pc:graphicFrameChg>
+      </pc:sldChg>
       <pc:sldChg chg="addSp delSp modSp mod">
-        <pc:chgData name="jack copeland" userId="c1f67f945e5b5c42" providerId="LiveId" clId="{61313348-D28B-4C2B-88EF-82071CA11326}" dt="2021-10-15T18:39:57.254" v="40" actId="1076"/>
+        <pc:chgData name="jack copeland" userId="c1f67f945e5b5c42" providerId="LiveId" clId="{61313348-D28B-4C2B-88EF-82071CA11326}" dt="2021-10-17T15:50:41.430" v="1907" actId="166"/>
         <pc:sldMkLst>
           <pc:docMk/>
           <pc:sldMk cId="2637618212" sldId="260"/>
         </pc:sldMkLst>
         <pc:spChg chg="mod">
-          <ac:chgData name="jack copeland" userId="c1f67f945e5b5c42" providerId="LiveId" clId="{61313348-D28B-4C2B-88EF-82071CA11326}" dt="2021-10-15T18:39:57.254" v="40" actId="1076"/>
+          <ac:chgData name="jack copeland" userId="c1f67f945e5b5c42" providerId="LiveId" clId="{61313348-D28B-4C2B-88EF-82071CA11326}" dt="2021-10-17T15:50:26.470" v="1901" actId="27636"/>
+          <ac:spMkLst>
+            <pc:docMk/>
+            <pc:sldMk cId="2637618212" sldId="260"/>
+            <ac:spMk id="2" creationId="{92A9B60F-7F68-48F6-9FB9-2CF291C61653}"/>
+          </ac:spMkLst>
+        </pc:spChg>
+        <pc:spChg chg="mod ord">
+          <ac:chgData name="jack copeland" userId="c1f67f945e5b5c42" providerId="LiveId" clId="{61313348-D28B-4C2B-88EF-82071CA11326}" dt="2021-10-17T15:50:41.430" v="1907" actId="166"/>
+          <ac:spMkLst>
+            <pc:docMk/>
+            <pc:sldMk cId="2637618212" sldId="260"/>
+            <ac:spMk id="4" creationId="{27678693-BBE0-41E4-9C41-F551D931A2B5}"/>
+          </ac:spMkLst>
+        </pc:spChg>
+        <pc:spChg chg="mod ord">
+          <ac:chgData name="jack copeland" userId="c1f67f945e5b5c42" providerId="LiveId" clId="{61313348-D28B-4C2B-88EF-82071CA11326}" dt="2021-10-17T15:50:41.430" v="1907" actId="166"/>
+          <ac:spMkLst>
+            <pc:docMk/>
+            <pc:sldMk cId="2637618212" sldId="260"/>
+            <ac:spMk id="5" creationId="{3FACFDE9-4AB9-4A9F-960E-7C0140DA598C}"/>
+          </ac:spMkLst>
+        </pc:spChg>
+        <pc:spChg chg="mod ord">
+          <ac:chgData name="jack copeland" userId="c1f67f945e5b5c42" providerId="LiveId" clId="{61313348-D28B-4C2B-88EF-82071CA11326}" dt="2021-10-17T15:50:41.430" v="1907" actId="166"/>
+          <ac:spMkLst>
+            <pc:docMk/>
+            <pc:sldMk cId="2637618212" sldId="260"/>
+            <ac:spMk id="6" creationId="{4790EC81-6187-493A-8E26-C869A2988A4E}"/>
+          </ac:spMkLst>
+        </pc:spChg>
+        <pc:spChg chg="mod ord">
+          <ac:chgData name="jack copeland" userId="c1f67f945e5b5c42" providerId="LiveId" clId="{61313348-D28B-4C2B-88EF-82071CA11326}" dt="2021-10-17T15:50:41.430" v="1907" actId="166"/>
+          <ac:spMkLst>
+            <pc:docMk/>
+            <pc:sldMk cId="2637618212" sldId="260"/>
+            <ac:spMk id="7" creationId="{877D3999-8A00-476F-941E-3D041924533D}"/>
+          </ac:spMkLst>
+        </pc:spChg>
+        <pc:spChg chg="mod ord">
+          <ac:chgData name="jack copeland" userId="c1f67f945e5b5c42" providerId="LiveId" clId="{61313348-D28B-4C2B-88EF-82071CA11326}" dt="2021-10-17T15:50:41.430" v="1907" actId="166"/>
+          <ac:spMkLst>
+            <pc:docMk/>
+            <pc:sldMk cId="2637618212" sldId="260"/>
+            <ac:spMk id="8" creationId="{36E3E685-553D-428E-A476-163BCED0DAC8}"/>
+          </ac:spMkLst>
+        </pc:spChg>
+        <pc:spChg chg="mod ord">
+          <ac:chgData name="jack copeland" userId="c1f67f945e5b5c42" providerId="LiveId" clId="{61313348-D28B-4C2B-88EF-82071CA11326}" dt="2021-10-17T15:50:41.430" v="1907" actId="166"/>
+          <ac:spMkLst>
+            <pc:docMk/>
+            <pc:sldMk cId="2637618212" sldId="260"/>
+            <ac:spMk id="9" creationId="{93C075AE-07AA-4E59-B183-9CC5ECD3CFD8}"/>
+          </ac:spMkLst>
+        </pc:spChg>
+        <pc:spChg chg="mod ord">
+          <ac:chgData name="jack copeland" userId="c1f67f945e5b5c42" providerId="LiveId" clId="{61313348-D28B-4C2B-88EF-82071CA11326}" dt="2021-10-17T15:50:41.430" v="1907" actId="166"/>
           <ac:spMkLst>
             <pc:docMk/>
             <pc:sldMk cId="2637618212" sldId="260"/>
             <ac:spMk id="10" creationId="{8151ECB6-771A-41F2-9B75-F6D7485D1F36}"/>
           </ac:spMkLst>
         </pc:spChg>
-        <pc:spChg chg="mod">
-          <ac:chgData name="jack copeland" userId="c1f67f945e5b5c42" providerId="LiveId" clId="{61313348-D28B-4C2B-88EF-82071CA11326}" dt="2021-10-15T18:38:18.084" v="16" actId="1035"/>
+        <pc:spChg chg="mod ord">
+          <ac:chgData name="jack copeland" userId="c1f67f945e5b5c42" providerId="LiveId" clId="{61313348-D28B-4C2B-88EF-82071CA11326}" dt="2021-10-17T15:50:41.430" v="1907" actId="166"/>
           <ac:spMkLst>
             <pc:docMk/>
             <pc:sldMk cId="2637618212" sldId="260"/>
             <ac:spMk id="11" creationId="{65C2FC47-B642-4DEB-85B7-3BA4FDD484D0}"/>
           </ac:spMkLst>
         </pc:spChg>
-        <pc:spChg chg="mod">
-          <ac:chgData name="jack copeland" userId="c1f67f945e5b5c42" providerId="LiveId" clId="{61313348-D28B-4C2B-88EF-82071CA11326}" dt="2021-10-15T18:39:48.720" v="38" actId="1076"/>
+        <pc:spChg chg="mod ord">
+          <ac:chgData name="jack copeland" userId="c1f67f945e5b5c42" providerId="LiveId" clId="{61313348-D28B-4C2B-88EF-82071CA11326}" dt="2021-10-17T15:50:41.430" v="1907" actId="166"/>
           <ac:spMkLst>
             <pc:docMk/>
             <pc:sldMk cId="2637618212" sldId="260"/>
             <ac:spMk id="12" creationId="{DB55FAF1-051D-4CD8-9D47-0F8E762ED402}"/>
+          </ac:spMkLst>
+        </pc:spChg>
+        <pc:spChg chg="add mod">
+          <ac:chgData name="jack copeland" userId="c1f67f945e5b5c42" providerId="LiveId" clId="{61313348-D28B-4C2B-88EF-82071CA11326}" dt="2021-10-17T15:50:23.310" v="1899" actId="1076"/>
+          <ac:spMkLst>
+            <pc:docMk/>
+            <pc:sldMk cId="2637618212" sldId="260"/>
+            <ac:spMk id="16" creationId="{B3ABA758-3598-40F2-9FBD-F4DD3019CB66}"/>
           </ac:spMkLst>
         </pc:spChg>
         <pc:picChg chg="add del mod">
@@ -196,46 +476,62 @@
             <ac:picMk id="13" creationId="{656ACCB7-9EA0-408E-9040-55FFEC6970E2}"/>
           </ac:picMkLst>
         </pc:picChg>
-        <pc:picChg chg="add mod">
-          <ac:chgData name="jack copeland" userId="c1f67f945e5b5c42" providerId="LiveId" clId="{61313348-D28B-4C2B-88EF-82071CA11326}" dt="2021-10-15T18:38:41.495" v="19" actId="1076"/>
+        <pc:picChg chg="add mod ord">
+          <ac:chgData name="jack copeland" userId="c1f67f945e5b5c42" providerId="LiveId" clId="{61313348-D28B-4C2B-88EF-82071CA11326}" dt="2021-10-17T15:50:41.430" v="1907" actId="166"/>
           <ac:picMkLst>
             <pc:docMk/>
             <pc:sldMk cId="2637618212" sldId="260"/>
             <ac:picMk id="15" creationId="{BD1C0119-446E-45B1-BC44-6BFD7C1767B3}"/>
           </ac:picMkLst>
         </pc:picChg>
-        <pc:picChg chg="add mod">
-          <ac:chgData name="jack copeland" userId="c1f67f945e5b5c42" providerId="LiveId" clId="{61313348-D28B-4C2B-88EF-82071CA11326}" dt="2021-10-15T18:38:56.878" v="21" actId="1076"/>
+        <pc:picChg chg="add mod ord">
+          <ac:chgData name="jack copeland" userId="c1f67f945e5b5c42" providerId="LiveId" clId="{61313348-D28B-4C2B-88EF-82071CA11326}" dt="2021-10-17T15:50:41.430" v="1907" actId="166"/>
           <ac:picMkLst>
             <pc:docMk/>
             <pc:sldMk cId="2637618212" sldId="260"/>
             <ac:picMk id="17" creationId="{401C06C2-BF78-4281-A59F-963C45084A34}"/>
           </ac:picMkLst>
         </pc:picChg>
-        <pc:picChg chg="add mod">
-          <ac:chgData name="jack copeland" userId="c1f67f945e5b5c42" providerId="LiveId" clId="{61313348-D28B-4C2B-88EF-82071CA11326}" dt="2021-10-15T18:39:14.645" v="24" actId="1076"/>
+        <pc:picChg chg="add mod ord">
+          <ac:chgData name="jack copeland" userId="c1f67f945e5b5c42" providerId="LiveId" clId="{61313348-D28B-4C2B-88EF-82071CA11326}" dt="2021-10-17T15:50:41.430" v="1907" actId="166"/>
           <ac:picMkLst>
             <pc:docMk/>
             <pc:sldMk cId="2637618212" sldId="260"/>
             <ac:picMk id="19" creationId="{F41D8342-5602-4058-943C-8BF765452E6E}"/>
           </ac:picMkLst>
         </pc:picChg>
+        <pc:cxnChg chg="add mod">
+          <ac:chgData name="jack copeland" userId="c1f67f945e5b5c42" providerId="LiveId" clId="{61313348-D28B-4C2B-88EF-82071CA11326}" dt="2021-10-17T15:50:20.484" v="1897"/>
+          <ac:cxnSpMkLst>
+            <pc:docMk/>
+            <pc:sldMk cId="2637618212" sldId="260"/>
+            <ac:cxnSpMk id="18" creationId="{E2E4C248-22F9-46C8-A062-659966F20424}"/>
+          </ac:cxnSpMkLst>
+        </pc:cxnChg>
       </pc:sldChg>
-      <pc:sldChg chg="add">
-        <pc:chgData name="jack copeland" userId="c1f67f945e5b5c42" providerId="LiveId" clId="{61313348-D28B-4C2B-88EF-82071CA11326}" dt="2021-10-15T19:29:00.926" v="41"/>
+      <pc:sldChg chg="modSp add">
+        <pc:chgData name="jack copeland" userId="c1f67f945e5b5c42" providerId="LiveId" clId="{61313348-D28B-4C2B-88EF-82071CA11326}" dt="2021-10-17T15:48:41.772" v="1836" actId="207"/>
         <pc:sldMkLst>
           <pc:docMk/>
           <pc:sldMk cId="3918163098" sldId="261"/>
         </pc:sldMkLst>
+        <pc:graphicFrameChg chg="mod">
+          <ac:chgData name="jack copeland" userId="c1f67f945e5b5c42" providerId="LiveId" clId="{61313348-D28B-4C2B-88EF-82071CA11326}" dt="2021-10-17T15:48:41.772" v="1836" actId="207"/>
+          <ac:graphicFrameMkLst>
+            <pc:docMk/>
+            <pc:sldMk cId="3918163098" sldId="261"/>
+            <ac:graphicFrameMk id="4" creationId="{3E6131AB-8164-4B6B-8E68-5AE0D422DE4B}"/>
+          </ac:graphicFrameMkLst>
+        </pc:graphicFrameChg>
       </pc:sldChg>
       <pc:sldChg chg="addSp delSp modSp add mod ord">
-        <pc:chgData name="jack copeland" userId="c1f67f945e5b5c42" providerId="LiveId" clId="{61313348-D28B-4C2B-88EF-82071CA11326}" dt="2021-10-15T19:36:08.844" v="584" actId="1076"/>
+        <pc:chgData name="jack copeland" userId="c1f67f945e5b5c42" providerId="LiveId" clId="{61313348-D28B-4C2B-88EF-82071CA11326}" dt="2021-10-17T15:51:04.670" v="1912" actId="1076"/>
         <pc:sldMkLst>
           <pc:docMk/>
           <pc:sldMk cId="1634980106" sldId="262"/>
         </pc:sldMkLst>
         <pc:spChg chg="mod">
-          <ac:chgData name="jack copeland" userId="c1f67f945e5b5c42" providerId="LiveId" clId="{61313348-D28B-4C2B-88EF-82071CA11326}" dt="2021-10-15T19:29:18.333" v="74" actId="20577"/>
+          <ac:chgData name="jack copeland" userId="c1f67f945e5b5c42" providerId="LiveId" clId="{61313348-D28B-4C2B-88EF-82071CA11326}" dt="2021-10-17T15:50:49.721" v="1910" actId="27636"/>
           <ac:spMkLst>
             <pc:docMk/>
             <pc:sldMk cId="1634980106" sldId="262"/>
@@ -243,7 +539,7 @@
           </ac:spMkLst>
         </pc:spChg>
         <pc:spChg chg="mod">
-          <ac:chgData name="jack copeland" userId="c1f67f945e5b5c42" providerId="LiveId" clId="{61313348-D28B-4C2B-88EF-82071CA11326}" dt="2021-10-15T19:36:08.844" v="584" actId="1076"/>
+          <ac:chgData name="jack copeland" userId="c1f67f945e5b5c42" providerId="LiveId" clId="{61313348-D28B-4C2B-88EF-82071CA11326}" dt="2021-10-17T15:51:04.670" v="1912" actId="1076"/>
           <ac:spMkLst>
             <pc:docMk/>
             <pc:sldMk cId="1634980106" sldId="262"/>
@@ -251,7 +547,7 @@
           </ac:spMkLst>
         </pc:spChg>
         <pc:spChg chg="mod">
-          <ac:chgData name="jack copeland" userId="c1f67f945e5b5c42" providerId="LiveId" clId="{61313348-D28B-4C2B-88EF-82071CA11326}" dt="2021-10-15T19:35:55.245" v="581" actId="1076"/>
+          <ac:chgData name="jack copeland" userId="c1f67f945e5b5c42" providerId="LiveId" clId="{61313348-D28B-4C2B-88EF-82071CA11326}" dt="2021-10-17T15:51:04.670" v="1912" actId="1076"/>
           <ac:spMkLst>
             <pc:docMk/>
             <pc:sldMk cId="1634980106" sldId="262"/>
@@ -259,7 +555,15 @@
           </ac:spMkLst>
         </pc:spChg>
         <pc:spChg chg="mod">
-          <ac:chgData name="jack copeland" userId="c1f67f945e5b5c42" providerId="LiveId" clId="{61313348-D28B-4C2B-88EF-82071CA11326}" dt="2021-10-15T19:36:08.844" v="584" actId="1076"/>
+          <ac:chgData name="jack copeland" userId="c1f67f945e5b5c42" providerId="LiveId" clId="{61313348-D28B-4C2B-88EF-82071CA11326}" dt="2021-10-17T15:51:04.670" v="1912" actId="1076"/>
+          <ac:spMkLst>
+            <pc:docMk/>
+            <pc:sldMk cId="1634980106" sldId="262"/>
+            <ac:spMk id="6" creationId="{4790EC81-6187-493A-8E26-C869A2988A4E}"/>
+          </ac:spMkLst>
+        </pc:spChg>
+        <pc:spChg chg="mod">
+          <ac:chgData name="jack copeland" userId="c1f67f945e5b5c42" providerId="LiveId" clId="{61313348-D28B-4C2B-88EF-82071CA11326}" dt="2021-10-17T15:51:04.670" v="1912" actId="1076"/>
           <ac:spMkLst>
             <pc:docMk/>
             <pc:sldMk cId="1634980106" sldId="262"/>
@@ -283,7 +587,7 @@
           </ac:spMkLst>
         </pc:spChg>
         <pc:spChg chg="mod">
-          <ac:chgData name="jack copeland" userId="c1f67f945e5b5c42" providerId="LiveId" clId="{61313348-D28B-4C2B-88EF-82071CA11326}" dt="2021-10-15T19:36:08.844" v="584" actId="1076"/>
+          <ac:chgData name="jack copeland" userId="c1f67f945e5b5c42" providerId="LiveId" clId="{61313348-D28B-4C2B-88EF-82071CA11326}" dt="2021-10-17T15:51:04.670" v="1912" actId="1076"/>
           <ac:spMkLst>
             <pc:docMk/>
             <pc:sldMk cId="1634980106" sldId="262"/>
@@ -298,6 +602,14 @@
             <ac:spMk id="11" creationId="{65C2FC47-B642-4DEB-85B7-3BA4FDD484D0}"/>
           </ac:spMkLst>
         </pc:spChg>
+        <pc:spChg chg="add mod ord">
+          <ac:chgData name="jack copeland" userId="c1f67f945e5b5c42" providerId="LiveId" clId="{61313348-D28B-4C2B-88EF-82071CA11326}" dt="2021-10-17T15:50:55.214" v="1911" actId="167"/>
+          <ac:spMkLst>
+            <pc:docMk/>
+            <pc:sldMk cId="1634980106" sldId="262"/>
+            <ac:spMk id="12" creationId="{39CE9030-5AAB-40F3-8F38-85695AC30DE8}"/>
+          </ac:spMkLst>
+        </pc:spChg>
         <pc:spChg chg="del">
           <ac:chgData name="jack copeland" userId="c1f67f945e5b5c42" providerId="LiveId" clId="{61313348-D28B-4C2B-88EF-82071CA11326}" dt="2021-10-15T19:32:10.757" v="297" actId="478"/>
           <ac:spMkLst>
@@ -307,7 +619,7 @@
           </ac:spMkLst>
         </pc:spChg>
         <pc:spChg chg="add mod">
-          <ac:chgData name="jack copeland" userId="c1f67f945e5b5c42" providerId="LiveId" clId="{61313348-D28B-4C2B-88EF-82071CA11326}" dt="2021-10-15T19:35:55.245" v="581" actId="1076"/>
+          <ac:chgData name="jack copeland" userId="c1f67f945e5b5c42" providerId="LiveId" clId="{61313348-D28B-4C2B-88EF-82071CA11326}" dt="2021-10-17T15:51:04.670" v="1912" actId="1076"/>
           <ac:spMkLst>
             <pc:docMk/>
             <pc:sldMk cId="1634980106" sldId="262"/>
@@ -315,7 +627,7 @@
           </ac:spMkLst>
         </pc:spChg>
         <pc:spChg chg="add mod">
-          <ac:chgData name="jack copeland" userId="c1f67f945e5b5c42" providerId="LiveId" clId="{61313348-D28B-4C2B-88EF-82071CA11326}" dt="2021-10-15T19:35:55.245" v="581" actId="1076"/>
+          <ac:chgData name="jack copeland" userId="c1f67f945e5b5c42" providerId="LiveId" clId="{61313348-D28B-4C2B-88EF-82071CA11326}" dt="2021-10-17T15:51:04.670" v="1912" actId="1076"/>
           <ac:spMkLst>
             <pc:docMk/>
             <pc:sldMk cId="1634980106" sldId="262"/>
@@ -323,7 +635,7 @@
           </ac:spMkLst>
         </pc:spChg>
         <pc:spChg chg="add mod">
-          <ac:chgData name="jack copeland" userId="c1f67f945e5b5c42" providerId="LiveId" clId="{61313348-D28B-4C2B-88EF-82071CA11326}" dt="2021-10-15T19:33:33.375" v="420" actId="20577"/>
+          <ac:chgData name="jack copeland" userId="c1f67f945e5b5c42" providerId="LiveId" clId="{61313348-D28B-4C2B-88EF-82071CA11326}" dt="2021-10-17T15:51:04.670" v="1912" actId="1076"/>
           <ac:spMkLst>
             <pc:docMk/>
             <pc:sldMk cId="1634980106" sldId="262"/>
@@ -331,7 +643,7 @@
           </ac:spMkLst>
         </pc:spChg>
         <pc:spChg chg="add mod">
-          <ac:chgData name="jack copeland" userId="c1f67f945e5b5c42" providerId="LiveId" clId="{61313348-D28B-4C2B-88EF-82071CA11326}" dt="2021-10-15T19:34:47.895" v="577" actId="20577"/>
+          <ac:chgData name="jack copeland" userId="c1f67f945e5b5c42" providerId="LiveId" clId="{61313348-D28B-4C2B-88EF-82071CA11326}" dt="2021-10-17T15:51:04.670" v="1912" actId="1076"/>
           <ac:spMkLst>
             <pc:docMk/>
             <pc:sldMk cId="1634980106" sldId="262"/>
@@ -362,15 +674,23 @@
             <ac:picMk id="19" creationId="{F41D8342-5602-4058-943C-8BF765452E6E}"/>
           </ac:picMkLst>
         </pc:picChg>
+        <pc:cxnChg chg="add mod">
+          <ac:chgData name="jack copeland" userId="c1f67f945e5b5c42" providerId="LiveId" clId="{61313348-D28B-4C2B-88EF-82071CA11326}" dt="2021-10-17T15:50:46.539" v="1908"/>
+          <ac:cxnSpMkLst>
+            <pc:docMk/>
+            <pc:sldMk cId="1634980106" sldId="262"/>
+            <ac:cxnSpMk id="13" creationId="{8DA0C1A7-D053-454A-9B1E-026A1B507B78}"/>
+          </ac:cxnSpMkLst>
+        </pc:cxnChg>
       </pc:sldChg>
       <pc:sldChg chg="addSp delSp modSp add mod">
-        <pc:chgData name="jack copeland" userId="c1f67f945e5b5c42" providerId="LiveId" clId="{61313348-D28B-4C2B-88EF-82071CA11326}" dt="2021-10-15T19:42:24.577" v="954" actId="404"/>
+        <pc:chgData name="jack copeland" userId="c1f67f945e5b5c42" providerId="LiveId" clId="{61313348-D28B-4C2B-88EF-82071CA11326}" dt="2021-10-17T15:52:00.454" v="1938" actId="14100"/>
         <pc:sldMkLst>
           <pc:docMk/>
           <pc:sldMk cId="3472992963" sldId="263"/>
         </pc:sldMkLst>
         <pc:spChg chg="mod">
-          <ac:chgData name="jack copeland" userId="c1f67f945e5b5c42" providerId="LiveId" clId="{61313348-D28B-4C2B-88EF-82071CA11326}" dt="2021-10-15T19:36:32.879" v="600" actId="20577"/>
+          <ac:chgData name="jack copeland" userId="c1f67f945e5b5c42" providerId="LiveId" clId="{61313348-D28B-4C2B-88EF-82071CA11326}" dt="2021-10-17T15:51:09.077" v="1915" actId="27636"/>
           <ac:spMkLst>
             <pc:docMk/>
             <pc:sldMk cId="3472992963" sldId="263"/>
@@ -394,7 +714,7 @@
           </ac:spMkLst>
         </pc:spChg>
         <pc:spChg chg="add mod">
-          <ac:chgData name="jack copeland" userId="c1f67f945e5b5c42" providerId="LiveId" clId="{61313348-D28B-4C2B-88EF-82071CA11326}" dt="2021-10-15T19:42:24.577" v="954" actId="404"/>
+          <ac:chgData name="jack copeland" userId="c1f67f945e5b5c42" providerId="LiveId" clId="{61313348-D28B-4C2B-88EF-82071CA11326}" dt="2021-10-17T15:52:00.454" v="1938" actId="14100"/>
           <ac:spMkLst>
             <pc:docMk/>
             <pc:sldMk cId="3472992963" sldId="263"/>
@@ -407,6 +727,14 @@
             <pc:docMk/>
             <pc:sldMk cId="3472992963" sldId="263"/>
             <ac:spMk id="6" creationId="{4790EC81-6187-493A-8E26-C869A2988A4E}"/>
+          </ac:spMkLst>
+        </pc:spChg>
+        <pc:spChg chg="add mod ord">
+          <ac:chgData name="jack copeland" userId="c1f67f945e5b5c42" providerId="LiveId" clId="{61313348-D28B-4C2B-88EF-82071CA11326}" dt="2021-10-17T15:51:11.574" v="1916" actId="167"/>
+          <ac:spMkLst>
+            <pc:docMk/>
+            <pc:sldMk cId="3472992963" sldId="263"/>
+            <ac:spMk id="6" creationId="{63621ED1-A977-4E28-B419-66E0DEFFE5EB}"/>
           </ac:spMkLst>
         </pc:spChg>
         <pc:spChg chg="del">
@@ -458,22 +786,30 @@
           </ac:spMkLst>
         </pc:spChg>
         <pc:picChg chg="add mod">
-          <ac:chgData name="jack copeland" userId="c1f67f945e5b5c42" providerId="LiveId" clId="{61313348-D28B-4C2B-88EF-82071CA11326}" dt="2021-10-15T19:39:53.687" v="610" actId="1076"/>
+          <ac:chgData name="jack copeland" userId="c1f67f945e5b5c42" providerId="LiveId" clId="{61313348-D28B-4C2B-88EF-82071CA11326}" dt="2021-10-17T15:51:57.739" v="1937" actId="14100"/>
           <ac:picMkLst>
             <pc:docMk/>
             <pc:sldMk cId="3472992963" sldId="263"/>
             <ac:picMk id="4" creationId="{5BF8F774-5544-44EE-A728-A59B0D471603}"/>
           </ac:picMkLst>
         </pc:picChg>
+        <pc:cxnChg chg="add mod">
+          <ac:chgData name="jack copeland" userId="c1f67f945e5b5c42" providerId="LiveId" clId="{61313348-D28B-4C2B-88EF-82071CA11326}" dt="2021-10-17T15:51:06.252" v="1913"/>
+          <ac:cxnSpMkLst>
+            <pc:docMk/>
+            <pc:sldMk cId="3472992963" sldId="263"/>
+            <ac:cxnSpMk id="7" creationId="{23E491C0-55D9-468A-9713-748B52C96995}"/>
+          </ac:cxnSpMkLst>
+        </pc:cxnChg>
       </pc:sldChg>
       <pc:sldChg chg="addSp modSp add mod">
-        <pc:chgData name="jack copeland" userId="c1f67f945e5b5c42" providerId="LiveId" clId="{61313348-D28B-4C2B-88EF-82071CA11326}" dt="2021-10-15T19:47:27.800" v="1340" actId="5793"/>
+        <pc:chgData name="jack copeland" userId="c1f67f945e5b5c42" providerId="LiveId" clId="{61313348-D28B-4C2B-88EF-82071CA11326}" dt="2021-10-17T15:52:21.750" v="1993" actId="1037"/>
         <pc:sldMkLst>
           <pc:docMk/>
           <pc:sldMk cId="2285805491" sldId="264"/>
         </pc:sldMkLst>
         <pc:spChg chg="mod">
-          <ac:chgData name="jack copeland" userId="c1f67f945e5b5c42" providerId="LiveId" clId="{61313348-D28B-4C2B-88EF-82071CA11326}" dt="2021-10-15T19:43:54.454" v="977" actId="20577"/>
+          <ac:chgData name="jack copeland" userId="c1f67f945e5b5c42" providerId="LiveId" clId="{61313348-D28B-4C2B-88EF-82071CA11326}" dt="2021-10-17T15:51:34.858" v="1927" actId="27636"/>
           <ac:spMkLst>
             <pc:docMk/>
             <pc:sldMk cId="2285805491" sldId="264"/>
@@ -481,15 +817,23 @@
           </ac:spMkLst>
         </pc:spChg>
         <pc:spChg chg="mod">
-          <ac:chgData name="jack copeland" userId="c1f67f945e5b5c42" providerId="LiveId" clId="{61313348-D28B-4C2B-88EF-82071CA11326}" dt="2021-10-15T19:47:27.800" v="1340" actId="5793"/>
+          <ac:chgData name="jack copeland" userId="c1f67f945e5b5c42" providerId="LiveId" clId="{61313348-D28B-4C2B-88EF-82071CA11326}" dt="2021-10-17T15:51:49.129" v="1936" actId="20577"/>
           <ac:spMkLst>
             <pc:docMk/>
             <pc:sldMk cId="2285805491" sldId="264"/>
             <ac:spMk id="5" creationId="{B2E9AF01-269C-41F1-AE19-40DA7D48E507}"/>
           </ac:spMkLst>
         </pc:spChg>
+        <pc:spChg chg="add mod ord">
+          <ac:chgData name="jack copeland" userId="c1f67f945e5b5c42" providerId="LiveId" clId="{61313348-D28B-4C2B-88EF-82071CA11326}" dt="2021-10-17T15:51:41.130" v="1930" actId="167"/>
+          <ac:spMkLst>
+            <pc:docMk/>
+            <pc:sldMk cId="2285805491" sldId="264"/>
+            <ac:spMk id="7" creationId="{BF1B094E-1CEA-4881-BC1A-71F51F2243A7}"/>
+          </ac:spMkLst>
+        </pc:spChg>
         <pc:picChg chg="mod">
-          <ac:chgData name="jack copeland" userId="c1f67f945e5b5c42" providerId="LiveId" clId="{61313348-D28B-4C2B-88EF-82071CA11326}" dt="2021-10-15T19:45:25.528" v="978" actId="14826"/>
+          <ac:chgData name="jack copeland" userId="c1f67f945e5b5c42" providerId="LiveId" clId="{61313348-D28B-4C2B-88EF-82071CA11326}" dt="2021-10-17T15:51:39.005" v="1929" actId="1076"/>
           <ac:picMkLst>
             <pc:docMk/>
             <pc:sldMk cId="2285805491" sldId="264"/>
@@ -497,11 +841,19 @@
           </ac:picMkLst>
         </pc:picChg>
         <pc:cxnChg chg="add mod">
-          <ac:chgData name="jack copeland" userId="c1f67f945e5b5c42" providerId="LiveId" clId="{61313348-D28B-4C2B-88EF-82071CA11326}" dt="2021-10-15T19:46:10.774" v="985" actId="208"/>
+          <ac:chgData name="jack copeland" userId="c1f67f945e5b5c42" providerId="LiveId" clId="{61313348-D28B-4C2B-88EF-82071CA11326}" dt="2021-10-17T15:52:21.750" v="1993" actId="1037"/>
           <ac:cxnSpMkLst>
             <pc:docMk/>
             <pc:sldMk cId="2285805491" sldId="264"/>
             <ac:cxnSpMk id="6" creationId="{7110F110-0206-4F8D-8B70-EEF84A281CF2}"/>
+          </ac:cxnSpMkLst>
+        </pc:cxnChg>
+        <pc:cxnChg chg="add mod">
+          <ac:chgData name="jack copeland" userId="c1f67f945e5b5c42" providerId="LiveId" clId="{61313348-D28B-4C2B-88EF-82071CA11326}" dt="2021-10-17T15:51:31.565" v="1925"/>
+          <ac:cxnSpMkLst>
+            <pc:docMk/>
+            <pc:sldMk cId="2285805491" sldId="264"/>
+            <ac:cxnSpMk id="8" creationId="{438B9D2A-783F-40C5-BA11-495EE7EE3473}"/>
           </ac:cxnSpMkLst>
         </pc:cxnChg>
       </pc:sldChg>
@@ -513,13 +865,13 @@
         </pc:sldMkLst>
       </pc:sldChg>
       <pc:sldChg chg="addSp delSp modSp add mod setBg">
-        <pc:chgData name="jack copeland" userId="c1f67f945e5b5c42" providerId="LiveId" clId="{61313348-D28B-4C2B-88EF-82071CA11326}" dt="2021-10-15T19:59:05.837" v="1764" actId="1076"/>
+        <pc:chgData name="jack copeland" userId="c1f67f945e5b5c42" providerId="LiveId" clId="{61313348-D28B-4C2B-88EF-82071CA11326}" dt="2021-10-17T15:53:47.279" v="2016" actId="1076"/>
         <pc:sldMkLst>
           <pc:docMk/>
           <pc:sldMk cId="3937668167" sldId="266"/>
         </pc:sldMkLst>
         <pc:spChg chg="mod">
-          <ac:chgData name="jack copeland" userId="c1f67f945e5b5c42" providerId="LiveId" clId="{61313348-D28B-4C2B-88EF-82071CA11326}" dt="2021-10-15T19:53:06.178" v="1375" actId="26606"/>
+          <ac:chgData name="jack copeland" userId="c1f67f945e5b5c42" providerId="LiveId" clId="{61313348-D28B-4C2B-88EF-82071CA11326}" dt="2021-10-17T15:52:49.477" v="2007" actId="27636"/>
           <ac:spMkLst>
             <pc:docMk/>
             <pc:sldMk cId="3937668167" sldId="266"/>
@@ -532,6 +884,14 @@
             <pc:docMk/>
             <pc:sldMk cId="3937668167" sldId="266"/>
             <ac:spMk id="5" creationId="{B2E9AF01-269C-41F1-AE19-40DA7D48E507}"/>
+          </ac:spMkLst>
+        </pc:spChg>
+        <pc:spChg chg="add mod ord">
+          <ac:chgData name="jack copeland" userId="c1f67f945e5b5c42" providerId="LiveId" clId="{61313348-D28B-4C2B-88EF-82071CA11326}" dt="2021-10-17T15:53:47.279" v="2016" actId="1076"/>
+          <ac:spMkLst>
+            <pc:docMk/>
+            <pc:sldMk cId="3937668167" sldId="266"/>
+            <ac:spMk id="8" creationId="{9C2E0969-F957-4EAB-9ECC-F502DD63A00C}"/>
           </ac:spMkLst>
         </pc:spChg>
         <pc:spChg chg="add del mod">
@@ -663,7 +1023,7 @@
           </ac:spMkLst>
         </pc:spChg>
         <pc:spChg chg="add mod">
-          <ac:chgData name="jack copeland" userId="c1f67f945e5b5c42" providerId="LiveId" clId="{61313348-D28B-4C2B-88EF-82071CA11326}" dt="2021-10-15T19:59:05.837" v="1764" actId="1076"/>
+          <ac:chgData name="jack copeland" userId="c1f67f945e5b5c42" providerId="LiveId" clId="{61313348-D28B-4C2B-88EF-82071CA11326}" dt="2021-10-17T15:52:51.763" v="2008" actId="1076"/>
           <ac:spMkLst>
             <pc:docMk/>
             <pc:sldMk cId="3937668167" sldId="266"/>
@@ -719,7 +1079,7 @@
           </ac:spMkLst>
         </pc:spChg>
         <pc:spChg chg="add mod">
-          <ac:chgData name="jack copeland" userId="c1f67f945e5b5c42" providerId="LiveId" clId="{61313348-D28B-4C2B-88EF-82071CA11326}" dt="2021-10-15T19:59:01.704" v="1762" actId="1076"/>
+          <ac:chgData name="jack copeland" userId="c1f67f945e5b5c42" providerId="LiveId" clId="{61313348-D28B-4C2B-88EF-82071CA11326}" dt="2021-10-17T15:52:58.925" v="2010" actId="1076"/>
           <ac:spMkLst>
             <pc:docMk/>
             <pc:sldMk cId="3937668167" sldId="266"/>
@@ -735,7 +1095,7 @@
           </ac:picMkLst>
         </pc:picChg>
         <pc:picChg chg="add mod">
-          <ac:chgData name="jack copeland" userId="c1f67f945e5b5c42" providerId="LiveId" clId="{61313348-D28B-4C2B-88EF-82071CA11326}" dt="2021-10-15T19:59:03.213" v="1763" actId="1076"/>
+          <ac:chgData name="jack copeland" userId="c1f67f945e5b5c42" providerId="LiveId" clId="{61313348-D28B-4C2B-88EF-82071CA11326}" dt="2021-10-17T15:53:15.125" v="2011" actId="1076"/>
           <ac:picMkLst>
             <pc:docMk/>
             <pc:sldMk cId="3937668167" sldId="266"/>
@@ -743,19 +1103,43 @@
           </ac:picMkLst>
         </pc:picChg>
         <pc:picChg chg="add mod">
-          <ac:chgData name="jack copeland" userId="c1f67f945e5b5c42" providerId="LiveId" clId="{61313348-D28B-4C2B-88EF-82071CA11326}" dt="2021-10-15T19:58:59.943" v="1761" actId="1076"/>
+          <ac:chgData name="jack copeland" userId="c1f67f945e5b5c42" providerId="LiveId" clId="{61313348-D28B-4C2B-88EF-82071CA11326}" dt="2021-10-17T15:53:15.125" v="2011" actId="1076"/>
           <ac:picMkLst>
             <pc:docMk/>
             <pc:sldMk cId="3937668167" sldId="266"/>
             <ac:picMk id="48" creationId="{4F858A45-48DC-4EDC-8377-97E9A5ECD36B}"/>
           </ac:picMkLst>
         </pc:picChg>
+        <pc:cxnChg chg="add mod">
+          <ac:chgData name="jack copeland" userId="c1f67f945e5b5c42" providerId="LiveId" clId="{61313348-D28B-4C2B-88EF-82071CA11326}" dt="2021-10-17T15:53:32.189" v="2013" actId="14100"/>
+          <ac:cxnSpMkLst>
+            <pc:docMk/>
+            <pc:sldMk cId="3937668167" sldId="266"/>
+            <ac:cxnSpMk id="4" creationId="{D8F7C79D-E3A5-4906-B7F5-5134C1D6D033}"/>
+          </ac:cxnSpMkLst>
+        </pc:cxnChg>
         <pc:cxnChg chg="add del">
           <ac:chgData name="jack copeland" userId="c1f67f945e5b5c42" providerId="LiveId" clId="{61313348-D28B-4C2B-88EF-82071CA11326}" dt="2021-10-15T19:51:00.966" v="1347" actId="478"/>
           <ac:cxnSpMkLst>
             <pc:docMk/>
             <pc:sldMk cId="3937668167" sldId="266"/>
             <ac:cxnSpMk id="6" creationId="{7110F110-0206-4F8D-8B70-EEF84A281CF2}"/>
+          </ac:cxnSpMkLst>
+        </pc:cxnChg>
+        <pc:cxnChg chg="add mod">
+          <ac:chgData name="jack copeland" userId="c1f67f945e5b5c42" providerId="LiveId" clId="{61313348-D28B-4C2B-88EF-82071CA11326}" dt="2021-10-17T15:52:46.787" v="2005"/>
+          <ac:cxnSpMkLst>
+            <pc:docMk/>
+            <pc:sldMk cId="3937668167" sldId="266"/>
+            <ac:cxnSpMk id="9" creationId="{809B3CE1-24E9-4923-85AC-21BC78F10AA1}"/>
+          </ac:cxnSpMkLst>
+        </pc:cxnChg>
+        <pc:cxnChg chg="add">
+          <ac:chgData name="jack copeland" userId="c1f67f945e5b5c42" providerId="LiveId" clId="{61313348-D28B-4C2B-88EF-82071CA11326}" dt="2021-10-17T15:53:40.680" v="2014" actId="11529"/>
+          <ac:cxnSpMkLst>
+            <pc:docMk/>
+            <pc:sldMk cId="3937668167" sldId="266"/>
+            <ac:cxnSpMk id="10" creationId="{E59088C8-3B5F-438E-9F38-78B69E7392CB}"/>
           </ac:cxnSpMkLst>
         </pc:cxnChg>
         <pc:cxnChg chg="add del">
@@ -791,22 +1175,38 @@
           </ac:cxnSpMkLst>
         </pc:cxnChg>
       </pc:sldChg>
-      <pc:sldChg chg="delSp modSp add mod">
-        <pc:chgData name="jack copeland" userId="c1f67f945e5b5c42" providerId="LiveId" clId="{61313348-D28B-4C2B-88EF-82071CA11326}" dt="2021-10-15T19:58:52.567" v="1760" actId="20577"/>
+      <pc:sldChg chg="addSp delSp modSp add mod">
+        <pc:chgData name="jack copeland" userId="c1f67f945e5b5c42" providerId="LiveId" clId="{61313348-D28B-4C2B-88EF-82071CA11326}" dt="2021-10-17T15:52:43.088" v="2004" actId="5793"/>
         <pc:sldMkLst>
           <pc:docMk/>
           <pc:sldMk cId="4074031005" sldId="267"/>
         </pc:sldMkLst>
         <pc:spChg chg="mod">
-          <ac:chgData name="jack copeland" userId="c1f67f945e5b5c42" providerId="LiveId" clId="{61313348-D28B-4C2B-88EF-82071CA11326}" dt="2021-10-15T19:58:52.567" v="1760" actId="20577"/>
+          <ac:chgData name="jack copeland" userId="c1f67f945e5b5c42" providerId="LiveId" clId="{61313348-D28B-4C2B-88EF-82071CA11326}" dt="2021-10-17T15:52:35.894" v="1998" actId="27636"/>
+          <ac:spMkLst>
+            <pc:docMk/>
+            <pc:sldMk cId="4074031005" sldId="267"/>
+            <ac:spMk id="2" creationId="{92A9B60F-7F68-48F6-9FB9-2CF291C61653}"/>
+          </ac:spMkLst>
+        </pc:spChg>
+        <pc:spChg chg="mod">
+          <ac:chgData name="jack copeland" userId="c1f67f945e5b5c42" providerId="LiveId" clId="{61313348-D28B-4C2B-88EF-82071CA11326}" dt="2021-10-17T15:52:43.088" v="2004" actId="5793"/>
           <ac:spMkLst>
             <pc:docMk/>
             <pc:sldMk cId="4074031005" sldId="267"/>
             <ac:spMk id="5" creationId="{B2E9AF01-269C-41F1-AE19-40DA7D48E507}"/>
           </ac:spMkLst>
         </pc:spChg>
+        <pc:spChg chg="add mod ord">
+          <ac:chgData name="jack copeland" userId="c1f67f945e5b5c42" providerId="LiveId" clId="{61313348-D28B-4C2B-88EF-82071CA11326}" dt="2021-10-17T15:52:31.413" v="1995" actId="167"/>
+          <ac:spMkLst>
+            <pc:docMk/>
+            <pc:sldMk cId="4074031005" sldId="267"/>
+            <ac:spMk id="6" creationId="{1B4CB9CF-48ED-475C-8C63-D61FE6261C9F}"/>
+          </ac:spMkLst>
+        </pc:spChg>
         <pc:picChg chg="mod">
-          <ac:chgData name="jack copeland" userId="c1f67f945e5b5c42" providerId="LiveId" clId="{61313348-D28B-4C2B-88EF-82071CA11326}" dt="2021-10-15T19:57:57.294" v="1556" actId="14826"/>
+          <ac:chgData name="jack copeland" userId="c1f67f945e5b5c42" providerId="LiveId" clId="{61313348-D28B-4C2B-88EF-82071CA11326}" dt="2021-10-17T15:52:38.391" v="1999" actId="14100"/>
           <ac:picMkLst>
             <pc:docMk/>
             <pc:sldMk cId="4074031005" sldId="267"/>
@@ -821,9 +1221,17 @@
             <ac:cxnSpMk id="6" creationId="{7110F110-0206-4F8D-8B70-EEF84A281CF2}"/>
           </ac:cxnSpMkLst>
         </pc:cxnChg>
+        <pc:cxnChg chg="add mod">
+          <ac:chgData name="jack copeland" userId="c1f67f945e5b5c42" providerId="LiveId" clId="{61313348-D28B-4C2B-88EF-82071CA11326}" dt="2021-10-17T15:52:28.783" v="1994"/>
+          <ac:cxnSpMkLst>
+            <pc:docMk/>
+            <pc:sldMk cId="4074031005" sldId="267"/>
+            <ac:cxnSpMk id="7" creationId="{2B1AE652-0933-4B2D-AF22-47C70C89F94B}"/>
+          </ac:cxnSpMkLst>
+        </pc:cxnChg>
       </pc:sldChg>
       <pc:sldChg chg="addSp delSp modSp add mod setBg">
-        <pc:chgData name="jack copeland" userId="c1f67f945e5b5c42" providerId="LiveId" clId="{61313348-D28B-4C2B-88EF-82071CA11326}" dt="2021-10-15T20:02:09.486" v="1828" actId="20577"/>
+        <pc:chgData name="jack copeland" userId="c1f67f945e5b5c42" providerId="LiveId" clId="{61313348-D28B-4C2B-88EF-82071CA11326}" dt="2021-10-17T15:54:01.545" v="2017" actId="1076"/>
         <pc:sldMkLst>
           <pc:docMk/>
           <pc:sldMk cId="2398329897" sldId="268"/>
@@ -901,7 +1309,7 @@
           </ac:spMkLst>
         </pc:spChg>
         <pc:picChg chg="add mod">
-          <ac:chgData name="jack copeland" userId="c1f67f945e5b5c42" providerId="LiveId" clId="{61313348-D28B-4C2B-88EF-82071CA11326}" dt="2021-10-15T20:01:51.593" v="1823" actId="208"/>
+          <ac:chgData name="jack copeland" userId="c1f67f945e5b5c42" providerId="LiveId" clId="{61313348-D28B-4C2B-88EF-82071CA11326}" dt="2021-10-17T15:54:01.545" v="2017" actId="1076"/>
           <ac:picMkLst>
             <pc:docMk/>
             <pc:sldMk cId="2398329897" sldId="268"/>
@@ -924,8 +1332,8 @@
             <ac:picMk id="48" creationId="{4F858A45-48DC-4EDC-8377-97E9A5ECD36B}"/>
           </ac:picMkLst>
         </pc:picChg>
-        <pc:cxnChg chg="add">
-          <ac:chgData name="jack copeland" userId="c1f67f945e5b5c42" providerId="LiveId" clId="{61313348-D28B-4C2B-88EF-82071CA11326}" dt="2021-10-15T20:01:37.288" v="1817" actId="11529"/>
+        <pc:cxnChg chg="add mod">
+          <ac:chgData name="jack copeland" userId="c1f67f945e5b5c42" providerId="LiveId" clId="{61313348-D28B-4C2B-88EF-82071CA11326}" dt="2021-10-17T15:49:38.567" v="1849" actId="1076"/>
           <ac:cxnSpMkLst>
             <pc:docMk/>
             <pc:sldMk cId="2398329897" sldId="268"/>
@@ -938,6 +1346,284 @@
             <pc:docMk/>
             <pc:sldMk cId="2398329897" sldId="268"/>
             <ac:cxnSpMk id="13" creationId="{F5486A9D-1265-4B57-91E6-68E666B978BC}"/>
+          </ac:cxnSpMkLst>
+        </pc:cxnChg>
+      </pc:sldChg>
+      <pc:sldChg chg="modSp add">
+        <pc:chgData name="jack copeland" userId="c1f67f945e5b5c42" providerId="LiveId" clId="{61313348-D28B-4C2B-88EF-82071CA11326}" dt="2021-10-17T15:49:01.535" v="1840" actId="207"/>
+        <pc:sldMkLst>
+          <pc:docMk/>
+          <pc:sldMk cId="830721129" sldId="269"/>
+        </pc:sldMkLst>
+        <pc:graphicFrameChg chg="mod">
+          <ac:chgData name="jack copeland" userId="c1f67f945e5b5c42" providerId="LiveId" clId="{61313348-D28B-4C2B-88EF-82071CA11326}" dt="2021-10-17T15:49:01.535" v="1840" actId="207"/>
+          <ac:graphicFrameMkLst>
+            <pc:docMk/>
+            <pc:sldMk cId="830721129" sldId="269"/>
+            <ac:graphicFrameMk id="4" creationId="{3E6131AB-8164-4B6B-8E68-5AE0D422DE4B}"/>
+          </ac:graphicFrameMkLst>
+        </pc:graphicFrameChg>
+      </pc:sldChg>
+      <pc:sldChg chg="addSp delSp modSp add mod">
+        <pc:chgData name="jack copeland" userId="c1f67f945e5b5c42" providerId="LiveId" clId="{61313348-D28B-4C2B-88EF-82071CA11326}" dt="2021-10-17T16:17:24.166" v="2452" actId="1076"/>
+        <pc:sldMkLst>
+          <pc:docMk/>
+          <pc:sldMk cId="1720743969" sldId="270"/>
+        </pc:sldMkLst>
+        <pc:spChg chg="mod">
+          <ac:chgData name="jack copeland" userId="c1f67f945e5b5c42" providerId="LiveId" clId="{61313348-D28B-4C2B-88EF-82071CA11326}" dt="2021-10-17T15:54:17.155" v="2020" actId="27636"/>
+          <ac:spMkLst>
+            <pc:docMk/>
+            <pc:sldMk cId="1720743969" sldId="270"/>
+            <ac:spMk id="2" creationId="{92A9B60F-7F68-48F6-9FB9-2CF291C61653}"/>
+          </ac:spMkLst>
+        </pc:spChg>
+        <pc:spChg chg="mod">
+          <ac:chgData name="jack copeland" userId="c1f67f945e5b5c42" providerId="LiveId" clId="{61313348-D28B-4C2B-88EF-82071CA11326}" dt="2021-10-17T15:56:46.927" v="2068" actId="1076"/>
+          <ac:spMkLst>
+            <pc:docMk/>
+            <pc:sldMk cId="1720743969" sldId="270"/>
+            <ac:spMk id="4" creationId="{27678693-BBE0-41E4-9C41-F551D931A2B5}"/>
+          </ac:spMkLst>
+        </pc:spChg>
+        <pc:spChg chg="mod">
+          <ac:chgData name="jack copeland" userId="c1f67f945e5b5c42" providerId="LiveId" clId="{61313348-D28B-4C2B-88EF-82071CA11326}" dt="2021-10-17T15:56:45.807" v="2066" actId="1076"/>
+          <ac:spMkLst>
+            <pc:docMk/>
+            <pc:sldMk cId="1720743969" sldId="270"/>
+            <ac:spMk id="5" creationId="{3FACFDE9-4AB9-4A9F-960E-7C0140DA598C}"/>
+          </ac:spMkLst>
+        </pc:spChg>
+        <pc:spChg chg="mod">
+          <ac:chgData name="jack copeland" userId="c1f67f945e5b5c42" providerId="LiveId" clId="{61313348-D28B-4C2B-88EF-82071CA11326}" dt="2021-10-17T15:56:45.399" v="2064" actId="1076"/>
+          <ac:spMkLst>
+            <pc:docMk/>
+            <pc:sldMk cId="1720743969" sldId="270"/>
+            <ac:spMk id="6" creationId="{4790EC81-6187-493A-8E26-C869A2988A4E}"/>
+          </ac:spMkLst>
+        </pc:spChg>
+        <pc:spChg chg="del mod">
+          <ac:chgData name="jack copeland" userId="c1f67f945e5b5c42" providerId="LiveId" clId="{61313348-D28B-4C2B-88EF-82071CA11326}" dt="2021-10-17T15:54:33.518" v="2026" actId="478"/>
+          <ac:spMkLst>
+            <pc:docMk/>
+            <pc:sldMk cId="1720743969" sldId="270"/>
+            <ac:spMk id="7" creationId="{877D3999-8A00-476F-941E-3D041924533D}"/>
+          </ac:spMkLst>
+        </pc:spChg>
+        <pc:spChg chg="del mod">
+          <ac:chgData name="jack copeland" userId="c1f67f945e5b5c42" providerId="LiveId" clId="{61313348-D28B-4C2B-88EF-82071CA11326}" dt="2021-10-17T15:55:06.399" v="2033" actId="478"/>
+          <ac:spMkLst>
+            <pc:docMk/>
+            <pc:sldMk cId="1720743969" sldId="270"/>
+            <ac:spMk id="8" creationId="{36E3E685-553D-428E-A476-163BCED0DAC8}"/>
+          </ac:spMkLst>
+        </pc:spChg>
+        <pc:spChg chg="del">
+          <ac:chgData name="jack copeland" userId="c1f67f945e5b5c42" providerId="LiveId" clId="{61313348-D28B-4C2B-88EF-82071CA11326}" dt="2021-10-17T15:55:20.471" v="2038" actId="478"/>
+          <ac:spMkLst>
+            <pc:docMk/>
+            <pc:sldMk cId="1720743969" sldId="270"/>
+            <ac:spMk id="9" creationId="{93C075AE-07AA-4E59-B183-9CC5ECD3CFD8}"/>
+          </ac:spMkLst>
+        </pc:spChg>
+        <pc:spChg chg="mod">
+          <ac:chgData name="jack copeland" userId="c1f67f945e5b5c42" providerId="LiveId" clId="{61313348-D28B-4C2B-88EF-82071CA11326}" dt="2021-10-17T15:56:46.336" v="2067" actId="1076"/>
+          <ac:spMkLst>
+            <pc:docMk/>
+            <pc:sldMk cId="1720743969" sldId="270"/>
+            <ac:spMk id="10" creationId="{8151ECB6-771A-41F2-9B75-F6D7485D1F36}"/>
+          </ac:spMkLst>
+        </pc:spChg>
+        <pc:spChg chg="mod">
+          <ac:chgData name="jack copeland" userId="c1f67f945e5b5c42" providerId="LiveId" clId="{61313348-D28B-4C2B-88EF-82071CA11326}" dt="2021-10-17T15:56:45.608" v="2065" actId="1076"/>
+          <ac:spMkLst>
+            <pc:docMk/>
+            <pc:sldMk cId="1720743969" sldId="270"/>
+            <ac:spMk id="11" creationId="{65C2FC47-B642-4DEB-85B7-3BA4FDD484D0}"/>
+          </ac:spMkLst>
+        </pc:spChg>
+        <pc:spChg chg="mod">
+          <ac:chgData name="jack copeland" userId="c1f67f945e5b5c42" providerId="LiveId" clId="{61313348-D28B-4C2B-88EF-82071CA11326}" dt="2021-10-17T15:56:44.927" v="2062" actId="1076"/>
+          <ac:spMkLst>
+            <pc:docMk/>
+            <pc:sldMk cId="1720743969" sldId="270"/>
+            <ac:spMk id="12" creationId="{DB55FAF1-051D-4CD8-9D47-0F8E762ED402}"/>
+          </ac:spMkLst>
+        </pc:spChg>
+        <pc:spChg chg="add del mod">
+          <ac:chgData name="jack copeland" userId="c1f67f945e5b5c42" providerId="LiveId" clId="{61313348-D28B-4C2B-88EF-82071CA11326}" dt="2021-10-17T15:56:44.591" v="2061" actId="11529"/>
+          <ac:spMkLst>
+            <pc:docMk/>
+            <pc:sldMk cId="1720743969" sldId="270"/>
+            <ac:spMk id="14" creationId="{59E2D85D-1CF2-4E80-8F86-1715965F8D7E}"/>
+          </ac:spMkLst>
+        </pc:spChg>
+        <pc:spChg chg="add mod ord">
+          <ac:chgData name="jack copeland" userId="c1f67f945e5b5c42" providerId="LiveId" clId="{61313348-D28B-4C2B-88EF-82071CA11326}" dt="2021-10-17T15:54:22.047" v="2022" actId="167"/>
+          <ac:spMkLst>
+            <pc:docMk/>
+            <pc:sldMk cId="1720743969" sldId="270"/>
+            <ac:spMk id="16" creationId="{3CC93595-3AA9-4206-972A-3DAC160F4C16}"/>
+          </ac:spMkLst>
+        </pc:spChg>
+        <pc:spChg chg="add del mod">
+          <ac:chgData name="jack copeland" userId="c1f67f945e5b5c42" providerId="LiveId" clId="{61313348-D28B-4C2B-88EF-82071CA11326}" dt="2021-10-17T15:56:43.920" v="2059"/>
+          <ac:spMkLst>
+            <pc:docMk/>
+            <pc:sldMk cId="1720743969" sldId="270"/>
+            <ac:spMk id="20" creationId="{C17EEE3C-207F-4005-B742-09ABBC6A67F6}"/>
+          </ac:spMkLst>
+        </pc:spChg>
+        <pc:spChg chg="add mod">
+          <ac:chgData name="jack copeland" userId="c1f67f945e5b5c42" providerId="LiveId" clId="{61313348-D28B-4C2B-88EF-82071CA11326}" dt="2021-10-17T16:13:02.183" v="2222" actId="1076"/>
+          <ac:spMkLst>
+            <pc:docMk/>
+            <pc:sldMk cId="1720743969" sldId="270"/>
+            <ac:spMk id="21" creationId="{209423EB-813C-4F43-89BD-BC6026BCFA77}"/>
+          </ac:spMkLst>
+        </pc:spChg>
+        <pc:spChg chg="add mod">
+          <ac:chgData name="jack copeland" userId="c1f67f945e5b5c42" providerId="LiveId" clId="{61313348-D28B-4C2B-88EF-82071CA11326}" dt="2021-10-17T16:13:08.048" v="2224" actId="14100"/>
+          <ac:spMkLst>
+            <pc:docMk/>
+            <pc:sldMk cId="1720743969" sldId="270"/>
+            <ac:spMk id="22" creationId="{66B88F73-8FBF-496D-970D-F8699D65AE80}"/>
+          </ac:spMkLst>
+        </pc:spChg>
+        <pc:spChg chg="add del mod">
+          <ac:chgData name="jack copeland" userId="c1f67f945e5b5c42" providerId="LiveId" clId="{61313348-D28B-4C2B-88EF-82071CA11326}" dt="2021-10-17T15:57:09.531" v="2077"/>
+          <ac:spMkLst>
+            <pc:docMk/>
+            <pc:sldMk cId="1720743969" sldId="270"/>
+            <ac:spMk id="23" creationId="{67F2729D-046C-4326-8FBA-35DEA165D1DE}"/>
+          </ac:spMkLst>
+        </pc:spChg>
+        <pc:spChg chg="add mod">
+          <ac:chgData name="jack copeland" userId="c1f67f945e5b5c42" providerId="LiveId" clId="{61313348-D28B-4C2B-88EF-82071CA11326}" dt="2021-10-17T16:13:18.415" v="2239" actId="1038"/>
+          <ac:spMkLst>
+            <pc:docMk/>
+            <pc:sldMk cId="1720743969" sldId="270"/>
+            <ac:spMk id="24" creationId="{0A948511-32DE-4E2E-8D5B-CB65C4C2F8F1}"/>
+          </ac:spMkLst>
+        </pc:spChg>
+        <pc:spChg chg="add mod">
+          <ac:chgData name="jack copeland" userId="c1f67f945e5b5c42" providerId="LiveId" clId="{61313348-D28B-4C2B-88EF-82071CA11326}" dt="2021-10-17T16:13:18.415" v="2239" actId="1038"/>
+          <ac:spMkLst>
+            <pc:docMk/>
+            <pc:sldMk cId="1720743969" sldId="270"/>
+            <ac:spMk id="25" creationId="{726B154A-D3CE-4223-A5E9-D3ABD903C2BF}"/>
+          </ac:spMkLst>
+        </pc:spChg>
+        <pc:spChg chg="add mod">
+          <ac:chgData name="jack copeland" userId="c1f67f945e5b5c42" providerId="LiveId" clId="{61313348-D28B-4C2B-88EF-82071CA11326}" dt="2021-10-17T16:13:36.008" v="2244" actId="1076"/>
+          <ac:spMkLst>
+            <pc:docMk/>
+            <pc:sldMk cId="1720743969" sldId="270"/>
+            <ac:spMk id="32" creationId="{AAF26BD3-8ACD-4713-8C74-973203E875E5}"/>
+          </ac:spMkLst>
+        </pc:spChg>
+        <pc:spChg chg="add mod">
+          <ac:chgData name="jack copeland" userId="c1f67f945e5b5c42" providerId="LiveId" clId="{61313348-D28B-4C2B-88EF-82071CA11326}" dt="2021-10-17T16:13:44.588" v="2247" actId="1076"/>
+          <ac:spMkLst>
+            <pc:docMk/>
+            <pc:sldMk cId="1720743969" sldId="270"/>
+            <ac:spMk id="33" creationId="{8BE4454A-6A1B-4F7D-8F6E-66665F1DB1AE}"/>
+          </ac:spMkLst>
+        </pc:spChg>
+        <pc:spChg chg="add mod">
+          <ac:chgData name="jack copeland" userId="c1f67f945e5b5c42" providerId="LiveId" clId="{61313348-D28B-4C2B-88EF-82071CA11326}" dt="2021-10-17T16:12:57.338" v="2221" actId="1076"/>
+          <ac:spMkLst>
+            <pc:docMk/>
+            <pc:sldMk cId="1720743969" sldId="270"/>
+            <ac:spMk id="34" creationId="{577A0A53-671F-4C3B-ADF9-F338E30DB587}"/>
+          </ac:spMkLst>
+        </pc:spChg>
+        <pc:spChg chg="add mod">
+          <ac:chgData name="jack copeland" userId="c1f67f945e5b5c42" providerId="LiveId" clId="{61313348-D28B-4C2B-88EF-82071CA11326}" dt="2021-10-17T16:14:02.866" v="2250" actId="14100"/>
+          <ac:spMkLst>
+            <pc:docMk/>
+            <pc:sldMk cId="1720743969" sldId="270"/>
+            <ac:spMk id="35" creationId="{7D22C4F5-BD89-4FC0-B138-3766C640738D}"/>
+          </ac:spMkLst>
+        </pc:spChg>
+        <pc:spChg chg="add mod">
+          <ac:chgData name="jack copeland" userId="c1f67f945e5b5c42" providerId="LiveId" clId="{61313348-D28B-4C2B-88EF-82071CA11326}" dt="2021-10-17T16:17:19.224" v="2450" actId="1076"/>
+          <ac:spMkLst>
+            <pc:docMk/>
+            <pc:sldMk cId="1720743969" sldId="270"/>
+            <ac:spMk id="38" creationId="{46B206B1-CE19-4740-96FE-E4A31462ADB5}"/>
+          </ac:spMkLst>
+        </pc:spChg>
+        <pc:spChg chg="add mod">
+          <ac:chgData name="jack copeland" userId="c1f67f945e5b5c42" providerId="LiveId" clId="{61313348-D28B-4C2B-88EF-82071CA11326}" dt="2021-10-17T16:17:24.166" v="2452" actId="1076"/>
+          <ac:spMkLst>
+            <pc:docMk/>
+            <pc:sldMk cId="1720743969" sldId="270"/>
+            <ac:spMk id="39" creationId="{64E73528-2974-43F5-8D79-191DD501E2A6}"/>
+          </ac:spMkLst>
+        </pc:spChg>
+        <pc:graphicFrameChg chg="add mod modGraphic">
+          <ac:chgData name="jack copeland" userId="c1f67f945e5b5c42" providerId="LiveId" clId="{61313348-D28B-4C2B-88EF-82071CA11326}" dt="2021-10-17T16:17:02.122" v="2448" actId="207"/>
+          <ac:graphicFrameMkLst>
+            <pc:docMk/>
+            <pc:sldMk cId="1720743969" sldId="270"/>
+            <ac:graphicFrameMk id="36" creationId="{FBE8F7D0-B179-496D-8D29-39929ADE1AB7}"/>
+          </ac:graphicFrameMkLst>
+        </pc:graphicFrameChg>
+        <pc:picChg chg="del">
+          <ac:chgData name="jack copeland" userId="c1f67f945e5b5c42" providerId="LiveId" clId="{61313348-D28B-4C2B-88EF-82071CA11326}" dt="2021-10-17T15:54:36.263" v="2028" actId="478"/>
+          <ac:picMkLst>
+            <pc:docMk/>
+            <pc:sldMk cId="1720743969" sldId="270"/>
+            <ac:picMk id="15" creationId="{BD1C0119-446E-45B1-BC44-6BFD7C1767B3}"/>
+          </ac:picMkLst>
+        </pc:picChg>
+        <pc:picChg chg="del">
+          <ac:chgData name="jack copeland" userId="c1f67f945e5b5c42" providerId="LiveId" clId="{61313348-D28B-4C2B-88EF-82071CA11326}" dt="2021-10-17T15:55:03.456" v="2031" actId="478"/>
+          <ac:picMkLst>
+            <pc:docMk/>
+            <pc:sldMk cId="1720743969" sldId="270"/>
+            <ac:picMk id="17" creationId="{401C06C2-BF78-4281-A59F-963C45084A34}"/>
+          </ac:picMkLst>
+        </pc:picChg>
+        <pc:picChg chg="del">
+          <ac:chgData name="jack copeland" userId="c1f67f945e5b5c42" providerId="LiveId" clId="{61313348-D28B-4C2B-88EF-82071CA11326}" dt="2021-10-17T15:55:20.942" v="2039" actId="478"/>
+          <ac:picMkLst>
+            <pc:docMk/>
+            <pc:sldMk cId="1720743969" sldId="270"/>
+            <ac:picMk id="19" creationId="{F41D8342-5602-4058-943C-8BF765452E6E}"/>
+          </ac:picMkLst>
+        </pc:picChg>
+        <pc:cxnChg chg="add del">
+          <ac:chgData name="jack copeland" userId="c1f67f945e5b5c42" providerId="LiveId" clId="{61313348-D28B-4C2B-88EF-82071CA11326}" dt="2021-10-17T15:56:49.564" v="2070" actId="478"/>
+          <ac:cxnSpMkLst>
+            <pc:docMk/>
+            <pc:sldMk cId="1720743969" sldId="270"/>
+            <ac:cxnSpMk id="13" creationId="{EE2FB851-985C-4397-B468-0D7979871B5B}"/>
+          </ac:cxnSpMkLst>
+        </pc:cxnChg>
+        <pc:cxnChg chg="add mod">
+          <ac:chgData name="jack copeland" userId="c1f67f945e5b5c42" providerId="LiveId" clId="{61313348-D28B-4C2B-88EF-82071CA11326}" dt="2021-10-17T15:54:14.922" v="2018"/>
+          <ac:cxnSpMkLst>
+            <pc:docMk/>
+            <pc:sldMk cId="1720743969" sldId="270"/>
+            <ac:cxnSpMk id="18" creationId="{F3D700E7-2283-47FD-A0F7-3B66FA28B4FB}"/>
+          </ac:cxnSpMkLst>
+        </pc:cxnChg>
+        <pc:cxnChg chg="add del">
+          <ac:chgData name="jack copeland" userId="c1f67f945e5b5c42" providerId="LiveId" clId="{61313348-D28B-4C2B-88EF-82071CA11326}" dt="2021-10-17T15:58:30.745" v="2159" actId="11529"/>
+          <ac:cxnSpMkLst>
+            <pc:docMk/>
+            <pc:sldMk cId="1720743969" sldId="270"/>
+            <ac:cxnSpMk id="27" creationId="{4AFE8B4C-D194-460E-B206-714EDDE49B24}"/>
+          </ac:cxnSpMkLst>
+        </pc:cxnChg>
+        <pc:cxnChg chg="add mod">
+          <ac:chgData name="jack copeland" userId="c1f67f945e5b5c42" providerId="LiveId" clId="{61313348-D28B-4C2B-88EF-82071CA11326}" dt="2021-10-17T16:13:14.512" v="2226" actId="14100"/>
+          <ac:cxnSpMkLst>
+            <pc:docMk/>
+            <pc:sldMk cId="1720743969" sldId="270"/>
+            <ac:cxnSpMk id="29" creationId="{51DE3F84-7DF9-4730-9453-6BFC5D268F76}"/>
           </ac:cxnSpMkLst>
         </pc:cxnChg>
       </pc:sldChg>
@@ -3187,6 +3873,753 @@
 </dgm:colorsDef>
 </file>
 
+<file path=ppt/diagrams/colors4.xml><?xml version="1.0" encoding="utf-8"?>
+<dgm:colorsDef xmlns:dgm="http://schemas.openxmlformats.org/drawingml/2006/diagram" xmlns:a="http://schemas.openxmlformats.org/drawingml/2006/main" uniqueId="urn:microsoft.com/office/officeart/2005/8/colors/accent1_2">
+  <dgm:title val=""/>
+  <dgm:desc val=""/>
+  <dgm:catLst>
+    <dgm:cat type="accent1" pri="11200"/>
+  </dgm:catLst>
+  <dgm:styleLbl name="node0">
+    <dgm:fillClrLst meth="repeat">
+      <a:schemeClr val="accent1"/>
+    </dgm:fillClrLst>
+    <dgm:linClrLst meth="repeat">
+      <a:schemeClr val="lt1"/>
+    </dgm:linClrLst>
+    <dgm:effectClrLst/>
+    <dgm:txLinClrLst/>
+    <dgm:txFillClrLst/>
+    <dgm:txEffectClrLst/>
+  </dgm:styleLbl>
+  <dgm:styleLbl name="alignNode1">
+    <dgm:fillClrLst meth="repeat">
+      <a:schemeClr val="accent1"/>
+    </dgm:fillClrLst>
+    <dgm:linClrLst meth="repeat">
+      <a:schemeClr val="accent1"/>
+    </dgm:linClrLst>
+    <dgm:effectClrLst/>
+    <dgm:txLinClrLst/>
+    <dgm:txFillClrLst/>
+    <dgm:txEffectClrLst/>
+  </dgm:styleLbl>
+  <dgm:styleLbl name="node1">
+    <dgm:fillClrLst meth="repeat">
+      <a:schemeClr val="accent1"/>
+    </dgm:fillClrLst>
+    <dgm:linClrLst meth="repeat">
+      <a:schemeClr val="lt1"/>
+    </dgm:linClrLst>
+    <dgm:effectClrLst/>
+    <dgm:txLinClrLst/>
+    <dgm:txFillClrLst/>
+    <dgm:txEffectClrLst/>
+  </dgm:styleLbl>
+  <dgm:styleLbl name="lnNode1">
+    <dgm:fillClrLst meth="repeat">
+      <a:schemeClr val="accent1"/>
+    </dgm:fillClrLst>
+    <dgm:linClrLst meth="repeat">
+      <a:schemeClr val="lt1"/>
+    </dgm:linClrLst>
+    <dgm:effectClrLst/>
+    <dgm:txLinClrLst/>
+    <dgm:txFillClrLst/>
+    <dgm:txEffectClrLst/>
+  </dgm:styleLbl>
+  <dgm:styleLbl name="vennNode1">
+    <dgm:fillClrLst meth="repeat">
+      <a:schemeClr val="accent1">
+        <a:alpha val="50000"/>
+      </a:schemeClr>
+    </dgm:fillClrLst>
+    <dgm:linClrLst meth="repeat">
+      <a:schemeClr val="lt1"/>
+    </dgm:linClrLst>
+    <dgm:effectClrLst/>
+    <dgm:txLinClrLst/>
+    <dgm:txFillClrLst/>
+    <dgm:txEffectClrLst/>
+  </dgm:styleLbl>
+  <dgm:styleLbl name="node2">
+    <dgm:fillClrLst meth="repeat">
+      <a:schemeClr val="accent1"/>
+    </dgm:fillClrLst>
+    <dgm:linClrLst meth="repeat">
+      <a:schemeClr val="lt1"/>
+    </dgm:linClrLst>
+    <dgm:effectClrLst/>
+    <dgm:txLinClrLst/>
+    <dgm:txFillClrLst/>
+    <dgm:txEffectClrLst/>
+  </dgm:styleLbl>
+  <dgm:styleLbl name="node3">
+    <dgm:fillClrLst meth="repeat">
+      <a:schemeClr val="accent1"/>
+    </dgm:fillClrLst>
+    <dgm:linClrLst meth="repeat">
+      <a:schemeClr val="lt1"/>
+    </dgm:linClrLst>
+    <dgm:effectClrLst/>
+    <dgm:txLinClrLst/>
+    <dgm:txFillClrLst/>
+    <dgm:txEffectClrLst/>
+  </dgm:styleLbl>
+  <dgm:styleLbl name="node4">
+    <dgm:fillClrLst meth="repeat">
+      <a:schemeClr val="accent1"/>
+    </dgm:fillClrLst>
+    <dgm:linClrLst meth="repeat">
+      <a:schemeClr val="lt1"/>
+    </dgm:linClrLst>
+    <dgm:effectClrLst/>
+    <dgm:txLinClrLst/>
+    <dgm:txFillClrLst/>
+    <dgm:txEffectClrLst/>
+  </dgm:styleLbl>
+  <dgm:styleLbl name="fgImgPlace1">
+    <dgm:fillClrLst meth="repeat">
+      <a:schemeClr val="accent1">
+        <a:tint val="50000"/>
+      </a:schemeClr>
+    </dgm:fillClrLst>
+    <dgm:linClrLst meth="repeat">
+      <a:schemeClr val="lt1"/>
+    </dgm:linClrLst>
+    <dgm:effectClrLst/>
+    <dgm:txLinClrLst/>
+    <dgm:txFillClrLst meth="repeat">
+      <a:schemeClr val="lt1"/>
+    </dgm:txFillClrLst>
+    <dgm:txEffectClrLst/>
+  </dgm:styleLbl>
+  <dgm:styleLbl name="alignImgPlace1">
+    <dgm:fillClrLst meth="repeat">
+      <a:schemeClr val="accent1">
+        <a:tint val="50000"/>
+      </a:schemeClr>
+    </dgm:fillClrLst>
+    <dgm:linClrLst meth="repeat">
+      <a:schemeClr val="lt1"/>
+    </dgm:linClrLst>
+    <dgm:effectClrLst/>
+    <dgm:txLinClrLst/>
+    <dgm:txFillClrLst meth="repeat">
+      <a:schemeClr val="lt1"/>
+    </dgm:txFillClrLst>
+    <dgm:txEffectClrLst/>
+  </dgm:styleLbl>
+  <dgm:styleLbl name="bgImgPlace1">
+    <dgm:fillClrLst meth="repeat">
+      <a:schemeClr val="accent1">
+        <a:tint val="50000"/>
+      </a:schemeClr>
+    </dgm:fillClrLst>
+    <dgm:linClrLst meth="repeat">
+      <a:schemeClr val="lt1"/>
+    </dgm:linClrLst>
+    <dgm:effectClrLst/>
+    <dgm:txLinClrLst/>
+    <dgm:txFillClrLst meth="repeat">
+      <a:schemeClr val="lt1"/>
+    </dgm:txFillClrLst>
+    <dgm:txEffectClrLst/>
+  </dgm:styleLbl>
+  <dgm:styleLbl name="sibTrans2D1">
+    <dgm:fillClrLst meth="repeat">
+      <a:schemeClr val="accent1">
+        <a:tint val="60000"/>
+      </a:schemeClr>
+    </dgm:fillClrLst>
+    <dgm:linClrLst meth="repeat">
+      <a:schemeClr val="accent1">
+        <a:tint val="60000"/>
+      </a:schemeClr>
+    </dgm:linClrLst>
+    <dgm:effectClrLst/>
+    <dgm:txLinClrLst/>
+    <dgm:txFillClrLst/>
+    <dgm:txEffectClrLst/>
+  </dgm:styleLbl>
+  <dgm:styleLbl name="fgSibTrans2D1">
+    <dgm:fillClrLst meth="repeat">
+      <a:schemeClr val="accent1">
+        <a:tint val="60000"/>
+      </a:schemeClr>
+    </dgm:fillClrLst>
+    <dgm:linClrLst meth="repeat">
+      <a:schemeClr val="accent1">
+        <a:tint val="60000"/>
+      </a:schemeClr>
+    </dgm:linClrLst>
+    <dgm:effectClrLst/>
+    <dgm:txLinClrLst/>
+    <dgm:txFillClrLst/>
+    <dgm:txEffectClrLst/>
+  </dgm:styleLbl>
+  <dgm:styleLbl name="bgSibTrans2D1">
+    <dgm:fillClrLst meth="repeat">
+      <a:schemeClr val="accent1">
+        <a:tint val="60000"/>
+      </a:schemeClr>
+    </dgm:fillClrLst>
+    <dgm:linClrLst meth="repeat">
+      <a:schemeClr val="accent1">
+        <a:tint val="60000"/>
+      </a:schemeClr>
+    </dgm:linClrLst>
+    <dgm:effectClrLst/>
+    <dgm:txLinClrLst/>
+    <dgm:txFillClrLst/>
+    <dgm:txEffectClrLst/>
+  </dgm:styleLbl>
+  <dgm:styleLbl name="sibTrans1D1">
+    <dgm:fillClrLst meth="repeat">
+      <a:schemeClr val="accent1"/>
+    </dgm:fillClrLst>
+    <dgm:linClrLst meth="repeat">
+      <a:schemeClr val="accent1"/>
+    </dgm:linClrLst>
+    <dgm:effectClrLst/>
+    <dgm:txLinClrLst/>
+    <dgm:txFillClrLst meth="repeat">
+      <a:schemeClr val="tx1"/>
+    </dgm:txFillClrLst>
+    <dgm:txEffectClrLst/>
+  </dgm:styleLbl>
+  <dgm:styleLbl name="callout">
+    <dgm:fillClrLst meth="repeat">
+      <a:schemeClr val="accent1"/>
+    </dgm:fillClrLst>
+    <dgm:linClrLst meth="repeat">
+      <a:schemeClr val="accent1">
+        <a:tint val="50000"/>
+      </a:schemeClr>
+    </dgm:linClrLst>
+    <dgm:effectClrLst/>
+    <dgm:txLinClrLst/>
+    <dgm:txFillClrLst meth="repeat">
+      <a:schemeClr val="tx1"/>
+    </dgm:txFillClrLst>
+    <dgm:txEffectClrLst/>
+  </dgm:styleLbl>
+  <dgm:styleLbl name="asst0">
+    <dgm:fillClrLst meth="repeat">
+      <a:schemeClr val="accent1"/>
+    </dgm:fillClrLst>
+    <dgm:linClrLst meth="repeat">
+      <a:schemeClr val="lt1"/>
+    </dgm:linClrLst>
+    <dgm:effectClrLst/>
+    <dgm:txLinClrLst/>
+    <dgm:txFillClrLst/>
+    <dgm:txEffectClrLst/>
+  </dgm:styleLbl>
+  <dgm:styleLbl name="asst1">
+    <dgm:fillClrLst meth="repeat">
+      <a:schemeClr val="accent1"/>
+    </dgm:fillClrLst>
+    <dgm:linClrLst meth="repeat">
+      <a:schemeClr val="lt1"/>
+    </dgm:linClrLst>
+    <dgm:effectClrLst/>
+    <dgm:txLinClrLst/>
+    <dgm:txFillClrLst/>
+    <dgm:txEffectClrLst/>
+  </dgm:styleLbl>
+  <dgm:styleLbl name="asst2">
+    <dgm:fillClrLst meth="repeat">
+      <a:schemeClr val="accent1"/>
+    </dgm:fillClrLst>
+    <dgm:linClrLst meth="repeat">
+      <a:schemeClr val="lt1"/>
+    </dgm:linClrLst>
+    <dgm:effectClrLst/>
+    <dgm:txLinClrLst/>
+    <dgm:txFillClrLst/>
+    <dgm:txEffectClrLst/>
+  </dgm:styleLbl>
+  <dgm:styleLbl name="asst3">
+    <dgm:fillClrLst meth="repeat">
+      <a:schemeClr val="accent1"/>
+    </dgm:fillClrLst>
+    <dgm:linClrLst meth="repeat">
+      <a:schemeClr val="lt1"/>
+    </dgm:linClrLst>
+    <dgm:effectClrLst/>
+    <dgm:txLinClrLst/>
+    <dgm:txFillClrLst/>
+    <dgm:txEffectClrLst/>
+  </dgm:styleLbl>
+  <dgm:styleLbl name="asst4">
+    <dgm:fillClrLst meth="repeat">
+      <a:schemeClr val="accent1"/>
+    </dgm:fillClrLst>
+    <dgm:linClrLst meth="repeat">
+      <a:schemeClr val="lt1"/>
+    </dgm:linClrLst>
+    <dgm:effectClrLst/>
+    <dgm:txLinClrLst/>
+    <dgm:txFillClrLst/>
+    <dgm:txEffectClrLst/>
+  </dgm:styleLbl>
+  <dgm:styleLbl name="parChTrans2D1">
+    <dgm:fillClrLst meth="repeat">
+      <a:schemeClr val="accent1">
+        <a:tint val="60000"/>
+      </a:schemeClr>
+    </dgm:fillClrLst>
+    <dgm:linClrLst meth="repeat">
+      <a:schemeClr val="accent1">
+        <a:tint val="60000"/>
+      </a:schemeClr>
+    </dgm:linClrLst>
+    <dgm:effectClrLst/>
+    <dgm:txLinClrLst/>
+    <dgm:txFillClrLst meth="repeat">
+      <a:schemeClr val="lt1"/>
+    </dgm:txFillClrLst>
+    <dgm:txEffectClrLst/>
+  </dgm:styleLbl>
+  <dgm:styleLbl name="parChTrans2D2">
+    <dgm:fillClrLst meth="repeat">
+      <a:schemeClr val="accent1"/>
+    </dgm:fillClrLst>
+    <dgm:linClrLst meth="repeat">
+      <a:schemeClr val="accent1"/>
+    </dgm:linClrLst>
+    <dgm:effectClrLst/>
+    <dgm:txLinClrLst/>
+    <dgm:txFillClrLst meth="repeat">
+      <a:schemeClr val="lt1"/>
+    </dgm:txFillClrLst>
+    <dgm:txEffectClrLst/>
+  </dgm:styleLbl>
+  <dgm:styleLbl name="parChTrans2D3">
+    <dgm:fillClrLst meth="repeat">
+      <a:schemeClr val="accent1"/>
+    </dgm:fillClrLst>
+    <dgm:linClrLst meth="repeat">
+      <a:schemeClr val="accent1"/>
+    </dgm:linClrLst>
+    <dgm:effectClrLst/>
+    <dgm:txLinClrLst/>
+    <dgm:txFillClrLst meth="repeat">
+      <a:schemeClr val="lt1"/>
+    </dgm:txFillClrLst>
+    <dgm:txEffectClrLst/>
+  </dgm:styleLbl>
+  <dgm:styleLbl name="parChTrans2D4">
+    <dgm:fillClrLst meth="repeat">
+      <a:schemeClr val="accent1"/>
+    </dgm:fillClrLst>
+    <dgm:linClrLst meth="repeat">
+      <a:schemeClr val="accent1"/>
+    </dgm:linClrLst>
+    <dgm:effectClrLst/>
+    <dgm:txLinClrLst/>
+    <dgm:txFillClrLst meth="repeat">
+      <a:schemeClr val="lt1"/>
+    </dgm:txFillClrLst>
+    <dgm:txEffectClrLst/>
+  </dgm:styleLbl>
+  <dgm:styleLbl name="parChTrans1D1">
+    <dgm:fillClrLst meth="repeat">
+      <a:schemeClr val="accent1"/>
+    </dgm:fillClrLst>
+    <dgm:linClrLst meth="repeat">
+      <a:schemeClr val="accent1">
+        <a:shade val="60000"/>
+      </a:schemeClr>
+    </dgm:linClrLst>
+    <dgm:effectClrLst/>
+    <dgm:txLinClrLst/>
+    <dgm:txFillClrLst meth="repeat">
+      <a:schemeClr val="tx1"/>
+    </dgm:txFillClrLst>
+    <dgm:txEffectClrLst/>
+  </dgm:styleLbl>
+  <dgm:styleLbl name="parChTrans1D2">
+    <dgm:fillClrLst meth="repeat">
+      <a:schemeClr val="accent1"/>
+    </dgm:fillClrLst>
+    <dgm:linClrLst meth="repeat">
+      <a:schemeClr val="accent1">
+        <a:shade val="60000"/>
+      </a:schemeClr>
+    </dgm:linClrLst>
+    <dgm:effectClrLst/>
+    <dgm:txLinClrLst/>
+    <dgm:txFillClrLst meth="repeat">
+      <a:schemeClr val="tx1"/>
+    </dgm:txFillClrLst>
+    <dgm:txEffectClrLst/>
+  </dgm:styleLbl>
+  <dgm:styleLbl name="parChTrans1D3">
+    <dgm:fillClrLst meth="repeat">
+      <a:schemeClr val="accent1"/>
+    </dgm:fillClrLst>
+    <dgm:linClrLst meth="repeat">
+      <a:schemeClr val="accent1">
+        <a:shade val="80000"/>
+      </a:schemeClr>
+    </dgm:linClrLst>
+    <dgm:effectClrLst/>
+    <dgm:txLinClrLst/>
+    <dgm:txFillClrLst meth="repeat">
+      <a:schemeClr val="tx1"/>
+    </dgm:txFillClrLst>
+    <dgm:txEffectClrLst/>
+  </dgm:styleLbl>
+  <dgm:styleLbl name="parChTrans1D4">
+    <dgm:fillClrLst meth="repeat">
+      <a:schemeClr val="accent1"/>
+    </dgm:fillClrLst>
+    <dgm:linClrLst meth="repeat">
+      <a:schemeClr val="accent1">
+        <a:shade val="80000"/>
+      </a:schemeClr>
+    </dgm:linClrLst>
+    <dgm:effectClrLst/>
+    <dgm:txLinClrLst/>
+    <dgm:txFillClrLst meth="repeat">
+      <a:schemeClr val="tx1"/>
+    </dgm:txFillClrLst>
+    <dgm:txEffectClrLst/>
+  </dgm:styleLbl>
+  <dgm:styleLbl name="fgAcc1">
+    <dgm:fillClrLst meth="repeat">
+      <a:schemeClr val="lt1">
+        <a:alpha val="90000"/>
+      </a:schemeClr>
+    </dgm:fillClrLst>
+    <dgm:linClrLst meth="repeat">
+      <a:schemeClr val="accent1"/>
+    </dgm:linClrLst>
+    <dgm:effectClrLst/>
+    <dgm:txLinClrLst/>
+    <dgm:txFillClrLst meth="repeat">
+      <a:schemeClr val="dk1"/>
+    </dgm:txFillClrLst>
+    <dgm:txEffectClrLst/>
+  </dgm:styleLbl>
+  <dgm:styleLbl name="conFgAcc1">
+    <dgm:fillClrLst meth="repeat">
+      <a:schemeClr val="lt1">
+        <a:alpha val="90000"/>
+      </a:schemeClr>
+    </dgm:fillClrLst>
+    <dgm:linClrLst meth="repeat">
+      <a:schemeClr val="accent1"/>
+    </dgm:linClrLst>
+    <dgm:effectClrLst/>
+    <dgm:txLinClrLst/>
+    <dgm:txFillClrLst meth="repeat">
+      <a:schemeClr val="dk1"/>
+    </dgm:txFillClrLst>
+    <dgm:txEffectClrLst/>
+  </dgm:styleLbl>
+  <dgm:styleLbl name="alignAcc1">
+    <dgm:fillClrLst meth="repeat">
+      <a:schemeClr val="lt1">
+        <a:alpha val="90000"/>
+      </a:schemeClr>
+    </dgm:fillClrLst>
+    <dgm:linClrLst meth="repeat">
+      <a:schemeClr val="accent1"/>
+    </dgm:linClrLst>
+    <dgm:effectClrLst/>
+    <dgm:txLinClrLst/>
+    <dgm:txFillClrLst meth="repeat">
+      <a:schemeClr val="dk1"/>
+    </dgm:txFillClrLst>
+    <dgm:txEffectClrLst/>
+  </dgm:styleLbl>
+  <dgm:styleLbl name="trAlignAcc1">
+    <dgm:fillClrLst meth="repeat">
+      <a:schemeClr val="lt1">
+        <a:alpha val="40000"/>
+      </a:schemeClr>
+    </dgm:fillClrLst>
+    <dgm:linClrLst meth="repeat">
+      <a:schemeClr val="accent1"/>
+    </dgm:linClrLst>
+    <dgm:effectClrLst/>
+    <dgm:txLinClrLst/>
+    <dgm:txFillClrLst meth="repeat">
+      <a:schemeClr val="dk1"/>
+    </dgm:txFillClrLst>
+    <dgm:txEffectClrLst/>
+  </dgm:styleLbl>
+  <dgm:styleLbl name="bgAcc1">
+    <dgm:fillClrLst meth="repeat">
+      <a:schemeClr val="lt1">
+        <a:alpha val="90000"/>
+      </a:schemeClr>
+    </dgm:fillClrLst>
+    <dgm:linClrLst meth="repeat">
+      <a:schemeClr val="accent1"/>
+    </dgm:linClrLst>
+    <dgm:effectClrLst/>
+    <dgm:txLinClrLst/>
+    <dgm:txFillClrLst meth="repeat">
+      <a:schemeClr val="dk1"/>
+    </dgm:txFillClrLst>
+    <dgm:txEffectClrLst/>
+  </dgm:styleLbl>
+  <dgm:styleLbl name="solidFgAcc1">
+    <dgm:fillClrLst meth="repeat">
+      <a:schemeClr val="lt1"/>
+    </dgm:fillClrLst>
+    <dgm:linClrLst meth="repeat">
+      <a:schemeClr val="accent1"/>
+    </dgm:linClrLst>
+    <dgm:effectClrLst/>
+    <dgm:txLinClrLst/>
+    <dgm:txFillClrLst meth="repeat">
+      <a:schemeClr val="dk1"/>
+    </dgm:txFillClrLst>
+    <dgm:txEffectClrLst/>
+  </dgm:styleLbl>
+  <dgm:styleLbl name="solidAlignAcc1">
+    <dgm:fillClrLst meth="repeat">
+      <a:schemeClr val="lt1"/>
+    </dgm:fillClrLst>
+    <dgm:linClrLst meth="repeat">
+      <a:schemeClr val="accent1"/>
+    </dgm:linClrLst>
+    <dgm:effectClrLst/>
+    <dgm:txLinClrLst/>
+    <dgm:txFillClrLst meth="repeat">
+      <a:schemeClr val="dk1"/>
+    </dgm:txFillClrLst>
+    <dgm:txEffectClrLst/>
+  </dgm:styleLbl>
+  <dgm:styleLbl name="solidBgAcc1">
+    <dgm:fillClrLst meth="repeat">
+      <a:schemeClr val="lt1"/>
+    </dgm:fillClrLst>
+    <dgm:linClrLst meth="repeat">
+      <a:schemeClr val="accent1"/>
+    </dgm:linClrLst>
+    <dgm:effectClrLst/>
+    <dgm:txLinClrLst/>
+    <dgm:txFillClrLst meth="repeat">
+      <a:schemeClr val="dk1"/>
+    </dgm:txFillClrLst>
+    <dgm:txEffectClrLst/>
+  </dgm:styleLbl>
+  <dgm:styleLbl name="fgAccFollowNode1">
+    <dgm:fillClrLst meth="repeat">
+      <a:schemeClr val="accent1">
+        <a:alpha val="90000"/>
+        <a:tint val="40000"/>
+      </a:schemeClr>
+    </dgm:fillClrLst>
+    <dgm:linClrLst meth="repeat">
+      <a:schemeClr val="accent1">
+        <a:alpha val="90000"/>
+        <a:tint val="40000"/>
+      </a:schemeClr>
+    </dgm:linClrLst>
+    <dgm:effectClrLst/>
+    <dgm:txLinClrLst/>
+    <dgm:txFillClrLst meth="repeat">
+      <a:schemeClr val="dk1"/>
+    </dgm:txFillClrLst>
+    <dgm:txEffectClrLst/>
+  </dgm:styleLbl>
+  <dgm:styleLbl name="alignAccFollowNode1">
+    <dgm:fillClrLst meth="repeat">
+      <a:schemeClr val="accent1">
+        <a:alpha val="90000"/>
+        <a:tint val="40000"/>
+      </a:schemeClr>
+    </dgm:fillClrLst>
+    <dgm:linClrLst meth="repeat">
+      <a:schemeClr val="accent1">
+        <a:alpha val="90000"/>
+        <a:tint val="40000"/>
+      </a:schemeClr>
+    </dgm:linClrLst>
+    <dgm:effectClrLst/>
+    <dgm:txLinClrLst/>
+    <dgm:txFillClrLst meth="repeat">
+      <a:schemeClr val="dk1"/>
+    </dgm:txFillClrLst>
+    <dgm:txEffectClrLst/>
+  </dgm:styleLbl>
+  <dgm:styleLbl name="bgAccFollowNode1">
+    <dgm:fillClrLst meth="repeat">
+      <a:schemeClr val="accent1">
+        <a:alpha val="90000"/>
+        <a:tint val="40000"/>
+      </a:schemeClr>
+    </dgm:fillClrLst>
+    <dgm:linClrLst meth="repeat">
+      <a:schemeClr val="accent1">
+        <a:alpha val="90000"/>
+        <a:tint val="40000"/>
+      </a:schemeClr>
+    </dgm:linClrLst>
+    <dgm:effectClrLst/>
+    <dgm:txLinClrLst/>
+    <dgm:txFillClrLst meth="repeat">
+      <a:schemeClr val="dk1"/>
+    </dgm:txFillClrLst>
+    <dgm:txEffectClrLst/>
+  </dgm:styleLbl>
+  <dgm:styleLbl name="fgAcc0">
+    <dgm:fillClrLst meth="repeat">
+      <a:schemeClr val="lt1">
+        <a:alpha val="90000"/>
+      </a:schemeClr>
+    </dgm:fillClrLst>
+    <dgm:linClrLst meth="repeat">
+      <a:schemeClr val="accent1"/>
+    </dgm:linClrLst>
+    <dgm:effectClrLst/>
+    <dgm:txLinClrLst/>
+    <dgm:txFillClrLst meth="repeat">
+      <a:schemeClr val="dk1"/>
+    </dgm:txFillClrLst>
+    <dgm:txEffectClrLst/>
+  </dgm:styleLbl>
+  <dgm:styleLbl name="fgAcc2">
+    <dgm:fillClrLst meth="repeat">
+      <a:schemeClr val="lt1">
+        <a:alpha val="90000"/>
+      </a:schemeClr>
+    </dgm:fillClrLst>
+    <dgm:linClrLst meth="repeat">
+      <a:schemeClr val="accent1"/>
+    </dgm:linClrLst>
+    <dgm:effectClrLst/>
+    <dgm:txLinClrLst/>
+    <dgm:txFillClrLst meth="repeat">
+      <a:schemeClr val="dk1"/>
+    </dgm:txFillClrLst>
+    <dgm:txEffectClrLst/>
+  </dgm:styleLbl>
+  <dgm:styleLbl name="fgAcc3">
+    <dgm:fillClrLst meth="repeat">
+      <a:schemeClr val="lt1">
+        <a:alpha val="90000"/>
+      </a:schemeClr>
+    </dgm:fillClrLst>
+    <dgm:linClrLst meth="repeat">
+      <a:schemeClr val="accent1"/>
+    </dgm:linClrLst>
+    <dgm:effectClrLst/>
+    <dgm:txLinClrLst/>
+    <dgm:txFillClrLst meth="repeat">
+      <a:schemeClr val="dk1"/>
+    </dgm:txFillClrLst>
+    <dgm:txEffectClrLst/>
+  </dgm:styleLbl>
+  <dgm:styleLbl name="fgAcc4">
+    <dgm:fillClrLst meth="repeat">
+      <a:schemeClr val="lt1">
+        <a:alpha val="90000"/>
+      </a:schemeClr>
+    </dgm:fillClrLst>
+    <dgm:linClrLst meth="repeat">
+      <a:schemeClr val="accent1"/>
+    </dgm:linClrLst>
+    <dgm:effectClrLst/>
+    <dgm:txLinClrLst/>
+    <dgm:txFillClrLst meth="repeat">
+      <a:schemeClr val="dk1"/>
+    </dgm:txFillClrLst>
+    <dgm:txEffectClrLst/>
+  </dgm:styleLbl>
+  <dgm:styleLbl name="bgShp">
+    <dgm:fillClrLst meth="repeat">
+      <a:schemeClr val="accent1">
+        <a:tint val="40000"/>
+      </a:schemeClr>
+    </dgm:fillClrLst>
+    <dgm:linClrLst meth="repeat">
+      <a:schemeClr val="accent1"/>
+    </dgm:linClrLst>
+    <dgm:effectClrLst/>
+    <dgm:txLinClrLst/>
+    <dgm:txFillClrLst meth="repeat">
+      <a:schemeClr val="dk1"/>
+    </dgm:txFillClrLst>
+    <dgm:txEffectClrLst/>
+  </dgm:styleLbl>
+  <dgm:styleLbl name="dkBgShp">
+    <dgm:fillClrLst meth="repeat">
+      <a:schemeClr val="accent1">
+        <a:shade val="80000"/>
+      </a:schemeClr>
+    </dgm:fillClrLst>
+    <dgm:linClrLst meth="repeat">
+      <a:schemeClr val="accent1"/>
+    </dgm:linClrLst>
+    <dgm:effectClrLst/>
+    <dgm:txLinClrLst/>
+    <dgm:txFillClrLst meth="repeat">
+      <a:schemeClr val="lt1"/>
+    </dgm:txFillClrLst>
+    <dgm:txEffectClrLst/>
+  </dgm:styleLbl>
+  <dgm:styleLbl name="trBgShp">
+    <dgm:fillClrLst meth="repeat">
+      <a:schemeClr val="accent1">
+        <a:tint val="50000"/>
+        <a:alpha val="40000"/>
+      </a:schemeClr>
+    </dgm:fillClrLst>
+    <dgm:linClrLst meth="repeat">
+      <a:schemeClr val="accent1"/>
+    </dgm:linClrLst>
+    <dgm:effectClrLst/>
+    <dgm:txLinClrLst/>
+    <dgm:txFillClrLst meth="repeat">
+      <a:schemeClr val="lt1"/>
+    </dgm:txFillClrLst>
+    <dgm:txEffectClrLst/>
+  </dgm:styleLbl>
+  <dgm:styleLbl name="fgShp">
+    <dgm:fillClrLst meth="repeat">
+      <a:schemeClr val="accent1">
+        <a:tint val="60000"/>
+      </a:schemeClr>
+    </dgm:fillClrLst>
+    <dgm:linClrLst meth="repeat">
+      <a:schemeClr val="lt1"/>
+    </dgm:linClrLst>
+    <dgm:effectClrLst/>
+    <dgm:txLinClrLst/>
+    <dgm:txFillClrLst meth="repeat">
+      <a:schemeClr val="dk1"/>
+    </dgm:txFillClrLst>
+    <dgm:txEffectClrLst/>
+  </dgm:styleLbl>
+  <dgm:styleLbl name="revTx">
+    <dgm:fillClrLst meth="repeat">
+      <a:schemeClr val="lt1">
+        <a:alpha val="0"/>
+      </a:schemeClr>
+    </dgm:fillClrLst>
+    <dgm:linClrLst meth="repeat">
+      <a:schemeClr val="dk1">
+        <a:alpha val="0"/>
+      </a:schemeClr>
+    </dgm:linClrLst>
+    <dgm:effectClrLst/>
+    <dgm:txLinClrLst/>
+    <dgm:txFillClrLst meth="repeat">
+      <a:schemeClr val="tx1"/>
+    </dgm:txFillClrLst>
+    <dgm:txEffectClrLst/>
+  </dgm:styleLbl>
+</dgm:colorsDef>
+</file>
+
 <file path=ppt/diagrams/data1.xml><?xml version="1.0" encoding="utf-8"?>
 <dgm:dataModel xmlns:dgm="http://schemas.openxmlformats.org/drawingml/2006/diagram" xmlns:a="http://schemas.openxmlformats.org/drawingml/2006/main">
   <dgm:ptLst>
@@ -3203,7 +4636,14 @@
     </dgm:pt>
     <dgm:pt modelId="{2487AD34-618A-47DC-93CC-6FD709619C5F}">
       <dgm:prSet phldrT="[Text]"/>
-      <dgm:spPr/>
+      <dgm:spPr>
+        <a:solidFill>
+          <a:schemeClr val="accent2">
+            <a:lumMod val="60000"/>
+            <a:lumOff val="40000"/>
+          </a:schemeClr>
+        </a:solidFill>
+      </dgm:spPr>
       <dgm:t>
         <a:bodyPr/>
         <a:lstStyle/>
@@ -3593,7 +5033,14 @@
     </dgm:pt>
     <dgm:pt modelId="{FEA88821-40BA-455D-8687-BB2F034D2D28}">
       <dgm:prSet phldrT="[Text]"/>
-      <dgm:spPr/>
+      <dgm:spPr>
+        <a:solidFill>
+          <a:schemeClr val="accent1">
+            <a:lumMod val="40000"/>
+            <a:lumOff val="60000"/>
+          </a:schemeClr>
+        </a:solidFill>
+      </dgm:spPr>
       <dgm:t>
         <a:bodyPr/>
         <a:lstStyle/>
@@ -3983,7 +5430,14 @@
     </dgm:pt>
     <dgm:pt modelId="{07D6B59E-AF83-4FCC-8F5F-FEFB06C1866B}">
       <dgm:prSet phldrT="[Text]"/>
-      <dgm:spPr/>
+      <dgm:spPr>
+        <a:solidFill>
+          <a:schemeClr val="accent1">
+            <a:lumMod val="40000"/>
+            <a:lumOff val="60000"/>
+          </a:schemeClr>
+        </a:solidFill>
+      </dgm:spPr>
       <dgm:t>
         <a:bodyPr/>
         <a:lstStyle/>
@@ -4020,6 +5474,368 @@
     <dgm:pt modelId="{DC167FC4-AE7E-40A1-ADD8-45CE0F936D0A}">
       <dgm:prSet phldrT="[Text]"/>
       <dgm:spPr/>
+      <dgm:t>
+        <a:bodyPr/>
+        <a:lstStyle/>
+        <a:p>
+          <a:r>
+            <a:rPr lang="en-US" dirty="0"/>
+            <a:t>Conclusion</a:t>
+          </a:r>
+        </a:p>
+      </dgm:t>
+    </dgm:pt>
+    <dgm:pt modelId="{6578EFC0-105C-4942-9A10-C6E50ABE049B}" type="parTrans" cxnId="{CC190814-F35A-4475-B2C8-72EA8BF263F7}">
+      <dgm:prSet/>
+      <dgm:spPr/>
+      <dgm:t>
+        <a:bodyPr/>
+        <a:lstStyle/>
+        <a:p>
+          <a:endParaRPr lang="en-US"/>
+        </a:p>
+      </dgm:t>
+    </dgm:pt>
+    <dgm:pt modelId="{1E20FF92-ADA7-4651-B718-8FA617C6C933}" type="sibTrans" cxnId="{CC190814-F35A-4475-B2C8-72EA8BF263F7}">
+      <dgm:prSet/>
+      <dgm:spPr/>
+      <dgm:t>
+        <a:bodyPr/>
+        <a:lstStyle/>
+        <a:p>
+          <a:endParaRPr lang="en-US"/>
+        </a:p>
+      </dgm:t>
+    </dgm:pt>
+    <dgm:pt modelId="{390BA653-E6AF-4E4C-A2F7-64ABB2AED570}">
+      <dgm:prSet phldrT="[Text]"/>
+      <dgm:spPr/>
+      <dgm:t>
+        <a:bodyPr/>
+        <a:lstStyle/>
+        <a:p>
+          <a:r>
+            <a:rPr lang="en-US" dirty="0"/>
+            <a:t>Future Work/Next Steps</a:t>
+          </a:r>
+        </a:p>
+      </dgm:t>
+    </dgm:pt>
+    <dgm:pt modelId="{CF14DB24-9F2E-4009-A93C-978CC932956A}" type="parTrans" cxnId="{415710A2-1B41-4192-9711-F02FFA03D424}">
+      <dgm:prSet/>
+      <dgm:spPr/>
+      <dgm:t>
+        <a:bodyPr/>
+        <a:lstStyle/>
+        <a:p>
+          <a:endParaRPr lang="en-US"/>
+        </a:p>
+      </dgm:t>
+    </dgm:pt>
+    <dgm:pt modelId="{089AC43F-F68C-4DD1-BA67-9AC6DB073C31}" type="sibTrans" cxnId="{415710A2-1B41-4192-9711-F02FFA03D424}">
+      <dgm:prSet/>
+      <dgm:spPr/>
+      <dgm:t>
+        <a:bodyPr/>
+        <a:lstStyle/>
+        <a:p>
+          <a:endParaRPr lang="en-US"/>
+        </a:p>
+      </dgm:t>
+    </dgm:pt>
+    <dgm:pt modelId="{72D371A8-900E-4003-AD0B-BC21E485B71E}" type="pres">
+      <dgm:prSet presAssocID="{81356977-3A7C-41EE-944B-165096A9B22B}" presName="Name0" presStyleCnt="0">
+        <dgm:presLayoutVars>
+          <dgm:chMax val="7"/>
+          <dgm:chPref val="7"/>
+          <dgm:dir/>
+        </dgm:presLayoutVars>
+      </dgm:prSet>
+      <dgm:spPr/>
+    </dgm:pt>
+    <dgm:pt modelId="{1ED25D08-D906-4D51-9F2D-52293CD11578}" type="pres">
+      <dgm:prSet presAssocID="{81356977-3A7C-41EE-944B-165096A9B22B}" presName="Name1" presStyleCnt="0"/>
+      <dgm:spPr/>
+    </dgm:pt>
+    <dgm:pt modelId="{502970D2-A058-412A-81A9-96E53E169941}" type="pres">
+      <dgm:prSet presAssocID="{81356977-3A7C-41EE-944B-165096A9B22B}" presName="cycle" presStyleCnt="0"/>
+      <dgm:spPr/>
+    </dgm:pt>
+    <dgm:pt modelId="{2BF104DE-6A9D-4CEE-889C-7B4AAB30507A}" type="pres">
+      <dgm:prSet presAssocID="{81356977-3A7C-41EE-944B-165096A9B22B}" presName="srcNode" presStyleLbl="node1" presStyleIdx="0" presStyleCnt="5"/>
+      <dgm:spPr/>
+    </dgm:pt>
+    <dgm:pt modelId="{985CC7EC-2571-4781-9BEE-4D2051FDA60B}" type="pres">
+      <dgm:prSet presAssocID="{81356977-3A7C-41EE-944B-165096A9B22B}" presName="conn" presStyleLbl="parChTrans1D2" presStyleIdx="0" presStyleCnt="1"/>
+      <dgm:spPr/>
+    </dgm:pt>
+    <dgm:pt modelId="{1821764E-DF98-4D14-955A-E56AF8D671CB}" type="pres">
+      <dgm:prSet presAssocID="{81356977-3A7C-41EE-944B-165096A9B22B}" presName="extraNode" presStyleLbl="node1" presStyleIdx="0" presStyleCnt="5"/>
+      <dgm:spPr/>
+    </dgm:pt>
+    <dgm:pt modelId="{802A1291-13A8-4758-A76C-C96744E63E9C}" type="pres">
+      <dgm:prSet presAssocID="{81356977-3A7C-41EE-944B-165096A9B22B}" presName="dstNode" presStyleLbl="node1" presStyleIdx="0" presStyleCnt="5"/>
+      <dgm:spPr/>
+    </dgm:pt>
+    <dgm:pt modelId="{1FA2E616-CB41-4CCA-AEFF-4771D064C713}" type="pres">
+      <dgm:prSet presAssocID="{2487AD34-618A-47DC-93CC-6FD709619C5F}" presName="text_1" presStyleLbl="node1" presStyleIdx="0" presStyleCnt="5">
+        <dgm:presLayoutVars>
+          <dgm:bulletEnabled val="1"/>
+        </dgm:presLayoutVars>
+      </dgm:prSet>
+      <dgm:spPr/>
+    </dgm:pt>
+    <dgm:pt modelId="{413F8789-57A2-4F48-B3C0-97FAE06959D2}" type="pres">
+      <dgm:prSet presAssocID="{2487AD34-618A-47DC-93CC-6FD709619C5F}" presName="accent_1" presStyleCnt="0"/>
+      <dgm:spPr/>
+    </dgm:pt>
+    <dgm:pt modelId="{6815A97F-5379-4D5E-ACA8-BA0F1C5B7937}" type="pres">
+      <dgm:prSet presAssocID="{2487AD34-618A-47DC-93CC-6FD709619C5F}" presName="accentRepeatNode" presStyleLbl="solidFgAcc1" presStyleIdx="0" presStyleCnt="5"/>
+      <dgm:spPr/>
+    </dgm:pt>
+    <dgm:pt modelId="{91971360-DCA5-401B-BED8-52D33871E09B}" type="pres">
+      <dgm:prSet presAssocID="{FEA88821-40BA-455D-8687-BB2F034D2D28}" presName="text_2" presStyleLbl="node1" presStyleIdx="1" presStyleCnt="5">
+        <dgm:presLayoutVars>
+          <dgm:bulletEnabled val="1"/>
+        </dgm:presLayoutVars>
+      </dgm:prSet>
+      <dgm:spPr/>
+    </dgm:pt>
+    <dgm:pt modelId="{80101E17-A8B1-4995-9479-AE00D7F18275}" type="pres">
+      <dgm:prSet presAssocID="{FEA88821-40BA-455D-8687-BB2F034D2D28}" presName="accent_2" presStyleCnt="0"/>
+      <dgm:spPr/>
+    </dgm:pt>
+    <dgm:pt modelId="{2CA897BC-1B34-4449-A1AD-59C84149C01A}" type="pres">
+      <dgm:prSet presAssocID="{FEA88821-40BA-455D-8687-BB2F034D2D28}" presName="accentRepeatNode" presStyleLbl="solidFgAcc1" presStyleIdx="1" presStyleCnt="5"/>
+      <dgm:spPr/>
+    </dgm:pt>
+    <dgm:pt modelId="{B03BA408-0BCB-4BE9-A573-B70B6F3383B5}" type="pres">
+      <dgm:prSet presAssocID="{07D6B59E-AF83-4FCC-8F5F-FEFB06C1866B}" presName="text_3" presStyleLbl="node1" presStyleIdx="2" presStyleCnt="5">
+        <dgm:presLayoutVars>
+          <dgm:bulletEnabled val="1"/>
+        </dgm:presLayoutVars>
+      </dgm:prSet>
+      <dgm:spPr/>
+    </dgm:pt>
+    <dgm:pt modelId="{3AD62853-35CE-47B0-9018-3854C145BD23}" type="pres">
+      <dgm:prSet presAssocID="{07D6B59E-AF83-4FCC-8F5F-FEFB06C1866B}" presName="accent_3" presStyleCnt="0"/>
+      <dgm:spPr/>
+    </dgm:pt>
+    <dgm:pt modelId="{EAA3E4E6-C136-4FEB-9063-ED1F983673DB}" type="pres">
+      <dgm:prSet presAssocID="{07D6B59E-AF83-4FCC-8F5F-FEFB06C1866B}" presName="accentRepeatNode" presStyleLbl="solidFgAcc1" presStyleIdx="2" presStyleCnt="5"/>
+      <dgm:spPr/>
+    </dgm:pt>
+    <dgm:pt modelId="{99419089-53B3-476B-9D70-DA750D374797}" type="pres">
+      <dgm:prSet presAssocID="{DC167FC4-AE7E-40A1-ADD8-45CE0F936D0A}" presName="text_4" presStyleLbl="node1" presStyleIdx="3" presStyleCnt="5">
+        <dgm:presLayoutVars>
+          <dgm:bulletEnabled val="1"/>
+        </dgm:presLayoutVars>
+      </dgm:prSet>
+      <dgm:spPr/>
+    </dgm:pt>
+    <dgm:pt modelId="{58288E66-5538-4BDB-AA57-3C1E314DE828}" type="pres">
+      <dgm:prSet presAssocID="{DC167FC4-AE7E-40A1-ADD8-45CE0F936D0A}" presName="accent_4" presStyleCnt="0"/>
+      <dgm:spPr/>
+    </dgm:pt>
+    <dgm:pt modelId="{9E086C9A-D27B-490C-9406-1F17662CCB0B}" type="pres">
+      <dgm:prSet presAssocID="{DC167FC4-AE7E-40A1-ADD8-45CE0F936D0A}" presName="accentRepeatNode" presStyleLbl="solidFgAcc1" presStyleIdx="3" presStyleCnt="5"/>
+      <dgm:spPr/>
+    </dgm:pt>
+    <dgm:pt modelId="{B661DBEE-881F-4F18-A271-83DB8243A08C}" type="pres">
+      <dgm:prSet presAssocID="{390BA653-E6AF-4E4C-A2F7-64ABB2AED570}" presName="text_5" presStyleLbl="node1" presStyleIdx="4" presStyleCnt="5">
+        <dgm:presLayoutVars>
+          <dgm:bulletEnabled val="1"/>
+        </dgm:presLayoutVars>
+      </dgm:prSet>
+      <dgm:spPr/>
+    </dgm:pt>
+    <dgm:pt modelId="{EDBD2987-A607-4D68-B1A4-9183E837EA62}" type="pres">
+      <dgm:prSet presAssocID="{390BA653-E6AF-4E4C-A2F7-64ABB2AED570}" presName="accent_5" presStyleCnt="0"/>
+      <dgm:spPr/>
+    </dgm:pt>
+    <dgm:pt modelId="{A60867B2-2A52-4BCD-8F45-E8CEF8A0AF2B}" type="pres">
+      <dgm:prSet presAssocID="{390BA653-E6AF-4E4C-A2F7-64ABB2AED570}" presName="accentRepeatNode" presStyleLbl="solidFgAcc1" presStyleIdx="4" presStyleCnt="5"/>
+      <dgm:spPr/>
+    </dgm:pt>
+  </dgm:ptLst>
+  <dgm:cxnLst>
+    <dgm:cxn modelId="{5A702C0E-4D20-4F51-B12A-7A0878E6D012}" srcId="{81356977-3A7C-41EE-944B-165096A9B22B}" destId="{2487AD34-618A-47DC-93CC-6FD709619C5F}" srcOrd="0" destOrd="0" parTransId="{E343E530-A616-4AE3-BAB2-394642ABEBB9}" sibTransId="{58CC171C-66DA-4598-BF35-CFE3DF266562}"/>
+    <dgm:cxn modelId="{CC190814-F35A-4475-B2C8-72EA8BF263F7}" srcId="{81356977-3A7C-41EE-944B-165096A9B22B}" destId="{DC167FC4-AE7E-40A1-ADD8-45CE0F936D0A}" srcOrd="3" destOrd="0" parTransId="{6578EFC0-105C-4942-9A10-C6E50ABE049B}" sibTransId="{1E20FF92-ADA7-4651-B718-8FA617C6C933}"/>
+    <dgm:cxn modelId="{D1B01915-8FDD-4517-9E4C-02FA1D5849C1}" type="presOf" srcId="{390BA653-E6AF-4E4C-A2F7-64ABB2AED570}" destId="{B661DBEE-881F-4F18-A271-83DB8243A08C}" srcOrd="0" destOrd="0" presId="urn:microsoft.com/office/officeart/2008/layout/VerticalCurvedList"/>
+    <dgm:cxn modelId="{52AC5C61-7984-4AFE-9071-EC0353B753A8}" type="presOf" srcId="{07D6B59E-AF83-4FCC-8F5F-FEFB06C1866B}" destId="{B03BA408-0BCB-4BE9-A573-B70B6F3383B5}" srcOrd="0" destOrd="0" presId="urn:microsoft.com/office/officeart/2008/layout/VerticalCurvedList"/>
+    <dgm:cxn modelId="{4FD2BB6F-DCD9-4620-9C4B-B60E5709E528}" type="presOf" srcId="{58CC171C-66DA-4598-BF35-CFE3DF266562}" destId="{985CC7EC-2571-4781-9BEE-4D2051FDA60B}" srcOrd="0" destOrd="0" presId="urn:microsoft.com/office/officeart/2008/layout/VerticalCurvedList"/>
+    <dgm:cxn modelId="{FF4A5259-C775-4DEE-A6DA-5C17D4ABDAB4}" type="presOf" srcId="{81356977-3A7C-41EE-944B-165096A9B22B}" destId="{72D371A8-900E-4003-AD0B-BC21E485B71E}" srcOrd="0" destOrd="0" presId="urn:microsoft.com/office/officeart/2008/layout/VerticalCurvedList"/>
+    <dgm:cxn modelId="{415710A2-1B41-4192-9711-F02FFA03D424}" srcId="{81356977-3A7C-41EE-944B-165096A9B22B}" destId="{390BA653-E6AF-4E4C-A2F7-64ABB2AED570}" srcOrd="4" destOrd="0" parTransId="{CF14DB24-9F2E-4009-A93C-978CC932956A}" sibTransId="{089AC43F-F68C-4DD1-BA67-9AC6DB073C31}"/>
+    <dgm:cxn modelId="{54A464B5-A0C4-4379-ABF2-97AB882B8FD2}" type="presOf" srcId="{2487AD34-618A-47DC-93CC-6FD709619C5F}" destId="{1FA2E616-CB41-4CCA-AEFF-4771D064C713}" srcOrd="0" destOrd="0" presId="urn:microsoft.com/office/officeart/2008/layout/VerticalCurvedList"/>
+    <dgm:cxn modelId="{604341CE-92BF-4608-ACCA-E466D5AE6419}" type="presOf" srcId="{FEA88821-40BA-455D-8687-BB2F034D2D28}" destId="{91971360-DCA5-401B-BED8-52D33871E09B}" srcOrd="0" destOrd="0" presId="urn:microsoft.com/office/officeart/2008/layout/VerticalCurvedList"/>
+    <dgm:cxn modelId="{79F4FAF4-9798-4676-8011-F3FC4CB83288}" srcId="{81356977-3A7C-41EE-944B-165096A9B22B}" destId="{07D6B59E-AF83-4FCC-8F5F-FEFB06C1866B}" srcOrd="2" destOrd="0" parTransId="{3C1B3F8F-BD88-49A5-A558-3CA74CBCA6EB}" sibTransId="{A8172C5C-847D-44E7-B678-0C350190848D}"/>
+    <dgm:cxn modelId="{735D96F6-44CC-44A2-8668-892C62141E19}" srcId="{81356977-3A7C-41EE-944B-165096A9B22B}" destId="{FEA88821-40BA-455D-8687-BB2F034D2D28}" srcOrd="1" destOrd="0" parTransId="{A3099FDB-FB33-4D3D-8178-3E73EE991E17}" sibTransId="{7D8B849B-55A3-4DBB-96AB-A938BE389C10}"/>
+    <dgm:cxn modelId="{EB1889FB-238E-4910-A553-7B663CF91F1E}" type="presOf" srcId="{DC167FC4-AE7E-40A1-ADD8-45CE0F936D0A}" destId="{99419089-53B3-476B-9D70-DA750D374797}" srcOrd="0" destOrd="0" presId="urn:microsoft.com/office/officeart/2008/layout/VerticalCurvedList"/>
+    <dgm:cxn modelId="{03064DB9-0F7F-406C-8986-1EFB0AB382D7}" type="presParOf" srcId="{72D371A8-900E-4003-AD0B-BC21E485B71E}" destId="{1ED25D08-D906-4D51-9F2D-52293CD11578}" srcOrd="0" destOrd="0" presId="urn:microsoft.com/office/officeart/2008/layout/VerticalCurvedList"/>
+    <dgm:cxn modelId="{20A5086A-B31A-41B5-8B26-DD69F1B25AC0}" type="presParOf" srcId="{1ED25D08-D906-4D51-9F2D-52293CD11578}" destId="{502970D2-A058-412A-81A9-96E53E169941}" srcOrd="0" destOrd="0" presId="urn:microsoft.com/office/officeart/2008/layout/VerticalCurvedList"/>
+    <dgm:cxn modelId="{06E6FBFC-F9B8-4BAB-A378-4EF54FA3F60D}" type="presParOf" srcId="{502970D2-A058-412A-81A9-96E53E169941}" destId="{2BF104DE-6A9D-4CEE-889C-7B4AAB30507A}" srcOrd="0" destOrd="0" presId="urn:microsoft.com/office/officeart/2008/layout/VerticalCurvedList"/>
+    <dgm:cxn modelId="{64160BB0-6266-4C5C-BF68-63D78B2DDBF1}" type="presParOf" srcId="{502970D2-A058-412A-81A9-96E53E169941}" destId="{985CC7EC-2571-4781-9BEE-4D2051FDA60B}" srcOrd="1" destOrd="0" presId="urn:microsoft.com/office/officeart/2008/layout/VerticalCurvedList"/>
+    <dgm:cxn modelId="{AC35F695-9319-4468-92D8-C8863F1B397F}" type="presParOf" srcId="{502970D2-A058-412A-81A9-96E53E169941}" destId="{1821764E-DF98-4D14-955A-E56AF8D671CB}" srcOrd="2" destOrd="0" presId="urn:microsoft.com/office/officeart/2008/layout/VerticalCurvedList"/>
+    <dgm:cxn modelId="{02CEBDEE-9FAB-4CCD-AAF1-631EE06A8FD9}" type="presParOf" srcId="{502970D2-A058-412A-81A9-96E53E169941}" destId="{802A1291-13A8-4758-A76C-C96744E63E9C}" srcOrd="3" destOrd="0" presId="urn:microsoft.com/office/officeart/2008/layout/VerticalCurvedList"/>
+    <dgm:cxn modelId="{BC37C4D0-65E9-454D-9F6B-158C65282E10}" type="presParOf" srcId="{1ED25D08-D906-4D51-9F2D-52293CD11578}" destId="{1FA2E616-CB41-4CCA-AEFF-4771D064C713}" srcOrd="1" destOrd="0" presId="urn:microsoft.com/office/officeart/2008/layout/VerticalCurvedList"/>
+    <dgm:cxn modelId="{3192A740-D68F-4629-8780-69418FB22936}" type="presParOf" srcId="{1ED25D08-D906-4D51-9F2D-52293CD11578}" destId="{413F8789-57A2-4F48-B3C0-97FAE06959D2}" srcOrd="2" destOrd="0" presId="urn:microsoft.com/office/officeart/2008/layout/VerticalCurvedList"/>
+    <dgm:cxn modelId="{2ABC5476-731D-40A3-88DF-800637052F83}" type="presParOf" srcId="{413F8789-57A2-4F48-B3C0-97FAE06959D2}" destId="{6815A97F-5379-4D5E-ACA8-BA0F1C5B7937}" srcOrd="0" destOrd="0" presId="urn:microsoft.com/office/officeart/2008/layout/VerticalCurvedList"/>
+    <dgm:cxn modelId="{8B1D82E9-C850-4F0F-BE62-21DEDEAA46EE}" type="presParOf" srcId="{1ED25D08-D906-4D51-9F2D-52293CD11578}" destId="{91971360-DCA5-401B-BED8-52D33871E09B}" srcOrd="3" destOrd="0" presId="urn:microsoft.com/office/officeart/2008/layout/VerticalCurvedList"/>
+    <dgm:cxn modelId="{85E15DB9-CBDF-4D2F-860D-BE8C8AA4920F}" type="presParOf" srcId="{1ED25D08-D906-4D51-9F2D-52293CD11578}" destId="{80101E17-A8B1-4995-9479-AE00D7F18275}" srcOrd="4" destOrd="0" presId="urn:microsoft.com/office/officeart/2008/layout/VerticalCurvedList"/>
+    <dgm:cxn modelId="{EB8FA365-1AD5-4B1A-8677-D2E21DAAD822}" type="presParOf" srcId="{80101E17-A8B1-4995-9479-AE00D7F18275}" destId="{2CA897BC-1B34-4449-A1AD-59C84149C01A}" srcOrd="0" destOrd="0" presId="urn:microsoft.com/office/officeart/2008/layout/VerticalCurvedList"/>
+    <dgm:cxn modelId="{A827FF15-8669-45F9-9494-9629E16CF51C}" type="presParOf" srcId="{1ED25D08-D906-4D51-9F2D-52293CD11578}" destId="{B03BA408-0BCB-4BE9-A573-B70B6F3383B5}" srcOrd="5" destOrd="0" presId="urn:microsoft.com/office/officeart/2008/layout/VerticalCurvedList"/>
+    <dgm:cxn modelId="{92DC08FA-1CBA-413E-A1B8-D31F39D7029C}" type="presParOf" srcId="{1ED25D08-D906-4D51-9F2D-52293CD11578}" destId="{3AD62853-35CE-47B0-9018-3854C145BD23}" srcOrd="6" destOrd="0" presId="urn:microsoft.com/office/officeart/2008/layout/VerticalCurvedList"/>
+    <dgm:cxn modelId="{1B364014-65A5-45E4-9657-3A5E6F50D32F}" type="presParOf" srcId="{3AD62853-35CE-47B0-9018-3854C145BD23}" destId="{EAA3E4E6-C136-4FEB-9063-ED1F983673DB}" srcOrd="0" destOrd="0" presId="urn:microsoft.com/office/officeart/2008/layout/VerticalCurvedList"/>
+    <dgm:cxn modelId="{6901C9C2-F2D1-4943-AA84-AFDB2CF97BD3}" type="presParOf" srcId="{1ED25D08-D906-4D51-9F2D-52293CD11578}" destId="{99419089-53B3-476B-9D70-DA750D374797}" srcOrd="7" destOrd="0" presId="urn:microsoft.com/office/officeart/2008/layout/VerticalCurvedList"/>
+    <dgm:cxn modelId="{21B79C5A-9C08-4BFB-ABE0-0F74C84CBFBC}" type="presParOf" srcId="{1ED25D08-D906-4D51-9F2D-52293CD11578}" destId="{58288E66-5538-4BDB-AA57-3C1E314DE828}" srcOrd="8" destOrd="0" presId="urn:microsoft.com/office/officeart/2008/layout/VerticalCurvedList"/>
+    <dgm:cxn modelId="{CB9CA2A4-C575-4C84-BEE1-9A6187B2CCA6}" type="presParOf" srcId="{58288E66-5538-4BDB-AA57-3C1E314DE828}" destId="{9E086C9A-D27B-490C-9406-1F17662CCB0B}" srcOrd="0" destOrd="0" presId="urn:microsoft.com/office/officeart/2008/layout/VerticalCurvedList"/>
+    <dgm:cxn modelId="{42CE577A-0AE9-4C32-BC93-ADF8CC0F37A3}" type="presParOf" srcId="{1ED25D08-D906-4D51-9F2D-52293CD11578}" destId="{B661DBEE-881F-4F18-A271-83DB8243A08C}" srcOrd="9" destOrd="0" presId="urn:microsoft.com/office/officeart/2008/layout/VerticalCurvedList"/>
+    <dgm:cxn modelId="{61ED6985-CD19-4417-850B-400BF4682973}" type="presParOf" srcId="{1ED25D08-D906-4D51-9F2D-52293CD11578}" destId="{EDBD2987-A607-4D68-B1A4-9183E837EA62}" srcOrd="10" destOrd="0" presId="urn:microsoft.com/office/officeart/2008/layout/VerticalCurvedList"/>
+    <dgm:cxn modelId="{2039CACF-A217-4E19-9258-BED1679CC083}" type="presParOf" srcId="{EDBD2987-A607-4D68-B1A4-9183E837EA62}" destId="{A60867B2-2A52-4BCD-8F45-E8CEF8A0AF2B}" srcOrd="0" destOrd="0" presId="urn:microsoft.com/office/officeart/2008/layout/VerticalCurvedList"/>
+  </dgm:cxnLst>
+  <dgm:bg/>
+  <dgm:whole/>
+  <dgm:extLst>
+    <a:ext uri="http://schemas.microsoft.com/office/drawing/2008/diagram">
+      <dsp:dataModelExt xmlns:dsp="http://schemas.microsoft.com/office/drawing/2008/diagram" relId="rId6" minVer="http://schemas.openxmlformats.org/drawingml/2006/diagram"/>
+    </a:ext>
+  </dgm:extLst>
+</dgm:dataModel>
+</file>
+
+<file path=ppt/diagrams/data4.xml><?xml version="1.0" encoding="utf-8"?>
+<dgm:dataModel xmlns:dgm="http://schemas.openxmlformats.org/drawingml/2006/diagram" xmlns:a="http://schemas.openxmlformats.org/drawingml/2006/main">
+  <dgm:ptLst>
+    <dgm:pt modelId="{81356977-3A7C-41EE-944B-165096A9B22B}" type="doc">
+      <dgm:prSet loTypeId="urn:microsoft.com/office/officeart/2008/layout/VerticalCurvedList" loCatId="list" qsTypeId="urn:microsoft.com/office/officeart/2005/8/quickstyle/simple1" qsCatId="simple" csTypeId="urn:microsoft.com/office/officeart/2005/8/colors/accent1_2" csCatId="accent1" phldr="1"/>
+      <dgm:spPr/>
+      <dgm:t>
+        <a:bodyPr/>
+        <a:lstStyle/>
+        <a:p>
+          <a:endParaRPr lang="en-US"/>
+        </a:p>
+      </dgm:t>
+    </dgm:pt>
+    <dgm:pt modelId="{2487AD34-618A-47DC-93CC-6FD709619C5F}">
+      <dgm:prSet phldrT="[Text]"/>
+      <dgm:spPr/>
+      <dgm:t>
+        <a:bodyPr/>
+        <a:lstStyle/>
+        <a:p>
+          <a:r>
+            <a:rPr lang="en-US" dirty="0"/>
+            <a:t>Background Information</a:t>
+          </a:r>
+        </a:p>
+      </dgm:t>
+    </dgm:pt>
+    <dgm:pt modelId="{E343E530-A616-4AE3-BAB2-394642ABEBB9}" type="parTrans" cxnId="{5A702C0E-4D20-4F51-B12A-7A0878E6D012}">
+      <dgm:prSet/>
+      <dgm:spPr/>
+      <dgm:t>
+        <a:bodyPr/>
+        <a:lstStyle/>
+        <a:p>
+          <a:endParaRPr lang="en-US"/>
+        </a:p>
+      </dgm:t>
+    </dgm:pt>
+    <dgm:pt modelId="{58CC171C-66DA-4598-BF35-CFE3DF266562}" type="sibTrans" cxnId="{5A702C0E-4D20-4F51-B12A-7A0878E6D012}">
+      <dgm:prSet/>
+      <dgm:spPr/>
+      <dgm:t>
+        <a:bodyPr/>
+        <a:lstStyle/>
+        <a:p>
+          <a:endParaRPr lang="en-US"/>
+        </a:p>
+      </dgm:t>
+    </dgm:pt>
+    <dgm:pt modelId="{FEA88821-40BA-455D-8687-BB2F034D2D28}">
+      <dgm:prSet phldrT="[Text]"/>
+      <dgm:spPr/>
+      <dgm:t>
+        <a:bodyPr/>
+        <a:lstStyle/>
+        <a:p>
+          <a:r>
+            <a:rPr lang="en-US" dirty="0"/>
+            <a:t>Research Question</a:t>
+          </a:r>
+        </a:p>
+      </dgm:t>
+    </dgm:pt>
+    <dgm:pt modelId="{A3099FDB-FB33-4D3D-8178-3E73EE991E17}" type="parTrans" cxnId="{735D96F6-44CC-44A2-8668-892C62141E19}">
+      <dgm:prSet/>
+      <dgm:spPr/>
+      <dgm:t>
+        <a:bodyPr/>
+        <a:lstStyle/>
+        <a:p>
+          <a:endParaRPr lang="en-US"/>
+        </a:p>
+      </dgm:t>
+    </dgm:pt>
+    <dgm:pt modelId="{7D8B849B-55A3-4DBB-96AB-A938BE389C10}" type="sibTrans" cxnId="{735D96F6-44CC-44A2-8668-892C62141E19}">
+      <dgm:prSet/>
+      <dgm:spPr/>
+      <dgm:t>
+        <a:bodyPr/>
+        <a:lstStyle/>
+        <a:p>
+          <a:endParaRPr lang="en-US"/>
+        </a:p>
+      </dgm:t>
+    </dgm:pt>
+    <dgm:pt modelId="{07D6B59E-AF83-4FCC-8F5F-FEFB06C1866B}">
+      <dgm:prSet phldrT="[Text]"/>
+      <dgm:spPr>
+        <a:solidFill>
+          <a:srgbClr val="1F394D"/>
+        </a:solidFill>
+      </dgm:spPr>
+      <dgm:t>
+        <a:bodyPr/>
+        <a:lstStyle/>
+        <a:p>
+          <a:r>
+            <a:rPr lang="en-US" dirty="0"/>
+            <a:t>Data Analysis</a:t>
+          </a:r>
+        </a:p>
+      </dgm:t>
+    </dgm:pt>
+    <dgm:pt modelId="{3C1B3F8F-BD88-49A5-A558-3CA74CBCA6EB}" type="parTrans" cxnId="{79F4FAF4-9798-4676-8011-F3FC4CB83288}">
+      <dgm:prSet/>
+      <dgm:spPr/>
+      <dgm:t>
+        <a:bodyPr/>
+        <a:lstStyle/>
+        <a:p>
+          <a:endParaRPr lang="en-US"/>
+        </a:p>
+      </dgm:t>
+    </dgm:pt>
+    <dgm:pt modelId="{A8172C5C-847D-44E7-B678-0C350190848D}" type="sibTrans" cxnId="{79F4FAF4-9798-4676-8011-F3FC4CB83288}">
+      <dgm:prSet/>
+      <dgm:spPr/>
+      <dgm:t>
+        <a:bodyPr/>
+        <a:lstStyle/>
+        <a:p>
+          <a:endParaRPr lang="en-US"/>
+        </a:p>
+      </dgm:t>
+    </dgm:pt>
+    <dgm:pt modelId="{DC167FC4-AE7E-40A1-ADD8-45CE0F936D0A}">
+      <dgm:prSet phldrT="[Text]"/>
+      <dgm:spPr>
+        <a:solidFill>
+          <a:srgbClr val="8CB3D1"/>
+        </a:solidFill>
+      </dgm:spPr>
       <dgm:t>
         <a:bodyPr/>
         <a:lstStyle/>
@@ -4316,11 +6132,9 @@
           <a:avLst/>
         </a:prstGeom>
         <a:solidFill>
-          <a:schemeClr val="accent1">
-            <a:hueOff val="0"/>
-            <a:satOff val="0"/>
-            <a:lumOff val="0"/>
-            <a:alphaOff val="0"/>
+          <a:schemeClr val="accent2">
+            <a:lumMod val="60000"/>
+            <a:lumOff val="40000"/>
           </a:schemeClr>
         </a:solidFill>
         <a:ln w="15875" cap="flat" cmpd="sng" algn="ctr">
@@ -5118,10 +6932,8 @@
         </a:prstGeom>
         <a:solidFill>
           <a:schemeClr val="accent1">
-            <a:hueOff val="0"/>
-            <a:satOff val="0"/>
-            <a:lumOff val="0"/>
-            <a:alphaOff val="0"/>
+            <a:lumMod val="40000"/>
+            <a:lumOff val="60000"/>
           </a:schemeClr>
         </a:solidFill>
         <a:ln w="15875" cap="flat" cmpd="sng" algn="ctr">
@@ -5919,10 +7731,8 @@
         </a:prstGeom>
         <a:solidFill>
           <a:schemeClr val="accent1">
-            <a:hueOff val="0"/>
-            <a:satOff val="0"/>
-            <a:lumOff val="0"/>
-            <a:alphaOff val="0"/>
+            <a:lumMod val="40000"/>
+            <a:lumOff val="60000"/>
           </a:schemeClr>
         </a:solidFill>
         <a:ln w="15875" cap="flat" cmpd="sng" algn="ctr">
@@ -6048,6 +7858,673 @@
             <a:lumOff val="0"/>
             <a:alphaOff val="0"/>
           </a:schemeClr>
+        </a:solidFill>
+        <a:ln w="15875" cap="flat" cmpd="sng" algn="ctr">
+          <a:solidFill>
+            <a:schemeClr val="lt1">
+              <a:hueOff val="0"/>
+              <a:satOff val="0"/>
+              <a:lumOff val="0"/>
+              <a:alphaOff val="0"/>
+            </a:schemeClr>
+          </a:solidFill>
+          <a:prstDash val="solid"/>
+        </a:ln>
+        <a:effectLst/>
+      </dsp:spPr>
+      <dsp:style>
+        <a:lnRef idx="2">
+          <a:scrgbClr r="0" g="0" b="0"/>
+        </a:lnRef>
+        <a:fillRef idx="1">
+          <a:scrgbClr r="0" g="0" b="0"/>
+        </a:fillRef>
+        <a:effectRef idx="0">
+          <a:scrgbClr r="0" g="0" b="0"/>
+        </a:effectRef>
+        <a:fontRef idx="minor">
+          <a:schemeClr val="lt1"/>
+        </a:fontRef>
+      </dsp:style>
+      <dsp:txBody>
+        <a:bodyPr spcFirstLastPara="0" vert="horz" wrap="square" lIns="399257" tIns="66040" rIns="66040" bIns="66040" numCol="1" spcCol="1270" anchor="ctr" anchorCtr="0">
+          <a:noAutofit/>
+        </a:bodyPr>
+        <a:lstStyle/>
+        <a:p>
+          <a:pPr marL="0" lvl="0" indent="0" algn="l" defTabSz="1155700">
+            <a:lnSpc>
+              <a:spcPct val="90000"/>
+            </a:lnSpc>
+            <a:spcBef>
+              <a:spcPct val="0"/>
+            </a:spcBef>
+            <a:spcAft>
+              <a:spcPct val="35000"/>
+            </a:spcAft>
+            <a:buNone/>
+          </a:pPr>
+          <a:r>
+            <a:rPr lang="en-US" sz="2600" kern="1200" dirty="0"/>
+            <a:t>Conclusion</a:t>
+          </a:r>
+        </a:p>
+      </dsp:txBody>
+      <dsp:txXfrm>
+        <a:off x="741160" y="2514122"/>
+        <a:ext cx="9262704" cy="503001"/>
+      </dsp:txXfrm>
+    </dsp:sp>
+    <dsp:sp modelId="{9E086C9A-D27B-490C-9406-1F17662CCB0B}">
+      <dsp:nvSpPr>
+        <dsp:cNvPr id="0" name=""/>
+        <dsp:cNvSpPr/>
+      </dsp:nvSpPr>
+      <dsp:spPr>
+        <a:xfrm>
+          <a:off x="426784" y="2451247"/>
+          <a:ext cx="628751" cy="628751"/>
+        </a:xfrm>
+        <a:prstGeom prst="ellipse">
+          <a:avLst/>
+        </a:prstGeom>
+        <a:solidFill>
+          <a:schemeClr val="lt1">
+            <a:hueOff val="0"/>
+            <a:satOff val="0"/>
+            <a:lumOff val="0"/>
+            <a:alphaOff val="0"/>
+          </a:schemeClr>
+        </a:solidFill>
+        <a:ln w="15875" cap="flat" cmpd="sng" algn="ctr">
+          <a:solidFill>
+            <a:schemeClr val="accent1">
+              <a:hueOff val="0"/>
+              <a:satOff val="0"/>
+              <a:lumOff val="0"/>
+              <a:alphaOff val="0"/>
+            </a:schemeClr>
+          </a:solidFill>
+          <a:prstDash val="solid"/>
+        </a:ln>
+        <a:effectLst/>
+      </dsp:spPr>
+      <dsp:style>
+        <a:lnRef idx="2">
+          <a:scrgbClr r="0" g="0" b="0"/>
+        </a:lnRef>
+        <a:fillRef idx="1">
+          <a:scrgbClr r="0" g="0" b="0"/>
+        </a:fillRef>
+        <a:effectRef idx="0">
+          <a:scrgbClr r="0" g="0" b="0"/>
+        </a:effectRef>
+        <a:fontRef idx="minor"/>
+      </dsp:style>
+    </dsp:sp>
+    <dsp:sp modelId="{B661DBEE-881F-4F18-A271-83DB8243A08C}">
+      <dsp:nvSpPr>
+        <dsp:cNvPr id="0" name=""/>
+        <dsp:cNvSpPr/>
+      </dsp:nvSpPr>
+      <dsp:spPr>
+        <a:xfrm>
+          <a:off x="380724" y="3268383"/>
+          <a:ext cx="9623141" cy="503001"/>
+        </a:xfrm>
+        <a:prstGeom prst="rect">
+          <a:avLst/>
+        </a:prstGeom>
+        <a:solidFill>
+          <a:schemeClr val="accent1">
+            <a:hueOff val="0"/>
+            <a:satOff val="0"/>
+            <a:lumOff val="0"/>
+            <a:alphaOff val="0"/>
+          </a:schemeClr>
+        </a:solidFill>
+        <a:ln w="15875" cap="flat" cmpd="sng" algn="ctr">
+          <a:solidFill>
+            <a:schemeClr val="lt1">
+              <a:hueOff val="0"/>
+              <a:satOff val="0"/>
+              <a:lumOff val="0"/>
+              <a:alphaOff val="0"/>
+            </a:schemeClr>
+          </a:solidFill>
+          <a:prstDash val="solid"/>
+        </a:ln>
+        <a:effectLst/>
+      </dsp:spPr>
+      <dsp:style>
+        <a:lnRef idx="2">
+          <a:scrgbClr r="0" g="0" b="0"/>
+        </a:lnRef>
+        <a:fillRef idx="1">
+          <a:scrgbClr r="0" g="0" b="0"/>
+        </a:fillRef>
+        <a:effectRef idx="0">
+          <a:scrgbClr r="0" g="0" b="0"/>
+        </a:effectRef>
+        <a:fontRef idx="minor">
+          <a:schemeClr val="lt1"/>
+        </a:fontRef>
+      </dsp:style>
+      <dsp:txBody>
+        <a:bodyPr spcFirstLastPara="0" vert="horz" wrap="square" lIns="399257" tIns="66040" rIns="66040" bIns="66040" numCol="1" spcCol="1270" anchor="ctr" anchorCtr="0">
+          <a:noAutofit/>
+        </a:bodyPr>
+        <a:lstStyle/>
+        <a:p>
+          <a:pPr marL="0" lvl="0" indent="0" algn="l" defTabSz="1155700">
+            <a:lnSpc>
+              <a:spcPct val="90000"/>
+            </a:lnSpc>
+            <a:spcBef>
+              <a:spcPct val="0"/>
+            </a:spcBef>
+            <a:spcAft>
+              <a:spcPct val="35000"/>
+            </a:spcAft>
+            <a:buNone/>
+          </a:pPr>
+          <a:r>
+            <a:rPr lang="en-US" sz="2600" kern="1200" dirty="0"/>
+            <a:t>Future Work/Next Steps</a:t>
+          </a:r>
+        </a:p>
+      </dsp:txBody>
+      <dsp:txXfrm>
+        <a:off x="380724" y="3268383"/>
+        <a:ext cx="9623141" cy="503001"/>
+      </dsp:txXfrm>
+    </dsp:sp>
+    <dsp:sp modelId="{A60867B2-2A52-4BCD-8F45-E8CEF8A0AF2B}">
+      <dsp:nvSpPr>
+        <dsp:cNvPr id="0" name=""/>
+        <dsp:cNvSpPr/>
+      </dsp:nvSpPr>
+      <dsp:spPr>
+        <a:xfrm>
+          <a:off x="66348" y="3205508"/>
+          <a:ext cx="628751" cy="628751"/>
+        </a:xfrm>
+        <a:prstGeom prst="ellipse">
+          <a:avLst/>
+        </a:prstGeom>
+        <a:solidFill>
+          <a:schemeClr val="lt1">
+            <a:hueOff val="0"/>
+            <a:satOff val="0"/>
+            <a:lumOff val="0"/>
+            <a:alphaOff val="0"/>
+          </a:schemeClr>
+        </a:solidFill>
+        <a:ln w="15875" cap="flat" cmpd="sng" algn="ctr">
+          <a:solidFill>
+            <a:schemeClr val="accent1">
+              <a:hueOff val="0"/>
+              <a:satOff val="0"/>
+              <a:lumOff val="0"/>
+              <a:alphaOff val="0"/>
+            </a:schemeClr>
+          </a:solidFill>
+          <a:prstDash val="solid"/>
+        </a:ln>
+        <a:effectLst/>
+      </dsp:spPr>
+      <dsp:style>
+        <a:lnRef idx="2">
+          <a:scrgbClr r="0" g="0" b="0"/>
+        </a:lnRef>
+        <a:fillRef idx="1">
+          <a:scrgbClr r="0" g="0" b="0"/>
+        </a:fillRef>
+        <a:effectRef idx="0">
+          <a:scrgbClr r="0" g="0" b="0"/>
+        </a:effectRef>
+        <a:fontRef idx="minor"/>
+      </dsp:style>
+    </dsp:sp>
+  </dsp:spTree>
+</dsp:drawing>
+</file>
+
+<file path=ppt/diagrams/drawing4.xml><?xml version="1.0" encoding="utf-8"?>
+<dsp:drawing xmlns:dgm="http://schemas.openxmlformats.org/drawingml/2006/diagram" xmlns:dsp="http://schemas.microsoft.com/office/drawing/2008/diagram" xmlns:a="http://schemas.openxmlformats.org/drawingml/2006/main">
+  <dsp:spTree>
+    <dsp:nvGrpSpPr>
+      <dsp:cNvPr id="0" name=""/>
+      <dsp:cNvGrpSpPr/>
+    </dsp:nvGrpSpPr>
+    <dsp:grpSpPr/>
+    <dsp:sp modelId="{985CC7EC-2571-4781-9BEE-4D2051FDA60B}">
+      <dsp:nvSpPr>
+        <dsp:cNvPr id="0" name=""/>
+        <dsp:cNvSpPr/>
+      </dsp:nvSpPr>
+      <dsp:spPr>
+        <a:xfrm>
+          <a:off x="-4547637" y="-697308"/>
+          <a:ext cx="5417342" cy="5417342"/>
+        </a:xfrm>
+        <a:prstGeom prst="blockArc">
+          <a:avLst>
+            <a:gd name="adj1" fmla="val 18900000"/>
+            <a:gd name="adj2" fmla="val 2700000"/>
+            <a:gd name="adj3" fmla="val 399"/>
+          </a:avLst>
+        </a:prstGeom>
+        <a:noFill/>
+        <a:ln w="15875" cap="flat" cmpd="sng" algn="ctr">
+          <a:solidFill>
+            <a:schemeClr val="accent1">
+              <a:shade val="60000"/>
+              <a:hueOff val="0"/>
+              <a:satOff val="0"/>
+              <a:lumOff val="0"/>
+              <a:alphaOff val="0"/>
+            </a:schemeClr>
+          </a:solidFill>
+          <a:prstDash val="solid"/>
+        </a:ln>
+        <a:effectLst/>
+      </dsp:spPr>
+      <dsp:style>
+        <a:lnRef idx="2">
+          <a:scrgbClr r="0" g="0" b="0"/>
+        </a:lnRef>
+        <a:fillRef idx="0">
+          <a:scrgbClr r="0" g="0" b="0"/>
+        </a:fillRef>
+        <a:effectRef idx="0">
+          <a:scrgbClr r="0" g="0" b="0"/>
+        </a:effectRef>
+        <a:fontRef idx="minor"/>
+      </dsp:style>
+    </dsp:sp>
+    <dsp:sp modelId="{1FA2E616-CB41-4CCA-AEFF-4771D064C713}">
+      <dsp:nvSpPr>
+        <dsp:cNvPr id="0" name=""/>
+        <dsp:cNvSpPr/>
+      </dsp:nvSpPr>
+      <dsp:spPr>
+        <a:xfrm>
+          <a:off x="380724" y="251339"/>
+          <a:ext cx="9623141" cy="503001"/>
+        </a:xfrm>
+        <a:prstGeom prst="rect">
+          <a:avLst/>
+        </a:prstGeom>
+        <a:solidFill>
+          <a:schemeClr val="accent1">
+            <a:hueOff val="0"/>
+            <a:satOff val="0"/>
+            <a:lumOff val="0"/>
+            <a:alphaOff val="0"/>
+          </a:schemeClr>
+        </a:solidFill>
+        <a:ln w="15875" cap="flat" cmpd="sng" algn="ctr">
+          <a:solidFill>
+            <a:schemeClr val="lt1">
+              <a:hueOff val="0"/>
+              <a:satOff val="0"/>
+              <a:lumOff val="0"/>
+              <a:alphaOff val="0"/>
+            </a:schemeClr>
+          </a:solidFill>
+          <a:prstDash val="solid"/>
+        </a:ln>
+        <a:effectLst/>
+      </dsp:spPr>
+      <dsp:style>
+        <a:lnRef idx="2">
+          <a:scrgbClr r="0" g="0" b="0"/>
+        </a:lnRef>
+        <a:fillRef idx="1">
+          <a:scrgbClr r="0" g="0" b="0"/>
+        </a:fillRef>
+        <a:effectRef idx="0">
+          <a:scrgbClr r="0" g="0" b="0"/>
+        </a:effectRef>
+        <a:fontRef idx="minor">
+          <a:schemeClr val="lt1"/>
+        </a:fontRef>
+      </dsp:style>
+      <dsp:txBody>
+        <a:bodyPr spcFirstLastPara="0" vert="horz" wrap="square" lIns="399257" tIns="66040" rIns="66040" bIns="66040" numCol="1" spcCol="1270" anchor="ctr" anchorCtr="0">
+          <a:noAutofit/>
+        </a:bodyPr>
+        <a:lstStyle/>
+        <a:p>
+          <a:pPr marL="0" lvl="0" indent="0" algn="l" defTabSz="1155700">
+            <a:lnSpc>
+              <a:spcPct val="90000"/>
+            </a:lnSpc>
+            <a:spcBef>
+              <a:spcPct val="0"/>
+            </a:spcBef>
+            <a:spcAft>
+              <a:spcPct val="35000"/>
+            </a:spcAft>
+            <a:buNone/>
+          </a:pPr>
+          <a:r>
+            <a:rPr lang="en-US" sz="2600" kern="1200" dirty="0"/>
+            <a:t>Background Information</a:t>
+          </a:r>
+        </a:p>
+      </dsp:txBody>
+      <dsp:txXfrm>
+        <a:off x="380724" y="251339"/>
+        <a:ext cx="9623141" cy="503001"/>
+      </dsp:txXfrm>
+    </dsp:sp>
+    <dsp:sp modelId="{6815A97F-5379-4D5E-ACA8-BA0F1C5B7937}">
+      <dsp:nvSpPr>
+        <dsp:cNvPr id="0" name=""/>
+        <dsp:cNvSpPr/>
+      </dsp:nvSpPr>
+      <dsp:spPr>
+        <a:xfrm>
+          <a:off x="66348" y="188464"/>
+          <a:ext cx="628751" cy="628751"/>
+        </a:xfrm>
+        <a:prstGeom prst="ellipse">
+          <a:avLst/>
+        </a:prstGeom>
+        <a:solidFill>
+          <a:schemeClr val="lt1">
+            <a:hueOff val="0"/>
+            <a:satOff val="0"/>
+            <a:lumOff val="0"/>
+            <a:alphaOff val="0"/>
+          </a:schemeClr>
+        </a:solidFill>
+        <a:ln w="15875" cap="flat" cmpd="sng" algn="ctr">
+          <a:solidFill>
+            <a:schemeClr val="accent1">
+              <a:hueOff val="0"/>
+              <a:satOff val="0"/>
+              <a:lumOff val="0"/>
+              <a:alphaOff val="0"/>
+            </a:schemeClr>
+          </a:solidFill>
+          <a:prstDash val="solid"/>
+        </a:ln>
+        <a:effectLst/>
+      </dsp:spPr>
+      <dsp:style>
+        <a:lnRef idx="2">
+          <a:scrgbClr r="0" g="0" b="0"/>
+        </a:lnRef>
+        <a:fillRef idx="1">
+          <a:scrgbClr r="0" g="0" b="0"/>
+        </a:fillRef>
+        <a:effectRef idx="0">
+          <a:scrgbClr r="0" g="0" b="0"/>
+        </a:effectRef>
+        <a:fontRef idx="minor"/>
+      </dsp:style>
+    </dsp:sp>
+    <dsp:sp modelId="{91971360-DCA5-401B-BED8-52D33871E09B}">
+      <dsp:nvSpPr>
+        <dsp:cNvPr id="0" name=""/>
+        <dsp:cNvSpPr/>
+      </dsp:nvSpPr>
+      <dsp:spPr>
+        <a:xfrm>
+          <a:off x="741160" y="1005600"/>
+          <a:ext cx="9262704" cy="503001"/>
+        </a:xfrm>
+        <a:prstGeom prst="rect">
+          <a:avLst/>
+        </a:prstGeom>
+        <a:solidFill>
+          <a:schemeClr val="accent1">
+            <a:hueOff val="0"/>
+            <a:satOff val="0"/>
+            <a:lumOff val="0"/>
+            <a:alphaOff val="0"/>
+          </a:schemeClr>
+        </a:solidFill>
+        <a:ln w="15875" cap="flat" cmpd="sng" algn="ctr">
+          <a:solidFill>
+            <a:schemeClr val="lt1">
+              <a:hueOff val="0"/>
+              <a:satOff val="0"/>
+              <a:lumOff val="0"/>
+              <a:alphaOff val="0"/>
+            </a:schemeClr>
+          </a:solidFill>
+          <a:prstDash val="solid"/>
+        </a:ln>
+        <a:effectLst/>
+      </dsp:spPr>
+      <dsp:style>
+        <a:lnRef idx="2">
+          <a:scrgbClr r="0" g="0" b="0"/>
+        </a:lnRef>
+        <a:fillRef idx="1">
+          <a:scrgbClr r="0" g="0" b="0"/>
+        </a:fillRef>
+        <a:effectRef idx="0">
+          <a:scrgbClr r="0" g="0" b="0"/>
+        </a:effectRef>
+        <a:fontRef idx="minor">
+          <a:schemeClr val="lt1"/>
+        </a:fontRef>
+      </dsp:style>
+      <dsp:txBody>
+        <a:bodyPr spcFirstLastPara="0" vert="horz" wrap="square" lIns="399257" tIns="66040" rIns="66040" bIns="66040" numCol="1" spcCol="1270" anchor="ctr" anchorCtr="0">
+          <a:noAutofit/>
+        </a:bodyPr>
+        <a:lstStyle/>
+        <a:p>
+          <a:pPr marL="0" lvl="0" indent="0" algn="l" defTabSz="1155700">
+            <a:lnSpc>
+              <a:spcPct val="90000"/>
+            </a:lnSpc>
+            <a:spcBef>
+              <a:spcPct val="0"/>
+            </a:spcBef>
+            <a:spcAft>
+              <a:spcPct val="35000"/>
+            </a:spcAft>
+            <a:buNone/>
+          </a:pPr>
+          <a:r>
+            <a:rPr lang="en-US" sz="2600" kern="1200" dirty="0"/>
+            <a:t>Research Question</a:t>
+          </a:r>
+        </a:p>
+      </dsp:txBody>
+      <dsp:txXfrm>
+        <a:off x="741160" y="1005600"/>
+        <a:ext cx="9262704" cy="503001"/>
+      </dsp:txXfrm>
+    </dsp:sp>
+    <dsp:sp modelId="{2CA897BC-1B34-4449-A1AD-59C84149C01A}">
+      <dsp:nvSpPr>
+        <dsp:cNvPr id="0" name=""/>
+        <dsp:cNvSpPr/>
+      </dsp:nvSpPr>
+      <dsp:spPr>
+        <a:xfrm>
+          <a:off x="426784" y="942725"/>
+          <a:ext cx="628751" cy="628751"/>
+        </a:xfrm>
+        <a:prstGeom prst="ellipse">
+          <a:avLst/>
+        </a:prstGeom>
+        <a:solidFill>
+          <a:schemeClr val="lt1">
+            <a:hueOff val="0"/>
+            <a:satOff val="0"/>
+            <a:lumOff val="0"/>
+            <a:alphaOff val="0"/>
+          </a:schemeClr>
+        </a:solidFill>
+        <a:ln w="15875" cap="flat" cmpd="sng" algn="ctr">
+          <a:solidFill>
+            <a:schemeClr val="accent1">
+              <a:hueOff val="0"/>
+              <a:satOff val="0"/>
+              <a:lumOff val="0"/>
+              <a:alphaOff val="0"/>
+            </a:schemeClr>
+          </a:solidFill>
+          <a:prstDash val="solid"/>
+        </a:ln>
+        <a:effectLst/>
+      </dsp:spPr>
+      <dsp:style>
+        <a:lnRef idx="2">
+          <a:scrgbClr r="0" g="0" b="0"/>
+        </a:lnRef>
+        <a:fillRef idx="1">
+          <a:scrgbClr r="0" g="0" b="0"/>
+        </a:fillRef>
+        <a:effectRef idx="0">
+          <a:scrgbClr r="0" g="0" b="0"/>
+        </a:effectRef>
+        <a:fontRef idx="minor"/>
+      </dsp:style>
+    </dsp:sp>
+    <dsp:sp modelId="{B03BA408-0BCB-4BE9-A573-B70B6F3383B5}">
+      <dsp:nvSpPr>
+        <dsp:cNvPr id="0" name=""/>
+        <dsp:cNvSpPr/>
+      </dsp:nvSpPr>
+      <dsp:spPr>
+        <a:xfrm>
+          <a:off x="851785" y="1759861"/>
+          <a:ext cx="9152080" cy="503001"/>
+        </a:xfrm>
+        <a:prstGeom prst="rect">
+          <a:avLst/>
+        </a:prstGeom>
+        <a:solidFill>
+          <a:srgbClr val="1F394D"/>
+        </a:solidFill>
+        <a:ln w="15875" cap="flat" cmpd="sng" algn="ctr">
+          <a:solidFill>
+            <a:schemeClr val="lt1">
+              <a:hueOff val="0"/>
+              <a:satOff val="0"/>
+              <a:lumOff val="0"/>
+              <a:alphaOff val="0"/>
+            </a:schemeClr>
+          </a:solidFill>
+          <a:prstDash val="solid"/>
+        </a:ln>
+        <a:effectLst/>
+      </dsp:spPr>
+      <dsp:style>
+        <a:lnRef idx="2">
+          <a:scrgbClr r="0" g="0" b="0"/>
+        </a:lnRef>
+        <a:fillRef idx="1">
+          <a:scrgbClr r="0" g="0" b="0"/>
+        </a:fillRef>
+        <a:effectRef idx="0">
+          <a:scrgbClr r="0" g="0" b="0"/>
+        </a:effectRef>
+        <a:fontRef idx="minor">
+          <a:schemeClr val="lt1"/>
+        </a:fontRef>
+      </dsp:style>
+      <dsp:txBody>
+        <a:bodyPr spcFirstLastPara="0" vert="horz" wrap="square" lIns="399257" tIns="66040" rIns="66040" bIns="66040" numCol="1" spcCol="1270" anchor="ctr" anchorCtr="0">
+          <a:noAutofit/>
+        </a:bodyPr>
+        <a:lstStyle/>
+        <a:p>
+          <a:pPr marL="0" lvl="0" indent="0" algn="l" defTabSz="1155700">
+            <a:lnSpc>
+              <a:spcPct val="90000"/>
+            </a:lnSpc>
+            <a:spcBef>
+              <a:spcPct val="0"/>
+            </a:spcBef>
+            <a:spcAft>
+              <a:spcPct val="35000"/>
+            </a:spcAft>
+            <a:buNone/>
+          </a:pPr>
+          <a:r>
+            <a:rPr lang="en-US" sz="2600" kern="1200" dirty="0"/>
+            <a:t>Data Analysis</a:t>
+          </a:r>
+        </a:p>
+      </dsp:txBody>
+      <dsp:txXfrm>
+        <a:off x="851785" y="1759861"/>
+        <a:ext cx="9152080" cy="503001"/>
+      </dsp:txXfrm>
+    </dsp:sp>
+    <dsp:sp modelId="{EAA3E4E6-C136-4FEB-9063-ED1F983673DB}">
+      <dsp:nvSpPr>
+        <dsp:cNvPr id="0" name=""/>
+        <dsp:cNvSpPr/>
+      </dsp:nvSpPr>
+      <dsp:spPr>
+        <a:xfrm>
+          <a:off x="537409" y="1696986"/>
+          <a:ext cx="628751" cy="628751"/>
+        </a:xfrm>
+        <a:prstGeom prst="ellipse">
+          <a:avLst/>
+        </a:prstGeom>
+        <a:solidFill>
+          <a:schemeClr val="lt1">
+            <a:hueOff val="0"/>
+            <a:satOff val="0"/>
+            <a:lumOff val="0"/>
+            <a:alphaOff val="0"/>
+          </a:schemeClr>
+        </a:solidFill>
+        <a:ln w="15875" cap="flat" cmpd="sng" algn="ctr">
+          <a:solidFill>
+            <a:schemeClr val="accent1">
+              <a:hueOff val="0"/>
+              <a:satOff val="0"/>
+              <a:lumOff val="0"/>
+              <a:alphaOff val="0"/>
+            </a:schemeClr>
+          </a:solidFill>
+          <a:prstDash val="solid"/>
+        </a:ln>
+        <a:effectLst/>
+      </dsp:spPr>
+      <dsp:style>
+        <a:lnRef idx="2">
+          <a:scrgbClr r="0" g="0" b="0"/>
+        </a:lnRef>
+        <a:fillRef idx="1">
+          <a:scrgbClr r="0" g="0" b="0"/>
+        </a:fillRef>
+        <a:effectRef idx="0">
+          <a:scrgbClr r="0" g="0" b="0"/>
+        </a:effectRef>
+        <a:fontRef idx="minor"/>
+      </dsp:style>
+    </dsp:sp>
+    <dsp:sp modelId="{99419089-53B3-476B-9D70-DA750D374797}">
+      <dsp:nvSpPr>
+        <dsp:cNvPr id="0" name=""/>
+        <dsp:cNvSpPr/>
+      </dsp:nvSpPr>
+      <dsp:spPr>
+        <a:xfrm>
+          <a:off x="741160" y="2514122"/>
+          <a:ext cx="9262704" cy="503001"/>
+        </a:xfrm>
+        <a:prstGeom prst="rect">
+          <a:avLst/>
+        </a:prstGeom>
+        <a:solidFill>
+          <a:srgbClr val="8CB3D1"/>
         </a:solidFill>
         <a:ln w="15875" cap="flat" cmpd="sng" algn="ctr">
           <a:solidFill>
@@ -10114,6 +12591,1284 @@
 </dgm:layoutDef>
 </file>
 
+<file path=ppt/diagrams/layout4.xml><?xml version="1.0" encoding="utf-8"?>
+<dgm:layoutDef xmlns:dgm="http://schemas.openxmlformats.org/drawingml/2006/diagram" xmlns:a="http://schemas.openxmlformats.org/drawingml/2006/main" uniqueId="urn:microsoft.com/office/officeart/2008/layout/VerticalCurvedList">
+  <dgm:title val=""/>
+  <dgm:desc val=""/>
+  <dgm:catLst>
+    <dgm:cat type="list" pri="20000"/>
+  </dgm:catLst>
+  <dgm:sampData>
+    <dgm:dataModel>
+      <dgm:ptLst>
+        <dgm:pt modelId="0" type="doc"/>
+        <dgm:pt modelId="1">
+          <dgm:prSet phldr="1"/>
+        </dgm:pt>
+        <dgm:pt modelId="2">
+          <dgm:prSet phldr="1"/>
+        </dgm:pt>
+        <dgm:pt modelId="3">
+          <dgm:prSet phldr="1"/>
+        </dgm:pt>
+      </dgm:ptLst>
+      <dgm:cxnLst>
+        <dgm:cxn modelId="4" srcId="0" destId="1" srcOrd="0" destOrd="0"/>
+        <dgm:cxn modelId="5" srcId="0" destId="2" srcOrd="1" destOrd="0"/>
+        <dgm:cxn modelId="6" srcId="0" destId="3" srcOrd="2" destOrd="0"/>
+      </dgm:cxnLst>
+      <dgm:bg/>
+      <dgm:whole/>
+    </dgm:dataModel>
+  </dgm:sampData>
+  <dgm:styleData>
+    <dgm:dataModel>
+      <dgm:ptLst>
+        <dgm:pt modelId="0" type="doc"/>
+        <dgm:pt modelId="1">
+          <dgm:prSet phldr="1"/>
+        </dgm:pt>
+        <dgm:pt modelId="2">
+          <dgm:prSet phldr="1"/>
+        </dgm:pt>
+      </dgm:ptLst>
+      <dgm:cxnLst>
+        <dgm:cxn modelId="3" srcId="0" destId="1" srcOrd="0" destOrd="0"/>
+        <dgm:cxn modelId="4" srcId="0" destId="2" srcOrd="1" destOrd="0"/>
+      </dgm:cxnLst>
+      <dgm:bg/>
+      <dgm:whole/>
+    </dgm:dataModel>
+  </dgm:styleData>
+  <dgm:clrData>
+    <dgm:dataModel>
+      <dgm:ptLst>
+        <dgm:pt modelId="0" type="doc"/>
+        <dgm:pt modelId="1">
+          <dgm:prSet phldr="1"/>
+        </dgm:pt>
+        <dgm:pt modelId="2">
+          <dgm:prSet phldr="1"/>
+        </dgm:pt>
+        <dgm:pt modelId="3">
+          <dgm:prSet phldr="1"/>
+        </dgm:pt>
+        <dgm:pt modelId="4">
+          <dgm:prSet phldr="1"/>
+        </dgm:pt>
+      </dgm:ptLst>
+      <dgm:cxnLst>
+        <dgm:cxn modelId="5" srcId="0" destId="1" srcOrd="0" destOrd="0"/>
+        <dgm:cxn modelId="6" srcId="0" destId="2" srcOrd="1" destOrd="0"/>
+        <dgm:cxn modelId="7" srcId="0" destId="3" srcOrd="2" destOrd="0"/>
+        <dgm:cxn modelId="8" srcId="0" destId="4" srcOrd="3" destOrd="0"/>
+      </dgm:cxnLst>
+      <dgm:bg/>
+      <dgm:whole/>
+    </dgm:dataModel>
+  </dgm:clrData>
+  <dgm:layoutNode name="Name0">
+    <dgm:varLst>
+      <dgm:chMax val="7"/>
+      <dgm:chPref val="7"/>
+      <dgm:dir/>
+    </dgm:varLst>
+    <dgm:alg type="composite"/>
+    <dgm:shape xmlns:r="http://schemas.openxmlformats.org/officeDocument/2006/relationships" r:blip="">
+      <dgm:adjLst/>
+    </dgm:shape>
+    <dgm:constrLst>
+      <dgm:constr type="w" for="ch" refType="h" refFor="ch" op="gte" fact="0.8"/>
+    </dgm:constrLst>
+    <dgm:layoutNode name="Name1">
+      <dgm:alg type="composite"/>
+      <dgm:shape xmlns:r="http://schemas.openxmlformats.org/officeDocument/2006/relationships" r:blip="">
+        <dgm:adjLst/>
+      </dgm:shape>
+      <dgm:choose name="Name2">
+        <dgm:if name="Name3" func="var" arg="dir" op="equ" val="norm">
+          <dgm:choose name="Name4">
+            <dgm:if name="Name5" axis="ch" ptType="node" func="cnt" op="equ" val="1">
+              <dgm:constrLst>
+                <dgm:constr type="h" for="ch" forName="cycle" refType="h"/>
+                <dgm:constr type="w" for="ch" forName="cycle" refType="h" refFor="ch" refForName="cycle" fact="0.26"/>
+                <dgm:constr type="l" for="ch" forName="cycle"/>
+                <dgm:constr type="ctrY" for="ch" forName="cycle" refType="h" fact="0.5"/>
+                <dgm:constr type="diam" for="ch" forName="cycle" refType="h" fact="1.344"/>
+                <dgm:constr type="h" for="ch" forName="accent_1" refType="h" fact="0.625"/>
+                <dgm:constr type="w" for="ch" forName="accent_1" refType="h" refFor="ch" refForName="accent_1" op="equ"/>
+                <dgm:constr type="ctrY" for="ch" forName="accent_1" refType="h" fact="0.5"/>
+                <dgm:constr type="ctrX" for="ch" forName="accent_1" refType="h" fact="0.2253"/>
+                <dgm:constr type="l" for="ch" forName="text_1" refType="ctrX" refFor="ch" refForName="accent_1"/>
+                <dgm:constr type="r" for="ch" forName="text_1" refType="w"/>
+                <dgm:constr type="w" for="ch" forName="text_1" refType="h" refFor="ch" refForName="text_1" op="gte"/>
+                <dgm:constr type="h" for="ch" forName="text_1" refType="h" refFor="ch" refForName="accent_1" fact="0.8"/>
+                <dgm:constr type="ctrY" for="ch" forName="text_1" refType="ctrY" refFor="ch" refForName="accent_1"/>
+                <dgm:constr type="lMarg" for="ch" forName="text_1" refType="w" refFor="ch" refForName="accent_1" fact="1.8"/>
+                <dgm:constr type="primFontSz" for="ch" ptType="node" op="equ" val="65"/>
+              </dgm:constrLst>
+            </dgm:if>
+            <dgm:if name="Name6" axis="ch" ptType="node" func="cnt" op="equ" val="2">
+              <dgm:constrLst>
+                <dgm:constr type="h" for="ch" forName="cycle" refType="h"/>
+                <dgm:constr type="w" for="ch" forName="cycle" refType="h" refFor="ch" refForName="cycle" fact="0.26"/>
+                <dgm:constr type="l" for="ch" forName="cycle"/>
+                <dgm:constr type="ctrY" for="ch" forName="cycle" refType="h" fact="0.5"/>
+                <dgm:constr type="diam" for="ch" forName="cycle" refType="h" fact="1.344"/>
+                <dgm:constr type="h" for="ch" forName="accent_1" refType="h" fact="0.3571"/>
+                <dgm:constr type="w" for="ch" forName="accent_1" refType="h" refFor="ch" refForName="accent_1" op="equ"/>
+                <dgm:constr type="ctrY" for="ch" forName="accent_1" refType="h" fact="0.2857"/>
+                <dgm:constr type="ctrX" for="ch" forName="accent_1" refType="h" fact="0.1891"/>
+                <dgm:constr type="l" for="ch" forName="text_1" refType="ctrX" refFor="ch" refForName="accent_1"/>
+                <dgm:constr type="r" for="ch" forName="text_1" refType="w"/>
+                <dgm:constr type="w" for="ch" forName="text_1" refType="h" refFor="ch" refForName="text_1" op="gte"/>
+                <dgm:constr type="h" for="ch" forName="text_1" refType="h" refFor="ch" refForName="accent_1" fact="0.8"/>
+                <dgm:constr type="ctrY" for="ch" forName="text_1" refType="ctrY" refFor="ch" refForName="accent_1"/>
+                <dgm:constr type="lMarg" for="ch" forName="text_1" refType="w" refFor="ch" refForName="accent_1" fact="1.8"/>
+                <dgm:constr type="h" for="ch" forName="accent_2" refType="h" fact="0.3571"/>
+                <dgm:constr type="w" for="ch" forName="accent_2" refType="h" refFor="ch" refForName="accent_2" op="equ"/>
+                <dgm:constr type="ctrY" for="ch" forName="accent_2" refType="h" fact="0.7143"/>
+                <dgm:constr type="ctrX" for="ch" forName="accent_2" refType="h" fact="0.1891"/>
+                <dgm:constr type="l" for="ch" forName="text_2" refType="ctrX" refFor="ch" refForName="accent_2"/>
+                <dgm:constr type="r" for="ch" forName="text_2" refType="w"/>
+                <dgm:constr type="w" for="ch" forName="text_2" refType="h" refFor="ch" refForName="text_2" op="gte"/>
+                <dgm:constr type="h" for="ch" forName="text_2" refType="h" refFor="ch" refForName="accent_2" fact="0.8"/>
+                <dgm:constr type="ctrY" for="ch" forName="text_2" refType="ctrY" refFor="ch" refForName="accent_2"/>
+                <dgm:constr type="lMarg" for="ch" forName="text_2" refType="w" refFor="ch" refForName="accent_2" fact="1.8"/>
+                <dgm:constr type="primFontSz" for="ch" ptType="node" op="equ" val="65"/>
+              </dgm:constrLst>
+            </dgm:if>
+            <dgm:if name="Name7" axis="ch" ptType="node" func="cnt" op="equ" val="3">
+              <dgm:constrLst>
+                <dgm:constr type="h" for="ch" forName="cycle" refType="h"/>
+                <dgm:constr type="w" for="ch" forName="cycle" refType="h" refFor="ch" refForName="cycle" fact="0.26"/>
+                <dgm:constr type="l" for="ch" forName="cycle"/>
+                <dgm:constr type="ctrY" for="ch" forName="cycle" refType="h" fact="0.5"/>
+                <dgm:constr type="diam" for="ch" forName="cycle" refType="h" fact="1.344"/>
+                <dgm:constr type="h" for="ch" forName="accent_1" refType="h" fact="0.25"/>
+                <dgm:constr type="w" for="ch" forName="accent_1" refType="h" refFor="ch" refForName="accent_1" op="equ"/>
+                <dgm:constr type="ctrY" for="ch" forName="accent_1" refType="h" fact="0.2"/>
+                <dgm:constr type="ctrX" for="ch" forName="accent_1" refType="h" fact="0.1526"/>
+                <dgm:constr type="l" for="ch" forName="text_1" refType="ctrX" refFor="ch" refForName="accent_1"/>
+                <dgm:constr type="r" for="ch" forName="text_1" refType="w"/>
+                <dgm:constr type="w" for="ch" forName="text_1" refType="h" refFor="ch" refForName="text_1" op="gte"/>
+                <dgm:constr type="h" for="ch" forName="text_1" refType="h" refFor="ch" refForName="accent_1" fact="0.8"/>
+                <dgm:constr type="ctrY" for="ch" forName="text_1" refType="ctrY" refFor="ch" refForName="accent_1"/>
+                <dgm:constr type="lMarg" for="ch" forName="text_1" refType="w" refFor="ch" refForName="accent_1" fact="1.8"/>
+                <dgm:constr type="h" for="ch" forName="accent_2" refType="h" fact="0.25"/>
+                <dgm:constr type="w" for="ch" forName="accent_2" refType="h" refFor="ch" refForName="accent_2" op="equ"/>
+                <dgm:constr type="ctrY" for="ch" forName="accent_2" refType="h" fact="0.5"/>
+                <dgm:constr type="ctrX" for="ch" forName="accent_2" refType="h" fact="0.2253"/>
+                <dgm:constr type="l" for="ch" forName="text_2" refType="ctrX" refFor="ch" refForName="accent_2"/>
+                <dgm:constr type="r" for="ch" forName="text_2" refType="w"/>
+                <dgm:constr type="w" for="ch" forName="text_2" refType="h" refFor="ch" refForName="text_2" op="gte"/>
+                <dgm:constr type="h" for="ch" forName="text_2" refType="h" refFor="ch" refForName="accent_2" fact="0.8"/>
+                <dgm:constr type="ctrY" for="ch" forName="text_2" refType="ctrY" refFor="ch" refForName="accent_2"/>
+                <dgm:constr type="lMarg" for="ch" forName="text_2" refType="w" refFor="ch" refForName="accent_2" fact="1.8"/>
+                <dgm:constr type="h" for="ch" forName="accent_3" refType="h" fact="0.25"/>
+                <dgm:constr type="w" for="ch" forName="accent_3" refType="h" refFor="ch" refForName="accent_3" op="equ"/>
+                <dgm:constr type="ctrY" for="ch" forName="accent_3" refType="h" fact="0.8"/>
+                <dgm:constr type="ctrX" for="ch" forName="accent_3" refType="h" fact="0.1526"/>
+                <dgm:constr type="l" for="ch" forName="text_3" refType="ctrX" refFor="ch" refForName="accent_3"/>
+                <dgm:constr type="r" for="ch" forName="text_3" refType="w"/>
+                <dgm:constr type="w" for="ch" forName="text_3" refType="h" refFor="ch" refForName="text_3" op="gte"/>
+                <dgm:constr type="h" for="ch" forName="text_3" refType="h" refFor="ch" refForName="accent_3" fact="0.8"/>
+                <dgm:constr type="ctrY" for="ch" forName="text_3" refType="ctrY" refFor="ch" refForName="accent_3"/>
+                <dgm:constr type="lMarg" for="ch" forName="text_3" refType="w" refFor="ch" refForName="accent_3" fact="1.8"/>
+                <dgm:constr type="primFontSz" for="ch" ptType="node" op="equ" val="65"/>
+              </dgm:constrLst>
+            </dgm:if>
+            <dgm:if name="Name8" axis="ch" ptType="node" func="cnt" op="equ" val="4">
+              <dgm:constrLst>
+                <dgm:constr type="h" for="ch" forName="cycle" refType="h"/>
+                <dgm:constr type="w" for="ch" forName="cycle" refType="h" refFor="ch" refForName="cycle" fact="0.26"/>
+                <dgm:constr type="l" for="ch" forName="cycle"/>
+                <dgm:constr type="ctrY" for="ch" forName="cycle" refType="h" fact="0.5"/>
+                <dgm:constr type="diam" for="ch" forName="cycle" refType="h" fact="1.344"/>
+                <dgm:constr type="h" for="ch" forName="accent_1" refType="h" fact="0.1923"/>
+                <dgm:constr type="w" for="ch" forName="accent_1" refType="h" refFor="ch" refForName="accent_1" op="equ"/>
+                <dgm:constr type="ctrY" for="ch" forName="accent_1" refType="h" fact="0.1538"/>
+                <dgm:constr type="ctrX" for="ch" forName="accent_1" refType="h" fact="0.1268"/>
+                <dgm:constr type="l" for="ch" forName="text_1" refType="ctrX" refFor="ch" refForName="accent_1"/>
+                <dgm:constr type="r" for="ch" forName="text_1" refType="w"/>
+                <dgm:constr type="w" for="ch" forName="text_1" refType="h" refFor="ch" refForName="text_1" op="gte"/>
+                <dgm:constr type="h" for="ch" forName="text_1" refType="h" refFor="ch" refForName="accent_1" fact="0.8"/>
+                <dgm:constr type="ctrY" for="ch" forName="text_1" refType="ctrY" refFor="ch" refForName="accent_1"/>
+                <dgm:constr type="lMarg" for="ch" forName="text_1" refType="w" refFor="ch" refForName="accent_1" fact="1.8"/>
+                <dgm:constr type="h" for="ch" forName="accent_2" refType="h" fact="0.1923"/>
+                <dgm:constr type="w" for="ch" forName="accent_2" refType="h" refFor="ch" refForName="accent_2" op="equ"/>
+                <dgm:constr type="ctrY" for="ch" forName="accent_2" refType="h" fact="0.3846"/>
+                <dgm:constr type="ctrX" for="ch" forName="accent_2" refType="h" fact="0.215"/>
+                <dgm:constr type="l" for="ch" forName="text_2" refType="ctrX" refFor="ch" refForName="accent_2"/>
+                <dgm:constr type="r" for="ch" forName="text_2" refType="w"/>
+                <dgm:constr type="w" for="ch" forName="text_2" refType="h" refFor="ch" refForName="text_2" op="gte"/>
+                <dgm:constr type="h" for="ch" forName="text_2" refType="h" refFor="ch" refForName="accent_2" fact="0.8"/>
+                <dgm:constr type="ctrY" for="ch" forName="text_2" refType="ctrY" refFor="ch" refForName="accent_2"/>
+                <dgm:constr type="lMarg" for="ch" forName="text_2" refType="w" refFor="ch" refForName="accent_2" fact="1.8"/>
+                <dgm:constr type="h" for="ch" forName="accent_3" refType="h" fact="0.1923"/>
+                <dgm:constr type="w" for="ch" forName="accent_3" refType="h" refFor="ch" refForName="accent_3" op="equ"/>
+                <dgm:constr type="ctrY" for="ch" forName="accent_3" refType="h" fact="0.6154"/>
+                <dgm:constr type="ctrX" for="ch" forName="accent_3" refType="h" fact="0.215"/>
+                <dgm:constr type="l" for="ch" forName="text_3" refType="ctrX" refFor="ch" refForName="accent_3"/>
+                <dgm:constr type="r" for="ch" forName="text_3" refType="w"/>
+                <dgm:constr type="w" for="ch" forName="text_3" refType="h" refFor="ch" refForName="text_3" op="gte"/>
+                <dgm:constr type="h" for="ch" forName="text_3" refType="h" refFor="ch" refForName="accent_3" fact="0.8"/>
+                <dgm:constr type="ctrY" for="ch" forName="text_3" refType="ctrY" refFor="ch" refForName="accent_3"/>
+                <dgm:constr type="lMarg" for="ch" forName="text_3" refType="w" refFor="ch" refForName="accent_3" fact="1.8"/>
+                <dgm:constr type="h" for="ch" forName="accent_4" refType="h" fact="0.1923"/>
+                <dgm:constr type="w" for="ch" forName="accent_4" refType="h" refFor="ch" refForName="accent_4" op="equ"/>
+                <dgm:constr type="ctrY" for="ch" forName="accent_4" refType="h" fact="0.8462"/>
+                <dgm:constr type="ctrX" for="ch" forName="accent_4" refType="h" fact="0.1268"/>
+                <dgm:constr type="l" for="ch" forName="text_4" refType="ctrX" refFor="ch" refForName="accent_4"/>
+                <dgm:constr type="r" for="ch" forName="text_4" refType="w"/>
+                <dgm:constr type="w" for="ch" forName="text_4" refType="h" refFor="ch" refForName="text_4" op="gte"/>
+                <dgm:constr type="h" for="ch" forName="text_4" refType="h" refFor="ch" refForName="accent_4" fact="0.8"/>
+                <dgm:constr type="ctrY" for="ch" forName="text_4" refType="ctrY" refFor="ch" refForName="accent_4"/>
+                <dgm:constr type="lMarg" for="ch" forName="text_4" refType="w" refFor="ch" refForName="accent_4" fact="1.8"/>
+                <dgm:constr type="primFontSz" for="ch" ptType="node" op="equ" val="65"/>
+              </dgm:constrLst>
+            </dgm:if>
+            <dgm:if name="Name9" axis="ch" ptType="node" func="cnt" op="equ" val="5">
+              <dgm:constrLst>
+                <dgm:constr type="h" for="ch" forName="cycle" refType="h"/>
+                <dgm:constr type="w" for="ch" forName="cycle" refType="h" refFor="ch" refForName="cycle" fact="0.26"/>
+                <dgm:constr type="l" for="ch" forName="cycle"/>
+                <dgm:constr type="ctrY" for="ch" forName="cycle" refType="h" fact="0.5"/>
+                <dgm:constr type="diam" for="ch" forName="cycle" refType="h" fact="1.344"/>
+                <dgm:constr type="h" for="ch" forName="accent_1" refType="h" fact="0.1563"/>
+                <dgm:constr type="w" for="ch" forName="accent_1" refType="h" refFor="ch" refForName="accent_1" op="equ"/>
+                <dgm:constr type="ctrY" for="ch" forName="accent_1" refType="h" fact="0.125"/>
+                <dgm:constr type="ctrX" for="ch" forName="accent_1" refType="h" fact="0.1082"/>
+                <dgm:constr type="l" for="ch" forName="text_1" refType="ctrX" refFor="ch" refForName="accent_1"/>
+                <dgm:constr type="r" for="ch" forName="text_1" refType="w"/>
+                <dgm:constr type="w" for="ch" forName="text_1" refType="h" refFor="ch" refForName="text_1" op="gte"/>
+                <dgm:constr type="h" for="ch" forName="text_1" refType="h" refFor="ch" refForName="accent_1" fact="0.8"/>
+                <dgm:constr type="ctrY" for="ch" forName="text_1" refType="ctrY" refFor="ch" refForName="accent_1"/>
+                <dgm:constr type="lMarg" for="ch" forName="text_1" refType="w" refFor="ch" refForName="accent_1" fact="1.8"/>
+                <dgm:constr type="h" for="ch" forName="accent_2" refType="h" fact="0.1563"/>
+                <dgm:constr type="w" for="ch" forName="accent_2" refType="h" refFor="ch" refForName="accent_2" op="equ"/>
+                <dgm:constr type="ctrY" for="ch" forName="accent_2" refType="h" fact="0.3125"/>
+                <dgm:constr type="ctrX" for="ch" forName="accent_2" refType="h" fact="0.1978"/>
+                <dgm:constr type="l" for="ch" forName="text_2" refType="ctrX" refFor="ch" refForName="accent_2"/>
+                <dgm:constr type="r" for="ch" forName="text_2" refType="w"/>
+                <dgm:constr type="w" for="ch" forName="text_2" refType="h" refFor="ch" refForName="text_2" op="gte"/>
+                <dgm:constr type="h" for="ch" forName="text_2" refType="h" refFor="ch" refForName="accent_2" fact="0.8"/>
+                <dgm:constr type="ctrY" for="ch" forName="text_2" refType="ctrY" refFor="ch" refForName="accent_2"/>
+                <dgm:constr type="lMarg" for="ch" forName="text_2" refType="w" refFor="ch" refForName="accent_2" fact="1.8"/>
+                <dgm:constr type="h" for="ch" forName="accent_3" refType="h" fact="0.1563"/>
+                <dgm:constr type="w" for="ch" forName="accent_3" refType="h" refFor="ch" refForName="accent_3" op="equ"/>
+                <dgm:constr type="ctrY" for="ch" forName="accent_3" refType="h" fact="0.5"/>
+                <dgm:constr type="ctrX" for="ch" forName="accent_3" refType="h" fact="0.2253"/>
+                <dgm:constr type="l" for="ch" forName="text_3" refType="ctrX" refFor="ch" refForName="accent_3"/>
+                <dgm:constr type="r" for="ch" forName="text_3" refType="w"/>
+                <dgm:constr type="w" for="ch" forName="text_3" refType="h" refFor="ch" refForName="text_3" op="gte"/>
+                <dgm:constr type="h" for="ch" forName="text_3" refType="h" refFor="ch" refForName="accent_3" fact="0.8"/>
+                <dgm:constr type="ctrY" for="ch" forName="text_3" refType="ctrY" refFor="ch" refForName="accent_3"/>
+                <dgm:constr type="lMarg" for="ch" forName="text_3" refType="w" refFor="ch" refForName="accent_3" fact="1.8"/>
+                <dgm:constr type="h" for="ch" forName="accent_4" refType="h" fact="0.1563"/>
+                <dgm:constr type="w" for="ch" forName="accent_4" refType="h" refFor="ch" refForName="accent_4" op="equ"/>
+                <dgm:constr type="ctrY" for="ch" forName="accent_4" refType="h" fact="0.6875"/>
+                <dgm:constr type="ctrX" for="ch" forName="accent_4" refType="h" fact="0.1978"/>
+                <dgm:constr type="l" for="ch" forName="text_4" refType="ctrX" refFor="ch" refForName="accent_4"/>
+                <dgm:constr type="r" for="ch" forName="text_4" refType="w"/>
+                <dgm:constr type="w" for="ch" forName="text_4" refType="h" refFor="ch" refForName="text_4" op="gte"/>
+                <dgm:constr type="h" for="ch" forName="text_4" refType="h" refFor="ch" refForName="accent_4" fact="0.8"/>
+                <dgm:constr type="ctrY" for="ch" forName="text_4" refType="ctrY" refFor="ch" refForName="accent_4"/>
+                <dgm:constr type="lMarg" for="ch" forName="text_4" refType="w" refFor="ch" refForName="accent_4" fact="1.8"/>
+                <dgm:constr type="h" for="ch" forName="accent_5" refType="h" fact="0.1563"/>
+                <dgm:constr type="w" for="ch" forName="accent_5" refType="h" refFor="ch" refForName="accent_5" op="equ"/>
+                <dgm:constr type="ctrY" for="ch" forName="accent_5" refType="h" fact="0.875"/>
+                <dgm:constr type="ctrX" for="ch" forName="accent_5" refType="h" fact="0.1082"/>
+                <dgm:constr type="l" for="ch" forName="text_5" refType="ctrX" refFor="ch" refForName="accent_5"/>
+                <dgm:constr type="r" for="ch" forName="text_5" refType="w"/>
+                <dgm:constr type="w" for="ch" forName="text_5" refType="h" refFor="ch" refForName="text_5" op="gte"/>
+                <dgm:constr type="h" for="ch" forName="text_5" refType="h" refFor="ch" refForName="accent_5" fact="0.8"/>
+                <dgm:constr type="ctrY" for="ch" forName="text_5" refType="ctrY" refFor="ch" refForName="accent_5"/>
+                <dgm:constr type="lMarg" for="ch" forName="text_5" refType="w" refFor="ch" refForName="accent_5" fact="1.8"/>
+                <dgm:constr type="primFontSz" for="ch" ptType="node" op="equ" val="65"/>
+              </dgm:constrLst>
+            </dgm:if>
+            <dgm:if name="Name10" axis="ch" ptType="node" func="cnt" op="equ" val="6">
+              <dgm:constrLst>
+                <dgm:constr type="h" for="ch" forName="cycle" refType="h"/>
+                <dgm:constr type="w" for="ch" forName="cycle" refType="h" refFor="ch" refForName="cycle" fact="0.26"/>
+                <dgm:constr type="l" for="ch" forName="cycle"/>
+                <dgm:constr type="ctrY" for="ch" forName="cycle" refType="h" fact="0.5"/>
+                <dgm:constr type="diam" for="ch" forName="cycle" refType="h" fact="1.344"/>
+                <dgm:constr type="h" for="ch" forName="accent_1" refType="h" fact="0.1316"/>
+                <dgm:constr type="w" for="ch" forName="accent_1" refType="h" refFor="ch" refForName="accent_1" op="equ"/>
+                <dgm:constr type="ctrY" for="ch" forName="accent_1" refType="h" fact="0.1053"/>
+                <dgm:constr type="ctrX" for="ch" forName="accent_1" refType="h" fact="0.0943"/>
+                <dgm:constr type="l" for="ch" forName="text_1" refType="ctrX" refFor="ch" refForName="accent_1"/>
+                <dgm:constr type="r" for="ch" forName="text_1" refType="w"/>
+                <dgm:constr type="w" for="ch" forName="text_1" refType="h" refFor="ch" refForName="text_1" op="gte"/>
+                <dgm:constr type="h" for="ch" forName="text_1" refType="h" refFor="ch" refForName="accent_1" fact="0.8"/>
+                <dgm:constr type="ctrY" for="ch" forName="text_1" refType="ctrY" refFor="ch" refForName="accent_1"/>
+                <dgm:constr type="lMarg" for="ch" forName="text_1" refType="w" refFor="ch" refForName="accent_1" fact="1.8"/>
+                <dgm:constr type="h" for="ch" forName="accent_2" refType="h" fact="0.1316"/>
+                <dgm:constr type="w" for="ch" forName="accent_2" refType="h" refFor="ch" refForName="accent_2" op="equ"/>
+                <dgm:constr type="ctrY" for="ch" forName="accent_2" refType="h" fact="0.2632"/>
+                <dgm:constr type="ctrX" for="ch" forName="accent_2" refType="h" fact="0.1809"/>
+                <dgm:constr type="l" for="ch" forName="text_2" refType="ctrX" refFor="ch" refForName="accent_2"/>
+                <dgm:constr type="r" for="ch" forName="text_2" refType="w"/>
+                <dgm:constr type="w" for="ch" forName="text_2" refType="h" refFor="ch" refForName="text_2" op="gte"/>
+                <dgm:constr type="h" for="ch" forName="text_2" refType="h" refFor="ch" refForName="accent_2" fact="0.8"/>
+                <dgm:constr type="ctrY" for="ch" forName="text_2" refType="ctrY" refFor="ch" refForName="accent_2"/>
+                <dgm:constr type="lMarg" for="ch" forName="text_2" refType="w" refFor="ch" refForName="accent_2" fact="1.8"/>
+                <dgm:constr type="h" for="ch" forName="accent_3" refType="h" fact="0.1316"/>
+                <dgm:constr type="w" for="ch" forName="accent_3" refType="h" refFor="ch" refForName="accent_3" op="equ"/>
+                <dgm:constr type="ctrY" for="ch" forName="accent_3" refType="h" fact="0.4211"/>
+                <dgm:constr type="ctrX" for="ch" forName="accent_3" refType="h" fact="0.2205"/>
+                <dgm:constr type="l" for="ch" forName="text_3" refType="ctrX" refFor="ch" refForName="accent_3"/>
+                <dgm:constr type="r" for="ch" forName="text_3" refType="w"/>
+                <dgm:constr type="w" for="ch" forName="text_3" refType="h" refFor="ch" refForName="text_3" op="gte"/>
+                <dgm:constr type="h" for="ch" forName="text_3" refType="h" refFor="ch" refForName="accent_3" fact="0.8"/>
+                <dgm:constr type="ctrY" for="ch" forName="text_3" refType="ctrY" refFor="ch" refForName="accent_3"/>
+                <dgm:constr type="lMarg" for="ch" forName="text_3" refType="w" refFor="ch" refForName="accent_3" fact="1.8"/>
+                <dgm:constr type="h" for="ch" forName="accent_4" refType="h" fact="0.1316"/>
+                <dgm:constr type="w" for="ch" forName="accent_4" refType="h" refFor="ch" refForName="accent_4" op="equ"/>
+                <dgm:constr type="ctrY" for="ch" forName="accent_4" refType="h" fact="0.5789"/>
+                <dgm:constr type="ctrX" for="ch" forName="accent_4" refType="h" fact="0.2205"/>
+                <dgm:constr type="l" for="ch" forName="text_4" refType="ctrX" refFor="ch" refForName="accent_4"/>
+                <dgm:constr type="r" for="ch" forName="text_4" refType="w"/>
+                <dgm:constr type="w" for="ch" forName="text_4" refType="h" refFor="ch" refForName="text_4" op="gte"/>
+                <dgm:constr type="h" for="ch" forName="text_4" refType="h" refFor="ch" refForName="accent_4" fact="0.8"/>
+                <dgm:constr type="ctrY" for="ch" forName="text_4" refType="ctrY" refFor="ch" refForName="accent_4"/>
+                <dgm:constr type="lMarg" for="ch" forName="text_4" refType="w" refFor="ch" refForName="accent_4" fact="1.8"/>
+                <dgm:constr type="h" for="ch" forName="accent_5" refType="h" fact="0.1316"/>
+                <dgm:constr type="w" for="ch" forName="accent_5" refType="h" refFor="ch" refForName="accent_5" op="equ"/>
+                <dgm:constr type="ctrY" for="ch" forName="accent_5" refType="h" fact="0.7368"/>
+                <dgm:constr type="ctrX" for="ch" forName="accent_5" refType="h" fact="0.1809"/>
+                <dgm:constr type="l" for="ch" forName="text_5" refType="ctrX" refFor="ch" refForName="accent_5"/>
+                <dgm:constr type="r" for="ch" forName="text_5" refType="w"/>
+                <dgm:constr type="w" for="ch" forName="text_5" refType="h" refFor="ch" refForName="text_5" op="gte"/>
+                <dgm:constr type="h" for="ch" forName="text_5" refType="h" refFor="ch" refForName="accent_5" fact="0.8"/>
+                <dgm:constr type="ctrY" for="ch" forName="text_5" refType="ctrY" refFor="ch" refForName="accent_5"/>
+                <dgm:constr type="lMarg" for="ch" forName="text_5" refType="w" refFor="ch" refForName="accent_5" fact="1.8"/>
+                <dgm:constr type="h" for="ch" forName="accent_6" refType="h" fact="0.1316"/>
+                <dgm:constr type="w" for="ch" forName="accent_6" refType="h" refFor="ch" refForName="accent_6" op="equ"/>
+                <dgm:constr type="ctrY" for="ch" forName="accent_6" refType="h" fact="0.8947"/>
+                <dgm:constr type="ctrX" for="ch" forName="accent_6" refType="h" fact="0.0943"/>
+                <dgm:constr type="l" for="ch" forName="text_6" refType="ctrX" refFor="ch" refForName="accent_6"/>
+                <dgm:constr type="r" for="ch" forName="text_6" refType="w"/>
+                <dgm:constr type="w" for="ch" forName="text_6" refType="h" refFor="ch" refForName="text_6" op="gte"/>
+                <dgm:constr type="h" for="ch" forName="text_6" refType="h" refFor="ch" refForName="accent_6" fact="0.8"/>
+                <dgm:constr type="ctrY" for="ch" forName="text_6" refType="ctrY" refFor="ch" refForName="accent_6"/>
+                <dgm:constr type="lMarg" for="ch" forName="text_6" refType="w" refFor="ch" refForName="accent_6" fact="1.8"/>
+                <dgm:constr type="primFontSz" for="ch" ptType="node" op="equ" val="65"/>
+              </dgm:constrLst>
+            </dgm:if>
+            <dgm:else name="Name11">
+              <dgm:constrLst>
+                <dgm:constr type="h" for="ch" forName="cycle" refType="h"/>
+                <dgm:constr type="w" for="ch" forName="cycle" refType="h" refFor="ch" refForName="cycle" fact="0.26"/>
+                <dgm:constr type="l" for="ch" forName="cycle"/>
+                <dgm:constr type="ctrY" for="ch" forName="cycle" refType="h" fact="0.5"/>
+                <dgm:constr type="diam" for="ch" forName="cycle" refType="h" fact="1.344"/>
+                <dgm:constr type="h" for="ch" forName="accent_1" refType="h" fact="0.1136"/>
+                <dgm:constr type="w" for="ch" forName="accent_1" refType="h" refFor="ch" refForName="accent_1" op="equ"/>
+                <dgm:constr type="ctrY" for="ch" forName="accent_1" refType="h" fact="0.0909"/>
+                <dgm:constr type="ctrX" for="ch" forName="accent_1" refType="h" fact="0.0835"/>
+                <dgm:constr type="l" for="ch" forName="text_1" refType="ctrX" refFor="ch" refForName="accent_1"/>
+                <dgm:constr type="r" for="ch" forName="text_1" refType="w"/>
+                <dgm:constr type="w" for="ch" forName="text_1" refType="h" refFor="ch" refForName="text_1" op="gte"/>
+                <dgm:constr type="h" for="ch" forName="text_1" refType="h" refFor="ch" refForName="accent_1" fact="0.8"/>
+                <dgm:constr type="ctrY" for="ch" forName="text_1" refType="ctrY" refFor="ch" refForName="accent_1"/>
+                <dgm:constr type="lMarg" for="ch" forName="text_1" refType="w" refFor="ch" refForName="accent_1" fact="1.8"/>
+                <dgm:constr type="h" for="ch" forName="accent_2" refType="h" fact="0.1136"/>
+                <dgm:constr type="w" for="ch" forName="accent_2" refType="h" refFor="ch" refForName="accent_2" op="equ"/>
+                <dgm:constr type="ctrY" for="ch" forName="accent_2" refType="h" fact="0.2273"/>
+                <dgm:constr type="ctrX" for="ch" forName="accent_2" refType="h" fact="0.1658"/>
+                <dgm:constr type="l" for="ch" forName="text_2" refType="ctrX" refFor="ch" refForName="accent_2"/>
+                <dgm:constr type="r" for="ch" forName="text_2" refType="w"/>
+                <dgm:constr type="w" for="ch" forName="text_2" refType="h" refFor="ch" refForName="text_2" op="gte"/>
+                <dgm:constr type="h" for="ch" forName="text_2" refType="h" refFor="ch" refForName="accent_2" fact="0.8"/>
+                <dgm:constr type="ctrY" for="ch" forName="text_2" refType="ctrY" refFor="ch" refForName="accent_2"/>
+                <dgm:constr type="lMarg" for="ch" forName="text_2" refType="w" refFor="ch" refForName="accent_2" fact="1.8"/>
+                <dgm:constr type="h" for="ch" forName="accent_3" refType="h" fact="0.1136"/>
+                <dgm:constr type="w" for="ch" forName="accent_3" refType="h" refFor="ch" refForName="accent_3" op="equ"/>
+                <dgm:constr type="ctrY" for="ch" forName="accent_3" refType="h" fact="0.3636"/>
+                <dgm:constr type="ctrX" for="ch" forName="accent_3" refType="h" fact="0.2109"/>
+                <dgm:constr type="l" for="ch" forName="text_3" refType="ctrX" refFor="ch" refForName="accent_3"/>
+                <dgm:constr type="r" for="ch" forName="text_3" refType="w"/>
+                <dgm:constr type="w" for="ch" forName="text_3" refType="h" refFor="ch" refForName="text_3" op="gte"/>
+                <dgm:constr type="h" for="ch" forName="text_3" refType="h" refFor="ch" refForName="accent_3" fact="0.8"/>
+                <dgm:constr type="ctrY" for="ch" forName="text_3" refType="ctrY" refFor="ch" refForName="accent_3"/>
+                <dgm:constr type="lMarg" for="ch" forName="text_3" refType="w" refFor="ch" refForName="accent_3" fact="1.8"/>
+                <dgm:constr type="h" for="ch" forName="accent_4" refType="h" fact="0.1136"/>
+                <dgm:constr type="w" for="ch" forName="accent_4" refType="h" refFor="ch" refForName="accent_4" op="equ"/>
+                <dgm:constr type="ctrY" for="ch" forName="accent_4" refType="h" fact="0.5"/>
+                <dgm:constr type="ctrX" for="ch" forName="accent_4" refType="h" fact="0.2253"/>
+                <dgm:constr type="l" for="ch" forName="text_4" refType="ctrX" refFor="ch" refForName="accent_4"/>
+                <dgm:constr type="r" for="ch" forName="text_4" refType="w"/>
+                <dgm:constr type="w" for="ch" forName="text_4" refType="h" refFor="ch" refForName="text_4" op="gte"/>
+                <dgm:constr type="h" for="ch" forName="text_4" refType="h" refFor="ch" refForName="accent_4" fact="0.8"/>
+                <dgm:constr type="ctrY" for="ch" forName="text_4" refType="ctrY" refFor="ch" refForName="accent_4"/>
+                <dgm:constr type="lMarg" for="ch" forName="text_4" refType="w" refFor="ch" refForName="accent_4" fact="1.8"/>
+                <dgm:constr type="h" for="ch" forName="accent_5" refType="h" fact="0.1136"/>
+                <dgm:constr type="w" for="ch" forName="accent_5" refType="h" refFor="ch" refForName="accent_5" op="equ"/>
+                <dgm:constr type="ctrY" for="ch" forName="accent_5" refType="h" fact="0.6364"/>
+                <dgm:constr type="ctrX" for="ch" forName="accent_5" refType="h" fact="0.2109"/>
+                <dgm:constr type="l" for="ch" forName="text_5" refType="ctrX" refFor="ch" refForName="accent_5"/>
+                <dgm:constr type="r" for="ch" forName="text_5" refType="w"/>
+                <dgm:constr type="w" for="ch" forName="text_5" refType="h" refFor="ch" refForName="text_5" op="gte"/>
+                <dgm:constr type="h" for="ch" forName="text_5" refType="h" refFor="ch" refForName="accent_5" fact="0.8"/>
+                <dgm:constr type="ctrY" for="ch" forName="text_5" refType="ctrY" refFor="ch" refForName="accent_5"/>
+                <dgm:constr type="lMarg" for="ch" forName="text_5" refType="w" refFor="ch" refForName="accent_5" fact="1.8"/>
+                <dgm:constr type="h" for="ch" forName="accent_6" refType="h" fact="0.1136"/>
+                <dgm:constr type="w" for="ch" forName="accent_6" refType="h" refFor="ch" refForName="accent_6" op="equ"/>
+                <dgm:constr type="ctrY" for="ch" forName="accent_6" refType="h" fact="0.7727"/>
+                <dgm:constr type="ctrX" for="ch" forName="accent_6" refType="h" fact="0.1658"/>
+                <dgm:constr type="l" for="ch" forName="text_6" refType="ctrX" refFor="ch" refForName="accent_6"/>
+                <dgm:constr type="r" for="ch" forName="text_6" refType="w"/>
+                <dgm:constr type="w" for="ch" forName="text_6" refType="h" refFor="ch" refForName="text_6" op="gte"/>
+                <dgm:constr type="h" for="ch" forName="text_6" refType="h" refFor="ch" refForName="accent_6" fact="0.8"/>
+                <dgm:constr type="ctrY" for="ch" forName="text_6" refType="ctrY" refFor="ch" refForName="accent_6"/>
+                <dgm:constr type="lMarg" for="ch" forName="text_6" refType="w" refFor="ch" refForName="accent_6" fact="1.8"/>
+                <dgm:constr type="h" for="ch" forName="accent_7" refType="h" fact="0.1136"/>
+                <dgm:constr type="w" for="ch" forName="accent_7" refType="h" refFor="ch" refForName="accent_7" op="equ"/>
+                <dgm:constr type="ctrY" for="ch" forName="accent_7" refType="h" fact="0.9091"/>
+                <dgm:constr type="ctrX" for="ch" forName="accent_7" refType="h" fact="0.0835"/>
+                <dgm:constr type="l" for="ch" forName="text_7" refType="ctrX" refFor="ch" refForName="accent_7"/>
+                <dgm:constr type="r" for="ch" forName="text_7" refType="w"/>
+                <dgm:constr type="w" for="ch" forName="text_7" refType="h" refFor="ch" refForName="text_7" op="gte"/>
+                <dgm:constr type="h" for="ch" forName="text_7" refType="h" refFor="ch" refForName="accent_7" fact="0.8"/>
+                <dgm:constr type="ctrY" for="ch" forName="text_7" refType="ctrY" refFor="ch" refForName="accent_7"/>
+                <dgm:constr type="lMarg" for="ch" forName="text_7" refType="w" refFor="ch" refForName="accent_7" fact="1.8"/>
+                <dgm:constr type="primFontSz" for="ch" ptType="node" op="equ" val="65"/>
+              </dgm:constrLst>
+            </dgm:else>
+          </dgm:choose>
+        </dgm:if>
+        <dgm:else name="Name12">
+          <dgm:choose name="Name13">
+            <dgm:if name="Name14" axis="ch" ptType="node" func="cnt" op="equ" val="1">
+              <dgm:constrLst>
+                <dgm:constr type="h" for="ch" forName="cycle" refType="h"/>
+                <dgm:constr type="w" for="ch" forName="cycle" refType="h" refFor="ch" refForName="cycle" fact="0.26"/>
+                <dgm:constr type="r" for="ch" forName="cycle" refType="w"/>
+                <dgm:constr type="ctrY" for="ch" forName="cycle" refType="h" fact="0.5"/>
+                <dgm:constr type="diam" for="ch" forName="cycle" refType="h" fact="1.344"/>
+                <dgm:constr type="h" for="ch" forName="accent_1" refType="h" fact="0.625"/>
+                <dgm:constr type="w" for="ch" forName="accent_1" refType="h" refFor="ch" refForName="accent_1" op="equ"/>
+                <dgm:constr type="ctrY" for="ch" forName="accent_1" refType="h" fact="0.5"/>
+                <dgm:constr type="ctrX" for="ch" forName="accent_1" refType="w"/>
+                <dgm:constr type="ctrXOff" for="ch" forName="accent_1" refType="h" fact="-0.2253"/>
+                <dgm:constr type="r" for="ch" forName="text_1" refType="ctrX" refFor="ch" refForName="accent_1"/>
+                <dgm:constr type="rOff" for="ch" forName="text_1" refType="ctrXOff" refFor="ch" refForName="accent_1"/>
+                <dgm:constr type="l" for="ch" forName="text_1"/>
+                <dgm:constr type="w" for="ch" forName="text_1" refType="h" refFor="ch" refForName="text_1" op="gte"/>
+                <dgm:constr type="h" for="ch" forName="text_1" refType="h" refFor="ch" refForName="accent_1" fact="0.8"/>
+                <dgm:constr type="ctrY" for="ch" forName="text_1" refType="ctrY" refFor="ch" refForName="accent_1"/>
+                <dgm:constr type="rMarg" for="ch" forName="text_1" refType="w" refFor="ch" refForName="accent_1" fact="1.8"/>
+                <dgm:constr type="primFontSz" for="ch" ptType="node" op="equ" val="65"/>
+              </dgm:constrLst>
+            </dgm:if>
+            <dgm:if name="Name15" axis="ch" ptType="node" func="cnt" op="equ" val="2">
+              <dgm:constrLst>
+                <dgm:constr type="h" for="ch" forName="cycle" refType="h"/>
+                <dgm:constr type="w" for="ch" forName="cycle" refType="h" refFor="ch" refForName="cycle" fact="0.26"/>
+                <dgm:constr type="r" for="ch" forName="cycle" refType="w"/>
+                <dgm:constr type="ctrY" for="ch" forName="cycle" refType="h" fact="0.5"/>
+                <dgm:constr type="diam" for="ch" forName="cycle" refType="h" fact="1.344"/>
+                <dgm:constr type="h" for="ch" forName="accent_1" refType="h" fact="0.3571"/>
+                <dgm:constr type="w" for="ch" forName="accent_1" refType="h" refFor="ch" refForName="accent_1" op="equ"/>
+                <dgm:constr type="ctrY" for="ch" forName="accent_1" refType="h" fact="0.2857"/>
+                <dgm:constr type="ctrX" for="ch" forName="accent_1" refType="w"/>
+                <dgm:constr type="ctrXOff" for="ch" forName="accent_1" refType="h" fact="-0.1891"/>
+                <dgm:constr type="r" for="ch" forName="text_1" refType="ctrX" refFor="ch" refForName="accent_1"/>
+                <dgm:constr type="rOff" for="ch" forName="text_1" refType="ctrXOff" refFor="ch" refForName="accent_1"/>
+                <dgm:constr type="l" for="ch" forName="text_1"/>
+                <dgm:constr type="w" for="ch" forName="text_1" refType="h" refFor="ch" refForName="text_1" op="gte"/>
+                <dgm:constr type="h" for="ch" forName="text_1" refType="h" refFor="ch" refForName="accent_1" fact="0.8"/>
+                <dgm:constr type="ctrY" for="ch" forName="text_1" refType="ctrY" refFor="ch" refForName="accent_1"/>
+                <dgm:constr type="rMarg" for="ch" forName="text_1" refType="w" refFor="ch" refForName="accent_1" fact="1.8"/>
+                <dgm:constr type="h" for="ch" forName="accent_2" refType="h" fact="0.3571"/>
+                <dgm:constr type="w" for="ch" forName="accent_2" refType="h" refFor="ch" refForName="accent_2" op="equ"/>
+                <dgm:constr type="ctrY" for="ch" forName="accent_2" refType="h" fact="0.7143"/>
+                <dgm:constr type="ctrX" for="ch" forName="accent_2" refType="w"/>
+                <dgm:constr type="ctrXOff" for="ch" forName="accent_2" refType="h" fact="-0.1891"/>
+                <dgm:constr type="r" for="ch" forName="text_2" refType="ctrX" refFor="ch" refForName="accent_2"/>
+                <dgm:constr type="rOff" for="ch" forName="text_2" refType="ctrXOff" refFor="ch" refForName="accent_2"/>
+                <dgm:constr type="l" for="ch" forName="text_2"/>
+                <dgm:constr type="w" for="ch" forName="text_2" refType="h" refFor="ch" refForName="text_2" op="gte"/>
+                <dgm:constr type="h" for="ch" forName="text_2" refType="h" refFor="ch" refForName="accent_2" fact="0.8"/>
+                <dgm:constr type="ctrY" for="ch" forName="text_2" refType="ctrY" refFor="ch" refForName="accent_2"/>
+                <dgm:constr type="rMarg" for="ch" forName="text_2" refType="w" refFor="ch" refForName="accent_2" fact="1.8"/>
+                <dgm:constr type="primFontSz" for="ch" ptType="node" op="equ" val="65"/>
+              </dgm:constrLst>
+            </dgm:if>
+            <dgm:if name="Name16" axis="ch" ptType="node" func="cnt" op="equ" val="3">
+              <dgm:constrLst>
+                <dgm:constr type="h" for="ch" forName="cycle" refType="h"/>
+                <dgm:constr type="w" for="ch" forName="cycle" refType="h" refFor="ch" refForName="cycle" fact="0.26"/>
+                <dgm:constr type="r" for="ch" forName="cycle" refType="w"/>
+                <dgm:constr type="ctrY" for="ch" forName="cycle" refType="h" fact="0.5"/>
+                <dgm:constr type="diam" for="ch" forName="cycle" refType="h" fact="1.344"/>
+                <dgm:constr type="h" for="ch" forName="accent_1" refType="h" fact="0.25"/>
+                <dgm:constr type="w" for="ch" forName="accent_1" refType="h" refFor="ch" refForName="accent_1" op="equ"/>
+                <dgm:constr type="ctrY" for="ch" forName="accent_1" refType="h" fact="0.2"/>
+                <dgm:constr type="ctrX" for="ch" forName="accent_1" refType="w"/>
+                <dgm:constr type="ctrXOff" for="ch" forName="accent_1" refType="h" fact="-0.1526"/>
+                <dgm:constr type="r" for="ch" forName="text_1" refType="ctrX" refFor="ch" refForName="accent_1"/>
+                <dgm:constr type="rOff" for="ch" forName="text_1" refType="ctrXOff" refFor="ch" refForName="accent_1"/>
+                <dgm:constr type="l" for="ch" forName="text_1"/>
+                <dgm:constr type="w" for="ch" forName="text_1" refType="h" refFor="ch" refForName="text_1" op="gte"/>
+                <dgm:constr type="h" for="ch" forName="text_1" refType="h" refFor="ch" refForName="accent_1" fact="0.8"/>
+                <dgm:constr type="ctrY" for="ch" forName="text_1" refType="ctrY" refFor="ch" refForName="accent_1"/>
+                <dgm:constr type="rMarg" for="ch" forName="text_1" refType="w" refFor="ch" refForName="accent_1" fact="1.8"/>
+                <dgm:constr type="h" for="ch" forName="accent_2" refType="h" fact="0.25"/>
+                <dgm:constr type="w" for="ch" forName="accent_2" refType="h" refFor="ch" refForName="accent_2" op="equ"/>
+                <dgm:constr type="ctrY" for="ch" forName="accent_2" refType="h" fact="0.5"/>
+                <dgm:constr type="ctrX" for="ch" forName="accent_2" refType="w"/>
+                <dgm:constr type="ctrXOff" for="ch" forName="accent_2" refType="h" fact="-0.2253"/>
+                <dgm:constr type="r" for="ch" forName="text_2" refType="ctrX" refFor="ch" refForName="accent_2"/>
+                <dgm:constr type="rOff" for="ch" forName="text_2" refType="ctrXOff" refFor="ch" refForName="accent_2"/>
+                <dgm:constr type="l" for="ch" forName="text_2"/>
+                <dgm:constr type="w" for="ch" forName="text_2" refType="h" refFor="ch" refForName="text_2" op="gte"/>
+                <dgm:constr type="h" for="ch" forName="text_2" refType="h" refFor="ch" refForName="accent_2" fact="0.8"/>
+                <dgm:constr type="ctrY" for="ch" forName="text_2" refType="ctrY" refFor="ch" refForName="accent_2"/>
+                <dgm:constr type="rMarg" for="ch" forName="text_2" refType="w" refFor="ch" refForName="accent_2" fact="1.8"/>
+                <dgm:constr type="h" for="ch" forName="accent_3" refType="h" fact="0.25"/>
+                <dgm:constr type="w" for="ch" forName="accent_3" refType="h" refFor="ch" refForName="accent_3" op="equ"/>
+                <dgm:constr type="ctrY" for="ch" forName="accent_3" refType="h" fact="0.8"/>
+                <dgm:constr type="ctrX" for="ch" forName="accent_3" refType="w"/>
+                <dgm:constr type="ctrXOff" for="ch" forName="accent_3" refType="h" fact="-0.1526"/>
+                <dgm:constr type="r" for="ch" forName="text_3" refType="ctrX" refFor="ch" refForName="accent_3"/>
+                <dgm:constr type="rOff" for="ch" forName="text_3" refType="ctrXOff" refFor="ch" refForName="accent_3"/>
+                <dgm:constr type="l" for="ch" forName="text_3"/>
+                <dgm:constr type="w" for="ch" forName="text_3" refType="h" refFor="ch" refForName="text_3" op="gte"/>
+                <dgm:constr type="h" for="ch" forName="text_3" refType="h" refFor="ch" refForName="accent_3" fact="0.8"/>
+                <dgm:constr type="ctrY" for="ch" forName="text_3" refType="ctrY" refFor="ch" refForName="accent_3"/>
+                <dgm:constr type="rMarg" for="ch" forName="text_3" refType="w" refFor="ch" refForName="accent_3" fact="1.8"/>
+                <dgm:constr type="primFontSz" for="ch" ptType="node" op="equ" val="65"/>
+              </dgm:constrLst>
+            </dgm:if>
+            <dgm:if name="Name17" axis="ch" ptType="node" func="cnt" op="equ" val="4">
+              <dgm:constrLst>
+                <dgm:constr type="h" for="ch" forName="cycle" refType="h"/>
+                <dgm:constr type="w" for="ch" forName="cycle" refType="h" refFor="ch" refForName="cycle" fact="0.26"/>
+                <dgm:constr type="r" for="ch" forName="cycle" refType="w"/>
+                <dgm:constr type="ctrY" for="ch" forName="cycle" refType="h" fact="0.5"/>
+                <dgm:constr type="diam" for="ch" forName="cycle" refType="h" fact="1.344"/>
+                <dgm:constr type="h" for="ch" forName="accent_1" refType="h" fact="0.1923"/>
+                <dgm:constr type="w" for="ch" forName="accent_1" refType="h" refFor="ch" refForName="accent_1" op="equ"/>
+                <dgm:constr type="ctrY" for="ch" forName="accent_1" refType="h" fact="0.1538"/>
+                <dgm:constr type="ctrX" for="ch" forName="accent_1" refType="w"/>
+                <dgm:constr type="ctrXOff" for="ch" forName="accent_1" refType="h" fact="-0.1268"/>
+                <dgm:constr type="r" for="ch" forName="text_1" refType="ctrX" refFor="ch" refForName="accent_1"/>
+                <dgm:constr type="rOff" for="ch" forName="text_1" refType="ctrXOff" refFor="ch" refForName="accent_1"/>
+                <dgm:constr type="l" for="ch" forName="text_1"/>
+                <dgm:constr type="w" for="ch" forName="text_1" refType="h" refFor="ch" refForName="text_1" op="gte"/>
+                <dgm:constr type="h" for="ch" forName="text_1" refType="h" refFor="ch" refForName="accent_1" fact="0.8"/>
+                <dgm:constr type="ctrY" for="ch" forName="text_1" refType="ctrY" refFor="ch" refForName="accent_1"/>
+                <dgm:constr type="rMarg" for="ch" forName="text_1" refType="w" refFor="ch" refForName="accent_1" fact="1.8"/>
+                <dgm:constr type="h" for="ch" forName="accent_2" refType="h" fact="0.1923"/>
+                <dgm:constr type="w" for="ch" forName="accent_2" refType="h" refFor="ch" refForName="accent_2" op="equ"/>
+                <dgm:constr type="ctrY" for="ch" forName="accent_2" refType="h" fact="0.3846"/>
+                <dgm:constr type="ctrX" for="ch" forName="accent_2" refType="w"/>
+                <dgm:constr type="ctrXOff" for="ch" forName="accent_2" refType="h" fact="-0.215"/>
+                <dgm:constr type="r" for="ch" forName="text_2" refType="ctrX" refFor="ch" refForName="accent_2"/>
+                <dgm:constr type="rOff" for="ch" forName="text_2" refType="ctrXOff" refFor="ch" refForName="accent_2"/>
+                <dgm:constr type="l" for="ch" forName="text_2"/>
+                <dgm:constr type="w" for="ch" forName="text_2" refType="h" refFor="ch" refForName="text_2" op="gte"/>
+                <dgm:constr type="h" for="ch" forName="text_2" refType="h" refFor="ch" refForName="accent_2" fact="0.8"/>
+                <dgm:constr type="ctrY" for="ch" forName="text_2" refType="ctrY" refFor="ch" refForName="accent_2"/>
+                <dgm:constr type="rMarg" for="ch" forName="text_2" refType="w" refFor="ch" refForName="accent_2" fact="1.8"/>
+                <dgm:constr type="h" for="ch" forName="accent_3" refType="h" fact="0.1923"/>
+                <dgm:constr type="w" for="ch" forName="accent_3" refType="h" refFor="ch" refForName="accent_3" op="equ"/>
+                <dgm:constr type="ctrY" for="ch" forName="accent_3" refType="h" fact="0.6154"/>
+                <dgm:constr type="ctrX" for="ch" forName="accent_3" refType="w"/>
+                <dgm:constr type="ctrXOff" for="ch" forName="accent_3" refType="h" fact="-0.215"/>
+                <dgm:constr type="r" for="ch" forName="text_3" refType="ctrX" refFor="ch" refForName="accent_3"/>
+                <dgm:constr type="rOff" for="ch" forName="text_3" refType="ctrXOff" refFor="ch" refForName="accent_3"/>
+                <dgm:constr type="l" for="ch" forName="text_3"/>
+                <dgm:constr type="w" for="ch" forName="text_3" refType="h" refFor="ch" refForName="text_3" op="gte"/>
+                <dgm:constr type="h" for="ch" forName="text_3" refType="h" refFor="ch" refForName="accent_3" fact="0.8"/>
+                <dgm:constr type="ctrY" for="ch" forName="text_3" refType="ctrY" refFor="ch" refForName="accent_3"/>
+                <dgm:constr type="rMarg" for="ch" forName="text_3" refType="w" refFor="ch" refForName="accent_3" fact="1.8"/>
+                <dgm:constr type="h" for="ch" forName="accent_4" refType="h" fact="0.1923"/>
+                <dgm:constr type="w" for="ch" forName="accent_4" refType="h" refFor="ch" refForName="accent_4" op="equ"/>
+                <dgm:constr type="ctrY" for="ch" forName="accent_4" refType="h" fact="0.8462"/>
+                <dgm:constr type="ctrX" for="ch" forName="accent_4" refType="w"/>
+                <dgm:constr type="ctrXOff" for="ch" forName="accent_4" refType="h" fact="-0.1268"/>
+                <dgm:constr type="r" for="ch" forName="text_4" refType="ctrX" refFor="ch" refForName="accent_4"/>
+                <dgm:constr type="rOff" for="ch" forName="text_4" refType="ctrXOff" refFor="ch" refForName="accent_4"/>
+                <dgm:constr type="l" for="ch" forName="text_4"/>
+                <dgm:constr type="w" for="ch" forName="text_4" refType="h" refFor="ch" refForName="text_4" op="gte"/>
+                <dgm:constr type="h" for="ch" forName="text_4" refType="h" refFor="ch" refForName="accent_4" fact="0.8"/>
+                <dgm:constr type="ctrY" for="ch" forName="text_4" refType="ctrY" refFor="ch" refForName="accent_4"/>
+                <dgm:constr type="rMarg" for="ch" forName="text_4" refType="w" refFor="ch" refForName="accent_4" fact="1.8"/>
+                <dgm:constr type="primFontSz" for="ch" ptType="node" op="equ" val="65"/>
+              </dgm:constrLst>
+            </dgm:if>
+            <dgm:if name="Name18" axis="ch" ptType="node" func="cnt" op="equ" val="5">
+              <dgm:constrLst>
+                <dgm:constr type="h" for="ch" forName="cycle" refType="h"/>
+                <dgm:constr type="w" for="ch" forName="cycle" refType="h" refFor="ch" refForName="cycle" fact="0.26"/>
+                <dgm:constr type="r" for="ch" forName="cycle" refType="w"/>
+                <dgm:constr type="ctrY" for="ch" forName="cycle" refType="h" fact="0.5"/>
+                <dgm:constr type="diam" for="ch" forName="cycle" refType="h" fact="1.344"/>
+                <dgm:constr type="h" for="ch" forName="accent_1" refType="h" fact="0.1563"/>
+                <dgm:constr type="w" for="ch" forName="accent_1" refType="h" refFor="ch" refForName="accent_1" op="equ"/>
+                <dgm:constr type="ctrY" for="ch" forName="accent_1" refType="h" fact="0.125"/>
+                <dgm:constr type="ctrX" for="ch" forName="accent_1" refType="w"/>
+                <dgm:constr type="ctrXOff" for="ch" forName="accent_1" refType="h" fact="-0.1082"/>
+                <dgm:constr type="r" for="ch" forName="text_1" refType="ctrX" refFor="ch" refForName="accent_1"/>
+                <dgm:constr type="rOff" for="ch" forName="text_1" refType="ctrXOff" refFor="ch" refForName="accent_1"/>
+                <dgm:constr type="l" for="ch" forName="text_1"/>
+                <dgm:constr type="w" for="ch" forName="text_1" refType="h" refFor="ch" refForName="text_1" op="gte"/>
+                <dgm:constr type="h" for="ch" forName="text_1" refType="h" refFor="ch" refForName="accent_1" fact="0.8"/>
+                <dgm:constr type="ctrY" for="ch" forName="text_1" refType="ctrY" refFor="ch" refForName="accent_1"/>
+                <dgm:constr type="rMarg" for="ch" forName="text_1" refType="w" refFor="ch" refForName="accent_1" fact="1.8"/>
+                <dgm:constr type="h" for="ch" forName="accent_2" refType="h" fact="0.1563"/>
+                <dgm:constr type="w" for="ch" forName="accent_2" refType="h" refFor="ch" refForName="accent_2" op="equ"/>
+                <dgm:constr type="ctrY" for="ch" forName="accent_2" refType="h" fact="0.3125"/>
+                <dgm:constr type="ctrX" for="ch" forName="accent_2" refType="w"/>
+                <dgm:constr type="ctrXOff" for="ch" forName="accent_2" refType="h" fact="-0.1978"/>
+                <dgm:constr type="r" for="ch" forName="text_2" refType="ctrX" refFor="ch" refForName="accent_2"/>
+                <dgm:constr type="rOff" for="ch" forName="text_2" refType="ctrXOff" refFor="ch" refForName="accent_2"/>
+                <dgm:constr type="l" for="ch" forName="text_2"/>
+                <dgm:constr type="w" for="ch" forName="text_2" refType="h" refFor="ch" refForName="text_2" op="gte"/>
+                <dgm:constr type="h" for="ch" forName="text_2" refType="h" refFor="ch" refForName="accent_2" fact="0.8"/>
+                <dgm:constr type="ctrY" for="ch" forName="text_2" refType="ctrY" refFor="ch" refForName="accent_2"/>
+                <dgm:constr type="rMarg" for="ch" forName="text_2" refType="w" refFor="ch" refForName="accent_2" fact="1.8"/>
+                <dgm:constr type="h" for="ch" forName="accent_3" refType="h" fact="0.1563"/>
+                <dgm:constr type="w" for="ch" forName="accent_3" refType="h" refFor="ch" refForName="accent_3" op="equ"/>
+                <dgm:constr type="ctrY" for="ch" forName="accent_3" refType="h" fact="0.5"/>
+                <dgm:constr type="ctrX" for="ch" forName="accent_3" refType="w"/>
+                <dgm:constr type="ctrXOff" for="ch" forName="accent_3" refType="h" fact="-0.2253"/>
+                <dgm:constr type="r" for="ch" forName="text_3" refType="ctrX" refFor="ch" refForName="accent_3"/>
+                <dgm:constr type="rOff" for="ch" forName="text_3" refType="ctrXOff" refFor="ch" refForName="accent_3"/>
+                <dgm:constr type="l" for="ch" forName="text_3"/>
+                <dgm:constr type="w" for="ch" forName="text_3" refType="h" refFor="ch" refForName="text_3" op="gte"/>
+                <dgm:constr type="h" for="ch" forName="text_3" refType="h" refFor="ch" refForName="accent_3" fact="0.8"/>
+                <dgm:constr type="ctrY" for="ch" forName="text_3" refType="ctrY" refFor="ch" refForName="accent_3"/>
+                <dgm:constr type="rMarg" for="ch" forName="text_3" refType="w" refFor="ch" refForName="accent_3" fact="1.8"/>
+                <dgm:constr type="h" for="ch" forName="accent_4" refType="h" fact="0.1563"/>
+                <dgm:constr type="w" for="ch" forName="accent_4" refType="h" refFor="ch" refForName="accent_4" op="equ"/>
+                <dgm:constr type="ctrY" for="ch" forName="accent_4" refType="h" fact="0.6875"/>
+                <dgm:constr type="ctrX" for="ch" forName="accent_4" refType="w"/>
+                <dgm:constr type="ctrXOff" for="ch" forName="accent_4" refType="h" fact="-0.1978"/>
+                <dgm:constr type="r" for="ch" forName="text_4" refType="ctrX" refFor="ch" refForName="accent_4"/>
+                <dgm:constr type="rOff" for="ch" forName="text_4" refType="ctrXOff" refFor="ch" refForName="accent_4"/>
+                <dgm:constr type="l" for="ch" forName="text_4"/>
+                <dgm:constr type="w" for="ch" forName="text_4" refType="h" refFor="ch" refForName="text_4" op="gte"/>
+                <dgm:constr type="h" for="ch" forName="text_4" refType="h" refFor="ch" refForName="accent_4" fact="0.8"/>
+                <dgm:constr type="ctrY" for="ch" forName="text_4" refType="ctrY" refFor="ch" refForName="accent_4"/>
+                <dgm:constr type="rMarg" for="ch" forName="text_4" refType="w" refFor="ch" refForName="accent_4" fact="1.8"/>
+                <dgm:constr type="h" for="ch" forName="accent_5" refType="h" fact="0.1563"/>
+                <dgm:constr type="w" for="ch" forName="accent_5" refType="h" refFor="ch" refForName="accent_5" op="equ"/>
+                <dgm:constr type="ctrY" for="ch" forName="accent_5" refType="h" fact="0.875"/>
+                <dgm:constr type="ctrX" for="ch" forName="accent_5" refType="w"/>
+                <dgm:constr type="ctrXOff" for="ch" forName="accent_5" refType="h" fact="-0.1082"/>
+                <dgm:constr type="r" for="ch" forName="text_5" refType="ctrX" refFor="ch" refForName="accent_5"/>
+                <dgm:constr type="rOff" for="ch" forName="text_5" refType="ctrXOff" refFor="ch" refForName="accent_5"/>
+                <dgm:constr type="l" for="ch" forName="text_5"/>
+                <dgm:constr type="w" for="ch" forName="text_5" refType="h" refFor="ch" refForName="text_5" op="gte"/>
+                <dgm:constr type="h" for="ch" forName="text_5" refType="h" refFor="ch" refForName="accent_5" fact="0.8"/>
+                <dgm:constr type="ctrY" for="ch" forName="text_5" refType="ctrY" refFor="ch" refForName="accent_5"/>
+                <dgm:constr type="rMarg" for="ch" forName="text_5" refType="w" refFor="ch" refForName="accent_5" fact="1.8"/>
+                <dgm:constr type="primFontSz" for="ch" ptType="node" op="equ" val="65"/>
+              </dgm:constrLst>
+            </dgm:if>
+            <dgm:if name="Name19" axis="ch" ptType="node" func="cnt" op="equ" val="6">
+              <dgm:constrLst>
+                <dgm:constr type="h" for="ch" forName="cycle" refType="h"/>
+                <dgm:constr type="w" for="ch" forName="cycle" refType="h" refFor="ch" refForName="cycle" fact="0.26"/>
+                <dgm:constr type="r" for="ch" forName="cycle" refType="w"/>
+                <dgm:constr type="ctrY" for="ch" forName="cycle" refType="h" fact="0.5"/>
+                <dgm:constr type="diam" for="ch" forName="cycle" refType="h" fact="1.344"/>
+                <dgm:constr type="h" for="ch" forName="accent_1" refType="h" fact="0.1316"/>
+                <dgm:constr type="w" for="ch" forName="accent_1" refType="h" refFor="ch" refForName="accent_1" op="equ"/>
+                <dgm:constr type="ctrY" for="ch" forName="accent_1" refType="h" fact="0.1053"/>
+                <dgm:constr type="ctrX" for="ch" forName="accent_1" refType="w"/>
+                <dgm:constr type="ctrXOff" for="ch" forName="accent_1" refType="h" fact="-0.0943"/>
+                <dgm:constr type="r" for="ch" forName="text_1" refType="ctrX" refFor="ch" refForName="accent_1"/>
+                <dgm:constr type="rOff" for="ch" forName="text_1" refType="ctrXOff" refFor="ch" refForName="accent_1"/>
+                <dgm:constr type="l" for="ch" forName="text_1"/>
+                <dgm:constr type="w" for="ch" forName="text_1" refType="h" refFor="ch" refForName="text_1" op="gte"/>
+                <dgm:constr type="h" for="ch" forName="text_1" refType="h" refFor="ch" refForName="accent_1" fact="0.8"/>
+                <dgm:constr type="ctrY" for="ch" forName="text_1" refType="ctrY" refFor="ch" refForName="accent_1"/>
+                <dgm:constr type="rMarg" for="ch" forName="text_1" refType="w" refFor="ch" refForName="accent_1" fact="1.8"/>
+                <dgm:constr type="h" for="ch" forName="accent_2" refType="h" fact="0.1316"/>
+                <dgm:constr type="w" for="ch" forName="accent_2" refType="h" refFor="ch" refForName="accent_2" op="equ"/>
+                <dgm:constr type="ctrY" for="ch" forName="accent_2" refType="h" fact="0.2632"/>
+                <dgm:constr type="ctrX" for="ch" forName="accent_2" refType="w"/>
+                <dgm:constr type="ctrXOff" for="ch" forName="accent_2" refType="h" fact="-0.1809"/>
+                <dgm:constr type="r" for="ch" forName="text_2" refType="ctrX" refFor="ch" refForName="accent_2"/>
+                <dgm:constr type="rOff" for="ch" forName="text_2" refType="ctrXOff" refFor="ch" refForName="accent_2"/>
+                <dgm:constr type="l" for="ch" forName="text_2"/>
+                <dgm:constr type="w" for="ch" forName="text_2" refType="h" refFor="ch" refForName="text_2" op="gte"/>
+                <dgm:constr type="h" for="ch" forName="text_2" refType="h" refFor="ch" refForName="accent_2" fact="0.8"/>
+                <dgm:constr type="ctrY" for="ch" forName="text_2" refType="ctrY" refFor="ch" refForName="accent_2"/>
+                <dgm:constr type="rMarg" for="ch" forName="text_2" refType="w" refFor="ch" refForName="accent_2" fact="1.8"/>
+                <dgm:constr type="h" for="ch" forName="accent_3" refType="h" fact="0.1316"/>
+                <dgm:constr type="w" for="ch" forName="accent_3" refType="h" refFor="ch" refForName="accent_3" op="equ"/>
+                <dgm:constr type="ctrY" for="ch" forName="accent_3" refType="h" fact="0.4211"/>
+                <dgm:constr type="ctrX" for="ch" forName="accent_3" refType="w"/>
+                <dgm:constr type="ctrXOff" for="ch" forName="accent_3" refType="h" fact="-0.2205"/>
+                <dgm:constr type="r" for="ch" forName="text_3" refType="ctrX" refFor="ch" refForName="accent_3"/>
+                <dgm:constr type="rOff" for="ch" forName="text_3" refType="ctrXOff" refFor="ch" refForName="accent_3"/>
+                <dgm:constr type="l" for="ch" forName="text_3"/>
+                <dgm:constr type="w" for="ch" forName="text_3" refType="h" refFor="ch" refForName="text_3" op="gte"/>
+                <dgm:constr type="h" for="ch" forName="text_3" refType="h" refFor="ch" refForName="accent_3" fact="0.8"/>
+                <dgm:constr type="ctrY" for="ch" forName="text_3" refType="ctrY" refFor="ch" refForName="accent_3"/>
+                <dgm:constr type="rMarg" for="ch" forName="text_3" refType="w" refFor="ch" refForName="accent_3" fact="1.8"/>
+                <dgm:constr type="h" for="ch" forName="accent_4" refType="h" fact="0.1316"/>
+                <dgm:constr type="w" for="ch" forName="accent_4" refType="h" refFor="ch" refForName="accent_4" op="equ"/>
+                <dgm:constr type="ctrY" for="ch" forName="accent_4" refType="h" fact="0.5789"/>
+                <dgm:constr type="ctrX" for="ch" forName="accent_4" refType="w"/>
+                <dgm:constr type="ctrXOff" for="ch" forName="accent_4" refType="h" fact="-0.2205"/>
+                <dgm:constr type="r" for="ch" forName="text_4" refType="ctrX" refFor="ch" refForName="accent_4"/>
+                <dgm:constr type="rOff" for="ch" forName="text_4" refType="ctrXOff" refFor="ch" refForName="accent_4"/>
+                <dgm:constr type="l" for="ch" forName="text_4"/>
+                <dgm:constr type="w" for="ch" forName="text_4" refType="h" refFor="ch" refForName="text_4" op="gte"/>
+                <dgm:constr type="h" for="ch" forName="text_4" refType="h" refFor="ch" refForName="accent_4" fact="0.8"/>
+                <dgm:constr type="ctrY" for="ch" forName="text_4" refType="ctrY" refFor="ch" refForName="accent_4"/>
+                <dgm:constr type="rMarg" for="ch" forName="text_4" refType="w" refFor="ch" refForName="accent_4" fact="1.8"/>
+                <dgm:constr type="h" for="ch" forName="accent_5" refType="h" fact="0.1316"/>
+                <dgm:constr type="w" for="ch" forName="accent_5" refType="h" refFor="ch" refForName="accent_5" op="equ"/>
+                <dgm:constr type="ctrY" for="ch" forName="accent_5" refType="h" fact="0.7368"/>
+                <dgm:constr type="ctrX" for="ch" forName="accent_5" refType="w"/>
+                <dgm:constr type="ctrXOff" for="ch" forName="accent_5" refType="h" fact="-0.1809"/>
+                <dgm:constr type="r" for="ch" forName="text_5" refType="ctrX" refFor="ch" refForName="accent_5"/>
+                <dgm:constr type="rOff" for="ch" forName="text_5" refType="ctrXOff" refFor="ch" refForName="accent_5"/>
+                <dgm:constr type="l" for="ch" forName="text_5"/>
+                <dgm:constr type="w" for="ch" forName="text_5" refType="h" refFor="ch" refForName="text_5" op="gte"/>
+                <dgm:constr type="h" for="ch" forName="text_5" refType="h" refFor="ch" refForName="accent_5" fact="0.8"/>
+                <dgm:constr type="ctrY" for="ch" forName="text_5" refType="ctrY" refFor="ch" refForName="accent_5"/>
+                <dgm:constr type="rMarg" for="ch" forName="text_5" refType="w" refFor="ch" refForName="accent_5" fact="1.8"/>
+                <dgm:constr type="h" for="ch" forName="accent_6" refType="h" fact="0.1316"/>
+                <dgm:constr type="w" for="ch" forName="accent_6" refType="h" refFor="ch" refForName="accent_6" op="equ"/>
+                <dgm:constr type="ctrY" for="ch" forName="accent_6" refType="h" fact="0.8947"/>
+                <dgm:constr type="ctrX" for="ch" forName="accent_6" refType="w"/>
+                <dgm:constr type="ctrXOff" for="ch" forName="accent_6" refType="h" fact="-0.0943"/>
+                <dgm:constr type="r" for="ch" forName="text_6" refType="ctrX" refFor="ch" refForName="accent_6"/>
+                <dgm:constr type="rOff" for="ch" forName="text_6" refType="ctrXOff" refFor="ch" refForName="accent_6"/>
+                <dgm:constr type="l" for="ch" forName="text_6"/>
+                <dgm:constr type="w" for="ch" forName="text_6" refType="h" refFor="ch" refForName="text_6" op="gte"/>
+                <dgm:constr type="h" for="ch" forName="text_6" refType="h" refFor="ch" refForName="accent_6" fact="0.8"/>
+                <dgm:constr type="ctrY" for="ch" forName="text_6" refType="ctrY" refFor="ch" refForName="accent_6"/>
+                <dgm:constr type="rMarg" for="ch" forName="text_6" refType="w" refFor="ch" refForName="accent_6" fact="1.8"/>
+                <dgm:constr type="primFontSz" for="ch" ptType="node" op="equ" val="65"/>
+              </dgm:constrLst>
+            </dgm:if>
+            <dgm:else name="Name20">
+              <dgm:constrLst>
+                <dgm:constr type="h" for="ch" forName="cycle" refType="h"/>
+                <dgm:constr type="w" for="ch" forName="cycle" refType="h" refFor="ch" refForName="cycle" fact="0.26"/>
+                <dgm:constr type="r" for="ch" forName="cycle" refType="w"/>
+                <dgm:constr type="ctrY" for="ch" forName="cycle" refType="h" fact="0.5"/>
+                <dgm:constr type="diam" for="ch" forName="cycle" refType="h" fact="1.344"/>
+                <dgm:constr type="h" for="ch" forName="accent_1" refType="h" fact="0.1136"/>
+                <dgm:constr type="w" for="ch" forName="accent_1" refType="h" refFor="ch" refForName="accent_1" op="equ"/>
+                <dgm:constr type="ctrY" for="ch" forName="accent_1" refType="h" fact="0.0909"/>
+                <dgm:constr type="ctrX" for="ch" forName="accent_1" refType="w"/>
+                <dgm:constr type="ctrXOff" for="ch" forName="accent_1" refType="h" fact="-0.0835"/>
+                <dgm:constr type="r" for="ch" forName="text_1" refType="ctrX" refFor="ch" refForName="accent_1"/>
+                <dgm:constr type="rOff" for="ch" forName="text_1" refType="ctrXOff" refFor="ch" refForName="accent_1"/>
+                <dgm:constr type="l" for="ch" forName="text_1"/>
+                <dgm:constr type="w" for="ch" forName="text_1" refType="h" refFor="ch" refForName="text_1" op="gte"/>
+                <dgm:constr type="h" for="ch" forName="text_1" refType="h" refFor="ch" refForName="accent_1" fact="0.8"/>
+                <dgm:constr type="ctrY" for="ch" forName="text_1" refType="ctrY" refFor="ch" refForName="accent_1"/>
+                <dgm:constr type="rMarg" for="ch" forName="text_1" refType="w" refFor="ch" refForName="accent_1" fact="1.8"/>
+                <dgm:constr type="h" for="ch" forName="accent_2" refType="h" fact="0.1136"/>
+                <dgm:constr type="w" for="ch" forName="accent_2" refType="h" refFor="ch" refForName="accent_2" op="equ"/>
+                <dgm:constr type="ctrY" for="ch" forName="accent_2" refType="h" fact="0.2273"/>
+                <dgm:constr type="ctrX" for="ch" forName="accent_2" refType="w"/>
+                <dgm:constr type="ctrXOff" for="ch" forName="accent_2" refType="h" fact="-0.1658"/>
+                <dgm:constr type="r" for="ch" forName="text_2" refType="ctrX" refFor="ch" refForName="accent_2"/>
+                <dgm:constr type="rOff" for="ch" forName="text_2" refType="ctrXOff" refFor="ch" refForName="accent_2"/>
+                <dgm:constr type="l" for="ch" forName="text_2"/>
+                <dgm:constr type="w" for="ch" forName="text_2" refType="h" refFor="ch" refForName="text_2" op="gte"/>
+                <dgm:constr type="h" for="ch" forName="text_2" refType="h" refFor="ch" refForName="accent_2" fact="0.8"/>
+                <dgm:constr type="ctrY" for="ch" forName="text_2" refType="ctrY" refFor="ch" refForName="accent_2"/>
+                <dgm:constr type="rMarg" for="ch" forName="text_2" refType="w" refFor="ch" refForName="accent_2" fact="1.8"/>
+                <dgm:constr type="h" for="ch" forName="accent_3" refType="h" fact="0.1136"/>
+                <dgm:constr type="w" for="ch" forName="accent_3" refType="h" refFor="ch" refForName="accent_3" op="equ"/>
+                <dgm:constr type="ctrY" for="ch" forName="accent_3" refType="h" fact="0.3636"/>
+                <dgm:constr type="ctrX" for="ch" forName="accent_3" refType="w"/>
+                <dgm:constr type="ctrXOff" for="ch" forName="accent_3" refType="h" fact="-0.2109"/>
+                <dgm:constr type="r" for="ch" forName="text_3" refType="ctrX" refFor="ch" refForName="accent_3"/>
+                <dgm:constr type="rOff" for="ch" forName="text_3" refType="ctrXOff" refFor="ch" refForName="accent_3"/>
+                <dgm:constr type="l" for="ch" forName="text_3"/>
+                <dgm:constr type="w" for="ch" forName="text_3" refType="h" refFor="ch" refForName="text_3" op="gte"/>
+                <dgm:constr type="h" for="ch" forName="text_3" refType="h" refFor="ch" refForName="accent_3" fact="0.8"/>
+                <dgm:constr type="ctrY" for="ch" forName="text_3" refType="ctrY" refFor="ch" refForName="accent_3"/>
+                <dgm:constr type="rMarg" for="ch" forName="text_3" refType="w" refFor="ch" refForName="accent_3" fact="1.8"/>
+                <dgm:constr type="h" for="ch" forName="accent_4" refType="h" fact="0.1136"/>
+                <dgm:constr type="w" for="ch" forName="accent_4" refType="h" refFor="ch" refForName="accent_4" op="equ"/>
+                <dgm:constr type="ctrY" for="ch" forName="accent_4" refType="h" fact="0.5"/>
+                <dgm:constr type="ctrX" for="ch" forName="accent_4" refType="w"/>
+                <dgm:constr type="ctrXOff" for="ch" forName="accent_4" refType="h" fact="-0.2253"/>
+                <dgm:constr type="r" for="ch" forName="text_4" refType="ctrX" refFor="ch" refForName="accent_4"/>
+                <dgm:constr type="rOff" for="ch" forName="text_4" refType="ctrXOff" refFor="ch" refForName="accent_4"/>
+                <dgm:constr type="l" for="ch" forName="text_4"/>
+                <dgm:constr type="w" for="ch" forName="text_4" refType="h" refFor="ch" refForName="text_4" op="gte"/>
+                <dgm:constr type="h" for="ch" forName="text_4" refType="h" refFor="ch" refForName="accent_4" fact="0.8"/>
+                <dgm:constr type="ctrY" for="ch" forName="text_4" refType="ctrY" refFor="ch" refForName="accent_4"/>
+                <dgm:constr type="rMarg" for="ch" forName="text_4" refType="w" refFor="ch" refForName="accent_4" fact="1.8"/>
+                <dgm:constr type="h" for="ch" forName="accent_5" refType="h" fact="0.1136"/>
+                <dgm:constr type="w" for="ch" forName="accent_5" refType="h" refFor="ch" refForName="accent_5" op="equ"/>
+                <dgm:constr type="ctrY" for="ch" forName="accent_5" refType="h" fact="0.6364"/>
+                <dgm:constr type="ctrX" for="ch" forName="accent_5" refType="w"/>
+                <dgm:constr type="ctrXOff" for="ch" forName="accent_5" refType="h" fact="-0.2109"/>
+                <dgm:constr type="r" for="ch" forName="text_5" refType="ctrX" refFor="ch" refForName="accent_5"/>
+                <dgm:constr type="rOff" for="ch" forName="text_5" refType="ctrXOff" refFor="ch" refForName="accent_5"/>
+                <dgm:constr type="l" for="ch" forName="text_5"/>
+                <dgm:constr type="w" for="ch" forName="text_5" refType="h" refFor="ch" refForName="text_5" op="gte"/>
+                <dgm:constr type="h" for="ch" forName="text_5" refType="h" refFor="ch" refForName="accent_5" fact="0.8"/>
+                <dgm:constr type="ctrY" for="ch" forName="text_5" refType="ctrY" refFor="ch" refForName="accent_5"/>
+                <dgm:constr type="rMarg" for="ch" forName="text_5" refType="w" refFor="ch" refForName="accent_5" fact="1.8"/>
+                <dgm:constr type="h" for="ch" forName="accent_6" refType="h" fact="0.1136"/>
+                <dgm:constr type="w" for="ch" forName="accent_6" refType="h" refFor="ch" refForName="accent_6" op="equ"/>
+                <dgm:constr type="ctrY" for="ch" forName="accent_6" refType="h" fact="0.7727"/>
+                <dgm:constr type="ctrX" for="ch" forName="accent_6" refType="w"/>
+                <dgm:constr type="ctrXOff" for="ch" forName="accent_6" refType="h" fact="-0.1658"/>
+                <dgm:constr type="r" for="ch" forName="text_6" refType="ctrX" refFor="ch" refForName="accent_6"/>
+                <dgm:constr type="rOff" for="ch" forName="text_6" refType="ctrXOff" refFor="ch" refForName="accent_6"/>
+                <dgm:constr type="l" for="ch" forName="text_6"/>
+                <dgm:constr type="w" for="ch" forName="text_6" refType="h" refFor="ch" refForName="text_6" op="gte"/>
+                <dgm:constr type="h" for="ch" forName="text_6" refType="h" refFor="ch" refForName="accent_6" fact="0.8"/>
+                <dgm:constr type="ctrY" for="ch" forName="text_6" refType="ctrY" refFor="ch" refForName="accent_6"/>
+                <dgm:constr type="rMarg" for="ch" forName="text_6" refType="w" refFor="ch" refForName="accent_6" fact="1.8"/>
+                <dgm:constr type="h" for="ch" forName="accent_7" refType="h" fact="0.1136"/>
+                <dgm:constr type="w" for="ch" forName="accent_7" refType="h" refFor="ch" refForName="accent_7" op="equ"/>
+                <dgm:constr type="ctrY" for="ch" forName="accent_7" refType="h" fact="0.9091"/>
+                <dgm:constr type="ctrX" for="ch" forName="accent_7" refType="w"/>
+                <dgm:constr type="ctrXOff" for="ch" forName="accent_7" refType="h" fact="-0.0835"/>
+                <dgm:constr type="r" for="ch" forName="text_7" refType="ctrX" refFor="ch" refForName="accent_7"/>
+                <dgm:constr type="rOff" for="ch" forName="text_7" refType="ctrXOff" refFor="ch" refForName="accent_7"/>
+                <dgm:constr type="l" for="ch" forName="text_7"/>
+                <dgm:constr type="w" for="ch" forName="text_7" refType="h" refFor="ch" refForName="text_7" op="gte"/>
+                <dgm:constr type="h" for="ch" forName="text_7" refType="h" refFor="ch" refForName="accent_7" fact="0.8"/>
+                <dgm:constr type="ctrY" for="ch" forName="text_7" refType="ctrY" refFor="ch" refForName="accent_7"/>
+                <dgm:constr type="rMarg" for="ch" forName="text_7" refType="w" refFor="ch" refForName="accent_7" fact="1.8"/>
+                <dgm:constr type="primFontSz" for="ch" ptType="node" op="equ" val="65"/>
+              </dgm:constrLst>
+            </dgm:else>
+          </dgm:choose>
+        </dgm:else>
+      </dgm:choose>
+      <dgm:layoutNode name="cycle">
+        <dgm:choose name="Name21">
+          <dgm:if name="Name22" func="var" arg="dir" op="equ" val="norm">
+            <dgm:alg type="cycle">
+              <dgm:param type="stAng" val="45"/>
+              <dgm:param type="spanAng" val="90"/>
+            </dgm:alg>
+          </dgm:if>
+          <dgm:else name="Name23">
+            <dgm:alg type="cycle">
+              <dgm:param type="stAng" val="225"/>
+              <dgm:param type="spanAng" val="90"/>
+            </dgm:alg>
+          </dgm:else>
+        </dgm:choose>
+        <dgm:shape xmlns:r="http://schemas.openxmlformats.org/officeDocument/2006/relationships" r:blip="">
+          <dgm:adjLst/>
+        </dgm:shape>
+        <dgm:presOf/>
+        <dgm:constrLst>
+          <dgm:constr type="w" for="ch" val="1"/>
+          <dgm:constr type="h" for="ch" val="1"/>
+          <dgm:constr type="diam" for="ch" forName="conn" refType="diam"/>
+        </dgm:constrLst>
+        <dgm:layoutNode name="srcNode">
+          <dgm:alg type="sp"/>
+          <dgm:shape xmlns:r="http://schemas.openxmlformats.org/officeDocument/2006/relationships" type="rect" r:blip="" hideGeom="1">
+            <dgm:adjLst/>
+          </dgm:shape>
+          <dgm:presOf/>
+        </dgm:layoutNode>
+        <dgm:layoutNode name="conn" styleLbl="parChTrans1D2">
+          <dgm:alg type="conn">
+            <dgm:param type="connRout" val="curve"/>
+            <dgm:param type="srcNode" val="srcNode"/>
+            <dgm:param type="dstNode" val="dstNode"/>
+            <dgm:param type="begPts" val="ctr"/>
+            <dgm:param type="endPts" val="ctr"/>
+            <dgm:param type="endSty" val="noArr"/>
+          </dgm:alg>
+          <dgm:shape xmlns:r="http://schemas.openxmlformats.org/officeDocument/2006/relationships" type="conn" r:blip="">
+            <dgm:adjLst/>
+          </dgm:shape>
+          <dgm:presOf axis="desOrSelf" ptType="sibTrans" hideLastTrans="0" st="0" cnt="1"/>
+          <dgm:constrLst>
+            <dgm:constr type="begPad"/>
+            <dgm:constr type="endPad"/>
+          </dgm:constrLst>
+        </dgm:layoutNode>
+        <dgm:layoutNode name="extraNode">
+          <dgm:alg type="sp"/>
+          <dgm:shape xmlns:r="http://schemas.openxmlformats.org/officeDocument/2006/relationships" type="rect" r:blip="" hideGeom="1">
+            <dgm:adjLst/>
+          </dgm:shape>
+          <dgm:presOf/>
+        </dgm:layoutNode>
+        <dgm:layoutNode name="dstNode">
+          <dgm:alg type="sp"/>
+          <dgm:shape xmlns:r="http://schemas.openxmlformats.org/officeDocument/2006/relationships" type="rect" r:blip="" hideGeom="1">
+            <dgm:adjLst/>
+          </dgm:shape>
+          <dgm:presOf/>
+        </dgm:layoutNode>
+      </dgm:layoutNode>
+      <dgm:forEach name="wrapper" axis="self" ptType="parTrans">
+        <dgm:forEach name="wrapper2" axis="self" ptType="sibTrans" st="2">
+          <dgm:forEach name="accentRepeat" axis="self">
+            <dgm:layoutNode name="accentRepeatNode" styleLbl="solidFgAcc1">
+              <dgm:alg type="sp"/>
+              <dgm:shape xmlns:r="http://schemas.openxmlformats.org/officeDocument/2006/relationships" type="ellipse" r:blip="">
+                <dgm:adjLst/>
+              </dgm:shape>
+              <dgm:presOf/>
+            </dgm:layoutNode>
+          </dgm:forEach>
+        </dgm:forEach>
+      </dgm:forEach>
+      <dgm:forEach name="Name24" axis="ch" ptType="node" cnt="1">
+        <dgm:layoutNode name="text_1" styleLbl="node1">
+          <dgm:varLst>
+            <dgm:bulletEnabled val="1"/>
+          </dgm:varLst>
+          <dgm:choose name="Name25">
+            <dgm:if name="Name26" func="var" arg="dir" op="equ" val="norm">
+              <dgm:alg type="tx">
+                <dgm:param type="parTxLTRAlign" val="l"/>
+                <dgm:param type="shpTxLTRAlignCh" val="l"/>
+                <dgm:param type="parTxRTLAlign" val="l"/>
+                <dgm:param type="shpTxRTLAlignCh" val="l"/>
+              </dgm:alg>
+            </dgm:if>
+            <dgm:else name="Name27">
+              <dgm:alg type="tx">
+                <dgm:param type="parTxLTRAlign" val="r"/>
+                <dgm:param type="shpTxLTRAlignCh" val="r"/>
+                <dgm:param type="parTxRTLAlign" val="r"/>
+                <dgm:param type="shpTxRTLAlignCh" val="r"/>
+              </dgm:alg>
+            </dgm:else>
+          </dgm:choose>
+          <dgm:shape xmlns:r="http://schemas.openxmlformats.org/officeDocument/2006/relationships" type="rect" r:blip="">
+            <dgm:adjLst/>
+          </dgm:shape>
+          <dgm:presOf axis="desOrSelf" ptType="node"/>
+          <dgm:constrLst>
+            <dgm:constr type="primFontSz" val="65"/>
+            <dgm:constr type="lMarg" refType="primFontSz" fact="0.2"/>
+            <dgm:constr type="rMarg" refType="primFontSz" fact="0.2"/>
+            <dgm:constr type="tMarg" refType="primFontSz" fact="0.2"/>
+            <dgm:constr type="bMarg" refType="primFontSz" fact="0.2"/>
+          </dgm:constrLst>
+          <dgm:ruleLst>
+            <dgm:rule type="primFontSz" val="5" fact="NaN" max="NaN"/>
+          </dgm:ruleLst>
+        </dgm:layoutNode>
+        <dgm:layoutNode name="accent_1">
+          <dgm:alg type="sp"/>
+          <dgm:shape xmlns:r="http://schemas.openxmlformats.org/officeDocument/2006/relationships" r:blip="">
+            <dgm:adjLst/>
+          </dgm:shape>
+          <dgm:presOf/>
+          <dgm:constrLst/>
+          <dgm:forEach name="Name28" ref="accentRepeat"/>
+        </dgm:layoutNode>
+      </dgm:forEach>
+      <dgm:forEach name="Name29" axis="ch" ptType="node" st="2" cnt="1">
+        <dgm:layoutNode name="text_2" styleLbl="node1">
+          <dgm:varLst>
+            <dgm:bulletEnabled val="1"/>
+          </dgm:varLst>
+          <dgm:choose name="Name30">
+            <dgm:if name="Name31" func="var" arg="dir" op="equ" val="norm">
+              <dgm:alg type="tx">
+                <dgm:param type="parTxLTRAlign" val="l"/>
+                <dgm:param type="shpTxLTRAlignCh" val="l"/>
+                <dgm:param type="parTxRTLAlign" val="l"/>
+                <dgm:param type="shpTxRTLAlignCh" val="l"/>
+              </dgm:alg>
+            </dgm:if>
+            <dgm:else name="Name32">
+              <dgm:alg type="tx">
+                <dgm:param type="parTxLTRAlign" val="r"/>
+                <dgm:param type="shpTxLTRAlignCh" val="r"/>
+                <dgm:param type="parTxRTLAlign" val="r"/>
+                <dgm:param type="shpTxRTLAlignCh" val="r"/>
+              </dgm:alg>
+            </dgm:else>
+          </dgm:choose>
+          <dgm:shape xmlns:r="http://schemas.openxmlformats.org/officeDocument/2006/relationships" type="rect" r:blip="">
+            <dgm:adjLst/>
+          </dgm:shape>
+          <dgm:presOf axis="desOrSelf" ptType="node"/>
+          <dgm:constrLst>
+            <dgm:constr type="primFontSz" val="65"/>
+            <dgm:constr type="lMarg" refType="primFontSz" fact="0.2"/>
+            <dgm:constr type="rMarg" refType="primFontSz" fact="0.2"/>
+            <dgm:constr type="tMarg" refType="primFontSz" fact="0.2"/>
+            <dgm:constr type="bMarg" refType="primFontSz" fact="0.2"/>
+          </dgm:constrLst>
+          <dgm:ruleLst>
+            <dgm:rule type="primFontSz" val="5" fact="NaN" max="NaN"/>
+          </dgm:ruleLst>
+        </dgm:layoutNode>
+        <dgm:layoutNode name="accent_2">
+          <dgm:alg type="sp"/>
+          <dgm:shape xmlns:r="http://schemas.openxmlformats.org/officeDocument/2006/relationships" r:blip="">
+            <dgm:adjLst/>
+          </dgm:shape>
+          <dgm:presOf/>
+          <dgm:constrLst/>
+          <dgm:forEach name="Name33" ref="accentRepeat"/>
+        </dgm:layoutNode>
+      </dgm:forEach>
+      <dgm:forEach name="Name34" axis="ch" ptType="node" st="3" cnt="1">
+        <dgm:layoutNode name="text_3" styleLbl="node1">
+          <dgm:varLst>
+            <dgm:bulletEnabled val="1"/>
+          </dgm:varLst>
+          <dgm:choose name="Name35">
+            <dgm:if name="Name36" func="var" arg="dir" op="equ" val="norm">
+              <dgm:alg type="tx">
+                <dgm:param type="parTxLTRAlign" val="l"/>
+                <dgm:param type="shpTxLTRAlignCh" val="l"/>
+                <dgm:param type="parTxRTLAlign" val="l"/>
+                <dgm:param type="shpTxRTLAlignCh" val="l"/>
+              </dgm:alg>
+            </dgm:if>
+            <dgm:else name="Name37">
+              <dgm:alg type="tx">
+                <dgm:param type="parTxLTRAlign" val="r"/>
+                <dgm:param type="shpTxLTRAlignCh" val="r"/>
+                <dgm:param type="parTxRTLAlign" val="r"/>
+                <dgm:param type="shpTxRTLAlignCh" val="r"/>
+              </dgm:alg>
+            </dgm:else>
+          </dgm:choose>
+          <dgm:shape xmlns:r="http://schemas.openxmlformats.org/officeDocument/2006/relationships" type="rect" r:blip="">
+            <dgm:adjLst/>
+          </dgm:shape>
+          <dgm:presOf axis="desOrSelf" ptType="node"/>
+          <dgm:constrLst>
+            <dgm:constr type="primFontSz" val="65"/>
+            <dgm:constr type="lMarg" refType="primFontSz" fact="0.2"/>
+            <dgm:constr type="rMarg" refType="primFontSz" fact="0.2"/>
+            <dgm:constr type="tMarg" refType="primFontSz" fact="0.2"/>
+            <dgm:constr type="bMarg" refType="primFontSz" fact="0.2"/>
+          </dgm:constrLst>
+          <dgm:ruleLst>
+            <dgm:rule type="primFontSz" val="5" fact="NaN" max="NaN"/>
+          </dgm:ruleLst>
+        </dgm:layoutNode>
+        <dgm:layoutNode name="accent_3">
+          <dgm:alg type="sp"/>
+          <dgm:shape xmlns:r="http://schemas.openxmlformats.org/officeDocument/2006/relationships" r:blip="">
+            <dgm:adjLst/>
+          </dgm:shape>
+          <dgm:presOf/>
+          <dgm:constrLst/>
+          <dgm:forEach name="Name38" ref="accentRepeat"/>
+        </dgm:layoutNode>
+      </dgm:forEach>
+      <dgm:forEach name="Name39" axis="ch" ptType="node" st="4" cnt="1">
+        <dgm:layoutNode name="text_4" styleLbl="node1">
+          <dgm:varLst>
+            <dgm:bulletEnabled val="1"/>
+          </dgm:varLst>
+          <dgm:choose name="Name40">
+            <dgm:if name="Name41" func="var" arg="dir" op="equ" val="norm">
+              <dgm:alg type="tx">
+                <dgm:param type="parTxLTRAlign" val="l"/>
+                <dgm:param type="shpTxLTRAlignCh" val="l"/>
+                <dgm:param type="parTxRTLAlign" val="l"/>
+                <dgm:param type="shpTxRTLAlignCh" val="l"/>
+              </dgm:alg>
+            </dgm:if>
+            <dgm:else name="Name42">
+              <dgm:alg type="tx">
+                <dgm:param type="parTxLTRAlign" val="r"/>
+                <dgm:param type="shpTxLTRAlignCh" val="r"/>
+                <dgm:param type="parTxRTLAlign" val="r"/>
+                <dgm:param type="shpTxRTLAlignCh" val="r"/>
+              </dgm:alg>
+            </dgm:else>
+          </dgm:choose>
+          <dgm:shape xmlns:r="http://schemas.openxmlformats.org/officeDocument/2006/relationships" type="rect" r:blip="">
+            <dgm:adjLst/>
+          </dgm:shape>
+          <dgm:presOf axis="desOrSelf" ptType="node"/>
+          <dgm:constrLst>
+            <dgm:constr type="primFontSz" val="65"/>
+            <dgm:constr type="lMarg" refType="primFontSz" fact="0.2"/>
+            <dgm:constr type="rMarg" refType="primFontSz" fact="0.2"/>
+            <dgm:constr type="tMarg" refType="primFontSz" fact="0.2"/>
+            <dgm:constr type="bMarg" refType="primFontSz" fact="0.2"/>
+          </dgm:constrLst>
+          <dgm:ruleLst>
+            <dgm:rule type="primFontSz" val="5" fact="NaN" max="NaN"/>
+          </dgm:ruleLst>
+        </dgm:layoutNode>
+        <dgm:layoutNode name="accent_4">
+          <dgm:alg type="sp"/>
+          <dgm:shape xmlns:r="http://schemas.openxmlformats.org/officeDocument/2006/relationships" r:blip="">
+            <dgm:adjLst/>
+          </dgm:shape>
+          <dgm:presOf/>
+          <dgm:constrLst/>
+          <dgm:forEach name="Name43" ref="accentRepeat"/>
+        </dgm:layoutNode>
+      </dgm:forEach>
+      <dgm:forEach name="Name44" axis="ch" ptType="node" st="5" cnt="1">
+        <dgm:layoutNode name="text_5" styleLbl="node1">
+          <dgm:varLst>
+            <dgm:bulletEnabled val="1"/>
+          </dgm:varLst>
+          <dgm:choose name="Name45">
+            <dgm:if name="Name46" func="var" arg="dir" op="equ" val="norm">
+              <dgm:alg type="tx">
+                <dgm:param type="parTxLTRAlign" val="l"/>
+                <dgm:param type="shpTxLTRAlignCh" val="l"/>
+                <dgm:param type="parTxRTLAlign" val="l"/>
+                <dgm:param type="shpTxRTLAlignCh" val="l"/>
+              </dgm:alg>
+            </dgm:if>
+            <dgm:else name="Name47">
+              <dgm:alg type="tx">
+                <dgm:param type="parTxLTRAlign" val="r"/>
+                <dgm:param type="shpTxLTRAlignCh" val="r"/>
+                <dgm:param type="parTxRTLAlign" val="r"/>
+                <dgm:param type="shpTxRTLAlignCh" val="r"/>
+              </dgm:alg>
+            </dgm:else>
+          </dgm:choose>
+          <dgm:shape xmlns:r="http://schemas.openxmlformats.org/officeDocument/2006/relationships" type="rect" r:blip="">
+            <dgm:adjLst/>
+          </dgm:shape>
+          <dgm:presOf axis="desOrSelf" ptType="node"/>
+          <dgm:constrLst>
+            <dgm:constr type="primFontSz" val="65"/>
+            <dgm:constr type="lMarg" refType="primFontSz" fact="0.2"/>
+            <dgm:constr type="rMarg" refType="primFontSz" fact="0.2"/>
+            <dgm:constr type="tMarg" refType="primFontSz" fact="0.2"/>
+            <dgm:constr type="bMarg" refType="primFontSz" fact="0.2"/>
+          </dgm:constrLst>
+          <dgm:ruleLst>
+            <dgm:rule type="primFontSz" val="5" fact="NaN" max="NaN"/>
+          </dgm:ruleLst>
+        </dgm:layoutNode>
+        <dgm:layoutNode name="accent_5">
+          <dgm:alg type="sp"/>
+          <dgm:shape xmlns:r="http://schemas.openxmlformats.org/officeDocument/2006/relationships" r:blip="">
+            <dgm:adjLst/>
+          </dgm:shape>
+          <dgm:presOf/>
+          <dgm:constrLst/>
+          <dgm:forEach name="Name48" ref="accentRepeat"/>
+        </dgm:layoutNode>
+      </dgm:forEach>
+      <dgm:forEach name="Name49" axis="ch" ptType="node" st="6" cnt="1">
+        <dgm:layoutNode name="text_6" styleLbl="node1">
+          <dgm:varLst>
+            <dgm:bulletEnabled val="1"/>
+          </dgm:varLst>
+          <dgm:choose name="Name50">
+            <dgm:if name="Name51" func="var" arg="dir" op="equ" val="norm">
+              <dgm:alg type="tx">
+                <dgm:param type="parTxLTRAlign" val="l"/>
+                <dgm:param type="shpTxLTRAlignCh" val="l"/>
+                <dgm:param type="parTxRTLAlign" val="l"/>
+                <dgm:param type="shpTxRTLAlignCh" val="l"/>
+              </dgm:alg>
+            </dgm:if>
+            <dgm:else name="Name52">
+              <dgm:alg type="tx">
+                <dgm:param type="parTxLTRAlign" val="r"/>
+                <dgm:param type="shpTxLTRAlignCh" val="r"/>
+                <dgm:param type="parTxRTLAlign" val="r"/>
+                <dgm:param type="shpTxRTLAlignCh" val="r"/>
+              </dgm:alg>
+            </dgm:else>
+          </dgm:choose>
+          <dgm:shape xmlns:r="http://schemas.openxmlformats.org/officeDocument/2006/relationships" type="rect" r:blip="">
+            <dgm:adjLst/>
+          </dgm:shape>
+          <dgm:presOf axis="desOrSelf" ptType="node"/>
+          <dgm:constrLst>
+            <dgm:constr type="primFontSz" val="65"/>
+            <dgm:constr type="lMarg" refType="primFontSz" fact="0.2"/>
+            <dgm:constr type="rMarg" refType="primFontSz" fact="0.2"/>
+            <dgm:constr type="tMarg" refType="primFontSz" fact="0.2"/>
+            <dgm:constr type="bMarg" refType="primFontSz" fact="0.2"/>
+          </dgm:constrLst>
+          <dgm:ruleLst>
+            <dgm:rule type="primFontSz" val="5" fact="NaN" max="NaN"/>
+          </dgm:ruleLst>
+        </dgm:layoutNode>
+        <dgm:layoutNode name="accent_6">
+          <dgm:alg type="sp"/>
+          <dgm:shape xmlns:r="http://schemas.openxmlformats.org/officeDocument/2006/relationships" r:blip="">
+            <dgm:adjLst/>
+          </dgm:shape>
+          <dgm:presOf/>
+          <dgm:constrLst/>
+          <dgm:forEach name="Name53" ref="accentRepeat"/>
+        </dgm:layoutNode>
+      </dgm:forEach>
+      <dgm:forEach name="Name54" axis="ch" ptType="node" st="7" cnt="1">
+        <dgm:layoutNode name="text_7" styleLbl="node1">
+          <dgm:varLst>
+            <dgm:bulletEnabled val="1"/>
+          </dgm:varLst>
+          <dgm:choose name="Name55">
+            <dgm:if name="Name56" func="var" arg="dir" op="equ" val="norm">
+              <dgm:alg type="tx">
+                <dgm:param type="parTxLTRAlign" val="l"/>
+                <dgm:param type="shpTxLTRAlignCh" val="l"/>
+                <dgm:param type="parTxRTLAlign" val="l"/>
+                <dgm:param type="shpTxRTLAlignCh" val="l"/>
+              </dgm:alg>
+            </dgm:if>
+            <dgm:else name="Name57">
+              <dgm:alg type="tx">
+                <dgm:param type="parTxLTRAlign" val="r"/>
+                <dgm:param type="shpTxLTRAlignCh" val="r"/>
+                <dgm:param type="parTxRTLAlign" val="r"/>
+                <dgm:param type="shpTxRTLAlignCh" val="r"/>
+              </dgm:alg>
+            </dgm:else>
+          </dgm:choose>
+          <dgm:shape xmlns:r="http://schemas.openxmlformats.org/officeDocument/2006/relationships" type="rect" r:blip="">
+            <dgm:adjLst/>
+          </dgm:shape>
+          <dgm:presOf axis="desOrSelf" ptType="node"/>
+          <dgm:constrLst>
+            <dgm:constr type="primFontSz" val="65"/>
+            <dgm:constr type="lMarg" refType="primFontSz" fact="0.2"/>
+            <dgm:constr type="rMarg" refType="primFontSz" fact="0.2"/>
+            <dgm:constr type="tMarg" refType="primFontSz" fact="0.2"/>
+            <dgm:constr type="bMarg" refType="primFontSz" fact="0.2"/>
+          </dgm:constrLst>
+          <dgm:ruleLst>
+            <dgm:rule type="primFontSz" val="5" fact="NaN" max="NaN"/>
+          </dgm:ruleLst>
+        </dgm:layoutNode>
+        <dgm:layoutNode name="accent_7">
+          <dgm:alg type="sp"/>
+          <dgm:shape xmlns:r="http://schemas.openxmlformats.org/officeDocument/2006/relationships" r:blip="">
+            <dgm:adjLst/>
+          </dgm:shape>
+          <dgm:presOf/>
+          <dgm:constrLst/>
+          <dgm:forEach name="Name58" ref="accentRepeat"/>
+        </dgm:layoutNode>
+      </dgm:forEach>
+    </dgm:layoutNode>
+  </dgm:layoutNode>
+</dgm:layoutDef>
+</file>
+
 <file path=ppt/diagrams/quickStyle1.xml><?xml version="1.0" encoding="utf-8"?>
 <dgm:styleDef xmlns:dgm="http://schemas.openxmlformats.org/drawingml/2006/diagram" xmlns:a="http://schemas.openxmlformats.org/drawingml/2006/main" uniqueId="urn:microsoft.com/office/officeart/2005/8/quickstyle/simple1">
   <dgm:title val=""/>
@@ -12183,6 +15938,1040 @@
 </file>
 
 <file path=ppt/diagrams/quickStyle3.xml><?xml version="1.0" encoding="utf-8"?>
+<dgm:styleDef xmlns:dgm="http://schemas.openxmlformats.org/drawingml/2006/diagram" xmlns:a="http://schemas.openxmlformats.org/drawingml/2006/main" uniqueId="urn:microsoft.com/office/officeart/2005/8/quickstyle/simple1">
+  <dgm:title val=""/>
+  <dgm:desc val=""/>
+  <dgm:catLst>
+    <dgm:cat type="simple" pri="10100"/>
+  </dgm:catLst>
+  <dgm:scene3d>
+    <a:camera prst="orthographicFront"/>
+    <a:lightRig rig="threePt" dir="t"/>
+  </dgm:scene3d>
+  <dgm:styleLbl name="node0">
+    <dgm:scene3d>
+      <a:camera prst="orthographicFront"/>
+      <a:lightRig rig="threePt" dir="t"/>
+    </dgm:scene3d>
+    <dgm:sp3d/>
+    <dgm:txPr/>
+    <dgm:style>
+      <a:lnRef idx="2">
+        <a:scrgbClr r="0" g="0" b="0"/>
+      </a:lnRef>
+      <a:fillRef idx="1">
+        <a:scrgbClr r="0" g="0" b="0"/>
+      </a:fillRef>
+      <a:effectRef idx="0">
+        <a:scrgbClr r="0" g="0" b="0"/>
+      </a:effectRef>
+      <a:fontRef idx="minor">
+        <a:schemeClr val="lt1"/>
+      </a:fontRef>
+    </dgm:style>
+  </dgm:styleLbl>
+  <dgm:styleLbl name="lnNode1">
+    <dgm:scene3d>
+      <a:camera prst="orthographicFront"/>
+      <a:lightRig rig="threePt" dir="t"/>
+    </dgm:scene3d>
+    <dgm:sp3d/>
+    <dgm:txPr/>
+    <dgm:style>
+      <a:lnRef idx="2">
+        <a:scrgbClr r="0" g="0" b="0"/>
+      </a:lnRef>
+      <a:fillRef idx="1">
+        <a:scrgbClr r="0" g="0" b="0"/>
+      </a:fillRef>
+      <a:effectRef idx="0">
+        <a:scrgbClr r="0" g="0" b="0"/>
+      </a:effectRef>
+      <a:fontRef idx="minor">
+        <a:schemeClr val="lt1"/>
+      </a:fontRef>
+    </dgm:style>
+  </dgm:styleLbl>
+  <dgm:styleLbl name="vennNode1">
+    <dgm:scene3d>
+      <a:camera prst="orthographicFront"/>
+      <a:lightRig rig="threePt" dir="t"/>
+    </dgm:scene3d>
+    <dgm:sp3d/>
+    <dgm:txPr/>
+    <dgm:style>
+      <a:lnRef idx="2">
+        <a:scrgbClr r="0" g="0" b="0"/>
+      </a:lnRef>
+      <a:fillRef idx="1">
+        <a:scrgbClr r="0" g="0" b="0"/>
+      </a:fillRef>
+      <a:effectRef idx="0">
+        <a:scrgbClr r="0" g="0" b="0"/>
+      </a:effectRef>
+      <a:fontRef idx="minor">
+        <a:schemeClr val="tx1"/>
+      </a:fontRef>
+    </dgm:style>
+  </dgm:styleLbl>
+  <dgm:styleLbl name="alignNode1">
+    <dgm:scene3d>
+      <a:camera prst="orthographicFront"/>
+      <a:lightRig rig="threePt" dir="t"/>
+    </dgm:scene3d>
+    <dgm:sp3d/>
+    <dgm:txPr/>
+    <dgm:style>
+      <a:lnRef idx="2">
+        <a:scrgbClr r="0" g="0" b="0"/>
+      </a:lnRef>
+      <a:fillRef idx="1">
+        <a:scrgbClr r="0" g="0" b="0"/>
+      </a:fillRef>
+      <a:effectRef idx="0">
+        <a:scrgbClr r="0" g="0" b="0"/>
+      </a:effectRef>
+      <a:fontRef idx="minor">
+        <a:schemeClr val="lt1"/>
+      </a:fontRef>
+    </dgm:style>
+  </dgm:styleLbl>
+  <dgm:styleLbl name="node1">
+    <dgm:scene3d>
+      <a:camera prst="orthographicFront"/>
+      <a:lightRig rig="threePt" dir="t"/>
+    </dgm:scene3d>
+    <dgm:sp3d/>
+    <dgm:txPr/>
+    <dgm:style>
+      <a:lnRef idx="2">
+        <a:scrgbClr r="0" g="0" b="0"/>
+      </a:lnRef>
+      <a:fillRef idx="1">
+        <a:scrgbClr r="0" g="0" b="0"/>
+      </a:fillRef>
+      <a:effectRef idx="0">
+        <a:scrgbClr r="0" g="0" b="0"/>
+      </a:effectRef>
+      <a:fontRef idx="minor">
+        <a:schemeClr val="lt1"/>
+      </a:fontRef>
+    </dgm:style>
+  </dgm:styleLbl>
+  <dgm:styleLbl name="node2">
+    <dgm:scene3d>
+      <a:camera prst="orthographicFront"/>
+      <a:lightRig rig="threePt" dir="t"/>
+    </dgm:scene3d>
+    <dgm:sp3d/>
+    <dgm:txPr/>
+    <dgm:style>
+      <a:lnRef idx="2">
+        <a:scrgbClr r="0" g="0" b="0"/>
+      </a:lnRef>
+      <a:fillRef idx="1">
+        <a:scrgbClr r="0" g="0" b="0"/>
+      </a:fillRef>
+      <a:effectRef idx="0">
+        <a:scrgbClr r="0" g="0" b="0"/>
+      </a:effectRef>
+      <a:fontRef idx="minor">
+        <a:schemeClr val="lt1"/>
+      </a:fontRef>
+    </dgm:style>
+  </dgm:styleLbl>
+  <dgm:styleLbl name="node3">
+    <dgm:scene3d>
+      <a:camera prst="orthographicFront"/>
+      <a:lightRig rig="threePt" dir="t"/>
+    </dgm:scene3d>
+    <dgm:sp3d/>
+    <dgm:txPr/>
+    <dgm:style>
+      <a:lnRef idx="2">
+        <a:scrgbClr r="0" g="0" b="0"/>
+      </a:lnRef>
+      <a:fillRef idx="1">
+        <a:scrgbClr r="0" g="0" b="0"/>
+      </a:fillRef>
+      <a:effectRef idx="0">
+        <a:scrgbClr r="0" g="0" b="0"/>
+      </a:effectRef>
+      <a:fontRef idx="minor">
+        <a:schemeClr val="lt1"/>
+      </a:fontRef>
+    </dgm:style>
+  </dgm:styleLbl>
+  <dgm:styleLbl name="node4">
+    <dgm:scene3d>
+      <a:camera prst="orthographicFront"/>
+      <a:lightRig rig="threePt" dir="t"/>
+    </dgm:scene3d>
+    <dgm:sp3d/>
+    <dgm:txPr/>
+    <dgm:style>
+      <a:lnRef idx="2">
+        <a:scrgbClr r="0" g="0" b="0"/>
+      </a:lnRef>
+      <a:fillRef idx="1">
+        <a:scrgbClr r="0" g="0" b="0"/>
+      </a:fillRef>
+      <a:effectRef idx="0">
+        <a:scrgbClr r="0" g="0" b="0"/>
+      </a:effectRef>
+      <a:fontRef idx="minor">
+        <a:schemeClr val="lt1"/>
+      </a:fontRef>
+    </dgm:style>
+  </dgm:styleLbl>
+  <dgm:styleLbl name="fgImgPlace1">
+    <dgm:scene3d>
+      <a:camera prst="orthographicFront"/>
+      <a:lightRig rig="threePt" dir="t"/>
+    </dgm:scene3d>
+    <dgm:sp3d/>
+    <dgm:txPr/>
+    <dgm:style>
+      <a:lnRef idx="2">
+        <a:scrgbClr r="0" g="0" b="0"/>
+      </a:lnRef>
+      <a:fillRef idx="1">
+        <a:scrgbClr r="0" g="0" b="0"/>
+      </a:fillRef>
+      <a:effectRef idx="0">
+        <a:scrgbClr r="0" g="0" b="0"/>
+      </a:effectRef>
+      <a:fontRef idx="minor"/>
+    </dgm:style>
+  </dgm:styleLbl>
+  <dgm:styleLbl name="alignImgPlace1">
+    <dgm:scene3d>
+      <a:camera prst="orthographicFront"/>
+      <a:lightRig rig="threePt" dir="t"/>
+    </dgm:scene3d>
+    <dgm:sp3d/>
+    <dgm:txPr/>
+    <dgm:style>
+      <a:lnRef idx="2">
+        <a:scrgbClr r="0" g="0" b="0"/>
+      </a:lnRef>
+      <a:fillRef idx="1">
+        <a:scrgbClr r="0" g="0" b="0"/>
+      </a:fillRef>
+      <a:effectRef idx="0">
+        <a:scrgbClr r="0" g="0" b="0"/>
+      </a:effectRef>
+      <a:fontRef idx="minor"/>
+    </dgm:style>
+  </dgm:styleLbl>
+  <dgm:styleLbl name="bgImgPlace1">
+    <dgm:scene3d>
+      <a:camera prst="orthographicFront"/>
+      <a:lightRig rig="threePt" dir="t"/>
+    </dgm:scene3d>
+    <dgm:sp3d/>
+    <dgm:txPr/>
+    <dgm:style>
+      <a:lnRef idx="2">
+        <a:scrgbClr r="0" g="0" b="0"/>
+      </a:lnRef>
+      <a:fillRef idx="1">
+        <a:scrgbClr r="0" g="0" b="0"/>
+      </a:fillRef>
+      <a:effectRef idx="0">
+        <a:scrgbClr r="0" g="0" b="0"/>
+      </a:effectRef>
+      <a:fontRef idx="minor"/>
+    </dgm:style>
+  </dgm:styleLbl>
+  <dgm:styleLbl name="sibTrans2D1">
+    <dgm:scene3d>
+      <a:camera prst="orthographicFront"/>
+      <a:lightRig rig="threePt" dir="t"/>
+    </dgm:scene3d>
+    <dgm:sp3d/>
+    <dgm:txPr/>
+    <dgm:style>
+      <a:lnRef idx="0">
+        <a:scrgbClr r="0" g="0" b="0"/>
+      </a:lnRef>
+      <a:fillRef idx="1">
+        <a:scrgbClr r="0" g="0" b="0"/>
+      </a:fillRef>
+      <a:effectRef idx="0">
+        <a:scrgbClr r="0" g="0" b="0"/>
+      </a:effectRef>
+      <a:fontRef idx="minor">
+        <a:schemeClr val="lt1"/>
+      </a:fontRef>
+    </dgm:style>
+  </dgm:styleLbl>
+  <dgm:styleLbl name="fgSibTrans2D1">
+    <dgm:scene3d>
+      <a:camera prst="orthographicFront"/>
+      <a:lightRig rig="threePt" dir="t"/>
+    </dgm:scene3d>
+    <dgm:sp3d/>
+    <dgm:txPr/>
+    <dgm:style>
+      <a:lnRef idx="0">
+        <a:scrgbClr r="0" g="0" b="0"/>
+      </a:lnRef>
+      <a:fillRef idx="1">
+        <a:scrgbClr r="0" g="0" b="0"/>
+      </a:fillRef>
+      <a:effectRef idx="0">
+        <a:scrgbClr r="0" g="0" b="0"/>
+      </a:effectRef>
+      <a:fontRef idx="minor">
+        <a:schemeClr val="lt1"/>
+      </a:fontRef>
+    </dgm:style>
+  </dgm:styleLbl>
+  <dgm:styleLbl name="bgSibTrans2D1">
+    <dgm:scene3d>
+      <a:camera prst="orthographicFront"/>
+      <a:lightRig rig="threePt" dir="t"/>
+    </dgm:scene3d>
+    <dgm:sp3d/>
+    <dgm:txPr/>
+    <dgm:style>
+      <a:lnRef idx="0">
+        <a:scrgbClr r="0" g="0" b="0"/>
+      </a:lnRef>
+      <a:fillRef idx="1">
+        <a:scrgbClr r="0" g="0" b="0"/>
+      </a:fillRef>
+      <a:effectRef idx="0">
+        <a:scrgbClr r="0" g="0" b="0"/>
+      </a:effectRef>
+      <a:fontRef idx="minor">
+        <a:schemeClr val="lt1"/>
+      </a:fontRef>
+    </dgm:style>
+  </dgm:styleLbl>
+  <dgm:styleLbl name="sibTrans1D1">
+    <dgm:scene3d>
+      <a:camera prst="orthographicFront"/>
+      <a:lightRig rig="threePt" dir="t"/>
+    </dgm:scene3d>
+    <dgm:sp3d/>
+    <dgm:txPr/>
+    <dgm:style>
+      <a:lnRef idx="1">
+        <a:scrgbClr r="0" g="0" b="0"/>
+      </a:lnRef>
+      <a:fillRef idx="0">
+        <a:scrgbClr r="0" g="0" b="0"/>
+      </a:fillRef>
+      <a:effectRef idx="0">
+        <a:scrgbClr r="0" g="0" b="0"/>
+      </a:effectRef>
+      <a:fontRef idx="minor"/>
+    </dgm:style>
+  </dgm:styleLbl>
+  <dgm:styleLbl name="callout">
+    <dgm:scene3d>
+      <a:camera prst="orthographicFront"/>
+      <a:lightRig rig="threePt" dir="t"/>
+    </dgm:scene3d>
+    <dgm:sp3d/>
+    <dgm:txPr/>
+    <dgm:style>
+      <a:lnRef idx="2">
+        <a:scrgbClr r="0" g="0" b="0"/>
+      </a:lnRef>
+      <a:fillRef idx="1">
+        <a:scrgbClr r="0" g="0" b="0"/>
+      </a:fillRef>
+      <a:effectRef idx="0">
+        <a:scrgbClr r="0" g="0" b="0"/>
+      </a:effectRef>
+      <a:fontRef idx="minor"/>
+    </dgm:style>
+  </dgm:styleLbl>
+  <dgm:styleLbl name="asst0">
+    <dgm:scene3d>
+      <a:camera prst="orthographicFront"/>
+      <a:lightRig rig="threePt" dir="t"/>
+    </dgm:scene3d>
+    <dgm:sp3d/>
+    <dgm:txPr/>
+    <dgm:style>
+      <a:lnRef idx="2">
+        <a:scrgbClr r="0" g="0" b="0"/>
+      </a:lnRef>
+      <a:fillRef idx="1">
+        <a:scrgbClr r="0" g="0" b="0"/>
+      </a:fillRef>
+      <a:effectRef idx="0">
+        <a:scrgbClr r="0" g="0" b="0"/>
+      </a:effectRef>
+      <a:fontRef idx="minor">
+        <a:schemeClr val="lt1"/>
+      </a:fontRef>
+    </dgm:style>
+  </dgm:styleLbl>
+  <dgm:styleLbl name="asst1">
+    <dgm:scene3d>
+      <a:camera prst="orthographicFront"/>
+      <a:lightRig rig="threePt" dir="t"/>
+    </dgm:scene3d>
+    <dgm:sp3d/>
+    <dgm:txPr/>
+    <dgm:style>
+      <a:lnRef idx="2">
+        <a:scrgbClr r="0" g="0" b="0"/>
+      </a:lnRef>
+      <a:fillRef idx="1">
+        <a:scrgbClr r="0" g="0" b="0"/>
+      </a:fillRef>
+      <a:effectRef idx="0">
+        <a:scrgbClr r="0" g="0" b="0"/>
+      </a:effectRef>
+      <a:fontRef idx="minor">
+        <a:schemeClr val="lt1"/>
+      </a:fontRef>
+    </dgm:style>
+  </dgm:styleLbl>
+  <dgm:styleLbl name="asst2">
+    <dgm:scene3d>
+      <a:camera prst="orthographicFront"/>
+      <a:lightRig rig="threePt" dir="t"/>
+    </dgm:scene3d>
+    <dgm:sp3d/>
+    <dgm:txPr/>
+    <dgm:style>
+      <a:lnRef idx="2">
+        <a:scrgbClr r="0" g="0" b="0"/>
+      </a:lnRef>
+      <a:fillRef idx="1">
+        <a:scrgbClr r="0" g="0" b="0"/>
+      </a:fillRef>
+      <a:effectRef idx="0">
+        <a:scrgbClr r="0" g="0" b="0"/>
+      </a:effectRef>
+      <a:fontRef idx="minor">
+        <a:schemeClr val="lt1"/>
+      </a:fontRef>
+    </dgm:style>
+  </dgm:styleLbl>
+  <dgm:styleLbl name="asst3">
+    <dgm:scene3d>
+      <a:camera prst="orthographicFront"/>
+      <a:lightRig rig="threePt" dir="t"/>
+    </dgm:scene3d>
+    <dgm:sp3d/>
+    <dgm:txPr/>
+    <dgm:style>
+      <a:lnRef idx="2">
+        <a:scrgbClr r="0" g="0" b="0"/>
+      </a:lnRef>
+      <a:fillRef idx="1">
+        <a:scrgbClr r="0" g="0" b="0"/>
+      </a:fillRef>
+      <a:effectRef idx="0">
+        <a:scrgbClr r="0" g="0" b="0"/>
+      </a:effectRef>
+      <a:fontRef idx="minor">
+        <a:schemeClr val="lt1"/>
+      </a:fontRef>
+    </dgm:style>
+  </dgm:styleLbl>
+  <dgm:styleLbl name="asst4">
+    <dgm:scene3d>
+      <a:camera prst="orthographicFront"/>
+      <a:lightRig rig="threePt" dir="t"/>
+    </dgm:scene3d>
+    <dgm:sp3d/>
+    <dgm:txPr/>
+    <dgm:style>
+      <a:lnRef idx="2">
+        <a:scrgbClr r="0" g="0" b="0"/>
+      </a:lnRef>
+      <a:fillRef idx="1">
+        <a:scrgbClr r="0" g="0" b="0"/>
+      </a:fillRef>
+      <a:effectRef idx="0">
+        <a:scrgbClr r="0" g="0" b="0"/>
+      </a:effectRef>
+      <a:fontRef idx="minor">
+        <a:schemeClr val="lt1"/>
+      </a:fontRef>
+    </dgm:style>
+  </dgm:styleLbl>
+  <dgm:styleLbl name="parChTrans2D1">
+    <dgm:scene3d>
+      <a:camera prst="orthographicFront"/>
+      <a:lightRig rig="threePt" dir="t"/>
+    </dgm:scene3d>
+    <dgm:sp3d/>
+    <dgm:txPr/>
+    <dgm:style>
+      <a:lnRef idx="2">
+        <a:scrgbClr r="0" g="0" b="0"/>
+      </a:lnRef>
+      <a:fillRef idx="1">
+        <a:scrgbClr r="0" g="0" b="0"/>
+      </a:fillRef>
+      <a:effectRef idx="0">
+        <a:scrgbClr r="0" g="0" b="0"/>
+      </a:effectRef>
+      <a:fontRef idx="minor">
+        <a:schemeClr val="lt1"/>
+      </a:fontRef>
+    </dgm:style>
+  </dgm:styleLbl>
+  <dgm:styleLbl name="parChTrans2D2">
+    <dgm:scene3d>
+      <a:camera prst="orthographicFront"/>
+      <a:lightRig rig="threePt" dir="t"/>
+    </dgm:scene3d>
+    <dgm:sp3d/>
+    <dgm:txPr/>
+    <dgm:style>
+      <a:lnRef idx="2">
+        <a:scrgbClr r="0" g="0" b="0"/>
+      </a:lnRef>
+      <a:fillRef idx="1">
+        <a:scrgbClr r="0" g="0" b="0"/>
+      </a:fillRef>
+      <a:effectRef idx="0">
+        <a:scrgbClr r="0" g="0" b="0"/>
+      </a:effectRef>
+      <a:fontRef idx="minor">
+        <a:schemeClr val="lt1"/>
+      </a:fontRef>
+    </dgm:style>
+  </dgm:styleLbl>
+  <dgm:styleLbl name="parChTrans2D3">
+    <dgm:scene3d>
+      <a:camera prst="orthographicFront"/>
+      <a:lightRig rig="threePt" dir="t"/>
+    </dgm:scene3d>
+    <dgm:sp3d/>
+    <dgm:txPr/>
+    <dgm:style>
+      <a:lnRef idx="2">
+        <a:scrgbClr r="0" g="0" b="0"/>
+      </a:lnRef>
+      <a:fillRef idx="1">
+        <a:scrgbClr r="0" g="0" b="0"/>
+      </a:fillRef>
+      <a:effectRef idx="0">
+        <a:scrgbClr r="0" g="0" b="0"/>
+      </a:effectRef>
+      <a:fontRef idx="minor">
+        <a:schemeClr val="lt1"/>
+      </a:fontRef>
+    </dgm:style>
+  </dgm:styleLbl>
+  <dgm:styleLbl name="parChTrans2D4">
+    <dgm:scene3d>
+      <a:camera prst="orthographicFront"/>
+      <a:lightRig rig="threePt" dir="t"/>
+    </dgm:scene3d>
+    <dgm:sp3d/>
+    <dgm:txPr/>
+    <dgm:style>
+      <a:lnRef idx="2">
+        <a:scrgbClr r="0" g="0" b="0"/>
+      </a:lnRef>
+      <a:fillRef idx="1">
+        <a:scrgbClr r="0" g="0" b="0"/>
+      </a:fillRef>
+      <a:effectRef idx="0">
+        <a:scrgbClr r="0" g="0" b="0"/>
+      </a:effectRef>
+      <a:fontRef idx="minor">
+        <a:schemeClr val="lt1"/>
+      </a:fontRef>
+    </dgm:style>
+  </dgm:styleLbl>
+  <dgm:styleLbl name="parChTrans1D1">
+    <dgm:scene3d>
+      <a:camera prst="orthographicFront"/>
+      <a:lightRig rig="threePt" dir="t"/>
+    </dgm:scene3d>
+    <dgm:sp3d/>
+    <dgm:txPr/>
+    <dgm:style>
+      <a:lnRef idx="2">
+        <a:scrgbClr r="0" g="0" b="0"/>
+      </a:lnRef>
+      <a:fillRef idx="0">
+        <a:scrgbClr r="0" g="0" b="0"/>
+      </a:fillRef>
+      <a:effectRef idx="0">
+        <a:scrgbClr r="0" g="0" b="0"/>
+      </a:effectRef>
+      <a:fontRef idx="minor"/>
+    </dgm:style>
+  </dgm:styleLbl>
+  <dgm:styleLbl name="parChTrans1D2">
+    <dgm:scene3d>
+      <a:camera prst="orthographicFront"/>
+      <a:lightRig rig="threePt" dir="t"/>
+    </dgm:scene3d>
+    <dgm:sp3d/>
+    <dgm:txPr/>
+    <dgm:style>
+      <a:lnRef idx="2">
+        <a:scrgbClr r="0" g="0" b="0"/>
+      </a:lnRef>
+      <a:fillRef idx="0">
+        <a:scrgbClr r="0" g="0" b="0"/>
+      </a:fillRef>
+      <a:effectRef idx="0">
+        <a:scrgbClr r="0" g="0" b="0"/>
+      </a:effectRef>
+      <a:fontRef idx="minor"/>
+    </dgm:style>
+  </dgm:styleLbl>
+  <dgm:styleLbl name="parChTrans1D3">
+    <dgm:scene3d>
+      <a:camera prst="orthographicFront"/>
+      <a:lightRig rig="threePt" dir="t"/>
+    </dgm:scene3d>
+    <dgm:sp3d/>
+    <dgm:txPr/>
+    <dgm:style>
+      <a:lnRef idx="2">
+        <a:scrgbClr r="0" g="0" b="0"/>
+      </a:lnRef>
+      <a:fillRef idx="0">
+        <a:scrgbClr r="0" g="0" b="0"/>
+      </a:fillRef>
+      <a:effectRef idx="0">
+        <a:scrgbClr r="0" g="0" b="0"/>
+      </a:effectRef>
+      <a:fontRef idx="minor"/>
+    </dgm:style>
+  </dgm:styleLbl>
+  <dgm:styleLbl name="parChTrans1D4">
+    <dgm:scene3d>
+      <a:camera prst="orthographicFront"/>
+      <a:lightRig rig="threePt" dir="t"/>
+    </dgm:scene3d>
+    <dgm:sp3d/>
+    <dgm:txPr/>
+    <dgm:style>
+      <a:lnRef idx="2">
+        <a:scrgbClr r="0" g="0" b="0"/>
+      </a:lnRef>
+      <a:fillRef idx="0">
+        <a:scrgbClr r="0" g="0" b="0"/>
+      </a:fillRef>
+      <a:effectRef idx="0">
+        <a:scrgbClr r="0" g="0" b="0"/>
+      </a:effectRef>
+      <a:fontRef idx="minor"/>
+    </dgm:style>
+  </dgm:styleLbl>
+  <dgm:styleLbl name="fgAcc1">
+    <dgm:scene3d>
+      <a:camera prst="orthographicFront"/>
+      <a:lightRig rig="threePt" dir="t"/>
+    </dgm:scene3d>
+    <dgm:sp3d/>
+    <dgm:txPr/>
+    <dgm:style>
+      <a:lnRef idx="2">
+        <a:scrgbClr r="0" g="0" b="0"/>
+      </a:lnRef>
+      <a:fillRef idx="1">
+        <a:scrgbClr r="0" g="0" b="0"/>
+      </a:fillRef>
+      <a:effectRef idx="0">
+        <a:scrgbClr r="0" g="0" b="0"/>
+      </a:effectRef>
+      <a:fontRef idx="minor"/>
+    </dgm:style>
+  </dgm:styleLbl>
+  <dgm:styleLbl name="conFgAcc1">
+    <dgm:scene3d>
+      <a:camera prst="orthographicFront"/>
+      <a:lightRig rig="threePt" dir="t"/>
+    </dgm:scene3d>
+    <dgm:sp3d/>
+    <dgm:txPr/>
+    <dgm:style>
+      <a:lnRef idx="2">
+        <a:scrgbClr r="0" g="0" b="0"/>
+      </a:lnRef>
+      <a:fillRef idx="1">
+        <a:scrgbClr r="0" g="0" b="0"/>
+      </a:fillRef>
+      <a:effectRef idx="0">
+        <a:scrgbClr r="0" g="0" b="0"/>
+      </a:effectRef>
+      <a:fontRef idx="minor"/>
+    </dgm:style>
+  </dgm:styleLbl>
+  <dgm:styleLbl name="alignAcc1">
+    <dgm:scene3d>
+      <a:camera prst="orthographicFront"/>
+      <a:lightRig rig="threePt" dir="t"/>
+    </dgm:scene3d>
+    <dgm:sp3d/>
+    <dgm:txPr/>
+    <dgm:style>
+      <a:lnRef idx="2">
+        <a:scrgbClr r="0" g="0" b="0"/>
+      </a:lnRef>
+      <a:fillRef idx="1">
+        <a:scrgbClr r="0" g="0" b="0"/>
+      </a:fillRef>
+      <a:effectRef idx="0">
+        <a:scrgbClr r="0" g="0" b="0"/>
+      </a:effectRef>
+      <a:fontRef idx="minor"/>
+    </dgm:style>
+  </dgm:styleLbl>
+  <dgm:styleLbl name="trAlignAcc1">
+    <dgm:scene3d>
+      <a:camera prst="orthographicFront"/>
+      <a:lightRig rig="threePt" dir="t"/>
+    </dgm:scene3d>
+    <dgm:sp3d/>
+    <dgm:txPr/>
+    <dgm:style>
+      <a:lnRef idx="1">
+        <a:scrgbClr r="0" g="0" b="0"/>
+      </a:lnRef>
+      <a:fillRef idx="1">
+        <a:scrgbClr r="0" g="0" b="0"/>
+      </a:fillRef>
+      <a:effectRef idx="0">
+        <a:scrgbClr r="0" g="0" b="0"/>
+      </a:effectRef>
+      <a:fontRef idx="minor"/>
+    </dgm:style>
+  </dgm:styleLbl>
+  <dgm:styleLbl name="bgAcc1">
+    <dgm:scene3d>
+      <a:camera prst="orthographicFront"/>
+      <a:lightRig rig="threePt" dir="t"/>
+    </dgm:scene3d>
+    <dgm:sp3d/>
+    <dgm:txPr/>
+    <dgm:style>
+      <a:lnRef idx="2">
+        <a:scrgbClr r="0" g="0" b="0"/>
+      </a:lnRef>
+      <a:fillRef idx="1">
+        <a:scrgbClr r="0" g="0" b="0"/>
+      </a:fillRef>
+      <a:effectRef idx="0">
+        <a:scrgbClr r="0" g="0" b="0"/>
+      </a:effectRef>
+      <a:fontRef idx="minor"/>
+    </dgm:style>
+  </dgm:styleLbl>
+  <dgm:styleLbl name="solidFgAcc1">
+    <dgm:scene3d>
+      <a:camera prst="orthographicFront"/>
+      <a:lightRig rig="threePt" dir="t"/>
+    </dgm:scene3d>
+    <dgm:sp3d/>
+    <dgm:txPr/>
+    <dgm:style>
+      <a:lnRef idx="2">
+        <a:scrgbClr r="0" g="0" b="0"/>
+      </a:lnRef>
+      <a:fillRef idx="1">
+        <a:scrgbClr r="0" g="0" b="0"/>
+      </a:fillRef>
+      <a:effectRef idx="0">
+        <a:scrgbClr r="0" g="0" b="0"/>
+      </a:effectRef>
+      <a:fontRef idx="minor"/>
+    </dgm:style>
+  </dgm:styleLbl>
+  <dgm:styleLbl name="solidAlignAcc1">
+    <dgm:scene3d>
+      <a:camera prst="orthographicFront"/>
+      <a:lightRig rig="threePt" dir="t"/>
+    </dgm:scene3d>
+    <dgm:sp3d/>
+    <dgm:txPr/>
+    <dgm:style>
+      <a:lnRef idx="2">
+        <a:scrgbClr r="0" g="0" b="0"/>
+      </a:lnRef>
+      <a:fillRef idx="1">
+        <a:scrgbClr r="0" g="0" b="0"/>
+      </a:fillRef>
+      <a:effectRef idx="0">
+        <a:scrgbClr r="0" g="0" b="0"/>
+      </a:effectRef>
+      <a:fontRef idx="minor"/>
+    </dgm:style>
+  </dgm:styleLbl>
+  <dgm:styleLbl name="solidBgAcc1">
+    <dgm:scene3d>
+      <a:camera prst="orthographicFront"/>
+      <a:lightRig rig="threePt" dir="t"/>
+    </dgm:scene3d>
+    <dgm:sp3d/>
+    <dgm:txPr/>
+    <dgm:style>
+      <a:lnRef idx="2">
+        <a:scrgbClr r="0" g="0" b="0"/>
+      </a:lnRef>
+      <a:fillRef idx="1">
+        <a:scrgbClr r="0" g="0" b="0"/>
+      </a:fillRef>
+      <a:effectRef idx="0">
+        <a:scrgbClr r="0" g="0" b="0"/>
+      </a:effectRef>
+      <a:fontRef idx="minor"/>
+    </dgm:style>
+  </dgm:styleLbl>
+  <dgm:styleLbl name="fgAccFollowNode1">
+    <dgm:scene3d>
+      <a:camera prst="orthographicFront"/>
+      <a:lightRig rig="threePt" dir="t"/>
+    </dgm:scene3d>
+    <dgm:sp3d/>
+    <dgm:txPr/>
+    <dgm:style>
+      <a:lnRef idx="2">
+        <a:scrgbClr r="0" g="0" b="0"/>
+      </a:lnRef>
+      <a:fillRef idx="1">
+        <a:scrgbClr r="0" g="0" b="0"/>
+      </a:fillRef>
+      <a:effectRef idx="0">
+        <a:scrgbClr r="0" g="0" b="0"/>
+      </a:effectRef>
+      <a:fontRef idx="minor"/>
+    </dgm:style>
+  </dgm:styleLbl>
+  <dgm:styleLbl name="alignAccFollowNode1">
+    <dgm:scene3d>
+      <a:camera prst="orthographicFront"/>
+      <a:lightRig rig="threePt" dir="t"/>
+    </dgm:scene3d>
+    <dgm:sp3d/>
+    <dgm:txPr/>
+    <dgm:style>
+      <a:lnRef idx="2">
+        <a:scrgbClr r="0" g="0" b="0"/>
+      </a:lnRef>
+      <a:fillRef idx="1">
+        <a:scrgbClr r="0" g="0" b="0"/>
+      </a:fillRef>
+      <a:effectRef idx="0">
+        <a:scrgbClr r="0" g="0" b="0"/>
+      </a:effectRef>
+      <a:fontRef idx="minor"/>
+    </dgm:style>
+  </dgm:styleLbl>
+  <dgm:styleLbl name="bgAccFollowNode1">
+    <dgm:scene3d>
+      <a:camera prst="orthographicFront"/>
+      <a:lightRig rig="threePt" dir="t"/>
+    </dgm:scene3d>
+    <dgm:sp3d/>
+    <dgm:txPr/>
+    <dgm:style>
+      <a:lnRef idx="2">
+        <a:scrgbClr r="0" g="0" b="0"/>
+      </a:lnRef>
+      <a:fillRef idx="1">
+        <a:scrgbClr r="0" g="0" b="0"/>
+      </a:fillRef>
+      <a:effectRef idx="0">
+        <a:scrgbClr r="0" g="0" b="0"/>
+      </a:effectRef>
+      <a:fontRef idx="minor"/>
+    </dgm:style>
+  </dgm:styleLbl>
+  <dgm:styleLbl name="fgAcc0">
+    <dgm:scene3d>
+      <a:camera prst="orthographicFront"/>
+      <a:lightRig rig="threePt" dir="t"/>
+    </dgm:scene3d>
+    <dgm:sp3d/>
+    <dgm:txPr/>
+    <dgm:style>
+      <a:lnRef idx="2">
+        <a:scrgbClr r="0" g="0" b="0"/>
+      </a:lnRef>
+      <a:fillRef idx="1">
+        <a:scrgbClr r="0" g="0" b="0"/>
+      </a:fillRef>
+      <a:effectRef idx="0">
+        <a:scrgbClr r="0" g="0" b="0"/>
+      </a:effectRef>
+      <a:fontRef idx="minor"/>
+    </dgm:style>
+  </dgm:styleLbl>
+  <dgm:styleLbl name="fgAcc2">
+    <dgm:scene3d>
+      <a:camera prst="orthographicFront"/>
+      <a:lightRig rig="threePt" dir="t"/>
+    </dgm:scene3d>
+    <dgm:sp3d/>
+    <dgm:txPr/>
+    <dgm:style>
+      <a:lnRef idx="2">
+        <a:scrgbClr r="0" g="0" b="0"/>
+      </a:lnRef>
+      <a:fillRef idx="1">
+        <a:scrgbClr r="0" g="0" b="0"/>
+      </a:fillRef>
+      <a:effectRef idx="0">
+        <a:scrgbClr r="0" g="0" b="0"/>
+      </a:effectRef>
+      <a:fontRef idx="minor"/>
+    </dgm:style>
+  </dgm:styleLbl>
+  <dgm:styleLbl name="fgAcc3">
+    <dgm:scene3d>
+      <a:camera prst="orthographicFront"/>
+      <a:lightRig rig="threePt" dir="t"/>
+    </dgm:scene3d>
+    <dgm:sp3d/>
+    <dgm:txPr/>
+    <dgm:style>
+      <a:lnRef idx="2">
+        <a:scrgbClr r="0" g="0" b="0"/>
+      </a:lnRef>
+      <a:fillRef idx="1">
+        <a:scrgbClr r="0" g="0" b="0"/>
+      </a:fillRef>
+      <a:effectRef idx="0">
+        <a:scrgbClr r="0" g="0" b="0"/>
+      </a:effectRef>
+      <a:fontRef idx="minor"/>
+    </dgm:style>
+  </dgm:styleLbl>
+  <dgm:styleLbl name="fgAcc4">
+    <dgm:scene3d>
+      <a:camera prst="orthographicFront"/>
+      <a:lightRig rig="threePt" dir="t"/>
+    </dgm:scene3d>
+    <dgm:sp3d/>
+    <dgm:txPr/>
+    <dgm:style>
+      <a:lnRef idx="2">
+        <a:scrgbClr r="0" g="0" b="0"/>
+      </a:lnRef>
+      <a:fillRef idx="1">
+        <a:scrgbClr r="0" g="0" b="0"/>
+      </a:fillRef>
+      <a:effectRef idx="0">
+        <a:scrgbClr r="0" g="0" b="0"/>
+      </a:effectRef>
+      <a:fontRef idx="minor"/>
+    </dgm:style>
+  </dgm:styleLbl>
+  <dgm:styleLbl name="bgShp">
+    <dgm:scene3d>
+      <a:camera prst="orthographicFront"/>
+      <a:lightRig rig="threePt" dir="t"/>
+    </dgm:scene3d>
+    <dgm:sp3d/>
+    <dgm:txPr/>
+    <dgm:style>
+      <a:lnRef idx="0">
+        <a:scrgbClr r="0" g="0" b="0"/>
+      </a:lnRef>
+      <a:fillRef idx="1">
+        <a:scrgbClr r="0" g="0" b="0"/>
+      </a:fillRef>
+      <a:effectRef idx="0">
+        <a:scrgbClr r="0" g="0" b="0"/>
+      </a:effectRef>
+      <a:fontRef idx="minor"/>
+    </dgm:style>
+  </dgm:styleLbl>
+  <dgm:styleLbl name="dkBgShp">
+    <dgm:scene3d>
+      <a:camera prst="orthographicFront"/>
+      <a:lightRig rig="threePt" dir="t"/>
+    </dgm:scene3d>
+    <dgm:sp3d/>
+    <dgm:txPr/>
+    <dgm:style>
+      <a:lnRef idx="0">
+        <a:scrgbClr r="0" g="0" b="0"/>
+      </a:lnRef>
+      <a:fillRef idx="1">
+        <a:scrgbClr r="0" g="0" b="0"/>
+      </a:fillRef>
+      <a:effectRef idx="0">
+        <a:scrgbClr r="0" g="0" b="0"/>
+      </a:effectRef>
+      <a:fontRef idx="minor"/>
+    </dgm:style>
+  </dgm:styleLbl>
+  <dgm:styleLbl name="trBgShp">
+    <dgm:scene3d>
+      <a:camera prst="orthographicFront"/>
+      <a:lightRig rig="threePt" dir="t"/>
+    </dgm:scene3d>
+    <dgm:sp3d/>
+    <dgm:txPr/>
+    <dgm:style>
+      <a:lnRef idx="0">
+        <a:scrgbClr r="0" g="0" b="0"/>
+      </a:lnRef>
+      <a:fillRef idx="1">
+        <a:scrgbClr r="0" g="0" b="0"/>
+      </a:fillRef>
+      <a:effectRef idx="0">
+        <a:scrgbClr r="0" g="0" b="0"/>
+      </a:effectRef>
+      <a:fontRef idx="minor"/>
+    </dgm:style>
+  </dgm:styleLbl>
+  <dgm:styleLbl name="fgShp">
+    <dgm:scene3d>
+      <a:camera prst="orthographicFront"/>
+      <a:lightRig rig="threePt" dir="t"/>
+    </dgm:scene3d>
+    <dgm:sp3d/>
+    <dgm:txPr/>
+    <dgm:style>
+      <a:lnRef idx="2">
+        <a:scrgbClr r="0" g="0" b="0"/>
+      </a:lnRef>
+      <a:fillRef idx="1">
+        <a:scrgbClr r="0" g="0" b="0"/>
+      </a:fillRef>
+      <a:effectRef idx="0">
+        <a:scrgbClr r="0" g="0" b="0"/>
+      </a:effectRef>
+      <a:fontRef idx="minor"/>
+    </dgm:style>
+  </dgm:styleLbl>
+  <dgm:styleLbl name="revTx">
+    <dgm:scene3d>
+      <a:camera prst="orthographicFront"/>
+      <a:lightRig rig="threePt" dir="t"/>
+    </dgm:scene3d>
+    <dgm:sp3d/>
+    <dgm:txPr/>
+    <dgm:style>
+      <a:lnRef idx="0">
+        <a:scrgbClr r="0" g="0" b="0"/>
+      </a:lnRef>
+      <a:fillRef idx="0">
+        <a:scrgbClr r="0" g="0" b="0"/>
+      </a:fillRef>
+      <a:effectRef idx="0">
+        <a:scrgbClr r="0" g="0" b="0"/>
+      </a:effectRef>
+      <a:fontRef idx="minor"/>
+    </dgm:style>
+  </dgm:styleLbl>
+</dgm:styleDef>
+</file>
+
+<file path=ppt/diagrams/quickStyle4.xml><?xml version="1.0" encoding="utf-8"?>
 <dgm:styleDef xmlns:dgm="http://schemas.openxmlformats.org/drawingml/2006/diagram" xmlns:a="http://schemas.openxmlformats.org/drawingml/2006/main" uniqueId="urn:microsoft.com/office/officeart/2005/8/quickstyle/simple1">
   <dgm:title val=""/>
   <dgm:desc val=""/>
@@ -13265,7 +18054,7 @@
             </a:lvl1pPr>
           </a:lstStyle>
           <a:p>
-            <a:endParaRPr lang="en-US"/>
+            <a:endParaRPr lang="en-US" dirty="0"/>
           </a:p>
         </p:txBody>
       </p:sp>
@@ -13298,9 +18087,9 @@
           <a:p>
             <a:fld id="{0D87D33D-AD8C-43FC-8310-7175FC0AC6E7}" type="datetimeFigureOut">
               <a:rPr lang="en-US" smtClean="0"/>
-              <a:t>10/15/2021</a:t>
+              <a:t>10/17/2021</a:t>
             </a:fld>
-            <a:endParaRPr lang="en-US"/>
+            <a:endParaRPr lang="en-US" dirty="0"/>
           </a:p>
         </p:txBody>
       </p:sp>
@@ -13333,7 +18122,7 @@
           <a:bodyPr vert="horz" lIns="91440" tIns="45720" rIns="91440" bIns="45720" rtlCol="0" anchor="ctr"/>
           <a:lstStyle/>
           <a:p>
-            <a:endParaRPr lang="en-US"/>
+            <a:endParaRPr lang="en-US" dirty="0"/>
           </a:p>
         </p:txBody>
       </p:sp>
@@ -13423,7 +18212,7 @@
             </a:lvl1pPr>
           </a:lstStyle>
           <a:p>
-            <a:endParaRPr lang="en-US"/>
+            <a:endParaRPr lang="en-US" dirty="0"/>
           </a:p>
         </p:txBody>
       </p:sp>
@@ -13458,7 +18247,7 @@
               <a:rPr lang="en-US" smtClean="0"/>
               <a:t>‹#›</a:t>
             </a:fld>
-            <a:endParaRPr lang="en-US"/>
+            <a:endParaRPr lang="en-US" dirty="0"/>
           </a:p>
         </p:txBody>
       </p:sp>
@@ -13632,7 +18421,7 @@
               <a:rPr lang="en-US" smtClean="0"/>
               <a:t>9</a:t>
             </a:fld>
-            <a:endParaRPr lang="en-US"/>
+            <a:endParaRPr lang="en-US" dirty="0"/>
           </a:p>
         </p:txBody>
       </p:sp>
@@ -13716,7 +18505,7 @@
               <a:rPr lang="en-US" smtClean="0"/>
               <a:t>10</a:t>
             </a:fld>
-            <a:endParaRPr lang="en-US"/>
+            <a:endParaRPr lang="en-US" dirty="0"/>
           </a:p>
         </p:txBody>
       </p:sp>
@@ -13800,7 +18589,7 @@
               <a:rPr lang="en-US" smtClean="0"/>
               <a:t>11</a:t>
             </a:fld>
-            <a:endParaRPr lang="en-US"/>
+            <a:endParaRPr lang="en-US" dirty="0"/>
           </a:p>
         </p:txBody>
       </p:sp>
@@ -13884,7 +18673,7 @@
               <a:rPr lang="en-US" smtClean="0"/>
               <a:t>12</a:t>
             </a:fld>
-            <a:endParaRPr lang="en-US"/>
+            <a:endParaRPr lang="en-US" dirty="0"/>
           </a:p>
         </p:txBody>
       </p:sp>
@@ -14127,9 +18916,9 @@
           <a:p>
             <a:fld id="{3CADBD16-5BFB-4D9F-9646-C75D1B53BBB6}" type="datetimeFigureOut">
               <a:rPr lang="en-US" smtClean="0"/>
-              <a:t>10/15/2021</a:t>
+              <a:t>10/17/2021</a:t>
             </a:fld>
-            <a:endParaRPr lang="en-US"/>
+            <a:endParaRPr lang="en-US" dirty="0"/>
           </a:p>
         </p:txBody>
       </p:sp>
@@ -14148,7 +18937,7 @@
           <a:bodyPr/>
           <a:lstStyle/>
           <a:p>
-            <a:endParaRPr lang="en-US"/>
+            <a:endParaRPr lang="en-US" dirty="0"/>
           </a:p>
         </p:txBody>
       </p:sp>
@@ -14171,7 +18960,7 @@
               <a:rPr lang="en-US" smtClean="0"/>
               <a:t>‹#›</a:t>
             </a:fld>
-            <a:endParaRPr lang="en-US"/>
+            <a:endParaRPr lang="en-US" dirty="0"/>
           </a:p>
         </p:txBody>
       </p:sp>
@@ -14335,9 +19124,9 @@
           <a:p>
             <a:fld id="{3CADBD16-5BFB-4D9F-9646-C75D1B53BBB6}" type="datetimeFigureOut">
               <a:rPr lang="en-US" smtClean="0"/>
-              <a:t>10/15/2021</a:t>
+              <a:t>10/17/2021</a:t>
             </a:fld>
-            <a:endParaRPr lang="en-US"/>
+            <a:endParaRPr lang="en-US" dirty="0"/>
           </a:p>
         </p:txBody>
       </p:sp>
@@ -14356,7 +19145,7 @@
           <a:bodyPr/>
           <a:lstStyle/>
           <a:p>
-            <a:endParaRPr lang="en-US"/>
+            <a:endParaRPr lang="en-US" dirty="0"/>
           </a:p>
         </p:txBody>
       </p:sp>
@@ -14379,7 +19168,7 @@
               <a:rPr lang="en-US" smtClean="0"/>
               <a:t>‹#›</a:t>
             </a:fld>
-            <a:endParaRPr lang="en-US"/>
+            <a:endParaRPr lang="en-US" dirty="0"/>
           </a:p>
         </p:txBody>
       </p:sp>
@@ -14591,9 +19380,9 @@
           <a:p>
             <a:fld id="{3CADBD16-5BFB-4D9F-9646-C75D1B53BBB6}" type="datetimeFigureOut">
               <a:rPr lang="en-US" smtClean="0"/>
-              <a:t>10/15/2021</a:t>
+              <a:t>10/17/2021</a:t>
             </a:fld>
-            <a:endParaRPr lang="en-US"/>
+            <a:endParaRPr lang="en-US" dirty="0"/>
           </a:p>
         </p:txBody>
       </p:sp>
@@ -14612,7 +19401,7 @@
           <a:bodyPr/>
           <a:lstStyle/>
           <a:p>
-            <a:endParaRPr lang="en-US"/>
+            <a:endParaRPr lang="en-US" dirty="0"/>
           </a:p>
         </p:txBody>
       </p:sp>
@@ -14635,7 +19424,7 @@
               <a:rPr lang="en-US" smtClean="0"/>
               <a:t>‹#›</a:t>
             </a:fld>
-            <a:endParaRPr lang="en-US"/>
+            <a:endParaRPr lang="en-US" dirty="0"/>
           </a:p>
         </p:txBody>
       </p:sp>
@@ -14765,9 +19554,9 @@
           <a:p>
             <a:fld id="{3CADBD16-5BFB-4D9F-9646-C75D1B53BBB6}" type="datetimeFigureOut">
               <a:rPr lang="en-US" smtClean="0"/>
-              <a:t>10/15/2021</a:t>
+              <a:t>10/17/2021</a:t>
             </a:fld>
-            <a:endParaRPr lang="en-US"/>
+            <a:endParaRPr lang="en-US" dirty="0"/>
           </a:p>
         </p:txBody>
       </p:sp>
@@ -14786,7 +19575,7 @@
           <a:bodyPr/>
           <a:lstStyle/>
           <a:p>
-            <a:endParaRPr lang="en-US"/>
+            <a:endParaRPr lang="en-US" dirty="0"/>
           </a:p>
         </p:txBody>
       </p:sp>
@@ -14809,7 +19598,7 @@
               <a:rPr lang="en-US" smtClean="0"/>
               <a:t>‹#›</a:t>
             </a:fld>
-            <a:endParaRPr lang="en-US"/>
+            <a:endParaRPr lang="en-US" dirty="0"/>
           </a:p>
         </p:txBody>
       </p:sp>
@@ -15108,9 +19897,9 @@
           <a:p>
             <a:fld id="{3CADBD16-5BFB-4D9F-9646-C75D1B53BBB6}" type="datetimeFigureOut">
               <a:rPr lang="en-US" smtClean="0"/>
-              <a:t>10/15/2021</a:t>
+              <a:t>10/17/2021</a:t>
             </a:fld>
-            <a:endParaRPr lang="en-US"/>
+            <a:endParaRPr lang="en-US" dirty="0"/>
           </a:p>
         </p:txBody>
       </p:sp>
@@ -15129,7 +19918,7 @@
           <a:bodyPr/>
           <a:lstStyle/>
           <a:p>
-            <a:endParaRPr lang="en-US"/>
+            <a:endParaRPr lang="en-US" dirty="0"/>
           </a:p>
         </p:txBody>
       </p:sp>
@@ -15152,7 +19941,7 @@
               <a:rPr lang="en-US" smtClean="0"/>
               <a:t>‹#›</a:t>
             </a:fld>
-            <a:endParaRPr lang="en-US"/>
+            <a:endParaRPr lang="en-US" dirty="0"/>
           </a:p>
         </p:txBody>
       </p:sp>
@@ -15383,9 +20172,9 @@
           <a:p>
             <a:fld id="{3CADBD16-5BFB-4D9F-9646-C75D1B53BBB6}" type="datetimeFigureOut">
               <a:rPr lang="en-US" smtClean="0"/>
-              <a:t>10/15/2021</a:t>
+              <a:t>10/17/2021</a:t>
             </a:fld>
-            <a:endParaRPr lang="en-US"/>
+            <a:endParaRPr lang="en-US" dirty="0"/>
           </a:p>
         </p:txBody>
       </p:sp>
@@ -15404,7 +20193,7 @@
           <a:bodyPr/>
           <a:lstStyle/>
           <a:p>
-            <a:endParaRPr lang="en-US"/>
+            <a:endParaRPr lang="en-US" dirty="0"/>
           </a:p>
         </p:txBody>
       </p:sp>
@@ -15427,7 +20216,7 @@
               <a:rPr lang="en-US" smtClean="0"/>
               <a:t>‹#›</a:t>
             </a:fld>
-            <a:endParaRPr lang="en-US"/>
+            <a:endParaRPr lang="en-US" dirty="0"/>
           </a:p>
         </p:txBody>
       </p:sp>
@@ -15762,9 +20551,9 @@
           <a:p>
             <a:fld id="{3CADBD16-5BFB-4D9F-9646-C75D1B53BBB6}" type="datetimeFigureOut">
               <a:rPr lang="en-US" smtClean="0"/>
-              <a:t>10/15/2021</a:t>
+              <a:t>10/17/2021</a:t>
             </a:fld>
-            <a:endParaRPr lang="en-US"/>
+            <a:endParaRPr lang="en-US" dirty="0"/>
           </a:p>
         </p:txBody>
       </p:sp>
@@ -15783,7 +20572,7 @@
           <a:bodyPr/>
           <a:lstStyle/>
           <a:p>
-            <a:endParaRPr lang="en-US"/>
+            <a:endParaRPr lang="en-US" dirty="0"/>
           </a:p>
         </p:txBody>
       </p:sp>
@@ -15806,7 +20595,7 @@
               <a:rPr lang="en-US" smtClean="0"/>
               <a:t>‹#›</a:t>
             </a:fld>
-            <a:endParaRPr lang="en-US"/>
+            <a:endParaRPr lang="en-US" dirty="0"/>
           </a:p>
         </p:txBody>
       </p:sp>
@@ -15880,9 +20669,9 @@
           <a:p>
             <a:fld id="{3CADBD16-5BFB-4D9F-9646-C75D1B53BBB6}" type="datetimeFigureOut">
               <a:rPr lang="en-US" smtClean="0"/>
-              <a:t>10/15/2021</a:t>
+              <a:t>10/17/2021</a:t>
             </a:fld>
-            <a:endParaRPr lang="en-US"/>
+            <a:endParaRPr lang="en-US" dirty="0"/>
           </a:p>
         </p:txBody>
       </p:sp>
@@ -15901,7 +20690,7 @@
           <a:bodyPr/>
           <a:lstStyle/>
           <a:p>
-            <a:endParaRPr lang="en-US"/>
+            <a:endParaRPr lang="en-US" dirty="0"/>
           </a:p>
         </p:txBody>
       </p:sp>
@@ -15924,7 +20713,7 @@
               <a:rPr lang="en-US" smtClean="0"/>
               <a:t>‹#›</a:t>
             </a:fld>
-            <a:endParaRPr lang="en-US"/>
+            <a:endParaRPr lang="en-US" dirty="0"/>
           </a:p>
         </p:txBody>
       </p:sp>
@@ -16051,9 +20840,9 @@
           <a:p>
             <a:fld id="{3CADBD16-5BFB-4D9F-9646-C75D1B53BBB6}" type="datetimeFigureOut">
               <a:rPr lang="en-US" smtClean="0"/>
-              <a:t>10/15/2021</a:t>
+              <a:t>10/17/2021</a:t>
             </a:fld>
-            <a:endParaRPr lang="en-US"/>
+            <a:endParaRPr lang="en-US" dirty="0"/>
           </a:p>
         </p:txBody>
       </p:sp>
@@ -16080,7 +20869,7 @@
             </a:lvl1pPr>
           </a:lstStyle>
           <a:p>
-            <a:endParaRPr lang="en-US"/>
+            <a:endParaRPr lang="en-US" dirty="0"/>
           </a:p>
         </p:txBody>
       </p:sp>
@@ -16103,7 +20892,7 @@
               <a:rPr lang="en-US" smtClean="0"/>
               <a:t>‹#›</a:t>
             </a:fld>
-            <a:endParaRPr lang="en-US"/>
+            <a:endParaRPr lang="en-US" dirty="0"/>
           </a:p>
         </p:txBody>
       </p:sp>
@@ -16405,9 +21194,9 @@
           <a:p>
             <a:fld id="{3CADBD16-5BFB-4D9F-9646-C75D1B53BBB6}" type="datetimeFigureOut">
               <a:rPr lang="en-US" smtClean="0"/>
-              <a:t>10/15/2021</a:t>
+              <a:t>10/17/2021</a:t>
             </a:fld>
-            <a:endParaRPr lang="en-US"/>
+            <a:endParaRPr lang="en-US" dirty="0"/>
           </a:p>
         </p:txBody>
       </p:sp>
@@ -16439,7 +21228,7 @@
             </a:lvl1pPr>
           </a:lstStyle>
           <a:p>
-            <a:endParaRPr lang="en-US"/>
+            <a:endParaRPr lang="en-US" dirty="0"/>
           </a:p>
         </p:txBody>
       </p:sp>
@@ -16470,7 +21259,7 @@
               <a:rPr lang="en-US" smtClean="0"/>
               <a:t>‹#›</a:t>
             </a:fld>
-            <a:endParaRPr lang="en-US"/>
+            <a:endParaRPr lang="en-US" dirty="0"/>
           </a:p>
         </p:txBody>
       </p:sp>
@@ -16686,10 +21475,9 @@
           </a:lstStyle>
           <a:p>
             <a:r>
-              <a:rPr lang="en-US"/>
+              <a:rPr lang="en-US" dirty="0"/>
               <a:t>Click icon to add picture</a:t>
             </a:r>
-            <a:endParaRPr lang="en-US" dirty="0"/>
           </a:p>
         </p:txBody>
       </p:sp>
@@ -16787,9 +21575,9 @@
           <a:p>
             <a:fld id="{3CADBD16-5BFB-4D9F-9646-C75D1B53BBB6}" type="datetimeFigureOut">
               <a:rPr lang="en-US" smtClean="0"/>
-              <a:t>10/15/2021</a:t>
+              <a:t>10/17/2021</a:t>
             </a:fld>
-            <a:endParaRPr lang="en-US"/>
+            <a:endParaRPr lang="en-US" dirty="0"/>
           </a:p>
         </p:txBody>
       </p:sp>
@@ -16808,7 +21596,7 @@
           <a:bodyPr/>
           <a:lstStyle/>
           <a:p>
-            <a:endParaRPr lang="en-US"/>
+            <a:endParaRPr lang="en-US" dirty="0"/>
           </a:p>
         </p:txBody>
       </p:sp>
@@ -16831,7 +21619,7 @@
               <a:rPr lang="en-US" smtClean="0"/>
               <a:t>‹#›</a:t>
             </a:fld>
-            <a:endParaRPr lang="en-US"/>
+            <a:endParaRPr lang="en-US" dirty="0"/>
           </a:p>
         </p:txBody>
       </p:sp>
@@ -17075,7 +21863,7 @@
             <a:fld id="{3CADBD16-5BFB-4D9F-9646-C75D1B53BBB6}" type="datetimeFigureOut">
               <a:rPr lang="en-US" smtClean="0"/>
               <a:pPr/>
-              <a:t>10/15/2021</a:t>
+              <a:t>10/17/2021</a:t>
             </a:fld>
             <a:endParaRPr lang="en-US" dirty="0"/>
           </a:p>
@@ -17705,7 +22493,7 @@
           <a:lstStyle/>
           <a:p>
             <a:r>
-              <a:rPr lang="en-US">
+              <a:rPr lang="en-US" dirty="0">
                 <a:solidFill>
                   <a:schemeClr val="tx1">
                     <a:lumMod val="85000"/>
@@ -17715,14 +22503,6 @@
               </a:rPr>
               <a:t>Jack Copeland</a:t>
             </a:r>
-            <a:endParaRPr lang="en-US" dirty="0">
-              <a:solidFill>
-                <a:schemeClr val="tx1">
-                  <a:lumMod val="85000"/>
-                  <a:lumOff val="15000"/>
-                </a:schemeClr>
-              </a:solidFill>
-            </a:endParaRPr>
           </a:p>
         </p:txBody>
       </p:sp>
@@ -17758,6 +22538,66 @@
       </p:grpSpPr>
       <p:sp>
         <p:nvSpPr>
+          <p:cNvPr id="6" name="Rectangle 5">
+            <a:extLst>
+              <a:ext uri="{FF2B5EF4-FFF2-40B4-BE49-F238E27FC236}">
+                <a16:creationId xmlns:a16="http://schemas.microsoft.com/office/drawing/2014/main" id="{1B4CB9CF-48ED-475C-8C63-D61FE6261C9F}"/>
+              </a:ext>
+            </a:extLst>
+          </p:cNvPr>
+          <p:cNvSpPr/>
+          <p:nvPr/>
+        </p:nvSpPr>
+        <p:spPr>
+          <a:xfrm>
+            <a:off x="971550" y="1543050"/>
+            <a:ext cx="10401300" cy="257175"/>
+          </a:xfrm>
+          <a:prstGeom prst="rect">
+            <a:avLst/>
+          </a:prstGeom>
+          <a:solidFill>
+            <a:schemeClr val="bg1"/>
+          </a:solidFill>
+          <a:ln>
+            <a:solidFill>
+              <a:schemeClr val="bg1"/>
+            </a:solidFill>
+          </a:ln>
+        </p:spPr>
+        <p:style>
+          <a:lnRef idx="2">
+            <a:schemeClr val="accent1">
+              <a:shade val="50000"/>
+            </a:schemeClr>
+          </a:lnRef>
+          <a:fillRef idx="1">
+            <a:schemeClr val="accent1"/>
+          </a:fillRef>
+          <a:effectRef idx="0">
+            <a:schemeClr val="accent1"/>
+          </a:effectRef>
+          <a:fontRef idx="minor">
+            <a:schemeClr val="lt1"/>
+          </a:fontRef>
+        </p:style>
+        <p:txBody>
+          <a:bodyPr rtlCol="0" anchor="ctr"/>
+          <a:lstStyle/>
+          <a:p>
+            <a:pPr algn="ctr"/>
+            <a:endParaRPr lang="en-US" dirty="0">
+              <a:ln>
+                <a:solidFill>
+                  <a:schemeClr val="bg1"/>
+                </a:solidFill>
+              </a:ln>
+            </a:endParaRPr>
+          </a:p>
+        </p:txBody>
+      </p:sp>
+      <p:sp>
+        <p:nvSpPr>
           <p:cNvPr id="2" name="Title 1">
             <a:extLst>
               <a:ext uri="{FF2B5EF4-FFF2-40B4-BE49-F238E27FC236}">
@@ -17772,9 +22612,16 @@
             <p:ph type="title"/>
           </p:nvPr>
         </p:nvSpPr>
-        <p:spPr/>
+        <p:spPr>
+          <a:xfrm>
+            <a:off x="1097280" y="286604"/>
+            <a:ext cx="10058400" cy="622605"/>
+          </a:xfrm>
+        </p:spPr>
         <p:txBody>
-          <a:bodyPr/>
+          <a:bodyPr>
+            <a:normAutofit fontScale="90000"/>
+          </a:bodyPr>
           <a:lstStyle/>
           <a:p>
             <a:r>
@@ -17811,8 +22658,8 @@
         </p:blipFill>
         <p:spPr>
           <a:xfrm>
-            <a:off x="1163956" y="1844332"/>
-            <a:ext cx="8065768" cy="4324472"/>
+            <a:off x="175651" y="1314451"/>
+            <a:ext cx="9054073" cy="4854353"/>
           </a:xfrm>
           <a:prstGeom prst="rect">
             <a:avLst/>
@@ -17838,8 +22685,8 @@
         </p:nvSpPr>
         <p:spPr>
           <a:xfrm>
-            <a:off x="9401175" y="1844332"/>
-            <a:ext cx="2667000" cy="4324473"/>
+            <a:off x="9401175" y="1314452"/>
+            <a:ext cx="2667000" cy="4854354"/>
           </a:xfrm>
           <a:prstGeom prst="rect">
             <a:avLst/>
@@ -17896,7 +22743,17 @@
                   <a:schemeClr val="tx1"/>
                 </a:solidFill>
               </a:rPr>
-              <a:t>Rents dropped significantly in Brooklyn and Manhattan </a:t>
+              <a:t>Rents dropped significantly in Brooklyn and Manhattan</a:t>
+            </a:r>
+          </a:p>
+          <a:p>
+            <a:r>
+              <a:rPr lang="en-US" sz="1600" dirty="0">
+                <a:solidFill>
+                  <a:schemeClr val="tx1"/>
+                </a:solidFill>
+              </a:rPr>
+              <a:t> </a:t>
             </a:r>
           </a:p>
           <a:p>
@@ -17912,6 +22769,13 @@
               </a:rPr>
               <a:t>The other three boroughs only saw a slight decrease in rent </a:t>
             </a:r>
+          </a:p>
+          <a:p>
+            <a:endParaRPr lang="en-US" sz="1600" dirty="0">
+              <a:solidFill>
+                <a:schemeClr val="tx1"/>
+              </a:solidFill>
+            </a:endParaRPr>
           </a:p>
           <a:p>
             <a:pPr marL="285750" indent="-285750">
@@ -17947,6 +22811,42 @@
           </a:p>
         </p:txBody>
       </p:sp>
+      <p:cxnSp>
+        <p:nvCxnSpPr>
+          <p:cNvPr id="7" name="Straight Connector 6">
+            <a:extLst>
+              <a:ext uri="{FF2B5EF4-FFF2-40B4-BE49-F238E27FC236}">
+                <a16:creationId xmlns:a16="http://schemas.microsoft.com/office/drawing/2014/main" id="{2B1AE652-0933-4B2D-AF22-47C70C89F94B}"/>
+              </a:ext>
+            </a:extLst>
+          </p:cNvPr>
+          <p:cNvCxnSpPr/>
+          <p:nvPr/>
+        </p:nvCxnSpPr>
+        <p:spPr>
+          <a:xfrm>
+            <a:off x="971550" y="909211"/>
+            <a:ext cx="10477500" cy="0"/>
+          </a:xfrm>
+          <a:prstGeom prst="line">
+            <a:avLst/>
+          </a:prstGeom>
+        </p:spPr>
+        <p:style>
+          <a:lnRef idx="1">
+            <a:schemeClr val="accent1"/>
+          </a:lnRef>
+          <a:fillRef idx="0">
+            <a:schemeClr val="accent1"/>
+          </a:fillRef>
+          <a:effectRef idx="0">
+            <a:schemeClr val="accent1"/>
+          </a:effectRef>
+          <a:fontRef idx="minor">
+            <a:schemeClr val="tx1"/>
+          </a:fontRef>
+        </p:style>
+      </p:cxnSp>
     </p:spTree>
     <p:extLst>
       <p:ext uri="{BB962C8B-B14F-4D97-AF65-F5344CB8AC3E}">
@@ -17979,6 +22879,66 @@
       </p:grpSpPr>
       <p:sp>
         <p:nvSpPr>
+          <p:cNvPr id="8" name="Rectangle 7">
+            <a:extLst>
+              <a:ext uri="{FF2B5EF4-FFF2-40B4-BE49-F238E27FC236}">
+                <a16:creationId xmlns:a16="http://schemas.microsoft.com/office/drawing/2014/main" id="{9C2E0969-F957-4EAB-9ECC-F502DD63A00C}"/>
+              </a:ext>
+            </a:extLst>
+          </p:cNvPr>
+          <p:cNvSpPr/>
+          <p:nvPr/>
+        </p:nvSpPr>
+        <p:spPr>
+          <a:xfrm>
+            <a:off x="971550" y="1543050"/>
+            <a:ext cx="10401300" cy="257175"/>
+          </a:xfrm>
+          <a:prstGeom prst="rect">
+            <a:avLst/>
+          </a:prstGeom>
+          <a:solidFill>
+            <a:schemeClr val="bg1"/>
+          </a:solidFill>
+          <a:ln>
+            <a:solidFill>
+              <a:schemeClr val="bg1"/>
+            </a:solidFill>
+          </a:ln>
+        </p:spPr>
+        <p:style>
+          <a:lnRef idx="2">
+            <a:schemeClr val="accent1">
+              <a:shade val="50000"/>
+            </a:schemeClr>
+          </a:lnRef>
+          <a:fillRef idx="1">
+            <a:schemeClr val="accent1"/>
+          </a:fillRef>
+          <a:effectRef idx="0">
+            <a:schemeClr val="accent1"/>
+          </a:effectRef>
+          <a:fontRef idx="minor">
+            <a:schemeClr val="lt1"/>
+          </a:fontRef>
+        </p:style>
+        <p:txBody>
+          <a:bodyPr rtlCol="0" anchor="ctr"/>
+          <a:lstStyle/>
+          <a:p>
+            <a:pPr algn="ctr"/>
+            <a:endParaRPr lang="en-US" dirty="0">
+              <a:ln>
+                <a:solidFill>
+                  <a:schemeClr val="bg1"/>
+                </a:solidFill>
+              </a:ln>
+            </a:endParaRPr>
+          </a:p>
+        </p:txBody>
+      </p:sp>
+      <p:sp>
+        <p:nvSpPr>
           <p:cNvPr id="2" name="Title 1">
             <a:extLst>
               <a:ext uri="{FF2B5EF4-FFF2-40B4-BE49-F238E27FC236}">
@@ -17993,16 +22953,22 @@
             <p:ph type="title"/>
           </p:nvPr>
         </p:nvSpPr>
-        <p:spPr/>
+        <p:spPr>
+          <a:xfrm>
+            <a:off x="1097280" y="286603"/>
+            <a:ext cx="10058400" cy="630119"/>
+          </a:xfrm>
+        </p:spPr>
         <p:txBody>
-          <a:bodyPr/>
+          <a:bodyPr>
+            <a:normAutofit fontScale="90000"/>
+          </a:bodyPr>
           <a:lstStyle/>
           <a:p>
             <a:r>
-              <a:rPr lang="en-US"/>
+              <a:rPr lang="en-US" dirty="0"/>
               <a:t>Street Easy Rent Data </a:t>
             </a:r>
-            <a:endParaRPr lang="en-US" dirty="0"/>
           </a:p>
         </p:txBody>
       </p:sp>
@@ -18034,7 +23000,7 @@
         </p:blipFill>
         <p:spPr>
           <a:xfrm>
-            <a:off x="312441" y="2439888"/>
+            <a:off x="312441" y="2202716"/>
             <a:ext cx="5486400" cy="3547872"/>
           </a:xfrm>
           <a:prstGeom prst="rect">
@@ -18061,7 +23027,7 @@
         </p:nvSpPr>
         <p:spPr>
           <a:xfrm>
-            <a:off x="1232556" y="1793557"/>
+            <a:off x="819150" y="1150560"/>
             <a:ext cx="3646170" cy="646331"/>
           </a:xfrm>
           <a:prstGeom prst="rect">
@@ -18110,7 +23076,7 @@
         </p:blipFill>
         <p:spPr>
           <a:xfrm>
-            <a:off x="6478884" y="2426553"/>
+            <a:off x="6478884" y="2189381"/>
             <a:ext cx="5486400" cy="3547871"/>
           </a:xfrm>
           <a:prstGeom prst="rect">
@@ -18137,7 +23103,7 @@
         </p:nvSpPr>
         <p:spPr>
           <a:xfrm>
-            <a:off x="7398999" y="1780222"/>
+            <a:off x="7574280" y="1216164"/>
             <a:ext cx="3646170" cy="646331"/>
           </a:xfrm>
           <a:prstGeom prst="rect">
@@ -18159,6 +23125,116 @@
           </a:p>
         </p:txBody>
       </p:sp>
+      <p:cxnSp>
+        <p:nvCxnSpPr>
+          <p:cNvPr id="9" name="Straight Connector 8">
+            <a:extLst>
+              <a:ext uri="{FF2B5EF4-FFF2-40B4-BE49-F238E27FC236}">
+                <a16:creationId xmlns:a16="http://schemas.microsoft.com/office/drawing/2014/main" id="{809B3CE1-24E9-4923-85AC-21BC78F10AA1}"/>
+              </a:ext>
+            </a:extLst>
+          </p:cNvPr>
+          <p:cNvCxnSpPr/>
+          <p:nvPr/>
+        </p:nvCxnSpPr>
+        <p:spPr>
+          <a:xfrm>
+            <a:off x="971550" y="909211"/>
+            <a:ext cx="10477500" cy="0"/>
+          </a:xfrm>
+          <a:prstGeom prst="line">
+            <a:avLst/>
+          </a:prstGeom>
+        </p:spPr>
+        <p:style>
+          <a:lnRef idx="1">
+            <a:schemeClr val="accent1"/>
+          </a:lnRef>
+          <a:fillRef idx="0">
+            <a:schemeClr val="accent1"/>
+          </a:fillRef>
+          <a:effectRef idx="0">
+            <a:schemeClr val="accent1"/>
+          </a:effectRef>
+          <a:fontRef idx="minor">
+            <a:schemeClr val="tx1"/>
+          </a:fontRef>
+        </p:style>
+      </p:cxnSp>
+      <p:cxnSp>
+        <p:nvCxnSpPr>
+          <p:cNvPr id="4" name="Straight Connector 3">
+            <a:extLst>
+              <a:ext uri="{FF2B5EF4-FFF2-40B4-BE49-F238E27FC236}">
+                <a16:creationId xmlns:a16="http://schemas.microsoft.com/office/drawing/2014/main" id="{D8F7C79D-E3A5-4906-B7F5-5134C1D6D033}"/>
+              </a:ext>
+            </a:extLst>
+          </p:cNvPr>
+          <p:cNvCxnSpPr>
+            <a:cxnSpLocks/>
+          </p:cNvCxnSpPr>
+          <p:nvPr/>
+        </p:nvCxnSpPr>
+        <p:spPr>
+          <a:xfrm>
+            <a:off x="6191250" y="1862495"/>
+            <a:ext cx="0" cy="4033480"/>
+          </a:xfrm>
+          <a:prstGeom prst="line">
+            <a:avLst/>
+          </a:prstGeom>
+        </p:spPr>
+        <p:style>
+          <a:lnRef idx="1">
+            <a:schemeClr val="accent1"/>
+          </a:lnRef>
+          <a:fillRef idx="0">
+            <a:schemeClr val="accent1"/>
+          </a:fillRef>
+          <a:effectRef idx="0">
+            <a:schemeClr val="accent1"/>
+          </a:effectRef>
+          <a:fontRef idx="minor">
+            <a:schemeClr val="tx1"/>
+          </a:fontRef>
+        </p:style>
+      </p:cxnSp>
+      <p:cxnSp>
+        <p:nvCxnSpPr>
+          <p:cNvPr id="10" name="Straight Connector 9">
+            <a:extLst>
+              <a:ext uri="{FF2B5EF4-FFF2-40B4-BE49-F238E27FC236}">
+                <a16:creationId xmlns:a16="http://schemas.microsoft.com/office/drawing/2014/main" id="{E59088C8-3B5F-438E-9F38-78B69E7392CB}"/>
+              </a:ext>
+            </a:extLst>
+          </p:cNvPr>
+          <p:cNvCxnSpPr/>
+          <p:nvPr/>
+        </p:nvCxnSpPr>
+        <p:spPr>
+          <a:xfrm>
+            <a:off x="533400" y="1862495"/>
+            <a:ext cx="11039475" cy="0"/>
+          </a:xfrm>
+          <a:prstGeom prst="line">
+            <a:avLst/>
+          </a:prstGeom>
+        </p:spPr>
+        <p:style>
+          <a:lnRef idx="1">
+            <a:schemeClr val="accent1"/>
+          </a:lnRef>
+          <a:fillRef idx="0">
+            <a:schemeClr val="accent1"/>
+          </a:fillRef>
+          <a:effectRef idx="0">
+            <a:schemeClr val="accent1"/>
+          </a:effectRef>
+          <a:fontRef idx="minor">
+            <a:schemeClr val="tx1"/>
+          </a:fontRef>
+        </p:style>
+      </p:cxnSp>
     </p:spTree>
     <p:extLst>
       <p:ext uri="{BB962C8B-B14F-4D97-AF65-F5344CB8AC3E}">
@@ -18239,7 +23315,7 @@
           <a:lstStyle/>
           <a:p>
             <a:pPr algn="ctr"/>
-            <a:endParaRPr lang="en-US">
+            <a:endParaRPr lang="en-US" dirty="0">
               <a:ln>
                 <a:solidFill>
                   <a:schemeClr val="bg1"/>
@@ -18312,7 +23388,7 @@
         </p:blipFill>
         <p:spPr>
           <a:xfrm>
-            <a:off x="1066800" y="1085849"/>
+            <a:off x="714597" y="1085847"/>
             <a:ext cx="7505552" cy="5057769"/>
           </a:xfrm>
           <a:prstGeom prst="rect">
@@ -18455,6 +23531,1385 @@
 </p:sld>
 </file>
 
+<file path=ppt/slides/slide13.xml><?xml version="1.0" encoding="utf-8"?>
+<p:sld xmlns:a="http://schemas.openxmlformats.org/drawingml/2006/main" xmlns:r="http://schemas.openxmlformats.org/officeDocument/2006/relationships" xmlns:p="http://schemas.openxmlformats.org/presentationml/2006/main">
+  <p:cSld>
+    <p:spTree>
+      <p:nvGrpSpPr>
+        <p:cNvPr id="1" name=""/>
+        <p:cNvGrpSpPr/>
+        <p:nvPr/>
+      </p:nvGrpSpPr>
+      <p:grpSpPr>
+        <a:xfrm>
+          <a:off x="0" y="0"/>
+          <a:ext cx="0" cy="0"/>
+          <a:chOff x="0" y="0"/>
+          <a:chExt cx="0" cy="0"/>
+        </a:xfrm>
+      </p:grpSpPr>
+      <p:sp>
+        <p:nvSpPr>
+          <p:cNvPr id="2" name="Title 1">
+            <a:extLst>
+              <a:ext uri="{FF2B5EF4-FFF2-40B4-BE49-F238E27FC236}">
+                <a16:creationId xmlns:a16="http://schemas.microsoft.com/office/drawing/2014/main" id="{56651043-58A8-4279-A949-143C7B546F07}"/>
+              </a:ext>
+            </a:extLst>
+          </p:cNvPr>
+          <p:cNvSpPr>
+            <a:spLocks noGrp="1"/>
+          </p:cNvSpPr>
+          <p:nvPr>
+            <p:ph type="title"/>
+          </p:nvPr>
+        </p:nvSpPr>
+        <p:spPr/>
+        <p:txBody>
+          <a:bodyPr/>
+          <a:lstStyle/>
+          <a:p>
+            <a:r>
+              <a:rPr lang="en-US" dirty="0"/>
+              <a:t>Outline</a:t>
+            </a:r>
+          </a:p>
+        </p:txBody>
+      </p:sp>
+      <p:graphicFrame>
+        <p:nvGraphicFramePr>
+          <p:cNvPr id="4" name="Content Placeholder 3">
+            <a:extLst>
+              <a:ext uri="{FF2B5EF4-FFF2-40B4-BE49-F238E27FC236}">
+                <a16:creationId xmlns:a16="http://schemas.microsoft.com/office/drawing/2014/main" id="{3E6131AB-8164-4B6B-8E68-5AE0D422DE4B}"/>
+              </a:ext>
+            </a:extLst>
+          </p:cNvPr>
+          <p:cNvGraphicFramePr>
+            <a:graphicFrameLocks noGrp="1"/>
+          </p:cNvGraphicFramePr>
+          <p:nvPr>
+            <p:ph idx="1"/>
+            <p:extLst>
+              <p:ext uri="{D42A27DB-BD31-4B8C-83A1-F6EECF244321}">
+                <p14:modId xmlns:p14="http://schemas.microsoft.com/office/powerpoint/2010/main" val="323086823"/>
+              </p:ext>
+            </p:extLst>
+          </p:nvPr>
+        </p:nvGraphicFramePr>
+        <p:xfrm>
+          <a:off x="1096963" y="1846263"/>
+          <a:ext cx="10058400" cy="4022725"/>
+        </p:xfrm>
+        <a:graphic>
+          <a:graphicData uri="http://schemas.openxmlformats.org/drawingml/2006/diagram">
+            <dgm:relIds xmlns:dgm="http://schemas.openxmlformats.org/drawingml/2006/diagram" xmlns:r="http://schemas.openxmlformats.org/officeDocument/2006/relationships" r:dm="rId2" r:lo="rId3" r:qs="rId4" r:cs="rId5"/>
+          </a:graphicData>
+        </a:graphic>
+      </p:graphicFrame>
+    </p:spTree>
+    <p:extLst>
+      <p:ext uri="{BB962C8B-B14F-4D97-AF65-F5344CB8AC3E}">
+        <p14:creationId xmlns:p14="http://schemas.microsoft.com/office/powerpoint/2010/main" val="830721129"/>
+      </p:ext>
+    </p:extLst>
+  </p:cSld>
+  <p:clrMapOvr>
+    <a:masterClrMapping/>
+  </p:clrMapOvr>
+</p:sld>
+</file>
+
+<file path=ppt/slides/slide14.xml><?xml version="1.0" encoding="utf-8"?>
+<p:sld xmlns:a="http://schemas.openxmlformats.org/drawingml/2006/main" xmlns:r="http://schemas.openxmlformats.org/officeDocument/2006/relationships" xmlns:p="http://schemas.openxmlformats.org/presentationml/2006/main">
+  <p:cSld>
+    <p:spTree>
+      <p:nvGrpSpPr>
+        <p:cNvPr id="1" name=""/>
+        <p:cNvGrpSpPr/>
+        <p:nvPr/>
+      </p:nvGrpSpPr>
+      <p:grpSpPr>
+        <a:xfrm>
+          <a:off x="0" y="0"/>
+          <a:ext cx="0" cy="0"/>
+          <a:chOff x="0" y="0"/>
+          <a:chExt cx="0" cy="0"/>
+        </a:xfrm>
+      </p:grpSpPr>
+      <p:sp>
+        <p:nvSpPr>
+          <p:cNvPr id="16" name="Rectangle 15">
+            <a:extLst>
+              <a:ext uri="{FF2B5EF4-FFF2-40B4-BE49-F238E27FC236}">
+                <a16:creationId xmlns:a16="http://schemas.microsoft.com/office/drawing/2014/main" id="{3CC93595-3AA9-4206-972A-3DAC160F4C16}"/>
+              </a:ext>
+            </a:extLst>
+          </p:cNvPr>
+          <p:cNvSpPr/>
+          <p:nvPr/>
+        </p:nvSpPr>
+        <p:spPr>
+          <a:xfrm>
+            <a:off x="971550" y="1543050"/>
+            <a:ext cx="10401300" cy="257175"/>
+          </a:xfrm>
+          <a:prstGeom prst="rect">
+            <a:avLst/>
+          </a:prstGeom>
+          <a:solidFill>
+            <a:schemeClr val="bg1"/>
+          </a:solidFill>
+          <a:ln>
+            <a:solidFill>
+              <a:schemeClr val="bg1"/>
+            </a:solidFill>
+          </a:ln>
+        </p:spPr>
+        <p:style>
+          <a:lnRef idx="2">
+            <a:schemeClr val="accent1">
+              <a:shade val="50000"/>
+            </a:schemeClr>
+          </a:lnRef>
+          <a:fillRef idx="1">
+            <a:schemeClr val="accent1"/>
+          </a:fillRef>
+          <a:effectRef idx="0">
+            <a:schemeClr val="accent1"/>
+          </a:effectRef>
+          <a:fontRef idx="minor">
+            <a:schemeClr val="lt1"/>
+          </a:fontRef>
+        </p:style>
+        <p:txBody>
+          <a:bodyPr rtlCol="0" anchor="ctr"/>
+          <a:lstStyle/>
+          <a:p>
+            <a:pPr algn="ctr"/>
+            <a:endParaRPr lang="en-US">
+              <a:ln>
+                <a:solidFill>
+                  <a:schemeClr val="bg1"/>
+                </a:solidFill>
+              </a:ln>
+            </a:endParaRPr>
+          </a:p>
+        </p:txBody>
+      </p:sp>
+      <p:sp>
+        <p:nvSpPr>
+          <p:cNvPr id="2" name="Title 1">
+            <a:extLst>
+              <a:ext uri="{FF2B5EF4-FFF2-40B4-BE49-F238E27FC236}">
+                <a16:creationId xmlns:a16="http://schemas.microsoft.com/office/drawing/2014/main" id="{92A9B60F-7F68-48F6-9FB9-2CF291C61653}"/>
+              </a:ext>
+            </a:extLst>
+          </p:cNvPr>
+          <p:cNvSpPr>
+            <a:spLocks noGrp="1"/>
+          </p:cNvSpPr>
+          <p:nvPr>
+            <p:ph type="title"/>
+          </p:nvPr>
+        </p:nvSpPr>
+        <p:spPr>
+          <a:xfrm>
+            <a:off x="1097280" y="286604"/>
+            <a:ext cx="10058400" cy="622608"/>
+          </a:xfrm>
+        </p:spPr>
+        <p:txBody>
+          <a:bodyPr>
+            <a:normAutofit fontScale="90000"/>
+          </a:bodyPr>
+          <a:lstStyle/>
+          <a:p>
+            <a:r>
+              <a:rPr lang="en-US" dirty="0"/>
+              <a:t>Research Questions</a:t>
+            </a:r>
+          </a:p>
+        </p:txBody>
+      </p:sp>
+      <p:sp>
+        <p:nvSpPr>
+          <p:cNvPr id="4" name="Rectangle 3">
+            <a:extLst>
+              <a:ext uri="{FF2B5EF4-FFF2-40B4-BE49-F238E27FC236}">
+                <a16:creationId xmlns:a16="http://schemas.microsoft.com/office/drawing/2014/main" id="{27678693-BBE0-41E4-9C41-F551D931A2B5}"/>
+              </a:ext>
+            </a:extLst>
+          </p:cNvPr>
+          <p:cNvSpPr/>
+          <p:nvPr/>
+        </p:nvSpPr>
+        <p:spPr>
+          <a:xfrm>
+            <a:off x="304165" y="1193641"/>
+            <a:ext cx="3517900" cy="1625759"/>
+          </a:xfrm>
+          <a:prstGeom prst="rect">
+            <a:avLst/>
+          </a:prstGeom>
+          <a:solidFill>
+            <a:schemeClr val="bg1">
+              <a:lumMod val="95000"/>
+            </a:schemeClr>
+          </a:solidFill>
+        </p:spPr>
+        <p:style>
+          <a:lnRef idx="2">
+            <a:schemeClr val="accent1">
+              <a:shade val="50000"/>
+            </a:schemeClr>
+          </a:lnRef>
+          <a:fillRef idx="1">
+            <a:schemeClr val="accent1"/>
+          </a:fillRef>
+          <a:effectRef idx="0">
+            <a:schemeClr val="accent1"/>
+          </a:effectRef>
+          <a:fontRef idx="minor">
+            <a:schemeClr val="lt1"/>
+          </a:fontRef>
+        </p:style>
+        <p:txBody>
+          <a:bodyPr rtlCol="0" anchor="ctr"/>
+          <a:lstStyle/>
+          <a:p>
+            <a:pPr algn="ctr"/>
+            <a:endParaRPr lang="en-US" sz="1600" dirty="0"/>
+          </a:p>
+        </p:txBody>
+      </p:sp>
+      <p:sp>
+        <p:nvSpPr>
+          <p:cNvPr id="5" name="Rectangle 4">
+            <a:extLst>
+              <a:ext uri="{FF2B5EF4-FFF2-40B4-BE49-F238E27FC236}">
+                <a16:creationId xmlns:a16="http://schemas.microsoft.com/office/drawing/2014/main" id="{3FACFDE9-4AB9-4A9F-960E-7C0140DA598C}"/>
+              </a:ext>
+            </a:extLst>
+          </p:cNvPr>
+          <p:cNvSpPr/>
+          <p:nvPr/>
+        </p:nvSpPr>
+        <p:spPr>
+          <a:xfrm>
+            <a:off x="4337050" y="1193641"/>
+            <a:ext cx="3517900" cy="1625759"/>
+          </a:xfrm>
+          <a:prstGeom prst="rect">
+            <a:avLst/>
+          </a:prstGeom>
+          <a:solidFill>
+            <a:schemeClr val="bg1">
+              <a:lumMod val="95000"/>
+            </a:schemeClr>
+          </a:solidFill>
+        </p:spPr>
+        <p:style>
+          <a:lnRef idx="2">
+            <a:schemeClr val="accent1">
+              <a:shade val="50000"/>
+            </a:schemeClr>
+          </a:lnRef>
+          <a:fillRef idx="1">
+            <a:schemeClr val="accent1"/>
+          </a:fillRef>
+          <a:effectRef idx="0">
+            <a:schemeClr val="accent1"/>
+          </a:effectRef>
+          <a:fontRef idx="minor">
+            <a:schemeClr val="lt1"/>
+          </a:fontRef>
+        </p:style>
+        <p:txBody>
+          <a:bodyPr rtlCol="0" anchor="ctr"/>
+          <a:lstStyle/>
+          <a:p>
+            <a:pPr algn="ctr"/>
+            <a:endParaRPr lang="en-US" sz="1600" dirty="0"/>
+          </a:p>
+        </p:txBody>
+      </p:sp>
+      <p:sp>
+        <p:nvSpPr>
+          <p:cNvPr id="6" name="Rectangle 5">
+            <a:extLst>
+              <a:ext uri="{FF2B5EF4-FFF2-40B4-BE49-F238E27FC236}">
+                <a16:creationId xmlns:a16="http://schemas.microsoft.com/office/drawing/2014/main" id="{4790EC81-6187-493A-8E26-C869A2988A4E}"/>
+              </a:ext>
+            </a:extLst>
+          </p:cNvPr>
+          <p:cNvSpPr/>
+          <p:nvPr/>
+        </p:nvSpPr>
+        <p:spPr>
+          <a:xfrm>
+            <a:off x="8369935" y="1193641"/>
+            <a:ext cx="3517900" cy="1625758"/>
+          </a:xfrm>
+          <a:prstGeom prst="rect">
+            <a:avLst/>
+          </a:prstGeom>
+          <a:solidFill>
+            <a:schemeClr val="bg1">
+              <a:lumMod val="95000"/>
+            </a:schemeClr>
+          </a:solidFill>
+        </p:spPr>
+        <p:style>
+          <a:lnRef idx="2">
+            <a:schemeClr val="accent1">
+              <a:shade val="50000"/>
+            </a:schemeClr>
+          </a:lnRef>
+          <a:fillRef idx="1">
+            <a:schemeClr val="accent1"/>
+          </a:fillRef>
+          <a:effectRef idx="0">
+            <a:schemeClr val="accent1"/>
+          </a:effectRef>
+          <a:fontRef idx="minor">
+            <a:schemeClr val="lt1"/>
+          </a:fontRef>
+        </p:style>
+        <p:txBody>
+          <a:bodyPr rtlCol="0" anchor="ctr"/>
+          <a:lstStyle/>
+          <a:p>
+            <a:pPr algn="ctr"/>
+            <a:endParaRPr lang="en-US" sz="1600" dirty="0"/>
+          </a:p>
+        </p:txBody>
+      </p:sp>
+      <p:sp>
+        <p:nvSpPr>
+          <p:cNvPr id="10" name="TextBox 9">
+            <a:extLst>
+              <a:ext uri="{FF2B5EF4-FFF2-40B4-BE49-F238E27FC236}">
+                <a16:creationId xmlns:a16="http://schemas.microsoft.com/office/drawing/2014/main" id="{8151ECB6-771A-41F2-9B75-F6D7485D1F36}"/>
+              </a:ext>
+            </a:extLst>
+          </p:cNvPr>
+          <p:cNvSpPr txBox="1"/>
+          <p:nvPr/>
+        </p:nvSpPr>
+        <p:spPr>
+          <a:xfrm>
+            <a:off x="548005" y="1344800"/>
+            <a:ext cx="3030220" cy="1323439"/>
+          </a:xfrm>
+          <a:prstGeom prst="rect">
+            <a:avLst/>
+          </a:prstGeom>
+          <a:noFill/>
+        </p:spPr>
+        <p:txBody>
+          <a:bodyPr wrap="square" rtlCol="0">
+            <a:spAutoFit/>
+          </a:bodyPr>
+          <a:lstStyle/>
+          <a:p>
+            <a:pPr algn="ctr"/>
+            <a:r>
+              <a:rPr lang="en-US" sz="2000" dirty="0"/>
+              <a:t>How drastically did Covid affect apartment rental rates? Have rates fully recovered?</a:t>
+            </a:r>
+          </a:p>
+        </p:txBody>
+      </p:sp>
+      <p:sp>
+        <p:nvSpPr>
+          <p:cNvPr id="11" name="TextBox 10">
+            <a:extLst>
+              <a:ext uri="{FF2B5EF4-FFF2-40B4-BE49-F238E27FC236}">
+                <a16:creationId xmlns:a16="http://schemas.microsoft.com/office/drawing/2014/main" id="{65C2FC47-B642-4DEB-85B7-3BA4FDD484D0}"/>
+              </a:ext>
+            </a:extLst>
+          </p:cNvPr>
+          <p:cNvSpPr txBox="1"/>
+          <p:nvPr/>
+        </p:nvSpPr>
+        <p:spPr>
+          <a:xfrm>
+            <a:off x="4580890" y="1450770"/>
+            <a:ext cx="3030220" cy="1015663"/>
+          </a:xfrm>
+          <a:prstGeom prst="rect">
+            <a:avLst/>
+          </a:prstGeom>
+          <a:noFill/>
+        </p:spPr>
+        <p:txBody>
+          <a:bodyPr wrap="square" rtlCol="0">
+            <a:spAutoFit/>
+          </a:bodyPr>
+          <a:lstStyle/>
+          <a:p>
+            <a:pPr algn="ctr"/>
+            <a:r>
+              <a:rPr lang="en-US" sz="2000" dirty="0"/>
+              <a:t>Which areas in New York City experienced the largest change in rates?</a:t>
+            </a:r>
+          </a:p>
+        </p:txBody>
+      </p:sp>
+      <p:sp>
+        <p:nvSpPr>
+          <p:cNvPr id="12" name="TextBox 11">
+            <a:extLst>
+              <a:ext uri="{FF2B5EF4-FFF2-40B4-BE49-F238E27FC236}">
+                <a16:creationId xmlns:a16="http://schemas.microsoft.com/office/drawing/2014/main" id="{DB55FAF1-051D-4CD8-9D47-0F8E762ED402}"/>
+              </a:ext>
+            </a:extLst>
+          </p:cNvPr>
+          <p:cNvSpPr txBox="1"/>
+          <p:nvPr/>
+        </p:nvSpPr>
+        <p:spPr>
+          <a:xfrm>
+            <a:off x="8613775" y="1498687"/>
+            <a:ext cx="3030220" cy="1015663"/>
+          </a:xfrm>
+          <a:prstGeom prst="rect">
+            <a:avLst/>
+          </a:prstGeom>
+          <a:noFill/>
+        </p:spPr>
+        <p:txBody>
+          <a:bodyPr wrap="square" rtlCol="0">
+            <a:spAutoFit/>
+          </a:bodyPr>
+          <a:lstStyle/>
+          <a:p>
+            <a:pPr algn="ctr"/>
+            <a:r>
+              <a:rPr lang="en-US" sz="2000" dirty="0"/>
+              <a:t>Can characteristics of each area predict how rates will be affected?</a:t>
+            </a:r>
+          </a:p>
+        </p:txBody>
+      </p:sp>
+      <p:cxnSp>
+        <p:nvCxnSpPr>
+          <p:cNvPr id="18" name="Straight Connector 17">
+            <a:extLst>
+              <a:ext uri="{FF2B5EF4-FFF2-40B4-BE49-F238E27FC236}">
+                <a16:creationId xmlns:a16="http://schemas.microsoft.com/office/drawing/2014/main" id="{F3D700E7-2283-47FD-A0F7-3B66FA28B4FB}"/>
+              </a:ext>
+            </a:extLst>
+          </p:cNvPr>
+          <p:cNvCxnSpPr/>
+          <p:nvPr/>
+        </p:nvCxnSpPr>
+        <p:spPr>
+          <a:xfrm>
+            <a:off x="971550" y="909211"/>
+            <a:ext cx="10477500" cy="0"/>
+          </a:xfrm>
+          <a:prstGeom prst="line">
+            <a:avLst/>
+          </a:prstGeom>
+        </p:spPr>
+        <p:style>
+          <a:lnRef idx="1">
+            <a:schemeClr val="accent1"/>
+          </a:lnRef>
+          <a:fillRef idx="0">
+            <a:schemeClr val="accent1"/>
+          </a:fillRef>
+          <a:effectRef idx="0">
+            <a:schemeClr val="accent1"/>
+          </a:effectRef>
+          <a:fontRef idx="minor">
+            <a:schemeClr val="tx1"/>
+          </a:fontRef>
+        </p:style>
+      </p:cxnSp>
+      <p:sp>
+        <p:nvSpPr>
+          <p:cNvPr id="21" name="Arrow: Down 20">
+            <a:extLst>
+              <a:ext uri="{FF2B5EF4-FFF2-40B4-BE49-F238E27FC236}">
+                <a16:creationId xmlns:a16="http://schemas.microsoft.com/office/drawing/2014/main" id="{209423EB-813C-4F43-89BD-BC6026BCFA77}"/>
+              </a:ext>
+            </a:extLst>
+          </p:cNvPr>
+          <p:cNvSpPr/>
+          <p:nvPr/>
+        </p:nvSpPr>
+        <p:spPr>
+          <a:xfrm>
+            <a:off x="1863090" y="3044499"/>
+            <a:ext cx="400050" cy="765016"/>
+          </a:xfrm>
+          <a:prstGeom prst="downArrow">
+            <a:avLst/>
+          </a:prstGeom>
+        </p:spPr>
+        <p:style>
+          <a:lnRef idx="2">
+            <a:schemeClr val="accent1">
+              <a:shade val="50000"/>
+            </a:schemeClr>
+          </a:lnRef>
+          <a:fillRef idx="1">
+            <a:schemeClr val="accent1"/>
+          </a:fillRef>
+          <a:effectRef idx="0">
+            <a:schemeClr val="accent1"/>
+          </a:effectRef>
+          <a:fontRef idx="minor">
+            <a:schemeClr val="lt1"/>
+          </a:fontRef>
+        </p:style>
+        <p:txBody>
+          <a:bodyPr rtlCol="0" anchor="ctr"/>
+          <a:lstStyle/>
+          <a:p>
+            <a:pPr algn="ctr"/>
+            <a:endParaRPr lang="en-US"/>
+          </a:p>
+        </p:txBody>
+      </p:sp>
+      <p:sp>
+        <p:nvSpPr>
+          <p:cNvPr id="22" name="Rectangle 21">
+            <a:extLst>
+              <a:ext uri="{FF2B5EF4-FFF2-40B4-BE49-F238E27FC236}">
+                <a16:creationId xmlns:a16="http://schemas.microsoft.com/office/drawing/2014/main" id="{66B88F73-8FBF-496D-970D-F8699D65AE80}"/>
+              </a:ext>
+            </a:extLst>
+          </p:cNvPr>
+          <p:cNvSpPr/>
+          <p:nvPr/>
+        </p:nvSpPr>
+        <p:spPr>
+          <a:xfrm>
+            <a:off x="304165" y="3971925"/>
+            <a:ext cx="3517900" cy="2195985"/>
+          </a:xfrm>
+          <a:prstGeom prst="rect">
+            <a:avLst/>
+          </a:prstGeom>
+          <a:solidFill>
+            <a:schemeClr val="bg1">
+              <a:lumMod val="95000"/>
+            </a:schemeClr>
+          </a:solidFill>
+        </p:spPr>
+        <p:style>
+          <a:lnRef idx="2">
+            <a:schemeClr val="accent1">
+              <a:shade val="50000"/>
+            </a:schemeClr>
+          </a:lnRef>
+          <a:fillRef idx="1">
+            <a:schemeClr val="accent1"/>
+          </a:fillRef>
+          <a:effectRef idx="0">
+            <a:schemeClr val="accent1"/>
+          </a:effectRef>
+          <a:fontRef idx="minor">
+            <a:schemeClr val="lt1"/>
+          </a:fontRef>
+        </p:style>
+        <p:txBody>
+          <a:bodyPr rtlCol="0" anchor="ctr"/>
+          <a:lstStyle/>
+          <a:p>
+            <a:pPr algn="ctr"/>
+            <a:endParaRPr lang="en-US" sz="1600" dirty="0"/>
+          </a:p>
+        </p:txBody>
+      </p:sp>
+      <p:sp>
+        <p:nvSpPr>
+          <p:cNvPr id="24" name="TextBox 23">
+            <a:extLst>
+              <a:ext uri="{FF2B5EF4-FFF2-40B4-BE49-F238E27FC236}">
+                <a16:creationId xmlns:a16="http://schemas.microsoft.com/office/drawing/2014/main" id="{0A948511-32DE-4E2E-8D5B-CB65C4C2F8F1}"/>
+              </a:ext>
+            </a:extLst>
+          </p:cNvPr>
+          <p:cNvSpPr txBox="1"/>
+          <p:nvPr/>
+        </p:nvSpPr>
+        <p:spPr>
+          <a:xfrm>
+            <a:off x="466090" y="4069071"/>
+            <a:ext cx="1509395" cy="523220"/>
+          </a:xfrm>
+          <a:prstGeom prst="rect">
+            <a:avLst/>
+          </a:prstGeom>
+          <a:noFill/>
+        </p:spPr>
+        <p:txBody>
+          <a:bodyPr wrap="square" rtlCol="0">
+            <a:spAutoFit/>
+          </a:bodyPr>
+          <a:lstStyle/>
+          <a:p>
+            <a:pPr algn="ctr"/>
+            <a:r>
+              <a:rPr lang="en-US" sz="1400" b="1" dirty="0"/>
+              <a:t>Percent Change at Peak Cases</a:t>
+            </a:r>
+          </a:p>
+        </p:txBody>
+      </p:sp>
+      <p:sp>
+        <p:nvSpPr>
+          <p:cNvPr id="25" name="TextBox 24">
+            <a:extLst>
+              <a:ext uri="{FF2B5EF4-FFF2-40B4-BE49-F238E27FC236}">
+                <a16:creationId xmlns:a16="http://schemas.microsoft.com/office/drawing/2014/main" id="{726B154A-D3CE-4223-A5E9-D3ABD903C2BF}"/>
+              </a:ext>
+            </a:extLst>
+          </p:cNvPr>
+          <p:cNvSpPr txBox="1"/>
+          <p:nvPr/>
+        </p:nvSpPr>
+        <p:spPr>
+          <a:xfrm>
+            <a:off x="2200275" y="4097496"/>
+            <a:ext cx="1509395" cy="523220"/>
+          </a:xfrm>
+          <a:prstGeom prst="rect">
+            <a:avLst/>
+          </a:prstGeom>
+          <a:noFill/>
+        </p:spPr>
+        <p:txBody>
+          <a:bodyPr wrap="square" rtlCol="0">
+            <a:spAutoFit/>
+          </a:bodyPr>
+          <a:lstStyle/>
+          <a:p>
+            <a:pPr algn="ctr"/>
+            <a:r>
+              <a:rPr lang="en-US" sz="1400" b="1" dirty="0"/>
+              <a:t>Current Rates vs. Pre-Covid</a:t>
+            </a:r>
+          </a:p>
+        </p:txBody>
+      </p:sp>
+      <p:cxnSp>
+        <p:nvCxnSpPr>
+          <p:cNvPr id="29" name="Straight Connector 28">
+            <a:extLst>
+              <a:ext uri="{FF2B5EF4-FFF2-40B4-BE49-F238E27FC236}">
+                <a16:creationId xmlns:a16="http://schemas.microsoft.com/office/drawing/2014/main" id="{51DE3F84-7DF9-4730-9453-6BFC5D268F76}"/>
+              </a:ext>
+            </a:extLst>
+          </p:cNvPr>
+          <p:cNvCxnSpPr>
+            <a:cxnSpLocks/>
+          </p:cNvCxnSpPr>
+          <p:nvPr/>
+        </p:nvCxnSpPr>
+        <p:spPr>
+          <a:xfrm>
+            <a:off x="2059305" y="4200525"/>
+            <a:ext cx="0" cy="1819275"/>
+          </a:xfrm>
+          <a:prstGeom prst="line">
+            <a:avLst/>
+          </a:prstGeom>
+        </p:spPr>
+        <p:style>
+          <a:lnRef idx="1">
+            <a:schemeClr val="accent1"/>
+          </a:lnRef>
+          <a:fillRef idx="0">
+            <a:schemeClr val="accent1"/>
+          </a:fillRef>
+          <a:effectRef idx="0">
+            <a:schemeClr val="accent1"/>
+          </a:effectRef>
+          <a:fontRef idx="minor">
+            <a:schemeClr val="tx1"/>
+          </a:fontRef>
+        </p:style>
+      </p:cxnSp>
+      <p:sp>
+        <p:nvSpPr>
+          <p:cNvPr id="32" name="TextBox 31">
+            <a:extLst>
+              <a:ext uri="{FF2B5EF4-FFF2-40B4-BE49-F238E27FC236}">
+                <a16:creationId xmlns:a16="http://schemas.microsoft.com/office/drawing/2014/main" id="{AAF26BD3-8ACD-4713-8C74-973203E875E5}"/>
+              </a:ext>
+            </a:extLst>
+          </p:cNvPr>
+          <p:cNvSpPr txBox="1"/>
+          <p:nvPr/>
+        </p:nvSpPr>
+        <p:spPr>
+          <a:xfrm>
+            <a:off x="604044" y="4996220"/>
+            <a:ext cx="1155382" cy="461665"/>
+          </a:xfrm>
+          <a:prstGeom prst="rect">
+            <a:avLst/>
+          </a:prstGeom>
+          <a:noFill/>
+        </p:spPr>
+        <p:txBody>
+          <a:bodyPr wrap="square" rtlCol="0">
+            <a:spAutoFit/>
+          </a:bodyPr>
+          <a:lstStyle/>
+          <a:p>
+            <a:pPr algn="ctr"/>
+            <a:r>
+              <a:rPr lang="en-US" sz="2400" b="1" dirty="0">
+                <a:solidFill>
+                  <a:srgbClr val="FF0000"/>
+                </a:solidFill>
+              </a:rPr>
+              <a:t>-9.59%</a:t>
+            </a:r>
+          </a:p>
+        </p:txBody>
+      </p:sp>
+      <p:sp>
+        <p:nvSpPr>
+          <p:cNvPr id="33" name="TextBox 32">
+            <a:extLst>
+              <a:ext uri="{FF2B5EF4-FFF2-40B4-BE49-F238E27FC236}">
+                <a16:creationId xmlns:a16="http://schemas.microsoft.com/office/drawing/2014/main" id="{8BE4454A-6A1B-4F7D-8F6E-66665F1DB1AE}"/>
+              </a:ext>
+            </a:extLst>
+          </p:cNvPr>
+          <p:cNvSpPr txBox="1"/>
+          <p:nvPr/>
+        </p:nvSpPr>
+        <p:spPr>
+          <a:xfrm>
+            <a:off x="2320450" y="4996219"/>
+            <a:ext cx="1240471" cy="461665"/>
+          </a:xfrm>
+          <a:prstGeom prst="rect">
+            <a:avLst/>
+          </a:prstGeom>
+          <a:noFill/>
+        </p:spPr>
+        <p:txBody>
+          <a:bodyPr wrap="square" rtlCol="0">
+            <a:spAutoFit/>
+          </a:bodyPr>
+          <a:lstStyle/>
+          <a:p>
+            <a:pPr algn="ctr"/>
+            <a:r>
+              <a:rPr lang="en-US" sz="2400" b="1" dirty="0"/>
+              <a:t>-0.01%</a:t>
+            </a:r>
+          </a:p>
+        </p:txBody>
+      </p:sp>
+      <p:sp>
+        <p:nvSpPr>
+          <p:cNvPr id="34" name="Arrow: Down 33">
+            <a:extLst>
+              <a:ext uri="{FF2B5EF4-FFF2-40B4-BE49-F238E27FC236}">
+                <a16:creationId xmlns:a16="http://schemas.microsoft.com/office/drawing/2014/main" id="{577A0A53-671F-4C3B-ADF9-F338E30DB587}"/>
+              </a:ext>
+            </a:extLst>
+          </p:cNvPr>
+          <p:cNvSpPr/>
+          <p:nvPr/>
+        </p:nvSpPr>
+        <p:spPr>
+          <a:xfrm>
+            <a:off x="5926455" y="2997198"/>
+            <a:ext cx="400050" cy="765016"/>
+          </a:xfrm>
+          <a:prstGeom prst="downArrow">
+            <a:avLst/>
+          </a:prstGeom>
+        </p:spPr>
+        <p:style>
+          <a:lnRef idx="2">
+            <a:schemeClr val="accent1">
+              <a:shade val="50000"/>
+            </a:schemeClr>
+          </a:lnRef>
+          <a:fillRef idx="1">
+            <a:schemeClr val="accent1"/>
+          </a:fillRef>
+          <a:effectRef idx="0">
+            <a:schemeClr val="accent1"/>
+          </a:effectRef>
+          <a:fontRef idx="minor">
+            <a:schemeClr val="lt1"/>
+          </a:fontRef>
+        </p:style>
+        <p:txBody>
+          <a:bodyPr rtlCol="0" anchor="ctr"/>
+          <a:lstStyle/>
+          <a:p>
+            <a:pPr algn="ctr"/>
+            <a:endParaRPr lang="en-US"/>
+          </a:p>
+        </p:txBody>
+      </p:sp>
+      <p:sp>
+        <p:nvSpPr>
+          <p:cNvPr id="35" name="Rectangle 34">
+            <a:extLst>
+              <a:ext uri="{FF2B5EF4-FFF2-40B4-BE49-F238E27FC236}">
+                <a16:creationId xmlns:a16="http://schemas.microsoft.com/office/drawing/2014/main" id="{7D22C4F5-BD89-4FC0-B138-3766C640738D}"/>
+              </a:ext>
+            </a:extLst>
+          </p:cNvPr>
+          <p:cNvSpPr/>
+          <p:nvPr/>
+        </p:nvSpPr>
+        <p:spPr>
+          <a:xfrm>
+            <a:off x="4337685" y="3940013"/>
+            <a:ext cx="3517265" cy="2227898"/>
+          </a:xfrm>
+          <a:prstGeom prst="rect">
+            <a:avLst/>
+          </a:prstGeom>
+          <a:solidFill>
+            <a:schemeClr val="bg1">
+              <a:lumMod val="95000"/>
+            </a:schemeClr>
+          </a:solidFill>
+        </p:spPr>
+        <p:style>
+          <a:lnRef idx="2">
+            <a:schemeClr val="accent1">
+              <a:shade val="50000"/>
+            </a:schemeClr>
+          </a:lnRef>
+          <a:fillRef idx="1">
+            <a:schemeClr val="accent1"/>
+          </a:fillRef>
+          <a:effectRef idx="0">
+            <a:schemeClr val="accent1"/>
+          </a:effectRef>
+          <a:fontRef idx="minor">
+            <a:schemeClr val="lt1"/>
+          </a:fontRef>
+        </p:style>
+        <p:txBody>
+          <a:bodyPr rtlCol="0" anchor="ctr"/>
+          <a:lstStyle/>
+          <a:p>
+            <a:pPr algn="ctr"/>
+            <a:endParaRPr lang="en-US" sz="1600" dirty="0"/>
+          </a:p>
+        </p:txBody>
+      </p:sp>
+      <p:graphicFrame>
+        <p:nvGraphicFramePr>
+          <p:cNvPr id="36" name="Table 36">
+            <a:extLst>
+              <a:ext uri="{FF2B5EF4-FFF2-40B4-BE49-F238E27FC236}">
+                <a16:creationId xmlns:a16="http://schemas.microsoft.com/office/drawing/2014/main" id="{FBE8F7D0-B179-496D-8D29-39929ADE1AB7}"/>
+              </a:ext>
+            </a:extLst>
+          </p:cNvPr>
+          <p:cNvGraphicFramePr>
+            <a:graphicFrameLocks noGrp="1"/>
+          </p:cNvGraphicFramePr>
+          <p:nvPr>
+            <p:extLst>
+              <p:ext uri="{D42A27DB-BD31-4B8C-83A1-F6EECF244321}">
+                <p14:modId xmlns:p14="http://schemas.microsoft.com/office/powerpoint/2010/main" val="3426950955"/>
+              </p:ext>
+            </p:extLst>
+          </p:nvPr>
+        </p:nvGraphicFramePr>
+        <p:xfrm>
+          <a:off x="4368166" y="4001925"/>
+          <a:ext cx="3447582" cy="2132173"/>
+        </p:xfrm>
+        <a:graphic>
+          <a:graphicData uri="http://schemas.openxmlformats.org/drawingml/2006/table">
+            <a:tbl>
+              <a:tblPr firstRow="1" bandRow="1">
+                <a:tableStyleId>{5C22544A-7EE6-4342-B048-85BDC9FD1C3A}</a:tableStyleId>
+              </a:tblPr>
+              <a:tblGrid>
+                <a:gridCol w="1149194">
+                  <a:extLst>
+                    <a:ext uri="{9D8B030D-6E8A-4147-A177-3AD203B41FA5}">
+                      <a16:colId xmlns:a16="http://schemas.microsoft.com/office/drawing/2014/main" val="1039952942"/>
+                    </a:ext>
+                  </a:extLst>
+                </a:gridCol>
+                <a:gridCol w="1149194">
+                  <a:extLst>
+                    <a:ext uri="{9D8B030D-6E8A-4147-A177-3AD203B41FA5}">
+                      <a16:colId xmlns:a16="http://schemas.microsoft.com/office/drawing/2014/main" val="1786804635"/>
+                    </a:ext>
+                  </a:extLst>
+                </a:gridCol>
+                <a:gridCol w="1149194">
+                  <a:extLst>
+                    <a:ext uri="{9D8B030D-6E8A-4147-A177-3AD203B41FA5}">
+                      <a16:colId xmlns:a16="http://schemas.microsoft.com/office/drawing/2014/main" val="1364137732"/>
+                    </a:ext>
+                  </a:extLst>
+                </a:gridCol>
+              </a:tblGrid>
+              <a:tr h="361775">
+                <a:tc>
+                  <a:txBody>
+                    <a:bodyPr/>
+                    <a:lstStyle/>
+                    <a:p>
+                      <a:pPr algn="ctr"/>
+                      <a:r>
+                        <a:rPr lang="en-US" sz="1200" dirty="0"/>
+                        <a:t>Borough</a:t>
+                      </a:r>
+                    </a:p>
+                  </a:txBody>
+                  <a:tcPr/>
+                </a:tc>
+                <a:tc>
+                  <a:txBody>
+                    <a:bodyPr/>
+                    <a:lstStyle/>
+                    <a:p>
+                      <a:pPr algn="ctr"/>
+                      <a:r>
+                        <a:rPr lang="en-US" sz="1200" dirty="0"/>
+                        <a:t>Peak vs. Pre</a:t>
+                      </a:r>
+                    </a:p>
+                  </a:txBody>
+                  <a:tcPr/>
+                </a:tc>
+                <a:tc>
+                  <a:txBody>
+                    <a:bodyPr/>
+                    <a:lstStyle/>
+                    <a:p>
+                      <a:pPr algn="ctr"/>
+                      <a:r>
+                        <a:rPr lang="en-US" sz="1200" dirty="0"/>
+                        <a:t>Current vs. pre</a:t>
+                      </a:r>
+                    </a:p>
+                  </a:txBody>
+                  <a:tcPr/>
+                </a:tc>
+                <a:extLst>
+                  <a:ext uri="{0D108BD9-81ED-4DB2-BD59-A6C34878D82A}">
+                    <a16:rowId xmlns:a16="http://schemas.microsoft.com/office/drawing/2014/main" val="1973560091"/>
+                  </a:ext>
+                </a:extLst>
+              </a:tr>
+              <a:tr h="361775">
+                <a:tc>
+                  <a:txBody>
+                    <a:bodyPr/>
+                    <a:lstStyle/>
+                    <a:p>
+                      <a:pPr algn="ctr"/>
+                      <a:r>
+                        <a:rPr lang="en-US" sz="1400" dirty="0"/>
+                        <a:t>Bronx</a:t>
+                      </a:r>
+                    </a:p>
+                  </a:txBody>
+                  <a:tcPr anchor="ctr"/>
+                </a:tc>
+                <a:tc>
+                  <a:txBody>
+                    <a:bodyPr/>
+                    <a:lstStyle/>
+                    <a:p>
+                      <a:pPr algn="ctr"/>
+                      <a:r>
+                        <a:rPr lang="en-US" sz="1400" dirty="0">
+                          <a:solidFill>
+                            <a:srgbClr val="C00000"/>
+                          </a:solidFill>
+                        </a:rPr>
+                        <a:t>-2.81%</a:t>
+                      </a:r>
+                    </a:p>
+                  </a:txBody>
+                  <a:tcPr anchor="ctr"/>
+                </a:tc>
+                <a:tc>
+                  <a:txBody>
+                    <a:bodyPr/>
+                    <a:lstStyle/>
+                    <a:p>
+                      <a:pPr algn="ctr"/>
+                      <a:r>
+                        <a:rPr lang="en-US" sz="1400" dirty="0">
+                          <a:solidFill>
+                            <a:srgbClr val="00B050"/>
+                          </a:solidFill>
+                        </a:rPr>
+                        <a:t>+2.68%</a:t>
+                      </a:r>
+                    </a:p>
+                  </a:txBody>
+                  <a:tcPr anchor="ctr"/>
+                </a:tc>
+                <a:extLst>
+                  <a:ext uri="{0D108BD9-81ED-4DB2-BD59-A6C34878D82A}">
+                    <a16:rowId xmlns:a16="http://schemas.microsoft.com/office/drawing/2014/main" val="790257543"/>
+                  </a:ext>
+                </a:extLst>
+              </a:tr>
+              <a:tr h="361775">
+                <a:tc>
+                  <a:txBody>
+                    <a:bodyPr/>
+                    <a:lstStyle/>
+                    <a:p>
+                      <a:pPr algn="ctr"/>
+                      <a:r>
+                        <a:rPr lang="en-US" sz="1400" dirty="0"/>
+                        <a:t>Brooklyn</a:t>
+                      </a:r>
+                    </a:p>
+                  </a:txBody>
+                  <a:tcPr anchor="ctr"/>
+                </a:tc>
+                <a:tc>
+                  <a:txBody>
+                    <a:bodyPr/>
+                    <a:lstStyle/>
+                    <a:p>
+                      <a:pPr algn="ctr"/>
+                      <a:r>
+                        <a:rPr lang="en-US" sz="1400" dirty="0">
+                          <a:solidFill>
+                            <a:srgbClr val="C00000"/>
+                          </a:solidFill>
+                        </a:rPr>
+                        <a:t>-12.66%</a:t>
+                      </a:r>
+                    </a:p>
+                  </a:txBody>
+                  <a:tcPr anchor="ctr"/>
+                </a:tc>
+                <a:tc>
+                  <a:txBody>
+                    <a:bodyPr/>
+                    <a:lstStyle/>
+                    <a:p>
+                      <a:pPr algn="ctr"/>
+                      <a:r>
+                        <a:rPr lang="en-US" sz="1400" dirty="0">
+                          <a:solidFill>
+                            <a:srgbClr val="C00000"/>
+                          </a:solidFill>
+                        </a:rPr>
+                        <a:t>-2.02%</a:t>
+                      </a:r>
+                    </a:p>
+                  </a:txBody>
+                  <a:tcPr anchor="ctr"/>
+                </a:tc>
+                <a:extLst>
+                  <a:ext uri="{0D108BD9-81ED-4DB2-BD59-A6C34878D82A}">
+                    <a16:rowId xmlns:a16="http://schemas.microsoft.com/office/drawing/2014/main" val="347635816"/>
+                  </a:ext>
+                </a:extLst>
+              </a:tr>
+              <a:tr h="361775">
+                <a:tc>
+                  <a:txBody>
+                    <a:bodyPr/>
+                    <a:lstStyle/>
+                    <a:p>
+                      <a:pPr algn="ctr"/>
+                      <a:r>
+                        <a:rPr lang="en-US" sz="1400" dirty="0"/>
+                        <a:t>Manhattan</a:t>
+                      </a:r>
+                    </a:p>
+                  </a:txBody>
+                  <a:tcPr anchor="ctr"/>
+                </a:tc>
+                <a:tc>
+                  <a:txBody>
+                    <a:bodyPr/>
+                    <a:lstStyle/>
+                    <a:p>
+                      <a:pPr algn="ctr"/>
+                      <a:r>
+                        <a:rPr lang="en-US" sz="1400" dirty="0">
+                          <a:solidFill>
+                            <a:srgbClr val="C00000"/>
+                          </a:solidFill>
+                        </a:rPr>
+                        <a:t>-16.87%</a:t>
+                      </a:r>
+                    </a:p>
+                  </a:txBody>
+                  <a:tcPr anchor="ctr"/>
+                </a:tc>
+                <a:tc>
+                  <a:txBody>
+                    <a:bodyPr/>
+                    <a:lstStyle/>
+                    <a:p>
+                      <a:pPr algn="ctr"/>
+                      <a:r>
+                        <a:rPr lang="en-US" sz="1400" dirty="0">
+                          <a:solidFill>
+                            <a:srgbClr val="C00000"/>
+                          </a:solidFill>
+                        </a:rPr>
+                        <a:t>-2.14%</a:t>
+                      </a:r>
+                    </a:p>
+                  </a:txBody>
+                  <a:tcPr anchor="ctr"/>
+                </a:tc>
+                <a:extLst>
+                  <a:ext uri="{0D108BD9-81ED-4DB2-BD59-A6C34878D82A}">
+                    <a16:rowId xmlns:a16="http://schemas.microsoft.com/office/drawing/2014/main" val="1439575716"/>
+                  </a:ext>
+                </a:extLst>
+              </a:tr>
+              <a:tr h="323298">
+                <a:tc>
+                  <a:txBody>
+                    <a:bodyPr/>
+                    <a:lstStyle/>
+                    <a:p>
+                      <a:pPr algn="ctr"/>
+                      <a:r>
+                        <a:rPr lang="en-US" sz="1400" dirty="0"/>
+                        <a:t>Queens</a:t>
+                      </a:r>
+                    </a:p>
+                  </a:txBody>
+                  <a:tcPr anchor="ctr"/>
+                </a:tc>
+                <a:tc>
+                  <a:txBody>
+                    <a:bodyPr/>
+                    <a:lstStyle/>
+                    <a:p>
+                      <a:pPr algn="ctr"/>
+                      <a:r>
+                        <a:rPr lang="en-US" sz="1400" dirty="0">
+                          <a:solidFill>
+                            <a:srgbClr val="C00000"/>
+                          </a:solidFill>
+                        </a:rPr>
+                        <a:t>-5.51%</a:t>
+                      </a:r>
+                    </a:p>
+                  </a:txBody>
+                  <a:tcPr anchor="ctr"/>
+                </a:tc>
+                <a:tc>
+                  <a:txBody>
+                    <a:bodyPr/>
+                    <a:lstStyle/>
+                    <a:p>
+                      <a:pPr algn="ctr"/>
+                      <a:r>
+                        <a:rPr lang="en-US" sz="1400" dirty="0">
+                          <a:solidFill>
+                            <a:srgbClr val="00B050"/>
+                          </a:solidFill>
+                        </a:rPr>
+                        <a:t>+0.83%</a:t>
+                      </a:r>
+                    </a:p>
+                  </a:txBody>
+                  <a:tcPr anchor="ctr"/>
+                </a:tc>
+                <a:extLst>
+                  <a:ext uri="{0D108BD9-81ED-4DB2-BD59-A6C34878D82A}">
+                    <a16:rowId xmlns:a16="http://schemas.microsoft.com/office/drawing/2014/main" val="902279097"/>
+                  </a:ext>
+                </a:extLst>
+              </a:tr>
+              <a:tr h="361775">
+                <a:tc>
+                  <a:txBody>
+                    <a:bodyPr/>
+                    <a:lstStyle/>
+                    <a:p>
+                      <a:pPr algn="ctr"/>
+                      <a:r>
+                        <a:rPr lang="en-US" sz="1400" dirty="0"/>
+                        <a:t>Staten Island</a:t>
+                      </a:r>
+                    </a:p>
+                  </a:txBody>
+                  <a:tcPr anchor="ctr"/>
+                </a:tc>
+                <a:tc>
+                  <a:txBody>
+                    <a:bodyPr/>
+                    <a:lstStyle/>
+                    <a:p>
+                      <a:pPr algn="ctr"/>
+                      <a:r>
+                        <a:rPr lang="en-US" sz="1400" dirty="0">
+                          <a:solidFill>
+                            <a:srgbClr val="C00000"/>
+                          </a:solidFill>
+                        </a:rPr>
+                        <a:t>-2.66%</a:t>
+                      </a:r>
+                    </a:p>
+                  </a:txBody>
+                  <a:tcPr anchor="ctr"/>
+                </a:tc>
+                <a:tc>
+                  <a:txBody>
+                    <a:bodyPr/>
+                    <a:lstStyle/>
+                    <a:p>
+                      <a:pPr algn="ctr"/>
+                      <a:r>
+                        <a:rPr lang="en-US" sz="1400" dirty="0">
+                          <a:solidFill>
+                            <a:srgbClr val="C00000"/>
+                          </a:solidFill>
+                        </a:rPr>
+                        <a:t>-0.10%</a:t>
+                      </a:r>
+                    </a:p>
+                  </a:txBody>
+                  <a:tcPr anchor="ctr"/>
+                </a:tc>
+                <a:extLst>
+                  <a:ext uri="{0D108BD9-81ED-4DB2-BD59-A6C34878D82A}">
+                    <a16:rowId xmlns:a16="http://schemas.microsoft.com/office/drawing/2014/main" val="2162690897"/>
+                  </a:ext>
+                </a:extLst>
+              </a:tr>
+            </a:tbl>
+          </a:graphicData>
+        </a:graphic>
+      </p:graphicFrame>
+      <p:sp>
+        <p:nvSpPr>
+          <p:cNvPr id="38" name="Rectangle 37">
+            <a:extLst>
+              <a:ext uri="{FF2B5EF4-FFF2-40B4-BE49-F238E27FC236}">
+                <a16:creationId xmlns:a16="http://schemas.microsoft.com/office/drawing/2014/main" id="{46B206B1-CE19-4740-96FE-E4A31462ADB5}"/>
+              </a:ext>
+            </a:extLst>
+          </p:cNvPr>
+          <p:cNvSpPr/>
+          <p:nvPr/>
+        </p:nvSpPr>
+        <p:spPr>
+          <a:xfrm>
+            <a:off x="8369935" y="3971925"/>
+            <a:ext cx="3517900" cy="2195985"/>
+          </a:xfrm>
+          <a:prstGeom prst="rect">
+            <a:avLst/>
+          </a:prstGeom>
+          <a:solidFill>
+            <a:schemeClr val="bg1">
+              <a:lumMod val="95000"/>
+            </a:schemeClr>
+          </a:solidFill>
+        </p:spPr>
+        <p:style>
+          <a:lnRef idx="2">
+            <a:schemeClr val="accent1">
+              <a:shade val="50000"/>
+            </a:schemeClr>
+          </a:lnRef>
+          <a:fillRef idx="1">
+            <a:schemeClr val="accent1"/>
+          </a:fillRef>
+          <a:effectRef idx="0">
+            <a:schemeClr val="accent1"/>
+          </a:effectRef>
+          <a:fontRef idx="minor">
+            <a:schemeClr val="lt1"/>
+          </a:fontRef>
+        </p:style>
+        <p:txBody>
+          <a:bodyPr rtlCol="0" anchor="ctr"/>
+          <a:lstStyle/>
+          <a:p>
+            <a:pPr algn="ctr"/>
+            <a:endParaRPr lang="en-US" sz="1600" dirty="0"/>
+          </a:p>
+        </p:txBody>
+      </p:sp>
+      <p:sp>
+        <p:nvSpPr>
+          <p:cNvPr id="39" name="Arrow: Down 38">
+            <a:extLst>
+              <a:ext uri="{FF2B5EF4-FFF2-40B4-BE49-F238E27FC236}">
+                <a16:creationId xmlns:a16="http://schemas.microsoft.com/office/drawing/2014/main" id="{64E73528-2974-43F5-8D79-191DD501E2A6}"/>
+              </a:ext>
+            </a:extLst>
+          </p:cNvPr>
+          <p:cNvSpPr/>
+          <p:nvPr/>
+        </p:nvSpPr>
+        <p:spPr>
+          <a:xfrm>
+            <a:off x="9989820" y="2997198"/>
+            <a:ext cx="400050" cy="765016"/>
+          </a:xfrm>
+          <a:prstGeom prst="downArrow">
+            <a:avLst/>
+          </a:prstGeom>
+        </p:spPr>
+        <p:style>
+          <a:lnRef idx="2">
+            <a:schemeClr val="accent1">
+              <a:shade val="50000"/>
+            </a:schemeClr>
+          </a:lnRef>
+          <a:fillRef idx="1">
+            <a:schemeClr val="accent1"/>
+          </a:fillRef>
+          <a:effectRef idx="0">
+            <a:schemeClr val="accent1"/>
+          </a:effectRef>
+          <a:fontRef idx="minor">
+            <a:schemeClr val="lt1"/>
+          </a:fontRef>
+        </p:style>
+        <p:txBody>
+          <a:bodyPr rtlCol="0" anchor="ctr"/>
+          <a:lstStyle/>
+          <a:p>
+            <a:pPr algn="ctr"/>
+            <a:endParaRPr lang="en-US"/>
+          </a:p>
+        </p:txBody>
+      </p:sp>
+    </p:spTree>
+    <p:extLst>
+      <p:ext uri="{BB962C8B-B14F-4D97-AF65-F5344CB8AC3E}">
+        <p14:creationId xmlns:p14="http://schemas.microsoft.com/office/powerpoint/2010/main" val="1720743969"/>
+      </p:ext>
+    </p:extLst>
+  </p:cSld>
+  <p:clrMapOvr>
+    <a:masterClrMapping/>
+  </p:clrMapOvr>
+</p:sld>
+</file>
+
 <file path=ppt/slides/slide2.xml><?xml version="1.0" encoding="utf-8"?>
 <p:sld xmlns:a="http://schemas.openxmlformats.org/drawingml/2006/main" xmlns:r="http://schemas.openxmlformats.org/officeDocument/2006/relationships" xmlns:p="http://schemas.openxmlformats.org/presentationml/2006/main">
   <p:cSld>
@@ -18516,7 +24971,7 @@
             <p:ph idx="1"/>
             <p:extLst>
               <p:ext uri="{D42A27DB-BD31-4B8C-83A1-F6EECF244321}">
-                <p14:modId xmlns:p14="http://schemas.microsoft.com/office/powerpoint/2010/main" val="4291507767"/>
+                <p14:modId xmlns:p14="http://schemas.microsoft.com/office/powerpoint/2010/main" val="1161546892"/>
               </p:ext>
             </p:extLst>
           </p:nvPr>
@@ -18563,6 +25018,66 @@
       </p:grpSpPr>
       <p:sp>
         <p:nvSpPr>
+          <p:cNvPr id="24" name="Rectangle 23">
+            <a:extLst>
+              <a:ext uri="{FF2B5EF4-FFF2-40B4-BE49-F238E27FC236}">
+                <a16:creationId xmlns:a16="http://schemas.microsoft.com/office/drawing/2014/main" id="{BBE1C276-AA11-44C2-918E-75F0649F4A75}"/>
+              </a:ext>
+            </a:extLst>
+          </p:cNvPr>
+          <p:cNvSpPr/>
+          <p:nvPr/>
+        </p:nvSpPr>
+        <p:spPr>
+          <a:xfrm>
+            <a:off x="971550" y="1543050"/>
+            <a:ext cx="10401300" cy="257175"/>
+          </a:xfrm>
+          <a:prstGeom prst="rect">
+            <a:avLst/>
+          </a:prstGeom>
+          <a:solidFill>
+            <a:schemeClr val="bg1"/>
+          </a:solidFill>
+          <a:ln>
+            <a:solidFill>
+              <a:schemeClr val="bg1"/>
+            </a:solidFill>
+          </a:ln>
+        </p:spPr>
+        <p:style>
+          <a:lnRef idx="2">
+            <a:schemeClr val="accent1">
+              <a:shade val="50000"/>
+            </a:schemeClr>
+          </a:lnRef>
+          <a:fillRef idx="1">
+            <a:schemeClr val="accent1"/>
+          </a:fillRef>
+          <a:effectRef idx="0">
+            <a:schemeClr val="accent1"/>
+          </a:effectRef>
+          <a:fontRef idx="minor">
+            <a:schemeClr val="lt1"/>
+          </a:fontRef>
+        </p:style>
+        <p:txBody>
+          <a:bodyPr rtlCol="0" anchor="ctr"/>
+          <a:lstStyle/>
+          <a:p>
+            <a:pPr algn="ctr"/>
+            <a:endParaRPr lang="en-US" dirty="0">
+              <a:ln>
+                <a:solidFill>
+                  <a:schemeClr val="bg1"/>
+                </a:solidFill>
+              </a:ln>
+            </a:endParaRPr>
+          </a:p>
+        </p:txBody>
+      </p:sp>
+      <p:sp>
+        <p:nvSpPr>
           <p:cNvPr id="2" name="Title 1">
             <a:extLst>
               <a:ext uri="{FF2B5EF4-FFF2-40B4-BE49-F238E27FC236}">
@@ -18579,12 +25094,14 @@
         </p:nvSpPr>
         <p:spPr>
           <a:xfrm>
-            <a:off x="1206500" y="286603"/>
-            <a:ext cx="10325098" cy="1450757"/>
+            <a:off x="895352" y="108229"/>
+            <a:ext cx="10325098" cy="831291"/>
           </a:xfrm>
         </p:spPr>
         <p:txBody>
-          <a:bodyPr/>
+          <a:bodyPr>
+            <a:normAutofit/>
+          </a:bodyPr>
           <a:lstStyle/>
           <a:p>
             <a:r>
@@ -18608,7 +25125,7 @@
         </p:nvSpPr>
         <p:spPr>
           <a:xfrm>
-            <a:off x="317500" y="2197100"/>
+            <a:off x="317500" y="1635125"/>
             <a:ext cx="2260600" cy="1231900"/>
           </a:xfrm>
           <a:prstGeom prst="rect">
@@ -18654,7 +25171,7 @@
         </p:nvSpPr>
         <p:spPr>
           <a:xfrm>
-            <a:off x="577850" y="2241034"/>
+            <a:off x="577850" y="1679059"/>
             <a:ext cx="1739900" cy="369332"/>
           </a:xfrm>
           <a:prstGeom prst="rect">
@@ -18710,7 +25227,7 @@
         </p:nvSpPr>
         <p:spPr>
           <a:xfrm>
-            <a:off x="603250" y="2657048"/>
+            <a:off x="603250" y="2095073"/>
             <a:ext cx="1689100" cy="646331"/>
           </a:xfrm>
           <a:prstGeom prst="rect">
@@ -18750,7 +25267,7 @@
         </p:nvSpPr>
         <p:spPr>
           <a:xfrm>
-            <a:off x="3327400" y="2197100"/>
+            <a:off x="3327400" y="1635125"/>
             <a:ext cx="2260600" cy="1231900"/>
           </a:xfrm>
           <a:prstGeom prst="rect">
@@ -18796,7 +25313,7 @@
         </p:nvSpPr>
         <p:spPr>
           <a:xfrm>
-            <a:off x="3457575" y="2241034"/>
+            <a:off x="3457575" y="1679059"/>
             <a:ext cx="2000250" cy="369332"/>
           </a:xfrm>
           <a:prstGeom prst="rect">
@@ -18852,7 +25369,7 @@
         </p:nvSpPr>
         <p:spPr>
           <a:xfrm>
-            <a:off x="3327400" y="2657048"/>
+            <a:off x="3327400" y="2095073"/>
             <a:ext cx="2235200" cy="646331"/>
           </a:xfrm>
           <a:prstGeom prst="rect">
@@ -18892,7 +25409,7 @@
         </p:nvSpPr>
         <p:spPr>
           <a:xfrm>
-            <a:off x="6299200" y="2197100"/>
+            <a:off x="6299200" y="1635125"/>
             <a:ext cx="2260600" cy="1231900"/>
           </a:xfrm>
           <a:prstGeom prst="rect">
@@ -18938,7 +25455,7 @@
         </p:nvSpPr>
         <p:spPr>
           <a:xfrm>
-            <a:off x="6435725" y="2241034"/>
+            <a:off x="6435725" y="1679059"/>
             <a:ext cx="1987550" cy="369332"/>
           </a:xfrm>
           <a:prstGeom prst="rect">
@@ -18994,7 +25511,7 @@
         </p:nvSpPr>
         <p:spPr>
           <a:xfrm>
-            <a:off x="6273800" y="2625814"/>
+            <a:off x="6273800" y="2063839"/>
             <a:ext cx="2273300" cy="646331"/>
           </a:xfrm>
           <a:prstGeom prst="rect">
@@ -19034,7 +25551,7 @@
         </p:nvSpPr>
         <p:spPr>
           <a:xfrm>
-            <a:off x="9271000" y="2197100"/>
+            <a:off x="9271000" y="1635125"/>
             <a:ext cx="2260600" cy="1231900"/>
           </a:xfrm>
           <a:prstGeom prst="rect">
@@ -19080,7 +25597,7 @@
         </p:nvSpPr>
         <p:spPr>
           <a:xfrm>
-            <a:off x="9531350" y="2241034"/>
+            <a:off x="9531350" y="1679059"/>
             <a:ext cx="1739900" cy="369332"/>
           </a:xfrm>
           <a:prstGeom prst="rect">
@@ -19136,7 +25653,7 @@
         </p:nvSpPr>
         <p:spPr>
           <a:xfrm>
-            <a:off x="9271000" y="2657048"/>
+            <a:off x="9271000" y="2095073"/>
             <a:ext cx="2260600" cy="646331"/>
           </a:xfrm>
           <a:prstGeom prst="rect">
@@ -19178,7 +25695,7 @@
         </p:nvCxnSpPr>
         <p:spPr>
           <a:xfrm>
-            <a:off x="2730500" y="2819400"/>
+            <a:off x="2730500" y="2257425"/>
             <a:ext cx="469900" cy="0"/>
           </a:xfrm>
           <a:prstGeom prst="straightConnector1">
@@ -19222,7 +25739,7 @@
         </p:nvCxnSpPr>
         <p:spPr>
           <a:xfrm>
-            <a:off x="5702300" y="2819400"/>
+            <a:off x="5702300" y="2257425"/>
             <a:ext cx="469900" cy="0"/>
           </a:xfrm>
           <a:prstGeom prst="straightConnector1">
@@ -19266,7 +25783,7 @@
         </p:nvCxnSpPr>
         <p:spPr>
           <a:xfrm>
-            <a:off x="8674100" y="2819400"/>
+            <a:off x="8674100" y="2257425"/>
             <a:ext cx="469900" cy="0"/>
           </a:xfrm>
           <a:prstGeom prst="straightConnector1">
@@ -19316,7 +25833,7 @@
         </p:blipFill>
         <p:spPr>
           <a:xfrm>
-            <a:off x="429673" y="4053840"/>
+            <a:off x="429673" y="3759715"/>
             <a:ext cx="5287454" cy="1722532"/>
           </a:xfrm>
           <a:prstGeom prst="rect">
@@ -19346,7 +25863,7 @@
         </p:blipFill>
         <p:spPr>
           <a:xfrm>
-            <a:off x="571295" y="5663442"/>
+            <a:off x="571295" y="5369317"/>
             <a:ext cx="2502105" cy="225860"/>
           </a:xfrm>
           <a:prstGeom prst="rect">
@@ -19363,13 +25880,15 @@
               </a:ext>
             </a:extLst>
           </p:cNvPr>
-          <p:cNvCxnSpPr/>
+          <p:cNvCxnSpPr>
+            <a:cxnSpLocks/>
+          </p:cNvCxnSpPr>
           <p:nvPr/>
         </p:nvCxnSpPr>
         <p:spPr>
           <a:xfrm>
-            <a:off x="5937250" y="3733800"/>
-            <a:ext cx="0" cy="2616200"/>
+            <a:off x="5937250" y="3171825"/>
+            <a:ext cx="0" cy="3178175"/>
           </a:xfrm>
           <a:prstGeom prst="line">
             <a:avLst/>
@@ -19406,7 +25925,7 @@
         </p:nvCxnSpPr>
         <p:spPr>
           <a:xfrm flipH="1">
-            <a:off x="317501" y="3733800"/>
+            <a:off x="317501" y="3171825"/>
             <a:ext cx="11214099" cy="0"/>
           </a:xfrm>
           <a:prstGeom prst="line">
@@ -19450,7 +25969,7 @@
         </p:blipFill>
         <p:spPr>
           <a:xfrm>
-            <a:off x="6178550" y="4140083"/>
+            <a:off x="6157374" y="3671347"/>
             <a:ext cx="5460999" cy="1694206"/>
           </a:xfrm>
           <a:prstGeom prst="rect">
@@ -19480,7 +25999,7 @@
         </p:blipFill>
         <p:spPr>
           <a:xfrm>
-            <a:off x="6189661" y="5834289"/>
+            <a:off x="6168485" y="5365553"/>
             <a:ext cx="2719388" cy="201044"/>
           </a:xfrm>
           <a:prstGeom prst="rect">
@@ -19488,6 +26007,42 @@
           </a:prstGeom>
         </p:spPr>
       </p:pic>
+      <p:cxnSp>
+        <p:nvCxnSpPr>
+          <p:cNvPr id="27" name="Straight Connector 26">
+            <a:extLst>
+              <a:ext uri="{FF2B5EF4-FFF2-40B4-BE49-F238E27FC236}">
+                <a16:creationId xmlns:a16="http://schemas.microsoft.com/office/drawing/2014/main" id="{C79EA314-3025-4155-853C-EF807B300239}"/>
+              </a:ext>
+            </a:extLst>
+          </p:cNvPr>
+          <p:cNvCxnSpPr/>
+          <p:nvPr/>
+        </p:nvCxnSpPr>
+        <p:spPr>
+          <a:xfrm>
+            <a:off x="971550" y="909211"/>
+            <a:ext cx="10477500" cy="0"/>
+          </a:xfrm>
+          <a:prstGeom prst="line">
+            <a:avLst/>
+          </a:prstGeom>
+        </p:spPr>
+        <p:style>
+          <a:lnRef idx="1">
+            <a:schemeClr val="accent1"/>
+          </a:lnRef>
+          <a:fillRef idx="0">
+            <a:schemeClr val="accent1"/>
+          </a:fillRef>
+          <a:effectRef idx="0">
+            <a:schemeClr val="accent1"/>
+          </a:effectRef>
+          <a:fontRef idx="minor">
+            <a:schemeClr val="tx1"/>
+          </a:fontRef>
+        </p:style>
+      </p:cxnSp>
     </p:spTree>
     <p:extLst>
       <p:ext uri="{BB962C8B-B14F-4D97-AF65-F5344CB8AC3E}">
@@ -19562,7 +26117,7 @@
             <p:ph idx="1"/>
             <p:extLst>
               <p:ext uri="{D42A27DB-BD31-4B8C-83A1-F6EECF244321}">
-                <p14:modId xmlns:p14="http://schemas.microsoft.com/office/powerpoint/2010/main" val="2301581132"/>
+                <p14:modId xmlns:p14="http://schemas.microsoft.com/office/powerpoint/2010/main" val="1827239914"/>
               </p:ext>
             </p:extLst>
           </p:nvPr>
@@ -19623,9 +26178,16 @@
             <p:ph type="title"/>
           </p:nvPr>
         </p:nvSpPr>
-        <p:spPr/>
+        <p:spPr>
+          <a:xfrm>
+            <a:off x="1097280" y="286604"/>
+            <a:ext cx="10058400" cy="622608"/>
+          </a:xfrm>
+        </p:spPr>
         <p:txBody>
-          <a:bodyPr/>
+          <a:bodyPr>
+            <a:normAutofit fontScale="90000"/>
+          </a:bodyPr>
           <a:lstStyle/>
           <a:p>
             <a:r>
@@ -19635,6 +26197,102 @@
           </a:p>
         </p:txBody>
       </p:sp>
+      <p:sp>
+        <p:nvSpPr>
+          <p:cNvPr id="16" name="Rectangle 15">
+            <a:extLst>
+              <a:ext uri="{FF2B5EF4-FFF2-40B4-BE49-F238E27FC236}">
+                <a16:creationId xmlns:a16="http://schemas.microsoft.com/office/drawing/2014/main" id="{B3ABA758-3598-40F2-9FBD-F4DD3019CB66}"/>
+              </a:ext>
+            </a:extLst>
+          </p:cNvPr>
+          <p:cNvSpPr/>
+          <p:nvPr/>
+        </p:nvSpPr>
+        <p:spPr>
+          <a:xfrm>
+            <a:off x="971550" y="1543050"/>
+            <a:ext cx="10401300" cy="257175"/>
+          </a:xfrm>
+          <a:prstGeom prst="rect">
+            <a:avLst/>
+          </a:prstGeom>
+          <a:solidFill>
+            <a:schemeClr val="bg1"/>
+          </a:solidFill>
+          <a:ln>
+            <a:solidFill>
+              <a:schemeClr val="bg1"/>
+            </a:solidFill>
+          </a:ln>
+        </p:spPr>
+        <p:style>
+          <a:lnRef idx="2">
+            <a:schemeClr val="accent1">
+              <a:shade val="50000"/>
+            </a:schemeClr>
+          </a:lnRef>
+          <a:fillRef idx="1">
+            <a:schemeClr val="accent1"/>
+          </a:fillRef>
+          <a:effectRef idx="0">
+            <a:schemeClr val="accent1"/>
+          </a:effectRef>
+          <a:fontRef idx="minor">
+            <a:schemeClr val="lt1"/>
+          </a:fontRef>
+        </p:style>
+        <p:txBody>
+          <a:bodyPr rtlCol="0" anchor="ctr"/>
+          <a:lstStyle/>
+          <a:p>
+            <a:pPr algn="ctr"/>
+            <a:endParaRPr lang="en-US" dirty="0">
+              <a:ln>
+                <a:solidFill>
+                  <a:schemeClr val="bg1"/>
+                </a:solidFill>
+              </a:ln>
+            </a:endParaRPr>
+          </a:p>
+        </p:txBody>
+      </p:sp>
+      <p:cxnSp>
+        <p:nvCxnSpPr>
+          <p:cNvPr id="18" name="Straight Connector 17">
+            <a:extLst>
+              <a:ext uri="{FF2B5EF4-FFF2-40B4-BE49-F238E27FC236}">
+                <a16:creationId xmlns:a16="http://schemas.microsoft.com/office/drawing/2014/main" id="{E2E4C248-22F9-46C8-A062-659966F20424}"/>
+              </a:ext>
+            </a:extLst>
+          </p:cNvPr>
+          <p:cNvCxnSpPr/>
+          <p:nvPr/>
+        </p:nvCxnSpPr>
+        <p:spPr>
+          <a:xfrm>
+            <a:off x="971550" y="909211"/>
+            <a:ext cx="10477500" cy="0"/>
+          </a:xfrm>
+          <a:prstGeom prst="line">
+            <a:avLst/>
+          </a:prstGeom>
+        </p:spPr>
+        <p:style>
+          <a:lnRef idx="1">
+            <a:schemeClr val="accent1"/>
+          </a:lnRef>
+          <a:fillRef idx="0">
+            <a:schemeClr val="accent1"/>
+          </a:fillRef>
+          <a:effectRef idx="0">
+            <a:schemeClr val="accent1"/>
+          </a:effectRef>
+          <a:fontRef idx="minor">
+            <a:schemeClr val="tx1"/>
+          </a:fontRef>
+        </p:style>
+      </p:cxnSp>
       <p:sp>
         <p:nvSpPr>
           <p:cNvPr id="4" name="Rectangle 3">
@@ -19649,7 +26307,7 @@
         </p:nvSpPr>
         <p:spPr>
           <a:xfrm>
-            <a:off x="215900" y="2197100"/>
+            <a:off x="282575" y="1695450"/>
             <a:ext cx="3517900" cy="3619500"/>
           </a:xfrm>
           <a:prstGeom prst="rect">
@@ -19700,7 +26358,7 @@
         </p:nvSpPr>
         <p:spPr>
           <a:xfrm>
-            <a:off x="4292600" y="2197100"/>
+            <a:off x="4359275" y="1695450"/>
             <a:ext cx="3517900" cy="3619500"/>
           </a:xfrm>
           <a:prstGeom prst="rect">
@@ -19751,7 +26409,7 @@
         </p:nvSpPr>
         <p:spPr>
           <a:xfrm>
-            <a:off x="8369300" y="2197100"/>
+            <a:off x="8435975" y="1695450"/>
             <a:ext cx="3517900" cy="3619500"/>
           </a:xfrm>
           <a:prstGeom prst="rect">
@@ -19802,7 +26460,7 @@
         </p:nvSpPr>
         <p:spPr>
           <a:xfrm>
-            <a:off x="1644650" y="2448560"/>
+            <a:off x="1711325" y="1946910"/>
             <a:ext cx="660400" cy="584775"/>
           </a:xfrm>
           <a:prstGeom prst="rect">
@@ -19838,7 +26496,7 @@
         </p:nvSpPr>
         <p:spPr>
           <a:xfrm>
-            <a:off x="5721350" y="2448559"/>
+            <a:off x="5788025" y="1946909"/>
             <a:ext cx="660400" cy="584775"/>
           </a:xfrm>
           <a:prstGeom prst="rect">
@@ -19874,7 +26532,7 @@
         </p:nvSpPr>
         <p:spPr>
           <a:xfrm>
-            <a:off x="9798050" y="2448559"/>
+            <a:off x="9864725" y="1946909"/>
             <a:ext cx="660400" cy="584775"/>
           </a:xfrm>
           <a:prstGeom prst="rect">
@@ -19910,7 +26568,7 @@
         </p:nvSpPr>
         <p:spPr>
           <a:xfrm>
-            <a:off x="448310" y="3345130"/>
+            <a:off x="514985" y="2843480"/>
             <a:ext cx="3030220" cy="1323439"/>
           </a:xfrm>
           <a:prstGeom prst="rect">
@@ -19946,7 +26604,7 @@
         </p:nvSpPr>
         <p:spPr>
           <a:xfrm>
-            <a:off x="4536440" y="3454489"/>
+            <a:off x="4603115" y="2952839"/>
             <a:ext cx="3030220" cy="1015663"/>
           </a:xfrm>
           <a:prstGeom prst="rect">
@@ -19982,7 +26640,7 @@
         </p:nvSpPr>
         <p:spPr>
           <a:xfrm>
-            <a:off x="8702040" y="3450386"/>
+            <a:off x="8768715" y="2948736"/>
             <a:ext cx="3030220" cy="1015663"/>
           </a:xfrm>
           <a:prstGeom prst="rect">
@@ -20035,7 +26693,7 @@
         </p:blipFill>
         <p:spPr>
           <a:xfrm>
-            <a:off x="1517650" y="4813141"/>
+            <a:off x="1584325" y="4311491"/>
             <a:ext cx="914400" cy="914400"/>
           </a:xfrm>
           <a:prstGeom prst="rect">
@@ -20074,7 +26732,7 @@
         </p:blipFill>
         <p:spPr>
           <a:xfrm>
-            <a:off x="5594350" y="4795424"/>
+            <a:off x="5661025" y="4293774"/>
             <a:ext cx="914400" cy="914400"/>
           </a:xfrm>
           <a:prstGeom prst="rect">
@@ -20113,7 +26771,7 @@
         </p:blipFill>
         <p:spPr>
           <a:xfrm>
-            <a:off x="9845675" y="4925789"/>
+            <a:off x="9912350" y="4424139"/>
             <a:ext cx="742950" cy="742950"/>
           </a:xfrm>
           <a:prstGeom prst="rect">
@@ -20193,6 +26851,11 @@
           </p:cNvGraphicFramePr>
           <p:nvPr>
             <p:ph idx="1"/>
+            <p:extLst>
+              <p:ext uri="{D42A27DB-BD31-4B8C-83A1-F6EECF244321}">
+                <p14:modId xmlns:p14="http://schemas.microsoft.com/office/powerpoint/2010/main" val="1169135399"/>
+              </p:ext>
+            </p:extLst>
           </p:nvPr>
         </p:nvGraphicFramePr>
         <p:xfrm>
@@ -20237,6 +26900,66 @@
       </p:grpSpPr>
       <p:sp>
         <p:nvSpPr>
+          <p:cNvPr id="12" name="Rectangle 11">
+            <a:extLst>
+              <a:ext uri="{FF2B5EF4-FFF2-40B4-BE49-F238E27FC236}">
+                <a16:creationId xmlns:a16="http://schemas.microsoft.com/office/drawing/2014/main" id="{39CE9030-5AAB-40F3-8F38-85695AC30DE8}"/>
+              </a:ext>
+            </a:extLst>
+          </p:cNvPr>
+          <p:cNvSpPr/>
+          <p:nvPr/>
+        </p:nvSpPr>
+        <p:spPr>
+          <a:xfrm>
+            <a:off x="971550" y="1543050"/>
+            <a:ext cx="10401300" cy="257175"/>
+          </a:xfrm>
+          <a:prstGeom prst="rect">
+            <a:avLst/>
+          </a:prstGeom>
+          <a:solidFill>
+            <a:schemeClr val="bg1"/>
+          </a:solidFill>
+          <a:ln>
+            <a:solidFill>
+              <a:schemeClr val="bg1"/>
+            </a:solidFill>
+          </a:ln>
+        </p:spPr>
+        <p:style>
+          <a:lnRef idx="2">
+            <a:schemeClr val="accent1">
+              <a:shade val="50000"/>
+            </a:schemeClr>
+          </a:lnRef>
+          <a:fillRef idx="1">
+            <a:schemeClr val="accent1"/>
+          </a:fillRef>
+          <a:effectRef idx="0">
+            <a:schemeClr val="accent1"/>
+          </a:effectRef>
+          <a:fontRef idx="minor">
+            <a:schemeClr val="lt1"/>
+          </a:fontRef>
+        </p:style>
+        <p:txBody>
+          <a:bodyPr rtlCol="0" anchor="ctr"/>
+          <a:lstStyle/>
+          <a:p>
+            <a:pPr algn="ctr"/>
+            <a:endParaRPr lang="en-US" dirty="0">
+              <a:ln>
+                <a:solidFill>
+                  <a:schemeClr val="bg1"/>
+                </a:solidFill>
+              </a:ln>
+            </a:endParaRPr>
+          </a:p>
+        </p:txBody>
+      </p:sp>
+      <p:sp>
+        <p:nvSpPr>
           <p:cNvPr id="2" name="Title 1">
             <a:extLst>
               <a:ext uri="{FF2B5EF4-FFF2-40B4-BE49-F238E27FC236}">
@@ -20251,9 +26974,16 @@
             <p:ph type="title"/>
           </p:nvPr>
         </p:nvSpPr>
-        <p:spPr/>
+        <p:spPr>
+          <a:xfrm>
+            <a:off x="1097280" y="286604"/>
+            <a:ext cx="10058400" cy="640162"/>
+          </a:xfrm>
+        </p:spPr>
         <p:txBody>
-          <a:bodyPr/>
+          <a:bodyPr>
+            <a:normAutofit fontScale="90000"/>
+          </a:bodyPr>
           <a:lstStyle/>
           <a:p>
             <a:r>
@@ -20277,7 +27007,7 @@
         </p:nvSpPr>
         <p:spPr>
           <a:xfrm>
-            <a:off x="4360862" y="2197100"/>
+            <a:off x="4370387" y="1560604"/>
             <a:ext cx="3517900" cy="3619500"/>
           </a:xfrm>
           <a:prstGeom prst="rect">
@@ -20328,7 +27058,7 @@
         </p:nvSpPr>
         <p:spPr>
           <a:xfrm>
-            <a:off x="304800" y="2197100"/>
+            <a:off x="314325" y="1560604"/>
             <a:ext cx="3517900" cy="3619500"/>
           </a:xfrm>
           <a:prstGeom prst="rect">
@@ -20379,7 +27109,7 @@
         </p:nvSpPr>
         <p:spPr>
           <a:xfrm>
-            <a:off x="8369300" y="2197100"/>
+            <a:off x="8378825" y="1560604"/>
             <a:ext cx="3517900" cy="3619500"/>
           </a:xfrm>
           <a:prstGeom prst="rect">
@@ -20430,7 +27160,7 @@
         </p:nvSpPr>
         <p:spPr>
           <a:xfrm>
-            <a:off x="4357687" y="2356008"/>
+            <a:off x="4367212" y="1719512"/>
             <a:ext cx="3517900" cy="584775"/>
           </a:xfrm>
           <a:prstGeom prst="rect">
@@ -20466,7 +27196,7 @@
         </p:nvSpPr>
         <p:spPr>
           <a:xfrm>
-            <a:off x="4449762" y="3099691"/>
+            <a:off x="4459287" y="2463195"/>
             <a:ext cx="3333750" cy="2831544"/>
           </a:xfrm>
           <a:prstGeom prst="rect">
@@ -20572,7 +27302,7 @@
         </p:nvSpPr>
         <p:spPr>
           <a:xfrm>
-            <a:off x="349250" y="2356008"/>
+            <a:off x="358775" y="1719512"/>
             <a:ext cx="3517900" cy="584775"/>
           </a:xfrm>
           <a:prstGeom prst="rect">
@@ -20608,7 +27338,7 @@
         </p:nvSpPr>
         <p:spPr>
           <a:xfrm>
-            <a:off x="441325" y="3099691"/>
+            <a:off x="450850" y="2463195"/>
             <a:ext cx="3333750" cy="2831544"/>
           </a:xfrm>
           <a:prstGeom prst="rect">
@@ -20711,7 +27441,7 @@
         </p:nvSpPr>
         <p:spPr>
           <a:xfrm>
-            <a:off x="8369300" y="2356008"/>
+            <a:off x="8378825" y="1719512"/>
             <a:ext cx="3517900" cy="584775"/>
           </a:xfrm>
           <a:prstGeom prst="rect">
@@ -20747,7 +27477,7 @@
         </p:nvSpPr>
         <p:spPr>
           <a:xfrm>
-            <a:off x="8461375" y="3099691"/>
+            <a:off x="8470900" y="2463195"/>
             <a:ext cx="3333750" cy="2831544"/>
           </a:xfrm>
           <a:prstGeom prst="rect">
@@ -20843,6 +27573,42 @@
           </a:p>
         </p:txBody>
       </p:sp>
+      <p:cxnSp>
+        <p:nvCxnSpPr>
+          <p:cNvPr id="13" name="Straight Connector 12">
+            <a:extLst>
+              <a:ext uri="{FF2B5EF4-FFF2-40B4-BE49-F238E27FC236}">
+                <a16:creationId xmlns:a16="http://schemas.microsoft.com/office/drawing/2014/main" id="{8DA0C1A7-D053-454A-9B1E-026A1B507B78}"/>
+              </a:ext>
+            </a:extLst>
+          </p:cNvPr>
+          <p:cNvCxnSpPr/>
+          <p:nvPr/>
+        </p:nvCxnSpPr>
+        <p:spPr>
+          <a:xfrm>
+            <a:off x="971550" y="909211"/>
+            <a:ext cx="10477500" cy="0"/>
+          </a:xfrm>
+          <a:prstGeom prst="line">
+            <a:avLst/>
+          </a:prstGeom>
+        </p:spPr>
+        <p:style>
+          <a:lnRef idx="1">
+            <a:schemeClr val="accent1"/>
+          </a:lnRef>
+          <a:fillRef idx="0">
+            <a:schemeClr val="accent1"/>
+          </a:fillRef>
+          <a:effectRef idx="0">
+            <a:schemeClr val="accent1"/>
+          </a:effectRef>
+          <a:fontRef idx="minor">
+            <a:schemeClr val="tx1"/>
+          </a:fontRef>
+        </p:style>
+      </p:cxnSp>
     </p:spTree>
     <p:extLst>
       <p:ext uri="{BB962C8B-B14F-4D97-AF65-F5344CB8AC3E}">
@@ -20875,6 +27641,66 @@
       </p:grpSpPr>
       <p:sp>
         <p:nvSpPr>
+          <p:cNvPr id="6" name="Rectangle 5">
+            <a:extLst>
+              <a:ext uri="{FF2B5EF4-FFF2-40B4-BE49-F238E27FC236}">
+                <a16:creationId xmlns:a16="http://schemas.microsoft.com/office/drawing/2014/main" id="{63621ED1-A977-4E28-B419-66E0DEFFE5EB}"/>
+              </a:ext>
+            </a:extLst>
+          </p:cNvPr>
+          <p:cNvSpPr/>
+          <p:nvPr/>
+        </p:nvSpPr>
+        <p:spPr>
+          <a:xfrm>
+            <a:off x="971550" y="1543050"/>
+            <a:ext cx="10401300" cy="257175"/>
+          </a:xfrm>
+          <a:prstGeom prst="rect">
+            <a:avLst/>
+          </a:prstGeom>
+          <a:solidFill>
+            <a:schemeClr val="bg1"/>
+          </a:solidFill>
+          <a:ln>
+            <a:solidFill>
+              <a:schemeClr val="bg1"/>
+            </a:solidFill>
+          </a:ln>
+        </p:spPr>
+        <p:style>
+          <a:lnRef idx="2">
+            <a:schemeClr val="accent1">
+              <a:shade val="50000"/>
+            </a:schemeClr>
+          </a:lnRef>
+          <a:fillRef idx="1">
+            <a:schemeClr val="accent1"/>
+          </a:fillRef>
+          <a:effectRef idx="0">
+            <a:schemeClr val="accent1"/>
+          </a:effectRef>
+          <a:fontRef idx="minor">
+            <a:schemeClr val="lt1"/>
+          </a:fontRef>
+        </p:style>
+        <p:txBody>
+          <a:bodyPr rtlCol="0" anchor="ctr"/>
+          <a:lstStyle/>
+          <a:p>
+            <a:pPr algn="ctr"/>
+            <a:endParaRPr lang="en-US" dirty="0">
+              <a:ln>
+                <a:solidFill>
+                  <a:schemeClr val="bg1"/>
+                </a:solidFill>
+              </a:ln>
+            </a:endParaRPr>
+          </a:p>
+        </p:txBody>
+      </p:sp>
+      <p:sp>
+        <p:nvSpPr>
           <p:cNvPr id="2" name="Title 1">
             <a:extLst>
               <a:ext uri="{FF2B5EF4-FFF2-40B4-BE49-F238E27FC236}">
@@ -20889,9 +27715,16 @@
             <p:ph type="title"/>
           </p:nvPr>
         </p:nvSpPr>
-        <p:spPr/>
+        <p:spPr>
+          <a:xfrm>
+            <a:off x="1097280" y="286604"/>
+            <a:ext cx="10058400" cy="622608"/>
+          </a:xfrm>
+        </p:spPr>
         <p:txBody>
-          <a:bodyPr/>
+          <a:bodyPr>
+            <a:normAutofit fontScale="90000"/>
+          </a:bodyPr>
           <a:lstStyle/>
           <a:p>
             <a:r>
@@ -20929,8 +27762,8 @@
         </p:blipFill>
         <p:spPr>
           <a:xfrm>
-            <a:off x="1163955" y="1844332"/>
-            <a:ext cx="8065770" cy="4324473"/>
+            <a:off x="215048" y="1104901"/>
+            <a:ext cx="9071827" cy="4949605"/>
           </a:xfrm>
           <a:prstGeom prst="rect">
             <a:avLst/>
@@ -20956,8 +27789,8 @@
         </p:nvSpPr>
         <p:spPr>
           <a:xfrm>
-            <a:off x="9401175" y="1844332"/>
-            <a:ext cx="2667000" cy="4324473"/>
+            <a:off x="9401175" y="1104901"/>
+            <a:ext cx="2667000" cy="4949606"/>
           </a:xfrm>
           <a:prstGeom prst="rect">
             <a:avLst/>
@@ -21022,6 +27855,17 @@
               <a:buFontTx/>
               <a:buChar char="-"/>
             </a:pPr>
+            <a:endParaRPr lang="en-US" sz="1600" dirty="0">
+              <a:solidFill>
+                <a:schemeClr val="tx1"/>
+              </a:solidFill>
+            </a:endParaRPr>
+          </a:p>
+          <a:p>
+            <a:pPr marL="285750" indent="-285750">
+              <a:buFontTx/>
+              <a:buChar char="-"/>
+            </a:pPr>
             <a:r>
               <a:rPr lang="en-US" sz="1600" dirty="0">
                 <a:solidFill>
@@ -21036,6 +27880,17 @@
               <a:buFontTx/>
               <a:buChar char="-"/>
             </a:pPr>
+            <a:endParaRPr lang="en-US" sz="1600" dirty="0">
+              <a:solidFill>
+                <a:schemeClr val="tx1"/>
+              </a:solidFill>
+            </a:endParaRPr>
+          </a:p>
+          <a:p>
+            <a:pPr marL="285750" indent="-285750">
+              <a:buFontTx/>
+              <a:buChar char="-"/>
+            </a:pPr>
             <a:r>
               <a:rPr lang="en-US" sz="1600" dirty="0">
                 <a:solidFill>
@@ -21044,6 +27899,17 @@
               </a:rPr>
               <a:t>Queens and Brooklyn saw the highest number of cases of Covid </a:t>
             </a:r>
+          </a:p>
+          <a:p>
+            <a:pPr marL="285750" indent="-285750">
+              <a:buFontTx/>
+              <a:buChar char="-"/>
+            </a:pPr>
+            <a:endParaRPr lang="en-US" sz="1600" dirty="0">
+              <a:solidFill>
+                <a:schemeClr val="tx1"/>
+              </a:solidFill>
+            </a:endParaRPr>
           </a:p>
           <a:p>
             <a:pPr marL="285750" indent="-285750">
@@ -21072,6 +27938,42 @@
           </a:p>
         </p:txBody>
       </p:sp>
+      <p:cxnSp>
+        <p:nvCxnSpPr>
+          <p:cNvPr id="7" name="Straight Connector 6">
+            <a:extLst>
+              <a:ext uri="{FF2B5EF4-FFF2-40B4-BE49-F238E27FC236}">
+                <a16:creationId xmlns:a16="http://schemas.microsoft.com/office/drawing/2014/main" id="{23E491C0-55D9-468A-9713-748B52C96995}"/>
+              </a:ext>
+            </a:extLst>
+          </p:cNvPr>
+          <p:cNvCxnSpPr/>
+          <p:nvPr/>
+        </p:nvCxnSpPr>
+        <p:spPr>
+          <a:xfrm>
+            <a:off x="971550" y="909211"/>
+            <a:ext cx="10477500" cy="0"/>
+          </a:xfrm>
+          <a:prstGeom prst="line">
+            <a:avLst/>
+          </a:prstGeom>
+        </p:spPr>
+        <p:style>
+          <a:lnRef idx="1">
+            <a:schemeClr val="accent1"/>
+          </a:lnRef>
+          <a:fillRef idx="0">
+            <a:schemeClr val="accent1"/>
+          </a:fillRef>
+          <a:effectRef idx="0">
+            <a:schemeClr val="accent1"/>
+          </a:effectRef>
+          <a:fontRef idx="minor">
+            <a:schemeClr val="tx1"/>
+          </a:fontRef>
+        </p:style>
+      </p:cxnSp>
     </p:spTree>
     <p:extLst>
       <p:ext uri="{BB962C8B-B14F-4D97-AF65-F5344CB8AC3E}">
@@ -21104,6 +28006,66 @@
       </p:grpSpPr>
       <p:sp>
         <p:nvSpPr>
+          <p:cNvPr id="7" name="Rectangle 6">
+            <a:extLst>
+              <a:ext uri="{FF2B5EF4-FFF2-40B4-BE49-F238E27FC236}">
+                <a16:creationId xmlns:a16="http://schemas.microsoft.com/office/drawing/2014/main" id="{BF1B094E-1CEA-4881-BC1A-71F51F2243A7}"/>
+              </a:ext>
+            </a:extLst>
+          </p:cNvPr>
+          <p:cNvSpPr/>
+          <p:nvPr/>
+        </p:nvSpPr>
+        <p:spPr>
+          <a:xfrm>
+            <a:off x="971550" y="1543050"/>
+            <a:ext cx="10401300" cy="257175"/>
+          </a:xfrm>
+          <a:prstGeom prst="rect">
+            <a:avLst/>
+          </a:prstGeom>
+          <a:solidFill>
+            <a:schemeClr val="bg1"/>
+          </a:solidFill>
+          <a:ln>
+            <a:solidFill>
+              <a:schemeClr val="bg1"/>
+            </a:solidFill>
+          </a:ln>
+        </p:spPr>
+        <p:style>
+          <a:lnRef idx="2">
+            <a:schemeClr val="accent1">
+              <a:shade val="50000"/>
+            </a:schemeClr>
+          </a:lnRef>
+          <a:fillRef idx="1">
+            <a:schemeClr val="accent1"/>
+          </a:fillRef>
+          <a:effectRef idx="0">
+            <a:schemeClr val="accent1"/>
+          </a:effectRef>
+          <a:fontRef idx="minor">
+            <a:schemeClr val="lt1"/>
+          </a:fontRef>
+        </p:style>
+        <p:txBody>
+          <a:bodyPr rtlCol="0" anchor="ctr"/>
+          <a:lstStyle/>
+          <a:p>
+            <a:pPr algn="ctr"/>
+            <a:endParaRPr lang="en-US" dirty="0">
+              <a:ln>
+                <a:solidFill>
+                  <a:schemeClr val="bg1"/>
+                </a:solidFill>
+              </a:ln>
+            </a:endParaRPr>
+          </a:p>
+        </p:txBody>
+      </p:sp>
+      <p:sp>
+        <p:nvSpPr>
           <p:cNvPr id="2" name="Title 1">
             <a:extLst>
               <a:ext uri="{FF2B5EF4-FFF2-40B4-BE49-F238E27FC236}">
@@ -21118,9 +28080,16 @@
             <p:ph type="title"/>
           </p:nvPr>
         </p:nvSpPr>
-        <p:spPr/>
+        <p:spPr>
+          <a:xfrm>
+            <a:off x="1097280" y="286604"/>
+            <a:ext cx="10058400" cy="666716"/>
+          </a:xfrm>
+        </p:spPr>
         <p:txBody>
-          <a:bodyPr/>
+          <a:bodyPr>
+            <a:normAutofit fontScale="90000"/>
+          </a:bodyPr>
           <a:lstStyle/>
           <a:p>
             <a:r>
@@ -21157,8 +28126,8 @@
         </p:blipFill>
         <p:spPr>
           <a:xfrm>
-            <a:off x="1163955" y="1844332"/>
-            <a:ext cx="8065770" cy="4324472"/>
+            <a:off x="123825" y="1085850"/>
+            <a:ext cx="9125139" cy="4892454"/>
           </a:xfrm>
           <a:prstGeom prst="rect">
             <a:avLst/>
@@ -21184,8 +28153,8 @@
         </p:nvSpPr>
         <p:spPr>
           <a:xfrm>
-            <a:off x="9401175" y="1844332"/>
-            <a:ext cx="2667000" cy="4324473"/>
+            <a:off x="9401175" y="1085851"/>
+            <a:ext cx="2667000" cy="4892454"/>
           </a:xfrm>
           <a:prstGeom prst="rect">
             <a:avLst/>
@@ -21246,6 +28215,13 @@
             </a:r>
           </a:p>
           <a:p>
+            <a:endParaRPr lang="en-US" sz="1600" dirty="0">
+              <a:solidFill>
+                <a:schemeClr val="tx1"/>
+              </a:solidFill>
+            </a:endParaRPr>
+          </a:p>
+          <a:p>
             <a:pPr marL="285750" indent="-285750">
               <a:buFontTx/>
               <a:buChar char="-"/>
@@ -21295,8 +28271,8 @@
         </p:nvCxnSpPr>
         <p:spPr>
           <a:xfrm>
-            <a:off x="7991475" y="1844332"/>
-            <a:ext cx="0" cy="3946868"/>
+            <a:off x="7858125" y="1139482"/>
+            <a:ext cx="0" cy="4442168"/>
           </a:xfrm>
           <a:prstGeom prst="line">
             <a:avLst/>
@@ -21306,6 +28282,42 @@
               <a:srgbClr val="FF0000"/>
             </a:solidFill>
           </a:ln>
+        </p:spPr>
+        <p:style>
+          <a:lnRef idx="1">
+            <a:schemeClr val="accent1"/>
+          </a:lnRef>
+          <a:fillRef idx="0">
+            <a:schemeClr val="accent1"/>
+          </a:fillRef>
+          <a:effectRef idx="0">
+            <a:schemeClr val="accent1"/>
+          </a:effectRef>
+          <a:fontRef idx="minor">
+            <a:schemeClr val="tx1"/>
+          </a:fontRef>
+        </p:style>
+      </p:cxnSp>
+      <p:cxnSp>
+        <p:nvCxnSpPr>
+          <p:cNvPr id="8" name="Straight Connector 7">
+            <a:extLst>
+              <a:ext uri="{FF2B5EF4-FFF2-40B4-BE49-F238E27FC236}">
+                <a16:creationId xmlns:a16="http://schemas.microsoft.com/office/drawing/2014/main" id="{438B9D2A-783F-40C5-BA11-495EE7EE3473}"/>
+              </a:ext>
+            </a:extLst>
+          </p:cNvPr>
+          <p:cNvCxnSpPr/>
+          <p:nvPr/>
+        </p:nvCxnSpPr>
+        <p:spPr>
+          <a:xfrm>
+            <a:off x="971550" y="909211"/>
+            <a:ext cx="10477500" cy="0"/>
+          </a:xfrm>
+          <a:prstGeom prst="line">
+            <a:avLst/>
+          </a:prstGeom>
         </p:spPr>
         <p:style>
           <a:lnRef idx="1">

--- a/Covid-19 and the NYC Apartment Market.pptx
+++ b/Covid-19 and the NYC Apartment Market.pptx
@@ -5,7 +5,7 @@
     <p:sldMasterId id="2147483799" r:id="rId1"/>
   </p:sldMasterIdLst>
   <p:notesMasterIdLst>
-    <p:notesMasterId r:id="rId16"/>
+    <p:notesMasterId r:id="rId19"/>
   </p:notesMasterIdLst>
   <p:sldIdLst>
     <p:sldId id="256" r:id="rId2"/>
@@ -22,6 +22,9 @@
     <p:sldId id="268" r:id="rId13"/>
     <p:sldId id="269" r:id="rId14"/>
     <p:sldId id="270" r:id="rId15"/>
+    <p:sldId id="271" r:id="rId16"/>
+    <p:sldId id="273" r:id="rId17"/>
+    <p:sldId id="274" r:id="rId18"/>
   </p:sldIdLst>
   <p:sldSz cx="12192000" cy="6858000"/>
   <p:notesSz cx="6858000" cy="9144000"/>
@@ -131,7 +134,7 @@
 <file path=ppt/revisionInfo.xml><?xml version="1.0" encoding="utf-8"?>
 <p1510:revInfo xmlns:a="http://schemas.openxmlformats.org/drawingml/2006/main" xmlns:r="http://schemas.openxmlformats.org/officeDocument/2006/relationships" xmlns:p1510="http://schemas.microsoft.com/office/powerpoint/2015/10/main">
   <p1510:revLst>
-    <p1510:client id="{61313348-D28B-4C2B-88EF-82071CA11326}" v="63" dt="2021-10-17T16:17:20.592"/>
+    <p1510:client id="{61313348-D28B-4C2B-88EF-82071CA11326}" v="79" dt="2021-10-17T17:20:02.068"/>
   </p1510:revLst>
 </p1510:revInfo>
 </file>
@@ -141,7 +144,7 @@
   <pc:docChgLst>
     <pc:chgData name="jack copeland" userId="c1f67f945e5b5c42" providerId="LiveId" clId="{61313348-D28B-4C2B-88EF-82071CA11326}"/>
     <pc:docChg chg="undo redo custSel addSld delSld modSld sldOrd">
-      <pc:chgData name="jack copeland" userId="c1f67f945e5b5c42" providerId="LiveId" clId="{61313348-D28B-4C2B-88EF-82071CA11326}" dt="2021-10-17T16:17:24.166" v="2452" actId="1076"/>
+      <pc:chgData name="jack copeland" userId="c1f67f945e5b5c42" providerId="LiveId" clId="{61313348-D28B-4C2B-88EF-82071CA11326}" dt="2021-10-17T17:20:02.066" v="3186" actId="14826"/>
       <pc:docMkLst>
         <pc:docMk/>
       </pc:docMkLst>
@@ -1231,7 +1234,7 @@
         </pc:cxnChg>
       </pc:sldChg>
       <pc:sldChg chg="addSp delSp modSp add mod setBg">
-        <pc:chgData name="jack copeland" userId="c1f67f945e5b5c42" providerId="LiveId" clId="{61313348-D28B-4C2B-88EF-82071CA11326}" dt="2021-10-17T15:54:01.545" v="2017" actId="1076"/>
+        <pc:chgData name="jack copeland" userId="c1f67f945e5b5c42" providerId="LiveId" clId="{61313348-D28B-4C2B-88EF-82071CA11326}" dt="2021-10-17T17:20:02.066" v="3186" actId="14826"/>
         <pc:sldMkLst>
           <pc:docMk/>
           <pc:sldMk cId="2398329897" sldId="268"/>
@@ -1309,7 +1312,7 @@
           </ac:spMkLst>
         </pc:spChg>
         <pc:picChg chg="add mod">
-          <ac:chgData name="jack copeland" userId="c1f67f945e5b5c42" providerId="LiveId" clId="{61313348-D28B-4C2B-88EF-82071CA11326}" dt="2021-10-17T15:54:01.545" v="2017" actId="1076"/>
+          <ac:chgData name="jack copeland" userId="c1f67f945e5b5c42" providerId="LiveId" clId="{61313348-D28B-4C2B-88EF-82071CA11326}" dt="2021-10-17T17:20:02.066" v="3186" actId="14826"/>
           <ac:picMkLst>
             <pc:docMk/>
             <pc:sldMk cId="2398329897" sldId="268"/>
@@ -1365,7 +1368,7 @@
         </pc:graphicFrameChg>
       </pc:sldChg>
       <pc:sldChg chg="addSp delSp modSp add mod">
-        <pc:chgData name="jack copeland" userId="c1f67f945e5b5c42" providerId="LiveId" clId="{61313348-D28B-4C2B-88EF-82071CA11326}" dt="2021-10-17T16:17:24.166" v="2452" actId="1076"/>
+        <pc:chgData name="jack copeland" userId="c1f67f945e5b5c42" providerId="LiveId" clId="{61313348-D28B-4C2B-88EF-82071CA11326}" dt="2021-10-17T17:02:51.657" v="3185" actId="20577"/>
         <pc:sldMkLst>
           <pc:docMk/>
           <pc:sldMk cId="1720743969" sldId="270"/>
@@ -1376,6 +1379,14 @@
             <pc:docMk/>
             <pc:sldMk cId="1720743969" sldId="270"/>
             <ac:spMk id="2" creationId="{92A9B60F-7F68-48F6-9FB9-2CF291C61653}"/>
+          </ac:spMkLst>
+        </pc:spChg>
+        <pc:spChg chg="add mod">
+          <ac:chgData name="jack copeland" userId="c1f67f945e5b5c42" providerId="LiveId" clId="{61313348-D28B-4C2B-88EF-82071CA11326}" dt="2021-10-17T17:02:51.657" v="3185" actId="20577"/>
+          <ac:spMkLst>
+            <pc:docMk/>
+            <pc:sldMk cId="1720743969" sldId="270"/>
+            <ac:spMk id="3" creationId="{72D2D131-48BF-4DBA-9C6D-98380E208ECD}"/>
           </ac:spMkLst>
         </pc:spChg>
         <pc:spChg chg="mod">
@@ -1427,7 +1438,7 @@
           </ac:spMkLst>
         </pc:spChg>
         <pc:spChg chg="mod">
-          <ac:chgData name="jack copeland" userId="c1f67f945e5b5c42" providerId="LiveId" clId="{61313348-D28B-4C2B-88EF-82071CA11326}" dt="2021-10-17T15:56:46.336" v="2067" actId="1076"/>
+          <ac:chgData name="jack copeland" userId="c1f67f945e5b5c42" providerId="LiveId" clId="{61313348-D28B-4C2B-88EF-82071CA11326}" dt="2021-10-17T16:21:49.063" v="2641" actId="1076"/>
           <ac:spMkLst>
             <pc:docMk/>
             <pc:sldMk cId="1720743969" sldId="270"/>
@@ -1435,7 +1446,7 @@
           </ac:spMkLst>
         </pc:spChg>
         <pc:spChg chg="mod">
-          <ac:chgData name="jack copeland" userId="c1f67f945e5b5c42" providerId="LiveId" clId="{61313348-D28B-4C2B-88EF-82071CA11326}" dt="2021-10-17T15:56:45.608" v="2065" actId="1076"/>
+          <ac:chgData name="jack copeland" userId="c1f67f945e5b5c42" providerId="LiveId" clId="{61313348-D28B-4C2B-88EF-82071CA11326}" dt="2021-10-17T16:21:37.768" v="2640" actId="1076"/>
           <ac:spMkLst>
             <pc:docMk/>
             <pc:sldMk cId="1720743969" sldId="270"/>
@@ -1443,7 +1454,7 @@
           </ac:spMkLst>
         </pc:spChg>
         <pc:spChg chg="mod">
-          <ac:chgData name="jack copeland" userId="c1f67f945e5b5c42" providerId="LiveId" clId="{61313348-D28B-4C2B-88EF-82071CA11326}" dt="2021-10-17T15:56:44.927" v="2062" actId="1076"/>
+          <ac:chgData name="jack copeland" userId="c1f67f945e5b5c42" providerId="LiveId" clId="{61313348-D28B-4C2B-88EF-82071CA11326}" dt="2021-10-17T16:21:33.816" v="2639" actId="1076"/>
           <ac:spMkLst>
             <pc:docMk/>
             <pc:sldMk cId="1720743969" sldId="270"/>
@@ -1499,6 +1510,14 @@
           </ac:spMkLst>
         </pc:spChg>
         <pc:spChg chg="add mod">
+          <ac:chgData name="jack copeland" userId="c1f67f945e5b5c42" providerId="LiveId" clId="{61313348-D28B-4C2B-88EF-82071CA11326}" dt="2021-10-17T16:19:51.026" v="2523" actId="1076"/>
+          <ac:spMkLst>
+            <pc:docMk/>
+            <pc:sldMk cId="1720743969" sldId="270"/>
+            <ac:spMk id="23" creationId="{7A99F122-B240-48A1-8446-F5D06B8CA75B}"/>
+          </ac:spMkLst>
+        </pc:spChg>
+        <pc:spChg chg="add mod">
           <ac:chgData name="jack copeland" userId="c1f67f945e5b5c42" providerId="LiveId" clId="{61313348-D28B-4C2B-88EF-82071CA11326}" dt="2021-10-17T16:13:18.415" v="2239" actId="1038"/>
           <ac:spMkLst>
             <pc:docMk/>
@@ -1512,6 +1531,22 @@
             <pc:docMk/>
             <pc:sldMk cId="1720743969" sldId="270"/>
             <ac:spMk id="25" creationId="{726B154A-D3CE-4223-A5E9-D3ABD903C2BF}"/>
+          </ac:spMkLst>
+        </pc:spChg>
+        <pc:spChg chg="add mod">
+          <ac:chgData name="jack copeland" userId="c1f67f945e5b5c42" providerId="LiveId" clId="{61313348-D28B-4C2B-88EF-82071CA11326}" dt="2021-10-17T16:19:52.601" v="2524" actId="1076"/>
+          <ac:spMkLst>
+            <pc:docMk/>
+            <pc:sldMk cId="1720743969" sldId="270"/>
+            <ac:spMk id="26" creationId="{D0077813-DEF5-4E15-BCA0-95DBC13B5626}"/>
+          </ac:spMkLst>
+        </pc:spChg>
+        <pc:spChg chg="add mod">
+          <ac:chgData name="jack copeland" userId="c1f67f945e5b5c42" providerId="LiveId" clId="{61313348-D28B-4C2B-88EF-82071CA11326}" dt="2021-10-17T16:20:55.025" v="2635" actId="1076"/>
+          <ac:spMkLst>
+            <pc:docMk/>
+            <pc:sldMk cId="1720743969" sldId="270"/>
+            <ac:spMk id="28" creationId="{AF871A3F-0132-414B-9FF9-2C0E670E88E9}"/>
           </ac:spMkLst>
         </pc:spChg>
         <pc:spChg chg="add mod">
@@ -1547,7 +1582,7 @@
           </ac:spMkLst>
         </pc:spChg>
         <pc:spChg chg="add mod">
-          <ac:chgData name="jack copeland" userId="c1f67f945e5b5c42" providerId="LiveId" clId="{61313348-D28B-4C2B-88EF-82071CA11326}" dt="2021-10-17T16:17:19.224" v="2450" actId="1076"/>
+          <ac:chgData name="jack copeland" userId="c1f67f945e5b5c42" providerId="LiveId" clId="{61313348-D28B-4C2B-88EF-82071CA11326}" dt="2021-10-17T16:19:42.514" v="2522" actId="12788"/>
           <ac:spMkLst>
             <pc:docMk/>
             <pc:sldMk cId="1720743969" sldId="270"/>
@@ -1610,6 +1645,14 @@
             <ac:cxnSpMk id="18" creationId="{F3D700E7-2283-47FD-A0F7-3B66FA28B4FB}"/>
           </ac:cxnSpMkLst>
         </pc:cxnChg>
+        <pc:cxnChg chg="add mod">
+          <ac:chgData name="jack copeland" userId="c1f67f945e5b5c42" providerId="LiveId" clId="{61313348-D28B-4C2B-88EF-82071CA11326}" dt="2021-10-17T16:19:42.514" v="2522" actId="12788"/>
+          <ac:cxnSpMkLst>
+            <pc:docMk/>
+            <pc:sldMk cId="1720743969" sldId="270"/>
+            <ac:cxnSpMk id="27" creationId="{2DEEF941-87FE-47E2-8639-820278D5B3B4}"/>
+          </ac:cxnSpMkLst>
+        </pc:cxnChg>
         <pc:cxnChg chg="add del">
           <ac:chgData name="jack copeland" userId="c1f67f945e5b5c42" providerId="LiveId" clId="{61313348-D28B-4C2B-88EF-82071CA11326}" dt="2021-10-17T15:58:30.745" v="2159" actId="11529"/>
           <ac:cxnSpMkLst>
@@ -1626,6 +1669,225 @@
             <ac:cxnSpMk id="29" creationId="{51DE3F84-7DF9-4730-9453-6BFC5D268F76}"/>
           </ac:cxnSpMkLst>
         </pc:cxnChg>
+      </pc:sldChg>
+      <pc:sldChg chg="modSp add">
+        <pc:chgData name="jack copeland" userId="c1f67f945e5b5c42" providerId="LiveId" clId="{61313348-D28B-4C2B-88EF-82071CA11326}" dt="2021-10-17T16:22:08.004" v="2644" actId="207"/>
+        <pc:sldMkLst>
+          <pc:docMk/>
+          <pc:sldMk cId="3697887073" sldId="271"/>
+        </pc:sldMkLst>
+        <pc:graphicFrameChg chg="mod">
+          <ac:chgData name="jack copeland" userId="c1f67f945e5b5c42" providerId="LiveId" clId="{61313348-D28B-4C2B-88EF-82071CA11326}" dt="2021-10-17T16:22:08.004" v="2644" actId="207"/>
+          <ac:graphicFrameMkLst>
+            <pc:docMk/>
+            <pc:sldMk cId="3697887073" sldId="271"/>
+            <ac:graphicFrameMk id="4" creationId="{3E6131AB-8164-4B6B-8E68-5AE0D422DE4B}"/>
+          </ac:graphicFrameMkLst>
+        </pc:graphicFrameChg>
+      </pc:sldChg>
+      <pc:sldChg chg="add del">
+        <pc:chgData name="jack copeland" userId="c1f67f945e5b5c42" providerId="LiveId" clId="{61313348-D28B-4C2B-88EF-82071CA11326}" dt="2021-10-17T16:26:13.798" v="2647" actId="47"/>
+        <pc:sldMkLst>
+          <pc:docMk/>
+          <pc:sldMk cId="1541936042" sldId="272"/>
+        </pc:sldMkLst>
+      </pc:sldChg>
+      <pc:sldChg chg="addSp delSp modSp add mod">
+        <pc:chgData name="jack copeland" userId="c1f67f945e5b5c42" providerId="LiveId" clId="{61313348-D28B-4C2B-88EF-82071CA11326}" dt="2021-10-17T16:48:33.645" v="3148" actId="20577"/>
+        <pc:sldMkLst>
+          <pc:docMk/>
+          <pc:sldMk cId="1217554866" sldId="273"/>
+        </pc:sldMkLst>
+        <pc:spChg chg="mod">
+          <ac:chgData name="jack copeland" userId="c1f67f945e5b5c42" providerId="LiveId" clId="{61313348-D28B-4C2B-88EF-82071CA11326}" dt="2021-10-17T16:26:46.728" v="2664" actId="20577"/>
+          <ac:spMkLst>
+            <pc:docMk/>
+            <pc:sldMk cId="1217554866" sldId="273"/>
+            <ac:spMk id="2" creationId="{92A9B60F-7F68-48F6-9FB9-2CF291C61653}"/>
+          </ac:spMkLst>
+        </pc:spChg>
+        <pc:spChg chg="del mod">
+          <ac:chgData name="jack copeland" userId="c1f67f945e5b5c42" providerId="LiveId" clId="{61313348-D28B-4C2B-88EF-82071CA11326}" dt="2021-10-17T16:47:58.584" v="2983" actId="478"/>
+          <ac:spMkLst>
+            <pc:docMk/>
+            <pc:sldMk cId="1217554866" sldId="273"/>
+            <ac:spMk id="3" creationId="{72D2D131-48BF-4DBA-9C6D-98380E208ECD}"/>
+          </ac:spMkLst>
+        </pc:spChg>
+        <pc:spChg chg="mod">
+          <ac:chgData name="jack copeland" userId="c1f67f945e5b5c42" providerId="LiveId" clId="{61313348-D28B-4C2B-88EF-82071CA11326}" dt="2021-10-17T16:46:04.674" v="2693" actId="1076"/>
+          <ac:spMkLst>
+            <pc:docMk/>
+            <pc:sldMk cId="1217554866" sldId="273"/>
+            <ac:spMk id="22" creationId="{66B88F73-8FBF-496D-970D-F8699D65AE80}"/>
+          </ac:spMkLst>
+        </pc:spChg>
+        <pc:spChg chg="del">
+          <ac:chgData name="jack copeland" userId="c1f67f945e5b5c42" providerId="LiveId" clId="{61313348-D28B-4C2B-88EF-82071CA11326}" dt="2021-10-17T16:47:58.584" v="2983" actId="478"/>
+          <ac:spMkLst>
+            <pc:docMk/>
+            <pc:sldMk cId="1217554866" sldId="273"/>
+            <ac:spMk id="23" creationId="{7A99F122-B240-48A1-8446-F5D06B8CA75B}"/>
+          </ac:spMkLst>
+        </pc:spChg>
+        <pc:spChg chg="del">
+          <ac:chgData name="jack copeland" userId="c1f67f945e5b5c42" providerId="LiveId" clId="{61313348-D28B-4C2B-88EF-82071CA11326}" dt="2021-10-17T16:26:20.270" v="2650" actId="478"/>
+          <ac:spMkLst>
+            <pc:docMk/>
+            <pc:sldMk cId="1217554866" sldId="273"/>
+            <ac:spMk id="24" creationId="{0A948511-32DE-4E2E-8D5B-CB65C4C2F8F1}"/>
+          </ac:spMkLst>
+        </pc:spChg>
+        <pc:spChg chg="del mod">
+          <ac:chgData name="jack copeland" userId="c1f67f945e5b5c42" providerId="LiveId" clId="{61313348-D28B-4C2B-88EF-82071CA11326}" dt="2021-10-17T16:26:21.928" v="2652" actId="478"/>
+          <ac:spMkLst>
+            <pc:docMk/>
+            <pc:sldMk cId="1217554866" sldId="273"/>
+            <ac:spMk id="25" creationId="{726B154A-D3CE-4223-A5E9-D3ABD903C2BF}"/>
+          </ac:spMkLst>
+        </pc:spChg>
+        <pc:spChg chg="del">
+          <ac:chgData name="jack copeland" userId="c1f67f945e5b5c42" providerId="LiveId" clId="{61313348-D28B-4C2B-88EF-82071CA11326}" dt="2021-10-17T16:47:58.584" v="2983" actId="478"/>
+          <ac:spMkLst>
+            <pc:docMk/>
+            <pc:sldMk cId="1217554866" sldId="273"/>
+            <ac:spMk id="26" creationId="{D0077813-DEF5-4E15-BCA0-95DBC13B5626}"/>
+          </ac:spMkLst>
+        </pc:spChg>
+        <pc:spChg chg="del mod">
+          <ac:chgData name="jack copeland" userId="c1f67f945e5b5c42" providerId="LiveId" clId="{61313348-D28B-4C2B-88EF-82071CA11326}" dt="2021-10-17T16:47:58.584" v="2983" actId="478"/>
+          <ac:spMkLst>
+            <pc:docMk/>
+            <pc:sldMk cId="1217554866" sldId="273"/>
+            <ac:spMk id="28" creationId="{AF871A3F-0132-414B-9FF9-2C0E670E88E9}"/>
+          </ac:spMkLst>
+        </pc:spChg>
+        <pc:spChg chg="add mod">
+          <ac:chgData name="jack copeland" userId="c1f67f945e5b5c42" providerId="LiveId" clId="{61313348-D28B-4C2B-88EF-82071CA11326}" dt="2021-10-17T16:45:56.267" v="2688" actId="403"/>
+          <ac:spMkLst>
+            <pc:docMk/>
+            <pc:sldMk cId="1217554866" sldId="273"/>
+            <ac:spMk id="30" creationId="{169F26FB-D974-4E31-93FB-F647C2E3E906}"/>
+          </ac:spMkLst>
+        </pc:spChg>
+        <pc:spChg chg="add mod">
+          <ac:chgData name="jack copeland" userId="c1f67f945e5b5c42" providerId="LiveId" clId="{61313348-D28B-4C2B-88EF-82071CA11326}" dt="2021-10-17T16:47:13.849" v="2867" actId="20577"/>
+          <ac:spMkLst>
+            <pc:docMk/>
+            <pc:sldMk cId="1217554866" sldId="273"/>
+            <ac:spMk id="31" creationId="{436EE91C-242E-412A-8368-C79EE1BC5C0F}"/>
+          </ac:spMkLst>
+        </pc:spChg>
+        <pc:spChg chg="del">
+          <ac:chgData name="jack copeland" userId="c1f67f945e5b5c42" providerId="LiveId" clId="{61313348-D28B-4C2B-88EF-82071CA11326}" dt="2021-10-17T16:26:23.355" v="2653" actId="478"/>
+          <ac:spMkLst>
+            <pc:docMk/>
+            <pc:sldMk cId="1217554866" sldId="273"/>
+            <ac:spMk id="32" creationId="{AAF26BD3-8ACD-4713-8C74-973203E875E5}"/>
+          </ac:spMkLst>
+        </pc:spChg>
+        <pc:spChg chg="del">
+          <ac:chgData name="jack copeland" userId="c1f67f945e5b5c42" providerId="LiveId" clId="{61313348-D28B-4C2B-88EF-82071CA11326}" dt="2021-10-17T16:26:24.247" v="2654" actId="478"/>
+          <ac:spMkLst>
+            <pc:docMk/>
+            <pc:sldMk cId="1217554866" sldId="273"/>
+            <ac:spMk id="33" creationId="{8BE4454A-6A1B-4F7D-8F6E-66665F1DB1AE}"/>
+          </ac:spMkLst>
+        </pc:spChg>
+        <pc:spChg chg="add mod">
+          <ac:chgData name="jack copeland" userId="c1f67f945e5b5c42" providerId="LiveId" clId="{61313348-D28B-4C2B-88EF-82071CA11326}" dt="2021-10-17T16:47:23.494" v="2870" actId="1076"/>
+          <ac:spMkLst>
+            <pc:docMk/>
+            <pc:sldMk cId="1217554866" sldId="273"/>
+            <ac:spMk id="37" creationId="{9C66602F-5DC2-41D0-894B-AEEE2BD59971}"/>
+          </ac:spMkLst>
+        </pc:spChg>
+        <pc:spChg chg="add mod">
+          <ac:chgData name="jack copeland" userId="c1f67f945e5b5c42" providerId="LiveId" clId="{61313348-D28B-4C2B-88EF-82071CA11326}" dt="2021-10-17T16:47:53.384" v="2981" actId="20577"/>
+          <ac:spMkLst>
+            <pc:docMk/>
+            <pc:sldMk cId="1217554866" sldId="273"/>
+            <ac:spMk id="40" creationId="{0B68EE7C-5287-4D2A-8F9B-3701DF205C63}"/>
+          </ac:spMkLst>
+        </pc:spChg>
+        <pc:spChg chg="add mod">
+          <ac:chgData name="jack copeland" userId="c1f67f945e5b5c42" providerId="LiveId" clId="{61313348-D28B-4C2B-88EF-82071CA11326}" dt="2021-10-17T16:48:02.790" v="2985" actId="1076"/>
+          <ac:spMkLst>
+            <pc:docMk/>
+            <pc:sldMk cId="1217554866" sldId="273"/>
+            <ac:spMk id="41" creationId="{467556AF-75A0-4B8F-890E-A8137FCB4664}"/>
+          </ac:spMkLst>
+        </pc:spChg>
+        <pc:spChg chg="add mod">
+          <ac:chgData name="jack copeland" userId="c1f67f945e5b5c42" providerId="LiveId" clId="{61313348-D28B-4C2B-88EF-82071CA11326}" dt="2021-10-17T16:48:33.645" v="3148" actId="20577"/>
+          <ac:spMkLst>
+            <pc:docMk/>
+            <pc:sldMk cId="1217554866" sldId="273"/>
+            <ac:spMk id="42" creationId="{E5E56559-A2F2-4ECE-8253-A362417FF564}"/>
+          </ac:spMkLst>
+        </pc:spChg>
+        <pc:graphicFrameChg chg="del">
+          <ac:chgData name="jack copeland" userId="c1f67f945e5b5c42" providerId="LiveId" clId="{61313348-D28B-4C2B-88EF-82071CA11326}" dt="2021-10-17T16:47:17.561" v="2868" actId="478"/>
+          <ac:graphicFrameMkLst>
+            <pc:docMk/>
+            <pc:sldMk cId="1217554866" sldId="273"/>
+            <ac:graphicFrameMk id="36" creationId="{FBE8F7D0-B179-496D-8D29-39929ADE1AB7}"/>
+          </ac:graphicFrameMkLst>
+        </pc:graphicFrameChg>
+        <pc:cxnChg chg="del">
+          <ac:chgData name="jack copeland" userId="c1f67f945e5b5c42" providerId="LiveId" clId="{61313348-D28B-4C2B-88EF-82071CA11326}" dt="2021-10-17T16:47:58.584" v="2983" actId="478"/>
+          <ac:cxnSpMkLst>
+            <pc:docMk/>
+            <pc:sldMk cId="1217554866" sldId="273"/>
+            <ac:cxnSpMk id="27" creationId="{2DEEF941-87FE-47E2-8639-820278D5B3B4}"/>
+          </ac:cxnSpMkLst>
+        </pc:cxnChg>
+        <pc:cxnChg chg="del mod">
+          <ac:chgData name="jack copeland" userId="c1f67f945e5b5c42" providerId="LiveId" clId="{61313348-D28B-4C2B-88EF-82071CA11326}" dt="2021-10-17T16:26:18.600" v="2649" actId="478"/>
+          <ac:cxnSpMkLst>
+            <pc:docMk/>
+            <pc:sldMk cId="1217554866" sldId="273"/>
+            <ac:cxnSpMk id="29" creationId="{51DE3F84-7DF9-4730-9453-6BFC5D268F76}"/>
+          </ac:cxnSpMkLst>
+        </pc:cxnChg>
+      </pc:sldChg>
+      <pc:sldChg chg="add del">
+        <pc:chgData name="jack copeland" userId="c1f67f945e5b5c42" providerId="LiveId" clId="{61313348-D28B-4C2B-88EF-82071CA11326}" dt="2021-10-17T16:58:20.028" v="3150"/>
+        <pc:sldMkLst>
+          <pc:docMk/>
+          <pc:sldMk cId="1159035284" sldId="274"/>
+        </pc:sldMkLst>
+      </pc:sldChg>
+      <pc:sldChg chg="addSp delSp modSp add mod setBg">
+        <pc:chgData name="jack copeland" userId="c1f67f945e5b5c42" providerId="LiveId" clId="{61313348-D28B-4C2B-88EF-82071CA11326}" dt="2021-10-17T16:58:37.024" v="3164" actId="478"/>
+        <pc:sldMkLst>
+          <pc:docMk/>
+          <pc:sldMk cId="3130817212" sldId="274"/>
+        </pc:sldMkLst>
+        <pc:spChg chg="mod">
+          <ac:chgData name="jack copeland" userId="c1f67f945e5b5c42" providerId="LiveId" clId="{61313348-D28B-4C2B-88EF-82071CA11326}" dt="2021-10-17T16:58:30.482" v="3163" actId="20577"/>
+          <ac:spMkLst>
+            <pc:docMk/>
+            <pc:sldMk cId="3130817212" sldId="274"/>
+            <ac:spMk id="2" creationId="{50C20EFB-EDCA-46D1-B290-0B0256AF1B15}"/>
+          </ac:spMkLst>
+        </pc:spChg>
+        <pc:spChg chg="del">
+          <ac:chgData name="jack copeland" userId="c1f67f945e5b5c42" providerId="LiveId" clId="{61313348-D28B-4C2B-88EF-82071CA11326}" dt="2021-10-17T16:58:26.798" v="3152" actId="478"/>
+          <ac:spMkLst>
+            <pc:docMk/>
+            <pc:sldMk cId="3130817212" sldId="274"/>
+            <ac:spMk id="3" creationId="{2892E85D-0614-483A-A4FE-2C23B2B2422E}"/>
+          </ac:spMkLst>
+        </pc:spChg>
+        <pc:spChg chg="add del mod">
+          <ac:chgData name="jack copeland" userId="c1f67f945e5b5c42" providerId="LiveId" clId="{61313348-D28B-4C2B-88EF-82071CA11326}" dt="2021-10-17T16:58:37.024" v="3164" actId="478"/>
+          <ac:spMkLst>
+            <pc:docMk/>
+            <pc:sldMk cId="3130817212" sldId="274"/>
+            <ac:spMk id="6" creationId="{6E438F2F-7B34-4BE6-AE22-17BF54E9817F}"/>
+          </ac:spMkLst>
+        </pc:spChg>
       </pc:sldChg>
     </pc:docChg>
   </pc:docChgLst>
@@ -3874,6 +4136,753 @@
 </file>
 
 <file path=ppt/diagrams/colors4.xml><?xml version="1.0" encoding="utf-8"?>
+<dgm:colorsDef xmlns:dgm="http://schemas.openxmlformats.org/drawingml/2006/diagram" xmlns:a="http://schemas.openxmlformats.org/drawingml/2006/main" uniqueId="urn:microsoft.com/office/officeart/2005/8/colors/accent1_2">
+  <dgm:title val=""/>
+  <dgm:desc val=""/>
+  <dgm:catLst>
+    <dgm:cat type="accent1" pri="11200"/>
+  </dgm:catLst>
+  <dgm:styleLbl name="node0">
+    <dgm:fillClrLst meth="repeat">
+      <a:schemeClr val="accent1"/>
+    </dgm:fillClrLst>
+    <dgm:linClrLst meth="repeat">
+      <a:schemeClr val="lt1"/>
+    </dgm:linClrLst>
+    <dgm:effectClrLst/>
+    <dgm:txLinClrLst/>
+    <dgm:txFillClrLst/>
+    <dgm:txEffectClrLst/>
+  </dgm:styleLbl>
+  <dgm:styleLbl name="alignNode1">
+    <dgm:fillClrLst meth="repeat">
+      <a:schemeClr val="accent1"/>
+    </dgm:fillClrLst>
+    <dgm:linClrLst meth="repeat">
+      <a:schemeClr val="accent1"/>
+    </dgm:linClrLst>
+    <dgm:effectClrLst/>
+    <dgm:txLinClrLst/>
+    <dgm:txFillClrLst/>
+    <dgm:txEffectClrLst/>
+  </dgm:styleLbl>
+  <dgm:styleLbl name="node1">
+    <dgm:fillClrLst meth="repeat">
+      <a:schemeClr val="accent1"/>
+    </dgm:fillClrLst>
+    <dgm:linClrLst meth="repeat">
+      <a:schemeClr val="lt1"/>
+    </dgm:linClrLst>
+    <dgm:effectClrLst/>
+    <dgm:txLinClrLst/>
+    <dgm:txFillClrLst/>
+    <dgm:txEffectClrLst/>
+  </dgm:styleLbl>
+  <dgm:styleLbl name="lnNode1">
+    <dgm:fillClrLst meth="repeat">
+      <a:schemeClr val="accent1"/>
+    </dgm:fillClrLst>
+    <dgm:linClrLst meth="repeat">
+      <a:schemeClr val="lt1"/>
+    </dgm:linClrLst>
+    <dgm:effectClrLst/>
+    <dgm:txLinClrLst/>
+    <dgm:txFillClrLst/>
+    <dgm:txEffectClrLst/>
+  </dgm:styleLbl>
+  <dgm:styleLbl name="vennNode1">
+    <dgm:fillClrLst meth="repeat">
+      <a:schemeClr val="accent1">
+        <a:alpha val="50000"/>
+      </a:schemeClr>
+    </dgm:fillClrLst>
+    <dgm:linClrLst meth="repeat">
+      <a:schemeClr val="lt1"/>
+    </dgm:linClrLst>
+    <dgm:effectClrLst/>
+    <dgm:txLinClrLst/>
+    <dgm:txFillClrLst/>
+    <dgm:txEffectClrLst/>
+  </dgm:styleLbl>
+  <dgm:styleLbl name="node2">
+    <dgm:fillClrLst meth="repeat">
+      <a:schemeClr val="accent1"/>
+    </dgm:fillClrLst>
+    <dgm:linClrLst meth="repeat">
+      <a:schemeClr val="lt1"/>
+    </dgm:linClrLst>
+    <dgm:effectClrLst/>
+    <dgm:txLinClrLst/>
+    <dgm:txFillClrLst/>
+    <dgm:txEffectClrLst/>
+  </dgm:styleLbl>
+  <dgm:styleLbl name="node3">
+    <dgm:fillClrLst meth="repeat">
+      <a:schemeClr val="accent1"/>
+    </dgm:fillClrLst>
+    <dgm:linClrLst meth="repeat">
+      <a:schemeClr val="lt1"/>
+    </dgm:linClrLst>
+    <dgm:effectClrLst/>
+    <dgm:txLinClrLst/>
+    <dgm:txFillClrLst/>
+    <dgm:txEffectClrLst/>
+  </dgm:styleLbl>
+  <dgm:styleLbl name="node4">
+    <dgm:fillClrLst meth="repeat">
+      <a:schemeClr val="accent1"/>
+    </dgm:fillClrLst>
+    <dgm:linClrLst meth="repeat">
+      <a:schemeClr val="lt1"/>
+    </dgm:linClrLst>
+    <dgm:effectClrLst/>
+    <dgm:txLinClrLst/>
+    <dgm:txFillClrLst/>
+    <dgm:txEffectClrLst/>
+  </dgm:styleLbl>
+  <dgm:styleLbl name="fgImgPlace1">
+    <dgm:fillClrLst meth="repeat">
+      <a:schemeClr val="accent1">
+        <a:tint val="50000"/>
+      </a:schemeClr>
+    </dgm:fillClrLst>
+    <dgm:linClrLst meth="repeat">
+      <a:schemeClr val="lt1"/>
+    </dgm:linClrLst>
+    <dgm:effectClrLst/>
+    <dgm:txLinClrLst/>
+    <dgm:txFillClrLst meth="repeat">
+      <a:schemeClr val="lt1"/>
+    </dgm:txFillClrLst>
+    <dgm:txEffectClrLst/>
+  </dgm:styleLbl>
+  <dgm:styleLbl name="alignImgPlace1">
+    <dgm:fillClrLst meth="repeat">
+      <a:schemeClr val="accent1">
+        <a:tint val="50000"/>
+      </a:schemeClr>
+    </dgm:fillClrLst>
+    <dgm:linClrLst meth="repeat">
+      <a:schemeClr val="lt1"/>
+    </dgm:linClrLst>
+    <dgm:effectClrLst/>
+    <dgm:txLinClrLst/>
+    <dgm:txFillClrLst meth="repeat">
+      <a:schemeClr val="lt1"/>
+    </dgm:txFillClrLst>
+    <dgm:txEffectClrLst/>
+  </dgm:styleLbl>
+  <dgm:styleLbl name="bgImgPlace1">
+    <dgm:fillClrLst meth="repeat">
+      <a:schemeClr val="accent1">
+        <a:tint val="50000"/>
+      </a:schemeClr>
+    </dgm:fillClrLst>
+    <dgm:linClrLst meth="repeat">
+      <a:schemeClr val="lt1"/>
+    </dgm:linClrLst>
+    <dgm:effectClrLst/>
+    <dgm:txLinClrLst/>
+    <dgm:txFillClrLst meth="repeat">
+      <a:schemeClr val="lt1"/>
+    </dgm:txFillClrLst>
+    <dgm:txEffectClrLst/>
+  </dgm:styleLbl>
+  <dgm:styleLbl name="sibTrans2D1">
+    <dgm:fillClrLst meth="repeat">
+      <a:schemeClr val="accent1">
+        <a:tint val="60000"/>
+      </a:schemeClr>
+    </dgm:fillClrLst>
+    <dgm:linClrLst meth="repeat">
+      <a:schemeClr val="accent1">
+        <a:tint val="60000"/>
+      </a:schemeClr>
+    </dgm:linClrLst>
+    <dgm:effectClrLst/>
+    <dgm:txLinClrLst/>
+    <dgm:txFillClrLst/>
+    <dgm:txEffectClrLst/>
+  </dgm:styleLbl>
+  <dgm:styleLbl name="fgSibTrans2D1">
+    <dgm:fillClrLst meth="repeat">
+      <a:schemeClr val="accent1">
+        <a:tint val="60000"/>
+      </a:schemeClr>
+    </dgm:fillClrLst>
+    <dgm:linClrLst meth="repeat">
+      <a:schemeClr val="accent1">
+        <a:tint val="60000"/>
+      </a:schemeClr>
+    </dgm:linClrLst>
+    <dgm:effectClrLst/>
+    <dgm:txLinClrLst/>
+    <dgm:txFillClrLst/>
+    <dgm:txEffectClrLst/>
+  </dgm:styleLbl>
+  <dgm:styleLbl name="bgSibTrans2D1">
+    <dgm:fillClrLst meth="repeat">
+      <a:schemeClr val="accent1">
+        <a:tint val="60000"/>
+      </a:schemeClr>
+    </dgm:fillClrLst>
+    <dgm:linClrLst meth="repeat">
+      <a:schemeClr val="accent1">
+        <a:tint val="60000"/>
+      </a:schemeClr>
+    </dgm:linClrLst>
+    <dgm:effectClrLst/>
+    <dgm:txLinClrLst/>
+    <dgm:txFillClrLst/>
+    <dgm:txEffectClrLst/>
+  </dgm:styleLbl>
+  <dgm:styleLbl name="sibTrans1D1">
+    <dgm:fillClrLst meth="repeat">
+      <a:schemeClr val="accent1"/>
+    </dgm:fillClrLst>
+    <dgm:linClrLst meth="repeat">
+      <a:schemeClr val="accent1"/>
+    </dgm:linClrLst>
+    <dgm:effectClrLst/>
+    <dgm:txLinClrLst/>
+    <dgm:txFillClrLst meth="repeat">
+      <a:schemeClr val="tx1"/>
+    </dgm:txFillClrLst>
+    <dgm:txEffectClrLst/>
+  </dgm:styleLbl>
+  <dgm:styleLbl name="callout">
+    <dgm:fillClrLst meth="repeat">
+      <a:schemeClr val="accent1"/>
+    </dgm:fillClrLst>
+    <dgm:linClrLst meth="repeat">
+      <a:schemeClr val="accent1">
+        <a:tint val="50000"/>
+      </a:schemeClr>
+    </dgm:linClrLst>
+    <dgm:effectClrLst/>
+    <dgm:txLinClrLst/>
+    <dgm:txFillClrLst meth="repeat">
+      <a:schemeClr val="tx1"/>
+    </dgm:txFillClrLst>
+    <dgm:txEffectClrLst/>
+  </dgm:styleLbl>
+  <dgm:styleLbl name="asst0">
+    <dgm:fillClrLst meth="repeat">
+      <a:schemeClr val="accent1"/>
+    </dgm:fillClrLst>
+    <dgm:linClrLst meth="repeat">
+      <a:schemeClr val="lt1"/>
+    </dgm:linClrLst>
+    <dgm:effectClrLst/>
+    <dgm:txLinClrLst/>
+    <dgm:txFillClrLst/>
+    <dgm:txEffectClrLst/>
+  </dgm:styleLbl>
+  <dgm:styleLbl name="asst1">
+    <dgm:fillClrLst meth="repeat">
+      <a:schemeClr val="accent1"/>
+    </dgm:fillClrLst>
+    <dgm:linClrLst meth="repeat">
+      <a:schemeClr val="lt1"/>
+    </dgm:linClrLst>
+    <dgm:effectClrLst/>
+    <dgm:txLinClrLst/>
+    <dgm:txFillClrLst/>
+    <dgm:txEffectClrLst/>
+  </dgm:styleLbl>
+  <dgm:styleLbl name="asst2">
+    <dgm:fillClrLst meth="repeat">
+      <a:schemeClr val="accent1"/>
+    </dgm:fillClrLst>
+    <dgm:linClrLst meth="repeat">
+      <a:schemeClr val="lt1"/>
+    </dgm:linClrLst>
+    <dgm:effectClrLst/>
+    <dgm:txLinClrLst/>
+    <dgm:txFillClrLst/>
+    <dgm:txEffectClrLst/>
+  </dgm:styleLbl>
+  <dgm:styleLbl name="asst3">
+    <dgm:fillClrLst meth="repeat">
+      <a:schemeClr val="accent1"/>
+    </dgm:fillClrLst>
+    <dgm:linClrLst meth="repeat">
+      <a:schemeClr val="lt1"/>
+    </dgm:linClrLst>
+    <dgm:effectClrLst/>
+    <dgm:txLinClrLst/>
+    <dgm:txFillClrLst/>
+    <dgm:txEffectClrLst/>
+  </dgm:styleLbl>
+  <dgm:styleLbl name="asst4">
+    <dgm:fillClrLst meth="repeat">
+      <a:schemeClr val="accent1"/>
+    </dgm:fillClrLst>
+    <dgm:linClrLst meth="repeat">
+      <a:schemeClr val="lt1"/>
+    </dgm:linClrLst>
+    <dgm:effectClrLst/>
+    <dgm:txLinClrLst/>
+    <dgm:txFillClrLst/>
+    <dgm:txEffectClrLst/>
+  </dgm:styleLbl>
+  <dgm:styleLbl name="parChTrans2D1">
+    <dgm:fillClrLst meth="repeat">
+      <a:schemeClr val="accent1">
+        <a:tint val="60000"/>
+      </a:schemeClr>
+    </dgm:fillClrLst>
+    <dgm:linClrLst meth="repeat">
+      <a:schemeClr val="accent1">
+        <a:tint val="60000"/>
+      </a:schemeClr>
+    </dgm:linClrLst>
+    <dgm:effectClrLst/>
+    <dgm:txLinClrLst/>
+    <dgm:txFillClrLst meth="repeat">
+      <a:schemeClr val="lt1"/>
+    </dgm:txFillClrLst>
+    <dgm:txEffectClrLst/>
+  </dgm:styleLbl>
+  <dgm:styleLbl name="parChTrans2D2">
+    <dgm:fillClrLst meth="repeat">
+      <a:schemeClr val="accent1"/>
+    </dgm:fillClrLst>
+    <dgm:linClrLst meth="repeat">
+      <a:schemeClr val="accent1"/>
+    </dgm:linClrLst>
+    <dgm:effectClrLst/>
+    <dgm:txLinClrLst/>
+    <dgm:txFillClrLst meth="repeat">
+      <a:schemeClr val="lt1"/>
+    </dgm:txFillClrLst>
+    <dgm:txEffectClrLst/>
+  </dgm:styleLbl>
+  <dgm:styleLbl name="parChTrans2D3">
+    <dgm:fillClrLst meth="repeat">
+      <a:schemeClr val="accent1"/>
+    </dgm:fillClrLst>
+    <dgm:linClrLst meth="repeat">
+      <a:schemeClr val="accent1"/>
+    </dgm:linClrLst>
+    <dgm:effectClrLst/>
+    <dgm:txLinClrLst/>
+    <dgm:txFillClrLst meth="repeat">
+      <a:schemeClr val="lt1"/>
+    </dgm:txFillClrLst>
+    <dgm:txEffectClrLst/>
+  </dgm:styleLbl>
+  <dgm:styleLbl name="parChTrans2D4">
+    <dgm:fillClrLst meth="repeat">
+      <a:schemeClr val="accent1"/>
+    </dgm:fillClrLst>
+    <dgm:linClrLst meth="repeat">
+      <a:schemeClr val="accent1"/>
+    </dgm:linClrLst>
+    <dgm:effectClrLst/>
+    <dgm:txLinClrLst/>
+    <dgm:txFillClrLst meth="repeat">
+      <a:schemeClr val="lt1"/>
+    </dgm:txFillClrLst>
+    <dgm:txEffectClrLst/>
+  </dgm:styleLbl>
+  <dgm:styleLbl name="parChTrans1D1">
+    <dgm:fillClrLst meth="repeat">
+      <a:schemeClr val="accent1"/>
+    </dgm:fillClrLst>
+    <dgm:linClrLst meth="repeat">
+      <a:schemeClr val="accent1">
+        <a:shade val="60000"/>
+      </a:schemeClr>
+    </dgm:linClrLst>
+    <dgm:effectClrLst/>
+    <dgm:txLinClrLst/>
+    <dgm:txFillClrLst meth="repeat">
+      <a:schemeClr val="tx1"/>
+    </dgm:txFillClrLst>
+    <dgm:txEffectClrLst/>
+  </dgm:styleLbl>
+  <dgm:styleLbl name="parChTrans1D2">
+    <dgm:fillClrLst meth="repeat">
+      <a:schemeClr val="accent1"/>
+    </dgm:fillClrLst>
+    <dgm:linClrLst meth="repeat">
+      <a:schemeClr val="accent1">
+        <a:shade val="60000"/>
+      </a:schemeClr>
+    </dgm:linClrLst>
+    <dgm:effectClrLst/>
+    <dgm:txLinClrLst/>
+    <dgm:txFillClrLst meth="repeat">
+      <a:schemeClr val="tx1"/>
+    </dgm:txFillClrLst>
+    <dgm:txEffectClrLst/>
+  </dgm:styleLbl>
+  <dgm:styleLbl name="parChTrans1D3">
+    <dgm:fillClrLst meth="repeat">
+      <a:schemeClr val="accent1"/>
+    </dgm:fillClrLst>
+    <dgm:linClrLst meth="repeat">
+      <a:schemeClr val="accent1">
+        <a:shade val="80000"/>
+      </a:schemeClr>
+    </dgm:linClrLst>
+    <dgm:effectClrLst/>
+    <dgm:txLinClrLst/>
+    <dgm:txFillClrLst meth="repeat">
+      <a:schemeClr val="tx1"/>
+    </dgm:txFillClrLst>
+    <dgm:txEffectClrLst/>
+  </dgm:styleLbl>
+  <dgm:styleLbl name="parChTrans1D4">
+    <dgm:fillClrLst meth="repeat">
+      <a:schemeClr val="accent1"/>
+    </dgm:fillClrLst>
+    <dgm:linClrLst meth="repeat">
+      <a:schemeClr val="accent1">
+        <a:shade val="80000"/>
+      </a:schemeClr>
+    </dgm:linClrLst>
+    <dgm:effectClrLst/>
+    <dgm:txLinClrLst/>
+    <dgm:txFillClrLst meth="repeat">
+      <a:schemeClr val="tx1"/>
+    </dgm:txFillClrLst>
+    <dgm:txEffectClrLst/>
+  </dgm:styleLbl>
+  <dgm:styleLbl name="fgAcc1">
+    <dgm:fillClrLst meth="repeat">
+      <a:schemeClr val="lt1">
+        <a:alpha val="90000"/>
+      </a:schemeClr>
+    </dgm:fillClrLst>
+    <dgm:linClrLst meth="repeat">
+      <a:schemeClr val="accent1"/>
+    </dgm:linClrLst>
+    <dgm:effectClrLst/>
+    <dgm:txLinClrLst/>
+    <dgm:txFillClrLst meth="repeat">
+      <a:schemeClr val="dk1"/>
+    </dgm:txFillClrLst>
+    <dgm:txEffectClrLst/>
+  </dgm:styleLbl>
+  <dgm:styleLbl name="conFgAcc1">
+    <dgm:fillClrLst meth="repeat">
+      <a:schemeClr val="lt1">
+        <a:alpha val="90000"/>
+      </a:schemeClr>
+    </dgm:fillClrLst>
+    <dgm:linClrLst meth="repeat">
+      <a:schemeClr val="accent1"/>
+    </dgm:linClrLst>
+    <dgm:effectClrLst/>
+    <dgm:txLinClrLst/>
+    <dgm:txFillClrLst meth="repeat">
+      <a:schemeClr val="dk1"/>
+    </dgm:txFillClrLst>
+    <dgm:txEffectClrLst/>
+  </dgm:styleLbl>
+  <dgm:styleLbl name="alignAcc1">
+    <dgm:fillClrLst meth="repeat">
+      <a:schemeClr val="lt1">
+        <a:alpha val="90000"/>
+      </a:schemeClr>
+    </dgm:fillClrLst>
+    <dgm:linClrLst meth="repeat">
+      <a:schemeClr val="accent1"/>
+    </dgm:linClrLst>
+    <dgm:effectClrLst/>
+    <dgm:txLinClrLst/>
+    <dgm:txFillClrLst meth="repeat">
+      <a:schemeClr val="dk1"/>
+    </dgm:txFillClrLst>
+    <dgm:txEffectClrLst/>
+  </dgm:styleLbl>
+  <dgm:styleLbl name="trAlignAcc1">
+    <dgm:fillClrLst meth="repeat">
+      <a:schemeClr val="lt1">
+        <a:alpha val="40000"/>
+      </a:schemeClr>
+    </dgm:fillClrLst>
+    <dgm:linClrLst meth="repeat">
+      <a:schemeClr val="accent1"/>
+    </dgm:linClrLst>
+    <dgm:effectClrLst/>
+    <dgm:txLinClrLst/>
+    <dgm:txFillClrLst meth="repeat">
+      <a:schemeClr val="dk1"/>
+    </dgm:txFillClrLst>
+    <dgm:txEffectClrLst/>
+  </dgm:styleLbl>
+  <dgm:styleLbl name="bgAcc1">
+    <dgm:fillClrLst meth="repeat">
+      <a:schemeClr val="lt1">
+        <a:alpha val="90000"/>
+      </a:schemeClr>
+    </dgm:fillClrLst>
+    <dgm:linClrLst meth="repeat">
+      <a:schemeClr val="accent1"/>
+    </dgm:linClrLst>
+    <dgm:effectClrLst/>
+    <dgm:txLinClrLst/>
+    <dgm:txFillClrLst meth="repeat">
+      <a:schemeClr val="dk1"/>
+    </dgm:txFillClrLst>
+    <dgm:txEffectClrLst/>
+  </dgm:styleLbl>
+  <dgm:styleLbl name="solidFgAcc1">
+    <dgm:fillClrLst meth="repeat">
+      <a:schemeClr val="lt1"/>
+    </dgm:fillClrLst>
+    <dgm:linClrLst meth="repeat">
+      <a:schemeClr val="accent1"/>
+    </dgm:linClrLst>
+    <dgm:effectClrLst/>
+    <dgm:txLinClrLst/>
+    <dgm:txFillClrLst meth="repeat">
+      <a:schemeClr val="dk1"/>
+    </dgm:txFillClrLst>
+    <dgm:txEffectClrLst/>
+  </dgm:styleLbl>
+  <dgm:styleLbl name="solidAlignAcc1">
+    <dgm:fillClrLst meth="repeat">
+      <a:schemeClr val="lt1"/>
+    </dgm:fillClrLst>
+    <dgm:linClrLst meth="repeat">
+      <a:schemeClr val="accent1"/>
+    </dgm:linClrLst>
+    <dgm:effectClrLst/>
+    <dgm:txLinClrLst/>
+    <dgm:txFillClrLst meth="repeat">
+      <a:schemeClr val="dk1"/>
+    </dgm:txFillClrLst>
+    <dgm:txEffectClrLst/>
+  </dgm:styleLbl>
+  <dgm:styleLbl name="solidBgAcc1">
+    <dgm:fillClrLst meth="repeat">
+      <a:schemeClr val="lt1"/>
+    </dgm:fillClrLst>
+    <dgm:linClrLst meth="repeat">
+      <a:schemeClr val="accent1"/>
+    </dgm:linClrLst>
+    <dgm:effectClrLst/>
+    <dgm:txLinClrLst/>
+    <dgm:txFillClrLst meth="repeat">
+      <a:schemeClr val="dk1"/>
+    </dgm:txFillClrLst>
+    <dgm:txEffectClrLst/>
+  </dgm:styleLbl>
+  <dgm:styleLbl name="fgAccFollowNode1">
+    <dgm:fillClrLst meth="repeat">
+      <a:schemeClr val="accent1">
+        <a:alpha val="90000"/>
+        <a:tint val="40000"/>
+      </a:schemeClr>
+    </dgm:fillClrLst>
+    <dgm:linClrLst meth="repeat">
+      <a:schemeClr val="accent1">
+        <a:alpha val="90000"/>
+        <a:tint val="40000"/>
+      </a:schemeClr>
+    </dgm:linClrLst>
+    <dgm:effectClrLst/>
+    <dgm:txLinClrLst/>
+    <dgm:txFillClrLst meth="repeat">
+      <a:schemeClr val="dk1"/>
+    </dgm:txFillClrLst>
+    <dgm:txEffectClrLst/>
+  </dgm:styleLbl>
+  <dgm:styleLbl name="alignAccFollowNode1">
+    <dgm:fillClrLst meth="repeat">
+      <a:schemeClr val="accent1">
+        <a:alpha val="90000"/>
+        <a:tint val="40000"/>
+      </a:schemeClr>
+    </dgm:fillClrLst>
+    <dgm:linClrLst meth="repeat">
+      <a:schemeClr val="accent1">
+        <a:alpha val="90000"/>
+        <a:tint val="40000"/>
+      </a:schemeClr>
+    </dgm:linClrLst>
+    <dgm:effectClrLst/>
+    <dgm:txLinClrLst/>
+    <dgm:txFillClrLst meth="repeat">
+      <a:schemeClr val="dk1"/>
+    </dgm:txFillClrLst>
+    <dgm:txEffectClrLst/>
+  </dgm:styleLbl>
+  <dgm:styleLbl name="bgAccFollowNode1">
+    <dgm:fillClrLst meth="repeat">
+      <a:schemeClr val="accent1">
+        <a:alpha val="90000"/>
+        <a:tint val="40000"/>
+      </a:schemeClr>
+    </dgm:fillClrLst>
+    <dgm:linClrLst meth="repeat">
+      <a:schemeClr val="accent1">
+        <a:alpha val="90000"/>
+        <a:tint val="40000"/>
+      </a:schemeClr>
+    </dgm:linClrLst>
+    <dgm:effectClrLst/>
+    <dgm:txLinClrLst/>
+    <dgm:txFillClrLst meth="repeat">
+      <a:schemeClr val="dk1"/>
+    </dgm:txFillClrLst>
+    <dgm:txEffectClrLst/>
+  </dgm:styleLbl>
+  <dgm:styleLbl name="fgAcc0">
+    <dgm:fillClrLst meth="repeat">
+      <a:schemeClr val="lt1">
+        <a:alpha val="90000"/>
+      </a:schemeClr>
+    </dgm:fillClrLst>
+    <dgm:linClrLst meth="repeat">
+      <a:schemeClr val="accent1"/>
+    </dgm:linClrLst>
+    <dgm:effectClrLst/>
+    <dgm:txLinClrLst/>
+    <dgm:txFillClrLst meth="repeat">
+      <a:schemeClr val="dk1"/>
+    </dgm:txFillClrLst>
+    <dgm:txEffectClrLst/>
+  </dgm:styleLbl>
+  <dgm:styleLbl name="fgAcc2">
+    <dgm:fillClrLst meth="repeat">
+      <a:schemeClr val="lt1">
+        <a:alpha val="90000"/>
+      </a:schemeClr>
+    </dgm:fillClrLst>
+    <dgm:linClrLst meth="repeat">
+      <a:schemeClr val="accent1"/>
+    </dgm:linClrLst>
+    <dgm:effectClrLst/>
+    <dgm:txLinClrLst/>
+    <dgm:txFillClrLst meth="repeat">
+      <a:schemeClr val="dk1"/>
+    </dgm:txFillClrLst>
+    <dgm:txEffectClrLst/>
+  </dgm:styleLbl>
+  <dgm:styleLbl name="fgAcc3">
+    <dgm:fillClrLst meth="repeat">
+      <a:schemeClr val="lt1">
+        <a:alpha val="90000"/>
+      </a:schemeClr>
+    </dgm:fillClrLst>
+    <dgm:linClrLst meth="repeat">
+      <a:schemeClr val="accent1"/>
+    </dgm:linClrLst>
+    <dgm:effectClrLst/>
+    <dgm:txLinClrLst/>
+    <dgm:txFillClrLst meth="repeat">
+      <a:schemeClr val="dk1"/>
+    </dgm:txFillClrLst>
+    <dgm:txEffectClrLst/>
+  </dgm:styleLbl>
+  <dgm:styleLbl name="fgAcc4">
+    <dgm:fillClrLst meth="repeat">
+      <a:schemeClr val="lt1">
+        <a:alpha val="90000"/>
+      </a:schemeClr>
+    </dgm:fillClrLst>
+    <dgm:linClrLst meth="repeat">
+      <a:schemeClr val="accent1"/>
+    </dgm:linClrLst>
+    <dgm:effectClrLst/>
+    <dgm:txLinClrLst/>
+    <dgm:txFillClrLst meth="repeat">
+      <a:schemeClr val="dk1"/>
+    </dgm:txFillClrLst>
+    <dgm:txEffectClrLst/>
+  </dgm:styleLbl>
+  <dgm:styleLbl name="bgShp">
+    <dgm:fillClrLst meth="repeat">
+      <a:schemeClr val="accent1">
+        <a:tint val="40000"/>
+      </a:schemeClr>
+    </dgm:fillClrLst>
+    <dgm:linClrLst meth="repeat">
+      <a:schemeClr val="accent1"/>
+    </dgm:linClrLst>
+    <dgm:effectClrLst/>
+    <dgm:txLinClrLst/>
+    <dgm:txFillClrLst meth="repeat">
+      <a:schemeClr val="dk1"/>
+    </dgm:txFillClrLst>
+    <dgm:txEffectClrLst/>
+  </dgm:styleLbl>
+  <dgm:styleLbl name="dkBgShp">
+    <dgm:fillClrLst meth="repeat">
+      <a:schemeClr val="accent1">
+        <a:shade val="80000"/>
+      </a:schemeClr>
+    </dgm:fillClrLst>
+    <dgm:linClrLst meth="repeat">
+      <a:schemeClr val="accent1"/>
+    </dgm:linClrLst>
+    <dgm:effectClrLst/>
+    <dgm:txLinClrLst/>
+    <dgm:txFillClrLst meth="repeat">
+      <a:schemeClr val="lt1"/>
+    </dgm:txFillClrLst>
+    <dgm:txEffectClrLst/>
+  </dgm:styleLbl>
+  <dgm:styleLbl name="trBgShp">
+    <dgm:fillClrLst meth="repeat">
+      <a:schemeClr val="accent1">
+        <a:tint val="50000"/>
+        <a:alpha val="40000"/>
+      </a:schemeClr>
+    </dgm:fillClrLst>
+    <dgm:linClrLst meth="repeat">
+      <a:schemeClr val="accent1"/>
+    </dgm:linClrLst>
+    <dgm:effectClrLst/>
+    <dgm:txLinClrLst/>
+    <dgm:txFillClrLst meth="repeat">
+      <a:schemeClr val="lt1"/>
+    </dgm:txFillClrLst>
+    <dgm:txEffectClrLst/>
+  </dgm:styleLbl>
+  <dgm:styleLbl name="fgShp">
+    <dgm:fillClrLst meth="repeat">
+      <a:schemeClr val="accent1">
+        <a:tint val="60000"/>
+      </a:schemeClr>
+    </dgm:fillClrLst>
+    <dgm:linClrLst meth="repeat">
+      <a:schemeClr val="lt1"/>
+    </dgm:linClrLst>
+    <dgm:effectClrLst/>
+    <dgm:txLinClrLst/>
+    <dgm:txFillClrLst meth="repeat">
+      <a:schemeClr val="dk1"/>
+    </dgm:txFillClrLst>
+    <dgm:txEffectClrLst/>
+  </dgm:styleLbl>
+  <dgm:styleLbl name="revTx">
+    <dgm:fillClrLst meth="repeat">
+      <a:schemeClr val="lt1">
+        <a:alpha val="0"/>
+      </a:schemeClr>
+    </dgm:fillClrLst>
+    <dgm:linClrLst meth="repeat">
+      <a:schemeClr val="dk1">
+        <a:alpha val="0"/>
+      </a:schemeClr>
+    </dgm:linClrLst>
+    <dgm:effectClrLst/>
+    <dgm:txLinClrLst/>
+    <dgm:txFillClrLst meth="repeat">
+      <a:schemeClr val="tx1"/>
+    </dgm:txFillClrLst>
+    <dgm:txEffectClrLst/>
+  </dgm:styleLbl>
+</dgm:colorsDef>
+</file>
+
+<file path=ppt/diagrams/colors5.xml><?xml version="1.0" encoding="utf-8"?>
 <dgm:colorsDef xmlns:dgm="http://schemas.openxmlformats.org/drawingml/2006/diagram" xmlns:a="http://schemas.openxmlformats.org/drawingml/2006/main" uniqueId="urn:microsoft.com/office/officeart/2005/8/colors/accent1_2">
   <dgm:title val=""/>
   <dgm:desc val=""/>
@@ -6060,6 +7069,372 @@
   <dgm:extLst>
     <a:ext uri="http://schemas.microsoft.com/office/drawing/2008/diagram">
       <dsp:dataModelExt xmlns:dsp="http://schemas.microsoft.com/office/drawing/2008/diagram" relId="rId6" minVer="http://schemas.openxmlformats.org/drawingml/2006/diagram"/>
+    </a:ext>
+  </dgm:extLst>
+</dgm:dataModel>
+</file>
+
+<file path=ppt/diagrams/data5.xml><?xml version="1.0" encoding="utf-8"?>
+<dgm:dataModel xmlns:dgm="http://schemas.openxmlformats.org/drawingml/2006/diagram" xmlns:a="http://schemas.openxmlformats.org/drawingml/2006/main">
+  <dgm:ptLst>
+    <dgm:pt modelId="{81356977-3A7C-41EE-944B-165096A9B22B}" type="doc">
+      <dgm:prSet loTypeId="urn:microsoft.com/office/officeart/2008/layout/VerticalCurvedList" loCatId="list" qsTypeId="urn:microsoft.com/office/officeart/2005/8/quickstyle/simple1" qsCatId="simple" csTypeId="urn:microsoft.com/office/officeart/2005/8/colors/accent1_2" csCatId="accent1" phldr="1"/>
+      <dgm:spPr/>
+      <dgm:t>
+        <a:bodyPr/>
+        <a:lstStyle/>
+        <a:p>
+          <a:endParaRPr lang="en-US"/>
+        </a:p>
+      </dgm:t>
+    </dgm:pt>
+    <dgm:pt modelId="{2487AD34-618A-47DC-93CC-6FD709619C5F}">
+      <dgm:prSet phldrT="[Text]"/>
+      <dgm:spPr/>
+      <dgm:t>
+        <a:bodyPr/>
+        <a:lstStyle/>
+        <a:p>
+          <a:r>
+            <a:rPr lang="en-US" dirty="0"/>
+            <a:t>Background Information</a:t>
+          </a:r>
+        </a:p>
+      </dgm:t>
+    </dgm:pt>
+    <dgm:pt modelId="{E343E530-A616-4AE3-BAB2-394642ABEBB9}" type="parTrans" cxnId="{5A702C0E-4D20-4F51-B12A-7A0878E6D012}">
+      <dgm:prSet/>
+      <dgm:spPr/>
+      <dgm:t>
+        <a:bodyPr/>
+        <a:lstStyle/>
+        <a:p>
+          <a:endParaRPr lang="en-US"/>
+        </a:p>
+      </dgm:t>
+    </dgm:pt>
+    <dgm:pt modelId="{58CC171C-66DA-4598-BF35-CFE3DF266562}" type="sibTrans" cxnId="{5A702C0E-4D20-4F51-B12A-7A0878E6D012}">
+      <dgm:prSet/>
+      <dgm:spPr/>
+      <dgm:t>
+        <a:bodyPr/>
+        <a:lstStyle/>
+        <a:p>
+          <a:endParaRPr lang="en-US"/>
+        </a:p>
+      </dgm:t>
+    </dgm:pt>
+    <dgm:pt modelId="{FEA88821-40BA-455D-8687-BB2F034D2D28}">
+      <dgm:prSet phldrT="[Text]"/>
+      <dgm:spPr/>
+      <dgm:t>
+        <a:bodyPr/>
+        <a:lstStyle/>
+        <a:p>
+          <a:r>
+            <a:rPr lang="en-US" dirty="0"/>
+            <a:t>Research Question</a:t>
+          </a:r>
+        </a:p>
+      </dgm:t>
+    </dgm:pt>
+    <dgm:pt modelId="{A3099FDB-FB33-4D3D-8178-3E73EE991E17}" type="parTrans" cxnId="{735D96F6-44CC-44A2-8668-892C62141E19}">
+      <dgm:prSet/>
+      <dgm:spPr/>
+      <dgm:t>
+        <a:bodyPr/>
+        <a:lstStyle/>
+        <a:p>
+          <a:endParaRPr lang="en-US"/>
+        </a:p>
+      </dgm:t>
+    </dgm:pt>
+    <dgm:pt modelId="{7D8B849B-55A3-4DBB-96AB-A938BE389C10}" type="sibTrans" cxnId="{735D96F6-44CC-44A2-8668-892C62141E19}">
+      <dgm:prSet/>
+      <dgm:spPr/>
+      <dgm:t>
+        <a:bodyPr/>
+        <a:lstStyle/>
+        <a:p>
+          <a:endParaRPr lang="en-US"/>
+        </a:p>
+      </dgm:t>
+    </dgm:pt>
+    <dgm:pt modelId="{07D6B59E-AF83-4FCC-8F5F-FEFB06C1866B}">
+      <dgm:prSet phldrT="[Text]"/>
+      <dgm:spPr>
+        <a:solidFill>
+          <a:srgbClr val="1F394D"/>
+        </a:solidFill>
+      </dgm:spPr>
+      <dgm:t>
+        <a:bodyPr/>
+        <a:lstStyle/>
+        <a:p>
+          <a:r>
+            <a:rPr lang="en-US" dirty="0"/>
+            <a:t>Data Analysis</a:t>
+          </a:r>
+        </a:p>
+      </dgm:t>
+    </dgm:pt>
+    <dgm:pt modelId="{3C1B3F8F-BD88-49A5-A558-3CA74CBCA6EB}" type="parTrans" cxnId="{79F4FAF4-9798-4676-8011-F3FC4CB83288}">
+      <dgm:prSet/>
+      <dgm:spPr/>
+      <dgm:t>
+        <a:bodyPr/>
+        <a:lstStyle/>
+        <a:p>
+          <a:endParaRPr lang="en-US"/>
+        </a:p>
+      </dgm:t>
+    </dgm:pt>
+    <dgm:pt modelId="{A8172C5C-847D-44E7-B678-0C350190848D}" type="sibTrans" cxnId="{79F4FAF4-9798-4676-8011-F3FC4CB83288}">
+      <dgm:prSet/>
+      <dgm:spPr/>
+      <dgm:t>
+        <a:bodyPr/>
+        <a:lstStyle/>
+        <a:p>
+          <a:endParaRPr lang="en-US"/>
+        </a:p>
+      </dgm:t>
+    </dgm:pt>
+    <dgm:pt modelId="{DC167FC4-AE7E-40A1-ADD8-45CE0F936D0A}">
+      <dgm:prSet phldrT="[Text]"/>
+      <dgm:spPr>
+        <a:solidFill>
+          <a:srgbClr val="1F394D"/>
+        </a:solidFill>
+      </dgm:spPr>
+      <dgm:t>
+        <a:bodyPr/>
+        <a:lstStyle/>
+        <a:p>
+          <a:r>
+            <a:rPr lang="en-US" dirty="0"/>
+            <a:t>Conclusion</a:t>
+          </a:r>
+        </a:p>
+      </dgm:t>
+    </dgm:pt>
+    <dgm:pt modelId="{6578EFC0-105C-4942-9A10-C6E50ABE049B}" type="parTrans" cxnId="{CC190814-F35A-4475-B2C8-72EA8BF263F7}">
+      <dgm:prSet/>
+      <dgm:spPr/>
+      <dgm:t>
+        <a:bodyPr/>
+        <a:lstStyle/>
+        <a:p>
+          <a:endParaRPr lang="en-US"/>
+        </a:p>
+      </dgm:t>
+    </dgm:pt>
+    <dgm:pt modelId="{1E20FF92-ADA7-4651-B718-8FA617C6C933}" type="sibTrans" cxnId="{CC190814-F35A-4475-B2C8-72EA8BF263F7}">
+      <dgm:prSet/>
+      <dgm:spPr/>
+      <dgm:t>
+        <a:bodyPr/>
+        <a:lstStyle/>
+        <a:p>
+          <a:endParaRPr lang="en-US"/>
+        </a:p>
+      </dgm:t>
+    </dgm:pt>
+    <dgm:pt modelId="{390BA653-E6AF-4E4C-A2F7-64ABB2AED570}">
+      <dgm:prSet phldrT="[Text]"/>
+      <dgm:spPr>
+        <a:solidFill>
+          <a:srgbClr val="8CB3D1"/>
+        </a:solidFill>
+      </dgm:spPr>
+      <dgm:t>
+        <a:bodyPr/>
+        <a:lstStyle/>
+        <a:p>
+          <a:r>
+            <a:rPr lang="en-US" dirty="0"/>
+            <a:t>Future Work/Next Steps</a:t>
+          </a:r>
+        </a:p>
+      </dgm:t>
+    </dgm:pt>
+    <dgm:pt modelId="{CF14DB24-9F2E-4009-A93C-978CC932956A}" type="parTrans" cxnId="{415710A2-1B41-4192-9711-F02FFA03D424}">
+      <dgm:prSet/>
+      <dgm:spPr/>
+      <dgm:t>
+        <a:bodyPr/>
+        <a:lstStyle/>
+        <a:p>
+          <a:endParaRPr lang="en-US"/>
+        </a:p>
+      </dgm:t>
+    </dgm:pt>
+    <dgm:pt modelId="{089AC43F-F68C-4DD1-BA67-9AC6DB073C31}" type="sibTrans" cxnId="{415710A2-1B41-4192-9711-F02FFA03D424}">
+      <dgm:prSet/>
+      <dgm:spPr/>
+      <dgm:t>
+        <a:bodyPr/>
+        <a:lstStyle/>
+        <a:p>
+          <a:endParaRPr lang="en-US"/>
+        </a:p>
+      </dgm:t>
+    </dgm:pt>
+    <dgm:pt modelId="{72D371A8-900E-4003-AD0B-BC21E485B71E}" type="pres">
+      <dgm:prSet presAssocID="{81356977-3A7C-41EE-944B-165096A9B22B}" presName="Name0" presStyleCnt="0">
+        <dgm:presLayoutVars>
+          <dgm:chMax val="7"/>
+          <dgm:chPref val="7"/>
+          <dgm:dir/>
+        </dgm:presLayoutVars>
+      </dgm:prSet>
+      <dgm:spPr/>
+    </dgm:pt>
+    <dgm:pt modelId="{1ED25D08-D906-4D51-9F2D-52293CD11578}" type="pres">
+      <dgm:prSet presAssocID="{81356977-3A7C-41EE-944B-165096A9B22B}" presName="Name1" presStyleCnt="0"/>
+      <dgm:spPr/>
+    </dgm:pt>
+    <dgm:pt modelId="{502970D2-A058-412A-81A9-96E53E169941}" type="pres">
+      <dgm:prSet presAssocID="{81356977-3A7C-41EE-944B-165096A9B22B}" presName="cycle" presStyleCnt="0"/>
+      <dgm:spPr/>
+    </dgm:pt>
+    <dgm:pt modelId="{2BF104DE-6A9D-4CEE-889C-7B4AAB30507A}" type="pres">
+      <dgm:prSet presAssocID="{81356977-3A7C-41EE-944B-165096A9B22B}" presName="srcNode" presStyleLbl="node1" presStyleIdx="0" presStyleCnt="5"/>
+      <dgm:spPr/>
+    </dgm:pt>
+    <dgm:pt modelId="{985CC7EC-2571-4781-9BEE-4D2051FDA60B}" type="pres">
+      <dgm:prSet presAssocID="{81356977-3A7C-41EE-944B-165096A9B22B}" presName="conn" presStyleLbl="parChTrans1D2" presStyleIdx="0" presStyleCnt="1"/>
+      <dgm:spPr/>
+    </dgm:pt>
+    <dgm:pt modelId="{1821764E-DF98-4D14-955A-E56AF8D671CB}" type="pres">
+      <dgm:prSet presAssocID="{81356977-3A7C-41EE-944B-165096A9B22B}" presName="extraNode" presStyleLbl="node1" presStyleIdx="0" presStyleCnt="5"/>
+      <dgm:spPr/>
+    </dgm:pt>
+    <dgm:pt modelId="{802A1291-13A8-4758-A76C-C96744E63E9C}" type="pres">
+      <dgm:prSet presAssocID="{81356977-3A7C-41EE-944B-165096A9B22B}" presName="dstNode" presStyleLbl="node1" presStyleIdx="0" presStyleCnt="5"/>
+      <dgm:spPr/>
+    </dgm:pt>
+    <dgm:pt modelId="{1FA2E616-CB41-4CCA-AEFF-4771D064C713}" type="pres">
+      <dgm:prSet presAssocID="{2487AD34-618A-47DC-93CC-6FD709619C5F}" presName="text_1" presStyleLbl="node1" presStyleIdx="0" presStyleCnt="5">
+        <dgm:presLayoutVars>
+          <dgm:bulletEnabled val="1"/>
+        </dgm:presLayoutVars>
+      </dgm:prSet>
+      <dgm:spPr/>
+    </dgm:pt>
+    <dgm:pt modelId="{413F8789-57A2-4F48-B3C0-97FAE06959D2}" type="pres">
+      <dgm:prSet presAssocID="{2487AD34-618A-47DC-93CC-6FD709619C5F}" presName="accent_1" presStyleCnt="0"/>
+      <dgm:spPr/>
+    </dgm:pt>
+    <dgm:pt modelId="{6815A97F-5379-4D5E-ACA8-BA0F1C5B7937}" type="pres">
+      <dgm:prSet presAssocID="{2487AD34-618A-47DC-93CC-6FD709619C5F}" presName="accentRepeatNode" presStyleLbl="solidFgAcc1" presStyleIdx="0" presStyleCnt="5"/>
+      <dgm:spPr/>
+    </dgm:pt>
+    <dgm:pt modelId="{91971360-DCA5-401B-BED8-52D33871E09B}" type="pres">
+      <dgm:prSet presAssocID="{FEA88821-40BA-455D-8687-BB2F034D2D28}" presName="text_2" presStyleLbl="node1" presStyleIdx="1" presStyleCnt="5">
+        <dgm:presLayoutVars>
+          <dgm:bulletEnabled val="1"/>
+        </dgm:presLayoutVars>
+      </dgm:prSet>
+      <dgm:spPr/>
+    </dgm:pt>
+    <dgm:pt modelId="{80101E17-A8B1-4995-9479-AE00D7F18275}" type="pres">
+      <dgm:prSet presAssocID="{FEA88821-40BA-455D-8687-BB2F034D2D28}" presName="accent_2" presStyleCnt="0"/>
+      <dgm:spPr/>
+    </dgm:pt>
+    <dgm:pt modelId="{2CA897BC-1B34-4449-A1AD-59C84149C01A}" type="pres">
+      <dgm:prSet presAssocID="{FEA88821-40BA-455D-8687-BB2F034D2D28}" presName="accentRepeatNode" presStyleLbl="solidFgAcc1" presStyleIdx="1" presStyleCnt="5"/>
+      <dgm:spPr/>
+    </dgm:pt>
+    <dgm:pt modelId="{B03BA408-0BCB-4BE9-A573-B70B6F3383B5}" type="pres">
+      <dgm:prSet presAssocID="{07D6B59E-AF83-4FCC-8F5F-FEFB06C1866B}" presName="text_3" presStyleLbl="node1" presStyleIdx="2" presStyleCnt="5">
+        <dgm:presLayoutVars>
+          <dgm:bulletEnabled val="1"/>
+        </dgm:presLayoutVars>
+      </dgm:prSet>
+      <dgm:spPr/>
+    </dgm:pt>
+    <dgm:pt modelId="{3AD62853-35CE-47B0-9018-3854C145BD23}" type="pres">
+      <dgm:prSet presAssocID="{07D6B59E-AF83-4FCC-8F5F-FEFB06C1866B}" presName="accent_3" presStyleCnt="0"/>
+      <dgm:spPr/>
+    </dgm:pt>
+    <dgm:pt modelId="{EAA3E4E6-C136-4FEB-9063-ED1F983673DB}" type="pres">
+      <dgm:prSet presAssocID="{07D6B59E-AF83-4FCC-8F5F-FEFB06C1866B}" presName="accentRepeatNode" presStyleLbl="solidFgAcc1" presStyleIdx="2" presStyleCnt="5"/>
+      <dgm:spPr/>
+    </dgm:pt>
+    <dgm:pt modelId="{99419089-53B3-476B-9D70-DA750D374797}" type="pres">
+      <dgm:prSet presAssocID="{DC167FC4-AE7E-40A1-ADD8-45CE0F936D0A}" presName="text_4" presStyleLbl="node1" presStyleIdx="3" presStyleCnt="5">
+        <dgm:presLayoutVars>
+          <dgm:bulletEnabled val="1"/>
+        </dgm:presLayoutVars>
+      </dgm:prSet>
+      <dgm:spPr/>
+    </dgm:pt>
+    <dgm:pt modelId="{58288E66-5538-4BDB-AA57-3C1E314DE828}" type="pres">
+      <dgm:prSet presAssocID="{DC167FC4-AE7E-40A1-ADD8-45CE0F936D0A}" presName="accent_4" presStyleCnt="0"/>
+      <dgm:spPr/>
+    </dgm:pt>
+    <dgm:pt modelId="{9E086C9A-D27B-490C-9406-1F17662CCB0B}" type="pres">
+      <dgm:prSet presAssocID="{DC167FC4-AE7E-40A1-ADD8-45CE0F936D0A}" presName="accentRepeatNode" presStyleLbl="solidFgAcc1" presStyleIdx="3" presStyleCnt="5"/>
+      <dgm:spPr/>
+    </dgm:pt>
+    <dgm:pt modelId="{B661DBEE-881F-4F18-A271-83DB8243A08C}" type="pres">
+      <dgm:prSet presAssocID="{390BA653-E6AF-4E4C-A2F7-64ABB2AED570}" presName="text_5" presStyleLbl="node1" presStyleIdx="4" presStyleCnt="5">
+        <dgm:presLayoutVars>
+          <dgm:bulletEnabled val="1"/>
+        </dgm:presLayoutVars>
+      </dgm:prSet>
+      <dgm:spPr/>
+    </dgm:pt>
+    <dgm:pt modelId="{EDBD2987-A607-4D68-B1A4-9183E837EA62}" type="pres">
+      <dgm:prSet presAssocID="{390BA653-E6AF-4E4C-A2F7-64ABB2AED570}" presName="accent_5" presStyleCnt="0"/>
+      <dgm:spPr/>
+    </dgm:pt>
+    <dgm:pt modelId="{A60867B2-2A52-4BCD-8F45-E8CEF8A0AF2B}" type="pres">
+      <dgm:prSet presAssocID="{390BA653-E6AF-4E4C-A2F7-64ABB2AED570}" presName="accentRepeatNode" presStyleLbl="solidFgAcc1" presStyleIdx="4" presStyleCnt="5"/>
+      <dgm:spPr/>
+    </dgm:pt>
+  </dgm:ptLst>
+  <dgm:cxnLst>
+    <dgm:cxn modelId="{5A702C0E-4D20-4F51-B12A-7A0878E6D012}" srcId="{81356977-3A7C-41EE-944B-165096A9B22B}" destId="{2487AD34-618A-47DC-93CC-6FD709619C5F}" srcOrd="0" destOrd="0" parTransId="{E343E530-A616-4AE3-BAB2-394642ABEBB9}" sibTransId="{58CC171C-66DA-4598-BF35-CFE3DF266562}"/>
+    <dgm:cxn modelId="{CC190814-F35A-4475-B2C8-72EA8BF263F7}" srcId="{81356977-3A7C-41EE-944B-165096A9B22B}" destId="{DC167FC4-AE7E-40A1-ADD8-45CE0F936D0A}" srcOrd="3" destOrd="0" parTransId="{6578EFC0-105C-4942-9A10-C6E50ABE049B}" sibTransId="{1E20FF92-ADA7-4651-B718-8FA617C6C933}"/>
+    <dgm:cxn modelId="{D1B01915-8FDD-4517-9E4C-02FA1D5849C1}" type="presOf" srcId="{390BA653-E6AF-4E4C-A2F7-64ABB2AED570}" destId="{B661DBEE-881F-4F18-A271-83DB8243A08C}" srcOrd="0" destOrd="0" presId="urn:microsoft.com/office/officeart/2008/layout/VerticalCurvedList"/>
+    <dgm:cxn modelId="{52AC5C61-7984-4AFE-9071-EC0353B753A8}" type="presOf" srcId="{07D6B59E-AF83-4FCC-8F5F-FEFB06C1866B}" destId="{B03BA408-0BCB-4BE9-A573-B70B6F3383B5}" srcOrd="0" destOrd="0" presId="urn:microsoft.com/office/officeart/2008/layout/VerticalCurvedList"/>
+    <dgm:cxn modelId="{4FD2BB6F-DCD9-4620-9C4B-B60E5709E528}" type="presOf" srcId="{58CC171C-66DA-4598-BF35-CFE3DF266562}" destId="{985CC7EC-2571-4781-9BEE-4D2051FDA60B}" srcOrd="0" destOrd="0" presId="urn:microsoft.com/office/officeart/2008/layout/VerticalCurvedList"/>
+    <dgm:cxn modelId="{FF4A5259-C775-4DEE-A6DA-5C17D4ABDAB4}" type="presOf" srcId="{81356977-3A7C-41EE-944B-165096A9B22B}" destId="{72D371A8-900E-4003-AD0B-BC21E485B71E}" srcOrd="0" destOrd="0" presId="urn:microsoft.com/office/officeart/2008/layout/VerticalCurvedList"/>
+    <dgm:cxn modelId="{415710A2-1B41-4192-9711-F02FFA03D424}" srcId="{81356977-3A7C-41EE-944B-165096A9B22B}" destId="{390BA653-E6AF-4E4C-A2F7-64ABB2AED570}" srcOrd="4" destOrd="0" parTransId="{CF14DB24-9F2E-4009-A93C-978CC932956A}" sibTransId="{089AC43F-F68C-4DD1-BA67-9AC6DB073C31}"/>
+    <dgm:cxn modelId="{54A464B5-A0C4-4379-ABF2-97AB882B8FD2}" type="presOf" srcId="{2487AD34-618A-47DC-93CC-6FD709619C5F}" destId="{1FA2E616-CB41-4CCA-AEFF-4771D064C713}" srcOrd="0" destOrd="0" presId="urn:microsoft.com/office/officeart/2008/layout/VerticalCurvedList"/>
+    <dgm:cxn modelId="{604341CE-92BF-4608-ACCA-E466D5AE6419}" type="presOf" srcId="{FEA88821-40BA-455D-8687-BB2F034D2D28}" destId="{91971360-DCA5-401B-BED8-52D33871E09B}" srcOrd="0" destOrd="0" presId="urn:microsoft.com/office/officeart/2008/layout/VerticalCurvedList"/>
+    <dgm:cxn modelId="{79F4FAF4-9798-4676-8011-F3FC4CB83288}" srcId="{81356977-3A7C-41EE-944B-165096A9B22B}" destId="{07D6B59E-AF83-4FCC-8F5F-FEFB06C1866B}" srcOrd="2" destOrd="0" parTransId="{3C1B3F8F-BD88-49A5-A558-3CA74CBCA6EB}" sibTransId="{A8172C5C-847D-44E7-B678-0C350190848D}"/>
+    <dgm:cxn modelId="{735D96F6-44CC-44A2-8668-892C62141E19}" srcId="{81356977-3A7C-41EE-944B-165096A9B22B}" destId="{FEA88821-40BA-455D-8687-BB2F034D2D28}" srcOrd="1" destOrd="0" parTransId="{A3099FDB-FB33-4D3D-8178-3E73EE991E17}" sibTransId="{7D8B849B-55A3-4DBB-96AB-A938BE389C10}"/>
+    <dgm:cxn modelId="{EB1889FB-238E-4910-A553-7B663CF91F1E}" type="presOf" srcId="{DC167FC4-AE7E-40A1-ADD8-45CE0F936D0A}" destId="{99419089-53B3-476B-9D70-DA750D374797}" srcOrd="0" destOrd="0" presId="urn:microsoft.com/office/officeart/2008/layout/VerticalCurvedList"/>
+    <dgm:cxn modelId="{03064DB9-0F7F-406C-8986-1EFB0AB382D7}" type="presParOf" srcId="{72D371A8-900E-4003-AD0B-BC21E485B71E}" destId="{1ED25D08-D906-4D51-9F2D-52293CD11578}" srcOrd="0" destOrd="0" presId="urn:microsoft.com/office/officeart/2008/layout/VerticalCurvedList"/>
+    <dgm:cxn modelId="{20A5086A-B31A-41B5-8B26-DD69F1B25AC0}" type="presParOf" srcId="{1ED25D08-D906-4D51-9F2D-52293CD11578}" destId="{502970D2-A058-412A-81A9-96E53E169941}" srcOrd="0" destOrd="0" presId="urn:microsoft.com/office/officeart/2008/layout/VerticalCurvedList"/>
+    <dgm:cxn modelId="{06E6FBFC-F9B8-4BAB-A378-4EF54FA3F60D}" type="presParOf" srcId="{502970D2-A058-412A-81A9-96E53E169941}" destId="{2BF104DE-6A9D-4CEE-889C-7B4AAB30507A}" srcOrd="0" destOrd="0" presId="urn:microsoft.com/office/officeart/2008/layout/VerticalCurvedList"/>
+    <dgm:cxn modelId="{64160BB0-6266-4C5C-BF68-63D78B2DDBF1}" type="presParOf" srcId="{502970D2-A058-412A-81A9-96E53E169941}" destId="{985CC7EC-2571-4781-9BEE-4D2051FDA60B}" srcOrd="1" destOrd="0" presId="urn:microsoft.com/office/officeart/2008/layout/VerticalCurvedList"/>
+    <dgm:cxn modelId="{AC35F695-9319-4468-92D8-C8863F1B397F}" type="presParOf" srcId="{502970D2-A058-412A-81A9-96E53E169941}" destId="{1821764E-DF98-4D14-955A-E56AF8D671CB}" srcOrd="2" destOrd="0" presId="urn:microsoft.com/office/officeart/2008/layout/VerticalCurvedList"/>
+    <dgm:cxn modelId="{02CEBDEE-9FAB-4CCD-AAF1-631EE06A8FD9}" type="presParOf" srcId="{502970D2-A058-412A-81A9-96E53E169941}" destId="{802A1291-13A8-4758-A76C-C96744E63E9C}" srcOrd="3" destOrd="0" presId="urn:microsoft.com/office/officeart/2008/layout/VerticalCurvedList"/>
+    <dgm:cxn modelId="{BC37C4D0-65E9-454D-9F6B-158C65282E10}" type="presParOf" srcId="{1ED25D08-D906-4D51-9F2D-52293CD11578}" destId="{1FA2E616-CB41-4CCA-AEFF-4771D064C713}" srcOrd="1" destOrd="0" presId="urn:microsoft.com/office/officeart/2008/layout/VerticalCurvedList"/>
+    <dgm:cxn modelId="{3192A740-D68F-4629-8780-69418FB22936}" type="presParOf" srcId="{1ED25D08-D906-4D51-9F2D-52293CD11578}" destId="{413F8789-57A2-4F48-B3C0-97FAE06959D2}" srcOrd="2" destOrd="0" presId="urn:microsoft.com/office/officeart/2008/layout/VerticalCurvedList"/>
+    <dgm:cxn modelId="{2ABC5476-731D-40A3-88DF-800637052F83}" type="presParOf" srcId="{413F8789-57A2-4F48-B3C0-97FAE06959D2}" destId="{6815A97F-5379-4D5E-ACA8-BA0F1C5B7937}" srcOrd="0" destOrd="0" presId="urn:microsoft.com/office/officeart/2008/layout/VerticalCurvedList"/>
+    <dgm:cxn modelId="{8B1D82E9-C850-4F0F-BE62-21DEDEAA46EE}" type="presParOf" srcId="{1ED25D08-D906-4D51-9F2D-52293CD11578}" destId="{91971360-DCA5-401B-BED8-52D33871E09B}" srcOrd="3" destOrd="0" presId="urn:microsoft.com/office/officeart/2008/layout/VerticalCurvedList"/>
+    <dgm:cxn modelId="{85E15DB9-CBDF-4D2F-860D-BE8C8AA4920F}" type="presParOf" srcId="{1ED25D08-D906-4D51-9F2D-52293CD11578}" destId="{80101E17-A8B1-4995-9479-AE00D7F18275}" srcOrd="4" destOrd="0" presId="urn:microsoft.com/office/officeart/2008/layout/VerticalCurvedList"/>
+    <dgm:cxn modelId="{EB8FA365-1AD5-4B1A-8677-D2E21DAAD822}" type="presParOf" srcId="{80101E17-A8B1-4995-9479-AE00D7F18275}" destId="{2CA897BC-1B34-4449-A1AD-59C84149C01A}" srcOrd="0" destOrd="0" presId="urn:microsoft.com/office/officeart/2008/layout/VerticalCurvedList"/>
+    <dgm:cxn modelId="{A827FF15-8669-45F9-9494-9629E16CF51C}" type="presParOf" srcId="{1ED25D08-D906-4D51-9F2D-52293CD11578}" destId="{B03BA408-0BCB-4BE9-A573-B70B6F3383B5}" srcOrd="5" destOrd="0" presId="urn:microsoft.com/office/officeart/2008/layout/VerticalCurvedList"/>
+    <dgm:cxn modelId="{92DC08FA-1CBA-413E-A1B8-D31F39D7029C}" type="presParOf" srcId="{1ED25D08-D906-4D51-9F2D-52293CD11578}" destId="{3AD62853-35CE-47B0-9018-3854C145BD23}" srcOrd="6" destOrd="0" presId="urn:microsoft.com/office/officeart/2008/layout/VerticalCurvedList"/>
+    <dgm:cxn modelId="{1B364014-65A5-45E4-9657-3A5E6F50D32F}" type="presParOf" srcId="{3AD62853-35CE-47B0-9018-3854C145BD23}" destId="{EAA3E4E6-C136-4FEB-9063-ED1F983673DB}" srcOrd="0" destOrd="0" presId="urn:microsoft.com/office/officeart/2008/layout/VerticalCurvedList"/>
+    <dgm:cxn modelId="{6901C9C2-F2D1-4943-AA84-AFDB2CF97BD3}" type="presParOf" srcId="{1ED25D08-D906-4D51-9F2D-52293CD11578}" destId="{99419089-53B3-476B-9D70-DA750D374797}" srcOrd="7" destOrd="0" presId="urn:microsoft.com/office/officeart/2008/layout/VerticalCurvedList"/>
+    <dgm:cxn modelId="{21B79C5A-9C08-4BFB-ABE0-0F74C84CBFBC}" type="presParOf" srcId="{1ED25D08-D906-4D51-9F2D-52293CD11578}" destId="{58288E66-5538-4BDB-AA57-3C1E314DE828}" srcOrd="8" destOrd="0" presId="urn:microsoft.com/office/officeart/2008/layout/VerticalCurvedList"/>
+    <dgm:cxn modelId="{CB9CA2A4-C575-4C84-BEE1-9A6187B2CCA6}" type="presParOf" srcId="{58288E66-5538-4BDB-AA57-3C1E314DE828}" destId="{9E086C9A-D27B-490C-9406-1F17662CCB0B}" srcOrd="0" destOrd="0" presId="urn:microsoft.com/office/officeart/2008/layout/VerticalCurvedList"/>
+    <dgm:cxn modelId="{42CE577A-0AE9-4C32-BC93-ADF8CC0F37A3}" type="presParOf" srcId="{1ED25D08-D906-4D51-9F2D-52293CD11578}" destId="{B661DBEE-881F-4F18-A271-83DB8243A08C}" srcOrd="9" destOrd="0" presId="urn:microsoft.com/office/officeart/2008/layout/VerticalCurvedList"/>
+    <dgm:cxn modelId="{61ED6985-CD19-4417-850B-400BF4682973}" type="presParOf" srcId="{1ED25D08-D906-4D51-9F2D-52293CD11578}" destId="{EDBD2987-A607-4D68-B1A4-9183E837EA62}" srcOrd="10" destOrd="0" presId="urn:microsoft.com/office/officeart/2008/layout/VerticalCurvedList"/>
+    <dgm:cxn modelId="{2039CACF-A217-4E19-9258-BED1679CC083}" type="presParOf" srcId="{EDBD2987-A607-4D68-B1A4-9183E837EA62}" destId="{A60867B2-2A52-4BCD-8F45-E8CEF8A0AF2B}" srcOrd="0" destOrd="0" presId="urn:microsoft.com/office/officeart/2008/layout/VerticalCurvedList"/>
+  </dgm:cxnLst>
+  <dgm:bg/>
+  <dgm:whole/>
+  <dgm:extLst>
+    <a:ext uri="http://schemas.microsoft.com/office/drawing/2008/diagram">
+      <dsp:dataModelExt xmlns:dsp="http://schemas.microsoft.com/office/drawing/2008/diagram" relId="rId7" minVer="http://schemas.openxmlformats.org/drawingml/2006/diagram"/>
     </a:ext>
   </dgm:extLst>
 </dgm:dataModel>
@@ -8649,6 +10024,668 @@
             <a:lumOff val="0"/>
             <a:alphaOff val="0"/>
           </a:schemeClr>
+        </a:solidFill>
+        <a:ln w="15875" cap="flat" cmpd="sng" algn="ctr">
+          <a:solidFill>
+            <a:schemeClr val="lt1">
+              <a:hueOff val="0"/>
+              <a:satOff val="0"/>
+              <a:lumOff val="0"/>
+              <a:alphaOff val="0"/>
+            </a:schemeClr>
+          </a:solidFill>
+          <a:prstDash val="solid"/>
+        </a:ln>
+        <a:effectLst/>
+      </dsp:spPr>
+      <dsp:style>
+        <a:lnRef idx="2">
+          <a:scrgbClr r="0" g="0" b="0"/>
+        </a:lnRef>
+        <a:fillRef idx="1">
+          <a:scrgbClr r="0" g="0" b="0"/>
+        </a:fillRef>
+        <a:effectRef idx="0">
+          <a:scrgbClr r="0" g="0" b="0"/>
+        </a:effectRef>
+        <a:fontRef idx="minor">
+          <a:schemeClr val="lt1"/>
+        </a:fontRef>
+      </dsp:style>
+      <dsp:txBody>
+        <a:bodyPr spcFirstLastPara="0" vert="horz" wrap="square" lIns="399257" tIns="66040" rIns="66040" bIns="66040" numCol="1" spcCol="1270" anchor="ctr" anchorCtr="0">
+          <a:noAutofit/>
+        </a:bodyPr>
+        <a:lstStyle/>
+        <a:p>
+          <a:pPr marL="0" lvl="0" indent="0" algn="l" defTabSz="1155700">
+            <a:lnSpc>
+              <a:spcPct val="90000"/>
+            </a:lnSpc>
+            <a:spcBef>
+              <a:spcPct val="0"/>
+            </a:spcBef>
+            <a:spcAft>
+              <a:spcPct val="35000"/>
+            </a:spcAft>
+            <a:buNone/>
+          </a:pPr>
+          <a:r>
+            <a:rPr lang="en-US" sz="2600" kern="1200" dirty="0"/>
+            <a:t>Future Work/Next Steps</a:t>
+          </a:r>
+        </a:p>
+      </dsp:txBody>
+      <dsp:txXfrm>
+        <a:off x="380724" y="3268383"/>
+        <a:ext cx="9623141" cy="503001"/>
+      </dsp:txXfrm>
+    </dsp:sp>
+    <dsp:sp modelId="{A60867B2-2A52-4BCD-8F45-E8CEF8A0AF2B}">
+      <dsp:nvSpPr>
+        <dsp:cNvPr id="0" name=""/>
+        <dsp:cNvSpPr/>
+      </dsp:nvSpPr>
+      <dsp:spPr>
+        <a:xfrm>
+          <a:off x="66348" y="3205508"/>
+          <a:ext cx="628751" cy="628751"/>
+        </a:xfrm>
+        <a:prstGeom prst="ellipse">
+          <a:avLst/>
+        </a:prstGeom>
+        <a:solidFill>
+          <a:schemeClr val="lt1">
+            <a:hueOff val="0"/>
+            <a:satOff val="0"/>
+            <a:lumOff val="0"/>
+            <a:alphaOff val="0"/>
+          </a:schemeClr>
+        </a:solidFill>
+        <a:ln w="15875" cap="flat" cmpd="sng" algn="ctr">
+          <a:solidFill>
+            <a:schemeClr val="accent1">
+              <a:hueOff val="0"/>
+              <a:satOff val="0"/>
+              <a:lumOff val="0"/>
+              <a:alphaOff val="0"/>
+            </a:schemeClr>
+          </a:solidFill>
+          <a:prstDash val="solid"/>
+        </a:ln>
+        <a:effectLst/>
+      </dsp:spPr>
+      <dsp:style>
+        <a:lnRef idx="2">
+          <a:scrgbClr r="0" g="0" b="0"/>
+        </a:lnRef>
+        <a:fillRef idx="1">
+          <a:scrgbClr r="0" g="0" b="0"/>
+        </a:fillRef>
+        <a:effectRef idx="0">
+          <a:scrgbClr r="0" g="0" b="0"/>
+        </a:effectRef>
+        <a:fontRef idx="minor"/>
+      </dsp:style>
+    </dsp:sp>
+  </dsp:spTree>
+</dsp:drawing>
+</file>
+
+<file path=ppt/diagrams/drawing5.xml><?xml version="1.0" encoding="utf-8"?>
+<dsp:drawing xmlns:dgm="http://schemas.openxmlformats.org/drawingml/2006/diagram" xmlns:dsp="http://schemas.microsoft.com/office/drawing/2008/diagram" xmlns:a="http://schemas.openxmlformats.org/drawingml/2006/main">
+  <dsp:spTree>
+    <dsp:nvGrpSpPr>
+      <dsp:cNvPr id="0" name=""/>
+      <dsp:cNvGrpSpPr/>
+    </dsp:nvGrpSpPr>
+    <dsp:grpSpPr/>
+    <dsp:sp modelId="{985CC7EC-2571-4781-9BEE-4D2051FDA60B}">
+      <dsp:nvSpPr>
+        <dsp:cNvPr id="0" name=""/>
+        <dsp:cNvSpPr/>
+      </dsp:nvSpPr>
+      <dsp:spPr>
+        <a:xfrm>
+          <a:off x="-4547637" y="-697308"/>
+          <a:ext cx="5417342" cy="5417342"/>
+        </a:xfrm>
+        <a:prstGeom prst="blockArc">
+          <a:avLst>
+            <a:gd name="adj1" fmla="val 18900000"/>
+            <a:gd name="adj2" fmla="val 2700000"/>
+            <a:gd name="adj3" fmla="val 399"/>
+          </a:avLst>
+        </a:prstGeom>
+        <a:noFill/>
+        <a:ln w="15875" cap="flat" cmpd="sng" algn="ctr">
+          <a:solidFill>
+            <a:schemeClr val="accent1">
+              <a:shade val="60000"/>
+              <a:hueOff val="0"/>
+              <a:satOff val="0"/>
+              <a:lumOff val="0"/>
+              <a:alphaOff val="0"/>
+            </a:schemeClr>
+          </a:solidFill>
+          <a:prstDash val="solid"/>
+        </a:ln>
+        <a:effectLst/>
+      </dsp:spPr>
+      <dsp:style>
+        <a:lnRef idx="2">
+          <a:scrgbClr r="0" g="0" b="0"/>
+        </a:lnRef>
+        <a:fillRef idx="0">
+          <a:scrgbClr r="0" g="0" b="0"/>
+        </a:fillRef>
+        <a:effectRef idx="0">
+          <a:scrgbClr r="0" g="0" b="0"/>
+        </a:effectRef>
+        <a:fontRef idx="minor"/>
+      </dsp:style>
+    </dsp:sp>
+    <dsp:sp modelId="{1FA2E616-CB41-4CCA-AEFF-4771D064C713}">
+      <dsp:nvSpPr>
+        <dsp:cNvPr id="0" name=""/>
+        <dsp:cNvSpPr/>
+      </dsp:nvSpPr>
+      <dsp:spPr>
+        <a:xfrm>
+          <a:off x="380724" y="251339"/>
+          <a:ext cx="9623141" cy="503001"/>
+        </a:xfrm>
+        <a:prstGeom prst="rect">
+          <a:avLst/>
+        </a:prstGeom>
+        <a:solidFill>
+          <a:schemeClr val="accent1">
+            <a:hueOff val="0"/>
+            <a:satOff val="0"/>
+            <a:lumOff val="0"/>
+            <a:alphaOff val="0"/>
+          </a:schemeClr>
+        </a:solidFill>
+        <a:ln w="15875" cap="flat" cmpd="sng" algn="ctr">
+          <a:solidFill>
+            <a:schemeClr val="lt1">
+              <a:hueOff val="0"/>
+              <a:satOff val="0"/>
+              <a:lumOff val="0"/>
+              <a:alphaOff val="0"/>
+            </a:schemeClr>
+          </a:solidFill>
+          <a:prstDash val="solid"/>
+        </a:ln>
+        <a:effectLst/>
+      </dsp:spPr>
+      <dsp:style>
+        <a:lnRef idx="2">
+          <a:scrgbClr r="0" g="0" b="0"/>
+        </a:lnRef>
+        <a:fillRef idx="1">
+          <a:scrgbClr r="0" g="0" b="0"/>
+        </a:fillRef>
+        <a:effectRef idx="0">
+          <a:scrgbClr r="0" g="0" b="0"/>
+        </a:effectRef>
+        <a:fontRef idx="minor">
+          <a:schemeClr val="lt1"/>
+        </a:fontRef>
+      </dsp:style>
+      <dsp:txBody>
+        <a:bodyPr spcFirstLastPara="0" vert="horz" wrap="square" lIns="399257" tIns="66040" rIns="66040" bIns="66040" numCol="1" spcCol="1270" anchor="ctr" anchorCtr="0">
+          <a:noAutofit/>
+        </a:bodyPr>
+        <a:lstStyle/>
+        <a:p>
+          <a:pPr marL="0" lvl="0" indent="0" algn="l" defTabSz="1155700">
+            <a:lnSpc>
+              <a:spcPct val="90000"/>
+            </a:lnSpc>
+            <a:spcBef>
+              <a:spcPct val="0"/>
+            </a:spcBef>
+            <a:spcAft>
+              <a:spcPct val="35000"/>
+            </a:spcAft>
+            <a:buNone/>
+          </a:pPr>
+          <a:r>
+            <a:rPr lang="en-US" sz="2600" kern="1200" dirty="0"/>
+            <a:t>Background Information</a:t>
+          </a:r>
+        </a:p>
+      </dsp:txBody>
+      <dsp:txXfrm>
+        <a:off x="380724" y="251339"/>
+        <a:ext cx="9623141" cy="503001"/>
+      </dsp:txXfrm>
+    </dsp:sp>
+    <dsp:sp modelId="{6815A97F-5379-4D5E-ACA8-BA0F1C5B7937}">
+      <dsp:nvSpPr>
+        <dsp:cNvPr id="0" name=""/>
+        <dsp:cNvSpPr/>
+      </dsp:nvSpPr>
+      <dsp:spPr>
+        <a:xfrm>
+          <a:off x="66348" y="188464"/>
+          <a:ext cx="628751" cy="628751"/>
+        </a:xfrm>
+        <a:prstGeom prst="ellipse">
+          <a:avLst/>
+        </a:prstGeom>
+        <a:solidFill>
+          <a:schemeClr val="lt1">
+            <a:hueOff val="0"/>
+            <a:satOff val="0"/>
+            <a:lumOff val="0"/>
+            <a:alphaOff val="0"/>
+          </a:schemeClr>
+        </a:solidFill>
+        <a:ln w="15875" cap="flat" cmpd="sng" algn="ctr">
+          <a:solidFill>
+            <a:schemeClr val="accent1">
+              <a:hueOff val="0"/>
+              <a:satOff val="0"/>
+              <a:lumOff val="0"/>
+              <a:alphaOff val="0"/>
+            </a:schemeClr>
+          </a:solidFill>
+          <a:prstDash val="solid"/>
+        </a:ln>
+        <a:effectLst/>
+      </dsp:spPr>
+      <dsp:style>
+        <a:lnRef idx="2">
+          <a:scrgbClr r="0" g="0" b="0"/>
+        </a:lnRef>
+        <a:fillRef idx="1">
+          <a:scrgbClr r="0" g="0" b="0"/>
+        </a:fillRef>
+        <a:effectRef idx="0">
+          <a:scrgbClr r="0" g="0" b="0"/>
+        </a:effectRef>
+        <a:fontRef idx="minor"/>
+      </dsp:style>
+    </dsp:sp>
+    <dsp:sp modelId="{91971360-DCA5-401B-BED8-52D33871E09B}">
+      <dsp:nvSpPr>
+        <dsp:cNvPr id="0" name=""/>
+        <dsp:cNvSpPr/>
+      </dsp:nvSpPr>
+      <dsp:spPr>
+        <a:xfrm>
+          <a:off x="741160" y="1005600"/>
+          <a:ext cx="9262704" cy="503001"/>
+        </a:xfrm>
+        <a:prstGeom prst="rect">
+          <a:avLst/>
+        </a:prstGeom>
+        <a:solidFill>
+          <a:schemeClr val="accent1">
+            <a:hueOff val="0"/>
+            <a:satOff val="0"/>
+            <a:lumOff val="0"/>
+            <a:alphaOff val="0"/>
+          </a:schemeClr>
+        </a:solidFill>
+        <a:ln w="15875" cap="flat" cmpd="sng" algn="ctr">
+          <a:solidFill>
+            <a:schemeClr val="lt1">
+              <a:hueOff val="0"/>
+              <a:satOff val="0"/>
+              <a:lumOff val="0"/>
+              <a:alphaOff val="0"/>
+            </a:schemeClr>
+          </a:solidFill>
+          <a:prstDash val="solid"/>
+        </a:ln>
+        <a:effectLst/>
+      </dsp:spPr>
+      <dsp:style>
+        <a:lnRef idx="2">
+          <a:scrgbClr r="0" g="0" b="0"/>
+        </a:lnRef>
+        <a:fillRef idx="1">
+          <a:scrgbClr r="0" g="0" b="0"/>
+        </a:fillRef>
+        <a:effectRef idx="0">
+          <a:scrgbClr r="0" g="0" b="0"/>
+        </a:effectRef>
+        <a:fontRef idx="minor">
+          <a:schemeClr val="lt1"/>
+        </a:fontRef>
+      </dsp:style>
+      <dsp:txBody>
+        <a:bodyPr spcFirstLastPara="0" vert="horz" wrap="square" lIns="399257" tIns="66040" rIns="66040" bIns="66040" numCol="1" spcCol="1270" anchor="ctr" anchorCtr="0">
+          <a:noAutofit/>
+        </a:bodyPr>
+        <a:lstStyle/>
+        <a:p>
+          <a:pPr marL="0" lvl="0" indent="0" algn="l" defTabSz="1155700">
+            <a:lnSpc>
+              <a:spcPct val="90000"/>
+            </a:lnSpc>
+            <a:spcBef>
+              <a:spcPct val="0"/>
+            </a:spcBef>
+            <a:spcAft>
+              <a:spcPct val="35000"/>
+            </a:spcAft>
+            <a:buNone/>
+          </a:pPr>
+          <a:r>
+            <a:rPr lang="en-US" sz="2600" kern="1200" dirty="0"/>
+            <a:t>Research Question</a:t>
+          </a:r>
+        </a:p>
+      </dsp:txBody>
+      <dsp:txXfrm>
+        <a:off x="741160" y="1005600"/>
+        <a:ext cx="9262704" cy="503001"/>
+      </dsp:txXfrm>
+    </dsp:sp>
+    <dsp:sp modelId="{2CA897BC-1B34-4449-A1AD-59C84149C01A}">
+      <dsp:nvSpPr>
+        <dsp:cNvPr id="0" name=""/>
+        <dsp:cNvSpPr/>
+      </dsp:nvSpPr>
+      <dsp:spPr>
+        <a:xfrm>
+          <a:off x="426784" y="942725"/>
+          <a:ext cx="628751" cy="628751"/>
+        </a:xfrm>
+        <a:prstGeom prst="ellipse">
+          <a:avLst/>
+        </a:prstGeom>
+        <a:solidFill>
+          <a:schemeClr val="lt1">
+            <a:hueOff val="0"/>
+            <a:satOff val="0"/>
+            <a:lumOff val="0"/>
+            <a:alphaOff val="0"/>
+          </a:schemeClr>
+        </a:solidFill>
+        <a:ln w="15875" cap="flat" cmpd="sng" algn="ctr">
+          <a:solidFill>
+            <a:schemeClr val="accent1">
+              <a:hueOff val="0"/>
+              <a:satOff val="0"/>
+              <a:lumOff val="0"/>
+              <a:alphaOff val="0"/>
+            </a:schemeClr>
+          </a:solidFill>
+          <a:prstDash val="solid"/>
+        </a:ln>
+        <a:effectLst/>
+      </dsp:spPr>
+      <dsp:style>
+        <a:lnRef idx="2">
+          <a:scrgbClr r="0" g="0" b="0"/>
+        </a:lnRef>
+        <a:fillRef idx="1">
+          <a:scrgbClr r="0" g="0" b="0"/>
+        </a:fillRef>
+        <a:effectRef idx="0">
+          <a:scrgbClr r="0" g="0" b="0"/>
+        </a:effectRef>
+        <a:fontRef idx="minor"/>
+      </dsp:style>
+    </dsp:sp>
+    <dsp:sp modelId="{B03BA408-0BCB-4BE9-A573-B70B6F3383B5}">
+      <dsp:nvSpPr>
+        <dsp:cNvPr id="0" name=""/>
+        <dsp:cNvSpPr/>
+      </dsp:nvSpPr>
+      <dsp:spPr>
+        <a:xfrm>
+          <a:off x="851785" y="1759861"/>
+          <a:ext cx="9152080" cy="503001"/>
+        </a:xfrm>
+        <a:prstGeom prst="rect">
+          <a:avLst/>
+        </a:prstGeom>
+        <a:solidFill>
+          <a:srgbClr val="1F394D"/>
+        </a:solidFill>
+        <a:ln w="15875" cap="flat" cmpd="sng" algn="ctr">
+          <a:solidFill>
+            <a:schemeClr val="lt1">
+              <a:hueOff val="0"/>
+              <a:satOff val="0"/>
+              <a:lumOff val="0"/>
+              <a:alphaOff val="0"/>
+            </a:schemeClr>
+          </a:solidFill>
+          <a:prstDash val="solid"/>
+        </a:ln>
+        <a:effectLst/>
+      </dsp:spPr>
+      <dsp:style>
+        <a:lnRef idx="2">
+          <a:scrgbClr r="0" g="0" b="0"/>
+        </a:lnRef>
+        <a:fillRef idx="1">
+          <a:scrgbClr r="0" g="0" b="0"/>
+        </a:fillRef>
+        <a:effectRef idx="0">
+          <a:scrgbClr r="0" g="0" b="0"/>
+        </a:effectRef>
+        <a:fontRef idx="minor">
+          <a:schemeClr val="lt1"/>
+        </a:fontRef>
+      </dsp:style>
+      <dsp:txBody>
+        <a:bodyPr spcFirstLastPara="0" vert="horz" wrap="square" lIns="399257" tIns="66040" rIns="66040" bIns="66040" numCol="1" spcCol="1270" anchor="ctr" anchorCtr="0">
+          <a:noAutofit/>
+        </a:bodyPr>
+        <a:lstStyle/>
+        <a:p>
+          <a:pPr marL="0" lvl="0" indent="0" algn="l" defTabSz="1155700">
+            <a:lnSpc>
+              <a:spcPct val="90000"/>
+            </a:lnSpc>
+            <a:spcBef>
+              <a:spcPct val="0"/>
+            </a:spcBef>
+            <a:spcAft>
+              <a:spcPct val="35000"/>
+            </a:spcAft>
+            <a:buNone/>
+          </a:pPr>
+          <a:r>
+            <a:rPr lang="en-US" sz="2600" kern="1200" dirty="0"/>
+            <a:t>Data Analysis</a:t>
+          </a:r>
+        </a:p>
+      </dsp:txBody>
+      <dsp:txXfrm>
+        <a:off x="851785" y="1759861"/>
+        <a:ext cx="9152080" cy="503001"/>
+      </dsp:txXfrm>
+    </dsp:sp>
+    <dsp:sp modelId="{EAA3E4E6-C136-4FEB-9063-ED1F983673DB}">
+      <dsp:nvSpPr>
+        <dsp:cNvPr id="0" name=""/>
+        <dsp:cNvSpPr/>
+      </dsp:nvSpPr>
+      <dsp:spPr>
+        <a:xfrm>
+          <a:off x="537409" y="1696986"/>
+          <a:ext cx="628751" cy="628751"/>
+        </a:xfrm>
+        <a:prstGeom prst="ellipse">
+          <a:avLst/>
+        </a:prstGeom>
+        <a:solidFill>
+          <a:schemeClr val="lt1">
+            <a:hueOff val="0"/>
+            <a:satOff val="0"/>
+            <a:lumOff val="0"/>
+            <a:alphaOff val="0"/>
+          </a:schemeClr>
+        </a:solidFill>
+        <a:ln w="15875" cap="flat" cmpd="sng" algn="ctr">
+          <a:solidFill>
+            <a:schemeClr val="accent1">
+              <a:hueOff val="0"/>
+              <a:satOff val="0"/>
+              <a:lumOff val="0"/>
+              <a:alphaOff val="0"/>
+            </a:schemeClr>
+          </a:solidFill>
+          <a:prstDash val="solid"/>
+        </a:ln>
+        <a:effectLst/>
+      </dsp:spPr>
+      <dsp:style>
+        <a:lnRef idx="2">
+          <a:scrgbClr r="0" g="0" b="0"/>
+        </a:lnRef>
+        <a:fillRef idx="1">
+          <a:scrgbClr r="0" g="0" b="0"/>
+        </a:fillRef>
+        <a:effectRef idx="0">
+          <a:scrgbClr r="0" g="0" b="0"/>
+        </a:effectRef>
+        <a:fontRef idx="minor"/>
+      </dsp:style>
+    </dsp:sp>
+    <dsp:sp modelId="{99419089-53B3-476B-9D70-DA750D374797}">
+      <dsp:nvSpPr>
+        <dsp:cNvPr id="0" name=""/>
+        <dsp:cNvSpPr/>
+      </dsp:nvSpPr>
+      <dsp:spPr>
+        <a:xfrm>
+          <a:off x="741160" y="2514122"/>
+          <a:ext cx="9262704" cy="503001"/>
+        </a:xfrm>
+        <a:prstGeom prst="rect">
+          <a:avLst/>
+        </a:prstGeom>
+        <a:solidFill>
+          <a:srgbClr val="1F394D"/>
+        </a:solidFill>
+        <a:ln w="15875" cap="flat" cmpd="sng" algn="ctr">
+          <a:solidFill>
+            <a:schemeClr val="lt1">
+              <a:hueOff val="0"/>
+              <a:satOff val="0"/>
+              <a:lumOff val="0"/>
+              <a:alphaOff val="0"/>
+            </a:schemeClr>
+          </a:solidFill>
+          <a:prstDash val="solid"/>
+        </a:ln>
+        <a:effectLst/>
+      </dsp:spPr>
+      <dsp:style>
+        <a:lnRef idx="2">
+          <a:scrgbClr r="0" g="0" b="0"/>
+        </a:lnRef>
+        <a:fillRef idx="1">
+          <a:scrgbClr r="0" g="0" b="0"/>
+        </a:fillRef>
+        <a:effectRef idx="0">
+          <a:scrgbClr r="0" g="0" b="0"/>
+        </a:effectRef>
+        <a:fontRef idx="minor">
+          <a:schemeClr val="lt1"/>
+        </a:fontRef>
+      </dsp:style>
+      <dsp:txBody>
+        <a:bodyPr spcFirstLastPara="0" vert="horz" wrap="square" lIns="399257" tIns="66040" rIns="66040" bIns="66040" numCol="1" spcCol="1270" anchor="ctr" anchorCtr="0">
+          <a:noAutofit/>
+        </a:bodyPr>
+        <a:lstStyle/>
+        <a:p>
+          <a:pPr marL="0" lvl="0" indent="0" algn="l" defTabSz="1155700">
+            <a:lnSpc>
+              <a:spcPct val="90000"/>
+            </a:lnSpc>
+            <a:spcBef>
+              <a:spcPct val="0"/>
+            </a:spcBef>
+            <a:spcAft>
+              <a:spcPct val="35000"/>
+            </a:spcAft>
+            <a:buNone/>
+          </a:pPr>
+          <a:r>
+            <a:rPr lang="en-US" sz="2600" kern="1200" dirty="0"/>
+            <a:t>Conclusion</a:t>
+          </a:r>
+        </a:p>
+      </dsp:txBody>
+      <dsp:txXfrm>
+        <a:off x="741160" y="2514122"/>
+        <a:ext cx="9262704" cy="503001"/>
+      </dsp:txXfrm>
+    </dsp:sp>
+    <dsp:sp modelId="{9E086C9A-D27B-490C-9406-1F17662CCB0B}">
+      <dsp:nvSpPr>
+        <dsp:cNvPr id="0" name=""/>
+        <dsp:cNvSpPr/>
+      </dsp:nvSpPr>
+      <dsp:spPr>
+        <a:xfrm>
+          <a:off x="426784" y="2451247"/>
+          <a:ext cx="628751" cy="628751"/>
+        </a:xfrm>
+        <a:prstGeom prst="ellipse">
+          <a:avLst/>
+        </a:prstGeom>
+        <a:solidFill>
+          <a:schemeClr val="lt1">
+            <a:hueOff val="0"/>
+            <a:satOff val="0"/>
+            <a:lumOff val="0"/>
+            <a:alphaOff val="0"/>
+          </a:schemeClr>
+        </a:solidFill>
+        <a:ln w="15875" cap="flat" cmpd="sng" algn="ctr">
+          <a:solidFill>
+            <a:schemeClr val="accent1">
+              <a:hueOff val="0"/>
+              <a:satOff val="0"/>
+              <a:lumOff val="0"/>
+              <a:alphaOff val="0"/>
+            </a:schemeClr>
+          </a:solidFill>
+          <a:prstDash val="solid"/>
+        </a:ln>
+        <a:effectLst/>
+      </dsp:spPr>
+      <dsp:style>
+        <a:lnRef idx="2">
+          <a:scrgbClr r="0" g="0" b="0"/>
+        </a:lnRef>
+        <a:fillRef idx="1">
+          <a:scrgbClr r="0" g="0" b="0"/>
+        </a:fillRef>
+        <a:effectRef idx="0">
+          <a:scrgbClr r="0" g="0" b="0"/>
+        </a:effectRef>
+        <a:fontRef idx="minor"/>
+      </dsp:style>
+    </dsp:sp>
+    <dsp:sp modelId="{B661DBEE-881F-4F18-A271-83DB8243A08C}">
+      <dsp:nvSpPr>
+        <dsp:cNvPr id="0" name=""/>
+        <dsp:cNvSpPr/>
+      </dsp:nvSpPr>
+      <dsp:spPr>
+        <a:xfrm>
+          <a:off x="380724" y="3268383"/>
+          <a:ext cx="9623141" cy="503001"/>
+        </a:xfrm>
+        <a:prstGeom prst="rect">
+          <a:avLst/>
+        </a:prstGeom>
+        <a:solidFill>
+          <a:srgbClr val="8CB3D1"/>
         </a:solidFill>
         <a:ln w="15875" cap="flat" cmpd="sng" algn="ctr">
           <a:solidFill>
@@ -13869,6 +15906,1284 @@
 </dgm:layoutDef>
 </file>
 
+<file path=ppt/diagrams/layout5.xml><?xml version="1.0" encoding="utf-8"?>
+<dgm:layoutDef xmlns:dgm="http://schemas.openxmlformats.org/drawingml/2006/diagram" xmlns:a="http://schemas.openxmlformats.org/drawingml/2006/main" uniqueId="urn:microsoft.com/office/officeart/2008/layout/VerticalCurvedList">
+  <dgm:title val=""/>
+  <dgm:desc val=""/>
+  <dgm:catLst>
+    <dgm:cat type="list" pri="20000"/>
+  </dgm:catLst>
+  <dgm:sampData>
+    <dgm:dataModel>
+      <dgm:ptLst>
+        <dgm:pt modelId="0" type="doc"/>
+        <dgm:pt modelId="1">
+          <dgm:prSet phldr="1"/>
+        </dgm:pt>
+        <dgm:pt modelId="2">
+          <dgm:prSet phldr="1"/>
+        </dgm:pt>
+        <dgm:pt modelId="3">
+          <dgm:prSet phldr="1"/>
+        </dgm:pt>
+      </dgm:ptLst>
+      <dgm:cxnLst>
+        <dgm:cxn modelId="4" srcId="0" destId="1" srcOrd="0" destOrd="0"/>
+        <dgm:cxn modelId="5" srcId="0" destId="2" srcOrd="1" destOrd="0"/>
+        <dgm:cxn modelId="6" srcId="0" destId="3" srcOrd="2" destOrd="0"/>
+      </dgm:cxnLst>
+      <dgm:bg/>
+      <dgm:whole/>
+    </dgm:dataModel>
+  </dgm:sampData>
+  <dgm:styleData>
+    <dgm:dataModel>
+      <dgm:ptLst>
+        <dgm:pt modelId="0" type="doc"/>
+        <dgm:pt modelId="1">
+          <dgm:prSet phldr="1"/>
+        </dgm:pt>
+        <dgm:pt modelId="2">
+          <dgm:prSet phldr="1"/>
+        </dgm:pt>
+      </dgm:ptLst>
+      <dgm:cxnLst>
+        <dgm:cxn modelId="3" srcId="0" destId="1" srcOrd="0" destOrd="0"/>
+        <dgm:cxn modelId="4" srcId="0" destId="2" srcOrd="1" destOrd="0"/>
+      </dgm:cxnLst>
+      <dgm:bg/>
+      <dgm:whole/>
+    </dgm:dataModel>
+  </dgm:styleData>
+  <dgm:clrData>
+    <dgm:dataModel>
+      <dgm:ptLst>
+        <dgm:pt modelId="0" type="doc"/>
+        <dgm:pt modelId="1">
+          <dgm:prSet phldr="1"/>
+        </dgm:pt>
+        <dgm:pt modelId="2">
+          <dgm:prSet phldr="1"/>
+        </dgm:pt>
+        <dgm:pt modelId="3">
+          <dgm:prSet phldr="1"/>
+        </dgm:pt>
+        <dgm:pt modelId="4">
+          <dgm:prSet phldr="1"/>
+        </dgm:pt>
+      </dgm:ptLst>
+      <dgm:cxnLst>
+        <dgm:cxn modelId="5" srcId="0" destId="1" srcOrd="0" destOrd="0"/>
+        <dgm:cxn modelId="6" srcId="0" destId="2" srcOrd="1" destOrd="0"/>
+        <dgm:cxn modelId="7" srcId="0" destId="3" srcOrd="2" destOrd="0"/>
+        <dgm:cxn modelId="8" srcId="0" destId="4" srcOrd="3" destOrd="0"/>
+      </dgm:cxnLst>
+      <dgm:bg/>
+      <dgm:whole/>
+    </dgm:dataModel>
+  </dgm:clrData>
+  <dgm:layoutNode name="Name0">
+    <dgm:varLst>
+      <dgm:chMax val="7"/>
+      <dgm:chPref val="7"/>
+      <dgm:dir/>
+    </dgm:varLst>
+    <dgm:alg type="composite"/>
+    <dgm:shape xmlns:r="http://schemas.openxmlformats.org/officeDocument/2006/relationships" r:blip="">
+      <dgm:adjLst/>
+    </dgm:shape>
+    <dgm:constrLst>
+      <dgm:constr type="w" for="ch" refType="h" refFor="ch" op="gte" fact="0.8"/>
+    </dgm:constrLst>
+    <dgm:layoutNode name="Name1">
+      <dgm:alg type="composite"/>
+      <dgm:shape xmlns:r="http://schemas.openxmlformats.org/officeDocument/2006/relationships" r:blip="">
+        <dgm:adjLst/>
+      </dgm:shape>
+      <dgm:choose name="Name2">
+        <dgm:if name="Name3" func="var" arg="dir" op="equ" val="norm">
+          <dgm:choose name="Name4">
+            <dgm:if name="Name5" axis="ch" ptType="node" func="cnt" op="equ" val="1">
+              <dgm:constrLst>
+                <dgm:constr type="h" for="ch" forName="cycle" refType="h"/>
+                <dgm:constr type="w" for="ch" forName="cycle" refType="h" refFor="ch" refForName="cycle" fact="0.26"/>
+                <dgm:constr type="l" for="ch" forName="cycle"/>
+                <dgm:constr type="ctrY" for="ch" forName="cycle" refType="h" fact="0.5"/>
+                <dgm:constr type="diam" for="ch" forName="cycle" refType="h" fact="1.344"/>
+                <dgm:constr type="h" for="ch" forName="accent_1" refType="h" fact="0.625"/>
+                <dgm:constr type="w" for="ch" forName="accent_1" refType="h" refFor="ch" refForName="accent_1" op="equ"/>
+                <dgm:constr type="ctrY" for="ch" forName="accent_1" refType="h" fact="0.5"/>
+                <dgm:constr type="ctrX" for="ch" forName="accent_1" refType="h" fact="0.2253"/>
+                <dgm:constr type="l" for="ch" forName="text_1" refType="ctrX" refFor="ch" refForName="accent_1"/>
+                <dgm:constr type="r" for="ch" forName="text_1" refType="w"/>
+                <dgm:constr type="w" for="ch" forName="text_1" refType="h" refFor="ch" refForName="text_1" op="gte"/>
+                <dgm:constr type="h" for="ch" forName="text_1" refType="h" refFor="ch" refForName="accent_1" fact="0.8"/>
+                <dgm:constr type="ctrY" for="ch" forName="text_1" refType="ctrY" refFor="ch" refForName="accent_1"/>
+                <dgm:constr type="lMarg" for="ch" forName="text_1" refType="w" refFor="ch" refForName="accent_1" fact="1.8"/>
+                <dgm:constr type="primFontSz" for="ch" ptType="node" op="equ" val="65"/>
+              </dgm:constrLst>
+            </dgm:if>
+            <dgm:if name="Name6" axis="ch" ptType="node" func="cnt" op="equ" val="2">
+              <dgm:constrLst>
+                <dgm:constr type="h" for="ch" forName="cycle" refType="h"/>
+                <dgm:constr type="w" for="ch" forName="cycle" refType="h" refFor="ch" refForName="cycle" fact="0.26"/>
+                <dgm:constr type="l" for="ch" forName="cycle"/>
+                <dgm:constr type="ctrY" for="ch" forName="cycle" refType="h" fact="0.5"/>
+                <dgm:constr type="diam" for="ch" forName="cycle" refType="h" fact="1.344"/>
+                <dgm:constr type="h" for="ch" forName="accent_1" refType="h" fact="0.3571"/>
+                <dgm:constr type="w" for="ch" forName="accent_1" refType="h" refFor="ch" refForName="accent_1" op="equ"/>
+                <dgm:constr type="ctrY" for="ch" forName="accent_1" refType="h" fact="0.2857"/>
+                <dgm:constr type="ctrX" for="ch" forName="accent_1" refType="h" fact="0.1891"/>
+                <dgm:constr type="l" for="ch" forName="text_1" refType="ctrX" refFor="ch" refForName="accent_1"/>
+                <dgm:constr type="r" for="ch" forName="text_1" refType="w"/>
+                <dgm:constr type="w" for="ch" forName="text_1" refType="h" refFor="ch" refForName="text_1" op="gte"/>
+                <dgm:constr type="h" for="ch" forName="text_1" refType="h" refFor="ch" refForName="accent_1" fact="0.8"/>
+                <dgm:constr type="ctrY" for="ch" forName="text_1" refType="ctrY" refFor="ch" refForName="accent_1"/>
+                <dgm:constr type="lMarg" for="ch" forName="text_1" refType="w" refFor="ch" refForName="accent_1" fact="1.8"/>
+                <dgm:constr type="h" for="ch" forName="accent_2" refType="h" fact="0.3571"/>
+                <dgm:constr type="w" for="ch" forName="accent_2" refType="h" refFor="ch" refForName="accent_2" op="equ"/>
+                <dgm:constr type="ctrY" for="ch" forName="accent_2" refType="h" fact="0.7143"/>
+                <dgm:constr type="ctrX" for="ch" forName="accent_2" refType="h" fact="0.1891"/>
+                <dgm:constr type="l" for="ch" forName="text_2" refType="ctrX" refFor="ch" refForName="accent_2"/>
+                <dgm:constr type="r" for="ch" forName="text_2" refType="w"/>
+                <dgm:constr type="w" for="ch" forName="text_2" refType="h" refFor="ch" refForName="text_2" op="gte"/>
+                <dgm:constr type="h" for="ch" forName="text_2" refType="h" refFor="ch" refForName="accent_2" fact="0.8"/>
+                <dgm:constr type="ctrY" for="ch" forName="text_2" refType="ctrY" refFor="ch" refForName="accent_2"/>
+                <dgm:constr type="lMarg" for="ch" forName="text_2" refType="w" refFor="ch" refForName="accent_2" fact="1.8"/>
+                <dgm:constr type="primFontSz" for="ch" ptType="node" op="equ" val="65"/>
+              </dgm:constrLst>
+            </dgm:if>
+            <dgm:if name="Name7" axis="ch" ptType="node" func="cnt" op="equ" val="3">
+              <dgm:constrLst>
+                <dgm:constr type="h" for="ch" forName="cycle" refType="h"/>
+                <dgm:constr type="w" for="ch" forName="cycle" refType="h" refFor="ch" refForName="cycle" fact="0.26"/>
+                <dgm:constr type="l" for="ch" forName="cycle"/>
+                <dgm:constr type="ctrY" for="ch" forName="cycle" refType="h" fact="0.5"/>
+                <dgm:constr type="diam" for="ch" forName="cycle" refType="h" fact="1.344"/>
+                <dgm:constr type="h" for="ch" forName="accent_1" refType="h" fact="0.25"/>
+                <dgm:constr type="w" for="ch" forName="accent_1" refType="h" refFor="ch" refForName="accent_1" op="equ"/>
+                <dgm:constr type="ctrY" for="ch" forName="accent_1" refType="h" fact="0.2"/>
+                <dgm:constr type="ctrX" for="ch" forName="accent_1" refType="h" fact="0.1526"/>
+                <dgm:constr type="l" for="ch" forName="text_1" refType="ctrX" refFor="ch" refForName="accent_1"/>
+                <dgm:constr type="r" for="ch" forName="text_1" refType="w"/>
+                <dgm:constr type="w" for="ch" forName="text_1" refType="h" refFor="ch" refForName="text_1" op="gte"/>
+                <dgm:constr type="h" for="ch" forName="text_1" refType="h" refFor="ch" refForName="accent_1" fact="0.8"/>
+                <dgm:constr type="ctrY" for="ch" forName="text_1" refType="ctrY" refFor="ch" refForName="accent_1"/>
+                <dgm:constr type="lMarg" for="ch" forName="text_1" refType="w" refFor="ch" refForName="accent_1" fact="1.8"/>
+                <dgm:constr type="h" for="ch" forName="accent_2" refType="h" fact="0.25"/>
+                <dgm:constr type="w" for="ch" forName="accent_2" refType="h" refFor="ch" refForName="accent_2" op="equ"/>
+                <dgm:constr type="ctrY" for="ch" forName="accent_2" refType="h" fact="0.5"/>
+                <dgm:constr type="ctrX" for="ch" forName="accent_2" refType="h" fact="0.2253"/>
+                <dgm:constr type="l" for="ch" forName="text_2" refType="ctrX" refFor="ch" refForName="accent_2"/>
+                <dgm:constr type="r" for="ch" forName="text_2" refType="w"/>
+                <dgm:constr type="w" for="ch" forName="text_2" refType="h" refFor="ch" refForName="text_2" op="gte"/>
+                <dgm:constr type="h" for="ch" forName="text_2" refType="h" refFor="ch" refForName="accent_2" fact="0.8"/>
+                <dgm:constr type="ctrY" for="ch" forName="text_2" refType="ctrY" refFor="ch" refForName="accent_2"/>
+                <dgm:constr type="lMarg" for="ch" forName="text_2" refType="w" refFor="ch" refForName="accent_2" fact="1.8"/>
+                <dgm:constr type="h" for="ch" forName="accent_3" refType="h" fact="0.25"/>
+                <dgm:constr type="w" for="ch" forName="accent_3" refType="h" refFor="ch" refForName="accent_3" op="equ"/>
+                <dgm:constr type="ctrY" for="ch" forName="accent_3" refType="h" fact="0.8"/>
+                <dgm:constr type="ctrX" for="ch" forName="accent_3" refType="h" fact="0.1526"/>
+                <dgm:constr type="l" for="ch" forName="text_3" refType="ctrX" refFor="ch" refForName="accent_3"/>
+                <dgm:constr type="r" for="ch" forName="text_3" refType="w"/>
+                <dgm:constr type="w" for="ch" forName="text_3" refType="h" refFor="ch" refForName="text_3" op="gte"/>
+                <dgm:constr type="h" for="ch" forName="text_3" refType="h" refFor="ch" refForName="accent_3" fact="0.8"/>
+                <dgm:constr type="ctrY" for="ch" forName="text_3" refType="ctrY" refFor="ch" refForName="accent_3"/>
+                <dgm:constr type="lMarg" for="ch" forName="text_3" refType="w" refFor="ch" refForName="accent_3" fact="1.8"/>
+                <dgm:constr type="primFontSz" for="ch" ptType="node" op="equ" val="65"/>
+              </dgm:constrLst>
+            </dgm:if>
+            <dgm:if name="Name8" axis="ch" ptType="node" func="cnt" op="equ" val="4">
+              <dgm:constrLst>
+                <dgm:constr type="h" for="ch" forName="cycle" refType="h"/>
+                <dgm:constr type="w" for="ch" forName="cycle" refType="h" refFor="ch" refForName="cycle" fact="0.26"/>
+                <dgm:constr type="l" for="ch" forName="cycle"/>
+                <dgm:constr type="ctrY" for="ch" forName="cycle" refType="h" fact="0.5"/>
+                <dgm:constr type="diam" for="ch" forName="cycle" refType="h" fact="1.344"/>
+                <dgm:constr type="h" for="ch" forName="accent_1" refType="h" fact="0.1923"/>
+                <dgm:constr type="w" for="ch" forName="accent_1" refType="h" refFor="ch" refForName="accent_1" op="equ"/>
+                <dgm:constr type="ctrY" for="ch" forName="accent_1" refType="h" fact="0.1538"/>
+                <dgm:constr type="ctrX" for="ch" forName="accent_1" refType="h" fact="0.1268"/>
+                <dgm:constr type="l" for="ch" forName="text_1" refType="ctrX" refFor="ch" refForName="accent_1"/>
+                <dgm:constr type="r" for="ch" forName="text_1" refType="w"/>
+                <dgm:constr type="w" for="ch" forName="text_1" refType="h" refFor="ch" refForName="text_1" op="gte"/>
+                <dgm:constr type="h" for="ch" forName="text_1" refType="h" refFor="ch" refForName="accent_1" fact="0.8"/>
+                <dgm:constr type="ctrY" for="ch" forName="text_1" refType="ctrY" refFor="ch" refForName="accent_1"/>
+                <dgm:constr type="lMarg" for="ch" forName="text_1" refType="w" refFor="ch" refForName="accent_1" fact="1.8"/>
+                <dgm:constr type="h" for="ch" forName="accent_2" refType="h" fact="0.1923"/>
+                <dgm:constr type="w" for="ch" forName="accent_2" refType="h" refFor="ch" refForName="accent_2" op="equ"/>
+                <dgm:constr type="ctrY" for="ch" forName="accent_2" refType="h" fact="0.3846"/>
+                <dgm:constr type="ctrX" for="ch" forName="accent_2" refType="h" fact="0.215"/>
+                <dgm:constr type="l" for="ch" forName="text_2" refType="ctrX" refFor="ch" refForName="accent_2"/>
+                <dgm:constr type="r" for="ch" forName="text_2" refType="w"/>
+                <dgm:constr type="w" for="ch" forName="text_2" refType="h" refFor="ch" refForName="text_2" op="gte"/>
+                <dgm:constr type="h" for="ch" forName="text_2" refType="h" refFor="ch" refForName="accent_2" fact="0.8"/>
+                <dgm:constr type="ctrY" for="ch" forName="text_2" refType="ctrY" refFor="ch" refForName="accent_2"/>
+                <dgm:constr type="lMarg" for="ch" forName="text_2" refType="w" refFor="ch" refForName="accent_2" fact="1.8"/>
+                <dgm:constr type="h" for="ch" forName="accent_3" refType="h" fact="0.1923"/>
+                <dgm:constr type="w" for="ch" forName="accent_3" refType="h" refFor="ch" refForName="accent_3" op="equ"/>
+                <dgm:constr type="ctrY" for="ch" forName="accent_3" refType="h" fact="0.6154"/>
+                <dgm:constr type="ctrX" for="ch" forName="accent_3" refType="h" fact="0.215"/>
+                <dgm:constr type="l" for="ch" forName="text_3" refType="ctrX" refFor="ch" refForName="accent_3"/>
+                <dgm:constr type="r" for="ch" forName="text_3" refType="w"/>
+                <dgm:constr type="w" for="ch" forName="text_3" refType="h" refFor="ch" refForName="text_3" op="gte"/>
+                <dgm:constr type="h" for="ch" forName="text_3" refType="h" refFor="ch" refForName="accent_3" fact="0.8"/>
+                <dgm:constr type="ctrY" for="ch" forName="text_3" refType="ctrY" refFor="ch" refForName="accent_3"/>
+                <dgm:constr type="lMarg" for="ch" forName="text_3" refType="w" refFor="ch" refForName="accent_3" fact="1.8"/>
+                <dgm:constr type="h" for="ch" forName="accent_4" refType="h" fact="0.1923"/>
+                <dgm:constr type="w" for="ch" forName="accent_4" refType="h" refFor="ch" refForName="accent_4" op="equ"/>
+                <dgm:constr type="ctrY" for="ch" forName="accent_4" refType="h" fact="0.8462"/>
+                <dgm:constr type="ctrX" for="ch" forName="accent_4" refType="h" fact="0.1268"/>
+                <dgm:constr type="l" for="ch" forName="text_4" refType="ctrX" refFor="ch" refForName="accent_4"/>
+                <dgm:constr type="r" for="ch" forName="text_4" refType="w"/>
+                <dgm:constr type="w" for="ch" forName="text_4" refType="h" refFor="ch" refForName="text_4" op="gte"/>
+                <dgm:constr type="h" for="ch" forName="text_4" refType="h" refFor="ch" refForName="accent_4" fact="0.8"/>
+                <dgm:constr type="ctrY" for="ch" forName="text_4" refType="ctrY" refFor="ch" refForName="accent_4"/>
+                <dgm:constr type="lMarg" for="ch" forName="text_4" refType="w" refFor="ch" refForName="accent_4" fact="1.8"/>
+                <dgm:constr type="primFontSz" for="ch" ptType="node" op="equ" val="65"/>
+              </dgm:constrLst>
+            </dgm:if>
+            <dgm:if name="Name9" axis="ch" ptType="node" func="cnt" op="equ" val="5">
+              <dgm:constrLst>
+                <dgm:constr type="h" for="ch" forName="cycle" refType="h"/>
+                <dgm:constr type="w" for="ch" forName="cycle" refType="h" refFor="ch" refForName="cycle" fact="0.26"/>
+                <dgm:constr type="l" for="ch" forName="cycle"/>
+                <dgm:constr type="ctrY" for="ch" forName="cycle" refType="h" fact="0.5"/>
+                <dgm:constr type="diam" for="ch" forName="cycle" refType="h" fact="1.344"/>
+                <dgm:constr type="h" for="ch" forName="accent_1" refType="h" fact="0.1563"/>
+                <dgm:constr type="w" for="ch" forName="accent_1" refType="h" refFor="ch" refForName="accent_1" op="equ"/>
+                <dgm:constr type="ctrY" for="ch" forName="accent_1" refType="h" fact="0.125"/>
+                <dgm:constr type="ctrX" for="ch" forName="accent_1" refType="h" fact="0.1082"/>
+                <dgm:constr type="l" for="ch" forName="text_1" refType="ctrX" refFor="ch" refForName="accent_1"/>
+                <dgm:constr type="r" for="ch" forName="text_1" refType="w"/>
+                <dgm:constr type="w" for="ch" forName="text_1" refType="h" refFor="ch" refForName="text_1" op="gte"/>
+                <dgm:constr type="h" for="ch" forName="text_1" refType="h" refFor="ch" refForName="accent_1" fact="0.8"/>
+                <dgm:constr type="ctrY" for="ch" forName="text_1" refType="ctrY" refFor="ch" refForName="accent_1"/>
+                <dgm:constr type="lMarg" for="ch" forName="text_1" refType="w" refFor="ch" refForName="accent_1" fact="1.8"/>
+                <dgm:constr type="h" for="ch" forName="accent_2" refType="h" fact="0.1563"/>
+                <dgm:constr type="w" for="ch" forName="accent_2" refType="h" refFor="ch" refForName="accent_2" op="equ"/>
+                <dgm:constr type="ctrY" for="ch" forName="accent_2" refType="h" fact="0.3125"/>
+                <dgm:constr type="ctrX" for="ch" forName="accent_2" refType="h" fact="0.1978"/>
+                <dgm:constr type="l" for="ch" forName="text_2" refType="ctrX" refFor="ch" refForName="accent_2"/>
+                <dgm:constr type="r" for="ch" forName="text_2" refType="w"/>
+                <dgm:constr type="w" for="ch" forName="text_2" refType="h" refFor="ch" refForName="text_2" op="gte"/>
+                <dgm:constr type="h" for="ch" forName="text_2" refType="h" refFor="ch" refForName="accent_2" fact="0.8"/>
+                <dgm:constr type="ctrY" for="ch" forName="text_2" refType="ctrY" refFor="ch" refForName="accent_2"/>
+                <dgm:constr type="lMarg" for="ch" forName="text_2" refType="w" refFor="ch" refForName="accent_2" fact="1.8"/>
+                <dgm:constr type="h" for="ch" forName="accent_3" refType="h" fact="0.1563"/>
+                <dgm:constr type="w" for="ch" forName="accent_3" refType="h" refFor="ch" refForName="accent_3" op="equ"/>
+                <dgm:constr type="ctrY" for="ch" forName="accent_3" refType="h" fact="0.5"/>
+                <dgm:constr type="ctrX" for="ch" forName="accent_3" refType="h" fact="0.2253"/>
+                <dgm:constr type="l" for="ch" forName="text_3" refType="ctrX" refFor="ch" refForName="accent_3"/>
+                <dgm:constr type="r" for="ch" forName="text_3" refType="w"/>
+                <dgm:constr type="w" for="ch" forName="text_3" refType="h" refFor="ch" refForName="text_3" op="gte"/>
+                <dgm:constr type="h" for="ch" forName="text_3" refType="h" refFor="ch" refForName="accent_3" fact="0.8"/>
+                <dgm:constr type="ctrY" for="ch" forName="text_3" refType="ctrY" refFor="ch" refForName="accent_3"/>
+                <dgm:constr type="lMarg" for="ch" forName="text_3" refType="w" refFor="ch" refForName="accent_3" fact="1.8"/>
+                <dgm:constr type="h" for="ch" forName="accent_4" refType="h" fact="0.1563"/>
+                <dgm:constr type="w" for="ch" forName="accent_4" refType="h" refFor="ch" refForName="accent_4" op="equ"/>
+                <dgm:constr type="ctrY" for="ch" forName="accent_4" refType="h" fact="0.6875"/>
+                <dgm:constr type="ctrX" for="ch" forName="accent_4" refType="h" fact="0.1978"/>
+                <dgm:constr type="l" for="ch" forName="text_4" refType="ctrX" refFor="ch" refForName="accent_4"/>
+                <dgm:constr type="r" for="ch" forName="text_4" refType="w"/>
+                <dgm:constr type="w" for="ch" forName="text_4" refType="h" refFor="ch" refForName="text_4" op="gte"/>
+                <dgm:constr type="h" for="ch" forName="text_4" refType="h" refFor="ch" refForName="accent_4" fact="0.8"/>
+                <dgm:constr type="ctrY" for="ch" forName="text_4" refType="ctrY" refFor="ch" refForName="accent_4"/>
+                <dgm:constr type="lMarg" for="ch" forName="text_4" refType="w" refFor="ch" refForName="accent_4" fact="1.8"/>
+                <dgm:constr type="h" for="ch" forName="accent_5" refType="h" fact="0.1563"/>
+                <dgm:constr type="w" for="ch" forName="accent_5" refType="h" refFor="ch" refForName="accent_5" op="equ"/>
+                <dgm:constr type="ctrY" for="ch" forName="accent_5" refType="h" fact="0.875"/>
+                <dgm:constr type="ctrX" for="ch" forName="accent_5" refType="h" fact="0.1082"/>
+                <dgm:constr type="l" for="ch" forName="text_5" refType="ctrX" refFor="ch" refForName="accent_5"/>
+                <dgm:constr type="r" for="ch" forName="text_5" refType="w"/>
+                <dgm:constr type="w" for="ch" forName="text_5" refType="h" refFor="ch" refForName="text_5" op="gte"/>
+                <dgm:constr type="h" for="ch" forName="text_5" refType="h" refFor="ch" refForName="accent_5" fact="0.8"/>
+                <dgm:constr type="ctrY" for="ch" forName="text_5" refType="ctrY" refFor="ch" refForName="accent_5"/>
+                <dgm:constr type="lMarg" for="ch" forName="text_5" refType="w" refFor="ch" refForName="accent_5" fact="1.8"/>
+                <dgm:constr type="primFontSz" for="ch" ptType="node" op="equ" val="65"/>
+              </dgm:constrLst>
+            </dgm:if>
+            <dgm:if name="Name10" axis="ch" ptType="node" func="cnt" op="equ" val="6">
+              <dgm:constrLst>
+                <dgm:constr type="h" for="ch" forName="cycle" refType="h"/>
+                <dgm:constr type="w" for="ch" forName="cycle" refType="h" refFor="ch" refForName="cycle" fact="0.26"/>
+                <dgm:constr type="l" for="ch" forName="cycle"/>
+                <dgm:constr type="ctrY" for="ch" forName="cycle" refType="h" fact="0.5"/>
+                <dgm:constr type="diam" for="ch" forName="cycle" refType="h" fact="1.344"/>
+                <dgm:constr type="h" for="ch" forName="accent_1" refType="h" fact="0.1316"/>
+                <dgm:constr type="w" for="ch" forName="accent_1" refType="h" refFor="ch" refForName="accent_1" op="equ"/>
+                <dgm:constr type="ctrY" for="ch" forName="accent_1" refType="h" fact="0.1053"/>
+                <dgm:constr type="ctrX" for="ch" forName="accent_1" refType="h" fact="0.0943"/>
+                <dgm:constr type="l" for="ch" forName="text_1" refType="ctrX" refFor="ch" refForName="accent_1"/>
+                <dgm:constr type="r" for="ch" forName="text_1" refType="w"/>
+                <dgm:constr type="w" for="ch" forName="text_1" refType="h" refFor="ch" refForName="text_1" op="gte"/>
+                <dgm:constr type="h" for="ch" forName="text_1" refType="h" refFor="ch" refForName="accent_1" fact="0.8"/>
+                <dgm:constr type="ctrY" for="ch" forName="text_1" refType="ctrY" refFor="ch" refForName="accent_1"/>
+                <dgm:constr type="lMarg" for="ch" forName="text_1" refType="w" refFor="ch" refForName="accent_1" fact="1.8"/>
+                <dgm:constr type="h" for="ch" forName="accent_2" refType="h" fact="0.1316"/>
+                <dgm:constr type="w" for="ch" forName="accent_2" refType="h" refFor="ch" refForName="accent_2" op="equ"/>
+                <dgm:constr type="ctrY" for="ch" forName="accent_2" refType="h" fact="0.2632"/>
+                <dgm:constr type="ctrX" for="ch" forName="accent_2" refType="h" fact="0.1809"/>
+                <dgm:constr type="l" for="ch" forName="text_2" refType="ctrX" refFor="ch" refForName="accent_2"/>
+                <dgm:constr type="r" for="ch" forName="text_2" refType="w"/>
+                <dgm:constr type="w" for="ch" forName="text_2" refType="h" refFor="ch" refForName="text_2" op="gte"/>
+                <dgm:constr type="h" for="ch" forName="text_2" refType="h" refFor="ch" refForName="accent_2" fact="0.8"/>
+                <dgm:constr type="ctrY" for="ch" forName="text_2" refType="ctrY" refFor="ch" refForName="accent_2"/>
+                <dgm:constr type="lMarg" for="ch" forName="text_2" refType="w" refFor="ch" refForName="accent_2" fact="1.8"/>
+                <dgm:constr type="h" for="ch" forName="accent_3" refType="h" fact="0.1316"/>
+                <dgm:constr type="w" for="ch" forName="accent_3" refType="h" refFor="ch" refForName="accent_3" op="equ"/>
+                <dgm:constr type="ctrY" for="ch" forName="accent_3" refType="h" fact="0.4211"/>
+                <dgm:constr type="ctrX" for="ch" forName="accent_3" refType="h" fact="0.2205"/>
+                <dgm:constr type="l" for="ch" forName="text_3" refType="ctrX" refFor="ch" refForName="accent_3"/>
+                <dgm:constr type="r" for="ch" forName="text_3" refType="w"/>
+                <dgm:constr type="w" for="ch" forName="text_3" refType="h" refFor="ch" refForName="text_3" op="gte"/>
+                <dgm:constr type="h" for="ch" forName="text_3" refType="h" refFor="ch" refForName="accent_3" fact="0.8"/>
+                <dgm:constr type="ctrY" for="ch" forName="text_3" refType="ctrY" refFor="ch" refForName="accent_3"/>
+                <dgm:constr type="lMarg" for="ch" forName="text_3" refType="w" refFor="ch" refForName="accent_3" fact="1.8"/>
+                <dgm:constr type="h" for="ch" forName="accent_4" refType="h" fact="0.1316"/>
+                <dgm:constr type="w" for="ch" forName="accent_4" refType="h" refFor="ch" refForName="accent_4" op="equ"/>
+                <dgm:constr type="ctrY" for="ch" forName="accent_4" refType="h" fact="0.5789"/>
+                <dgm:constr type="ctrX" for="ch" forName="accent_4" refType="h" fact="0.2205"/>
+                <dgm:constr type="l" for="ch" forName="text_4" refType="ctrX" refFor="ch" refForName="accent_4"/>
+                <dgm:constr type="r" for="ch" forName="text_4" refType="w"/>
+                <dgm:constr type="w" for="ch" forName="text_4" refType="h" refFor="ch" refForName="text_4" op="gte"/>
+                <dgm:constr type="h" for="ch" forName="text_4" refType="h" refFor="ch" refForName="accent_4" fact="0.8"/>
+                <dgm:constr type="ctrY" for="ch" forName="text_4" refType="ctrY" refFor="ch" refForName="accent_4"/>
+                <dgm:constr type="lMarg" for="ch" forName="text_4" refType="w" refFor="ch" refForName="accent_4" fact="1.8"/>
+                <dgm:constr type="h" for="ch" forName="accent_5" refType="h" fact="0.1316"/>
+                <dgm:constr type="w" for="ch" forName="accent_5" refType="h" refFor="ch" refForName="accent_5" op="equ"/>
+                <dgm:constr type="ctrY" for="ch" forName="accent_5" refType="h" fact="0.7368"/>
+                <dgm:constr type="ctrX" for="ch" forName="accent_5" refType="h" fact="0.1809"/>
+                <dgm:constr type="l" for="ch" forName="text_5" refType="ctrX" refFor="ch" refForName="accent_5"/>
+                <dgm:constr type="r" for="ch" forName="text_5" refType="w"/>
+                <dgm:constr type="w" for="ch" forName="text_5" refType="h" refFor="ch" refForName="text_5" op="gte"/>
+                <dgm:constr type="h" for="ch" forName="text_5" refType="h" refFor="ch" refForName="accent_5" fact="0.8"/>
+                <dgm:constr type="ctrY" for="ch" forName="text_5" refType="ctrY" refFor="ch" refForName="accent_5"/>
+                <dgm:constr type="lMarg" for="ch" forName="text_5" refType="w" refFor="ch" refForName="accent_5" fact="1.8"/>
+                <dgm:constr type="h" for="ch" forName="accent_6" refType="h" fact="0.1316"/>
+                <dgm:constr type="w" for="ch" forName="accent_6" refType="h" refFor="ch" refForName="accent_6" op="equ"/>
+                <dgm:constr type="ctrY" for="ch" forName="accent_6" refType="h" fact="0.8947"/>
+                <dgm:constr type="ctrX" for="ch" forName="accent_6" refType="h" fact="0.0943"/>
+                <dgm:constr type="l" for="ch" forName="text_6" refType="ctrX" refFor="ch" refForName="accent_6"/>
+                <dgm:constr type="r" for="ch" forName="text_6" refType="w"/>
+                <dgm:constr type="w" for="ch" forName="text_6" refType="h" refFor="ch" refForName="text_6" op="gte"/>
+                <dgm:constr type="h" for="ch" forName="text_6" refType="h" refFor="ch" refForName="accent_6" fact="0.8"/>
+                <dgm:constr type="ctrY" for="ch" forName="text_6" refType="ctrY" refFor="ch" refForName="accent_6"/>
+                <dgm:constr type="lMarg" for="ch" forName="text_6" refType="w" refFor="ch" refForName="accent_6" fact="1.8"/>
+                <dgm:constr type="primFontSz" for="ch" ptType="node" op="equ" val="65"/>
+              </dgm:constrLst>
+            </dgm:if>
+            <dgm:else name="Name11">
+              <dgm:constrLst>
+                <dgm:constr type="h" for="ch" forName="cycle" refType="h"/>
+                <dgm:constr type="w" for="ch" forName="cycle" refType="h" refFor="ch" refForName="cycle" fact="0.26"/>
+                <dgm:constr type="l" for="ch" forName="cycle"/>
+                <dgm:constr type="ctrY" for="ch" forName="cycle" refType="h" fact="0.5"/>
+                <dgm:constr type="diam" for="ch" forName="cycle" refType="h" fact="1.344"/>
+                <dgm:constr type="h" for="ch" forName="accent_1" refType="h" fact="0.1136"/>
+                <dgm:constr type="w" for="ch" forName="accent_1" refType="h" refFor="ch" refForName="accent_1" op="equ"/>
+                <dgm:constr type="ctrY" for="ch" forName="accent_1" refType="h" fact="0.0909"/>
+                <dgm:constr type="ctrX" for="ch" forName="accent_1" refType="h" fact="0.0835"/>
+                <dgm:constr type="l" for="ch" forName="text_1" refType="ctrX" refFor="ch" refForName="accent_1"/>
+                <dgm:constr type="r" for="ch" forName="text_1" refType="w"/>
+                <dgm:constr type="w" for="ch" forName="text_1" refType="h" refFor="ch" refForName="text_1" op="gte"/>
+                <dgm:constr type="h" for="ch" forName="text_1" refType="h" refFor="ch" refForName="accent_1" fact="0.8"/>
+                <dgm:constr type="ctrY" for="ch" forName="text_1" refType="ctrY" refFor="ch" refForName="accent_1"/>
+                <dgm:constr type="lMarg" for="ch" forName="text_1" refType="w" refFor="ch" refForName="accent_1" fact="1.8"/>
+                <dgm:constr type="h" for="ch" forName="accent_2" refType="h" fact="0.1136"/>
+                <dgm:constr type="w" for="ch" forName="accent_2" refType="h" refFor="ch" refForName="accent_2" op="equ"/>
+                <dgm:constr type="ctrY" for="ch" forName="accent_2" refType="h" fact="0.2273"/>
+                <dgm:constr type="ctrX" for="ch" forName="accent_2" refType="h" fact="0.1658"/>
+                <dgm:constr type="l" for="ch" forName="text_2" refType="ctrX" refFor="ch" refForName="accent_2"/>
+                <dgm:constr type="r" for="ch" forName="text_2" refType="w"/>
+                <dgm:constr type="w" for="ch" forName="text_2" refType="h" refFor="ch" refForName="text_2" op="gte"/>
+                <dgm:constr type="h" for="ch" forName="text_2" refType="h" refFor="ch" refForName="accent_2" fact="0.8"/>
+                <dgm:constr type="ctrY" for="ch" forName="text_2" refType="ctrY" refFor="ch" refForName="accent_2"/>
+                <dgm:constr type="lMarg" for="ch" forName="text_2" refType="w" refFor="ch" refForName="accent_2" fact="1.8"/>
+                <dgm:constr type="h" for="ch" forName="accent_3" refType="h" fact="0.1136"/>
+                <dgm:constr type="w" for="ch" forName="accent_3" refType="h" refFor="ch" refForName="accent_3" op="equ"/>
+                <dgm:constr type="ctrY" for="ch" forName="accent_3" refType="h" fact="0.3636"/>
+                <dgm:constr type="ctrX" for="ch" forName="accent_3" refType="h" fact="0.2109"/>
+                <dgm:constr type="l" for="ch" forName="text_3" refType="ctrX" refFor="ch" refForName="accent_3"/>
+                <dgm:constr type="r" for="ch" forName="text_3" refType="w"/>
+                <dgm:constr type="w" for="ch" forName="text_3" refType="h" refFor="ch" refForName="text_3" op="gte"/>
+                <dgm:constr type="h" for="ch" forName="text_3" refType="h" refFor="ch" refForName="accent_3" fact="0.8"/>
+                <dgm:constr type="ctrY" for="ch" forName="text_3" refType="ctrY" refFor="ch" refForName="accent_3"/>
+                <dgm:constr type="lMarg" for="ch" forName="text_3" refType="w" refFor="ch" refForName="accent_3" fact="1.8"/>
+                <dgm:constr type="h" for="ch" forName="accent_4" refType="h" fact="0.1136"/>
+                <dgm:constr type="w" for="ch" forName="accent_4" refType="h" refFor="ch" refForName="accent_4" op="equ"/>
+                <dgm:constr type="ctrY" for="ch" forName="accent_4" refType="h" fact="0.5"/>
+                <dgm:constr type="ctrX" for="ch" forName="accent_4" refType="h" fact="0.2253"/>
+                <dgm:constr type="l" for="ch" forName="text_4" refType="ctrX" refFor="ch" refForName="accent_4"/>
+                <dgm:constr type="r" for="ch" forName="text_4" refType="w"/>
+                <dgm:constr type="w" for="ch" forName="text_4" refType="h" refFor="ch" refForName="text_4" op="gte"/>
+                <dgm:constr type="h" for="ch" forName="text_4" refType="h" refFor="ch" refForName="accent_4" fact="0.8"/>
+                <dgm:constr type="ctrY" for="ch" forName="text_4" refType="ctrY" refFor="ch" refForName="accent_4"/>
+                <dgm:constr type="lMarg" for="ch" forName="text_4" refType="w" refFor="ch" refForName="accent_4" fact="1.8"/>
+                <dgm:constr type="h" for="ch" forName="accent_5" refType="h" fact="0.1136"/>
+                <dgm:constr type="w" for="ch" forName="accent_5" refType="h" refFor="ch" refForName="accent_5" op="equ"/>
+                <dgm:constr type="ctrY" for="ch" forName="accent_5" refType="h" fact="0.6364"/>
+                <dgm:constr type="ctrX" for="ch" forName="accent_5" refType="h" fact="0.2109"/>
+                <dgm:constr type="l" for="ch" forName="text_5" refType="ctrX" refFor="ch" refForName="accent_5"/>
+                <dgm:constr type="r" for="ch" forName="text_5" refType="w"/>
+                <dgm:constr type="w" for="ch" forName="text_5" refType="h" refFor="ch" refForName="text_5" op="gte"/>
+                <dgm:constr type="h" for="ch" forName="text_5" refType="h" refFor="ch" refForName="accent_5" fact="0.8"/>
+                <dgm:constr type="ctrY" for="ch" forName="text_5" refType="ctrY" refFor="ch" refForName="accent_5"/>
+                <dgm:constr type="lMarg" for="ch" forName="text_5" refType="w" refFor="ch" refForName="accent_5" fact="1.8"/>
+                <dgm:constr type="h" for="ch" forName="accent_6" refType="h" fact="0.1136"/>
+                <dgm:constr type="w" for="ch" forName="accent_6" refType="h" refFor="ch" refForName="accent_6" op="equ"/>
+                <dgm:constr type="ctrY" for="ch" forName="accent_6" refType="h" fact="0.7727"/>
+                <dgm:constr type="ctrX" for="ch" forName="accent_6" refType="h" fact="0.1658"/>
+                <dgm:constr type="l" for="ch" forName="text_6" refType="ctrX" refFor="ch" refForName="accent_6"/>
+                <dgm:constr type="r" for="ch" forName="text_6" refType="w"/>
+                <dgm:constr type="w" for="ch" forName="text_6" refType="h" refFor="ch" refForName="text_6" op="gte"/>
+                <dgm:constr type="h" for="ch" forName="text_6" refType="h" refFor="ch" refForName="accent_6" fact="0.8"/>
+                <dgm:constr type="ctrY" for="ch" forName="text_6" refType="ctrY" refFor="ch" refForName="accent_6"/>
+                <dgm:constr type="lMarg" for="ch" forName="text_6" refType="w" refFor="ch" refForName="accent_6" fact="1.8"/>
+                <dgm:constr type="h" for="ch" forName="accent_7" refType="h" fact="0.1136"/>
+                <dgm:constr type="w" for="ch" forName="accent_7" refType="h" refFor="ch" refForName="accent_7" op="equ"/>
+                <dgm:constr type="ctrY" for="ch" forName="accent_7" refType="h" fact="0.9091"/>
+                <dgm:constr type="ctrX" for="ch" forName="accent_7" refType="h" fact="0.0835"/>
+                <dgm:constr type="l" for="ch" forName="text_7" refType="ctrX" refFor="ch" refForName="accent_7"/>
+                <dgm:constr type="r" for="ch" forName="text_7" refType="w"/>
+                <dgm:constr type="w" for="ch" forName="text_7" refType="h" refFor="ch" refForName="text_7" op="gte"/>
+                <dgm:constr type="h" for="ch" forName="text_7" refType="h" refFor="ch" refForName="accent_7" fact="0.8"/>
+                <dgm:constr type="ctrY" for="ch" forName="text_7" refType="ctrY" refFor="ch" refForName="accent_7"/>
+                <dgm:constr type="lMarg" for="ch" forName="text_7" refType="w" refFor="ch" refForName="accent_7" fact="1.8"/>
+                <dgm:constr type="primFontSz" for="ch" ptType="node" op="equ" val="65"/>
+              </dgm:constrLst>
+            </dgm:else>
+          </dgm:choose>
+        </dgm:if>
+        <dgm:else name="Name12">
+          <dgm:choose name="Name13">
+            <dgm:if name="Name14" axis="ch" ptType="node" func="cnt" op="equ" val="1">
+              <dgm:constrLst>
+                <dgm:constr type="h" for="ch" forName="cycle" refType="h"/>
+                <dgm:constr type="w" for="ch" forName="cycle" refType="h" refFor="ch" refForName="cycle" fact="0.26"/>
+                <dgm:constr type="r" for="ch" forName="cycle" refType="w"/>
+                <dgm:constr type="ctrY" for="ch" forName="cycle" refType="h" fact="0.5"/>
+                <dgm:constr type="diam" for="ch" forName="cycle" refType="h" fact="1.344"/>
+                <dgm:constr type="h" for="ch" forName="accent_1" refType="h" fact="0.625"/>
+                <dgm:constr type="w" for="ch" forName="accent_1" refType="h" refFor="ch" refForName="accent_1" op="equ"/>
+                <dgm:constr type="ctrY" for="ch" forName="accent_1" refType="h" fact="0.5"/>
+                <dgm:constr type="ctrX" for="ch" forName="accent_1" refType="w"/>
+                <dgm:constr type="ctrXOff" for="ch" forName="accent_1" refType="h" fact="-0.2253"/>
+                <dgm:constr type="r" for="ch" forName="text_1" refType="ctrX" refFor="ch" refForName="accent_1"/>
+                <dgm:constr type="rOff" for="ch" forName="text_1" refType="ctrXOff" refFor="ch" refForName="accent_1"/>
+                <dgm:constr type="l" for="ch" forName="text_1"/>
+                <dgm:constr type="w" for="ch" forName="text_1" refType="h" refFor="ch" refForName="text_1" op="gte"/>
+                <dgm:constr type="h" for="ch" forName="text_1" refType="h" refFor="ch" refForName="accent_1" fact="0.8"/>
+                <dgm:constr type="ctrY" for="ch" forName="text_1" refType="ctrY" refFor="ch" refForName="accent_1"/>
+                <dgm:constr type="rMarg" for="ch" forName="text_1" refType="w" refFor="ch" refForName="accent_1" fact="1.8"/>
+                <dgm:constr type="primFontSz" for="ch" ptType="node" op="equ" val="65"/>
+              </dgm:constrLst>
+            </dgm:if>
+            <dgm:if name="Name15" axis="ch" ptType="node" func="cnt" op="equ" val="2">
+              <dgm:constrLst>
+                <dgm:constr type="h" for="ch" forName="cycle" refType="h"/>
+                <dgm:constr type="w" for="ch" forName="cycle" refType="h" refFor="ch" refForName="cycle" fact="0.26"/>
+                <dgm:constr type="r" for="ch" forName="cycle" refType="w"/>
+                <dgm:constr type="ctrY" for="ch" forName="cycle" refType="h" fact="0.5"/>
+                <dgm:constr type="diam" for="ch" forName="cycle" refType="h" fact="1.344"/>
+                <dgm:constr type="h" for="ch" forName="accent_1" refType="h" fact="0.3571"/>
+                <dgm:constr type="w" for="ch" forName="accent_1" refType="h" refFor="ch" refForName="accent_1" op="equ"/>
+                <dgm:constr type="ctrY" for="ch" forName="accent_1" refType="h" fact="0.2857"/>
+                <dgm:constr type="ctrX" for="ch" forName="accent_1" refType="w"/>
+                <dgm:constr type="ctrXOff" for="ch" forName="accent_1" refType="h" fact="-0.1891"/>
+                <dgm:constr type="r" for="ch" forName="text_1" refType="ctrX" refFor="ch" refForName="accent_1"/>
+                <dgm:constr type="rOff" for="ch" forName="text_1" refType="ctrXOff" refFor="ch" refForName="accent_1"/>
+                <dgm:constr type="l" for="ch" forName="text_1"/>
+                <dgm:constr type="w" for="ch" forName="text_1" refType="h" refFor="ch" refForName="text_1" op="gte"/>
+                <dgm:constr type="h" for="ch" forName="text_1" refType="h" refFor="ch" refForName="accent_1" fact="0.8"/>
+                <dgm:constr type="ctrY" for="ch" forName="text_1" refType="ctrY" refFor="ch" refForName="accent_1"/>
+                <dgm:constr type="rMarg" for="ch" forName="text_1" refType="w" refFor="ch" refForName="accent_1" fact="1.8"/>
+                <dgm:constr type="h" for="ch" forName="accent_2" refType="h" fact="0.3571"/>
+                <dgm:constr type="w" for="ch" forName="accent_2" refType="h" refFor="ch" refForName="accent_2" op="equ"/>
+                <dgm:constr type="ctrY" for="ch" forName="accent_2" refType="h" fact="0.7143"/>
+                <dgm:constr type="ctrX" for="ch" forName="accent_2" refType="w"/>
+                <dgm:constr type="ctrXOff" for="ch" forName="accent_2" refType="h" fact="-0.1891"/>
+                <dgm:constr type="r" for="ch" forName="text_2" refType="ctrX" refFor="ch" refForName="accent_2"/>
+                <dgm:constr type="rOff" for="ch" forName="text_2" refType="ctrXOff" refFor="ch" refForName="accent_2"/>
+                <dgm:constr type="l" for="ch" forName="text_2"/>
+                <dgm:constr type="w" for="ch" forName="text_2" refType="h" refFor="ch" refForName="text_2" op="gte"/>
+                <dgm:constr type="h" for="ch" forName="text_2" refType="h" refFor="ch" refForName="accent_2" fact="0.8"/>
+                <dgm:constr type="ctrY" for="ch" forName="text_2" refType="ctrY" refFor="ch" refForName="accent_2"/>
+                <dgm:constr type="rMarg" for="ch" forName="text_2" refType="w" refFor="ch" refForName="accent_2" fact="1.8"/>
+                <dgm:constr type="primFontSz" for="ch" ptType="node" op="equ" val="65"/>
+              </dgm:constrLst>
+            </dgm:if>
+            <dgm:if name="Name16" axis="ch" ptType="node" func="cnt" op="equ" val="3">
+              <dgm:constrLst>
+                <dgm:constr type="h" for="ch" forName="cycle" refType="h"/>
+                <dgm:constr type="w" for="ch" forName="cycle" refType="h" refFor="ch" refForName="cycle" fact="0.26"/>
+                <dgm:constr type="r" for="ch" forName="cycle" refType="w"/>
+                <dgm:constr type="ctrY" for="ch" forName="cycle" refType="h" fact="0.5"/>
+                <dgm:constr type="diam" for="ch" forName="cycle" refType="h" fact="1.344"/>
+                <dgm:constr type="h" for="ch" forName="accent_1" refType="h" fact="0.25"/>
+                <dgm:constr type="w" for="ch" forName="accent_1" refType="h" refFor="ch" refForName="accent_1" op="equ"/>
+                <dgm:constr type="ctrY" for="ch" forName="accent_1" refType="h" fact="0.2"/>
+                <dgm:constr type="ctrX" for="ch" forName="accent_1" refType="w"/>
+                <dgm:constr type="ctrXOff" for="ch" forName="accent_1" refType="h" fact="-0.1526"/>
+                <dgm:constr type="r" for="ch" forName="text_1" refType="ctrX" refFor="ch" refForName="accent_1"/>
+                <dgm:constr type="rOff" for="ch" forName="text_1" refType="ctrXOff" refFor="ch" refForName="accent_1"/>
+                <dgm:constr type="l" for="ch" forName="text_1"/>
+                <dgm:constr type="w" for="ch" forName="text_1" refType="h" refFor="ch" refForName="text_1" op="gte"/>
+                <dgm:constr type="h" for="ch" forName="text_1" refType="h" refFor="ch" refForName="accent_1" fact="0.8"/>
+                <dgm:constr type="ctrY" for="ch" forName="text_1" refType="ctrY" refFor="ch" refForName="accent_1"/>
+                <dgm:constr type="rMarg" for="ch" forName="text_1" refType="w" refFor="ch" refForName="accent_1" fact="1.8"/>
+                <dgm:constr type="h" for="ch" forName="accent_2" refType="h" fact="0.25"/>
+                <dgm:constr type="w" for="ch" forName="accent_2" refType="h" refFor="ch" refForName="accent_2" op="equ"/>
+                <dgm:constr type="ctrY" for="ch" forName="accent_2" refType="h" fact="0.5"/>
+                <dgm:constr type="ctrX" for="ch" forName="accent_2" refType="w"/>
+                <dgm:constr type="ctrXOff" for="ch" forName="accent_2" refType="h" fact="-0.2253"/>
+                <dgm:constr type="r" for="ch" forName="text_2" refType="ctrX" refFor="ch" refForName="accent_2"/>
+                <dgm:constr type="rOff" for="ch" forName="text_2" refType="ctrXOff" refFor="ch" refForName="accent_2"/>
+                <dgm:constr type="l" for="ch" forName="text_2"/>
+                <dgm:constr type="w" for="ch" forName="text_2" refType="h" refFor="ch" refForName="text_2" op="gte"/>
+                <dgm:constr type="h" for="ch" forName="text_2" refType="h" refFor="ch" refForName="accent_2" fact="0.8"/>
+                <dgm:constr type="ctrY" for="ch" forName="text_2" refType="ctrY" refFor="ch" refForName="accent_2"/>
+                <dgm:constr type="rMarg" for="ch" forName="text_2" refType="w" refFor="ch" refForName="accent_2" fact="1.8"/>
+                <dgm:constr type="h" for="ch" forName="accent_3" refType="h" fact="0.25"/>
+                <dgm:constr type="w" for="ch" forName="accent_3" refType="h" refFor="ch" refForName="accent_3" op="equ"/>
+                <dgm:constr type="ctrY" for="ch" forName="accent_3" refType="h" fact="0.8"/>
+                <dgm:constr type="ctrX" for="ch" forName="accent_3" refType="w"/>
+                <dgm:constr type="ctrXOff" for="ch" forName="accent_3" refType="h" fact="-0.1526"/>
+                <dgm:constr type="r" for="ch" forName="text_3" refType="ctrX" refFor="ch" refForName="accent_3"/>
+                <dgm:constr type="rOff" for="ch" forName="text_3" refType="ctrXOff" refFor="ch" refForName="accent_3"/>
+                <dgm:constr type="l" for="ch" forName="text_3"/>
+                <dgm:constr type="w" for="ch" forName="text_3" refType="h" refFor="ch" refForName="text_3" op="gte"/>
+                <dgm:constr type="h" for="ch" forName="text_3" refType="h" refFor="ch" refForName="accent_3" fact="0.8"/>
+                <dgm:constr type="ctrY" for="ch" forName="text_3" refType="ctrY" refFor="ch" refForName="accent_3"/>
+                <dgm:constr type="rMarg" for="ch" forName="text_3" refType="w" refFor="ch" refForName="accent_3" fact="1.8"/>
+                <dgm:constr type="primFontSz" for="ch" ptType="node" op="equ" val="65"/>
+              </dgm:constrLst>
+            </dgm:if>
+            <dgm:if name="Name17" axis="ch" ptType="node" func="cnt" op="equ" val="4">
+              <dgm:constrLst>
+                <dgm:constr type="h" for="ch" forName="cycle" refType="h"/>
+                <dgm:constr type="w" for="ch" forName="cycle" refType="h" refFor="ch" refForName="cycle" fact="0.26"/>
+                <dgm:constr type="r" for="ch" forName="cycle" refType="w"/>
+                <dgm:constr type="ctrY" for="ch" forName="cycle" refType="h" fact="0.5"/>
+                <dgm:constr type="diam" for="ch" forName="cycle" refType="h" fact="1.344"/>
+                <dgm:constr type="h" for="ch" forName="accent_1" refType="h" fact="0.1923"/>
+                <dgm:constr type="w" for="ch" forName="accent_1" refType="h" refFor="ch" refForName="accent_1" op="equ"/>
+                <dgm:constr type="ctrY" for="ch" forName="accent_1" refType="h" fact="0.1538"/>
+                <dgm:constr type="ctrX" for="ch" forName="accent_1" refType="w"/>
+                <dgm:constr type="ctrXOff" for="ch" forName="accent_1" refType="h" fact="-0.1268"/>
+                <dgm:constr type="r" for="ch" forName="text_1" refType="ctrX" refFor="ch" refForName="accent_1"/>
+                <dgm:constr type="rOff" for="ch" forName="text_1" refType="ctrXOff" refFor="ch" refForName="accent_1"/>
+                <dgm:constr type="l" for="ch" forName="text_1"/>
+                <dgm:constr type="w" for="ch" forName="text_1" refType="h" refFor="ch" refForName="text_1" op="gte"/>
+                <dgm:constr type="h" for="ch" forName="text_1" refType="h" refFor="ch" refForName="accent_1" fact="0.8"/>
+                <dgm:constr type="ctrY" for="ch" forName="text_1" refType="ctrY" refFor="ch" refForName="accent_1"/>
+                <dgm:constr type="rMarg" for="ch" forName="text_1" refType="w" refFor="ch" refForName="accent_1" fact="1.8"/>
+                <dgm:constr type="h" for="ch" forName="accent_2" refType="h" fact="0.1923"/>
+                <dgm:constr type="w" for="ch" forName="accent_2" refType="h" refFor="ch" refForName="accent_2" op="equ"/>
+                <dgm:constr type="ctrY" for="ch" forName="accent_2" refType="h" fact="0.3846"/>
+                <dgm:constr type="ctrX" for="ch" forName="accent_2" refType="w"/>
+                <dgm:constr type="ctrXOff" for="ch" forName="accent_2" refType="h" fact="-0.215"/>
+                <dgm:constr type="r" for="ch" forName="text_2" refType="ctrX" refFor="ch" refForName="accent_2"/>
+                <dgm:constr type="rOff" for="ch" forName="text_2" refType="ctrXOff" refFor="ch" refForName="accent_2"/>
+                <dgm:constr type="l" for="ch" forName="text_2"/>
+                <dgm:constr type="w" for="ch" forName="text_2" refType="h" refFor="ch" refForName="text_2" op="gte"/>
+                <dgm:constr type="h" for="ch" forName="text_2" refType="h" refFor="ch" refForName="accent_2" fact="0.8"/>
+                <dgm:constr type="ctrY" for="ch" forName="text_2" refType="ctrY" refFor="ch" refForName="accent_2"/>
+                <dgm:constr type="rMarg" for="ch" forName="text_2" refType="w" refFor="ch" refForName="accent_2" fact="1.8"/>
+                <dgm:constr type="h" for="ch" forName="accent_3" refType="h" fact="0.1923"/>
+                <dgm:constr type="w" for="ch" forName="accent_3" refType="h" refFor="ch" refForName="accent_3" op="equ"/>
+                <dgm:constr type="ctrY" for="ch" forName="accent_3" refType="h" fact="0.6154"/>
+                <dgm:constr type="ctrX" for="ch" forName="accent_3" refType="w"/>
+                <dgm:constr type="ctrXOff" for="ch" forName="accent_3" refType="h" fact="-0.215"/>
+                <dgm:constr type="r" for="ch" forName="text_3" refType="ctrX" refFor="ch" refForName="accent_3"/>
+                <dgm:constr type="rOff" for="ch" forName="text_3" refType="ctrXOff" refFor="ch" refForName="accent_3"/>
+                <dgm:constr type="l" for="ch" forName="text_3"/>
+                <dgm:constr type="w" for="ch" forName="text_3" refType="h" refFor="ch" refForName="text_3" op="gte"/>
+                <dgm:constr type="h" for="ch" forName="text_3" refType="h" refFor="ch" refForName="accent_3" fact="0.8"/>
+                <dgm:constr type="ctrY" for="ch" forName="text_3" refType="ctrY" refFor="ch" refForName="accent_3"/>
+                <dgm:constr type="rMarg" for="ch" forName="text_3" refType="w" refFor="ch" refForName="accent_3" fact="1.8"/>
+                <dgm:constr type="h" for="ch" forName="accent_4" refType="h" fact="0.1923"/>
+                <dgm:constr type="w" for="ch" forName="accent_4" refType="h" refFor="ch" refForName="accent_4" op="equ"/>
+                <dgm:constr type="ctrY" for="ch" forName="accent_4" refType="h" fact="0.8462"/>
+                <dgm:constr type="ctrX" for="ch" forName="accent_4" refType="w"/>
+                <dgm:constr type="ctrXOff" for="ch" forName="accent_4" refType="h" fact="-0.1268"/>
+                <dgm:constr type="r" for="ch" forName="text_4" refType="ctrX" refFor="ch" refForName="accent_4"/>
+                <dgm:constr type="rOff" for="ch" forName="text_4" refType="ctrXOff" refFor="ch" refForName="accent_4"/>
+                <dgm:constr type="l" for="ch" forName="text_4"/>
+                <dgm:constr type="w" for="ch" forName="text_4" refType="h" refFor="ch" refForName="text_4" op="gte"/>
+                <dgm:constr type="h" for="ch" forName="text_4" refType="h" refFor="ch" refForName="accent_4" fact="0.8"/>
+                <dgm:constr type="ctrY" for="ch" forName="text_4" refType="ctrY" refFor="ch" refForName="accent_4"/>
+                <dgm:constr type="rMarg" for="ch" forName="text_4" refType="w" refFor="ch" refForName="accent_4" fact="1.8"/>
+                <dgm:constr type="primFontSz" for="ch" ptType="node" op="equ" val="65"/>
+              </dgm:constrLst>
+            </dgm:if>
+            <dgm:if name="Name18" axis="ch" ptType="node" func="cnt" op="equ" val="5">
+              <dgm:constrLst>
+                <dgm:constr type="h" for="ch" forName="cycle" refType="h"/>
+                <dgm:constr type="w" for="ch" forName="cycle" refType="h" refFor="ch" refForName="cycle" fact="0.26"/>
+                <dgm:constr type="r" for="ch" forName="cycle" refType="w"/>
+                <dgm:constr type="ctrY" for="ch" forName="cycle" refType="h" fact="0.5"/>
+                <dgm:constr type="diam" for="ch" forName="cycle" refType="h" fact="1.344"/>
+                <dgm:constr type="h" for="ch" forName="accent_1" refType="h" fact="0.1563"/>
+                <dgm:constr type="w" for="ch" forName="accent_1" refType="h" refFor="ch" refForName="accent_1" op="equ"/>
+                <dgm:constr type="ctrY" for="ch" forName="accent_1" refType="h" fact="0.125"/>
+                <dgm:constr type="ctrX" for="ch" forName="accent_1" refType="w"/>
+                <dgm:constr type="ctrXOff" for="ch" forName="accent_1" refType="h" fact="-0.1082"/>
+                <dgm:constr type="r" for="ch" forName="text_1" refType="ctrX" refFor="ch" refForName="accent_1"/>
+                <dgm:constr type="rOff" for="ch" forName="text_1" refType="ctrXOff" refFor="ch" refForName="accent_1"/>
+                <dgm:constr type="l" for="ch" forName="text_1"/>
+                <dgm:constr type="w" for="ch" forName="text_1" refType="h" refFor="ch" refForName="text_1" op="gte"/>
+                <dgm:constr type="h" for="ch" forName="text_1" refType="h" refFor="ch" refForName="accent_1" fact="0.8"/>
+                <dgm:constr type="ctrY" for="ch" forName="text_1" refType="ctrY" refFor="ch" refForName="accent_1"/>
+                <dgm:constr type="rMarg" for="ch" forName="text_1" refType="w" refFor="ch" refForName="accent_1" fact="1.8"/>
+                <dgm:constr type="h" for="ch" forName="accent_2" refType="h" fact="0.1563"/>
+                <dgm:constr type="w" for="ch" forName="accent_2" refType="h" refFor="ch" refForName="accent_2" op="equ"/>
+                <dgm:constr type="ctrY" for="ch" forName="accent_2" refType="h" fact="0.3125"/>
+                <dgm:constr type="ctrX" for="ch" forName="accent_2" refType="w"/>
+                <dgm:constr type="ctrXOff" for="ch" forName="accent_2" refType="h" fact="-0.1978"/>
+                <dgm:constr type="r" for="ch" forName="text_2" refType="ctrX" refFor="ch" refForName="accent_2"/>
+                <dgm:constr type="rOff" for="ch" forName="text_2" refType="ctrXOff" refFor="ch" refForName="accent_2"/>
+                <dgm:constr type="l" for="ch" forName="text_2"/>
+                <dgm:constr type="w" for="ch" forName="text_2" refType="h" refFor="ch" refForName="text_2" op="gte"/>
+                <dgm:constr type="h" for="ch" forName="text_2" refType="h" refFor="ch" refForName="accent_2" fact="0.8"/>
+                <dgm:constr type="ctrY" for="ch" forName="text_2" refType="ctrY" refFor="ch" refForName="accent_2"/>
+                <dgm:constr type="rMarg" for="ch" forName="text_2" refType="w" refFor="ch" refForName="accent_2" fact="1.8"/>
+                <dgm:constr type="h" for="ch" forName="accent_3" refType="h" fact="0.1563"/>
+                <dgm:constr type="w" for="ch" forName="accent_3" refType="h" refFor="ch" refForName="accent_3" op="equ"/>
+                <dgm:constr type="ctrY" for="ch" forName="accent_3" refType="h" fact="0.5"/>
+                <dgm:constr type="ctrX" for="ch" forName="accent_3" refType="w"/>
+                <dgm:constr type="ctrXOff" for="ch" forName="accent_3" refType="h" fact="-0.2253"/>
+                <dgm:constr type="r" for="ch" forName="text_3" refType="ctrX" refFor="ch" refForName="accent_3"/>
+                <dgm:constr type="rOff" for="ch" forName="text_3" refType="ctrXOff" refFor="ch" refForName="accent_3"/>
+                <dgm:constr type="l" for="ch" forName="text_3"/>
+                <dgm:constr type="w" for="ch" forName="text_3" refType="h" refFor="ch" refForName="text_3" op="gte"/>
+                <dgm:constr type="h" for="ch" forName="text_3" refType="h" refFor="ch" refForName="accent_3" fact="0.8"/>
+                <dgm:constr type="ctrY" for="ch" forName="text_3" refType="ctrY" refFor="ch" refForName="accent_3"/>
+                <dgm:constr type="rMarg" for="ch" forName="text_3" refType="w" refFor="ch" refForName="accent_3" fact="1.8"/>
+                <dgm:constr type="h" for="ch" forName="accent_4" refType="h" fact="0.1563"/>
+                <dgm:constr type="w" for="ch" forName="accent_4" refType="h" refFor="ch" refForName="accent_4" op="equ"/>
+                <dgm:constr type="ctrY" for="ch" forName="accent_4" refType="h" fact="0.6875"/>
+                <dgm:constr type="ctrX" for="ch" forName="accent_4" refType="w"/>
+                <dgm:constr type="ctrXOff" for="ch" forName="accent_4" refType="h" fact="-0.1978"/>
+                <dgm:constr type="r" for="ch" forName="text_4" refType="ctrX" refFor="ch" refForName="accent_4"/>
+                <dgm:constr type="rOff" for="ch" forName="text_4" refType="ctrXOff" refFor="ch" refForName="accent_4"/>
+                <dgm:constr type="l" for="ch" forName="text_4"/>
+                <dgm:constr type="w" for="ch" forName="text_4" refType="h" refFor="ch" refForName="text_4" op="gte"/>
+                <dgm:constr type="h" for="ch" forName="text_4" refType="h" refFor="ch" refForName="accent_4" fact="0.8"/>
+                <dgm:constr type="ctrY" for="ch" forName="text_4" refType="ctrY" refFor="ch" refForName="accent_4"/>
+                <dgm:constr type="rMarg" for="ch" forName="text_4" refType="w" refFor="ch" refForName="accent_4" fact="1.8"/>
+                <dgm:constr type="h" for="ch" forName="accent_5" refType="h" fact="0.1563"/>
+                <dgm:constr type="w" for="ch" forName="accent_5" refType="h" refFor="ch" refForName="accent_5" op="equ"/>
+                <dgm:constr type="ctrY" for="ch" forName="accent_5" refType="h" fact="0.875"/>
+                <dgm:constr type="ctrX" for="ch" forName="accent_5" refType="w"/>
+                <dgm:constr type="ctrXOff" for="ch" forName="accent_5" refType="h" fact="-0.1082"/>
+                <dgm:constr type="r" for="ch" forName="text_5" refType="ctrX" refFor="ch" refForName="accent_5"/>
+                <dgm:constr type="rOff" for="ch" forName="text_5" refType="ctrXOff" refFor="ch" refForName="accent_5"/>
+                <dgm:constr type="l" for="ch" forName="text_5"/>
+                <dgm:constr type="w" for="ch" forName="text_5" refType="h" refFor="ch" refForName="text_5" op="gte"/>
+                <dgm:constr type="h" for="ch" forName="text_5" refType="h" refFor="ch" refForName="accent_5" fact="0.8"/>
+                <dgm:constr type="ctrY" for="ch" forName="text_5" refType="ctrY" refFor="ch" refForName="accent_5"/>
+                <dgm:constr type="rMarg" for="ch" forName="text_5" refType="w" refFor="ch" refForName="accent_5" fact="1.8"/>
+                <dgm:constr type="primFontSz" for="ch" ptType="node" op="equ" val="65"/>
+              </dgm:constrLst>
+            </dgm:if>
+            <dgm:if name="Name19" axis="ch" ptType="node" func="cnt" op="equ" val="6">
+              <dgm:constrLst>
+                <dgm:constr type="h" for="ch" forName="cycle" refType="h"/>
+                <dgm:constr type="w" for="ch" forName="cycle" refType="h" refFor="ch" refForName="cycle" fact="0.26"/>
+                <dgm:constr type="r" for="ch" forName="cycle" refType="w"/>
+                <dgm:constr type="ctrY" for="ch" forName="cycle" refType="h" fact="0.5"/>
+                <dgm:constr type="diam" for="ch" forName="cycle" refType="h" fact="1.344"/>
+                <dgm:constr type="h" for="ch" forName="accent_1" refType="h" fact="0.1316"/>
+                <dgm:constr type="w" for="ch" forName="accent_1" refType="h" refFor="ch" refForName="accent_1" op="equ"/>
+                <dgm:constr type="ctrY" for="ch" forName="accent_1" refType="h" fact="0.1053"/>
+                <dgm:constr type="ctrX" for="ch" forName="accent_1" refType="w"/>
+                <dgm:constr type="ctrXOff" for="ch" forName="accent_1" refType="h" fact="-0.0943"/>
+                <dgm:constr type="r" for="ch" forName="text_1" refType="ctrX" refFor="ch" refForName="accent_1"/>
+                <dgm:constr type="rOff" for="ch" forName="text_1" refType="ctrXOff" refFor="ch" refForName="accent_1"/>
+                <dgm:constr type="l" for="ch" forName="text_1"/>
+                <dgm:constr type="w" for="ch" forName="text_1" refType="h" refFor="ch" refForName="text_1" op="gte"/>
+                <dgm:constr type="h" for="ch" forName="text_1" refType="h" refFor="ch" refForName="accent_1" fact="0.8"/>
+                <dgm:constr type="ctrY" for="ch" forName="text_1" refType="ctrY" refFor="ch" refForName="accent_1"/>
+                <dgm:constr type="rMarg" for="ch" forName="text_1" refType="w" refFor="ch" refForName="accent_1" fact="1.8"/>
+                <dgm:constr type="h" for="ch" forName="accent_2" refType="h" fact="0.1316"/>
+                <dgm:constr type="w" for="ch" forName="accent_2" refType="h" refFor="ch" refForName="accent_2" op="equ"/>
+                <dgm:constr type="ctrY" for="ch" forName="accent_2" refType="h" fact="0.2632"/>
+                <dgm:constr type="ctrX" for="ch" forName="accent_2" refType="w"/>
+                <dgm:constr type="ctrXOff" for="ch" forName="accent_2" refType="h" fact="-0.1809"/>
+                <dgm:constr type="r" for="ch" forName="text_2" refType="ctrX" refFor="ch" refForName="accent_2"/>
+                <dgm:constr type="rOff" for="ch" forName="text_2" refType="ctrXOff" refFor="ch" refForName="accent_2"/>
+                <dgm:constr type="l" for="ch" forName="text_2"/>
+                <dgm:constr type="w" for="ch" forName="text_2" refType="h" refFor="ch" refForName="text_2" op="gte"/>
+                <dgm:constr type="h" for="ch" forName="text_2" refType="h" refFor="ch" refForName="accent_2" fact="0.8"/>
+                <dgm:constr type="ctrY" for="ch" forName="text_2" refType="ctrY" refFor="ch" refForName="accent_2"/>
+                <dgm:constr type="rMarg" for="ch" forName="text_2" refType="w" refFor="ch" refForName="accent_2" fact="1.8"/>
+                <dgm:constr type="h" for="ch" forName="accent_3" refType="h" fact="0.1316"/>
+                <dgm:constr type="w" for="ch" forName="accent_3" refType="h" refFor="ch" refForName="accent_3" op="equ"/>
+                <dgm:constr type="ctrY" for="ch" forName="accent_3" refType="h" fact="0.4211"/>
+                <dgm:constr type="ctrX" for="ch" forName="accent_3" refType="w"/>
+                <dgm:constr type="ctrXOff" for="ch" forName="accent_3" refType="h" fact="-0.2205"/>
+                <dgm:constr type="r" for="ch" forName="text_3" refType="ctrX" refFor="ch" refForName="accent_3"/>
+                <dgm:constr type="rOff" for="ch" forName="text_3" refType="ctrXOff" refFor="ch" refForName="accent_3"/>
+                <dgm:constr type="l" for="ch" forName="text_3"/>
+                <dgm:constr type="w" for="ch" forName="text_3" refType="h" refFor="ch" refForName="text_3" op="gte"/>
+                <dgm:constr type="h" for="ch" forName="text_3" refType="h" refFor="ch" refForName="accent_3" fact="0.8"/>
+                <dgm:constr type="ctrY" for="ch" forName="text_3" refType="ctrY" refFor="ch" refForName="accent_3"/>
+                <dgm:constr type="rMarg" for="ch" forName="text_3" refType="w" refFor="ch" refForName="accent_3" fact="1.8"/>
+                <dgm:constr type="h" for="ch" forName="accent_4" refType="h" fact="0.1316"/>
+                <dgm:constr type="w" for="ch" forName="accent_4" refType="h" refFor="ch" refForName="accent_4" op="equ"/>
+                <dgm:constr type="ctrY" for="ch" forName="accent_4" refType="h" fact="0.5789"/>
+                <dgm:constr type="ctrX" for="ch" forName="accent_4" refType="w"/>
+                <dgm:constr type="ctrXOff" for="ch" forName="accent_4" refType="h" fact="-0.2205"/>
+                <dgm:constr type="r" for="ch" forName="text_4" refType="ctrX" refFor="ch" refForName="accent_4"/>
+                <dgm:constr type="rOff" for="ch" forName="text_4" refType="ctrXOff" refFor="ch" refForName="accent_4"/>
+                <dgm:constr type="l" for="ch" forName="text_4"/>
+                <dgm:constr type="w" for="ch" forName="text_4" refType="h" refFor="ch" refForName="text_4" op="gte"/>
+                <dgm:constr type="h" for="ch" forName="text_4" refType="h" refFor="ch" refForName="accent_4" fact="0.8"/>
+                <dgm:constr type="ctrY" for="ch" forName="text_4" refType="ctrY" refFor="ch" refForName="accent_4"/>
+                <dgm:constr type="rMarg" for="ch" forName="text_4" refType="w" refFor="ch" refForName="accent_4" fact="1.8"/>
+                <dgm:constr type="h" for="ch" forName="accent_5" refType="h" fact="0.1316"/>
+                <dgm:constr type="w" for="ch" forName="accent_5" refType="h" refFor="ch" refForName="accent_5" op="equ"/>
+                <dgm:constr type="ctrY" for="ch" forName="accent_5" refType="h" fact="0.7368"/>
+                <dgm:constr type="ctrX" for="ch" forName="accent_5" refType="w"/>
+                <dgm:constr type="ctrXOff" for="ch" forName="accent_5" refType="h" fact="-0.1809"/>
+                <dgm:constr type="r" for="ch" forName="text_5" refType="ctrX" refFor="ch" refForName="accent_5"/>
+                <dgm:constr type="rOff" for="ch" forName="text_5" refType="ctrXOff" refFor="ch" refForName="accent_5"/>
+                <dgm:constr type="l" for="ch" forName="text_5"/>
+                <dgm:constr type="w" for="ch" forName="text_5" refType="h" refFor="ch" refForName="text_5" op="gte"/>
+                <dgm:constr type="h" for="ch" forName="text_5" refType="h" refFor="ch" refForName="accent_5" fact="0.8"/>
+                <dgm:constr type="ctrY" for="ch" forName="text_5" refType="ctrY" refFor="ch" refForName="accent_5"/>
+                <dgm:constr type="rMarg" for="ch" forName="text_5" refType="w" refFor="ch" refForName="accent_5" fact="1.8"/>
+                <dgm:constr type="h" for="ch" forName="accent_6" refType="h" fact="0.1316"/>
+                <dgm:constr type="w" for="ch" forName="accent_6" refType="h" refFor="ch" refForName="accent_6" op="equ"/>
+                <dgm:constr type="ctrY" for="ch" forName="accent_6" refType="h" fact="0.8947"/>
+                <dgm:constr type="ctrX" for="ch" forName="accent_6" refType="w"/>
+                <dgm:constr type="ctrXOff" for="ch" forName="accent_6" refType="h" fact="-0.0943"/>
+                <dgm:constr type="r" for="ch" forName="text_6" refType="ctrX" refFor="ch" refForName="accent_6"/>
+                <dgm:constr type="rOff" for="ch" forName="text_6" refType="ctrXOff" refFor="ch" refForName="accent_6"/>
+                <dgm:constr type="l" for="ch" forName="text_6"/>
+                <dgm:constr type="w" for="ch" forName="text_6" refType="h" refFor="ch" refForName="text_6" op="gte"/>
+                <dgm:constr type="h" for="ch" forName="text_6" refType="h" refFor="ch" refForName="accent_6" fact="0.8"/>
+                <dgm:constr type="ctrY" for="ch" forName="text_6" refType="ctrY" refFor="ch" refForName="accent_6"/>
+                <dgm:constr type="rMarg" for="ch" forName="text_6" refType="w" refFor="ch" refForName="accent_6" fact="1.8"/>
+                <dgm:constr type="primFontSz" for="ch" ptType="node" op="equ" val="65"/>
+              </dgm:constrLst>
+            </dgm:if>
+            <dgm:else name="Name20">
+              <dgm:constrLst>
+                <dgm:constr type="h" for="ch" forName="cycle" refType="h"/>
+                <dgm:constr type="w" for="ch" forName="cycle" refType="h" refFor="ch" refForName="cycle" fact="0.26"/>
+                <dgm:constr type="r" for="ch" forName="cycle" refType="w"/>
+                <dgm:constr type="ctrY" for="ch" forName="cycle" refType="h" fact="0.5"/>
+                <dgm:constr type="diam" for="ch" forName="cycle" refType="h" fact="1.344"/>
+                <dgm:constr type="h" for="ch" forName="accent_1" refType="h" fact="0.1136"/>
+                <dgm:constr type="w" for="ch" forName="accent_1" refType="h" refFor="ch" refForName="accent_1" op="equ"/>
+                <dgm:constr type="ctrY" for="ch" forName="accent_1" refType="h" fact="0.0909"/>
+                <dgm:constr type="ctrX" for="ch" forName="accent_1" refType="w"/>
+                <dgm:constr type="ctrXOff" for="ch" forName="accent_1" refType="h" fact="-0.0835"/>
+                <dgm:constr type="r" for="ch" forName="text_1" refType="ctrX" refFor="ch" refForName="accent_1"/>
+                <dgm:constr type="rOff" for="ch" forName="text_1" refType="ctrXOff" refFor="ch" refForName="accent_1"/>
+                <dgm:constr type="l" for="ch" forName="text_1"/>
+                <dgm:constr type="w" for="ch" forName="text_1" refType="h" refFor="ch" refForName="text_1" op="gte"/>
+                <dgm:constr type="h" for="ch" forName="text_1" refType="h" refFor="ch" refForName="accent_1" fact="0.8"/>
+                <dgm:constr type="ctrY" for="ch" forName="text_1" refType="ctrY" refFor="ch" refForName="accent_1"/>
+                <dgm:constr type="rMarg" for="ch" forName="text_1" refType="w" refFor="ch" refForName="accent_1" fact="1.8"/>
+                <dgm:constr type="h" for="ch" forName="accent_2" refType="h" fact="0.1136"/>
+                <dgm:constr type="w" for="ch" forName="accent_2" refType="h" refFor="ch" refForName="accent_2" op="equ"/>
+                <dgm:constr type="ctrY" for="ch" forName="accent_2" refType="h" fact="0.2273"/>
+                <dgm:constr type="ctrX" for="ch" forName="accent_2" refType="w"/>
+                <dgm:constr type="ctrXOff" for="ch" forName="accent_2" refType="h" fact="-0.1658"/>
+                <dgm:constr type="r" for="ch" forName="text_2" refType="ctrX" refFor="ch" refForName="accent_2"/>
+                <dgm:constr type="rOff" for="ch" forName="text_2" refType="ctrXOff" refFor="ch" refForName="accent_2"/>
+                <dgm:constr type="l" for="ch" forName="text_2"/>
+                <dgm:constr type="w" for="ch" forName="text_2" refType="h" refFor="ch" refForName="text_2" op="gte"/>
+                <dgm:constr type="h" for="ch" forName="text_2" refType="h" refFor="ch" refForName="accent_2" fact="0.8"/>
+                <dgm:constr type="ctrY" for="ch" forName="text_2" refType="ctrY" refFor="ch" refForName="accent_2"/>
+                <dgm:constr type="rMarg" for="ch" forName="text_2" refType="w" refFor="ch" refForName="accent_2" fact="1.8"/>
+                <dgm:constr type="h" for="ch" forName="accent_3" refType="h" fact="0.1136"/>
+                <dgm:constr type="w" for="ch" forName="accent_3" refType="h" refFor="ch" refForName="accent_3" op="equ"/>
+                <dgm:constr type="ctrY" for="ch" forName="accent_3" refType="h" fact="0.3636"/>
+                <dgm:constr type="ctrX" for="ch" forName="accent_3" refType="w"/>
+                <dgm:constr type="ctrXOff" for="ch" forName="accent_3" refType="h" fact="-0.2109"/>
+                <dgm:constr type="r" for="ch" forName="text_3" refType="ctrX" refFor="ch" refForName="accent_3"/>
+                <dgm:constr type="rOff" for="ch" forName="text_3" refType="ctrXOff" refFor="ch" refForName="accent_3"/>
+                <dgm:constr type="l" for="ch" forName="text_3"/>
+                <dgm:constr type="w" for="ch" forName="text_3" refType="h" refFor="ch" refForName="text_3" op="gte"/>
+                <dgm:constr type="h" for="ch" forName="text_3" refType="h" refFor="ch" refForName="accent_3" fact="0.8"/>
+                <dgm:constr type="ctrY" for="ch" forName="text_3" refType="ctrY" refFor="ch" refForName="accent_3"/>
+                <dgm:constr type="rMarg" for="ch" forName="text_3" refType="w" refFor="ch" refForName="accent_3" fact="1.8"/>
+                <dgm:constr type="h" for="ch" forName="accent_4" refType="h" fact="0.1136"/>
+                <dgm:constr type="w" for="ch" forName="accent_4" refType="h" refFor="ch" refForName="accent_4" op="equ"/>
+                <dgm:constr type="ctrY" for="ch" forName="accent_4" refType="h" fact="0.5"/>
+                <dgm:constr type="ctrX" for="ch" forName="accent_4" refType="w"/>
+                <dgm:constr type="ctrXOff" for="ch" forName="accent_4" refType="h" fact="-0.2253"/>
+                <dgm:constr type="r" for="ch" forName="text_4" refType="ctrX" refFor="ch" refForName="accent_4"/>
+                <dgm:constr type="rOff" for="ch" forName="text_4" refType="ctrXOff" refFor="ch" refForName="accent_4"/>
+                <dgm:constr type="l" for="ch" forName="text_4"/>
+                <dgm:constr type="w" for="ch" forName="text_4" refType="h" refFor="ch" refForName="text_4" op="gte"/>
+                <dgm:constr type="h" for="ch" forName="text_4" refType="h" refFor="ch" refForName="accent_4" fact="0.8"/>
+                <dgm:constr type="ctrY" for="ch" forName="text_4" refType="ctrY" refFor="ch" refForName="accent_4"/>
+                <dgm:constr type="rMarg" for="ch" forName="text_4" refType="w" refFor="ch" refForName="accent_4" fact="1.8"/>
+                <dgm:constr type="h" for="ch" forName="accent_5" refType="h" fact="0.1136"/>
+                <dgm:constr type="w" for="ch" forName="accent_5" refType="h" refFor="ch" refForName="accent_5" op="equ"/>
+                <dgm:constr type="ctrY" for="ch" forName="accent_5" refType="h" fact="0.6364"/>
+                <dgm:constr type="ctrX" for="ch" forName="accent_5" refType="w"/>
+                <dgm:constr type="ctrXOff" for="ch" forName="accent_5" refType="h" fact="-0.2109"/>
+                <dgm:constr type="r" for="ch" forName="text_5" refType="ctrX" refFor="ch" refForName="accent_5"/>
+                <dgm:constr type="rOff" for="ch" forName="text_5" refType="ctrXOff" refFor="ch" refForName="accent_5"/>
+                <dgm:constr type="l" for="ch" forName="text_5"/>
+                <dgm:constr type="w" for="ch" forName="text_5" refType="h" refFor="ch" refForName="text_5" op="gte"/>
+                <dgm:constr type="h" for="ch" forName="text_5" refType="h" refFor="ch" refForName="accent_5" fact="0.8"/>
+                <dgm:constr type="ctrY" for="ch" forName="text_5" refType="ctrY" refFor="ch" refForName="accent_5"/>
+                <dgm:constr type="rMarg" for="ch" forName="text_5" refType="w" refFor="ch" refForName="accent_5" fact="1.8"/>
+                <dgm:constr type="h" for="ch" forName="accent_6" refType="h" fact="0.1136"/>
+                <dgm:constr type="w" for="ch" forName="accent_6" refType="h" refFor="ch" refForName="accent_6" op="equ"/>
+                <dgm:constr type="ctrY" for="ch" forName="accent_6" refType="h" fact="0.7727"/>
+                <dgm:constr type="ctrX" for="ch" forName="accent_6" refType="w"/>
+                <dgm:constr type="ctrXOff" for="ch" forName="accent_6" refType="h" fact="-0.1658"/>
+                <dgm:constr type="r" for="ch" forName="text_6" refType="ctrX" refFor="ch" refForName="accent_6"/>
+                <dgm:constr type="rOff" for="ch" forName="text_6" refType="ctrXOff" refFor="ch" refForName="accent_6"/>
+                <dgm:constr type="l" for="ch" forName="text_6"/>
+                <dgm:constr type="w" for="ch" forName="text_6" refType="h" refFor="ch" refForName="text_6" op="gte"/>
+                <dgm:constr type="h" for="ch" forName="text_6" refType="h" refFor="ch" refForName="accent_6" fact="0.8"/>
+                <dgm:constr type="ctrY" for="ch" forName="text_6" refType="ctrY" refFor="ch" refForName="accent_6"/>
+                <dgm:constr type="rMarg" for="ch" forName="text_6" refType="w" refFor="ch" refForName="accent_6" fact="1.8"/>
+                <dgm:constr type="h" for="ch" forName="accent_7" refType="h" fact="0.1136"/>
+                <dgm:constr type="w" for="ch" forName="accent_7" refType="h" refFor="ch" refForName="accent_7" op="equ"/>
+                <dgm:constr type="ctrY" for="ch" forName="accent_7" refType="h" fact="0.9091"/>
+                <dgm:constr type="ctrX" for="ch" forName="accent_7" refType="w"/>
+                <dgm:constr type="ctrXOff" for="ch" forName="accent_7" refType="h" fact="-0.0835"/>
+                <dgm:constr type="r" for="ch" forName="text_7" refType="ctrX" refFor="ch" refForName="accent_7"/>
+                <dgm:constr type="rOff" for="ch" forName="text_7" refType="ctrXOff" refFor="ch" refForName="accent_7"/>
+                <dgm:constr type="l" for="ch" forName="text_7"/>
+                <dgm:constr type="w" for="ch" forName="text_7" refType="h" refFor="ch" refForName="text_7" op="gte"/>
+                <dgm:constr type="h" for="ch" forName="text_7" refType="h" refFor="ch" refForName="accent_7" fact="0.8"/>
+                <dgm:constr type="ctrY" for="ch" forName="text_7" refType="ctrY" refFor="ch" refForName="accent_7"/>
+                <dgm:constr type="rMarg" for="ch" forName="text_7" refType="w" refFor="ch" refForName="accent_7" fact="1.8"/>
+                <dgm:constr type="primFontSz" for="ch" ptType="node" op="equ" val="65"/>
+              </dgm:constrLst>
+            </dgm:else>
+          </dgm:choose>
+        </dgm:else>
+      </dgm:choose>
+      <dgm:layoutNode name="cycle">
+        <dgm:choose name="Name21">
+          <dgm:if name="Name22" func="var" arg="dir" op="equ" val="norm">
+            <dgm:alg type="cycle">
+              <dgm:param type="stAng" val="45"/>
+              <dgm:param type="spanAng" val="90"/>
+            </dgm:alg>
+          </dgm:if>
+          <dgm:else name="Name23">
+            <dgm:alg type="cycle">
+              <dgm:param type="stAng" val="225"/>
+              <dgm:param type="spanAng" val="90"/>
+            </dgm:alg>
+          </dgm:else>
+        </dgm:choose>
+        <dgm:shape xmlns:r="http://schemas.openxmlformats.org/officeDocument/2006/relationships" r:blip="">
+          <dgm:adjLst/>
+        </dgm:shape>
+        <dgm:presOf/>
+        <dgm:constrLst>
+          <dgm:constr type="w" for="ch" val="1"/>
+          <dgm:constr type="h" for="ch" val="1"/>
+          <dgm:constr type="diam" for="ch" forName="conn" refType="diam"/>
+        </dgm:constrLst>
+        <dgm:layoutNode name="srcNode">
+          <dgm:alg type="sp"/>
+          <dgm:shape xmlns:r="http://schemas.openxmlformats.org/officeDocument/2006/relationships" type="rect" r:blip="" hideGeom="1">
+            <dgm:adjLst/>
+          </dgm:shape>
+          <dgm:presOf/>
+        </dgm:layoutNode>
+        <dgm:layoutNode name="conn" styleLbl="parChTrans1D2">
+          <dgm:alg type="conn">
+            <dgm:param type="connRout" val="curve"/>
+            <dgm:param type="srcNode" val="srcNode"/>
+            <dgm:param type="dstNode" val="dstNode"/>
+            <dgm:param type="begPts" val="ctr"/>
+            <dgm:param type="endPts" val="ctr"/>
+            <dgm:param type="endSty" val="noArr"/>
+          </dgm:alg>
+          <dgm:shape xmlns:r="http://schemas.openxmlformats.org/officeDocument/2006/relationships" type="conn" r:blip="">
+            <dgm:adjLst/>
+          </dgm:shape>
+          <dgm:presOf axis="desOrSelf" ptType="sibTrans" hideLastTrans="0" st="0" cnt="1"/>
+          <dgm:constrLst>
+            <dgm:constr type="begPad"/>
+            <dgm:constr type="endPad"/>
+          </dgm:constrLst>
+        </dgm:layoutNode>
+        <dgm:layoutNode name="extraNode">
+          <dgm:alg type="sp"/>
+          <dgm:shape xmlns:r="http://schemas.openxmlformats.org/officeDocument/2006/relationships" type="rect" r:blip="" hideGeom="1">
+            <dgm:adjLst/>
+          </dgm:shape>
+          <dgm:presOf/>
+        </dgm:layoutNode>
+        <dgm:layoutNode name="dstNode">
+          <dgm:alg type="sp"/>
+          <dgm:shape xmlns:r="http://schemas.openxmlformats.org/officeDocument/2006/relationships" type="rect" r:blip="" hideGeom="1">
+            <dgm:adjLst/>
+          </dgm:shape>
+          <dgm:presOf/>
+        </dgm:layoutNode>
+      </dgm:layoutNode>
+      <dgm:forEach name="wrapper" axis="self" ptType="parTrans">
+        <dgm:forEach name="wrapper2" axis="self" ptType="sibTrans" st="2">
+          <dgm:forEach name="accentRepeat" axis="self">
+            <dgm:layoutNode name="accentRepeatNode" styleLbl="solidFgAcc1">
+              <dgm:alg type="sp"/>
+              <dgm:shape xmlns:r="http://schemas.openxmlformats.org/officeDocument/2006/relationships" type="ellipse" r:blip="">
+                <dgm:adjLst/>
+              </dgm:shape>
+              <dgm:presOf/>
+            </dgm:layoutNode>
+          </dgm:forEach>
+        </dgm:forEach>
+      </dgm:forEach>
+      <dgm:forEach name="Name24" axis="ch" ptType="node" cnt="1">
+        <dgm:layoutNode name="text_1" styleLbl="node1">
+          <dgm:varLst>
+            <dgm:bulletEnabled val="1"/>
+          </dgm:varLst>
+          <dgm:choose name="Name25">
+            <dgm:if name="Name26" func="var" arg="dir" op="equ" val="norm">
+              <dgm:alg type="tx">
+                <dgm:param type="parTxLTRAlign" val="l"/>
+                <dgm:param type="shpTxLTRAlignCh" val="l"/>
+                <dgm:param type="parTxRTLAlign" val="l"/>
+                <dgm:param type="shpTxRTLAlignCh" val="l"/>
+              </dgm:alg>
+            </dgm:if>
+            <dgm:else name="Name27">
+              <dgm:alg type="tx">
+                <dgm:param type="parTxLTRAlign" val="r"/>
+                <dgm:param type="shpTxLTRAlignCh" val="r"/>
+                <dgm:param type="parTxRTLAlign" val="r"/>
+                <dgm:param type="shpTxRTLAlignCh" val="r"/>
+              </dgm:alg>
+            </dgm:else>
+          </dgm:choose>
+          <dgm:shape xmlns:r="http://schemas.openxmlformats.org/officeDocument/2006/relationships" type="rect" r:blip="">
+            <dgm:adjLst/>
+          </dgm:shape>
+          <dgm:presOf axis="desOrSelf" ptType="node"/>
+          <dgm:constrLst>
+            <dgm:constr type="primFontSz" val="65"/>
+            <dgm:constr type="lMarg" refType="primFontSz" fact="0.2"/>
+            <dgm:constr type="rMarg" refType="primFontSz" fact="0.2"/>
+            <dgm:constr type="tMarg" refType="primFontSz" fact="0.2"/>
+            <dgm:constr type="bMarg" refType="primFontSz" fact="0.2"/>
+          </dgm:constrLst>
+          <dgm:ruleLst>
+            <dgm:rule type="primFontSz" val="5" fact="NaN" max="NaN"/>
+          </dgm:ruleLst>
+        </dgm:layoutNode>
+        <dgm:layoutNode name="accent_1">
+          <dgm:alg type="sp"/>
+          <dgm:shape xmlns:r="http://schemas.openxmlformats.org/officeDocument/2006/relationships" r:blip="">
+            <dgm:adjLst/>
+          </dgm:shape>
+          <dgm:presOf/>
+          <dgm:constrLst/>
+          <dgm:forEach name="Name28" ref="accentRepeat"/>
+        </dgm:layoutNode>
+      </dgm:forEach>
+      <dgm:forEach name="Name29" axis="ch" ptType="node" st="2" cnt="1">
+        <dgm:layoutNode name="text_2" styleLbl="node1">
+          <dgm:varLst>
+            <dgm:bulletEnabled val="1"/>
+          </dgm:varLst>
+          <dgm:choose name="Name30">
+            <dgm:if name="Name31" func="var" arg="dir" op="equ" val="norm">
+              <dgm:alg type="tx">
+                <dgm:param type="parTxLTRAlign" val="l"/>
+                <dgm:param type="shpTxLTRAlignCh" val="l"/>
+                <dgm:param type="parTxRTLAlign" val="l"/>
+                <dgm:param type="shpTxRTLAlignCh" val="l"/>
+              </dgm:alg>
+            </dgm:if>
+            <dgm:else name="Name32">
+              <dgm:alg type="tx">
+                <dgm:param type="parTxLTRAlign" val="r"/>
+                <dgm:param type="shpTxLTRAlignCh" val="r"/>
+                <dgm:param type="parTxRTLAlign" val="r"/>
+                <dgm:param type="shpTxRTLAlignCh" val="r"/>
+              </dgm:alg>
+            </dgm:else>
+          </dgm:choose>
+          <dgm:shape xmlns:r="http://schemas.openxmlformats.org/officeDocument/2006/relationships" type="rect" r:blip="">
+            <dgm:adjLst/>
+          </dgm:shape>
+          <dgm:presOf axis="desOrSelf" ptType="node"/>
+          <dgm:constrLst>
+            <dgm:constr type="primFontSz" val="65"/>
+            <dgm:constr type="lMarg" refType="primFontSz" fact="0.2"/>
+            <dgm:constr type="rMarg" refType="primFontSz" fact="0.2"/>
+            <dgm:constr type="tMarg" refType="primFontSz" fact="0.2"/>
+            <dgm:constr type="bMarg" refType="primFontSz" fact="0.2"/>
+          </dgm:constrLst>
+          <dgm:ruleLst>
+            <dgm:rule type="primFontSz" val="5" fact="NaN" max="NaN"/>
+          </dgm:ruleLst>
+        </dgm:layoutNode>
+        <dgm:layoutNode name="accent_2">
+          <dgm:alg type="sp"/>
+          <dgm:shape xmlns:r="http://schemas.openxmlformats.org/officeDocument/2006/relationships" r:blip="">
+            <dgm:adjLst/>
+          </dgm:shape>
+          <dgm:presOf/>
+          <dgm:constrLst/>
+          <dgm:forEach name="Name33" ref="accentRepeat"/>
+        </dgm:layoutNode>
+      </dgm:forEach>
+      <dgm:forEach name="Name34" axis="ch" ptType="node" st="3" cnt="1">
+        <dgm:layoutNode name="text_3" styleLbl="node1">
+          <dgm:varLst>
+            <dgm:bulletEnabled val="1"/>
+          </dgm:varLst>
+          <dgm:choose name="Name35">
+            <dgm:if name="Name36" func="var" arg="dir" op="equ" val="norm">
+              <dgm:alg type="tx">
+                <dgm:param type="parTxLTRAlign" val="l"/>
+                <dgm:param type="shpTxLTRAlignCh" val="l"/>
+                <dgm:param type="parTxRTLAlign" val="l"/>
+                <dgm:param type="shpTxRTLAlignCh" val="l"/>
+              </dgm:alg>
+            </dgm:if>
+            <dgm:else name="Name37">
+              <dgm:alg type="tx">
+                <dgm:param type="parTxLTRAlign" val="r"/>
+                <dgm:param type="shpTxLTRAlignCh" val="r"/>
+                <dgm:param type="parTxRTLAlign" val="r"/>
+                <dgm:param type="shpTxRTLAlignCh" val="r"/>
+              </dgm:alg>
+            </dgm:else>
+          </dgm:choose>
+          <dgm:shape xmlns:r="http://schemas.openxmlformats.org/officeDocument/2006/relationships" type="rect" r:blip="">
+            <dgm:adjLst/>
+          </dgm:shape>
+          <dgm:presOf axis="desOrSelf" ptType="node"/>
+          <dgm:constrLst>
+            <dgm:constr type="primFontSz" val="65"/>
+            <dgm:constr type="lMarg" refType="primFontSz" fact="0.2"/>
+            <dgm:constr type="rMarg" refType="primFontSz" fact="0.2"/>
+            <dgm:constr type="tMarg" refType="primFontSz" fact="0.2"/>
+            <dgm:constr type="bMarg" refType="primFontSz" fact="0.2"/>
+          </dgm:constrLst>
+          <dgm:ruleLst>
+            <dgm:rule type="primFontSz" val="5" fact="NaN" max="NaN"/>
+          </dgm:ruleLst>
+        </dgm:layoutNode>
+        <dgm:layoutNode name="accent_3">
+          <dgm:alg type="sp"/>
+          <dgm:shape xmlns:r="http://schemas.openxmlformats.org/officeDocument/2006/relationships" r:blip="">
+            <dgm:adjLst/>
+          </dgm:shape>
+          <dgm:presOf/>
+          <dgm:constrLst/>
+          <dgm:forEach name="Name38" ref="accentRepeat"/>
+        </dgm:layoutNode>
+      </dgm:forEach>
+      <dgm:forEach name="Name39" axis="ch" ptType="node" st="4" cnt="1">
+        <dgm:layoutNode name="text_4" styleLbl="node1">
+          <dgm:varLst>
+            <dgm:bulletEnabled val="1"/>
+          </dgm:varLst>
+          <dgm:choose name="Name40">
+            <dgm:if name="Name41" func="var" arg="dir" op="equ" val="norm">
+              <dgm:alg type="tx">
+                <dgm:param type="parTxLTRAlign" val="l"/>
+                <dgm:param type="shpTxLTRAlignCh" val="l"/>
+                <dgm:param type="parTxRTLAlign" val="l"/>
+                <dgm:param type="shpTxRTLAlignCh" val="l"/>
+              </dgm:alg>
+            </dgm:if>
+            <dgm:else name="Name42">
+              <dgm:alg type="tx">
+                <dgm:param type="parTxLTRAlign" val="r"/>
+                <dgm:param type="shpTxLTRAlignCh" val="r"/>
+                <dgm:param type="parTxRTLAlign" val="r"/>
+                <dgm:param type="shpTxRTLAlignCh" val="r"/>
+              </dgm:alg>
+            </dgm:else>
+          </dgm:choose>
+          <dgm:shape xmlns:r="http://schemas.openxmlformats.org/officeDocument/2006/relationships" type="rect" r:blip="">
+            <dgm:adjLst/>
+          </dgm:shape>
+          <dgm:presOf axis="desOrSelf" ptType="node"/>
+          <dgm:constrLst>
+            <dgm:constr type="primFontSz" val="65"/>
+            <dgm:constr type="lMarg" refType="primFontSz" fact="0.2"/>
+            <dgm:constr type="rMarg" refType="primFontSz" fact="0.2"/>
+            <dgm:constr type="tMarg" refType="primFontSz" fact="0.2"/>
+            <dgm:constr type="bMarg" refType="primFontSz" fact="0.2"/>
+          </dgm:constrLst>
+          <dgm:ruleLst>
+            <dgm:rule type="primFontSz" val="5" fact="NaN" max="NaN"/>
+          </dgm:ruleLst>
+        </dgm:layoutNode>
+        <dgm:layoutNode name="accent_4">
+          <dgm:alg type="sp"/>
+          <dgm:shape xmlns:r="http://schemas.openxmlformats.org/officeDocument/2006/relationships" r:blip="">
+            <dgm:adjLst/>
+          </dgm:shape>
+          <dgm:presOf/>
+          <dgm:constrLst/>
+          <dgm:forEach name="Name43" ref="accentRepeat"/>
+        </dgm:layoutNode>
+      </dgm:forEach>
+      <dgm:forEach name="Name44" axis="ch" ptType="node" st="5" cnt="1">
+        <dgm:layoutNode name="text_5" styleLbl="node1">
+          <dgm:varLst>
+            <dgm:bulletEnabled val="1"/>
+          </dgm:varLst>
+          <dgm:choose name="Name45">
+            <dgm:if name="Name46" func="var" arg="dir" op="equ" val="norm">
+              <dgm:alg type="tx">
+                <dgm:param type="parTxLTRAlign" val="l"/>
+                <dgm:param type="shpTxLTRAlignCh" val="l"/>
+                <dgm:param type="parTxRTLAlign" val="l"/>
+                <dgm:param type="shpTxRTLAlignCh" val="l"/>
+              </dgm:alg>
+            </dgm:if>
+            <dgm:else name="Name47">
+              <dgm:alg type="tx">
+                <dgm:param type="parTxLTRAlign" val="r"/>
+                <dgm:param type="shpTxLTRAlignCh" val="r"/>
+                <dgm:param type="parTxRTLAlign" val="r"/>
+                <dgm:param type="shpTxRTLAlignCh" val="r"/>
+              </dgm:alg>
+            </dgm:else>
+          </dgm:choose>
+          <dgm:shape xmlns:r="http://schemas.openxmlformats.org/officeDocument/2006/relationships" type="rect" r:blip="">
+            <dgm:adjLst/>
+          </dgm:shape>
+          <dgm:presOf axis="desOrSelf" ptType="node"/>
+          <dgm:constrLst>
+            <dgm:constr type="primFontSz" val="65"/>
+            <dgm:constr type="lMarg" refType="primFontSz" fact="0.2"/>
+            <dgm:constr type="rMarg" refType="primFontSz" fact="0.2"/>
+            <dgm:constr type="tMarg" refType="primFontSz" fact="0.2"/>
+            <dgm:constr type="bMarg" refType="primFontSz" fact="0.2"/>
+          </dgm:constrLst>
+          <dgm:ruleLst>
+            <dgm:rule type="primFontSz" val="5" fact="NaN" max="NaN"/>
+          </dgm:ruleLst>
+        </dgm:layoutNode>
+        <dgm:layoutNode name="accent_5">
+          <dgm:alg type="sp"/>
+          <dgm:shape xmlns:r="http://schemas.openxmlformats.org/officeDocument/2006/relationships" r:blip="">
+            <dgm:adjLst/>
+          </dgm:shape>
+          <dgm:presOf/>
+          <dgm:constrLst/>
+          <dgm:forEach name="Name48" ref="accentRepeat"/>
+        </dgm:layoutNode>
+      </dgm:forEach>
+      <dgm:forEach name="Name49" axis="ch" ptType="node" st="6" cnt="1">
+        <dgm:layoutNode name="text_6" styleLbl="node1">
+          <dgm:varLst>
+            <dgm:bulletEnabled val="1"/>
+          </dgm:varLst>
+          <dgm:choose name="Name50">
+            <dgm:if name="Name51" func="var" arg="dir" op="equ" val="norm">
+              <dgm:alg type="tx">
+                <dgm:param type="parTxLTRAlign" val="l"/>
+                <dgm:param type="shpTxLTRAlignCh" val="l"/>
+                <dgm:param type="parTxRTLAlign" val="l"/>
+                <dgm:param type="shpTxRTLAlignCh" val="l"/>
+              </dgm:alg>
+            </dgm:if>
+            <dgm:else name="Name52">
+              <dgm:alg type="tx">
+                <dgm:param type="parTxLTRAlign" val="r"/>
+                <dgm:param type="shpTxLTRAlignCh" val="r"/>
+                <dgm:param type="parTxRTLAlign" val="r"/>
+                <dgm:param type="shpTxRTLAlignCh" val="r"/>
+              </dgm:alg>
+            </dgm:else>
+          </dgm:choose>
+          <dgm:shape xmlns:r="http://schemas.openxmlformats.org/officeDocument/2006/relationships" type="rect" r:blip="">
+            <dgm:adjLst/>
+          </dgm:shape>
+          <dgm:presOf axis="desOrSelf" ptType="node"/>
+          <dgm:constrLst>
+            <dgm:constr type="primFontSz" val="65"/>
+            <dgm:constr type="lMarg" refType="primFontSz" fact="0.2"/>
+            <dgm:constr type="rMarg" refType="primFontSz" fact="0.2"/>
+            <dgm:constr type="tMarg" refType="primFontSz" fact="0.2"/>
+            <dgm:constr type="bMarg" refType="primFontSz" fact="0.2"/>
+          </dgm:constrLst>
+          <dgm:ruleLst>
+            <dgm:rule type="primFontSz" val="5" fact="NaN" max="NaN"/>
+          </dgm:ruleLst>
+        </dgm:layoutNode>
+        <dgm:layoutNode name="accent_6">
+          <dgm:alg type="sp"/>
+          <dgm:shape xmlns:r="http://schemas.openxmlformats.org/officeDocument/2006/relationships" r:blip="">
+            <dgm:adjLst/>
+          </dgm:shape>
+          <dgm:presOf/>
+          <dgm:constrLst/>
+          <dgm:forEach name="Name53" ref="accentRepeat"/>
+        </dgm:layoutNode>
+      </dgm:forEach>
+      <dgm:forEach name="Name54" axis="ch" ptType="node" st="7" cnt="1">
+        <dgm:layoutNode name="text_7" styleLbl="node1">
+          <dgm:varLst>
+            <dgm:bulletEnabled val="1"/>
+          </dgm:varLst>
+          <dgm:choose name="Name55">
+            <dgm:if name="Name56" func="var" arg="dir" op="equ" val="norm">
+              <dgm:alg type="tx">
+                <dgm:param type="parTxLTRAlign" val="l"/>
+                <dgm:param type="shpTxLTRAlignCh" val="l"/>
+                <dgm:param type="parTxRTLAlign" val="l"/>
+                <dgm:param type="shpTxRTLAlignCh" val="l"/>
+              </dgm:alg>
+            </dgm:if>
+            <dgm:else name="Name57">
+              <dgm:alg type="tx">
+                <dgm:param type="parTxLTRAlign" val="r"/>
+                <dgm:param type="shpTxLTRAlignCh" val="r"/>
+                <dgm:param type="parTxRTLAlign" val="r"/>
+                <dgm:param type="shpTxRTLAlignCh" val="r"/>
+              </dgm:alg>
+            </dgm:else>
+          </dgm:choose>
+          <dgm:shape xmlns:r="http://schemas.openxmlformats.org/officeDocument/2006/relationships" type="rect" r:blip="">
+            <dgm:adjLst/>
+          </dgm:shape>
+          <dgm:presOf axis="desOrSelf" ptType="node"/>
+          <dgm:constrLst>
+            <dgm:constr type="primFontSz" val="65"/>
+            <dgm:constr type="lMarg" refType="primFontSz" fact="0.2"/>
+            <dgm:constr type="rMarg" refType="primFontSz" fact="0.2"/>
+            <dgm:constr type="tMarg" refType="primFontSz" fact="0.2"/>
+            <dgm:constr type="bMarg" refType="primFontSz" fact="0.2"/>
+          </dgm:constrLst>
+          <dgm:ruleLst>
+            <dgm:rule type="primFontSz" val="5" fact="NaN" max="NaN"/>
+          </dgm:ruleLst>
+        </dgm:layoutNode>
+        <dgm:layoutNode name="accent_7">
+          <dgm:alg type="sp"/>
+          <dgm:shape xmlns:r="http://schemas.openxmlformats.org/officeDocument/2006/relationships" r:blip="">
+            <dgm:adjLst/>
+          </dgm:shape>
+          <dgm:presOf/>
+          <dgm:constrLst/>
+          <dgm:forEach name="Name58" ref="accentRepeat"/>
+        </dgm:layoutNode>
+      </dgm:forEach>
+    </dgm:layoutNode>
+  </dgm:layoutNode>
+</dgm:layoutDef>
+</file>
+
 <file path=ppt/diagrams/quickStyle1.xml><?xml version="1.0" encoding="utf-8"?>
 <dgm:styleDef xmlns:dgm="http://schemas.openxmlformats.org/drawingml/2006/diagram" xmlns:a="http://schemas.openxmlformats.org/drawingml/2006/main" uniqueId="urn:microsoft.com/office/officeart/2005/8/quickstyle/simple1">
   <dgm:title val=""/>
@@ -16972,6 +20287,1040 @@
 </file>
 
 <file path=ppt/diagrams/quickStyle4.xml><?xml version="1.0" encoding="utf-8"?>
+<dgm:styleDef xmlns:dgm="http://schemas.openxmlformats.org/drawingml/2006/diagram" xmlns:a="http://schemas.openxmlformats.org/drawingml/2006/main" uniqueId="urn:microsoft.com/office/officeart/2005/8/quickstyle/simple1">
+  <dgm:title val=""/>
+  <dgm:desc val=""/>
+  <dgm:catLst>
+    <dgm:cat type="simple" pri="10100"/>
+  </dgm:catLst>
+  <dgm:scene3d>
+    <a:camera prst="orthographicFront"/>
+    <a:lightRig rig="threePt" dir="t"/>
+  </dgm:scene3d>
+  <dgm:styleLbl name="node0">
+    <dgm:scene3d>
+      <a:camera prst="orthographicFront"/>
+      <a:lightRig rig="threePt" dir="t"/>
+    </dgm:scene3d>
+    <dgm:sp3d/>
+    <dgm:txPr/>
+    <dgm:style>
+      <a:lnRef idx="2">
+        <a:scrgbClr r="0" g="0" b="0"/>
+      </a:lnRef>
+      <a:fillRef idx="1">
+        <a:scrgbClr r="0" g="0" b="0"/>
+      </a:fillRef>
+      <a:effectRef idx="0">
+        <a:scrgbClr r="0" g="0" b="0"/>
+      </a:effectRef>
+      <a:fontRef idx="minor">
+        <a:schemeClr val="lt1"/>
+      </a:fontRef>
+    </dgm:style>
+  </dgm:styleLbl>
+  <dgm:styleLbl name="lnNode1">
+    <dgm:scene3d>
+      <a:camera prst="orthographicFront"/>
+      <a:lightRig rig="threePt" dir="t"/>
+    </dgm:scene3d>
+    <dgm:sp3d/>
+    <dgm:txPr/>
+    <dgm:style>
+      <a:lnRef idx="2">
+        <a:scrgbClr r="0" g="0" b="0"/>
+      </a:lnRef>
+      <a:fillRef idx="1">
+        <a:scrgbClr r="0" g="0" b="0"/>
+      </a:fillRef>
+      <a:effectRef idx="0">
+        <a:scrgbClr r="0" g="0" b="0"/>
+      </a:effectRef>
+      <a:fontRef idx="minor">
+        <a:schemeClr val="lt1"/>
+      </a:fontRef>
+    </dgm:style>
+  </dgm:styleLbl>
+  <dgm:styleLbl name="vennNode1">
+    <dgm:scene3d>
+      <a:camera prst="orthographicFront"/>
+      <a:lightRig rig="threePt" dir="t"/>
+    </dgm:scene3d>
+    <dgm:sp3d/>
+    <dgm:txPr/>
+    <dgm:style>
+      <a:lnRef idx="2">
+        <a:scrgbClr r="0" g="0" b="0"/>
+      </a:lnRef>
+      <a:fillRef idx="1">
+        <a:scrgbClr r="0" g="0" b="0"/>
+      </a:fillRef>
+      <a:effectRef idx="0">
+        <a:scrgbClr r="0" g="0" b="0"/>
+      </a:effectRef>
+      <a:fontRef idx="minor">
+        <a:schemeClr val="tx1"/>
+      </a:fontRef>
+    </dgm:style>
+  </dgm:styleLbl>
+  <dgm:styleLbl name="alignNode1">
+    <dgm:scene3d>
+      <a:camera prst="orthographicFront"/>
+      <a:lightRig rig="threePt" dir="t"/>
+    </dgm:scene3d>
+    <dgm:sp3d/>
+    <dgm:txPr/>
+    <dgm:style>
+      <a:lnRef idx="2">
+        <a:scrgbClr r="0" g="0" b="0"/>
+      </a:lnRef>
+      <a:fillRef idx="1">
+        <a:scrgbClr r="0" g="0" b="0"/>
+      </a:fillRef>
+      <a:effectRef idx="0">
+        <a:scrgbClr r="0" g="0" b="0"/>
+      </a:effectRef>
+      <a:fontRef idx="minor">
+        <a:schemeClr val="lt1"/>
+      </a:fontRef>
+    </dgm:style>
+  </dgm:styleLbl>
+  <dgm:styleLbl name="node1">
+    <dgm:scene3d>
+      <a:camera prst="orthographicFront"/>
+      <a:lightRig rig="threePt" dir="t"/>
+    </dgm:scene3d>
+    <dgm:sp3d/>
+    <dgm:txPr/>
+    <dgm:style>
+      <a:lnRef idx="2">
+        <a:scrgbClr r="0" g="0" b="0"/>
+      </a:lnRef>
+      <a:fillRef idx="1">
+        <a:scrgbClr r="0" g="0" b="0"/>
+      </a:fillRef>
+      <a:effectRef idx="0">
+        <a:scrgbClr r="0" g="0" b="0"/>
+      </a:effectRef>
+      <a:fontRef idx="minor">
+        <a:schemeClr val="lt1"/>
+      </a:fontRef>
+    </dgm:style>
+  </dgm:styleLbl>
+  <dgm:styleLbl name="node2">
+    <dgm:scene3d>
+      <a:camera prst="orthographicFront"/>
+      <a:lightRig rig="threePt" dir="t"/>
+    </dgm:scene3d>
+    <dgm:sp3d/>
+    <dgm:txPr/>
+    <dgm:style>
+      <a:lnRef idx="2">
+        <a:scrgbClr r="0" g="0" b="0"/>
+      </a:lnRef>
+      <a:fillRef idx="1">
+        <a:scrgbClr r="0" g="0" b="0"/>
+      </a:fillRef>
+      <a:effectRef idx="0">
+        <a:scrgbClr r="0" g="0" b="0"/>
+      </a:effectRef>
+      <a:fontRef idx="minor">
+        <a:schemeClr val="lt1"/>
+      </a:fontRef>
+    </dgm:style>
+  </dgm:styleLbl>
+  <dgm:styleLbl name="node3">
+    <dgm:scene3d>
+      <a:camera prst="orthographicFront"/>
+      <a:lightRig rig="threePt" dir="t"/>
+    </dgm:scene3d>
+    <dgm:sp3d/>
+    <dgm:txPr/>
+    <dgm:style>
+      <a:lnRef idx="2">
+        <a:scrgbClr r="0" g="0" b="0"/>
+      </a:lnRef>
+      <a:fillRef idx="1">
+        <a:scrgbClr r="0" g="0" b="0"/>
+      </a:fillRef>
+      <a:effectRef idx="0">
+        <a:scrgbClr r="0" g="0" b="0"/>
+      </a:effectRef>
+      <a:fontRef idx="minor">
+        <a:schemeClr val="lt1"/>
+      </a:fontRef>
+    </dgm:style>
+  </dgm:styleLbl>
+  <dgm:styleLbl name="node4">
+    <dgm:scene3d>
+      <a:camera prst="orthographicFront"/>
+      <a:lightRig rig="threePt" dir="t"/>
+    </dgm:scene3d>
+    <dgm:sp3d/>
+    <dgm:txPr/>
+    <dgm:style>
+      <a:lnRef idx="2">
+        <a:scrgbClr r="0" g="0" b="0"/>
+      </a:lnRef>
+      <a:fillRef idx="1">
+        <a:scrgbClr r="0" g="0" b="0"/>
+      </a:fillRef>
+      <a:effectRef idx="0">
+        <a:scrgbClr r="0" g="0" b="0"/>
+      </a:effectRef>
+      <a:fontRef idx="minor">
+        <a:schemeClr val="lt1"/>
+      </a:fontRef>
+    </dgm:style>
+  </dgm:styleLbl>
+  <dgm:styleLbl name="fgImgPlace1">
+    <dgm:scene3d>
+      <a:camera prst="orthographicFront"/>
+      <a:lightRig rig="threePt" dir="t"/>
+    </dgm:scene3d>
+    <dgm:sp3d/>
+    <dgm:txPr/>
+    <dgm:style>
+      <a:lnRef idx="2">
+        <a:scrgbClr r="0" g="0" b="0"/>
+      </a:lnRef>
+      <a:fillRef idx="1">
+        <a:scrgbClr r="0" g="0" b="0"/>
+      </a:fillRef>
+      <a:effectRef idx="0">
+        <a:scrgbClr r="0" g="0" b="0"/>
+      </a:effectRef>
+      <a:fontRef idx="minor"/>
+    </dgm:style>
+  </dgm:styleLbl>
+  <dgm:styleLbl name="alignImgPlace1">
+    <dgm:scene3d>
+      <a:camera prst="orthographicFront"/>
+      <a:lightRig rig="threePt" dir="t"/>
+    </dgm:scene3d>
+    <dgm:sp3d/>
+    <dgm:txPr/>
+    <dgm:style>
+      <a:lnRef idx="2">
+        <a:scrgbClr r="0" g="0" b="0"/>
+      </a:lnRef>
+      <a:fillRef idx="1">
+        <a:scrgbClr r="0" g="0" b="0"/>
+      </a:fillRef>
+      <a:effectRef idx="0">
+        <a:scrgbClr r="0" g="0" b="0"/>
+      </a:effectRef>
+      <a:fontRef idx="minor"/>
+    </dgm:style>
+  </dgm:styleLbl>
+  <dgm:styleLbl name="bgImgPlace1">
+    <dgm:scene3d>
+      <a:camera prst="orthographicFront"/>
+      <a:lightRig rig="threePt" dir="t"/>
+    </dgm:scene3d>
+    <dgm:sp3d/>
+    <dgm:txPr/>
+    <dgm:style>
+      <a:lnRef idx="2">
+        <a:scrgbClr r="0" g="0" b="0"/>
+      </a:lnRef>
+      <a:fillRef idx="1">
+        <a:scrgbClr r="0" g="0" b="0"/>
+      </a:fillRef>
+      <a:effectRef idx="0">
+        <a:scrgbClr r="0" g="0" b="0"/>
+      </a:effectRef>
+      <a:fontRef idx="minor"/>
+    </dgm:style>
+  </dgm:styleLbl>
+  <dgm:styleLbl name="sibTrans2D1">
+    <dgm:scene3d>
+      <a:camera prst="orthographicFront"/>
+      <a:lightRig rig="threePt" dir="t"/>
+    </dgm:scene3d>
+    <dgm:sp3d/>
+    <dgm:txPr/>
+    <dgm:style>
+      <a:lnRef idx="0">
+        <a:scrgbClr r="0" g="0" b="0"/>
+      </a:lnRef>
+      <a:fillRef idx="1">
+        <a:scrgbClr r="0" g="0" b="0"/>
+      </a:fillRef>
+      <a:effectRef idx="0">
+        <a:scrgbClr r="0" g="0" b="0"/>
+      </a:effectRef>
+      <a:fontRef idx="minor">
+        <a:schemeClr val="lt1"/>
+      </a:fontRef>
+    </dgm:style>
+  </dgm:styleLbl>
+  <dgm:styleLbl name="fgSibTrans2D1">
+    <dgm:scene3d>
+      <a:camera prst="orthographicFront"/>
+      <a:lightRig rig="threePt" dir="t"/>
+    </dgm:scene3d>
+    <dgm:sp3d/>
+    <dgm:txPr/>
+    <dgm:style>
+      <a:lnRef idx="0">
+        <a:scrgbClr r="0" g="0" b="0"/>
+      </a:lnRef>
+      <a:fillRef idx="1">
+        <a:scrgbClr r="0" g="0" b="0"/>
+      </a:fillRef>
+      <a:effectRef idx="0">
+        <a:scrgbClr r="0" g="0" b="0"/>
+      </a:effectRef>
+      <a:fontRef idx="minor">
+        <a:schemeClr val="lt1"/>
+      </a:fontRef>
+    </dgm:style>
+  </dgm:styleLbl>
+  <dgm:styleLbl name="bgSibTrans2D1">
+    <dgm:scene3d>
+      <a:camera prst="orthographicFront"/>
+      <a:lightRig rig="threePt" dir="t"/>
+    </dgm:scene3d>
+    <dgm:sp3d/>
+    <dgm:txPr/>
+    <dgm:style>
+      <a:lnRef idx="0">
+        <a:scrgbClr r="0" g="0" b="0"/>
+      </a:lnRef>
+      <a:fillRef idx="1">
+        <a:scrgbClr r="0" g="0" b="0"/>
+      </a:fillRef>
+      <a:effectRef idx="0">
+        <a:scrgbClr r="0" g="0" b="0"/>
+      </a:effectRef>
+      <a:fontRef idx="minor">
+        <a:schemeClr val="lt1"/>
+      </a:fontRef>
+    </dgm:style>
+  </dgm:styleLbl>
+  <dgm:styleLbl name="sibTrans1D1">
+    <dgm:scene3d>
+      <a:camera prst="orthographicFront"/>
+      <a:lightRig rig="threePt" dir="t"/>
+    </dgm:scene3d>
+    <dgm:sp3d/>
+    <dgm:txPr/>
+    <dgm:style>
+      <a:lnRef idx="1">
+        <a:scrgbClr r="0" g="0" b="0"/>
+      </a:lnRef>
+      <a:fillRef idx="0">
+        <a:scrgbClr r="0" g="0" b="0"/>
+      </a:fillRef>
+      <a:effectRef idx="0">
+        <a:scrgbClr r="0" g="0" b="0"/>
+      </a:effectRef>
+      <a:fontRef idx="minor"/>
+    </dgm:style>
+  </dgm:styleLbl>
+  <dgm:styleLbl name="callout">
+    <dgm:scene3d>
+      <a:camera prst="orthographicFront"/>
+      <a:lightRig rig="threePt" dir="t"/>
+    </dgm:scene3d>
+    <dgm:sp3d/>
+    <dgm:txPr/>
+    <dgm:style>
+      <a:lnRef idx="2">
+        <a:scrgbClr r="0" g="0" b="0"/>
+      </a:lnRef>
+      <a:fillRef idx="1">
+        <a:scrgbClr r="0" g="0" b="0"/>
+      </a:fillRef>
+      <a:effectRef idx="0">
+        <a:scrgbClr r="0" g="0" b="0"/>
+      </a:effectRef>
+      <a:fontRef idx="minor"/>
+    </dgm:style>
+  </dgm:styleLbl>
+  <dgm:styleLbl name="asst0">
+    <dgm:scene3d>
+      <a:camera prst="orthographicFront"/>
+      <a:lightRig rig="threePt" dir="t"/>
+    </dgm:scene3d>
+    <dgm:sp3d/>
+    <dgm:txPr/>
+    <dgm:style>
+      <a:lnRef idx="2">
+        <a:scrgbClr r="0" g="0" b="0"/>
+      </a:lnRef>
+      <a:fillRef idx="1">
+        <a:scrgbClr r="0" g="0" b="0"/>
+      </a:fillRef>
+      <a:effectRef idx="0">
+        <a:scrgbClr r="0" g="0" b="0"/>
+      </a:effectRef>
+      <a:fontRef idx="minor">
+        <a:schemeClr val="lt1"/>
+      </a:fontRef>
+    </dgm:style>
+  </dgm:styleLbl>
+  <dgm:styleLbl name="asst1">
+    <dgm:scene3d>
+      <a:camera prst="orthographicFront"/>
+      <a:lightRig rig="threePt" dir="t"/>
+    </dgm:scene3d>
+    <dgm:sp3d/>
+    <dgm:txPr/>
+    <dgm:style>
+      <a:lnRef idx="2">
+        <a:scrgbClr r="0" g="0" b="0"/>
+      </a:lnRef>
+      <a:fillRef idx="1">
+        <a:scrgbClr r="0" g="0" b="0"/>
+      </a:fillRef>
+      <a:effectRef idx="0">
+        <a:scrgbClr r="0" g="0" b="0"/>
+      </a:effectRef>
+      <a:fontRef idx="minor">
+        <a:schemeClr val="lt1"/>
+      </a:fontRef>
+    </dgm:style>
+  </dgm:styleLbl>
+  <dgm:styleLbl name="asst2">
+    <dgm:scene3d>
+      <a:camera prst="orthographicFront"/>
+      <a:lightRig rig="threePt" dir="t"/>
+    </dgm:scene3d>
+    <dgm:sp3d/>
+    <dgm:txPr/>
+    <dgm:style>
+      <a:lnRef idx="2">
+        <a:scrgbClr r="0" g="0" b="0"/>
+      </a:lnRef>
+      <a:fillRef idx="1">
+        <a:scrgbClr r="0" g="0" b="0"/>
+      </a:fillRef>
+      <a:effectRef idx="0">
+        <a:scrgbClr r="0" g="0" b="0"/>
+      </a:effectRef>
+      <a:fontRef idx="minor">
+        <a:schemeClr val="lt1"/>
+      </a:fontRef>
+    </dgm:style>
+  </dgm:styleLbl>
+  <dgm:styleLbl name="asst3">
+    <dgm:scene3d>
+      <a:camera prst="orthographicFront"/>
+      <a:lightRig rig="threePt" dir="t"/>
+    </dgm:scene3d>
+    <dgm:sp3d/>
+    <dgm:txPr/>
+    <dgm:style>
+      <a:lnRef idx="2">
+        <a:scrgbClr r="0" g="0" b="0"/>
+      </a:lnRef>
+      <a:fillRef idx="1">
+        <a:scrgbClr r="0" g="0" b="0"/>
+      </a:fillRef>
+      <a:effectRef idx="0">
+        <a:scrgbClr r="0" g="0" b="0"/>
+      </a:effectRef>
+      <a:fontRef idx="minor">
+        <a:schemeClr val="lt1"/>
+      </a:fontRef>
+    </dgm:style>
+  </dgm:styleLbl>
+  <dgm:styleLbl name="asst4">
+    <dgm:scene3d>
+      <a:camera prst="orthographicFront"/>
+      <a:lightRig rig="threePt" dir="t"/>
+    </dgm:scene3d>
+    <dgm:sp3d/>
+    <dgm:txPr/>
+    <dgm:style>
+      <a:lnRef idx="2">
+        <a:scrgbClr r="0" g="0" b="0"/>
+      </a:lnRef>
+      <a:fillRef idx="1">
+        <a:scrgbClr r="0" g="0" b="0"/>
+      </a:fillRef>
+      <a:effectRef idx="0">
+        <a:scrgbClr r="0" g="0" b="0"/>
+      </a:effectRef>
+      <a:fontRef idx="minor">
+        <a:schemeClr val="lt1"/>
+      </a:fontRef>
+    </dgm:style>
+  </dgm:styleLbl>
+  <dgm:styleLbl name="parChTrans2D1">
+    <dgm:scene3d>
+      <a:camera prst="orthographicFront"/>
+      <a:lightRig rig="threePt" dir="t"/>
+    </dgm:scene3d>
+    <dgm:sp3d/>
+    <dgm:txPr/>
+    <dgm:style>
+      <a:lnRef idx="2">
+        <a:scrgbClr r="0" g="0" b="0"/>
+      </a:lnRef>
+      <a:fillRef idx="1">
+        <a:scrgbClr r="0" g="0" b="0"/>
+      </a:fillRef>
+      <a:effectRef idx="0">
+        <a:scrgbClr r="0" g="0" b="0"/>
+      </a:effectRef>
+      <a:fontRef idx="minor">
+        <a:schemeClr val="lt1"/>
+      </a:fontRef>
+    </dgm:style>
+  </dgm:styleLbl>
+  <dgm:styleLbl name="parChTrans2D2">
+    <dgm:scene3d>
+      <a:camera prst="orthographicFront"/>
+      <a:lightRig rig="threePt" dir="t"/>
+    </dgm:scene3d>
+    <dgm:sp3d/>
+    <dgm:txPr/>
+    <dgm:style>
+      <a:lnRef idx="2">
+        <a:scrgbClr r="0" g="0" b="0"/>
+      </a:lnRef>
+      <a:fillRef idx="1">
+        <a:scrgbClr r="0" g="0" b="0"/>
+      </a:fillRef>
+      <a:effectRef idx="0">
+        <a:scrgbClr r="0" g="0" b="0"/>
+      </a:effectRef>
+      <a:fontRef idx="minor">
+        <a:schemeClr val="lt1"/>
+      </a:fontRef>
+    </dgm:style>
+  </dgm:styleLbl>
+  <dgm:styleLbl name="parChTrans2D3">
+    <dgm:scene3d>
+      <a:camera prst="orthographicFront"/>
+      <a:lightRig rig="threePt" dir="t"/>
+    </dgm:scene3d>
+    <dgm:sp3d/>
+    <dgm:txPr/>
+    <dgm:style>
+      <a:lnRef idx="2">
+        <a:scrgbClr r="0" g="0" b="0"/>
+      </a:lnRef>
+      <a:fillRef idx="1">
+        <a:scrgbClr r="0" g="0" b="0"/>
+      </a:fillRef>
+      <a:effectRef idx="0">
+        <a:scrgbClr r="0" g="0" b="0"/>
+      </a:effectRef>
+      <a:fontRef idx="minor">
+        <a:schemeClr val="lt1"/>
+      </a:fontRef>
+    </dgm:style>
+  </dgm:styleLbl>
+  <dgm:styleLbl name="parChTrans2D4">
+    <dgm:scene3d>
+      <a:camera prst="orthographicFront"/>
+      <a:lightRig rig="threePt" dir="t"/>
+    </dgm:scene3d>
+    <dgm:sp3d/>
+    <dgm:txPr/>
+    <dgm:style>
+      <a:lnRef idx="2">
+        <a:scrgbClr r="0" g="0" b="0"/>
+      </a:lnRef>
+      <a:fillRef idx="1">
+        <a:scrgbClr r="0" g="0" b="0"/>
+      </a:fillRef>
+      <a:effectRef idx="0">
+        <a:scrgbClr r="0" g="0" b="0"/>
+      </a:effectRef>
+      <a:fontRef idx="minor">
+        <a:schemeClr val="lt1"/>
+      </a:fontRef>
+    </dgm:style>
+  </dgm:styleLbl>
+  <dgm:styleLbl name="parChTrans1D1">
+    <dgm:scene3d>
+      <a:camera prst="orthographicFront"/>
+      <a:lightRig rig="threePt" dir="t"/>
+    </dgm:scene3d>
+    <dgm:sp3d/>
+    <dgm:txPr/>
+    <dgm:style>
+      <a:lnRef idx="2">
+        <a:scrgbClr r="0" g="0" b="0"/>
+      </a:lnRef>
+      <a:fillRef idx="0">
+        <a:scrgbClr r="0" g="0" b="0"/>
+      </a:fillRef>
+      <a:effectRef idx="0">
+        <a:scrgbClr r="0" g="0" b="0"/>
+      </a:effectRef>
+      <a:fontRef idx="minor"/>
+    </dgm:style>
+  </dgm:styleLbl>
+  <dgm:styleLbl name="parChTrans1D2">
+    <dgm:scene3d>
+      <a:camera prst="orthographicFront"/>
+      <a:lightRig rig="threePt" dir="t"/>
+    </dgm:scene3d>
+    <dgm:sp3d/>
+    <dgm:txPr/>
+    <dgm:style>
+      <a:lnRef idx="2">
+        <a:scrgbClr r="0" g="0" b="0"/>
+      </a:lnRef>
+      <a:fillRef idx="0">
+        <a:scrgbClr r="0" g="0" b="0"/>
+      </a:fillRef>
+      <a:effectRef idx="0">
+        <a:scrgbClr r="0" g="0" b="0"/>
+      </a:effectRef>
+      <a:fontRef idx="minor"/>
+    </dgm:style>
+  </dgm:styleLbl>
+  <dgm:styleLbl name="parChTrans1D3">
+    <dgm:scene3d>
+      <a:camera prst="orthographicFront"/>
+      <a:lightRig rig="threePt" dir="t"/>
+    </dgm:scene3d>
+    <dgm:sp3d/>
+    <dgm:txPr/>
+    <dgm:style>
+      <a:lnRef idx="2">
+        <a:scrgbClr r="0" g="0" b="0"/>
+      </a:lnRef>
+      <a:fillRef idx="0">
+        <a:scrgbClr r="0" g="0" b="0"/>
+      </a:fillRef>
+      <a:effectRef idx="0">
+        <a:scrgbClr r="0" g="0" b="0"/>
+      </a:effectRef>
+      <a:fontRef idx="minor"/>
+    </dgm:style>
+  </dgm:styleLbl>
+  <dgm:styleLbl name="parChTrans1D4">
+    <dgm:scene3d>
+      <a:camera prst="orthographicFront"/>
+      <a:lightRig rig="threePt" dir="t"/>
+    </dgm:scene3d>
+    <dgm:sp3d/>
+    <dgm:txPr/>
+    <dgm:style>
+      <a:lnRef idx="2">
+        <a:scrgbClr r="0" g="0" b="0"/>
+      </a:lnRef>
+      <a:fillRef idx="0">
+        <a:scrgbClr r="0" g="0" b="0"/>
+      </a:fillRef>
+      <a:effectRef idx="0">
+        <a:scrgbClr r="0" g="0" b="0"/>
+      </a:effectRef>
+      <a:fontRef idx="minor"/>
+    </dgm:style>
+  </dgm:styleLbl>
+  <dgm:styleLbl name="fgAcc1">
+    <dgm:scene3d>
+      <a:camera prst="orthographicFront"/>
+      <a:lightRig rig="threePt" dir="t"/>
+    </dgm:scene3d>
+    <dgm:sp3d/>
+    <dgm:txPr/>
+    <dgm:style>
+      <a:lnRef idx="2">
+        <a:scrgbClr r="0" g="0" b="0"/>
+      </a:lnRef>
+      <a:fillRef idx="1">
+        <a:scrgbClr r="0" g="0" b="0"/>
+      </a:fillRef>
+      <a:effectRef idx="0">
+        <a:scrgbClr r="0" g="0" b="0"/>
+      </a:effectRef>
+      <a:fontRef idx="minor"/>
+    </dgm:style>
+  </dgm:styleLbl>
+  <dgm:styleLbl name="conFgAcc1">
+    <dgm:scene3d>
+      <a:camera prst="orthographicFront"/>
+      <a:lightRig rig="threePt" dir="t"/>
+    </dgm:scene3d>
+    <dgm:sp3d/>
+    <dgm:txPr/>
+    <dgm:style>
+      <a:lnRef idx="2">
+        <a:scrgbClr r="0" g="0" b="0"/>
+      </a:lnRef>
+      <a:fillRef idx="1">
+        <a:scrgbClr r="0" g="0" b="0"/>
+      </a:fillRef>
+      <a:effectRef idx="0">
+        <a:scrgbClr r="0" g="0" b="0"/>
+      </a:effectRef>
+      <a:fontRef idx="minor"/>
+    </dgm:style>
+  </dgm:styleLbl>
+  <dgm:styleLbl name="alignAcc1">
+    <dgm:scene3d>
+      <a:camera prst="orthographicFront"/>
+      <a:lightRig rig="threePt" dir="t"/>
+    </dgm:scene3d>
+    <dgm:sp3d/>
+    <dgm:txPr/>
+    <dgm:style>
+      <a:lnRef idx="2">
+        <a:scrgbClr r="0" g="0" b="0"/>
+      </a:lnRef>
+      <a:fillRef idx="1">
+        <a:scrgbClr r="0" g="0" b="0"/>
+      </a:fillRef>
+      <a:effectRef idx="0">
+        <a:scrgbClr r="0" g="0" b="0"/>
+      </a:effectRef>
+      <a:fontRef idx="minor"/>
+    </dgm:style>
+  </dgm:styleLbl>
+  <dgm:styleLbl name="trAlignAcc1">
+    <dgm:scene3d>
+      <a:camera prst="orthographicFront"/>
+      <a:lightRig rig="threePt" dir="t"/>
+    </dgm:scene3d>
+    <dgm:sp3d/>
+    <dgm:txPr/>
+    <dgm:style>
+      <a:lnRef idx="1">
+        <a:scrgbClr r="0" g="0" b="0"/>
+      </a:lnRef>
+      <a:fillRef idx="1">
+        <a:scrgbClr r="0" g="0" b="0"/>
+      </a:fillRef>
+      <a:effectRef idx="0">
+        <a:scrgbClr r="0" g="0" b="0"/>
+      </a:effectRef>
+      <a:fontRef idx="minor"/>
+    </dgm:style>
+  </dgm:styleLbl>
+  <dgm:styleLbl name="bgAcc1">
+    <dgm:scene3d>
+      <a:camera prst="orthographicFront"/>
+      <a:lightRig rig="threePt" dir="t"/>
+    </dgm:scene3d>
+    <dgm:sp3d/>
+    <dgm:txPr/>
+    <dgm:style>
+      <a:lnRef idx="2">
+        <a:scrgbClr r="0" g="0" b="0"/>
+      </a:lnRef>
+      <a:fillRef idx="1">
+        <a:scrgbClr r="0" g="0" b="0"/>
+      </a:fillRef>
+      <a:effectRef idx="0">
+        <a:scrgbClr r="0" g="0" b="0"/>
+      </a:effectRef>
+      <a:fontRef idx="minor"/>
+    </dgm:style>
+  </dgm:styleLbl>
+  <dgm:styleLbl name="solidFgAcc1">
+    <dgm:scene3d>
+      <a:camera prst="orthographicFront"/>
+      <a:lightRig rig="threePt" dir="t"/>
+    </dgm:scene3d>
+    <dgm:sp3d/>
+    <dgm:txPr/>
+    <dgm:style>
+      <a:lnRef idx="2">
+        <a:scrgbClr r="0" g="0" b="0"/>
+      </a:lnRef>
+      <a:fillRef idx="1">
+        <a:scrgbClr r="0" g="0" b="0"/>
+      </a:fillRef>
+      <a:effectRef idx="0">
+        <a:scrgbClr r="0" g="0" b="0"/>
+      </a:effectRef>
+      <a:fontRef idx="minor"/>
+    </dgm:style>
+  </dgm:styleLbl>
+  <dgm:styleLbl name="solidAlignAcc1">
+    <dgm:scene3d>
+      <a:camera prst="orthographicFront"/>
+      <a:lightRig rig="threePt" dir="t"/>
+    </dgm:scene3d>
+    <dgm:sp3d/>
+    <dgm:txPr/>
+    <dgm:style>
+      <a:lnRef idx="2">
+        <a:scrgbClr r="0" g="0" b="0"/>
+      </a:lnRef>
+      <a:fillRef idx="1">
+        <a:scrgbClr r="0" g="0" b="0"/>
+      </a:fillRef>
+      <a:effectRef idx="0">
+        <a:scrgbClr r="0" g="0" b="0"/>
+      </a:effectRef>
+      <a:fontRef idx="minor"/>
+    </dgm:style>
+  </dgm:styleLbl>
+  <dgm:styleLbl name="solidBgAcc1">
+    <dgm:scene3d>
+      <a:camera prst="orthographicFront"/>
+      <a:lightRig rig="threePt" dir="t"/>
+    </dgm:scene3d>
+    <dgm:sp3d/>
+    <dgm:txPr/>
+    <dgm:style>
+      <a:lnRef idx="2">
+        <a:scrgbClr r="0" g="0" b="0"/>
+      </a:lnRef>
+      <a:fillRef idx="1">
+        <a:scrgbClr r="0" g="0" b="0"/>
+      </a:fillRef>
+      <a:effectRef idx="0">
+        <a:scrgbClr r="0" g="0" b="0"/>
+      </a:effectRef>
+      <a:fontRef idx="minor"/>
+    </dgm:style>
+  </dgm:styleLbl>
+  <dgm:styleLbl name="fgAccFollowNode1">
+    <dgm:scene3d>
+      <a:camera prst="orthographicFront"/>
+      <a:lightRig rig="threePt" dir="t"/>
+    </dgm:scene3d>
+    <dgm:sp3d/>
+    <dgm:txPr/>
+    <dgm:style>
+      <a:lnRef idx="2">
+        <a:scrgbClr r="0" g="0" b="0"/>
+      </a:lnRef>
+      <a:fillRef idx="1">
+        <a:scrgbClr r="0" g="0" b="0"/>
+      </a:fillRef>
+      <a:effectRef idx="0">
+        <a:scrgbClr r="0" g="0" b="0"/>
+      </a:effectRef>
+      <a:fontRef idx="minor"/>
+    </dgm:style>
+  </dgm:styleLbl>
+  <dgm:styleLbl name="alignAccFollowNode1">
+    <dgm:scene3d>
+      <a:camera prst="orthographicFront"/>
+      <a:lightRig rig="threePt" dir="t"/>
+    </dgm:scene3d>
+    <dgm:sp3d/>
+    <dgm:txPr/>
+    <dgm:style>
+      <a:lnRef idx="2">
+        <a:scrgbClr r="0" g="0" b="0"/>
+      </a:lnRef>
+      <a:fillRef idx="1">
+        <a:scrgbClr r="0" g="0" b="0"/>
+      </a:fillRef>
+      <a:effectRef idx="0">
+        <a:scrgbClr r="0" g="0" b="0"/>
+      </a:effectRef>
+      <a:fontRef idx="minor"/>
+    </dgm:style>
+  </dgm:styleLbl>
+  <dgm:styleLbl name="bgAccFollowNode1">
+    <dgm:scene3d>
+      <a:camera prst="orthographicFront"/>
+      <a:lightRig rig="threePt" dir="t"/>
+    </dgm:scene3d>
+    <dgm:sp3d/>
+    <dgm:txPr/>
+    <dgm:style>
+      <a:lnRef idx="2">
+        <a:scrgbClr r="0" g="0" b="0"/>
+      </a:lnRef>
+      <a:fillRef idx="1">
+        <a:scrgbClr r="0" g="0" b="0"/>
+      </a:fillRef>
+      <a:effectRef idx="0">
+        <a:scrgbClr r="0" g="0" b="0"/>
+      </a:effectRef>
+      <a:fontRef idx="minor"/>
+    </dgm:style>
+  </dgm:styleLbl>
+  <dgm:styleLbl name="fgAcc0">
+    <dgm:scene3d>
+      <a:camera prst="orthographicFront"/>
+      <a:lightRig rig="threePt" dir="t"/>
+    </dgm:scene3d>
+    <dgm:sp3d/>
+    <dgm:txPr/>
+    <dgm:style>
+      <a:lnRef idx="2">
+        <a:scrgbClr r="0" g="0" b="0"/>
+      </a:lnRef>
+      <a:fillRef idx="1">
+        <a:scrgbClr r="0" g="0" b="0"/>
+      </a:fillRef>
+      <a:effectRef idx="0">
+        <a:scrgbClr r="0" g="0" b="0"/>
+      </a:effectRef>
+      <a:fontRef idx="minor"/>
+    </dgm:style>
+  </dgm:styleLbl>
+  <dgm:styleLbl name="fgAcc2">
+    <dgm:scene3d>
+      <a:camera prst="orthographicFront"/>
+      <a:lightRig rig="threePt" dir="t"/>
+    </dgm:scene3d>
+    <dgm:sp3d/>
+    <dgm:txPr/>
+    <dgm:style>
+      <a:lnRef idx="2">
+        <a:scrgbClr r="0" g="0" b="0"/>
+      </a:lnRef>
+      <a:fillRef idx="1">
+        <a:scrgbClr r="0" g="0" b="0"/>
+      </a:fillRef>
+      <a:effectRef idx="0">
+        <a:scrgbClr r="0" g="0" b="0"/>
+      </a:effectRef>
+      <a:fontRef idx="minor"/>
+    </dgm:style>
+  </dgm:styleLbl>
+  <dgm:styleLbl name="fgAcc3">
+    <dgm:scene3d>
+      <a:camera prst="orthographicFront"/>
+      <a:lightRig rig="threePt" dir="t"/>
+    </dgm:scene3d>
+    <dgm:sp3d/>
+    <dgm:txPr/>
+    <dgm:style>
+      <a:lnRef idx="2">
+        <a:scrgbClr r="0" g="0" b="0"/>
+      </a:lnRef>
+      <a:fillRef idx="1">
+        <a:scrgbClr r="0" g="0" b="0"/>
+      </a:fillRef>
+      <a:effectRef idx="0">
+        <a:scrgbClr r="0" g="0" b="0"/>
+      </a:effectRef>
+      <a:fontRef idx="minor"/>
+    </dgm:style>
+  </dgm:styleLbl>
+  <dgm:styleLbl name="fgAcc4">
+    <dgm:scene3d>
+      <a:camera prst="orthographicFront"/>
+      <a:lightRig rig="threePt" dir="t"/>
+    </dgm:scene3d>
+    <dgm:sp3d/>
+    <dgm:txPr/>
+    <dgm:style>
+      <a:lnRef idx="2">
+        <a:scrgbClr r="0" g="0" b="0"/>
+      </a:lnRef>
+      <a:fillRef idx="1">
+        <a:scrgbClr r="0" g="0" b="0"/>
+      </a:fillRef>
+      <a:effectRef idx="0">
+        <a:scrgbClr r="0" g="0" b="0"/>
+      </a:effectRef>
+      <a:fontRef idx="minor"/>
+    </dgm:style>
+  </dgm:styleLbl>
+  <dgm:styleLbl name="bgShp">
+    <dgm:scene3d>
+      <a:camera prst="orthographicFront"/>
+      <a:lightRig rig="threePt" dir="t"/>
+    </dgm:scene3d>
+    <dgm:sp3d/>
+    <dgm:txPr/>
+    <dgm:style>
+      <a:lnRef idx="0">
+        <a:scrgbClr r="0" g="0" b="0"/>
+      </a:lnRef>
+      <a:fillRef idx="1">
+        <a:scrgbClr r="0" g="0" b="0"/>
+      </a:fillRef>
+      <a:effectRef idx="0">
+        <a:scrgbClr r="0" g="0" b="0"/>
+      </a:effectRef>
+      <a:fontRef idx="minor"/>
+    </dgm:style>
+  </dgm:styleLbl>
+  <dgm:styleLbl name="dkBgShp">
+    <dgm:scene3d>
+      <a:camera prst="orthographicFront"/>
+      <a:lightRig rig="threePt" dir="t"/>
+    </dgm:scene3d>
+    <dgm:sp3d/>
+    <dgm:txPr/>
+    <dgm:style>
+      <a:lnRef idx="0">
+        <a:scrgbClr r="0" g="0" b="0"/>
+      </a:lnRef>
+      <a:fillRef idx="1">
+        <a:scrgbClr r="0" g="0" b="0"/>
+      </a:fillRef>
+      <a:effectRef idx="0">
+        <a:scrgbClr r="0" g="0" b="0"/>
+      </a:effectRef>
+      <a:fontRef idx="minor"/>
+    </dgm:style>
+  </dgm:styleLbl>
+  <dgm:styleLbl name="trBgShp">
+    <dgm:scene3d>
+      <a:camera prst="orthographicFront"/>
+      <a:lightRig rig="threePt" dir="t"/>
+    </dgm:scene3d>
+    <dgm:sp3d/>
+    <dgm:txPr/>
+    <dgm:style>
+      <a:lnRef idx="0">
+        <a:scrgbClr r="0" g="0" b="0"/>
+      </a:lnRef>
+      <a:fillRef idx="1">
+        <a:scrgbClr r="0" g="0" b="0"/>
+      </a:fillRef>
+      <a:effectRef idx="0">
+        <a:scrgbClr r="0" g="0" b="0"/>
+      </a:effectRef>
+      <a:fontRef idx="minor"/>
+    </dgm:style>
+  </dgm:styleLbl>
+  <dgm:styleLbl name="fgShp">
+    <dgm:scene3d>
+      <a:camera prst="orthographicFront"/>
+      <a:lightRig rig="threePt" dir="t"/>
+    </dgm:scene3d>
+    <dgm:sp3d/>
+    <dgm:txPr/>
+    <dgm:style>
+      <a:lnRef idx="2">
+        <a:scrgbClr r="0" g="0" b="0"/>
+      </a:lnRef>
+      <a:fillRef idx="1">
+        <a:scrgbClr r="0" g="0" b="0"/>
+      </a:fillRef>
+      <a:effectRef idx="0">
+        <a:scrgbClr r="0" g="0" b="0"/>
+      </a:effectRef>
+      <a:fontRef idx="minor"/>
+    </dgm:style>
+  </dgm:styleLbl>
+  <dgm:styleLbl name="revTx">
+    <dgm:scene3d>
+      <a:camera prst="orthographicFront"/>
+      <a:lightRig rig="threePt" dir="t"/>
+    </dgm:scene3d>
+    <dgm:sp3d/>
+    <dgm:txPr/>
+    <dgm:style>
+      <a:lnRef idx="0">
+        <a:scrgbClr r="0" g="0" b="0"/>
+      </a:lnRef>
+      <a:fillRef idx="0">
+        <a:scrgbClr r="0" g="0" b="0"/>
+      </a:fillRef>
+      <a:effectRef idx="0">
+        <a:scrgbClr r="0" g="0" b="0"/>
+      </a:effectRef>
+      <a:fontRef idx="minor"/>
+    </dgm:style>
+  </dgm:styleLbl>
+</dgm:styleDef>
+</file>
+
+<file path=ppt/diagrams/quickStyle5.xml><?xml version="1.0" encoding="utf-8"?>
 <dgm:styleDef xmlns:dgm="http://schemas.openxmlformats.org/drawingml/2006/diagram" xmlns:a="http://schemas.openxmlformats.org/drawingml/2006/main" uniqueId="urn:microsoft.com/office/officeart/2005/8/quickstyle/simple1">
   <dgm:title val=""/>
   <dgm:desc val=""/>
@@ -18681,6 +23030,90 @@
     <p:extLst>
       <p:ext uri="{BB962C8B-B14F-4D97-AF65-F5344CB8AC3E}">
         <p14:creationId xmlns:p14="http://schemas.microsoft.com/office/powerpoint/2010/main" val="2495858463"/>
+      </p:ext>
+    </p:extLst>
+  </p:cSld>
+  <p:clrMapOvr>
+    <a:masterClrMapping/>
+  </p:clrMapOvr>
+</p:notes>
+</file>
+
+<file path=ppt/notesSlides/notesSlide5.xml><?xml version="1.0" encoding="utf-8"?>
+<p:notes xmlns:a="http://schemas.openxmlformats.org/drawingml/2006/main" xmlns:r="http://schemas.openxmlformats.org/officeDocument/2006/relationships" xmlns:p="http://schemas.openxmlformats.org/presentationml/2006/main">
+  <p:cSld>
+    <p:spTree>
+      <p:nvGrpSpPr>
+        <p:cNvPr id="1" name=""/>
+        <p:cNvGrpSpPr/>
+        <p:nvPr/>
+      </p:nvGrpSpPr>
+      <p:grpSpPr>
+        <a:xfrm>
+          <a:off x="0" y="0"/>
+          <a:ext cx="0" cy="0"/>
+          <a:chOff x="0" y="0"/>
+          <a:chExt cx="0" cy="0"/>
+        </a:xfrm>
+      </p:grpSpPr>
+      <p:sp>
+        <p:nvSpPr>
+          <p:cNvPr id="2" name="Slide Image Placeholder 1"/>
+          <p:cNvSpPr>
+            <a:spLocks noGrp="1" noRot="1" noChangeAspect="1"/>
+          </p:cNvSpPr>
+          <p:nvPr>
+            <p:ph type="sldImg"/>
+          </p:nvPr>
+        </p:nvSpPr>
+        <p:spPr/>
+      </p:sp>
+      <p:sp>
+        <p:nvSpPr>
+          <p:cNvPr id="3" name="Notes Placeholder 2"/>
+          <p:cNvSpPr>
+            <a:spLocks noGrp="1"/>
+          </p:cNvSpPr>
+          <p:nvPr>
+            <p:ph type="body" idx="1"/>
+          </p:nvPr>
+        </p:nvSpPr>
+        <p:spPr/>
+        <p:txBody>
+          <a:bodyPr/>
+          <a:lstStyle/>
+          <a:p>
+            <a:endParaRPr lang="en-US" dirty="0"/>
+          </a:p>
+        </p:txBody>
+      </p:sp>
+      <p:sp>
+        <p:nvSpPr>
+          <p:cNvPr id="4" name="Slide Number Placeholder 3"/>
+          <p:cNvSpPr>
+            <a:spLocks noGrp="1"/>
+          </p:cNvSpPr>
+          <p:nvPr>
+            <p:ph type="sldNum" sz="quarter" idx="5"/>
+          </p:nvPr>
+        </p:nvSpPr>
+        <p:spPr/>
+        <p:txBody>
+          <a:bodyPr/>
+          <a:lstStyle/>
+          <a:p>
+            <a:fld id="{302C64B7-96AE-4C1F-AFF5-ACD431C321CF}" type="slidenum">
+              <a:rPr lang="en-US" smtClean="0"/>
+              <a:t>15</a:t>
+            </a:fld>
+            <a:endParaRPr lang="en-US" dirty="0"/>
+          </a:p>
+        </p:txBody>
+      </p:sp>
+    </p:spTree>
+    <p:extLst>
+      <p:ext uri="{BB962C8B-B14F-4D97-AF65-F5344CB8AC3E}">
+        <p14:creationId xmlns:p14="http://schemas.microsoft.com/office/powerpoint/2010/main" val="279154994"/>
       </p:ext>
     </p:extLst>
   </p:cSld>
@@ -23362,7 +27795,7 @@
       </p:sp>
       <p:pic>
         <p:nvPicPr>
-          <p:cNvPr id="4" name="Picture 3" descr="A picture containing chart&#10;&#10;Description automatically generated">
+          <p:cNvPr id="4" name="Picture 3">
             <a:extLst>
               <a:ext uri="{FF2B5EF4-FFF2-40B4-BE49-F238E27FC236}">
                 <a16:creationId xmlns:a16="http://schemas.microsoft.com/office/drawing/2014/main" id="{44F94718-B425-42CB-AC4C-3B4E82CB53B7}"/>
@@ -23382,14 +27815,13 @@
               </a:ext>
             </a:extLst>
           </a:blip>
-          <a:stretch>
-            <a:fillRect/>
-          </a:stretch>
+          <a:srcRect/>
+          <a:stretch/>
         </p:blipFill>
         <p:spPr>
           <a:xfrm>
             <a:off x="714597" y="1085847"/>
-            <a:ext cx="7505552" cy="5057769"/>
+            <a:ext cx="7505552" cy="5057768"/>
           </a:xfrm>
           <a:prstGeom prst="rect">
             <a:avLst/>
@@ -23899,8 +28331,8 @@
         </p:nvSpPr>
         <p:spPr>
           <a:xfrm>
-            <a:off x="548005" y="1344800"/>
-            <a:ext cx="3030220" cy="1323439"/>
+            <a:off x="544195" y="1508460"/>
+            <a:ext cx="3030220" cy="923330"/>
           </a:xfrm>
           <a:prstGeom prst="rect">
             <a:avLst/>
@@ -23915,7 +28347,7 @@
           <a:p>
             <a:pPr algn="ctr"/>
             <a:r>
-              <a:rPr lang="en-US" sz="2000" dirty="0"/>
+              <a:rPr lang="en-US" dirty="0"/>
               <a:t>How drastically did Covid affect apartment rental rates? Have rates fully recovered?</a:t>
             </a:r>
           </a:p>
@@ -23935,8 +28367,8 @@
         </p:nvSpPr>
         <p:spPr>
           <a:xfrm>
-            <a:off x="4580890" y="1450770"/>
-            <a:ext cx="3030220" cy="1015663"/>
+            <a:off x="4576847" y="1546955"/>
+            <a:ext cx="3030220" cy="923330"/>
           </a:xfrm>
           <a:prstGeom prst="rect">
             <a:avLst/>
@@ -23951,7 +28383,7 @@
           <a:p>
             <a:pPr algn="ctr"/>
             <a:r>
-              <a:rPr lang="en-US" sz="2000" dirty="0"/>
+              <a:rPr lang="en-US" dirty="0"/>
               <a:t>Which areas in New York City experienced the largest change in rates?</a:t>
             </a:r>
           </a:p>
@@ -23971,8 +28403,8 @@
         </p:nvSpPr>
         <p:spPr>
           <a:xfrm>
-            <a:off x="8613775" y="1498687"/>
-            <a:ext cx="3030220" cy="1015663"/>
+            <a:off x="8674735" y="1546955"/>
+            <a:ext cx="3030220" cy="923330"/>
           </a:xfrm>
           <a:prstGeom prst="rect">
             <a:avLst/>
@@ -23987,7 +28419,7 @@
           <a:p>
             <a:pPr algn="ctr"/>
             <a:r>
-              <a:rPr lang="en-US" sz="2000" dirty="0"/>
+              <a:rPr lang="en-US" dirty="0"/>
               <a:t>Can characteristics of each area predict how rates will be affected?</a:t>
             </a:r>
           </a:p>
@@ -24897,10 +29329,1392 @@
           </a:p>
         </p:txBody>
       </p:sp>
+      <p:sp>
+        <p:nvSpPr>
+          <p:cNvPr id="23" name="TextBox 22">
+            <a:extLst>
+              <a:ext uri="{FF2B5EF4-FFF2-40B4-BE49-F238E27FC236}">
+                <a16:creationId xmlns:a16="http://schemas.microsoft.com/office/drawing/2014/main" id="{7A99F122-B240-48A1-8446-F5D06B8CA75B}"/>
+              </a:ext>
+            </a:extLst>
+          </p:cNvPr>
+          <p:cNvSpPr txBox="1"/>
+          <p:nvPr/>
+        </p:nvSpPr>
+        <p:spPr>
+          <a:xfrm>
+            <a:off x="8480425" y="4069071"/>
+            <a:ext cx="1509395" cy="523220"/>
+          </a:xfrm>
+          <a:prstGeom prst="rect">
+            <a:avLst/>
+          </a:prstGeom>
+          <a:noFill/>
+        </p:spPr>
+        <p:txBody>
+          <a:bodyPr wrap="square" rtlCol="0">
+            <a:spAutoFit/>
+          </a:bodyPr>
+          <a:lstStyle/>
+          <a:p>
+            <a:pPr algn="ctr"/>
+            <a:r>
+              <a:rPr lang="en-US" sz="1400" b="1" dirty="0"/>
+              <a:t>Most important factors</a:t>
+            </a:r>
+          </a:p>
+        </p:txBody>
+      </p:sp>
+      <p:sp>
+        <p:nvSpPr>
+          <p:cNvPr id="26" name="TextBox 25">
+            <a:extLst>
+              <a:ext uri="{FF2B5EF4-FFF2-40B4-BE49-F238E27FC236}">
+                <a16:creationId xmlns:a16="http://schemas.microsoft.com/office/drawing/2014/main" id="{D0077813-DEF5-4E15-BCA0-95DBC13B5626}"/>
+              </a:ext>
+            </a:extLst>
+          </p:cNvPr>
+          <p:cNvSpPr txBox="1"/>
+          <p:nvPr/>
+        </p:nvSpPr>
+        <p:spPr>
+          <a:xfrm>
+            <a:off x="10267951" y="4069071"/>
+            <a:ext cx="1509395" cy="523220"/>
+          </a:xfrm>
+          <a:prstGeom prst="rect">
+            <a:avLst/>
+          </a:prstGeom>
+          <a:noFill/>
+        </p:spPr>
+        <p:txBody>
+          <a:bodyPr wrap="square" rtlCol="0">
+            <a:spAutoFit/>
+          </a:bodyPr>
+          <a:lstStyle/>
+          <a:p>
+            <a:pPr algn="ctr"/>
+            <a:r>
+              <a:rPr lang="en-US" sz="1400" b="1" dirty="0"/>
+              <a:t>Least important factors</a:t>
+            </a:r>
+          </a:p>
+        </p:txBody>
+      </p:sp>
+      <p:cxnSp>
+        <p:nvCxnSpPr>
+          <p:cNvPr id="27" name="Straight Connector 26">
+            <a:extLst>
+              <a:ext uri="{FF2B5EF4-FFF2-40B4-BE49-F238E27FC236}">
+                <a16:creationId xmlns:a16="http://schemas.microsoft.com/office/drawing/2014/main" id="{2DEEF941-87FE-47E2-8639-820278D5B3B4}"/>
+              </a:ext>
+            </a:extLst>
+          </p:cNvPr>
+          <p:cNvCxnSpPr>
+            <a:cxnSpLocks/>
+          </p:cNvCxnSpPr>
+          <p:nvPr/>
+        </p:nvCxnSpPr>
+        <p:spPr>
+          <a:xfrm>
+            <a:off x="10128885" y="4196119"/>
+            <a:ext cx="0" cy="1819275"/>
+          </a:xfrm>
+          <a:prstGeom prst="line">
+            <a:avLst/>
+          </a:prstGeom>
+        </p:spPr>
+        <p:style>
+          <a:lnRef idx="1">
+            <a:schemeClr val="accent1"/>
+          </a:lnRef>
+          <a:fillRef idx="0">
+            <a:schemeClr val="accent1"/>
+          </a:fillRef>
+          <a:effectRef idx="0">
+            <a:schemeClr val="accent1"/>
+          </a:effectRef>
+          <a:fontRef idx="minor">
+            <a:schemeClr val="tx1"/>
+          </a:fontRef>
+        </p:style>
+      </p:cxnSp>
+      <p:sp>
+        <p:nvSpPr>
+          <p:cNvPr id="3" name="TextBox 2">
+            <a:extLst>
+              <a:ext uri="{FF2B5EF4-FFF2-40B4-BE49-F238E27FC236}">
+                <a16:creationId xmlns:a16="http://schemas.microsoft.com/office/drawing/2014/main" id="{72D2D131-48BF-4DBA-9C6D-98380E208ECD}"/>
+              </a:ext>
+            </a:extLst>
+          </p:cNvPr>
+          <p:cNvSpPr txBox="1"/>
+          <p:nvPr/>
+        </p:nvSpPr>
+        <p:spPr>
+          <a:xfrm>
+            <a:off x="8531228" y="4705350"/>
+            <a:ext cx="1376041" cy="830997"/>
+          </a:xfrm>
+          <a:prstGeom prst="rect">
+            <a:avLst/>
+          </a:prstGeom>
+          <a:noFill/>
+        </p:spPr>
+        <p:txBody>
+          <a:bodyPr wrap="square" rtlCol="0">
+            <a:spAutoFit/>
+          </a:bodyPr>
+          <a:lstStyle/>
+          <a:p>
+            <a:pPr marL="285750" indent="-285750">
+              <a:buFont typeface="Arial" panose="020B0604020202020204" pitchFamily="34" charset="0"/>
+              <a:buChar char="•"/>
+            </a:pPr>
+            <a:r>
+              <a:rPr lang="en-US" sz="1200" dirty="0"/>
+              <a:t>Pre-Covid Median Rent</a:t>
+            </a:r>
+          </a:p>
+          <a:p>
+            <a:pPr marL="285750" indent="-285750">
+              <a:buFont typeface="Arial" panose="020B0604020202020204" pitchFamily="34" charset="0"/>
+              <a:buChar char="•"/>
+            </a:pPr>
+            <a:r>
+              <a:rPr lang="en-US" sz="1200" dirty="0"/>
+              <a:t>Total Housing Units</a:t>
+            </a:r>
+          </a:p>
+        </p:txBody>
+      </p:sp>
+      <p:sp>
+        <p:nvSpPr>
+          <p:cNvPr id="28" name="TextBox 27">
+            <a:extLst>
+              <a:ext uri="{FF2B5EF4-FFF2-40B4-BE49-F238E27FC236}">
+                <a16:creationId xmlns:a16="http://schemas.microsoft.com/office/drawing/2014/main" id="{AF871A3F-0132-414B-9FF9-2C0E670E88E9}"/>
+              </a:ext>
+            </a:extLst>
+          </p:cNvPr>
+          <p:cNvSpPr txBox="1"/>
+          <p:nvPr/>
+        </p:nvSpPr>
+        <p:spPr>
+          <a:xfrm>
+            <a:off x="10320340" y="4705350"/>
+            <a:ext cx="1376041" cy="1200329"/>
+          </a:xfrm>
+          <a:prstGeom prst="rect">
+            <a:avLst/>
+          </a:prstGeom>
+          <a:noFill/>
+        </p:spPr>
+        <p:txBody>
+          <a:bodyPr wrap="square" rtlCol="0">
+            <a:spAutoFit/>
+          </a:bodyPr>
+          <a:lstStyle/>
+          <a:p>
+            <a:pPr marL="285750" indent="-285750">
+              <a:buFont typeface="Arial" panose="020B0604020202020204" pitchFamily="34" charset="0"/>
+              <a:buChar char="•"/>
+            </a:pPr>
+            <a:r>
+              <a:rPr lang="en-US" sz="1200" dirty="0"/>
+              <a:t>2020 Population</a:t>
+            </a:r>
+          </a:p>
+          <a:p>
+            <a:pPr marL="285750" indent="-285750">
+              <a:buFont typeface="Arial" panose="020B0604020202020204" pitchFamily="34" charset="0"/>
+              <a:buChar char="•"/>
+            </a:pPr>
+            <a:r>
+              <a:rPr lang="en-US" sz="1200" dirty="0"/>
+              <a:t>Total Covid Cases</a:t>
+            </a:r>
+          </a:p>
+          <a:p>
+            <a:pPr marL="285750" indent="-285750">
+              <a:buFont typeface="Arial" panose="020B0604020202020204" pitchFamily="34" charset="0"/>
+              <a:buChar char="•"/>
+            </a:pPr>
+            <a:r>
+              <a:rPr lang="en-US" sz="1200" dirty="0"/>
+              <a:t>Population under 18</a:t>
+            </a:r>
+          </a:p>
+        </p:txBody>
+      </p:sp>
     </p:spTree>
     <p:extLst>
       <p:ext uri="{BB962C8B-B14F-4D97-AF65-F5344CB8AC3E}">
         <p14:creationId xmlns:p14="http://schemas.microsoft.com/office/powerpoint/2010/main" val="1720743969"/>
+      </p:ext>
+    </p:extLst>
+  </p:cSld>
+  <p:clrMapOvr>
+    <a:masterClrMapping/>
+  </p:clrMapOvr>
+</p:sld>
+</file>
+
+<file path=ppt/slides/slide15.xml><?xml version="1.0" encoding="utf-8"?>
+<p:sld xmlns:a="http://schemas.openxmlformats.org/drawingml/2006/main" xmlns:r="http://schemas.openxmlformats.org/officeDocument/2006/relationships" xmlns:p="http://schemas.openxmlformats.org/presentationml/2006/main">
+  <p:cSld>
+    <p:spTree>
+      <p:nvGrpSpPr>
+        <p:cNvPr id="1" name=""/>
+        <p:cNvGrpSpPr/>
+        <p:nvPr/>
+      </p:nvGrpSpPr>
+      <p:grpSpPr>
+        <a:xfrm>
+          <a:off x="0" y="0"/>
+          <a:ext cx="0" cy="0"/>
+          <a:chOff x="0" y="0"/>
+          <a:chExt cx="0" cy="0"/>
+        </a:xfrm>
+      </p:grpSpPr>
+      <p:sp>
+        <p:nvSpPr>
+          <p:cNvPr id="2" name="Title 1">
+            <a:extLst>
+              <a:ext uri="{FF2B5EF4-FFF2-40B4-BE49-F238E27FC236}">
+                <a16:creationId xmlns:a16="http://schemas.microsoft.com/office/drawing/2014/main" id="{56651043-58A8-4279-A949-143C7B546F07}"/>
+              </a:ext>
+            </a:extLst>
+          </p:cNvPr>
+          <p:cNvSpPr>
+            <a:spLocks noGrp="1"/>
+          </p:cNvSpPr>
+          <p:nvPr>
+            <p:ph type="title"/>
+          </p:nvPr>
+        </p:nvSpPr>
+        <p:spPr/>
+        <p:txBody>
+          <a:bodyPr/>
+          <a:lstStyle/>
+          <a:p>
+            <a:r>
+              <a:rPr lang="en-US" dirty="0"/>
+              <a:t>Outline</a:t>
+            </a:r>
+          </a:p>
+        </p:txBody>
+      </p:sp>
+      <p:graphicFrame>
+        <p:nvGraphicFramePr>
+          <p:cNvPr id="4" name="Content Placeholder 3">
+            <a:extLst>
+              <a:ext uri="{FF2B5EF4-FFF2-40B4-BE49-F238E27FC236}">
+                <a16:creationId xmlns:a16="http://schemas.microsoft.com/office/drawing/2014/main" id="{3E6131AB-8164-4B6B-8E68-5AE0D422DE4B}"/>
+              </a:ext>
+            </a:extLst>
+          </p:cNvPr>
+          <p:cNvGraphicFramePr>
+            <a:graphicFrameLocks noGrp="1"/>
+          </p:cNvGraphicFramePr>
+          <p:nvPr>
+            <p:ph idx="1"/>
+            <p:extLst>
+              <p:ext uri="{D42A27DB-BD31-4B8C-83A1-F6EECF244321}">
+                <p14:modId xmlns:p14="http://schemas.microsoft.com/office/powerpoint/2010/main" val="3916892050"/>
+              </p:ext>
+            </p:extLst>
+          </p:nvPr>
+        </p:nvGraphicFramePr>
+        <p:xfrm>
+          <a:off x="1096963" y="1846263"/>
+          <a:ext cx="10058400" cy="4022725"/>
+        </p:xfrm>
+        <a:graphic>
+          <a:graphicData uri="http://schemas.openxmlformats.org/drawingml/2006/diagram">
+            <dgm:relIds xmlns:dgm="http://schemas.openxmlformats.org/drawingml/2006/diagram" xmlns:r="http://schemas.openxmlformats.org/officeDocument/2006/relationships" r:dm="rId3" r:lo="rId4" r:qs="rId5" r:cs="rId6"/>
+          </a:graphicData>
+        </a:graphic>
+      </p:graphicFrame>
+    </p:spTree>
+    <p:extLst>
+      <p:ext uri="{BB962C8B-B14F-4D97-AF65-F5344CB8AC3E}">
+        <p14:creationId xmlns:p14="http://schemas.microsoft.com/office/powerpoint/2010/main" val="3697887073"/>
+      </p:ext>
+    </p:extLst>
+  </p:cSld>
+  <p:clrMapOvr>
+    <a:masterClrMapping/>
+  </p:clrMapOvr>
+</p:sld>
+</file>
+
+<file path=ppt/slides/slide16.xml><?xml version="1.0" encoding="utf-8"?>
+<p:sld xmlns:a="http://schemas.openxmlformats.org/drawingml/2006/main" xmlns:r="http://schemas.openxmlformats.org/officeDocument/2006/relationships" xmlns:p="http://schemas.openxmlformats.org/presentationml/2006/main">
+  <p:cSld>
+    <p:spTree>
+      <p:nvGrpSpPr>
+        <p:cNvPr id="1" name=""/>
+        <p:cNvGrpSpPr/>
+        <p:nvPr/>
+      </p:nvGrpSpPr>
+      <p:grpSpPr>
+        <a:xfrm>
+          <a:off x="0" y="0"/>
+          <a:ext cx="0" cy="0"/>
+          <a:chOff x="0" y="0"/>
+          <a:chExt cx="0" cy="0"/>
+        </a:xfrm>
+      </p:grpSpPr>
+      <p:sp>
+        <p:nvSpPr>
+          <p:cNvPr id="16" name="Rectangle 15">
+            <a:extLst>
+              <a:ext uri="{FF2B5EF4-FFF2-40B4-BE49-F238E27FC236}">
+                <a16:creationId xmlns:a16="http://schemas.microsoft.com/office/drawing/2014/main" id="{3CC93595-3AA9-4206-972A-3DAC160F4C16}"/>
+              </a:ext>
+            </a:extLst>
+          </p:cNvPr>
+          <p:cNvSpPr/>
+          <p:nvPr/>
+        </p:nvSpPr>
+        <p:spPr>
+          <a:xfrm>
+            <a:off x="971550" y="1543050"/>
+            <a:ext cx="10401300" cy="257175"/>
+          </a:xfrm>
+          <a:prstGeom prst="rect">
+            <a:avLst/>
+          </a:prstGeom>
+          <a:solidFill>
+            <a:schemeClr val="bg1"/>
+          </a:solidFill>
+          <a:ln>
+            <a:solidFill>
+              <a:schemeClr val="bg1"/>
+            </a:solidFill>
+          </a:ln>
+        </p:spPr>
+        <p:style>
+          <a:lnRef idx="2">
+            <a:schemeClr val="accent1">
+              <a:shade val="50000"/>
+            </a:schemeClr>
+          </a:lnRef>
+          <a:fillRef idx="1">
+            <a:schemeClr val="accent1"/>
+          </a:fillRef>
+          <a:effectRef idx="0">
+            <a:schemeClr val="accent1"/>
+          </a:effectRef>
+          <a:fontRef idx="minor">
+            <a:schemeClr val="lt1"/>
+          </a:fontRef>
+        </p:style>
+        <p:txBody>
+          <a:bodyPr rtlCol="0" anchor="ctr"/>
+          <a:lstStyle/>
+          <a:p>
+            <a:pPr algn="ctr"/>
+            <a:endParaRPr lang="en-US">
+              <a:ln>
+                <a:solidFill>
+                  <a:schemeClr val="bg1"/>
+                </a:solidFill>
+              </a:ln>
+            </a:endParaRPr>
+          </a:p>
+        </p:txBody>
+      </p:sp>
+      <p:sp>
+        <p:nvSpPr>
+          <p:cNvPr id="2" name="Title 1">
+            <a:extLst>
+              <a:ext uri="{FF2B5EF4-FFF2-40B4-BE49-F238E27FC236}">
+                <a16:creationId xmlns:a16="http://schemas.microsoft.com/office/drawing/2014/main" id="{92A9B60F-7F68-48F6-9FB9-2CF291C61653}"/>
+              </a:ext>
+            </a:extLst>
+          </p:cNvPr>
+          <p:cNvSpPr>
+            <a:spLocks noGrp="1"/>
+          </p:cNvSpPr>
+          <p:nvPr>
+            <p:ph type="title"/>
+          </p:nvPr>
+        </p:nvSpPr>
+        <p:spPr>
+          <a:xfrm>
+            <a:off x="1097280" y="286604"/>
+            <a:ext cx="10058400" cy="622608"/>
+          </a:xfrm>
+        </p:spPr>
+        <p:txBody>
+          <a:bodyPr>
+            <a:normAutofit fontScale="90000"/>
+          </a:bodyPr>
+          <a:lstStyle/>
+          <a:p>
+            <a:r>
+              <a:rPr lang="en-US" dirty="0"/>
+              <a:t>Next Steps</a:t>
+            </a:r>
+          </a:p>
+        </p:txBody>
+      </p:sp>
+      <p:sp>
+        <p:nvSpPr>
+          <p:cNvPr id="4" name="Rectangle 3">
+            <a:extLst>
+              <a:ext uri="{FF2B5EF4-FFF2-40B4-BE49-F238E27FC236}">
+                <a16:creationId xmlns:a16="http://schemas.microsoft.com/office/drawing/2014/main" id="{27678693-BBE0-41E4-9C41-F551D931A2B5}"/>
+              </a:ext>
+            </a:extLst>
+          </p:cNvPr>
+          <p:cNvSpPr/>
+          <p:nvPr/>
+        </p:nvSpPr>
+        <p:spPr>
+          <a:xfrm>
+            <a:off x="304165" y="1193641"/>
+            <a:ext cx="3517900" cy="1625759"/>
+          </a:xfrm>
+          <a:prstGeom prst="rect">
+            <a:avLst/>
+          </a:prstGeom>
+          <a:solidFill>
+            <a:schemeClr val="bg1">
+              <a:lumMod val="95000"/>
+            </a:schemeClr>
+          </a:solidFill>
+        </p:spPr>
+        <p:style>
+          <a:lnRef idx="2">
+            <a:schemeClr val="accent1">
+              <a:shade val="50000"/>
+            </a:schemeClr>
+          </a:lnRef>
+          <a:fillRef idx="1">
+            <a:schemeClr val="accent1"/>
+          </a:fillRef>
+          <a:effectRef idx="0">
+            <a:schemeClr val="accent1"/>
+          </a:effectRef>
+          <a:fontRef idx="minor">
+            <a:schemeClr val="lt1"/>
+          </a:fontRef>
+        </p:style>
+        <p:txBody>
+          <a:bodyPr rtlCol="0" anchor="ctr"/>
+          <a:lstStyle/>
+          <a:p>
+            <a:pPr algn="ctr"/>
+            <a:endParaRPr lang="en-US" sz="1600" dirty="0"/>
+          </a:p>
+        </p:txBody>
+      </p:sp>
+      <p:sp>
+        <p:nvSpPr>
+          <p:cNvPr id="5" name="Rectangle 4">
+            <a:extLst>
+              <a:ext uri="{FF2B5EF4-FFF2-40B4-BE49-F238E27FC236}">
+                <a16:creationId xmlns:a16="http://schemas.microsoft.com/office/drawing/2014/main" id="{3FACFDE9-4AB9-4A9F-960E-7C0140DA598C}"/>
+              </a:ext>
+            </a:extLst>
+          </p:cNvPr>
+          <p:cNvSpPr/>
+          <p:nvPr/>
+        </p:nvSpPr>
+        <p:spPr>
+          <a:xfrm>
+            <a:off x="4337050" y="1193641"/>
+            <a:ext cx="3517900" cy="1625759"/>
+          </a:xfrm>
+          <a:prstGeom prst="rect">
+            <a:avLst/>
+          </a:prstGeom>
+          <a:solidFill>
+            <a:schemeClr val="bg1">
+              <a:lumMod val="95000"/>
+            </a:schemeClr>
+          </a:solidFill>
+        </p:spPr>
+        <p:style>
+          <a:lnRef idx="2">
+            <a:schemeClr val="accent1">
+              <a:shade val="50000"/>
+            </a:schemeClr>
+          </a:lnRef>
+          <a:fillRef idx="1">
+            <a:schemeClr val="accent1"/>
+          </a:fillRef>
+          <a:effectRef idx="0">
+            <a:schemeClr val="accent1"/>
+          </a:effectRef>
+          <a:fontRef idx="minor">
+            <a:schemeClr val="lt1"/>
+          </a:fontRef>
+        </p:style>
+        <p:txBody>
+          <a:bodyPr rtlCol="0" anchor="ctr"/>
+          <a:lstStyle/>
+          <a:p>
+            <a:pPr algn="ctr"/>
+            <a:endParaRPr lang="en-US" sz="1600" dirty="0"/>
+          </a:p>
+        </p:txBody>
+      </p:sp>
+      <p:sp>
+        <p:nvSpPr>
+          <p:cNvPr id="6" name="Rectangle 5">
+            <a:extLst>
+              <a:ext uri="{FF2B5EF4-FFF2-40B4-BE49-F238E27FC236}">
+                <a16:creationId xmlns:a16="http://schemas.microsoft.com/office/drawing/2014/main" id="{4790EC81-6187-493A-8E26-C869A2988A4E}"/>
+              </a:ext>
+            </a:extLst>
+          </p:cNvPr>
+          <p:cNvSpPr/>
+          <p:nvPr/>
+        </p:nvSpPr>
+        <p:spPr>
+          <a:xfrm>
+            <a:off x="8369935" y="1193641"/>
+            <a:ext cx="3517900" cy="1625758"/>
+          </a:xfrm>
+          <a:prstGeom prst="rect">
+            <a:avLst/>
+          </a:prstGeom>
+          <a:solidFill>
+            <a:schemeClr val="bg1">
+              <a:lumMod val="95000"/>
+            </a:schemeClr>
+          </a:solidFill>
+        </p:spPr>
+        <p:style>
+          <a:lnRef idx="2">
+            <a:schemeClr val="accent1">
+              <a:shade val="50000"/>
+            </a:schemeClr>
+          </a:lnRef>
+          <a:fillRef idx="1">
+            <a:schemeClr val="accent1"/>
+          </a:fillRef>
+          <a:effectRef idx="0">
+            <a:schemeClr val="accent1"/>
+          </a:effectRef>
+          <a:fontRef idx="minor">
+            <a:schemeClr val="lt1"/>
+          </a:fontRef>
+        </p:style>
+        <p:txBody>
+          <a:bodyPr rtlCol="0" anchor="ctr"/>
+          <a:lstStyle/>
+          <a:p>
+            <a:pPr algn="ctr"/>
+            <a:endParaRPr lang="en-US" sz="1600" dirty="0"/>
+          </a:p>
+        </p:txBody>
+      </p:sp>
+      <p:sp>
+        <p:nvSpPr>
+          <p:cNvPr id="10" name="TextBox 9">
+            <a:extLst>
+              <a:ext uri="{FF2B5EF4-FFF2-40B4-BE49-F238E27FC236}">
+                <a16:creationId xmlns:a16="http://schemas.microsoft.com/office/drawing/2014/main" id="{8151ECB6-771A-41F2-9B75-F6D7485D1F36}"/>
+              </a:ext>
+            </a:extLst>
+          </p:cNvPr>
+          <p:cNvSpPr txBox="1"/>
+          <p:nvPr/>
+        </p:nvSpPr>
+        <p:spPr>
+          <a:xfrm>
+            <a:off x="544195" y="1508460"/>
+            <a:ext cx="3030220" cy="923330"/>
+          </a:xfrm>
+          <a:prstGeom prst="rect">
+            <a:avLst/>
+          </a:prstGeom>
+          <a:noFill/>
+        </p:spPr>
+        <p:txBody>
+          <a:bodyPr wrap="square" rtlCol="0">
+            <a:spAutoFit/>
+          </a:bodyPr>
+          <a:lstStyle/>
+          <a:p>
+            <a:pPr algn="ctr"/>
+            <a:r>
+              <a:rPr lang="en-US" dirty="0"/>
+              <a:t>How drastically did Covid affect apartment rental rates? Have rates fully recovered?</a:t>
+            </a:r>
+          </a:p>
+        </p:txBody>
+      </p:sp>
+      <p:sp>
+        <p:nvSpPr>
+          <p:cNvPr id="11" name="TextBox 10">
+            <a:extLst>
+              <a:ext uri="{FF2B5EF4-FFF2-40B4-BE49-F238E27FC236}">
+                <a16:creationId xmlns:a16="http://schemas.microsoft.com/office/drawing/2014/main" id="{65C2FC47-B642-4DEB-85B7-3BA4FDD484D0}"/>
+              </a:ext>
+            </a:extLst>
+          </p:cNvPr>
+          <p:cNvSpPr txBox="1"/>
+          <p:nvPr/>
+        </p:nvSpPr>
+        <p:spPr>
+          <a:xfrm>
+            <a:off x="4576847" y="1546955"/>
+            <a:ext cx="3030220" cy="923330"/>
+          </a:xfrm>
+          <a:prstGeom prst="rect">
+            <a:avLst/>
+          </a:prstGeom>
+          <a:noFill/>
+        </p:spPr>
+        <p:txBody>
+          <a:bodyPr wrap="square" rtlCol="0">
+            <a:spAutoFit/>
+          </a:bodyPr>
+          <a:lstStyle/>
+          <a:p>
+            <a:pPr algn="ctr"/>
+            <a:r>
+              <a:rPr lang="en-US" dirty="0"/>
+              <a:t>Which areas in New York City experienced the largest change in rates?</a:t>
+            </a:r>
+          </a:p>
+        </p:txBody>
+      </p:sp>
+      <p:sp>
+        <p:nvSpPr>
+          <p:cNvPr id="12" name="TextBox 11">
+            <a:extLst>
+              <a:ext uri="{FF2B5EF4-FFF2-40B4-BE49-F238E27FC236}">
+                <a16:creationId xmlns:a16="http://schemas.microsoft.com/office/drawing/2014/main" id="{DB55FAF1-051D-4CD8-9D47-0F8E762ED402}"/>
+              </a:ext>
+            </a:extLst>
+          </p:cNvPr>
+          <p:cNvSpPr txBox="1"/>
+          <p:nvPr/>
+        </p:nvSpPr>
+        <p:spPr>
+          <a:xfrm>
+            <a:off x="8674735" y="1546955"/>
+            <a:ext cx="3030220" cy="923330"/>
+          </a:xfrm>
+          <a:prstGeom prst="rect">
+            <a:avLst/>
+          </a:prstGeom>
+          <a:noFill/>
+        </p:spPr>
+        <p:txBody>
+          <a:bodyPr wrap="square" rtlCol="0">
+            <a:spAutoFit/>
+          </a:bodyPr>
+          <a:lstStyle/>
+          <a:p>
+            <a:pPr algn="ctr"/>
+            <a:r>
+              <a:rPr lang="en-US" dirty="0"/>
+              <a:t>Can characteristics of each area predict how rates will be affected?</a:t>
+            </a:r>
+          </a:p>
+        </p:txBody>
+      </p:sp>
+      <p:cxnSp>
+        <p:nvCxnSpPr>
+          <p:cNvPr id="18" name="Straight Connector 17">
+            <a:extLst>
+              <a:ext uri="{FF2B5EF4-FFF2-40B4-BE49-F238E27FC236}">
+                <a16:creationId xmlns:a16="http://schemas.microsoft.com/office/drawing/2014/main" id="{F3D700E7-2283-47FD-A0F7-3B66FA28B4FB}"/>
+              </a:ext>
+            </a:extLst>
+          </p:cNvPr>
+          <p:cNvCxnSpPr/>
+          <p:nvPr/>
+        </p:nvCxnSpPr>
+        <p:spPr>
+          <a:xfrm>
+            <a:off x="971550" y="909211"/>
+            <a:ext cx="10477500" cy="0"/>
+          </a:xfrm>
+          <a:prstGeom prst="line">
+            <a:avLst/>
+          </a:prstGeom>
+        </p:spPr>
+        <p:style>
+          <a:lnRef idx="1">
+            <a:schemeClr val="accent1"/>
+          </a:lnRef>
+          <a:fillRef idx="0">
+            <a:schemeClr val="accent1"/>
+          </a:fillRef>
+          <a:effectRef idx="0">
+            <a:schemeClr val="accent1"/>
+          </a:effectRef>
+          <a:fontRef idx="minor">
+            <a:schemeClr val="tx1"/>
+          </a:fontRef>
+        </p:style>
+      </p:cxnSp>
+      <p:sp>
+        <p:nvSpPr>
+          <p:cNvPr id="21" name="Arrow: Down 20">
+            <a:extLst>
+              <a:ext uri="{FF2B5EF4-FFF2-40B4-BE49-F238E27FC236}">
+                <a16:creationId xmlns:a16="http://schemas.microsoft.com/office/drawing/2014/main" id="{209423EB-813C-4F43-89BD-BC6026BCFA77}"/>
+              </a:ext>
+            </a:extLst>
+          </p:cNvPr>
+          <p:cNvSpPr/>
+          <p:nvPr/>
+        </p:nvSpPr>
+        <p:spPr>
+          <a:xfrm>
+            <a:off x="1863090" y="3044499"/>
+            <a:ext cx="400050" cy="765016"/>
+          </a:xfrm>
+          <a:prstGeom prst="downArrow">
+            <a:avLst/>
+          </a:prstGeom>
+        </p:spPr>
+        <p:style>
+          <a:lnRef idx="2">
+            <a:schemeClr val="accent1">
+              <a:shade val="50000"/>
+            </a:schemeClr>
+          </a:lnRef>
+          <a:fillRef idx="1">
+            <a:schemeClr val="accent1"/>
+          </a:fillRef>
+          <a:effectRef idx="0">
+            <a:schemeClr val="accent1"/>
+          </a:effectRef>
+          <a:fontRef idx="minor">
+            <a:schemeClr val="lt1"/>
+          </a:fontRef>
+        </p:style>
+        <p:txBody>
+          <a:bodyPr rtlCol="0" anchor="ctr"/>
+          <a:lstStyle/>
+          <a:p>
+            <a:pPr algn="ctr"/>
+            <a:endParaRPr lang="en-US"/>
+          </a:p>
+        </p:txBody>
+      </p:sp>
+      <p:sp>
+        <p:nvSpPr>
+          <p:cNvPr id="22" name="Rectangle 21">
+            <a:extLst>
+              <a:ext uri="{FF2B5EF4-FFF2-40B4-BE49-F238E27FC236}">
+                <a16:creationId xmlns:a16="http://schemas.microsoft.com/office/drawing/2014/main" id="{66B88F73-8FBF-496D-970D-F8699D65AE80}"/>
+              </a:ext>
+            </a:extLst>
+          </p:cNvPr>
+          <p:cNvSpPr/>
+          <p:nvPr/>
+        </p:nvSpPr>
+        <p:spPr>
+          <a:xfrm>
+            <a:off x="304165" y="3971925"/>
+            <a:ext cx="3517900" cy="2195985"/>
+          </a:xfrm>
+          <a:prstGeom prst="rect">
+            <a:avLst/>
+          </a:prstGeom>
+          <a:solidFill>
+            <a:schemeClr val="bg1">
+              <a:lumMod val="95000"/>
+            </a:schemeClr>
+          </a:solidFill>
+        </p:spPr>
+        <p:style>
+          <a:lnRef idx="2">
+            <a:schemeClr val="accent1">
+              <a:shade val="50000"/>
+            </a:schemeClr>
+          </a:lnRef>
+          <a:fillRef idx="1">
+            <a:schemeClr val="accent1"/>
+          </a:fillRef>
+          <a:effectRef idx="0">
+            <a:schemeClr val="accent1"/>
+          </a:effectRef>
+          <a:fontRef idx="minor">
+            <a:schemeClr val="lt1"/>
+          </a:fontRef>
+        </p:style>
+        <p:txBody>
+          <a:bodyPr rtlCol="0" anchor="ctr"/>
+          <a:lstStyle/>
+          <a:p>
+            <a:pPr algn="ctr"/>
+            <a:endParaRPr lang="en-US" sz="1600" dirty="0"/>
+          </a:p>
+        </p:txBody>
+      </p:sp>
+      <p:sp>
+        <p:nvSpPr>
+          <p:cNvPr id="34" name="Arrow: Down 33">
+            <a:extLst>
+              <a:ext uri="{FF2B5EF4-FFF2-40B4-BE49-F238E27FC236}">
+                <a16:creationId xmlns:a16="http://schemas.microsoft.com/office/drawing/2014/main" id="{577A0A53-671F-4C3B-ADF9-F338E30DB587}"/>
+              </a:ext>
+            </a:extLst>
+          </p:cNvPr>
+          <p:cNvSpPr/>
+          <p:nvPr/>
+        </p:nvSpPr>
+        <p:spPr>
+          <a:xfrm>
+            <a:off x="5926455" y="2997198"/>
+            <a:ext cx="400050" cy="765016"/>
+          </a:xfrm>
+          <a:prstGeom prst="downArrow">
+            <a:avLst/>
+          </a:prstGeom>
+        </p:spPr>
+        <p:style>
+          <a:lnRef idx="2">
+            <a:schemeClr val="accent1">
+              <a:shade val="50000"/>
+            </a:schemeClr>
+          </a:lnRef>
+          <a:fillRef idx="1">
+            <a:schemeClr val="accent1"/>
+          </a:fillRef>
+          <a:effectRef idx="0">
+            <a:schemeClr val="accent1"/>
+          </a:effectRef>
+          <a:fontRef idx="minor">
+            <a:schemeClr val="lt1"/>
+          </a:fontRef>
+        </p:style>
+        <p:txBody>
+          <a:bodyPr rtlCol="0" anchor="ctr"/>
+          <a:lstStyle/>
+          <a:p>
+            <a:pPr algn="ctr"/>
+            <a:endParaRPr lang="en-US"/>
+          </a:p>
+        </p:txBody>
+      </p:sp>
+      <p:sp>
+        <p:nvSpPr>
+          <p:cNvPr id="35" name="Rectangle 34">
+            <a:extLst>
+              <a:ext uri="{FF2B5EF4-FFF2-40B4-BE49-F238E27FC236}">
+                <a16:creationId xmlns:a16="http://schemas.microsoft.com/office/drawing/2014/main" id="{7D22C4F5-BD89-4FC0-B138-3766C640738D}"/>
+              </a:ext>
+            </a:extLst>
+          </p:cNvPr>
+          <p:cNvSpPr/>
+          <p:nvPr/>
+        </p:nvSpPr>
+        <p:spPr>
+          <a:xfrm>
+            <a:off x="4337685" y="3940013"/>
+            <a:ext cx="3517265" cy="2227898"/>
+          </a:xfrm>
+          <a:prstGeom prst="rect">
+            <a:avLst/>
+          </a:prstGeom>
+          <a:solidFill>
+            <a:schemeClr val="bg1">
+              <a:lumMod val="95000"/>
+            </a:schemeClr>
+          </a:solidFill>
+        </p:spPr>
+        <p:style>
+          <a:lnRef idx="2">
+            <a:schemeClr val="accent1">
+              <a:shade val="50000"/>
+            </a:schemeClr>
+          </a:lnRef>
+          <a:fillRef idx="1">
+            <a:schemeClr val="accent1"/>
+          </a:fillRef>
+          <a:effectRef idx="0">
+            <a:schemeClr val="accent1"/>
+          </a:effectRef>
+          <a:fontRef idx="minor">
+            <a:schemeClr val="lt1"/>
+          </a:fontRef>
+        </p:style>
+        <p:txBody>
+          <a:bodyPr rtlCol="0" anchor="ctr"/>
+          <a:lstStyle/>
+          <a:p>
+            <a:pPr algn="ctr"/>
+            <a:endParaRPr lang="en-US" sz="1600" dirty="0"/>
+          </a:p>
+        </p:txBody>
+      </p:sp>
+      <p:sp>
+        <p:nvSpPr>
+          <p:cNvPr id="38" name="Rectangle 37">
+            <a:extLst>
+              <a:ext uri="{FF2B5EF4-FFF2-40B4-BE49-F238E27FC236}">
+                <a16:creationId xmlns:a16="http://schemas.microsoft.com/office/drawing/2014/main" id="{46B206B1-CE19-4740-96FE-E4A31462ADB5}"/>
+              </a:ext>
+            </a:extLst>
+          </p:cNvPr>
+          <p:cNvSpPr/>
+          <p:nvPr/>
+        </p:nvSpPr>
+        <p:spPr>
+          <a:xfrm>
+            <a:off x="8369935" y="3971925"/>
+            <a:ext cx="3517900" cy="2195985"/>
+          </a:xfrm>
+          <a:prstGeom prst="rect">
+            <a:avLst/>
+          </a:prstGeom>
+          <a:solidFill>
+            <a:schemeClr val="bg1">
+              <a:lumMod val="95000"/>
+            </a:schemeClr>
+          </a:solidFill>
+        </p:spPr>
+        <p:style>
+          <a:lnRef idx="2">
+            <a:schemeClr val="accent1">
+              <a:shade val="50000"/>
+            </a:schemeClr>
+          </a:lnRef>
+          <a:fillRef idx="1">
+            <a:schemeClr val="accent1"/>
+          </a:fillRef>
+          <a:effectRef idx="0">
+            <a:schemeClr val="accent1"/>
+          </a:effectRef>
+          <a:fontRef idx="minor">
+            <a:schemeClr val="lt1"/>
+          </a:fontRef>
+        </p:style>
+        <p:txBody>
+          <a:bodyPr rtlCol="0" anchor="ctr"/>
+          <a:lstStyle/>
+          <a:p>
+            <a:pPr algn="ctr"/>
+            <a:endParaRPr lang="en-US" sz="1600" dirty="0"/>
+          </a:p>
+        </p:txBody>
+      </p:sp>
+      <p:sp>
+        <p:nvSpPr>
+          <p:cNvPr id="39" name="Arrow: Down 38">
+            <a:extLst>
+              <a:ext uri="{FF2B5EF4-FFF2-40B4-BE49-F238E27FC236}">
+                <a16:creationId xmlns:a16="http://schemas.microsoft.com/office/drawing/2014/main" id="{64E73528-2974-43F5-8D79-191DD501E2A6}"/>
+              </a:ext>
+            </a:extLst>
+          </p:cNvPr>
+          <p:cNvSpPr/>
+          <p:nvPr/>
+        </p:nvSpPr>
+        <p:spPr>
+          <a:xfrm>
+            <a:off x="9989820" y="2997198"/>
+            <a:ext cx="400050" cy="765016"/>
+          </a:xfrm>
+          <a:prstGeom prst="downArrow">
+            <a:avLst/>
+          </a:prstGeom>
+        </p:spPr>
+        <p:style>
+          <a:lnRef idx="2">
+            <a:schemeClr val="accent1">
+              <a:shade val="50000"/>
+            </a:schemeClr>
+          </a:lnRef>
+          <a:fillRef idx="1">
+            <a:schemeClr val="accent1"/>
+          </a:fillRef>
+          <a:effectRef idx="0">
+            <a:schemeClr val="accent1"/>
+          </a:effectRef>
+          <a:fontRef idx="minor">
+            <a:schemeClr val="lt1"/>
+          </a:fontRef>
+        </p:style>
+        <p:txBody>
+          <a:bodyPr rtlCol="0" anchor="ctr"/>
+          <a:lstStyle/>
+          <a:p>
+            <a:pPr algn="ctr"/>
+            <a:endParaRPr lang="en-US"/>
+          </a:p>
+        </p:txBody>
+      </p:sp>
+      <p:sp>
+        <p:nvSpPr>
+          <p:cNvPr id="30" name="TextBox 29">
+            <a:extLst>
+              <a:ext uri="{FF2B5EF4-FFF2-40B4-BE49-F238E27FC236}">
+                <a16:creationId xmlns:a16="http://schemas.microsoft.com/office/drawing/2014/main" id="{169F26FB-D974-4E31-93FB-F647C2E3E906}"/>
+              </a:ext>
+            </a:extLst>
+          </p:cNvPr>
+          <p:cNvSpPr txBox="1"/>
+          <p:nvPr/>
+        </p:nvSpPr>
+        <p:spPr>
+          <a:xfrm>
+            <a:off x="304166" y="4069071"/>
+            <a:ext cx="3517900" cy="369332"/>
+          </a:xfrm>
+          <a:prstGeom prst="rect">
+            <a:avLst/>
+          </a:prstGeom>
+          <a:noFill/>
+        </p:spPr>
+        <p:txBody>
+          <a:bodyPr wrap="square" rtlCol="0">
+            <a:spAutoFit/>
+          </a:bodyPr>
+          <a:lstStyle/>
+          <a:p>
+            <a:pPr algn="ctr"/>
+            <a:r>
+              <a:rPr lang="en-US" b="1" dirty="0"/>
+              <a:t>Further Questions</a:t>
+            </a:r>
+          </a:p>
+        </p:txBody>
+      </p:sp>
+      <p:sp>
+        <p:nvSpPr>
+          <p:cNvPr id="31" name="TextBox 30">
+            <a:extLst>
+              <a:ext uri="{FF2B5EF4-FFF2-40B4-BE49-F238E27FC236}">
+                <a16:creationId xmlns:a16="http://schemas.microsoft.com/office/drawing/2014/main" id="{436EE91C-242E-412A-8368-C79EE1BC5C0F}"/>
+              </a:ext>
+            </a:extLst>
+          </p:cNvPr>
+          <p:cNvSpPr txBox="1"/>
+          <p:nvPr/>
+        </p:nvSpPr>
+        <p:spPr>
+          <a:xfrm>
+            <a:off x="304164" y="4503471"/>
+            <a:ext cx="3517265" cy="1569660"/>
+          </a:xfrm>
+          <a:prstGeom prst="rect">
+            <a:avLst/>
+          </a:prstGeom>
+          <a:noFill/>
+        </p:spPr>
+        <p:txBody>
+          <a:bodyPr wrap="square" rtlCol="0">
+            <a:spAutoFit/>
+          </a:bodyPr>
+          <a:lstStyle/>
+          <a:p>
+            <a:pPr marL="285750" indent="-285750">
+              <a:buFont typeface="Arial" panose="020B0604020202020204" pitchFamily="34" charset="0"/>
+              <a:buChar char="•"/>
+            </a:pPr>
+            <a:r>
+              <a:rPr lang="en-US" sz="1600" dirty="0"/>
+              <a:t>Which type of apartments experienced the biggest changes? </a:t>
+            </a:r>
+          </a:p>
+          <a:p>
+            <a:pPr marL="285750" indent="-285750">
+              <a:buFont typeface="Arial" panose="020B0604020202020204" pitchFamily="34" charset="0"/>
+              <a:buChar char="•"/>
+            </a:pPr>
+            <a:endParaRPr lang="en-US" sz="1600" dirty="0"/>
+          </a:p>
+          <a:p>
+            <a:pPr marL="285750" indent="-285750">
+              <a:buFont typeface="Arial" panose="020B0604020202020204" pitchFamily="34" charset="0"/>
+              <a:buChar char="•"/>
+            </a:pPr>
+            <a:r>
+              <a:rPr lang="en-US" sz="1600" dirty="0"/>
+              <a:t>Are there certain factors (such as sq footage, # of bedrooms, etc.) that can help predict recovery?</a:t>
+            </a:r>
+          </a:p>
+        </p:txBody>
+      </p:sp>
+      <p:sp>
+        <p:nvSpPr>
+          <p:cNvPr id="37" name="TextBox 36">
+            <a:extLst>
+              <a:ext uri="{FF2B5EF4-FFF2-40B4-BE49-F238E27FC236}">
+                <a16:creationId xmlns:a16="http://schemas.microsoft.com/office/drawing/2014/main" id="{9C66602F-5DC2-41D0-894B-AEEE2BD59971}"/>
+              </a:ext>
+            </a:extLst>
+          </p:cNvPr>
+          <p:cNvSpPr txBox="1"/>
+          <p:nvPr/>
+        </p:nvSpPr>
+        <p:spPr>
+          <a:xfrm>
+            <a:off x="4337050" y="4070312"/>
+            <a:ext cx="3517900" cy="369332"/>
+          </a:xfrm>
+          <a:prstGeom prst="rect">
+            <a:avLst/>
+          </a:prstGeom>
+          <a:noFill/>
+        </p:spPr>
+        <p:txBody>
+          <a:bodyPr wrap="square" rtlCol="0">
+            <a:spAutoFit/>
+          </a:bodyPr>
+          <a:lstStyle/>
+          <a:p>
+            <a:pPr algn="ctr"/>
+            <a:r>
+              <a:rPr lang="en-US" b="1" dirty="0"/>
+              <a:t>Further Questions</a:t>
+            </a:r>
+          </a:p>
+        </p:txBody>
+      </p:sp>
+      <p:sp>
+        <p:nvSpPr>
+          <p:cNvPr id="40" name="TextBox 39">
+            <a:extLst>
+              <a:ext uri="{FF2B5EF4-FFF2-40B4-BE49-F238E27FC236}">
+                <a16:creationId xmlns:a16="http://schemas.microsoft.com/office/drawing/2014/main" id="{0B68EE7C-5287-4D2A-8F9B-3701DF205C63}"/>
+              </a:ext>
+            </a:extLst>
+          </p:cNvPr>
+          <p:cNvSpPr txBox="1"/>
+          <p:nvPr/>
+        </p:nvSpPr>
+        <p:spPr>
+          <a:xfrm>
+            <a:off x="4337048" y="4504712"/>
+            <a:ext cx="3517265" cy="830997"/>
+          </a:xfrm>
+          <a:prstGeom prst="rect">
+            <a:avLst/>
+          </a:prstGeom>
+          <a:noFill/>
+        </p:spPr>
+        <p:txBody>
+          <a:bodyPr wrap="square" rtlCol="0">
+            <a:spAutoFit/>
+          </a:bodyPr>
+          <a:lstStyle/>
+          <a:p>
+            <a:pPr marL="285750" indent="-285750">
+              <a:buFont typeface="Arial" panose="020B0604020202020204" pitchFamily="34" charset="0"/>
+              <a:buChar char="•"/>
+            </a:pPr>
+            <a:r>
+              <a:rPr lang="en-US" sz="1600" dirty="0"/>
+              <a:t>Will rents continue to increase in boroughs that have surpassed pre-covid median rents?</a:t>
+            </a:r>
+          </a:p>
+        </p:txBody>
+      </p:sp>
+      <p:sp>
+        <p:nvSpPr>
+          <p:cNvPr id="41" name="TextBox 40">
+            <a:extLst>
+              <a:ext uri="{FF2B5EF4-FFF2-40B4-BE49-F238E27FC236}">
+                <a16:creationId xmlns:a16="http://schemas.microsoft.com/office/drawing/2014/main" id="{467556AF-75A0-4B8F-890E-A8137FCB4664}"/>
+              </a:ext>
+            </a:extLst>
+          </p:cNvPr>
+          <p:cNvSpPr txBox="1"/>
+          <p:nvPr/>
+        </p:nvSpPr>
+        <p:spPr>
+          <a:xfrm>
+            <a:off x="8370571" y="4070312"/>
+            <a:ext cx="3517900" cy="369332"/>
+          </a:xfrm>
+          <a:prstGeom prst="rect">
+            <a:avLst/>
+          </a:prstGeom>
+          <a:noFill/>
+        </p:spPr>
+        <p:txBody>
+          <a:bodyPr wrap="square" rtlCol="0">
+            <a:spAutoFit/>
+          </a:bodyPr>
+          <a:lstStyle/>
+          <a:p>
+            <a:pPr algn="ctr"/>
+            <a:r>
+              <a:rPr lang="en-US" b="1" dirty="0"/>
+              <a:t>Further Questions</a:t>
+            </a:r>
+          </a:p>
+        </p:txBody>
+      </p:sp>
+      <p:sp>
+        <p:nvSpPr>
+          <p:cNvPr id="42" name="TextBox 41">
+            <a:extLst>
+              <a:ext uri="{FF2B5EF4-FFF2-40B4-BE49-F238E27FC236}">
+                <a16:creationId xmlns:a16="http://schemas.microsoft.com/office/drawing/2014/main" id="{E5E56559-A2F2-4ECE-8253-A362417FF564}"/>
+              </a:ext>
+            </a:extLst>
+          </p:cNvPr>
+          <p:cNvSpPr txBox="1"/>
+          <p:nvPr/>
+        </p:nvSpPr>
+        <p:spPr>
+          <a:xfrm>
+            <a:off x="8370569" y="4504712"/>
+            <a:ext cx="3517265" cy="1569660"/>
+          </a:xfrm>
+          <a:prstGeom prst="rect">
+            <a:avLst/>
+          </a:prstGeom>
+          <a:noFill/>
+        </p:spPr>
+        <p:txBody>
+          <a:bodyPr wrap="square" rtlCol="0">
+            <a:spAutoFit/>
+          </a:bodyPr>
+          <a:lstStyle/>
+          <a:p>
+            <a:pPr marL="285750" indent="-285750">
+              <a:buFont typeface="Arial" panose="020B0604020202020204" pitchFamily="34" charset="0"/>
+              <a:buChar char="•"/>
+            </a:pPr>
+            <a:r>
+              <a:rPr lang="en-US" sz="1600" dirty="0"/>
+              <a:t>What other data can be incorporated to determine how areas will recover? </a:t>
+            </a:r>
+          </a:p>
+          <a:p>
+            <a:pPr marL="285750" indent="-285750">
+              <a:buFont typeface="Arial" panose="020B0604020202020204" pitchFamily="34" charset="0"/>
+              <a:buChar char="•"/>
+            </a:pPr>
+            <a:endParaRPr lang="en-US" sz="1600" dirty="0"/>
+          </a:p>
+          <a:p>
+            <a:pPr marL="285750" indent="-285750">
+              <a:buFont typeface="Arial" panose="020B0604020202020204" pitchFamily="34" charset="0"/>
+              <a:buChar char="•"/>
+            </a:pPr>
+            <a:r>
+              <a:rPr lang="en-US" sz="1600" dirty="0"/>
+              <a:t>How can we increase the sample size for more accurate correlations?</a:t>
+            </a:r>
+          </a:p>
+        </p:txBody>
+      </p:sp>
+    </p:spTree>
+    <p:extLst>
+      <p:ext uri="{BB962C8B-B14F-4D97-AF65-F5344CB8AC3E}">
+        <p14:creationId xmlns:p14="http://schemas.microsoft.com/office/powerpoint/2010/main" val="1217554866"/>
+      </p:ext>
+    </p:extLst>
+  </p:cSld>
+  <p:clrMapOvr>
+    <a:masterClrMapping/>
+  </p:clrMapOvr>
+</p:sld>
+</file>
+
+<file path=ppt/slides/slide17.xml><?xml version="1.0" encoding="utf-8"?>
+<p:sld xmlns:a="http://schemas.openxmlformats.org/drawingml/2006/main" xmlns:r="http://schemas.openxmlformats.org/officeDocument/2006/relationships" xmlns:p="http://schemas.openxmlformats.org/presentationml/2006/main">
+  <p:cSld>
+    <p:spTree>
+      <p:nvGrpSpPr>
+        <p:cNvPr id="1" name=""/>
+        <p:cNvGrpSpPr/>
+        <p:nvPr/>
+      </p:nvGrpSpPr>
+      <p:grpSpPr>
+        <a:xfrm>
+          <a:off x="0" y="0"/>
+          <a:ext cx="0" cy="0"/>
+          <a:chOff x="0" y="0"/>
+          <a:chExt cx="0" cy="0"/>
+        </a:xfrm>
+      </p:grpSpPr>
+      <p:pic>
+        <p:nvPicPr>
+          <p:cNvPr id="5" name="Picture 4" descr="A city skyline with the moon in the sky&#10;&#10;Description automatically generated with medium confidence">
+            <a:extLst>
+              <a:ext uri="{FF2B5EF4-FFF2-40B4-BE49-F238E27FC236}">
+                <a16:creationId xmlns:a16="http://schemas.microsoft.com/office/drawing/2014/main" id="{D83CA2FA-C446-4171-A912-A55038838539}"/>
+              </a:ext>
+            </a:extLst>
+          </p:cNvPr>
+          <p:cNvPicPr>
+            <a:picLocks noChangeAspect="1"/>
+          </p:cNvPicPr>
+          <p:nvPr/>
+        </p:nvPicPr>
+        <p:blipFill rotWithShape="1">
+          <a:blip r:embed="rId2">
+            <a:duotone>
+              <a:schemeClr val="bg2">
+                <a:shade val="45000"/>
+                <a:satMod val="135000"/>
+              </a:schemeClr>
+              <a:prstClr val="white"/>
+            </a:duotone>
+            <a:alphaModFix amt="35000"/>
+            <a:extLst>
+              <a:ext uri="{28A0092B-C50C-407E-A947-70E740481C1C}">
+                <a14:useLocalDpi xmlns:a14="http://schemas.microsoft.com/office/drawing/2010/main" val="0"/>
+              </a:ext>
+            </a:extLst>
+          </a:blip>
+          <a:srcRect t="7407"/>
+          <a:stretch/>
+        </p:blipFill>
+        <p:spPr>
+          <a:xfrm>
+            <a:off x="20" y="10"/>
+            <a:ext cx="12191980" cy="6857990"/>
+          </a:xfrm>
+          <a:prstGeom prst="rect">
+            <a:avLst/>
+          </a:prstGeom>
+        </p:spPr>
+      </p:pic>
+      <p:sp>
+        <p:nvSpPr>
+          <p:cNvPr id="2" name="Title 1">
+            <a:extLst>
+              <a:ext uri="{FF2B5EF4-FFF2-40B4-BE49-F238E27FC236}">
+                <a16:creationId xmlns:a16="http://schemas.microsoft.com/office/drawing/2014/main" id="{50C20EFB-EDCA-46D1-B290-0B0256AF1B15}"/>
+              </a:ext>
+            </a:extLst>
+          </p:cNvPr>
+          <p:cNvSpPr>
+            <a:spLocks noGrp="1"/>
+          </p:cNvSpPr>
+          <p:nvPr>
+            <p:ph type="ctrTitle"/>
+          </p:nvPr>
+        </p:nvSpPr>
+        <p:spPr/>
+        <p:txBody>
+          <a:bodyPr>
+            <a:normAutofit/>
+          </a:bodyPr>
+          <a:lstStyle/>
+          <a:p>
+            <a:r>
+              <a:rPr lang="en-US" dirty="0"/>
+              <a:t>Questions</a:t>
+            </a:r>
+          </a:p>
+        </p:txBody>
+      </p:sp>
+    </p:spTree>
+    <p:extLst>
+      <p:ext uri="{BB962C8B-B14F-4D97-AF65-F5344CB8AC3E}">
+        <p14:creationId xmlns:p14="http://schemas.microsoft.com/office/powerpoint/2010/main" val="3130817212"/>
       </p:ext>
     </p:extLst>
   </p:cSld>

--- a/Covid-19 and the NYC Apartment Market.pptx
+++ b/Covid-19 and the NYC Apartment Market.pptx
@@ -144,7 +144,7 @@
   <pc:docChgLst>
     <pc:chgData name="jack copeland" userId="c1f67f945e5b5c42" providerId="LiveId" clId="{61313348-D28B-4C2B-88EF-82071CA11326}"/>
     <pc:docChg chg="undo redo custSel addSld delSld modSld sldOrd">
-      <pc:chgData name="jack copeland" userId="c1f67f945e5b5c42" providerId="LiveId" clId="{61313348-D28B-4C2B-88EF-82071CA11326}" dt="2021-10-17T17:20:02.066" v="3186" actId="14826"/>
+      <pc:chgData name="jack copeland" userId="c1f67f945e5b5c42" providerId="LiveId" clId="{61313348-D28B-4C2B-88EF-82071CA11326}" dt="2021-10-17T22:10:03.982" v="3440" actId="20577"/>
       <pc:docMkLst>
         <pc:docMk/>
       </pc:docMkLst>
@@ -1234,7 +1234,7 @@
         </pc:cxnChg>
       </pc:sldChg>
       <pc:sldChg chg="addSp delSp modSp add mod setBg">
-        <pc:chgData name="jack copeland" userId="c1f67f945e5b5c42" providerId="LiveId" clId="{61313348-D28B-4C2B-88EF-82071CA11326}" dt="2021-10-17T17:20:02.066" v="3186" actId="14826"/>
+        <pc:chgData name="jack copeland" userId="c1f67f945e5b5c42" providerId="LiveId" clId="{61313348-D28B-4C2B-88EF-82071CA11326}" dt="2021-10-17T22:10:03.982" v="3440" actId="20577"/>
         <pc:sldMkLst>
           <pc:docMk/>
           <pc:sldMk cId="2398329897" sldId="268"/>
@@ -1288,7 +1288,7 @@
           </ac:spMkLst>
         </pc:spChg>
         <pc:spChg chg="add mod">
-          <ac:chgData name="jack copeland" userId="c1f67f945e5b5c42" providerId="LiveId" clId="{61313348-D28B-4C2B-88EF-82071CA11326}" dt="2021-10-15T20:02:09.486" v="1828" actId="20577"/>
+          <ac:chgData name="jack copeland" userId="c1f67f945e5b5c42" providerId="LiveId" clId="{61313348-D28B-4C2B-88EF-82071CA11326}" dt="2021-10-17T22:10:03.982" v="3440" actId="20577"/>
           <ac:spMkLst>
             <pc:docMk/>
             <pc:sldMk cId="2398329897" sldId="268"/>
@@ -27931,6 +27931,113 @@
             </a:endParaRPr>
           </a:p>
           <a:p>
+            <a:pPr marL="285750" indent="-285750">
+              <a:buFont typeface="Arial" panose="020B0604020202020204" pitchFamily="34" charset="0"/>
+              <a:buChar char="•"/>
+            </a:pPr>
+            <a:r>
+              <a:rPr lang="en-US" sz="1600" dirty="0">
+                <a:solidFill>
+                  <a:schemeClr val="tx1"/>
+                </a:solidFill>
+              </a:rPr>
+              <a:t>Highest correlations to drop in rental prices:</a:t>
+            </a:r>
+          </a:p>
+          <a:p>
+            <a:pPr marL="742950" lvl="1" indent="-285750">
+              <a:buFont typeface="Arial" panose="020B0604020202020204" pitchFamily="34" charset="0"/>
+              <a:buChar char="•"/>
+            </a:pPr>
+            <a:r>
+              <a:rPr lang="en-US" sz="1600" dirty="0">
+                <a:solidFill>
+                  <a:schemeClr val="tx1"/>
+                </a:solidFill>
+              </a:rPr>
+              <a:t>Pre-Covid Rent</a:t>
+            </a:r>
+          </a:p>
+          <a:p>
+            <a:pPr marL="1200150" lvl="2" indent="-285750">
+              <a:buFont typeface="Arial" panose="020B0604020202020204" pitchFamily="34" charset="0"/>
+              <a:buChar char="•"/>
+            </a:pPr>
+            <a:r>
+              <a:rPr lang="en-US" sz="1600" dirty="0">
+                <a:solidFill>
+                  <a:schemeClr val="tx1"/>
+                </a:solidFill>
+              </a:rPr>
+              <a:t>The more expensive, the greater the decline</a:t>
+            </a:r>
+          </a:p>
+          <a:p>
+            <a:pPr marL="742950" lvl="1" indent="-285750">
+              <a:buFont typeface="Arial" panose="020B0604020202020204" pitchFamily="34" charset="0"/>
+              <a:buChar char="•"/>
+            </a:pPr>
+            <a:r>
+              <a:rPr lang="en-US" sz="1600" dirty="0">
+                <a:solidFill>
+                  <a:schemeClr val="tx1"/>
+                </a:solidFill>
+              </a:rPr>
+              <a:t>Total Housing Units in 2020</a:t>
+            </a:r>
+          </a:p>
+          <a:p>
+            <a:pPr marL="285750" indent="-285750">
+              <a:buFont typeface="Arial" panose="020B0604020202020204" pitchFamily="34" charset="0"/>
+              <a:buChar char="•"/>
+            </a:pPr>
+            <a:endParaRPr lang="en-US" sz="1600" dirty="0">
+              <a:solidFill>
+                <a:schemeClr val="tx1"/>
+              </a:solidFill>
+            </a:endParaRPr>
+          </a:p>
+          <a:p>
+            <a:pPr marL="285750" indent="-285750">
+              <a:buFont typeface="Arial" panose="020B0604020202020204" pitchFamily="34" charset="0"/>
+              <a:buChar char="•"/>
+            </a:pPr>
+            <a:r>
+              <a:rPr lang="en-US" sz="1600" dirty="0">
+                <a:solidFill>
+                  <a:schemeClr val="tx1"/>
+                </a:solidFill>
+              </a:rPr>
+              <a:t>Lowest correlations to drop in rental prices:</a:t>
+            </a:r>
+          </a:p>
+          <a:p>
+            <a:pPr marL="742950" lvl="1" indent="-285750">
+              <a:buFont typeface="Arial" panose="020B0604020202020204" pitchFamily="34" charset="0"/>
+              <a:buChar char="•"/>
+            </a:pPr>
+            <a:r>
+              <a:rPr lang="en-US" sz="1600" dirty="0">
+                <a:solidFill>
+                  <a:schemeClr val="tx1"/>
+                </a:solidFill>
+              </a:rPr>
+              <a:t>Total Covid cases</a:t>
+            </a:r>
+          </a:p>
+          <a:p>
+            <a:pPr marL="742950" lvl="1" indent="-285750">
+              <a:buFont typeface="Arial" panose="020B0604020202020204" pitchFamily="34" charset="0"/>
+              <a:buChar char="•"/>
+            </a:pPr>
+            <a:r>
+              <a:rPr lang="en-US" sz="1600">
+                <a:solidFill>
+                  <a:schemeClr val="tx1"/>
+                </a:solidFill>
+              </a:rPr>
+              <a:t>Population under 18</a:t>
+            </a:r>
             <a:endParaRPr lang="en-US" sz="1600" dirty="0">
               <a:solidFill>
                 <a:schemeClr val="tx1"/>

--- a/Covid-19 and the NYC Apartment Market.pptx
+++ b/Covid-19 and the NYC Apartment Market.pptx
@@ -5,26 +5,27 @@
     <p:sldMasterId id="2147483799" r:id="rId1"/>
   </p:sldMasterIdLst>
   <p:notesMasterIdLst>
-    <p:notesMasterId r:id="rId19"/>
+    <p:notesMasterId r:id="rId20"/>
   </p:notesMasterIdLst>
   <p:sldIdLst>
     <p:sldId id="256" r:id="rId2"/>
     <p:sldId id="257" r:id="rId3"/>
-    <p:sldId id="258" r:id="rId4"/>
-    <p:sldId id="259" r:id="rId5"/>
-    <p:sldId id="260" r:id="rId6"/>
-    <p:sldId id="261" r:id="rId7"/>
-    <p:sldId id="262" r:id="rId8"/>
-    <p:sldId id="263" r:id="rId9"/>
-    <p:sldId id="264" r:id="rId10"/>
-    <p:sldId id="267" r:id="rId11"/>
-    <p:sldId id="266" r:id="rId12"/>
-    <p:sldId id="268" r:id="rId13"/>
-    <p:sldId id="269" r:id="rId14"/>
-    <p:sldId id="270" r:id="rId15"/>
-    <p:sldId id="271" r:id="rId16"/>
-    <p:sldId id="273" r:id="rId17"/>
-    <p:sldId id="274" r:id="rId18"/>
+    <p:sldId id="275" r:id="rId4"/>
+    <p:sldId id="258" r:id="rId5"/>
+    <p:sldId id="259" r:id="rId6"/>
+    <p:sldId id="260" r:id="rId7"/>
+    <p:sldId id="261" r:id="rId8"/>
+    <p:sldId id="262" r:id="rId9"/>
+    <p:sldId id="263" r:id="rId10"/>
+    <p:sldId id="264" r:id="rId11"/>
+    <p:sldId id="267" r:id="rId12"/>
+    <p:sldId id="266" r:id="rId13"/>
+    <p:sldId id="268" r:id="rId14"/>
+    <p:sldId id="269" r:id="rId15"/>
+    <p:sldId id="270" r:id="rId16"/>
+    <p:sldId id="271" r:id="rId17"/>
+    <p:sldId id="273" r:id="rId18"/>
+    <p:sldId id="274" r:id="rId19"/>
   </p:sldIdLst>
   <p:sldSz cx="12192000" cy="6858000"/>
   <p:notesSz cx="6858000" cy="9144000"/>
@@ -134,7 +135,7 @@
 <file path=ppt/revisionInfo.xml><?xml version="1.0" encoding="utf-8"?>
 <p1510:revInfo xmlns:a="http://schemas.openxmlformats.org/drawingml/2006/main" xmlns:r="http://schemas.openxmlformats.org/officeDocument/2006/relationships" xmlns:p1510="http://schemas.microsoft.com/office/powerpoint/2015/10/main">
   <p1510:revLst>
-    <p1510:client id="{61313348-D28B-4C2B-88EF-82071CA11326}" v="79" dt="2021-10-17T17:20:02.068"/>
+    <p1510:client id="{61313348-D28B-4C2B-88EF-82071CA11326}" v="90" dt="2021-10-18T19:31:02.859"/>
   </p1510:revLst>
 </p1510:revInfo>
 </file>
@@ -144,18 +145,34 @@
   <pc:docChgLst>
     <pc:chgData name="jack copeland" userId="c1f67f945e5b5c42" providerId="LiveId" clId="{61313348-D28B-4C2B-88EF-82071CA11326}"/>
     <pc:docChg chg="undo redo custSel addSld delSld modSld sldOrd">
-      <pc:chgData name="jack copeland" userId="c1f67f945e5b5c42" providerId="LiveId" clId="{61313348-D28B-4C2B-88EF-82071CA11326}" dt="2021-10-17T22:10:03.982" v="3440" actId="20577"/>
+      <pc:chgData name="jack copeland" userId="c1f67f945e5b5c42" providerId="LiveId" clId="{61313348-D28B-4C2B-88EF-82071CA11326}" dt="2021-10-18T20:25:51.532" v="3607" actId="1076"/>
       <pc:docMkLst>
         <pc:docMk/>
       </pc:docMkLst>
-      <pc:sldChg chg="modSp">
-        <pc:chgData name="jack copeland" userId="c1f67f945e5b5c42" providerId="LiveId" clId="{61313348-D28B-4C2B-88EF-82071CA11326}" dt="2021-10-17T15:48:23.812" v="1834" actId="207"/>
+      <pc:sldChg chg="addSp delSp modSp">
+        <pc:chgData name="jack copeland" userId="c1f67f945e5b5c42" providerId="LiveId" clId="{61313348-D28B-4C2B-88EF-82071CA11326}" dt="2021-10-18T19:15:22.918" v="3557" actId="207"/>
         <pc:sldMkLst>
           <pc:docMk/>
           <pc:sldMk cId="2410825078" sldId="257"/>
         </pc:sldMkLst>
+        <pc:spChg chg="add del mod">
+          <ac:chgData name="jack copeland" userId="c1f67f945e5b5c42" providerId="LiveId" clId="{61313348-D28B-4C2B-88EF-82071CA11326}" dt="2021-10-18T19:15:16.812" v="3555"/>
+          <ac:spMkLst>
+            <pc:docMk/>
+            <pc:sldMk cId="2410825078" sldId="257"/>
+            <ac:spMk id="5" creationId="{EF26B25A-3092-49E9-B2F0-4A2D4CA6B4E3}"/>
+          </ac:spMkLst>
+        </pc:spChg>
+        <pc:spChg chg="add del mod">
+          <ac:chgData name="jack copeland" userId="c1f67f945e5b5c42" providerId="LiveId" clId="{61313348-D28B-4C2B-88EF-82071CA11326}" dt="2021-10-18T19:15:16.812" v="3555"/>
+          <ac:spMkLst>
+            <pc:docMk/>
+            <pc:sldMk cId="2410825078" sldId="257"/>
+            <ac:spMk id="6" creationId="{1AA890CA-7BC7-412C-BDC2-C995842825F8}"/>
+          </ac:spMkLst>
+        </pc:spChg>
         <pc:graphicFrameChg chg="mod">
-          <ac:chgData name="jack copeland" userId="c1f67f945e5b5c42" providerId="LiveId" clId="{61313348-D28B-4C2B-88EF-82071CA11326}" dt="2021-10-17T15:48:23.812" v="1834" actId="207"/>
+          <ac:chgData name="jack copeland" userId="c1f67f945e5b5c42" providerId="LiveId" clId="{61313348-D28B-4C2B-88EF-82071CA11326}" dt="2021-10-18T19:15:22.918" v="3557" actId="207"/>
           <ac:graphicFrameMkLst>
             <pc:docMk/>
             <pc:sldMk cId="2410825078" sldId="257"/>
@@ -163,8 +180,8 @@
           </ac:graphicFrameMkLst>
         </pc:graphicFrameChg>
       </pc:sldChg>
-      <pc:sldChg chg="addSp modSp mod">
-        <pc:chgData name="jack copeland" userId="c1f67f945e5b5c42" providerId="LiveId" clId="{61313348-D28B-4C2B-88EF-82071CA11326}" dt="2021-10-17T15:50:17.643" v="1896" actId="1076"/>
+      <pc:sldChg chg="addSp delSp modSp mod modAnim">
+        <pc:chgData name="jack copeland" userId="c1f67f945e5b5c42" providerId="LiveId" clId="{61313348-D28B-4C2B-88EF-82071CA11326}" dt="2021-10-18T19:28:40.530" v="3589" actId="1076"/>
         <pc:sldMkLst>
           <pc:docMk/>
           <pc:sldMk cId="2137121050" sldId="258"/>
@@ -175,6 +192,14 @@
             <pc:docMk/>
             <pc:sldMk cId="2137121050" sldId="258"/>
             <ac:spMk id="2" creationId="{DAB4513B-547A-4C7A-95CB-74411897CE3F}"/>
+          </ac:spMkLst>
+        </pc:spChg>
+        <pc:spChg chg="add del mod">
+          <ac:chgData name="jack copeland" userId="c1f67f945e5b5c42" providerId="LiveId" clId="{61313348-D28B-4C2B-88EF-82071CA11326}" dt="2021-10-18T19:12:29.821" v="3481" actId="478"/>
+          <ac:spMkLst>
+            <pc:docMk/>
+            <pc:sldMk cId="2137121050" sldId="258"/>
+            <ac:spMk id="3" creationId="{F908A431-CBE4-4A1C-AE7A-A2692BC62469}"/>
           </ac:spMkLst>
         </pc:spChg>
         <pc:spChg chg="mod">
@@ -281,24 +306,64 @@
             <ac:spMk id="24" creationId="{BBE1C276-AA11-44C2-918E-75F0649F4A75}"/>
           </ac:spMkLst>
         </pc:spChg>
-        <pc:picChg chg="mod">
-          <ac:chgData name="jack copeland" userId="c1f67f945e5b5c42" providerId="LiveId" clId="{61313348-D28B-4C2B-88EF-82071CA11326}" dt="2021-10-17T15:50:17.643" v="1896" actId="1076"/>
+        <pc:spChg chg="add mod">
+          <ac:chgData name="jack copeland" userId="c1f67f945e5b5c42" providerId="LiveId" clId="{61313348-D28B-4C2B-88EF-82071CA11326}" dt="2021-10-18T19:12:59.631" v="3547" actId="1076"/>
+          <ac:spMkLst>
+            <pc:docMk/>
+            <pc:sldMk cId="2137121050" sldId="258"/>
+            <ac:spMk id="29" creationId="{EFD0D897-A6DC-4990-9D8B-D79FFEEC1E09}"/>
+          </ac:spMkLst>
+        </pc:spChg>
+        <pc:spChg chg="add mod">
+          <ac:chgData name="jack copeland" userId="c1f67f945e5b5c42" providerId="LiveId" clId="{61313348-D28B-4C2B-88EF-82071CA11326}" dt="2021-10-18T19:12:59.631" v="3547" actId="1076"/>
+          <ac:spMkLst>
+            <pc:docMk/>
+            <pc:sldMk cId="2137121050" sldId="258"/>
+            <ac:spMk id="31" creationId="{F1BF80B9-5EF4-41F6-8932-6B88E88F98FB}"/>
+          </ac:spMkLst>
+        </pc:spChg>
+        <pc:spChg chg="add mod">
+          <ac:chgData name="jack copeland" userId="c1f67f945e5b5c42" providerId="LiveId" clId="{61313348-D28B-4C2B-88EF-82071CA11326}" dt="2021-10-18T19:12:59.631" v="3547" actId="1076"/>
+          <ac:spMkLst>
+            <pc:docMk/>
+            <pc:sldMk cId="2137121050" sldId="258"/>
+            <ac:spMk id="34" creationId="{758AFED9-098C-457F-B5D6-6825A22A9BDB}"/>
+          </ac:spMkLst>
+        </pc:spChg>
+        <pc:picChg chg="del mod">
+          <ac:chgData name="jack copeland" userId="c1f67f945e5b5c42" providerId="LiveId" clId="{61313348-D28B-4C2B-88EF-82071CA11326}" dt="2021-10-18T19:28:16.163" v="3580" actId="478"/>
           <ac:picMkLst>
             <pc:docMk/>
             <pc:sldMk cId="2137121050" sldId="258"/>
             <ac:picMk id="28" creationId="{1A7EC8A1-FC86-42FD-BB3C-BD166869F5F4}"/>
           </ac:picMkLst>
         </pc:picChg>
-        <pc:picChg chg="mod">
-          <ac:chgData name="jack copeland" userId="c1f67f945e5b5c42" providerId="LiveId" clId="{61313348-D28B-4C2B-88EF-82071CA11326}" dt="2021-10-17T15:50:17.643" v="1896" actId="1076"/>
+        <pc:picChg chg="del mod">
+          <ac:chgData name="jack copeland" userId="c1f67f945e5b5c42" providerId="LiveId" clId="{61313348-D28B-4C2B-88EF-82071CA11326}" dt="2021-10-18T19:28:22.159" v="3584" actId="478"/>
           <ac:picMkLst>
             <pc:docMk/>
             <pc:sldMk cId="2137121050" sldId="258"/>
             <ac:picMk id="30" creationId="{780A5FBE-AB58-4A05-B897-0A7A6D222055}"/>
           </ac:picMkLst>
         </pc:picChg>
+        <pc:picChg chg="add mod">
+          <ac:chgData name="jack copeland" userId="c1f67f945e5b5c42" providerId="LiveId" clId="{61313348-D28B-4C2B-88EF-82071CA11326}" dt="2021-10-18T19:28:24.465" v="3585" actId="1076"/>
+          <ac:picMkLst>
+            <pc:docMk/>
+            <pc:sldMk cId="2137121050" sldId="258"/>
+            <ac:picMk id="35" creationId="{CDE373C5-2713-449D-95E8-A5A6972A1D18}"/>
+          </ac:picMkLst>
+        </pc:picChg>
+        <pc:picChg chg="add mod">
+          <ac:chgData name="jack copeland" userId="c1f67f945e5b5c42" providerId="LiveId" clId="{61313348-D28B-4C2B-88EF-82071CA11326}" dt="2021-10-18T19:28:40.530" v="3589" actId="1076"/>
+          <ac:picMkLst>
+            <pc:docMk/>
+            <pc:sldMk cId="2137121050" sldId="258"/>
+            <ac:picMk id="37" creationId="{0FF4AE48-6A83-4641-857D-83A0454706FB}"/>
+          </ac:picMkLst>
+        </pc:picChg>
         <pc:picChg chg="mod">
-          <ac:chgData name="jack copeland" userId="c1f67f945e5b5c42" providerId="LiveId" clId="{61313348-D28B-4C2B-88EF-82071CA11326}" dt="2021-10-17T15:50:13.908" v="1895" actId="1076"/>
+          <ac:chgData name="jack copeland" userId="c1f67f945e5b5c42" providerId="LiveId" clId="{61313348-D28B-4C2B-88EF-82071CA11326}" dt="2021-10-18T19:26:47.152" v="3575" actId="1076"/>
           <ac:picMkLst>
             <pc:docMk/>
             <pc:sldMk cId="2137121050" sldId="258"/>
@@ -306,13 +371,29 @@
           </ac:picMkLst>
         </pc:picChg>
         <pc:picChg chg="mod">
-          <ac:chgData name="jack copeland" userId="c1f67f945e5b5c42" providerId="LiveId" clId="{61313348-D28B-4C2B-88EF-82071CA11326}" dt="2021-10-17T15:50:13.908" v="1895" actId="1076"/>
+          <ac:chgData name="jack copeland" userId="c1f67f945e5b5c42" providerId="LiveId" clId="{61313348-D28B-4C2B-88EF-82071CA11326}" dt="2021-10-18T19:26:47.152" v="3575" actId="1076"/>
           <ac:picMkLst>
             <pc:docMk/>
             <pc:sldMk cId="2137121050" sldId="258"/>
             <ac:picMk id="42" creationId="{66AA5A20-CFE8-46CA-A21E-ED0444A63ACA}"/>
           </ac:picMkLst>
         </pc:picChg>
+        <pc:cxnChg chg="add del mod">
+          <ac:chgData name="jack copeland" userId="c1f67f945e5b5c42" providerId="LiveId" clId="{61313348-D28B-4C2B-88EF-82071CA11326}" dt="2021-10-18T19:13:12.411" v="3550" actId="478"/>
+          <ac:cxnSpMkLst>
+            <pc:docMk/>
+            <pc:sldMk cId="2137121050" sldId="258"/>
+            <ac:cxnSpMk id="6" creationId="{6727BCCF-90DB-43E5-8A43-61439D4B6A58}"/>
+          </ac:cxnSpMkLst>
+        </pc:cxnChg>
+        <pc:cxnChg chg="add mod">
+          <ac:chgData name="jack copeland" userId="c1f67f945e5b5c42" providerId="LiveId" clId="{61313348-D28B-4C2B-88EF-82071CA11326}" dt="2021-10-18T19:13:24.036" v="3552" actId="14100"/>
+          <ac:cxnSpMkLst>
+            <pc:docMk/>
+            <pc:sldMk cId="2137121050" sldId="258"/>
+            <ac:cxnSpMk id="11" creationId="{2F004C99-C4F8-4607-A9F5-337A7F8686E9}"/>
+          </ac:cxnSpMkLst>
+        </pc:cxnChg>
         <pc:cxnChg chg="mod">
           <ac:chgData name="jack copeland" userId="c1f67f945e5b5c42" providerId="LiveId" clId="{61313348-D28B-4C2B-88EF-82071CA11326}" dt="2021-10-17T15:50:02.776" v="1892" actId="1035"/>
           <ac:cxnSpMkLst>
@@ -362,8 +443,8 @@
           </ac:cxnSpMkLst>
         </pc:cxnChg>
       </pc:sldChg>
-      <pc:sldChg chg="modSp">
-        <pc:chgData name="jack copeland" userId="c1f67f945e5b5c42" providerId="LiveId" clId="{61313348-D28B-4C2B-88EF-82071CA11326}" dt="2021-10-17T15:48:30.236" v="1835" actId="207"/>
+      <pc:sldChg chg="modSp ord">
+        <pc:chgData name="jack copeland" userId="c1f67f945e5b5c42" providerId="LiveId" clId="{61313348-D28B-4C2B-88EF-82071CA11326}" dt="2021-10-18T19:21:21.833" v="3573"/>
         <pc:sldMkLst>
           <pc:docMk/>
           <pc:sldMk cId="3778762607" sldId="259"/>
@@ -805,14 +886,14 @@
           </ac:cxnSpMkLst>
         </pc:cxnChg>
       </pc:sldChg>
-      <pc:sldChg chg="addSp modSp add mod">
-        <pc:chgData name="jack copeland" userId="c1f67f945e5b5c42" providerId="LiveId" clId="{61313348-D28B-4C2B-88EF-82071CA11326}" dt="2021-10-17T15:52:21.750" v="1993" actId="1037"/>
+      <pc:sldChg chg="addSp delSp modSp add mod modAnim">
+        <pc:chgData name="jack copeland" userId="c1f67f945e5b5c42" providerId="LiveId" clId="{61313348-D28B-4C2B-88EF-82071CA11326}" dt="2021-10-18T19:31:02.859" v="3606"/>
         <pc:sldMkLst>
           <pc:docMk/>
           <pc:sldMk cId="2285805491" sldId="264"/>
         </pc:sldMkLst>
         <pc:spChg chg="mod">
-          <ac:chgData name="jack copeland" userId="c1f67f945e5b5c42" providerId="LiveId" clId="{61313348-D28B-4C2B-88EF-82071CA11326}" dt="2021-10-17T15:51:34.858" v="1927" actId="27636"/>
+          <ac:chgData name="jack copeland" userId="c1f67f945e5b5c42" providerId="LiveId" clId="{61313348-D28B-4C2B-88EF-82071CA11326}" dt="2021-10-18T19:29:35.464" v="3596" actId="20577"/>
           <ac:spMkLst>
             <pc:docMk/>
             <pc:sldMk cId="2285805491" sldId="264"/>
@@ -833,6 +914,14 @@
             <pc:docMk/>
             <pc:sldMk cId="2285805491" sldId="264"/>
             <ac:spMk id="7" creationId="{BF1B094E-1CEA-4881-BC1A-71F51F2243A7}"/>
+          </ac:spMkLst>
+        </pc:spChg>
+        <pc:spChg chg="add del mod">
+          <ac:chgData name="jack copeland" userId="c1f67f945e5b5c42" providerId="LiveId" clId="{61313348-D28B-4C2B-88EF-82071CA11326}" dt="2021-10-18T19:30:41.673" v="3605" actId="1076"/>
+          <ac:spMkLst>
+            <pc:docMk/>
+            <pc:sldMk cId="2285805491" sldId="264"/>
+            <ac:spMk id="10" creationId="{21B78261-C581-4773-9FCA-0C45CDFF247C}"/>
           </ac:spMkLst>
         </pc:spChg>
         <pc:picChg chg="mod">
@@ -857,6 +946,14 @@
             <pc:docMk/>
             <pc:sldMk cId="2285805491" sldId="264"/>
             <ac:cxnSpMk id="8" creationId="{438B9D2A-783F-40C5-BA11-495EE7EE3473}"/>
+          </ac:cxnSpMkLst>
+        </pc:cxnChg>
+        <pc:cxnChg chg="add del">
+          <ac:chgData name="jack copeland" userId="c1f67f945e5b5c42" providerId="LiveId" clId="{61313348-D28B-4C2B-88EF-82071CA11326}" dt="2021-10-18T19:29:58.423" v="3598" actId="11529"/>
+          <ac:cxnSpMkLst>
+            <pc:docMk/>
+            <pc:sldMk cId="2285805491" sldId="264"/>
+            <ac:cxnSpMk id="9" creationId="{623A045D-E5FB-49D8-9013-D331F23DBC45}"/>
           </ac:cxnSpMkLst>
         </pc:cxnChg>
       </pc:sldChg>
@@ -1234,7 +1331,7 @@
         </pc:cxnChg>
       </pc:sldChg>
       <pc:sldChg chg="addSp delSp modSp add mod setBg">
-        <pc:chgData name="jack copeland" userId="c1f67f945e5b5c42" providerId="LiveId" clId="{61313348-D28B-4C2B-88EF-82071CA11326}" dt="2021-10-17T22:10:03.982" v="3440" actId="20577"/>
+        <pc:chgData name="jack copeland" userId="c1f67f945e5b5c42" providerId="LiveId" clId="{61313348-D28B-4C2B-88EF-82071CA11326}" dt="2021-10-18T20:25:51.532" v="3607" actId="1076"/>
         <pc:sldMkLst>
           <pc:docMk/>
           <pc:sldMk cId="2398329897" sldId="268"/>
@@ -1312,7 +1409,7 @@
           </ac:spMkLst>
         </pc:spChg>
         <pc:picChg chg="add mod">
-          <ac:chgData name="jack copeland" userId="c1f67f945e5b5c42" providerId="LiveId" clId="{61313348-D28B-4C2B-88EF-82071CA11326}" dt="2021-10-17T17:20:02.066" v="3186" actId="14826"/>
+          <ac:chgData name="jack copeland" userId="c1f67f945e5b5c42" providerId="LiveId" clId="{61313348-D28B-4C2B-88EF-82071CA11326}" dt="2021-10-18T20:25:51.532" v="3607" actId="1076"/>
           <ac:picMkLst>
             <pc:docMk/>
             <pc:sldMk cId="2398329897" sldId="268"/>
@@ -1367,14 +1464,14 @@
           </ac:graphicFrameMkLst>
         </pc:graphicFrameChg>
       </pc:sldChg>
-      <pc:sldChg chg="addSp delSp modSp add mod">
-        <pc:chgData name="jack copeland" userId="c1f67f945e5b5c42" providerId="LiveId" clId="{61313348-D28B-4C2B-88EF-82071CA11326}" dt="2021-10-17T17:02:51.657" v="3185" actId="20577"/>
+      <pc:sldChg chg="addSp delSp modSp add mod modAnim">
+        <pc:chgData name="jack copeland" userId="c1f67f945e5b5c42" providerId="LiveId" clId="{61313348-D28B-4C2B-88EF-82071CA11326}" dt="2021-10-18T19:21:05.138" v="3571"/>
         <pc:sldMkLst>
           <pc:docMk/>
           <pc:sldMk cId="1720743969" sldId="270"/>
         </pc:sldMkLst>
         <pc:spChg chg="mod">
-          <ac:chgData name="jack copeland" userId="c1f67f945e5b5c42" providerId="LiveId" clId="{61313348-D28B-4C2B-88EF-82071CA11326}" dt="2021-10-17T15:54:17.155" v="2020" actId="27636"/>
+          <ac:chgData name="jack copeland" userId="c1f67f945e5b5c42" providerId="LiveId" clId="{61313348-D28B-4C2B-88EF-82071CA11326}" dt="2021-10-18T19:20:51.010" v="3568" actId="20577"/>
           <ac:spMkLst>
             <pc:docMk/>
             <pc:sldMk cId="1720743969" sldId="270"/>
@@ -1889,6 +1986,13 @@
           </ac:spMkLst>
         </pc:spChg>
       </pc:sldChg>
+      <pc:sldChg chg="add">
+        <pc:chgData name="jack copeland" userId="c1f67f945e5b5c42" providerId="LiveId" clId="{61313348-D28B-4C2B-88EF-82071CA11326}" dt="2021-10-18T19:15:18.294" v="3556"/>
+        <pc:sldMkLst>
+          <pc:docMk/>
+          <pc:sldMk cId="3972952506" sldId="275"/>
+        </pc:sldMkLst>
+      </pc:sldChg>
     </pc:docChg>
   </pc:docChgLst>
 </pc:chgInfo>
@@ -5629,7 +5733,1112 @@
 </dgm:colorsDef>
 </file>
 
+<file path=ppt/diagrams/colors6.xml><?xml version="1.0" encoding="utf-8"?>
+<dgm:colorsDef xmlns:dgm="http://schemas.openxmlformats.org/drawingml/2006/diagram" xmlns:a="http://schemas.openxmlformats.org/drawingml/2006/main" uniqueId="urn:microsoft.com/office/officeart/2005/8/colors/accent1_2">
+  <dgm:title val=""/>
+  <dgm:desc val=""/>
+  <dgm:catLst>
+    <dgm:cat type="accent1" pri="11200"/>
+  </dgm:catLst>
+  <dgm:styleLbl name="node0">
+    <dgm:fillClrLst meth="repeat">
+      <a:schemeClr val="accent1"/>
+    </dgm:fillClrLst>
+    <dgm:linClrLst meth="repeat">
+      <a:schemeClr val="lt1"/>
+    </dgm:linClrLst>
+    <dgm:effectClrLst/>
+    <dgm:txLinClrLst/>
+    <dgm:txFillClrLst/>
+    <dgm:txEffectClrLst/>
+  </dgm:styleLbl>
+  <dgm:styleLbl name="alignNode1">
+    <dgm:fillClrLst meth="repeat">
+      <a:schemeClr val="accent1"/>
+    </dgm:fillClrLst>
+    <dgm:linClrLst meth="repeat">
+      <a:schemeClr val="accent1"/>
+    </dgm:linClrLst>
+    <dgm:effectClrLst/>
+    <dgm:txLinClrLst/>
+    <dgm:txFillClrLst/>
+    <dgm:txEffectClrLst/>
+  </dgm:styleLbl>
+  <dgm:styleLbl name="node1">
+    <dgm:fillClrLst meth="repeat">
+      <a:schemeClr val="accent1"/>
+    </dgm:fillClrLst>
+    <dgm:linClrLst meth="repeat">
+      <a:schemeClr val="lt1"/>
+    </dgm:linClrLst>
+    <dgm:effectClrLst/>
+    <dgm:txLinClrLst/>
+    <dgm:txFillClrLst/>
+    <dgm:txEffectClrLst/>
+  </dgm:styleLbl>
+  <dgm:styleLbl name="lnNode1">
+    <dgm:fillClrLst meth="repeat">
+      <a:schemeClr val="accent1"/>
+    </dgm:fillClrLst>
+    <dgm:linClrLst meth="repeat">
+      <a:schemeClr val="lt1"/>
+    </dgm:linClrLst>
+    <dgm:effectClrLst/>
+    <dgm:txLinClrLst/>
+    <dgm:txFillClrLst/>
+    <dgm:txEffectClrLst/>
+  </dgm:styleLbl>
+  <dgm:styleLbl name="vennNode1">
+    <dgm:fillClrLst meth="repeat">
+      <a:schemeClr val="accent1">
+        <a:alpha val="50000"/>
+      </a:schemeClr>
+    </dgm:fillClrLst>
+    <dgm:linClrLst meth="repeat">
+      <a:schemeClr val="lt1"/>
+    </dgm:linClrLst>
+    <dgm:effectClrLst/>
+    <dgm:txLinClrLst/>
+    <dgm:txFillClrLst/>
+    <dgm:txEffectClrLst/>
+  </dgm:styleLbl>
+  <dgm:styleLbl name="node2">
+    <dgm:fillClrLst meth="repeat">
+      <a:schemeClr val="accent1"/>
+    </dgm:fillClrLst>
+    <dgm:linClrLst meth="repeat">
+      <a:schemeClr val="lt1"/>
+    </dgm:linClrLst>
+    <dgm:effectClrLst/>
+    <dgm:txLinClrLst/>
+    <dgm:txFillClrLst/>
+    <dgm:txEffectClrLst/>
+  </dgm:styleLbl>
+  <dgm:styleLbl name="node3">
+    <dgm:fillClrLst meth="repeat">
+      <a:schemeClr val="accent1"/>
+    </dgm:fillClrLst>
+    <dgm:linClrLst meth="repeat">
+      <a:schemeClr val="lt1"/>
+    </dgm:linClrLst>
+    <dgm:effectClrLst/>
+    <dgm:txLinClrLst/>
+    <dgm:txFillClrLst/>
+    <dgm:txEffectClrLst/>
+  </dgm:styleLbl>
+  <dgm:styleLbl name="node4">
+    <dgm:fillClrLst meth="repeat">
+      <a:schemeClr val="accent1"/>
+    </dgm:fillClrLst>
+    <dgm:linClrLst meth="repeat">
+      <a:schemeClr val="lt1"/>
+    </dgm:linClrLst>
+    <dgm:effectClrLst/>
+    <dgm:txLinClrLst/>
+    <dgm:txFillClrLst/>
+    <dgm:txEffectClrLst/>
+  </dgm:styleLbl>
+  <dgm:styleLbl name="fgImgPlace1">
+    <dgm:fillClrLst meth="repeat">
+      <a:schemeClr val="accent1">
+        <a:tint val="50000"/>
+      </a:schemeClr>
+    </dgm:fillClrLst>
+    <dgm:linClrLst meth="repeat">
+      <a:schemeClr val="lt1"/>
+    </dgm:linClrLst>
+    <dgm:effectClrLst/>
+    <dgm:txLinClrLst/>
+    <dgm:txFillClrLst meth="repeat">
+      <a:schemeClr val="lt1"/>
+    </dgm:txFillClrLst>
+    <dgm:txEffectClrLst/>
+  </dgm:styleLbl>
+  <dgm:styleLbl name="alignImgPlace1">
+    <dgm:fillClrLst meth="repeat">
+      <a:schemeClr val="accent1">
+        <a:tint val="50000"/>
+      </a:schemeClr>
+    </dgm:fillClrLst>
+    <dgm:linClrLst meth="repeat">
+      <a:schemeClr val="lt1"/>
+    </dgm:linClrLst>
+    <dgm:effectClrLst/>
+    <dgm:txLinClrLst/>
+    <dgm:txFillClrLst meth="repeat">
+      <a:schemeClr val="lt1"/>
+    </dgm:txFillClrLst>
+    <dgm:txEffectClrLst/>
+  </dgm:styleLbl>
+  <dgm:styleLbl name="bgImgPlace1">
+    <dgm:fillClrLst meth="repeat">
+      <a:schemeClr val="accent1">
+        <a:tint val="50000"/>
+      </a:schemeClr>
+    </dgm:fillClrLst>
+    <dgm:linClrLst meth="repeat">
+      <a:schemeClr val="lt1"/>
+    </dgm:linClrLst>
+    <dgm:effectClrLst/>
+    <dgm:txLinClrLst/>
+    <dgm:txFillClrLst meth="repeat">
+      <a:schemeClr val="lt1"/>
+    </dgm:txFillClrLst>
+    <dgm:txEffectClrLst/>
+  </dgm:styleLbl>
+  <dgm:styleLbl name="sibTrans2D1">
+    <dgm:fillClrLst meth="repeat">
+      <a:schemeClr val="accent1">
+        <a:tint val="60000"/>
+      </a:schemeClr>
+    </dgm:fillClrLst>
+    <dgm:linClrLst meth="repeat">
+      <a:schemeClr val="accent1">
+        <a:tint val="60000"/>
+      </a:schemeClr>
+    </dgm:linClrLst>
+    <dgm:effectClrLst/>
+    <dgm:txLinClrLst/>
+    <dgm:txFillClrLst/>
+    <dgm:txEffectClrLst/>
+  </dgm:styleLbl>
+  <dgm:styleLbl name="fgSibTrans2D1">
+    <dgm:fillClrLst meth="repeat">
+      <a:schemeClr val="accent1">
+        <a:tint val="60000"/>
+      </a:schemeClr>
+    </dgm:fillClrLst>
+    <dgm:linClrLst meth="repeat">
+      <a:schemeClr val="accent1">
+        <a:tint val="60000"/>
+      </a:schemeClr>
+    </dgm:linClrLst>
+    <dgm:effectClrLst/>
+    <dgm:txLinClrLst/>
+    <dgm:txFillClrLst/>
+    <dgm:txEffectClrLst/>
+  </dgm:styleLbl>
+  <dgm:styleLbl name="bgSibTrans2D1">
+    <dgm:fillClrLst meth="repeat">
+      <a:schemeClr val="accent1">
+        <a:tint val="60000"/>
+      </a:schemeClr>
+    </dgm:fillClrLst>
+    <dgm:linClrLst meth="repeat">
+      <a:schemeClr val="accent1">
+        <a:tint val="60000"/>
+      </a:schemeClr>
+    </dgm:linClrLst>
+    <dgm:effectClrLst/>
+    <dgm:txLinClrLst/>
+    <dgm:txFillClrLst/>
+    <dgm:txEffectClrLst/>
+  </dgm:styleLbl>
+  <dgm:styleLbl name="sibTrans1D1">
+    <dgm:fillClrLst meth="repeat">
+      <a:schemeClr val="accent1"/>
+    </dgm:fillClrLst>
+    <dgm:linClrLst meth="repeat">
+      <a:schemeClr val="accent1"/>
+    </dgm:linClrLst>
+    <dgm:effectClrLst/>
+    <dgm:txLinClrLst/>
+    <dgm:txFillClrLst meth="repeat">
+      <a:schemeClr val="tx1"/>
+    </dgm:txFillClrLst>
+    <dgm:txEffectClrLst/>
+  </dgm:styleLbl>
+  <dgm:styleLbl name="callout">
+    <dgm:fillClrLst meth="repeat">
+      <a:schemeClr val="accent1"/>
+    </dgm:fillClrLst>
+    <dgm:linClrLst meth="repeat">
+      <a:schemeClr val="accent1">
+        <a:tint val="50000"/>
+      </a:schemeClr>
+    </dgm:linClrLst>
+    <dgm:effectClrLst/>
+    <dgm:txLinClrLst/>
+    <dgm:txFillClrLst meth="repeat">
+      <a:schemeClr val="tx1"/>
+    </dgm:txFillClrLst>
+    <dgm:txEffectClrLst/>
+  </dgm:styleLbl>
+  <dgm:styleLbl name="asst0">
+    <dgm:fillClrLst meth="repeat">
+      <a:schemeClr val="accent1"/>
+    </dgm:fillClrLst>
+    <dgm:linClrLst meth="repeat">
+      <a:schemeClr val="lt1"/>
+    </dgm:linClrLst>
+    <dgm:effectClrLst/>
+    <dgm:txLinClrLst/>
+    <dgm:txFillClrLst/>
+    <dgm:txEffectClrLst/>
+  </dgm:styleLbl>
+  <dgm:styleLbl name="asst1">
+    <dgm:fillClrLst meth="repeat">
+      <a:schemeClr val="accent1"/>
+    </dgm:fillClrLst>
+    <dgm:linClrLst meth="repeat">
+      <a:schemeClr val="lt1"/>
+    </dgm:linClrLst>
+    <dgm:effectClrLst/>
+    <dgm:txLinClrLst/>
+    <dgm:txFillClrLst/>
+    <dgm:txEffectClrLst/>
+  </dgm:styleLbl>
+  <dgm:styleLbl name="asst2">
+    <dgm:fillClrLst meth="repeat">
+      <a:schemeClr val="accent1"/>
+    </dgm:fillClrLst>
+    <dgm:linClrLst meth="repeat">
+      <a:schemeClr val="lt1"/>
+    </dgm:linClrLst>
+    <dgm:effectClrLst/>
+    <dgm:txLinClrLst/>
+    <dgm:txFillClrLst/>
+    <dgm:txEffectClrLst/>
+  </dgm:styleLbl>
+  <dgm:styleLbl name="asst3">
+    <dgm:fillClrLst meth="repeat">
+      <a:schemeClr val="accent1"/>
+    </dgm:fillClrLst>
+    <dgm:linClrLst meth="repeat">
+      <a:schemeClr val="lt1"/>
+    </dgm:linClrLst>
+    <dgm:effectClrLst/>
+    <dgm:txLinClrLst/>
+    <dgm:txFillClrLst/>
+    <dgm:txEffectClrLst/>
+  </dgm:styleLbl>
+  <dgm:styleLbl name="asst4">
+    <dgm:fillClrLst meth="repeat">
+      <a:schemeClr val="accent1"/>
+    </dgm:fillClrLst>
+    <dgm:linClrLst meth="repeat">
+      <a:schemeClr val="lt1"/>
+    </dgm:linClrLst>
+    <dgm:effectClrLst/>
+    <dgm:txLinClrLst/>
+    <dgm:txFillClrLst/>
+    <dgm:txEffectClrLst/>
+  </dgm:styleLbl>
+  <dgm:styleLbl name="parChTrans2D1">
+    <dgm:fillClrLst meth="repeat">
+      <a:schemeClr val="accent1">
+        <a:tint val="60000"/>
+      </a:schemeClr>
+    </dgm:fillClrLst>
+    <dgm:linClrLst meth="repeat">
+      <a:schemeClr val="accent1">
+        <a:tint val="60000"/>
+      </a:schemeClr>
+    </dgm:linClrLst>
+    <dgm:effectClrLst/>
+    <dgm:txLinClrLst/>
+    <dgm:txFillClrLst meth="repeat">
+      <a:schemeClr val="lt1"/>
+    </dgm:txFillClrLst>
+    <dgm:txEffectClrLst/>
+  </dgm:styleLbl>
+  <dgm:styleLbl name="parChTrans2D2">
+    <dgm:fillClrLst meth="repeat">
+      <a:schemeClr val="accent1"/>
+    </dgm:fillClrLst>
+    <dgm:linClrLst meth="repeat">
+      <a:schemeClr val="accent1"/>
+    </dgm:linClrLst>
+    <dgm:effectClrLst/>
+    <dgm:txLinClrLst/>
+    <dgm:txFillClrLst meth="repeat">
+      <a:schemeClr val="lt1"/>
+    </dgm:txFillClrLst>
+    <dgm:txEffectClrLst/>
+  </dgm:styleLbl>
+  <dgm:styleLbl name="parChTrans2D3">
+    <dgm:fillClrLst meth="repeat">
+      <a:schemeClr val="accent1"/>
+    </dgm:fillClrLst>
+    <dgm:linClrLst meth="repeat">
+      <a:schemeClr val="accent1"/>
+    </dgm:linClrLst>
+    <dgm:effectClrLst/>
+    <dgm:txLinClrLst/>
+    <dgm:txFillClrLst meth="repeat">
+      <a:schemeClr val="lt1"/>
+    </dgm:txFillClrLst>
+    <dgm:txEffectClrLst/>
+  </dgm:styleLbl>
+  <dgm:styleLbl name="parChTrans2D4">
+    <dgm:fillClrLst meth="repeat">
+      <a:schemeClr val="accent1"/>
+    </dgm:fillClrLst>
+    <dgm:linClrLst meth="repeat">
+      <a:schemeClr val="accent1"/>
+    </dgm:linClrLst>
+    <dgm:effectClrLst/>
+    <dgm:txLinClrLst/>
+    <dgm:txFillClrLst meth="repeat">
+      <a:schemeClr val="lt1"/>
+    </dgm:txFillClrLst>
+    <dgm:txEffectClrLst/>
+  </dgm:styleLbl>
+  <dgm:styleLbl name="parChTrans1D1">
+    <dgm:fillClrLst meth="repeat">
+      <a:schemeClr val="accent1"/>
+    </dgm:fillClrLst>
+    <dgm:linClrLst meth="repeat">
+      <a:schemeClr val="accent1">
+        <a:shade val="60000"/>
+      </a:schemeClr>
+    </dgm:linClrLst>
+    <dgm:effectClrLst/>
+    <dgm:txLinClrLst/>
+    <dgm:txFillClrLst meth="repeat">
+      <a:schemeClr val="tx1"/>
+    </dgm:txFillClrLst>
+    <dgm:txEffectClrLst/>
+  </dgm:styleLbl>
+  <dgm:styleLbl name="parChTrans1D2">
+    <dgm:fillClrLst meth="repeat">
+      <a:schemeClr val="accent1"/>
+    </dgm:fillClrLst>
+    <dgm:linClrLst meth="repeat">
+      <a:schemeClr val="accent1">
+        <a:shade val="60000"/>
+      </a:schemeClr>
+    </dgm:linClrLst>
+    <dgm:effectClrLst/>
+    <dgm:txLinClrLst/>
+    <dgm:txFillClrLst meth="repeat">
+      <a:schemeClr val="tx1"/>
+    </dgm:txFillClrLst>
+    <dgm:txEffectClrLst/>
+  </dgm:styleLbl>
+  <dgm:styleLbl name="parChTrans1D3">
+    <dgm:fillClrLst meth="repeat">
+      <a:schemeClr val="accent1"/>
+    </dgm:fillClrLst>
+    <dgm:linClrLst meth="repeat">
+      <a:schemeClr val="accent1">
+        <a:shade val="80000"/>
+      </a:schemeClr>
+    </dgm:linClrLst>
+    <dgm:effectClrLst/>
+    <dgm:txLinClrLst/>
+    <dgm:txFillClrLst meth="repeat">
+      <a:schemeClr val="tx1"/>
+    </dgm:txFillClrLst>
+    <dgm:txEffectClrLst/>
+  </dgm:styleLbl>
+  <dgm:styleLbl name="parChTrans1D4">
+    <dgm:fillClrLst meth="repeat">
+      <a:schemeClr val="accent1"/>
+    </dgm:fillClrLst>
+    <dgm:linClrLst meth="repeat">
+      <a:schemeClr val="accent1">
+        <a:shade val="80000"/>
+      </a:schemeClr>
+    </dgm:linClrLst>
+    <dgm:effectClrLst/>
+    <dgm:txLinClrLst/>
+    <dgm:txFillClrLst meth="repeat">
+      <a:schemeClr val="tx1"/>
+    </dgm:txFillClrLst>
+    <dgm:txEffectClrLst/>
+  </dgm:styleLbl>
+  <dgm:styleLbl name="fgAcc1">
+    <dgm:fillClrLst meth="repeat">
+      <a:schemeClr val="lt1">
+        <a:alpha val="90000"/>
+      </a:schemeClr>
+    </dgm:fillClrLst>
+    <dgm:linClrLst meth="repeat">
+      <a:schemeClr val="accent1"/>
+    </dgm:linClrLst>
+    <dgm:effectClrLst/>
+    <dgm:txLinClrLst/>
+    <dgm:txFillClrLst meth="repeat">
+      <a:schemeClr val="dk1"/>
+    </dgm:txFillClrLst>
+    <dgm:txEffectClrLst/>
+  </dgm:styleLbl>
+  <dgm:styleLbl name="conFgAcc1">
+    <dgm:fillClrLst meth="repeat">
+      <a:schemeClr val="lt1">
+        <a:alpha val="90000"/>
+      </a:schemeClr>
+    </dgm:fillClrLst>
+    <dgm:linClrLst meth="repeat">
+      <a:schemeClr val="accent1"/>
+    </dgm:linClrLst>
+    <dgm:effectClrLst/>
+    <dgm:txLinClrLst/>
+    <dgm:txFillClrLst meth="repeat">
+      <a:schemeClr val="dk1"/>
+    </dgm:txFillClrLst>
+    <dgm:txEffectClrLst/>
+  </dgm:styleLbl>
+  <dgm:styleLbl name="alignAcc1">
+    <dgm:fillClrLst meth="repeat">
+      <a:schemeClr val="lt1">
+        <a:alpha val="90000"/>
+      </a:schemeClr>
+    </dgm:fillClrLst>
+    <dgm:linClrLst meth="repeat">
+      <a:schemeClr val="accent1"/>
+    </dgm:linClrLst>
+    <dgm:effectClrLst/>
+    <dgm:txLinClrLst/>
+    <dgm:txFillClrLst meth="repeat">
+      <a:schemeClr val="dk1"/>
+    </dgm:txFillClrLst>
+    <dgm:txEffectClrLst/>
+  </dgm:styleLbl>
+  <dgm:styleLbl name="trAlignAcc1">
+    <dgm:fillClrLst meth="repeat">
+      <a:schemeClr val="lt1">
+        <a:alpha val="40000"/>
+      </a:schemeClr>
+    </dgm:fillClrLst>
+    <dgm:linClrLst meth="repeat">
+      <a:schemeClr val="accent1"/>
+    </dgm:linClrLst>
+    <dgm:effectClrLst/>
+    <dgm:txLinClrLst/>
+    <dgm:txFillClrLst meth="repeat">
+      <a:schemeClr val="dk1"/>
+    </dgm:txFillClrLst>
+    <dgm:txEffectClrLst/>
+  </dgm:styleLbl>
+  <dgm:styleLbl name="bgAcc1">
+    <dgm:fillClrLst meth="repeat">
+      <a:schemeClr val="lt1">
+        <a:alpha val="90000"/>
+      </a:schemeClr>
+    </dgm:fillClrLst>
+    <dgm:linClrLst meth="repeat">
+      <a:schemeClr val="accent1"/>
+    </dgm:linClrLst>
+    <dgm:effectClrLst/>
+    <dgm:txLinClrLst/>
+    <dgm:txFillClrLst meth="repeat">
+      <a:schemeClr val="dk1"/>
+    </dgm:txFillClrLst>
+    <dgm:txEffectClrLst/>
+  </dgm:styleLbl>
+  <dgm:styleLbl name="solidFgAcc1">
+    <dgm:fillClrLst meth="repeat">
+      <a:schemeClr val="lt1"/>
+    </dgm:fillClrLst>
+    <dgm:linClrLst meth="repeat">
+      <a:schemeClr val="accent1"/>
+    </dgm:linClrLst>
+    <dgm:effectClrLst/>
+    <dgm:txLinClrLst/>
+    <dgm:txFillClrLst meth="repeat">
+      <a:schemeClr val="dk1"/>
+    </dgm:txFillClrLst>
+    <dgm:txEffectClrLst/>
+  </dgm:styleLbl>
+  <dgm:styleLbl name="solidAlignAcc1">
+    <dgm:fillClrLst meth="repeat">
+      <a:schemeClr val="lt1"/>
+    </dgm:fillClrLst>
+    <dgm:linClrLst meth="repeat">
+      <a:schemeClr val="accent1"/>
+    </dgm:linClrLst>
+    <dgm:effectClrLst/>
+    <dgm:txLinClrLst/>
+    <dgm:txFillClrLst meth="repeat">
+      <a:schemeClr val="dk1"/>
+    </dgm:txFillClrLst>
+    <dgm:txEffectClrLst/>
+  </dgm:styleLbl>
+  <dgm:styleLbl name="solidBgAcc1">
+    <dgm:fillClrLst meth="repeat">
+      <a:schemeClr val="lt1"/>
+    </dgm:fillClrLst>
+    <dgm:linClrLst meth="repeat">
+      <a:schemeClr val="accent1"/>
+    </dgm:linClrLst>
+    <dgm:effectClrLst/>
+    <dgm:txLinClrLst/>
+    <dgm:txFillClrLst meth="repeat">
+      <a:schemeClr val="dk1"/>
+    </dgm:txFillClrLst>
+    <dgm:txEffectClrLst/>
+  </dgm:styleLbl>
+  <dgm:styleLbl name="fgAccFollowNode1">
+    <dgm:fillClrLst meth="repeat">
+      <a:schemeClr val="accent1">
+        <a:alpha val="90000"/>
+        <a:tint val="40000"/>
+      </a:schemeClr>
+    </dgm:fillClrLst>
+    <dgm:linClrLst meth="repeat">
+      <a:schemeClr val="accent1">
+        <a:alpha val="90000"/>
+        <a:tint val="40000"/>
+      </a:schemeClr>
+    </dgm:linClrLst>
+    <dgm:effectClrLst/>
+    <dgm:txLinClrLst/>
+    <dgm:txFillClrLst meth="repeat">
+      <a:schemeClr val="dk1"/>
+    </dgm:txFillClrLst>
+    <dgm:txEffectClrLst/>
+  </dgm:styleLbl>
+  <dgm:styleLbl name="alignAccFollowNode1">
+    <dgm:fillClrLst meth="repeat">
+      <a:schemeClr val="accent1">
+        <a:alpha val="90000"/>
+        <a:tint val="40000"/>
+      </a:schemeClr>
+    </dgm:fillClrLst>
+    <dgm:linClrLst meth="repeat">
+      <a:schemeClr val="accent1">
+        <a:alpha val="90000"/>
+        <a:tint val="40000"/>
+      </a:schemeClr>
+    </dgm:linClrLst>
+    <dgm:effectClrLst/>
+    <dgm:txLinClrLst/>
+    <dgm:txFillClrLst meth="repeat">
+      <a:schemeClr val="dk1"/>
+    </dgm:txFillClrLst>
+    <dgm:txEffectClrLst/>
+  </dgm:styleLbl>
+  <dgm:styleLbl name="bgAccFollowNode1">
+    <dgm:fillClrLst meth="repeat">
+      <a:schemeClr val="accent1">
+        <a:alpha val="90000"/>
+        <a:tint val="40000"/>
+      </a:schemeClr>
+    </dgm:fillClrLst>
+    <dgm:linClrLst meth="repeat">
+      <a:schemeClr val="accent1">
+        <a:alpha val="90000"/>
+        <a:tint val="40000"/>
+      </a:schemeClr>
+    </dgm:linClrLst>
+    <dgm:effectClrLst/>
+    <dgm:txLinClrLst/>
+    <dgm:txFillClrLst meth="repeat">
+      <a:schemeClr val="dk1"/>
+    </dgm:txFillClrLst>
+    <dgm:txEffectClrLst/>
+  </dgm:styleLbl>
+  <dgm:styleLbl name="fgAcc0">
+    <dgm:fillClrLst meth="repeat">
+      <a:schemeClr val="lt1">
+        <a:alpha val="90000"/>
+      </a:schemeClr>
+    </dgm:fillClrLst>
+    <dgm:linClrLst meth="repeat">
+      <a:schemeClr val="accent1"/>
+    </dgm:linClrLst>
+    <dgm:effectClrLst/>
+    <dgm:txLinClrLst/>
+    <dgm:txFillClrLst meth="repeat">
+      <a:schemeClr val="dk1"/>
+    </dgm:txFillClrLst>
+    <dgm:txEffectClrLst/>
+  </dgm:styleLbl>
+  <dgm:styleLbl name="fgAcc2">
+    <dgm:fillClrLst meth="repeat">
+      <a:schemeClr val="lt1">
+        <a:alpha val="90000"/>
+      </a:schemeClr>
+    </dgm:fillClrLst>
+    <dgm:linClrLst meth="repeat">
+      <a:schemeClr val="accent1"/>
+    </dgm:linClrLst>
+    <dgm:effectClrLst/>
+    <dgm:txLinClrLst/>
+    <dgm:txFillClrLst meth="repeat">
+      <a:schemeClr val="dk1"/>
+    </dgm:txFillClrLst>
+    <dgm:txEffectClrLst/>
+  </dgm:styleLbl>
+  <dgm:styleLbl name="fgAcc3">
+    <dgm:fillClrLst meth="repeat">
+      <a:schemeClr val="lt1">
+        <a:alpha val="90000"/>
+      </a:schemeClr>
+    </dgm:fillClrLst>
+    <dgm:linClrLst meth="repeat">
+      <a:schemeClr val="accent1"/>
+    </dgm:linClrLst>
+    <dgm:effectClrLst/>
+    <dgm:txLinClrLst/>
+    <dgm:txFillClrLst meth="repeat">
+      <a:schemeClr val="dk1"/>
+    </dgm:txFillClrLst>
+    <dgm:txEffectClrLst/>
+  </dgm:styleLbl>
+  <dgm:styleLbl name="fgAcc4">
+    <dgm:fillClrLst meth="repeat">
+      <a:schemeClr val="lt1">
+        <a:alpha val="90000"/>
+      </a:schemeClr>
+    </dgm:fillClrLst>
+    <dgm:linClrLst meth="repeat">
+      <a:schemeClr val="accent1"/>
+    </dgm:linClrLst>
+    <dgm:effectClrLst/>
+    <dgm:txLinClrLst/>
+    <dgm:txFillClrLst meth="repeat">
+      <a:schemeClr val="dk1"/>
+    </dgm:txFillClrLst>
+    <dgm:txEffectClrLst/>
+  </dgm:styleLbl>
+  <dgm:styleLbl name="bgShp">
+    <dgm:fillClrLst meth="repeat">
+      <a:schemeClr val="accent1">
+        <a:tint val="40000"/>
+      </a:schemeClr>
+    </dgm:fillClrLst>
+    <dgm:linClrLst meth="repeat">
+      <a:schemeClr val="accent1"/>
+    </dgm:linClrLst>
+    <dgm:effectClrLst/>
+    <dgm:txLinClrLst/>
+    <dgm:txFillClrLst meth="repeat">
+      <a:schemeClr val="dk1"/>
+    </dgm:txFillClrLst>
+    <dgm:txEffectClrLst/>
+  </dgm:styleLbl>
+  <dgm:styleLbl name="dkBgShp">
+    <dgm:fillClrLst meth="repeat">
+      <a:schemeClr val="accent1">
+        <a:shade val="80000"/>
+      </a:schemeClr>
+    </dgm:fillClrLst>
+    <dgm:linClrLst meth="repeat">
+      <a:schemeClr val="accent1"/>
+    </dgm:linClrLst>
+    <dgm:effectClrLst/>
+    <dgm:txLinClrLst/>
+    <dgm:txFillClrLst meth="repeat">
+      <a:schemeClr val="lt1"/>
+    </dgm:txFillClrLst>
+    <dgm:txEffectClrLst/>
+  </dgm:styleLbl>
+  <dgm:styleLbl name="trBgShp">
+    <dgm:fillClrLst meth="repeat">
+      <a:schemeClr val="accent1">
+        <a:tint val="50000"/>
+        <a:alpha val="40000"/>
+      </a:schemeClr>
+    </dgm:fillClrLst>
+    <dgm:linClrLst meth="repeat">
+      <a:schemeClr val="accent1"/>
+    </dgm:linClrLst>
+    <dgm:effectClrLst/>
+    <dgm:txLinClrLst/>
+    <dgm:txFillClrLst meth="repeat">
+      <a:schemeClr val="lt1"/>
+    </dgm:txFillClrLst>
+    <dgm:txEffectClrLst/>
+  </dgm:styleLbl>
+  <dgm:styleLbl name="fgShp">
+    <dgm:fillClrLst meth="repeat">
+      <a:schemeClr val="accent1">
+        <a:tint val="60000"/>
+      </a:schemeClr>
+    </dgm:fillClrLst>
+    <dgm:linClrLst meth="repeat">
+      <a:schemeClr val="lt1"/>
+    </dgm:linClrLst>
+    <dgm:effectClrLst/>
+    <dgm:txLinClrLst/>
+    <dgm:txFillClrLst meth="repeat">
+      <a:schemeClr val="dk1"/>
+    </dgm:txFillClrLst>
+    <dgm:txEffectClrLst/>
+  </dgm:styleLbl>
+  <dgm:styleLbl name="revTx">
+    <dgm:fillClrLst meth="repeat">
+      <a:schemeClr val="lt1">
+        <a:alpha val="0"/>
+      </a:schemeClr>
+    </dgm:fillClrLst>
+    <dgm:linClrLst meth="repeat">
+      <a:schemeClr val="dk1">
+        <a:alpha val="0"/>
+      </a:schemeClr>
+    </dgm:linClrLst>
+    <dgm:effectClrLst/>
+    <dgm:txLinClrLst/>
+    <dgm:txFillClrLst meth="repeat">
+      <a:schemeClr val="tx1"/>
+    </dgm:txFillClrLst>
+    <dgm:txEffectClrLst/>
+  </dgm:styleLbl>
+</dgm:colorsDef>
+</file>
+
 <file path=ppt/diagrams/data1.xml><?xml version="1.0" encoding="utf-8"?>
+<dgm:dataModel xmlns:dgm="http://schemas.openxmlformats.org/drawingml/2006/diagram" xmlns:a="http://schemas.openxmlformats.org/drawingml/2006/main">
+  <dgm:ptLst>
+    <dgm:pt modelId="{81356977-3A7C-41EE-944B-165096A9B22B}" type="doc">
+      <dgm:prSet loTypeId="urn:microsoft.com/office/officeart/2008/layout/VerticalCurvedList" loCatId="list" qsTypeId="urn:microsoft.com/office/officeart/2005/8/quickstyle/simple1" qsCatId="simple" csTypeId="urn:microsoft.com/office/officeart/2005/8/colors/accent1_2" csCatId="accent1" phldr="1"/>
+      <dgm:spPr/>
+      <dgm:t>
+        <a:bodyPr/>
+        <a:lstStyle/>
+        <a:p>
+          <a:endParaRPr lang="en-US"/>
+        </a:p>
+      </dgm:t>
+    </dgm:pt>
+    <dgm:pt modelId="{2487AD34-618A-47DC-93CC-6FD709619C5F}">
+      <dgm:prSet phldrT="[Text]"/>
+      <dgm:spPr>
+        <a:solidFill>
+          <a:srgbClr val="1F394D"/>
+        </a:solidFill>
+      </dgm:spPr>
+      <dgm:t>
+        <a:bodyPr/>
+        <a:lstStyle/>
+        <a:p>
+          <a:r>
+            <a:rPr lang="en-US" dirty="0"/>
+            <a:t>Background Information</a:t>
+          </a:r>
+        </a:p>
+      </dgm:t>
+    </dgm:pt>
+    <dgm:pt modelId="{E343E530-A616-4AE3-BAB2-394642ABEBB9}" type="parTrans" cxnId="{5A702C0E-4D20-4F51-B12A-7A0878E6D012}">
+      <dgm:prSet/>
+      <dgm:spPr/>
+      <dgm:t>
+        <a:bodyPr/>
+        <a:lstStyle/>
+        <a:p>
+          <a:endParaRPr lang="en-US"/>
+        </a:p>
+      </dgm:t>
+    </dgm:pt>
+    <dgm:pt modelId="{58CC171C-66DA-4598-BF35-CFE3DF266562}" type="sibTrans" cxnId="{5A702C0E-4D20-4F51-B12A-7A0878E6D012}">
+      <dgm:prSet/>
+      <dgm:spPr/>
+      <dgm:t>
+        <a:bodyPr/>
+        <a:lstStyle/>
+        <a:p>
+          <a:endParaRPr lang="en-US"/>
+        </a:p>
+      </dgm:t>
+    </dgm:pt>
+    <dgm:pt modelId="{FEA88821-40BA-455D-8687-BB2F034D2D28}">
+      <dgm:prSet phldrT="[Text]"/>
+      <dgm:spPr/>
+      <dgm:t>
+        <a:bodyPr/>
+        <a:lstStyle/>
+        <a:p>
+          <a:r>
+            <a:rPr lang="en-US" dirty="0"/>
+            <a:t>Research Question</a:t>
+          </a:r>
+        </a:p>
+      </dgm:t>
+    </dgm:pt>
+    <dgm:pt modelId="{A3099FDB-FB33-4D3D-8178-3E73EE991E17}" type="parTrans" cxnId="{735D96F6-44CC-44A2-8668-892C62141E19}">
+      <dgm:prSet/>
+      <dgm:spPr/>
+      <dgm:t>
+        <a:bodyPr/>
+        <a:lstStyle/>
+        <a:p>
+          <a:endParaRPr lang="en-US"/>
+        </a:p>
+      </dgm:t>
+    </dgm:pt>
+    <dgm:pt modelId="{7D8B849B-55A3-4DBB-96AB-A938BE389C10}" type="sibTrans" cxnId="{735D96F6-44CC-44A2-8668-892C62141E19}">
+      <dgm:prSet/>
+      <dgm:spPr/>
+      <dgm:t>
+        <a:bodyPr/>
+        <a:lstStyle/>
+        <a:p>
+          <a:endParaRPr lang="en-US"/>
+        </a:p>
+      </dgm:t>
+    </dgm:pt>
+    <dgm:pt modelId="{07D6B59E-AF83-4FCC-8F5F-FEFB06C1866B}">
+      <dgm:prSet phldrT="[Text]"/>
+      <dgm:spPr/>
+      <dgm:t>
+        <a:bodyPr/>
+        <a:lstStyle/>
+        <a:p>
+          <a:r>
+            <a:rPr lang="en-US" dirty="0"/>
+            <a:t>Data Analysis</a:t>
+          </a:r>
+        </a:p>
+      </dgm:t>
+    </dgm:pt>
+    <dgm:pt modelId="{3C1B3F8F-BD88-49A5-A558-3CA74CBCA6EB}" type="parTrans" cxnId="{79F4FAF4-9798-4676-8011-F3FC4CB83288}">
+      <dgm:prSet/>
+      <dgm:spPr/>
+      <dgm:t>
+        <a:bodyPr/>
+        <a:lstStyle/>
+        <a:p>
+          <a:endParaRPr lang="en-US"/>
+        </a:p>
+      </dgm:t>
+    </dgm:pt>
+    <dgm:pt modelId="{A8172C5C-847D-44E7-B678-0C350190848D}" type="sibTrans" cxnId="{79F4FAF4-9798-4676-8011-F3FC4CB83288}">
+      <dgm:prSet/>
+      <dgm:spPr/>
+      <dgm:t>
+        <a:bodyPr/>
+        <a:lstStyle/>
+        <a:p>
+          <a:endParaRPr lang="en-US"/>
+        </a:p>
+      </dgm:t>
+    </dgm:pt>
+    <dgm:pt modelId="{DC167FC4-AE7E-40A1-ADD8-45CE0F936D0A}">
+      <dgm:prSet phldrT="[Text]"/>
+      <dgm:spPr/>
+      <dgm:t>
+        <a:bodyPr/>
+        <a:lstStyle/>
+        <a:p>
+          <a:r>
+            <a:rPr lang="en-US" dirty="0"/>
+            <a:t>Conclusion</a:t>
+          </a:r>
+        </a:p>
+      </dgm:t>
+    </dgm:pt>
+    <dgm:pt modelId="{6578EFC0-105C-4942-9A10-C6E50ABE049B}" type="parTrans" cxnId="{CC190814-F35A-4475-B2C8-72EA8BF263F7}">
+      <dgm:prSet/>
+      <dgm:spPr/>
+      <dgm:t>
+        <a:bodyPr/>
+        <a:lstStyle/>
+        <a:p>
+          <a:endParaRPr lang="en-US"/>
+        </a:p>
+      </dgm:t>
+    </dgm:pt>
+    <dgm:pt modelId="{1E20FF92-ADA7-4651-B718-8FA617C6C933}" type="sibTrans" cxnId="{CC190814-F35A-4475-B2C8-72EA8BF263F7}">
+      <dgm:prSet/>
+      <dgm:spPr/>
+      <dgm:t>
+        <a:bodyPr/>
+        <a:lstStyle/>
+        <a:p>
+          <a:endParaRPr lang="en-US"/>
+        </a:p>
+      </dgm:t>
+    </dgm:pt>
+    <dgm:pt modelId="{390BA653-E6AF-4E4C-A2F7-64ABB2AED570}">
+      <dgm:prSet phldrT="[Text]"/>
+      <dgm:spPr/>
+      <dgm:t>
+        <a:bodyPr/>
+        <a:lstStyle/>
+        <a:p>
+          <a:r>
+            <a:rPr lang="en-US" dirty="0"/>
+            <a:t>Future Work/Next Steps</a:t>
+          </a:r>
+        </a:p>
+      </dgm:t>
+    </dgm:pt>
+    <dgm:pt modelId="{CF14DB24-9F2E-4009-A93C-978CC932956A}" type="parTrans" cxnId="{415710A2-1B41-4192-9711-F02FFA03D424}">
+      <dgm:prSet/>
+      <dgm:spPr/>
+      <dgm:t>
+        <a:bodyPr/>
+        <a:lstStyle/>
+        <a:p>
+          <a:endParaRPr lang="en-US"/>
+        </a:p>
+      </dgm:t>
+    </dgm:pt>
+    <dgm:pt modelId="{089AC43F-F68C-4DD1-BA67-9AC6DB073C31}" type="sibTrans" cxnId="{415710A2-1B41-4192-9711-F02FFA03D424}">
+      <dgm:prSet/>
+      <dgm:spPr/>
+      <dgm:t>
+        <a:bodyPr/>
+        <a:lstStyle/>
+        <a:p>
+          <a:endParaRPr lang="en-US"/>
+        </a:p>
+      </dgm:t>
+    </dgm:pt>
+    <dgm:pt modelId="{72D371A8-900E-4003-AD0B-BC21E485B71E}" type="pres">
+      <dgm:prSet presAssocID="{81356977-3A7C-41EE-944B-165096A9B22B}" presName="Name0" presStyleCnt="0">
+        <dgm:presLayoutVars>
+          <dgm:chMax val="7"/>
+          <dgm:chPref val="7"/>
+          <dgm:dir/>
+        </dgm:presLayoutVars>
+      </dgm:prSet>
+      <dgm:spPr/>
+    </dgm:pt>
+    <dgm:pt modelId="{1ED25D08-D906-4D51-9F2D-52293CD11578}" type="pres">
+      <dgm:prSet presAssocID="{81356977-3A7C-41EE-944B-165096A9B22B}" presName="Name1" presStyleCnt="0"/>
+      <dgm:spPr/>
+    </dgm:pt>
+    <dgm:pt modelId="{502970D2-A058-412A-81A9-96E53E169941}" type="pres">
+      <dgm:prSet presAssocID="{81356977-3A7C-41EE-944B-165096A9B22B}" presName="cycle" presStyleCnt="0"/>
+      <dgm:spPr/>
+    </dgm:pt>
+    <dgm:pt modelId="{2BF104DE-6A9D-4CEE-889C-7B4AAB30507A}" type="pres">
+      <dgm:prSet presAssocID="{81356977-3A7C-41EE-944B-165096A9B22B}" presName="srcNode" presStyleLbl="node1" presStyleIdx="0" presStyleCnt="5"/>
+      <dgm:spPr/>
+    </dgm:pt>
+    <dgm:pt modelId="{985CC7EC-2571-4781-9BEE-4D2051FDA60B}" type="pres">
+      <dgm:prSet presAssocID="{81356977-3A7C-41EE-944B-165096A9B22B}" presName="conn" presStyleLbl="parChTrans1D2" presStyleIdx="0" presStyleCnt="1"/>
+      <dgm:spPr/>
+    </dgm:pt>
+    <dgm:pt modelId="{1821764E-DF98-4D14-955A-E56AF8D671CB}" type="pres">
+      <dgm:prSet presAssocID="{81356977-3A7C-41EE-944B-165096A9B22B}" presName="extraNode" presStyleLbl="node1" presStyleIdx="0" presStyleCnt="5"/>
+      <dgm:spPr/>
+    </dgm:pt>
+    <dgm:pt modelId="{802A1291-13A8-4758-A76C-C96744E63E9C}" type="pres">
+      <dgm:prSet presAssocID="{81356977-3A7C-41EE-944B-165096A9B22B}" presName="dstNode" presStyleLbl="node1" presStyleIdx="0" presStyleCnt="5"/>
+      <dgm:spPr/>
+    </dgm:pt>
+    <dgm:pt modelId="{1FA2E616-CB41-4CCA-AEFF-4771D064C713}" type="pres">
+      <dgm:prSet presAssocID="{2487AD34-618A-47DC-93CC-6FD709619C5F}" presName="text_1" presStyleLbl="node1" presStyleIdx="0" presStyleCnt="5">
+        <dgm:presLayoutVars>
+          <dgm:bulletEnabled val="1"/>
+        </dgm:presLayoutVars>
+      </dgm:prSet>
+      <dgm:spPr/>
+    </dgm:pt>
+    <dgm:pt modelId="{413F8789-57A2-4F48-B3C0-97FAE06959D2}" type="pres">
+      <dgm:prSet presAssocID="{2487AD34-618A-47DC-93CC-6FD709619C5F}" presName="accent_1" presStyleCnt="0"/>
+      <dgm:spPr/>
+    </dgm:pt>
+    <dgm:pt modelId="{6815A97F-5379-4D5E-ACA8-BA0F1C5B7937}" type="pres">
+      <dgm:prSet presAssocID="{2487AD34-618A-47DC-93CC-6FD709619C5F}" presName="accentRepeatNode" presStyleLbl="solidFgAcc1" presStyleIdx="0" presStyleCnt="5"/>
+      <dgm:spPr/>
+    </dgm:pt>
+    <dgm:pt modelId="{91971360-DCA5-401B-BED8-52D33871E09B}" type="pres">
+      <dgm:prSet presAssocID="{FEA88821-40BA-455D-8687-BB2F034D2D28}" presName="text_2" presStyleLbl="node1" presStyleIdx="1" presStyleCnt="5">
+        <dgm:presLayoutVars>
+          <dgm:bulletEnabled val="1"/>
+        </dgm:presLayoutVars>
+      </dgm:prSet>
+      <dgm:spPr/>
+    </dgm:pt>
+    <dgm:pt modelId="{80101E17-A8B1-4995-9479-AE00D7F18275}" type="pres">
+      <dgm:prSet presAssocID="{FEA88821-40BA-455D-8687-BB2F034D2D28}" presName="accent_2" presStyleCnt="0"/>
+      <dgm:spPr/>
+    </dgm:pt>
+    <dgm:pt modelId="{2CA897BC-1B34-4449-A1AD-59C84149C01A}" type="pres">
+      <dgm:prSet presAssocID="{FEA88821-40BA-455D-8687-BB2F034D2D28}" presName="accentRepeatNode" presStyleLbl="solidFgAcc1" presStyleIdx="1" presStyleCnt="5"/>
+      <dgm:spPr/>
+    </dgm:pt>
+    <dgm:pt modelId="{B03BA408-0BCB-4BE9-A573-B70B6F3383B5}" type="pres">
+      <dgm:prSet presAssocID="{07D6B59E-AF83-4FCC-8F5F-FEFB06C1866B}" presName="text_3" presStyleLbl="node1" presStyleIdx="2" presStyleCnt="5">
+        <dgm:presLayoutVars>
+          <dgm:bulletEnabled val="1"/>
+        </dgm:presLayoutVars>
+      </dgm:prSet>
+      <dgm:spPr/>
+    </dgm:pt>
+    <dgm:pt modelId="{3AD62853-35CE-47B0-9018-3854C145BD23}" type="pres">
+      <dgm:prSet presAssocID="{07D6B59E-AF83-4FCC-8F5F-FEFB06C1866B}" presName="accent_3" presStyleCnt="0"/>
+      <dgm:spPr/>
+    </dgm:pt>
+    <dgm:pt modelId="{EAA3E4E6-C136-4FEB-9063-ED1F983673DB}" type="pres">
+      <dgm:prSet presAssocID="{07D6B59E-AF83-4FCC-8F5F-FEFB06C1866B}" presName="accentRepeatNode" presStyleLbl="solidFgAcc1" presStyleIdx="2" presStyleCnt="5"/>
+      <dgm:spPr/>
+    </dgm:pt>
+    <dgm:pt modelId="{99419089-53B3-476B-9D70-DA750D374797}" type="pres">
+      <dgm:prSet presAssocID="{DC167FC4-AE7E-40A1-ADD8-45CE0F936D0A}" presName="text_4" presStyleLbl="node1" presStyleIdx="3" presStyleCnt="5">
+        <dgm:presLayoutVars>
+          <dgm:bulletEnabled val="1"/>
+        </dgm:presLayoutVars>
+      </dgm:prSet>
+      <dgm:spPr/>
+    </dgm:pt>
+    <dgm:pt modelId="{58288E66-5538-4BDB-AA57-3C1E314DE828}" type="pres">
+      <dgm:prSet presAssocID="{DC167FC4-AE7E-40A1-ADD8-45CE0F936D0A}" presName="accent_4" presStyleCnt="0"/>
+      <dgm:spPr/>
+    </dgm:pt>
+    <dgm:pt modelId="{9E086C9A-D27B-490C-9406-1F17662CCB0B}" type="pres">
+      <dgm:prSet presAssocID="{DC167FC4-AE7E-40A1-ADD8-45CE0F936D0A}" presName="accentRepeatNode" presStyleLbl="solidFgAcc1" presStyleIdx="3" presStyleCnt="5"/>
+      <dgm:spPr/>
+    </dgm:pt>
+    <dgm:pt modelId="{B661DBEE-881F-4F18-A271-83DB8243A08C}" type="pres">
+      <dgm:prSet presAssocID="{390BA653-E6AF-4E4C-A2F7-64ABB2AED570}" presName="text_5" presStyleLbl="node1" presStyleIdx="4" presStyleCnt="5">
+        <dgm:presLayoutVars>
+          <dgm:bulletEnabled val="1"/>
+        </dgm:presLayoutVars>
+      </dgm:prSet>
+      <dgm:spPr/>
+    </dgm:pt>
+    <dgm:pt modelId="{EDBD2987-A607-4D68-B1A4-9183E837EA62}" type="pres">
+      <dgm:prSet presAssocID="{390BA653-E6AF-4E4C-A2F7-64ABB2AED570}" presName="accent_5" presStyleCnt="0"/>
+      <dgm:spPr/>
+    </dgm:pt>
+    <dgm:pt modelId="{A60867B2-2A52-4BCD-8F45-E8CEF8A0AF2B}" type="pres">
+      <dgm:prSet presAssocID="{390BA653-E6AF-4E4C-A2F7-64ABB2AED570}" presName="accentRepeatNode" presStyleLbl="solidFgAcc1" presStyleIdx="4" presStyleCnt="5"/>
+      <dgm:spPr/>
+    </dgm:pt>
+  </dgm:ptLst>
+  <dgm:cxnLst>
+    <dgm:cxn modelId="{5A702C0E-4D20-4F51-B12A-7A0878E6D012}" srcId="{81356977-3A7C-41EE-944B-165096A9B22B}" destId="{2487AD34-618A-47DC-93CC-6FD709619C5F}" srcOrd="0" destOrd="0" parTransId="{E343E530-A616-4AE3-BAB2-394642ABEBB9}" sibTransId="{58CC171C-66DA-4598-BF35-CFE3DF266562}"/>
+    <dgm:cxn modelId="{CC190814-F35A-4475-B2C8-72EA8BF263F7}" srcId="{81356977-3A7C-41EE-944B-165096A9B22B}" destId="{DC167FC4-AE7E-40A1-ADD8-45CE0F936D0A}" srcOrd="3" destOrd="0" parTransId="{6578EFC0-105C-4942-9A10-C6E50ABE049B}" sibTransId="{1E20FF92-ADA7-4651-B718-8FA617C6C933}"/>
+    <dgm:cxn modelId="{D1B01915-8FDD-4517-9E4C-02FA1D5849C1}" type="presOf" srcId="{390BA653-E6AF-4E4C-A2F7-64ABB2AED570}" destId="{B661DBEE-881F-4F18-A271-83DB8243A08C}" srcOrd="0" destOrd="0" presId="urn:microsoft.com/office/officeart/2008/layout/VerticalCurvedList"/>
+    <dgm:cxn modelId="{52AC5C61-7984-4AFE-9071-EC0353B753A8}" type="presOf" srcId="{07D6B59E-AF83-4FCC-8F5F-FEFB06C1866B}" destId="{B03BA408-0BCB-4BE9-A573-B70B6F3383B5}" srcOrd="0" destOrd="0" presId="urn:microsoft.com/office/officeart/2008/layout/VerticalCurvedList"/>
+    <dgm:cxn modelId="{4FD2BB6F-DCD9-4620-9C4B-B60E5709E528}" type="presOf" srcId="{58CC171C-66DA-4598-BF35-CFE3DF266562}" destId="{985CC7EC-2571-4781-9BEE-4D2051FDA60B}" srcOrd="0" destOrd="0" presId="urn:microsoft.com/office/officeart/2008/layout/VerticalCurvedList"/>
+    <dgm:cxn modelId="{FF4A5259-C775-4DEE-A6DA-5C17D4ABDAB4}" type="presOf" srcId="{81356977-3A7C-41EE-944B-165096A9B22B}" destId="{72D371A8-900E-4003-AD0B-BC21E485B71E}" srcOrd="0" destOrd="0" presId="urn:microsoft.com/office/officeart/2008/layout/VerticalCurvedList"/>
+    <dgm:cxn modelId="{415710A2-1B41-4192-9711-F02FFA03D424}" srcId="{81356977-3A7C-41EE-944B-165096A9B22B}" destId="{390BA653-E6AF-4E4C-A2F7-64ABB2AED570}" srcOrd="4" destOrd="0" parTransId="{CF14DB24-9F2E-4009-A93C-978CC932956A}" sibTransId="{089AC43F-F68C-4DD1-BA67-9AC6DB073C31}"/>
+    <dgm:cxn modelId="{54A464B5-A0C4-4379-ABF2-97AB882B8FD2}" type="presOf" srcId="{2487AD34-618A-47DC-93CC-6FD709619C5F}" destId="{1FA2E616-CB41-4CCA-AEFF-4771D064C713}" srcOrd="0" destOrd="0" presId="urn:microsoft.com/office/officeart/2008/layout/VerticalCurvedList"/>
+    <dgm:cxn modelId="{604341CE-92BF-4608-ACCA-E466D5AE6419}" type="presOf" srcId="{FEA88821-40BA-455D-8687-BB2F034D2D28}" destId="{91971360-DCA5-401B-BED8-52D33871E09B}" srcOrd="0" destOrd="0" presId="urn:microsoft.com/office/officeart/2008/layout/VerticalCurvedList"/>
+    <dgm:cxn modelId="{79F4FAF4-9798-4676-8011-F3FC4CB83288}" srcId="{81356977-3A7C-41EE-944B-165096A9B22B}" destId="{07D6B59E-AF83-4FCC-8F5F-FEFB06C1866B}" srcOrd="2" destOrd="0" parTransId="{3C1B3F8F-BD88-49A5-A558-3CA74CBCA6EB}" sibTransId="{A8172C5C-847D-44E7-B678-0C350190848D}"/>
+    <dgm:cxn modelId="{735D96F6-44CC-44A2-8668-892C62141E19}" srcId="{81356977-3A7C-41EE-944B-165096A9B22B}" destId="{FEA88821-40BA-455D-8687-BB2F034D2D28}" srcOrd="1" destOrd="0" parTransId="{A3099FDB-FB33-4D3D-8178-3E73EE991E17}" sibTransId="{7D8B849B-55A3-4DBB-96AB-A938BE389C10}"/>
+    <dgm:cxn modelId="{EB1889FB-238E-4910-A553-7B663CF91F1E}" type="presOf" srcId="{DC167FC4-AE7E-40A1-ADD8-45CE0F936D0A}" destId="{99419089-53B3-476B-9D70-DA750D374797}" srcOrd="0" destOrd="0" presId="urn:microsoft.com/office/officeart/2008/layout/VerticalCurvedList"/>
+    <dgm:cxn modelId="{03064DB9-0F7F-406C-8986-1EFB0AB382D7}" type="presParOf" srcId="{72D371A8-900E-4003-AD0B-BC21E485B71E}" destId="{1ED25D08-D906-4D51-9F2D-52293CD11578}" srcOrd="0" destOrd="0" presId="urn:microsoft.com/office/officeart/2008/layout/VerticalCurvedList"/>
+    <dgm:cxn modelId="{20A5086A-B31A-41B5-8B26-DD69F1B25AC0}" type="presParOf" srcId="{1ED25D08-D906-4D51-9F2D-52293CD11578}" destId="{502970D2-A058-412A-81A9-96E53E169941}" srcOrd="0" destOrd="0" presId="urn:microsoft.com/office/officeart/2008/layout/VerticalCurvedList"/>
+    <dgm:cxn modelId="{06E6FBFC-F9B8-4BAB-A378-4EF54FA3F60D}" type="presParOf" srcId="{502970D2-A058-412A-81A9-96E53E169941}" destId="{2BF104DE-6A9D-4CEE-889C-7B4AAB30507A}" srcOrd="0" destOrd="0" presId="urn:microsoft.com/office/officeart/2008/layout/VerticalCurvedList"/>
+    <dgm:cxn modelId="{64160BB0-6266-4C5C-BF68-63D78B2DDBF1}" type="presParOf" srcId="{502970D2-A058-412A-81A9-96E53E169941}" destId="{985CC7EC-2571-4781-9BEE-4D2051FDA60B}" srcOrd="1" destOrd="0" presId="urn:microsoft.com/office/officeart/2008/layout/VerticalCurvedList"/>
+    <dgm:cxn modelId="{AC35F695-9319-4468-92D8-C8863F1B397F}" type="presParOf" srcId="{502970D2-A058-412A-81A9-96E53E169941}" destId="{1821764E-DF98-4D14-955A-E56AF8D671CB}" srcOrd="2" destOrd="0" presId="urn:microsoft.com/office/officeart/2008/layout/VerticalCurvedList"/>
+    <dgm:cxn modelId="{02CEBDEE-9FAB-4CCD-AAF1-631EE06A8FD9}" type="presParOf" srcId="{502970D2-A058-412A-81A9-96E53E169941}" destId="{802A1291-13A8-4758-A76C-C96744E63E9C}" srcOrd="3" destOrd="0" presId="urn:microsoft.com/office/officeart/2008/layout/VerticalCurvedList"/>
+    <dgm:cxn modelId="{BC37C4D0-65E9-454D-9F6B-158C65282E10}" type="presParOf" srcId="{1ED25D08-D906-4D51-9F2D-52293CD11578}" destId="{1FA2E616-CB41-4CCA-AEFF-4771D064C713}" srcOrd="1" destOrd="0" presId="urn:microsoft.com/office/officeart/2008/layout/VerticalCurvedList"/>
+    <dgm:cxn modelId="{3192A740-D68F-4629-8780-69418FB22936}" type="presParOf" srcId="{1ED25D08-D906-4D51-9F2D-52293CD11578}" destId="{413F8789-57A2-4F48-B3C0-97FAE06959D2}" srcOrd="2" destOrd="0" presId="urn:microsoft.com/office/officeart/2008/layout/VerticalCurvedList"/>
+    <dgm:cxn modelId="{2ABC5476-731D-40A3-88DF-800637052F83}" type="presParOf" srcId="{413F8789-57A2-4F48-B3C0-97FAE06959D2}" destId="{6815A97F-5379-4D5E-ACA8-BA0F1C5B7937}" srcOrd="0" destOrd="0" presId="urn:microsoft.com/office/officeart/2008/layout/VerticalCurvedList"/>
+    <dgm:cxn modelId="{8B1D82E9-C850-4F0F-BE62-21DEDEAA46EE}" type="presParOf" srcId="{1ED25D08-D906-4D51-9F2D-52293CD11578}" destId="{91971360-DCA5-401B-BED8-52D33871E09B}" srcOrd="3" destOrd="0" presId="urn:microsoft.com/office/officeart/2008/layout/VerticalCurvedList"/>
+    <dgm:cxn modelId="{85E15DB9-CBDF-4D2F-860D-BE8C8AA4920F}" type="presParOf" srcId="{1ED25D08-D906-4D51-9F2D-52293CD11578}" destId="{80101E17-A8B1-4995-9479-AE00D7F18275}" srcOrd="4" destOrd="0" presId="urn:microsoft.com/office/officeart/2008/layout/VerticalCurvedList"/>
+    <dgm:cxn modelId="{EB8FA365-1AD5-4B1A-8677-D2E21DAAD822}" type="presParOf" srcId="{80101E17-A8B1-4995-9479-AE00D7F18275}" destId="{2CA897BC-1B34-4449-A1AD-59C84149C01A}" srcOrd="0" destOrd="0" presId="urn:microsoft.com/office/officeart/2008/layout/VerticalCurvedList"/>
+    <dgm:cxn modelId="{A827FF15-8669-45F9-9494-9629E16CF51C}" type="presParOf" srcId="{1ED25D08-D906-4D51-9F2D-52293CD11578}" destId="{B03BA408-0BCB-4BE9-A573-B70B6F3383B5}" srcOrd="5" destOrd="0" presId="urn:microsoft.com/office/officeart/2008/layout/VerticalCurvedList"/>
+    <dgm:cxn modelId="{92DC08FA-1CBA-413E-A1B8-D31F39D7029C}" type="presParOf" srcId="{1ED25D08-D906-4D51-9F2D-52293CD11578}" destId="{3AD62853-35CE-47B0-9018-3854C145BD23}" srcOrd="6" destOrd="0" presId="urn:microsoft.com/office/officeart/2008/layout/VerticalCurvedList"/>
+    <dgm:cxn modelId="{1B364014-65A5-45E4-9657-3A5E6F50D32F}" type="presParOf" srcId="{3AD62853-35CE-47B0-9018-3854C145BD23}" destId="{EAA3E4E6-C136-4FEB-9063-ED1F983673DB}" srcOrd="0" destOrd="0" presId="urn:microsoft.com/office/officeart/2008/layout/VerticalCurvedList"/>
+    <dgm:cxn modelId="{6901C9C2-F2D1-4943-AA84-AFDB2CF97BD3}" type="presParOf" srcId="{1ED25D08-D906-4D51-9F2D-52293CD11578}" destId="{99419089-53B3-476B-9D70-DA750D374797}" srcOrd="7" destOrd="0" presId="urn:microsoft.com/office/officeart/2008/layout/VerticalCurvedList"/>
+    <dgm:cxn modelId="{21B79C5A-9C08-4BFB-ABE0-0F74C84CBFBC}" type="presParOf" srcId="{1ED25D08-D906-4D51-9F2D-52293CD11578}" destId="{58288E66-5538-4BDB-AA57-3C1E314DE828}" srcOrd="8" destOrd="0" presId="urn:microsoft.com/office/officeart/2008/layout/VerticalCurvedList"/>
+    <dgm:cxn modelId="{CB9CA2A4-C575-4C84-BEE1-9A6187B2CCA6}" type="presParOf" srcId="{58288E66-5538-4BDB-AA57-3C1E314DE828}" destId="{9E086C9A-D27B-490C-9406-1F17662CCB0B}" srcOrd="0" destOrd="0" presId="urn:microsoft.com/office/officeart/2008/layout/VerticalCurvedList"/>
+    <dgm:cxn modelId="{42CE577A-0AE9-4C32-BC93-ADF8CC0F37A3}" type="presParOf" srcId="{1ED25D08-D906-4D51-9F2D-52293CD11578}" destId="{B661DBEE-881F-4F18-A271-83DB8243A08C}" srcOrd="9" destOrd="0" presId="urn:microsoft.com/office/officeart/2008/layout/VerticalCurvedList"/>
+    <dgm:cxn modelId="{61ED6985-CD19-4417-850B-400BF4682973}" type="presParOf" srcId="{1ED25D08-D906-4D51-9F2D-52293CD11578}" destId="{EDBD2987-A607-4D68-B1A4-9183E837EA62}" srcOrd="10" destOrd="0" presId="urn:microsoft.com/office/officeart/2008/layout/VerticalCurvedList"/>
+    <dgm:cxn modelId="{2039CACF-A217-4E19-9258-BED1679CC083}" type="presParOf" srcId="{EDBD2987-A607-4D68-B1A4-9183E837EA62}" destId="{A60867B2-2A52-4BCD-8F45-E8CEF8A0AF2B}" srcOrd="0" destOrd="0" presId="urn:microsoft.com/office/officeart/2008/layout/VerticalCurvedList"/>
+  </dgm:cxnLst>
+  <dgm:bg/>
+  <dgm:whole/>
+  <dgm:extLst>
+    <a:ext uri="http://schemas.microsoft.com/office/drawing/2008/diagram">
+      <dsp:dataModelExt xmlns:dsp="http://schemas.microsoft.com/office/drawing/2008/diagram" relId="rId6" minVer="http://schemas.openxmlformats.org/drawingml/2006/diagram"/>
+    </a:ext>
+  </dgm:extLst>
+</dgm:dataModel>
+</file>
+
+<file path=ppt/diagrams/data2.xml><?xml version="1.0" encoding="utf-8"?>
 <dgm:dataModel xmlns:dgm="http://schemas.openxmlformats.org/drawingml/2006/diagram" xmlns:a="http://schemas.openxmlformats.org/drawingml/2006/main">
   <dgm:ptLst>
     <dgm:pt modelId="{81356977-3A7C-41EE-944B-165096A9B22B}" type="doc">
@@ -5990,7 +7199,7 @@
 </dgm:dataModel>
 </file>
 
-<file path=ppt/diagrams/data2.xml><?xml version="1.0" encoding="utf-8"?>
+<file path=ppt/diagrams/data3.xml><?xml version="1.0" encoding="utf-8"?>
 <dgm:dataModel xmlns:dgm="http://schemas.openxmlformats.org/drawingml/2006/diagram" xmlns:a="http://schemas.openxmlformats.org/drawingml/2006/main">
   <dgm:ptLst>
     <dgm:pt modelId="{81356977-3A7C-41EE-944B-165096A9B22B}" type="doc">
@@ -6351,7 +7560,7 @@
 </dgm:dataModel>
 </file>
 
-<file path=ppt/diagrams/data3.xml><?xml version="1.0" encoding="utf-8"?>
+<file path=ppt/diagrams/data4.xml><?xml version="1.0" encoding="utf-8"?>
 <dgm:dataModel xmlns:dgm="http://schemas.openxmlformats.org/drawingml/2006/diagram" xmlns:a="http://schemas.openxmlformats.org/drawingml/2006/main">
   <dgm:ptLst>
     <dgm:pt modelId="{81356977-3A7C-41EE-944B-165096A9B22B}" type="doc">
@@ -6712,7 +7921,7 @@
 </dgm:dataModel>
 </file>
 
-<file path=ppt/diagrams/data4.xml><?xml version="1.0" encoding="utf-8"?>
+<file path=ppt/diagrams/data5.xml><?xml version="1.0" encoding="utf-8"?>
 <dgm:dataModel xmlns:dgm="http://schemas.openxmlformats.org/drawingml/2006/diagram" xmlns:a="http://schemas.openxmlformats.org/drawingml/2006/main">
   <dgm:ptLst>
     <dgm:pt modelId="{81356977-3A7C-41EE-944B-165096A9B22B}" type="doc">
@@ -7074,7 +8283,7 @@
 </dgm:dataModel>
 </file>
 
-<file path=ppt/diagrams/data5.xml><?xml version="1.0" encoding="utf-8"?>
+<file path=ppt/diagrams/data6.xml><?xml version="1.0" encoding="utf-8"?>
 <dgm:dataModel xmlns:dgm="http://schemas.openxmlformats.org/drawingml/2006/diagram" xmlns:a="http://schemas.openxmlformats.org/drawingml/2006/main">
   <dgm:ptLst>
     <dgm:pt modelId="{81356977-3A7C-41EE-944B-165096A9B22B}" type="doc">
@@ -7441,6 +8650,678 @@
 </file>
 
 <file path=ppt/diagrams/drawing1.xml><?xml version="1.0" encoding="utf-8"?>
+<dsp:drawing xmlns:dgm="http://schemas.openxmlformats.org/drawingml/2006/diagram" xmlns:dsp="http://schemas.microsoft.com/office/drawing/2008/diagram" xmlns:a="http://schemas.openxmlformats.org/drawingml/2006/main">
+  <dsp:spTree>
+    <dsp:nvGrpSpPr>
+      <dsp:cNvPr id="0" name=""/>
+      <dsp:cNvGrpSpPr/>
+    </dsp:nvGrpSpPr>
+    <dsp:grpSpPr/>
+    <dsp:sp modelId="{985CC7EC-2571-4781-9BEE-4D2051FDA60B}">
+      <dsp:nvSpPr>
+        <dsp:cNvPr id="0" name=""/>
+        <dsp:cNvSpPr/>
+      </dsp:nvSpPr>
+      <dsp:spPr>
+        <a:xfrm>
+          <a:off x="-4547637" y="-697308"/>
+          <a:ext cx="5417342" cy="5417342"/>
+        </a:xfrm>
+        <a:prstGeom prst="blockArc">
+          <a:avLst>
+            <a:gd name="adj1" fmla="val 18900000"/>
+            <a:gd name="adj2" fmla="val 2700000"/>
+            <a:gd name="adj3" fmla="val 399"/>
+          </a:avLst>
+        </a:prstGeom>
+        <a:noFill/>
+        <a:ln w="15875" cap="flat" cmpd="sng" algn="ctr">
+          <a:solidFill>
+            <a:schemeClr val="accent1">
+              <a:shade val="60000"/>
+              <a:hueOff val="0"/>
+              <a:satOff val="0"/>
+              <a:lumOff val="0"/>
+              <a:alphaOff val="0"/>
+            </a:schemeClr>
+          </a:solidFill>
+          <a:prstDash val="solid"/>
+        </a:ln>
+        <a:effectLst/>
+      </dsp:spPr>
+      <dsp:style>
+        <a:lnRef idx="2">
+          <a:scrgbClr r="0" g="0" b="0"/>
+        </a:lnRef>
+        <a:fillRef idx="0">
+          <a:scrgbClr r="0" g="0" b="0"/>
+        </a:fillRef>
+        <a:effectRef idx="0">
+          <a:scrgbClr r="0" g="0" b="0"/>
+        </a:effectRef>
+        <a:fontRef idx="minor"/>
+      </dsp:style>
+    </dsp:sp>
+    <dsp:sp modelId="{1FA2E616-CB41-4CCA-AEFF-4771D064C713}">
+      <dsp:nvSpPr>
+        <dsp:cNvPr id="0" name=""/>
+        <dsp:cNvSpPr/>
+      </dsp:nvSpPr>
+      <dsp:spPr>
+        <a:xfrm>
+          <a:off x="380724" y="251339"/>
+          <a:ext cx="9623141" cy="503001"/>
+        </a:xfrm>
+        <a:prstGeom prst="rect">
+          <a:avLst/>
+        </a:prstGeom>
+        <a:solidFill>
+          <a:srgbClr val="1F394D"/>
+        </a:solidFill>
+        <a:ln w="15875" cap="flat" cmpd="sng" algn="ctr">
+          <a:solidFill>
+            <a:schemeClr val="lt1">
+              <a:hueOff val="0"/>
+              <a:satOff val="0"/>
+              <a:lumOff val="0"/>
+              <a:alphaOff val="0"/>
+            </a:schemeClr>
+          </a:solidFill>
+          <a:prstDash val="solid"/>
+        </a:ln>
+        <a:effectLst/>
+      </dsp:spPr>
+      <dsp:style>
+        <a:lnRef idx="2">
+          <a:scrgbClr r="0" g="0" b="0"/>
+        </a:lnRef>
+        <a:fillRef idx="1">
+          <a:scrgbClr r="0" g="0" b="0"/>
+        </a:fillRef>
+        <a:effectRef idx="0">
+          <a:scrgbClr r="0" g="0" b="0"/>
+        </a:effectRef>
+        <a:fontRef idx="minor">
+          <a:schemeClr val="lt1"/>
+        </a:fontRef>
+      </dsp:style>
+      <dsp:txBody>
+        <a:bodyPr spcFirstLastPara="0" vert="horz" wrap="square" lIns="399257" tIns="66040" rIns="66040" bIns="66040" numCol="1" spcCol="1270" anchor="ctr" anchorCtr="0">
+          <a:noAutofit/>
+        </a:bodyPr>
+        <a:lstStyle/>
+        <a:p>
+          <a:pPr marL="0" lvl="0" indent="0" algn="l" defTabSz="1155700">
+            <a:lnSpc>
+              <a:spcPct val="90000"/>
+            </a:lnSpc>
+            <a:spcBef>
+              <a:spcPct val="0"/>
+            </a:spcBef>
+            <a:spcAft>
+              <a:spcPct val="35000"/>
+            </a:spcAft>
+            <a:buNone/>
+          </a:pPr>
+          <a:r>
+            <a:rPr lang="en-US" sz="2600" kern="1200" dirty="0"/>
+            <a:t>Background Information</a:t>
+          </a:r>
+        </a:p>
+      </dsp:txBody>
+      <dsp:txXfrm>
+        <a:off x="380724" y="251339"/>
+        <a:ext cx="9623141" cy="503001"/>
+      </dsp:txXfrm>
+    </dsp:sp>
+    <dsp:sp modelId="{6815A97F-5379-4D5E-ACA8-BA0F1C5B7937}">
+      <dsp:nvSpPr>
+        <dsp:cNvPr id="0" name=""/>
+        <dsp:cNvSpPr/>
+      </dsp:nvSpPr>
+      <dsp:spPr>
+        <a:xfrm>
+          <a:off x="66348" y="188464"/>
+          <a:ext cx="628751" cy="628751"/>
+        </a:xfrm>
+        <a:prstGeom prst="ellipse">
+          <a:avLst/>
+        </a:prstGeom>
+        <a:solidFill>
+          <a:schemeClr val="lt1">
+            <a:hueOff val="0"/>
+            <a:satOff val="0"/>
+            <a:lumOff val="0"/>
+            <a:alphaOff val="0"/>
+          </a:schemeClr>
+        </a:solidFill>
+        <a:ln w="15875" cap="flat" cmpd="sng" algn="ctr">
+          <a:solidFill>
+            <a:schemeClr val="accent1">
+              <a:hueOff val="0"/>
+              <a:satOff val="0"/>
+              <a:lumOff val="0"/>
+              <a:alphaOff val="0"/>
+            </a:schemeClr>
+          </a:solidFill>
+          <a:prstDash val="solid"/>
+        </a:ln>
+        <a:effectLst/>
+      </dsp:spPr>
+      <dsp:style>
+        <a:lnRef idx="2">
+          <a:scrgbClr r="0" g="0" b="0"/>
+        </a:lnRef>
+        <a:fillRef idx="1">
+          <a:scrgbClr r="0" g="0" b="0"/>
+        </a:fillRef>
+        <a:effectRef idx="0">
+          <a:scrgbClr r="0" g="0" b="0"/>
+        </a:effectRef>
+        <a:fontRef idx="minor"/>
+      </dsp:style>
+    </dsp:sp>
+    <dsp:sp modelId="{91971360-DCA5-401B-BED8-52D33871E09B}">
+      <dsp:nvSpPr>
+        <dsp:cNvPr id="0" name=""/>
+        <dsp:cNvSpPr/>
+      </dsp:nvSpPr>
+      <dsp:spPr>
+        <a:xfrm>
+          <a:off x="741160" y="1005600"/>
+          <a:ext cx="9262704" cy="503001"/>
+        </a:xfrm>
+        <a:prstGeom prst="rect">
+          <a:avLst/>
+        </a:prstGeom>
+        <a:solidFill>
+          <a:schemeClr val="accent1">
+            <a:hueOff val="0"/>
+            <a:satOff val="0"/>
+            <a:lumOff val="0"/>
+            <a:alphaOff val="0"/>
+          </a:schemeClr>
+        </a:solidFill>
+        <a:ln w="15875" cap="flat" cmpd="sng" algn="ctr">
+          <a:solidFill>
+            <a:schemeClr val="lt1">
+              <a:hueOff val="0"/>
+              <a:satOff val="0"/>
+              <a:lumOff val="0"/>
+              <a:alphaOff val="0"/>
+            </a:schemeClr>
+          </a:solidFill>
+          <a:prstDash val="solid"/>
+        </a:ln>
+        <a:effectLst/>
+      </dsp:spPr>
+      <dsp:style>
+        <a:lnRef idx="2">
+          <a:scrgbClr r="0" g="0" b="0"/>
+        </a:lnRef>
+        <a:fillRef idx="1">
+          <a:scrgbClr r="0" g="0" b="0"/>
+        </a:fillRef>
+        <a:effectRef idx="0">
+          <a:scrgbClr r="0" g="0" b="0"/>
+        </a:effectRef>
+        <a:fontRef idx="minor">
+          <a:schemeClr val="lt1"/>
+        </a:fontRef>
+      </dsp:style>
+      <dsp:txBody>
+        <a:bodyPr spcFirstLastPara="0" vert="horz" wrap="square" lIns="399257" tIns="66040" rIns="66040" bIns="66040" numCol="1" spcCol="1270" anchor="ctr" anchorCtr="0">
+          <a:noAutofit/>
+        </a:bodyPr>
+        <a:lstStyle/>
+        <a:p>
+          <a:pPr marL="0" lvl="0" indent="0" algn="l" defTabSz="1155700">
+            <a:lnSpc>
+              <a:spcPct val="90000"/>
+            </a:lnSpc>
+            <a:spcBef>
+              <a:spcPct val="0"/>
+            </a:spcBef>
+            <a:spcAft>
+              <a:spcPct val="35000"/>
+            </a:spcAft>
+            <a:buNone/>
+          </a:pPr>
+          <a:r>
+            <a:rPr lang="en-US" sz="2600" kern="1200" dirty="0"/>
+            <a:t>Research Question</a:t>
+          </a:r>
+        </a:p>
+      </dsp:txBody>
+      <dsp:txXfrm>
+        <a:off x="741160" y="1005600"/>
+        <a:ext cx="9262704" cy="503001"/>
+      </dsp:txXfrm>
+    </dsp:sp>
+    <dsp:sp modelId="{2CA897BC-1B34-4449-A1AD-59C84149C01A}">
+      <dsp:nvSpPr>
+        <dsp:cNvPr id="0" name=""/>
+        <dsp:cNvSpPr/>
+      </dsp:nvSpPr>
+      <dsp:spPr>
+        <a:xfrm>
+          <a:off x="426784" y="942725"/>
+          <a:ext cx="628751" cy="628751"/>
+        </a:xfrm>
+        <a:prstGeom prst="ellipse">
+          <a:avLst/>
+        </a:prstGeom>
+        <a:solidFill>
+          <a:schemeClr val="lt1">
+            <a:hueOff val="0"/>
+            <a:satOff val="0"/>
+            <a:lumOff val="0"/>
+            <a:alphaOff val="0"/>
+          </a:schemeClr>
+        </a:solidFill>
+        <a:ln w="15875" cap="flat" cmpd="sng" algn="ctr">
+          <a:solidFill>
+            <a:schemeClr val="accent1">
+              <a:hueOff val="0"/>
+              <a:satOff val="0"/>
+              <a:lumOff val="0"/>
+              <a:alphaOff val="0"/>
+            </a:schemeClr>
+          </a:solidFill>
+          <a:prstDash val="solid"/>
+        </a:ln>
+        <a:effectLst/>
+      </dsp:spPr>
+      <dsp:style>
+        <a:lnRef idx="2">
+          <a:scrgbClr r="0" g="0" b="0"/>
+        </a:lnRef>
+        <a:fillRef idx="1">
+          <a:scrgbClr r="0" g="0" b="0"/>
+        </a:fillRef>
+        <a:effectRef idx="0">
+          <a:scrgbClr r="0" g="0" b="0"/>
+        </a:effectRef>
+        <a:fontRef idx="minor"/>
+      </dsp:style>
+    </dsp:sp>
+    <dsp:sp modelId="{B03BA408-0BCB-4BE9-A573-B70B6F3383B5}">
+      <dsp:nvSpPr>
+        <dsp:cNvPr id="0" name=""/>
+        <dsp:cNvSpPr/>
+      </dsp:nvSpPr>
+      <dsp:spPr>
+        <a:xfrm>
+          <a:off x="851785" y="1759861"/>
+          <a:ext cx="9152080" cy="503001"/>
+        </a:xfrm>
+        <a:prstGeom prst="rect">
+          <a:avLst/>
+        </a:prstGeom>
+        <a:solidFill>
+          <a:schemeClr val="accent1">
+            <a:hueOff val="0"/>
+            <a:satOff val="0"/>
+            <a:lumOff val="0"/>
+            <a:alphaOff val="0"/>
+          </a:schemeClr>
+        </a:solidFill>
+        <a:ln w="15875" cap="flat" cmpd="sng" algn="ctr">
+          <a:solidFill>
+            <a:schemeClr val="lt1">
+              <a:hueOff val="0"/>
+              <a:satOff val="0"/>
+              <a:lumOff val="0"/>
+              <a:alphaOff val="0"/>
+            </a:schemeClr>
+          </a:solidFill>
+          <a:prstDash val="solid"/>
+        </a:ln>
+        <a:effectLst/>
+      </dsp:spPr>
+      <dsp:style>
+        <a:lnRef idx="2">
+          <a:scrgbClr r="0" g="0" b="0"/>
+        </a:lnRef>
+        <a:fillRef idx="1">
+          <a:scrgbClr r="0" g="0" b="0"/>
+        </a:fillRef>
+        <a:effectRef idx="0">
+          <a:scrgbClr r="0" g="0" b="0"/>
+        </a:effectRef>
+        <a:fontRef idx="minor">
+          <a:schemeClr val="lt1"/>
+        </a:fontRef>
+      </dsp:style>
+      <dsp:txBody>
+        <a:bodyPr spcFirstLastPara="0" vert="horz" wrap="square" lIns="399257" tIns="66040" rIns="66040" bIns="66040" numCol="1" spcCol="1270" anchor="ctr" anchorCtr="0">
+          <a:noAutofit/>
+        </a:bodyPr>
+        <a:lstStyle/>
+        <a:p>
+          <a:pPr marL="0" lvl="0" indent="0" algn="l" defTabSz="1155700">
+            <a:lnSpc>
+              <a:spcPct val="90000"/>
+            </a:lnSpc>
+            <a:spcBef>
+              <a:spcPct val="0"/>
+            </a:spcBef>
+            <a:spcAft>
+              <a:spcPct val="35000"/>
+            </a:spcAft>
+            <a:buNone/>
+          </a:pPr>
+          <a:r>
+            <a:rPr lang="en-US" sz="2600" kern="1200" dirty="0"/>
+            <a:t>Data Analysis</a:t>
+          </a:r>
+        </a:p>
+      </dsp:txBody>
+      <dsp:txXfrm>
+        <a:off x="851785" y="1759861"/>
+        <a:ext cx="9152080" cy="503001"/>
+      </dsp:txXfrm>
+    </dsp:sp>
+    <dsp:sp modelId="{EAA3E4E6-C136-4FEB-9063-ED1F983673DB}">
+      <dsp:nvSpPr>
+        <dsp:cNvPr id="0" name=""/>
+        <dsp:cNvSpPr/>
+      </dsp:nvSpPr>
+      <dsp:spPr>
+        <a:xfrm>
+          <a:off x="537409" y="1696986"/>
+          <a:ext cx="628751" cy="628751"/>
+        </a:xfrm>
+        <a:prstGeom prst="ellipse">
+          <a:avLst/>
+        </a:prstGeom>
+        <a:solidFill>
+          <a:schemeClr val="lt1">
+            <a:hueOff val="0"/>
+            <a:satOff val="0"/>
+            <a:lumOff val="0"/>
+            <a:alphaOff val="0"/>
+          </a:schemeClr>
+        </a:solidFill>
+        <a:ln w="15875" cap="flat" cmpd="sng" algn="ctr">
+          <a:solidFill>
+            <a:schemeClr val="accent1">
+              <a:hueOff val="0"/>
+              <a:satOff val="0"/>
+              <a:lumOff val="0"/>
+              <a:alphaOff val="0"/>
+            </a:schemeClr>
+          </a:solidFill>
+          <a:prstDash val="solid"/>
+        </a:ln>
+        <a:effectLst/>
+      </dsp:spPr>
+      <dsp:style>
+        <a:lnRef idx="2">
+          <a:scrgbClr r="0" g="0" b="0"/>
+        </a:lnRef>
+        <a:fillRef idx="1">
+          <a:scrgbClr r="0" g="0" b="0"/>
+        </a:fillRef>
+        <a:effectRef idx="0">
+          <a:scrgbClr r="0" g="0" b="0"/>
+        </a:effectRef>
+        <a:fontRef idx="minor"/>
+      </dsp:style>
+    </dsp:sp>
+    <dsp:sp modelId="{99419089-53B3-476B-9D70-DA750D374797}">
+      <dsp:nvSpPr>
+        <dsp:cNvPr id="0" name=""/>
+        <dsp:cNvSpPr/>
+      </dsp:nvSpPr>
+      <dsp:spPr>
+        <a:xfrm>
+          <a:off x="741160" y="2514122"/>
+          <a:ext cx="9262704" cy="503001"/>
+        </a:xfrm>
+        <a:prstGeom prst="rect">
+          <a:avLst/>
+        </a:prstGeom>
+        <a:solidFill>
+          <a:schemeClr val="accent1">
+            <a:hueOff val="0"/>
+            <a:satOff val="0"/>
+            <a:lumOff val="0"/>
+            <a:alphaOff val="0"/>
+          </a:schemeClr>
+        </a:solidFill>
+        <a:ln w="15875" cap="flat" cmpd="sng" algn="ctr">
+          <a:solidFill>
+            <a:schemeClr val="lt1">
+              <a:hueOff val="0"/>
+              <a:satOff val="0"/>
+              <a:lumOff val="0"/>
+              <a:alphaOff val="0"/>
+            </a:schemeClr>
+          </a:solidFill>
+          <a:prstDash val="solid"/>
+        </a:ln>
+        <a:effectLst/>
+      </dsp:spPr>
+      <dsp:style>
+        <a:lnRef idx="2">
+          <a:scrgbClr r="0" g="0" b="0"/>
+        </a:lnRef>
+        <a:fillRef idx="1">
+          <a:scrgbClr r="0" g="0" b="0"/>
+        </a:fillRef>
+        <a:effectRef idx="0">
+          <a:scrgbClr r="0" g="0" b="0"/>
+        </a:effectRef>
+        <a:fontRef idx="minor">
+          <a:schemeClr val="lt1"/>
+        </a:fontRef>
+      </dsp:style>
+      <dsp:txBody>
+        <a:bodyPr spcFirstLastPara="0" vert="horz" wrap="square" lIns="399257" tIns="66040" rIns="66040" bIns="66040" numCol="1" spcCol="1270" anchor="ctr" anchorCtr="0">
+          <a:noAutofit/>
+        </a:bodyPr>
+        <a:lstStyle/>
+        <a:p>
+          <a:pPr marL="0" lvl="0" indent="0" algn="l" defTabSz="1155700">
+            <a:lnSpc>
+              <a:spcPct val="90000"/>
+            </a:lnSpc>
+            <a:spcBef>
+              <a:spcPct val="0"/>
+            </a:spcBef>
+            <a:spcAft>
+              <a:spcPct val="35000"/>
+            </a:spcAft>
+            <a:buNone/>
+          </a:pPr>
+          <a:r>
+            <a:rPr lang="en-US" sz="2600" kern="1200" dirty="0"/>
+            <a:t>Conclusion</a:t>
+          </a:r>
+        </a:p>
+      </dsp:txBody>
+      <dsp:txXfrm>
+        <a:off x="741160" y="2514122"/>
+        <a:ext cx="9262704" cy="503001"/>
+      </dsp:txXfrm>
+    </dsp:sp>
+    <dsp:sp modelId="{9E086C9A-D27B-490C-9406-1F17662CCB0B}">
+      <dsp:nvSpPr>
+        <dsp:cNvPr id="0" name=""/>
+        <dsp:cNvSpPr/>
+      </dsp:nvSpPr>
+      <dsp:spPr>
+        <a:xfrm>
+          <a:off x="426784" y="2451247"/>
+          <a:ext cx="628751" cy="628751"/>
+        </a:xfrm>
+        <a:prstGeom prst="ellipse">
+          <a:avLst/>
+        </a:prstGeom>
+        <a:solidFill>
+          <a:schemeClr val="lt1">
+            <a:hueOff val="0"/>
+            <a:satOff val="0"/>
+            <a:lumOff val="0"/>
+            <a:alphaOff val="0"/>
+          </a:schemeClr>
+        </a:solidFill>
+        <a:ln w="15875" cap="flat" cmpd="sng" algn="ctr">
+          <a:solidFill>
+            <a:schemeClr val="accent1">
+              <a:hueOff val="0"/>
+              <a:satOff val="0"/>
+              <a:lumOff val="0"/>
+              <a:alphaOff val="0"/>
+            </a:schemeClr>
+          </a:solidFill>
+          <a:prstDash val="solid"/>
+        </a:ln>
+        <a:effectLst/>
+      </dsp:spPr>
+      <dsp:style>
+        <a:lnRef idx="2">
+          <a:scrgbClr r="0" g="0" b="0"/>
+        </a:lnRef>
+        <a:fillRef idx="1">
+          <a:scrgbClr r="0" g="0" b="0"/>
+        </a:fillRef>
+        <a:effectRef idx="0">
+          <a:scrgbClr r="0" g="0" b="0"/>
+        </a:effectRef>
+        <a:fontRef idx="minor"/>
+      </dsp:style>
+    </dsp:sp>
+    <dsp:sp modelId="{B661DBEE-881F-4F18-A271-83DB8243A08C}">
+      <dsp:nvSpPr>
+        <dsp:cNvPr id="0" name=""/>
+        <dsp:cNvSpPr/>
+      </dsp:nvSpPr>
+      <dsp:spPr>
+        <a:xfrm>
+          <a:off x="380724" y="3268383"/>
+          <a:ext cx="9623141" cy="503001"/>
+        </a:xfrm>
+        <a:prstGeom prst="rect">
+          <a:avLst/>
+        </a:prstGeom>
+        <a:solidFill>
+          <a:schemeClr val="accent1">
+            <a:hueOff val="0"/>
+            <a:satOff val="0"/>
+            <a:lumOff val="0"/>
+            <a:alphaOff val="0"/>
+          </a:schemeClr>
+        </a:solidFill>
+        <a:ln w="15875" cap="flat" cmpd="sng" algn="ctr">
+          <a:solidFill>
+            <a:schemeClr val="lt1">
+              <a:hueOff val="0"/>
+              <a:satOff val="0"/>
+              <a:lumOff val="0"/>
+              <a:alphaOff val="0"/>
+            </a:schemeClr>
+          </a:solidFill>
+          <a:prstDash val="solid"/>
+        </a:ln>
+        <a:effectLst/>
+      </dsp:spPr>
+      <dsp:style>
+        <a:lnRef idx="2">
+          <a:scrgbClr r="0" g="0" b="0"/>
+        </a:lnRef>
+        <a:fillRef idx="1">
+          <a:scrgbClr r="0" g="0" b="0"/>
+        </a:fillRef>
+        <a:effectRef idx="0">
+          <a:scrgbClr r="0" g="0" b="0"/>
+        </a:effectRef>
+        <a:fontRef idx="minor">
+          <a:schemeClr val="lt1"/>
+        </a:fontRef>
+      </dsp:style>
+      <dsp:txBody>
+        <a:bodyPr spcFirstLastPara="0" vert="horz" wrap="square" lIns="399257" tIns="66040" rIns="66040" bIns="66040" numCol="1" spcCol="1270" anchor="ctr" anchorCtr="0">
+          <a:noAutofit/>
+        </a:bodyPr>
+        <a:lstStyle/>
+        <a:p>
+          <a:pPr marL="0" lvl="0" indent="0" algn="l" defTabSz="1155700">
+            <a:lnSpc>
+              <a:spcPct val="90000"/>
+            </a:lnSpc>
+            <a:spcBef>
+              <a:spcPct val="0"/>
+            </a:spcBef>
+            <a:spcAft>
+              <a:spcPct val="35000"/>
+            </a:spcAft>
+            <a:buNone/>
+          </a:pPr>
+          <a:r>
+            <a:rPr lang="en-US" sz="2600" kern="1200" dirty="0"/>
+            <a:t>Future Work/Next Steps</a:t>
+          </a:r>
+        </a:p>
+      </dsp:txBody>
+      <dsp:txXfrm>
+        <a:off x="380724" y="3268383"/>
+        <a:ext cx="9623141" cy="503001"/>
+      </dsp:txXfrm>
+    </dsp:sp>
+    <dsp:sp modelId="{A60867B2-2A52-4BCD-8F45-E8CEF8A0AF2B}">
+      <dsp:nvSpPr>
+        <dsp:cNvPr id="0" name=""/>
+        <dsp:cNvSpPr/>
+      </dsp:nvSpPr>
+      <dsp:spPr>
+        <a:xfrm>
+          <a:off x="66348" y="3205508"/>
+          <a:ext cx="628751" cy="628751"/>
+        </a:xfrm>
+        <a:prstGeom prst="ellipse">
+          <a:avLst/>
+        </a:prstGeom>
+        <a:solidFill>
+          <a:schemeClr val="lt1">
+            <a:hueOff val="0"/>
+            <a:satOff val="0"/>
+            <a:lumOff val="0"/>
+            <a:alphaOff val="0"/>
+          </a:schemeClr>
+        </a:solidFill>
+        <a:ln w="15875" cap="flat" cmpd="sng" algn="ctr">
+          <a:solidFill>
+            <a:schemeClr val="accent1">
+              <a:hueOff val="0"/>
+              <a:satOff val="0"/>
+              <a:lumOff val="0"/>
+              <a:alphaOff val="0"/>
+            </a:schemeClr>
+          </a:solidFill>
+          <a:prstDash val="solid"/>
+        </a:ln>
+        <a:effectLst/>
+      </dsp:spPr>
+      <dsp:style>
+        <a:lnRef idx="2">
+          <a:scrgbClr r="0" g="0" b="0"/>
+        </a:lnRef>
+        <a:fillRef idx="1">
+          <a:scrgbClr r="0" g="0" b="0"/>
+        </a:fillRef>
+        <a:effectRef idx="0">
+          <a:scrgbClr r="0" g="0" b="0"/>
+        </a:effectRef>
+        <a:fontRef idx="minor"/>
+      </dsp:style>
+    </dsp:sp>
+  </dsp:spTree>
+</dsp:drawing>
+</file>
+
+<file path=ppt/diagrams/drawing2.xml><?xml version="1.0" encoding="utf-8"?>
 <dsp:drawing xmlns:dgm="http://schemas.openxmlformats.org/drawingml/2006/diagram" xmlns:dsp="http://schemas.microsoft.com/office/drawing/2008/diagram" xmlns:a="http://schemas.openxmlformats.org/drawingml/2006/main">
   <dsp:spTree>
     <dsp:nvGrpSpPr>
@@ -8115,7 +9996,7 @@
 </dsp:drawing>
 </file>
 
-<file path=ppt/diagrams/drawing2.xml><?xml version="1.0" encoding="utf-8"?>
+<file path=ppt/diagrams/drawing3.xml><?xml version="1.0" encoding="utf-8"?>
 <dsp:drawing xmlns:dgm="http://schemas.openxmlformats.org/drawingml/2006/diagram" xmlns:dsp="http://schemas.microsoft.com/office/drawing/2008/diagram" xmlns:a="http://schemas.openxmlformats.org/drawingml/2006/main">
   <dsp:spTree>
     <dsp:nvGrpSpPr>
@@ -8790,7 +10671,7 @@
 </dsp:drawing>
 </file>
 
-<file path=ppt/diagrams/drawing3.xml><?xml version="1.0" encoding="utf-8"?>
+<file path=ppt/diagrams/drawing4.xml><?xml version="1.0" encoding="utf-8"?>
 <dsp:drawing xmlns:dgm="http://schemas.openxmlformats.org/drawingml/2006/diagram" xmlns:dsp="http://schemas.microsoft.com/office/drawing/2008/diagram" xmlns:a="http://schemas.openxmlformats.org/drawingml/2006/main">
   <dsp:spTree>
     <dsp:nvGrpSpPr>
@@ -9465,7 +11346,7 @@
 </dsp:drawing>
 </file>
 
-<file path=ppt/diagrams/drawing4.xml><?xml version="1.0" encoding="utf-8"?>
+<file path=ppt/diagrams/drawing5.xml><?xml version="1.0" encoding="utf-8"?>
 <dsp:drawing xmlns:dgm="http://schemas.openxmlformats.org/drawingml/2006/diagram" xmlns:dsp="http://schemas.microsoft.com/office/drawing/2008/diagram" xmlns:a="http://schemas.openxmlformats.org/drawingml/2006/main">
   <dsp:spTree>
     <dsp:nvGrpSpPr>
@@ -10132,7 +12013,7 @@
 </dsp:drawing>
 </file>
 
-<file path=ppt/diagrams/drawing5.xml><?xml version="1.0" encoding="utf-8"?>
+<file path=ppt/diagrams/drawing6.xml><?xml version="1.0" encoding="utf-8"?>
 <dsp:drawing xmlns:dgm="http://schemas.openxmlformats.org/drawingml/2006/diagram" xmlns:dsp="http://schemas.microsoft.com/office/drawing/2008/diagram" xmlns:a="http://schemas.openxmlformats.org/drawingml/2006/main">
   <dsp:spTree>
     <dsp:nvGrpSpPr>
@@ -17184,6 +19065,1284 @@
 </dgm:layoutDef>
 </file>
 
+<file path=ppt/diagrams/layout6.xml><?xml version="1.0" encoding="utf-8"?>
+<dgm:layoutDef xmlns:dgm="http://schemas.openxmlformats.org/drawingml/2006/diagram" xmlns:a="http://schemas.openxmlformats.org/drawingml/2006/main" uniqueId="urn:microsoft.com/office/officeart/2008/layout/VerticalCurvedList">
+  <dgm:title val=""/>
+  <dgm:desc val=""/>
+  <dgm:catLst>
+    <dgm:cat type="list" pri="20000"/>
+  </dgm:catLst>
+  <dgm:sampData>
+    <dgm:dataModel>
+      <dgm:ptLst>
+        <dgm:pt modelId="0" type="doc"/>
+        <dgm:pt modelId="1">
+          <dgm:prSet phldr="1"/>
+        </dgm:pt>
+        <dgm:pt modelId="2">
+          <dgm:prSet phldr="1"/>
+        </dgm:pt>
+        <dgm:pt modelId="3">
+          <dgm:prSet phldr="1"/>
+        </dgm:pt>
+      </dgm:ptLst>
+      <dgm:cxnLst>
+        <dgm:cxn modelId="4" srcId="0" destId="1" srcOrd="0" destOrd="0"/>
+        <dgm:cxn modelId="5" srcId="0" destId="2" srcOrd="1" destOrd="0"/>
+        <dgm:cxn modelId="6" srcId="0" destId="3" srcOrd="2" destOrd="0"/>
+      </dgm:cxnLst>
+      <dgm:bg/>
+      <dgm:whole/>
+    </dgm:dataModel>
+  </dgm:sampData>
+  <dgm:styleData>
+    <dgm:dataModel>
+      <dgm:ptLst>
+        <dgm:pt modelId="0" type="doc"/>
+        <dgm:pt modelId="1">
+          <dgm:prSet phldr="1"/>
+        </dgm:pt>
+        <dgm:pt modelId="2">
+          <dgm:prSet phldr="1"/>
+        </dgm:pt>
+      </dgm:ptLst>
+      <dgm:cxnLst>
+        <dgm:cxn modelId="3" srcId="0" destId="1" srcOrd="0" destOrd="0"/>
+        <dgm:cxn modelId="4" srcId="0" destId="2" srcOrd="1" destOrd="0"/>
+      </dgm:cxnLst>
+      <dgm:bg/>
+      <dgm:whole/>
+    </dgm:dataModel>
+  </dgm:styleData>
+  <dgm:clrData>
+    <dgm:dataModel>
+      <dgm:ptLst>
+        <dgm:pt modelId="0" type="doc"/>
+        <dgm:pt modelId="1">
+          <dgm:prSet phldr="1"/>
+        </dgm:pt>
+        <dgm:pt modelId="2">
+          <dgm:prSet phldr="1"/>
+        </dgm:pt>
+        <dgm:pt modelId="3">
+          <dgm:prSet phldr="1"/>
+        </dgm:pt>
+        <dgm:pt modelId="4">
+          <dgm:prSet phldr="1"/>
+        </dgm:pt>
+      </dgm:ptLst>
+      <dgm:cxnLst>
+        <dgm:cxn modelId="5" srcId="0" destId="1" srcOrd="0" destOrd="0"/>
+        <dgm:cxn modelId="6" srcId="0" destId="2" srcOrd="1" destOrd="0"/>
+        <dgm:cxn modelId="7" srcId="0" destId="3" srcOrd="2" destOrd="0"/>
+        <dgm:cxn modelId="8" srcId="0" destId="4" srcOrd="3" destOrd="0"/>
+      </dgm:cxnLst>
+      <dgm:bg/>
+      <dgm:whole/>
+    </dgm:dataModel>
+  </dgm:clrData>
+  <dgm:layoutNode name="Name0">
+    <dgm:varLst>
+      <dgm:chMax val="7"/>
+      <dgm:chPref val="7"/>
+      <dgm:dir/>
+    </dgm:varLst>
+    <dgm:alg type="composite"/>
+    <dgm:shape xmlns:r="http://schemas.openxmlformats.org/officeDocument/2006/relationships" r:blip="">
+      <dgm:adjLst/>
+    </dgm:shape>
+    <dgm:constrLst>
+      <dgm:constr type="w" for="ch" refType="h" refFor="ch" op="gte" fact="0.8"/>
+    </dgm:constrLst>
+    <dgm:layoutNode name="Name1">
+      <dgm:alg type="composite"/>
+      <dgm:shape xmlns:r="http://schemas.openxmlformats.org/officeDocument/2006/relationships" r:blip="">
+        <dgm:adjLst/>
+      </dgm:shape>
+      <dgm:choose name="Name2">
+        <dgm:if name="Name3" func="var" arg="dir" op="equ" val="norm">
+          <dgm:choose name="Name4">
+            <dgm:if name="Name5" axis="ch" ptType="node" func="cnt" op="equ" val="1">
+              <dgm:constrLst>
+                <dgm:constr type="h" for="ch" forName="cycle" refType="h"/>
+                <dgm:constr type="w" for="ch" forName="cycle" refType="h" refFor="ch" refForName="cycle" fact="0.26"/>
+                <dgm:constr type="l" for="ch" forName="cycle"/>
+                <dgm:constr type="ctrY" for="ch" forName="cycle" refType="h" fact="0.5"/>
+                <dgm:constr type="diam" for="ch" forName="cycle" refType="h" fact="1.344"/>
+                <dgm:constr type="h" for="ch" forName="accent_1" refType="h" fact="0.625"/>
+                <dgm:constr type="w" for="ch" forName="accent_1" refType="h" refFor="ch" refForName="accent_1" op="equ"/>
+                <dgm:constr type="ctrY" for="ch" forName="accent_1" refType="h" fact="0.5"/>
+                <dgm:constr type="ctrX" for="ch" forName="accent_1" refType="h" fact="0.2253"/>
+                <dgm:constr type="l" for="ch" forName="text_1" refType="ctrX" refFor="ch" refForName="accent_1"/>
+                <dgm:constr type="r" for="ch" forName="text_1" refType="w"/>
+                <dgm:constr type="w" for="ch" forName="text_1" refType="h" refFor="ch" refForName="text_1" op="gte"/>
+                <dgm:constr type="h" for="ch" forName="text_1" refType="h" refFor="ch" refForName="accent_1" fact="0.8"/>
+                <dgm:constr type="ctrY" for="ch" forName="text_1" refType="ctrY" refFor="ch" refForName="accent_1"/>
+                <dgm:constr type="lMarg" for="ch" forName="text_1" refType="w" refFor="ch" refForName="accent_1" fact="1.8"/>
+                <dgm:constr type="primFontSz" for="ch" ptType="node" op="equ" val="65"/>
+              </dgm:constrLst>
+            </dgm:if>
+            <dgm:if name="Name6" axis="ch" ptType="node" func="cnt" op="equ" val="2">
+              <dgm:constrLst>
+                <dgm:constr type="h" for="ch" forName="cycle" refType="h"/>
+                <dgm:constr type="w" for="ch" forName="cycle" refType="h" refFor="ch" refForName="cycle" fact="0.26"/>
+                <dgm:constr type="l" for="ch" forName="cycle"/>
+                <dgm:constr type="ctrY" for="ch" forName="cycle" refType="h" fact="0.5"/>
+                <dgm:constr type="diam" for="ch" forName="cycle" refType="h" fact="1.344"/>
+                <dgm:constr type="h" for="ch" forName="accent_1" refType="h" fact="0.3571"/>
+                <dgm:constr type="w" for="ch" forName="accent_1" refType="h" refFor="ch" refForName="accent_1" op="equ"/>
+                <dgm:constr type="ctrY" for="ch" forName="accent_1" refType="h" fact="0.2857"/>
+                <dgm:constr type="ctrX" for="ch" forName="accent_1" refType="h" fact="0.1891"/>
+                <dgm:constr type="l" for="ch" forName="text_1" refType="ctrX" refFor="ch" refForName="accent_1"/>
+                <dgm:constr type="r" for="ch" forName="text_1" refType="w"/>
+                <dgm:constr type="w" for="ch" forName="text_1" refType="h" refFor="ch" refForName="text_1" op="gte"/>
+                <dgm:constr type="h" for="ch" forName="text_1" refType="h" refFor="ch" refForName="accent_1" fact="0.8"/>
+                <dgm:constr type="ctrY" for="ch" forName="text_1" refType="ctrY" refFor="ch" refForName="accent_1"/>
+                <dgm:constr type="lMarg" for="ch" forName="text_1" refType="w" refFor="ch" refForName="accent_1" fact="1.8"/>
+                <dgm:constr type="h" for="ch" forName="accent_2" refType="h" fact="0.3571"/>
+                <dgm:constr type="w" for="ch" forName="accent_2" refType="h" refFor="ch" refForName="accent_2" op="equ"/>
+                <dgm:constr type="ctrY" for="ch" forName="accent_2" refType="h" fact="0.7143"/>
+                <dgm:constr type="ctrX" for="ch" forName="accent_2" refType="h" fact="0.1891"/>
+                <dgm:constr type="l" for="ch" forName="text_2" refType="ctrX" refFor="ch" refForName="accent_2"/>
+                <dgm:constr type="r" for="ch" forName="text_2" refType="w"/>
+                <dgm:constr type="w" for="ch" forName="text_2" refType="h" refFor="ch" refForName="text_2" op="gte"/>
+                <dgm:constr type="h" for="ch" forName="text_2" refType="h" refFor="ch" refForName="accent_2" fact="0.8"/>
+                <dgm:constr type="ctrY" for="ch" forName="text_2" refType="ctrY" refFor="ch" refForName="accent_2"/>
+                <dgm:constr type="lMarg" for="ch" forName="text_2" refType="w" refFor="ch" refForName="accent_2" fact="1.8"/>
+                <dgm:constr type="primFontSz" for="ch" ptType="node" op="equ" val="65"/>
+              </dgm:constrLst>
+            </dgm:if>
+            <dgm:if name="Name7" axis="ch" ptType="node" func="cnt" op="equ" val="3">
+              <dgm:constrLst>
+                <dgm:constr type="h" for="ch" forName="cycle" refType="h"/>
+                <dgm:constr type="w" for="ch" forName="cycle" refType="h" refFor="ch" refForName="cycle" fact="0.26"/>
+                <dgm:constr type="l" for="ch" forName="cycle"/>
+                <dgm:constr type="ctrY" for="ch" forName="cycle" refType="h" fact="0.5"/>
+                <dgm:constr type="diam" for="ch" forName="cycle" refType="h" fact="1.344"/>
+                <dgm:constr type="h" for="ch" forName="accent_1" refType="h" fact="0.25"/>
+                <dgm:constr type="w" for="ch" forName="accent_1" refType="h" refFor="ch" refForName="accent_1" op="equ"/>
+                <dgm:constr type="ctrY" for="ch" forName="accent_1" refType="h" fact="0.2"/>
+                <dgm:constr type="ctrX" for="ch" forName="accent_1" refType="h" fact="0.1526"/>
+                <dgm:constr type="l" for="ch" forName="text_1" refType="ctrX" refFor="ch" refForName="accent_1"/>
+                <dgm:constr type="r" for="ch" forName="text_1" refType="w"/>
+                <dgm:constr type="w" for="ch" forName="text_1" refType="h" refFor="ch" refForName="text_1" op="gte"/>
+                <dgm:constr type="h" for="ch" forName="text_1" refType="h" refFor="ch" refForName="accent_1" fact="0.8"/>
+                <dgm:constr type="ctrY" for="ch" forName="text_1" refType="ctrY" refFor="ch" refForName="accent_1"/>
+                <dgm:constr type="lMarg" for="ch" forName="text_1" refType="w" refFor="ch" refForName="accent_1" fact="1.8"/>
+                <dgm:constr type="h" for="ch" forName="accent_2" refType="h" fact="0.25"/>
+                <dgm:constr type="w" for="ch" forName="accent_2" refType="h" refFor="ch" refForName="accent_2" op="equ"/>
+                <dgm:constr type="ctrY" for="ch" forName="accent_2" refType="h" fact="0.5"/>
+                <dgm:constr type="ctrX" for="ch" forName="accent_2" refType="h" fact="0.2253"/>
+                <dgm:constr type="l" for="ch" forName="text_2" refType="ctrX" refFor="ch" refForName="accent_2"/>
+                <dgm:constr type="r" for="ch" forName="text_2" refType="w"/>
+                <dgm:constr type="w" for="ch" forName="text_2" refType="h" refFor="ch" refForName="text_2" op="gte"/>
+                <dgm:constr type="h" for="ch" forName="text_2" refType="h" refFor="ch" refForName="accent_2" fact="0.8"/>
+                <dgm:constr type="ctrY" for="ch" forName="text_2" refType="ctrY" refFor="ch" refForName="accent_2"/>
+                <dgm:constr type="lMarg" for="ch" forName="text_2" refType="w" refFor="ch" refForName="accent_2" fact="1.8"/>
+                <dgm:constr type="h" for="ch" forName="accent_3" refType="h" fact="0.25"/>
+                <dgm:constr type="w" for="ch" forName="accent_3" refType="h" refFor="ch" refForName="accent_3" op="equ"/>
+                <dgm:constr type="ctrY" for="ch" forName="accent_3" refType="h" fact="0.8"/>
+                <dgm:constr type="ctrX" for="ch" forName="accent_3" refType="h" fact="0.1526"/>
+                <dgm:constr type="l" for="ch" forName="text_3" refType="ctrX" refFor="ch" refForName="accent_3"/>
+                <dgm:constr type="r" for="ch" forName="text_3" refType="w"/>
+                <dgm:constr type="w" for="ch" forName="text_3" refType="h" refFor="ch" refForName="text_3" op="gte"/>
+                <dgm:constr type="h" for="ch" forName="text_3" refType="h" refFor="ch" refForName="accent_3" fact="0.8"/>
+                <dgm:constr type="ctrY" for="ch" forName="text_3" refType="ctrY" refFor="ch" refForName="accent_3"/>
+                <dgm:constr type="lMarg" for="ch" forName="text_3" refType="w" refFor="ch" refForName="accent_3" fact="1.8"/>
+                <dgm:constr type="primFontSz" for="ch" ptType="node" op="equ" val="65"/>
+              </dgm:constrLst>
+            </dgm:if>
+            <dgm:if name="Name8" axis="ch" ptType="node" func="cnt" op="equ" val="4">
+              <dgm:constrLst>
+                <dgm:constr type="h" for="ch" forName="cycle" refType="h"/>
+                <dgm:constr type="w" for="ch" forName="cycle" refType="h" refFor="ch" refForName="cycle" fact="0.26"/>
+                <dgm:constr type="l" for="ch" forName="cycle"/>
+                <dgm:constr type="ctrY" for="ch" forName="cycle" refType="h" fact="0.5"/>
+                <dgm:constr type="diam" for="ch" forName="cycle" refType="h" fact="1.344"/>
+                <dgm:constr type="h" for="ch" forName="accent_1" refType="h" fact="0.1923"/>
+                <dgm:constr type="w" for="ch" forName="accent_1" refType="h" refFor="ch" refForName="accent_1" op="equ"/>
+                <dgm:constr type="ctrY" for="ch" forName="accent_1" refType="h" fact="0.1538"/>
+                <dgm:constr type="ctrX" for="ch" forName="accent_1" refType="h" fact="0.1268"/>
+                <dgm:constr type="l" for="ch" forName="text_1" refType="ctrX" refFor="ch" refForName="accent_1"/>
+                <dgm:constr type="r" for="ch" forName="text_1" refType="w"/>
+                <dgm:constr type="w" for="ch" forName="text_1" refType="h" refFor="ch" refForName="text_1" op="gte"/>
+                <dgm:constr type="h" for="ch" forName="text_1" refType="h" refFor="ch" refForName="accent_1" fact="0.8"/>
+                <dgm:constr type="ctrY" for="ch" forName="text_1" refType="ctrY" refFor="ch" refForName="accent_1"/>
+                <dgm:constr type="lMarg" for="ch" forName="text_1" refType="w" refFor="ch" refForName="accent_1" fact="1.8"/>
+                <dgm:constr type="h" for="ch" forName="accent_2" refType="h" fact="0.1923"/>
+                <dgm:constr type="w" for="ch" forName="accent_2" refType="h" refFor="ch" refForName="accent_2" op="equ"/>
+                <dgm:constr type="ctrY" for="ch" forName="accent_2" refType="h" fact="0.3846"/>
+                <dgm:constr type="ctrX" for="ch" forName="accent_2" refType="h" fact="0.215"/>
+                <dgm:constr type="l" for="ch" forName="text_2" refType="ctrX" refFor="ch" refForName="accent_2"/>
+                <dgm:constr type="r" for="ch" forName="text_2" refType="w"/>
+                <dgm:constr type="w" for="ch" forName="text_2" refType="h" refFor="ch" refForName="text_2" op="gte"/>
+                <dgm:constr type="h" for="ch" forName="text_2" refType="h" refFor="ch" refForName="accent_2" fact="0.8"/>
+                <dgm:constr type="ctrY" for="ch" forName="text_2" refType="ctrY" refFor="ch" refForName="accent_2"/>
+                <dgm:constr type="lMarg" for="ch" forName="text_2" refType="w" refFor="ch" refForName="accent_2" fact="1.8"/>
+                <dgm:constr type="h" for="ch" forName="accent_3" refType="h" fact="0.1923"/>
+                <dgm:constr type="w" for="ch" forName="accent_3" refType="h" refFor="ch" refForName="accent_3" op="equ"/>
+                <dgm:constr type="ctrY" for="ch" forName="accent_3" refType="h" fact="0.6154"/>
+                <dgm:constr type="ctrX" for="ch" forName="accent_3" refType="h" fact="0.215"/>
+                <dgm:constr type="l" for="ch" forName="text_3" refType="ctrX" refFor="ch" refForName="accent_3"/>
+                <dgm:constr type="r" for="ch" forName="text_3" refType="w"/>
+                <dgm:constr type="w" for="ch" forName="text_3" refType="h" refFor="ch" refForName="text_3" op="gte"/>
+                <dgm:constr type="h" for="ch" forName="text_3" refType="h" refFor="ch" refForName="accent_3" fact="0.8"/>
+                <dgm:constr type="ctrY" for="ch" forName="text_3" refType="ctrY" refFor="ch" refForName="accent_3"/>
+                <dgm:constr type="lMarg" for="ch" forName="text_3" refType="w" refFor="ch" refForName="accent_3" fact="1.8"/>
+                <dgm:constr type="h" for="ch" forName="accent_4" refType="h" fact="0.1923"/>
+                <dgm:constr type="w" for="ch" forName="accent_4" refType="h" refFor="ch" refForName="accent_4" op="equ"/>
+                <dgm:constr type="ctrY" for="ch" forName="accent_4" refType="h" fact="0.8462"/>
+                <dgm:constr type="ctrX" for="ch" forName="accent_4" refType="h" fact="0.1268"/>
+                <dgm:constr type="l" for="ch" forName="text_4" refType="ctrX" refFor="ch" refForName="accent_4"/>
+                <dgm:constr type="r" for="ch" forName="text_4" refType="w"/>
+                <dgm:constr type="w" for="ch" forName="text_4" refType="h" refFor="ch" refForName="text_4" op="gte"/>
+                <dgm:constr type="h" for="ch" forName="text_4" refType="h" refFor="ch" refForName="accent_4" fact="0.8"/>
+                <dgm:constr type="ctrY" for="ch" forName="text_4" refType="ctrY" refFor="ch" refForName="accent_4"/>
+                <dgm:constr type="lMarg" for="ch" forName="text_4" refType="w" refFor="ch" refForName="accent_4" fact="1.8"/>
+                <dgm:constr type="primFontSz" for="ch" ptType="node" op="equ" val="65"/>
+              </dgm:constrLst>
+            </dgm:if>
+            <dgm:if name="Name9" axis="ch" ptType="node" func="cnt" op="equ" val="5">
+              <dgm:constrLst>
+                <dgm:constr type="h" for="ch" forName="cycle" refType="h"/>
+                <dgm:constr type="w" for="ch" forName="cycle" refType="h" refFor="ch" refForName="cycle" fact="0.26"/>
+                <dgm:constr type="l" for="ch" forName="cycle"/>
+                <dgm:constr type="ctrY" for="ch" forName="cycle" refType="h" fact="0.5"/>
+                <dgm:constr type="diam" for="ch" forName="cycle" refType="h" fact="1.344"/>
+                <dgm:constr type="h" for="ch" forName="accent_1" refType="h" fact="0.1563"/>
+                <dgm:constr type="w" for="ch" forName="accent_1" refType="h" refFor="ch" refForName="accent_1" op="equ"/>
+                <dgm:constr type="ctrY" for="ch" forName="accent_1" refType="h" fact="0.125"/>
+                <dgm:constr type="ctrX" for="ch" forName="accent_1" refType="h" fact="0.1082"/>
+                <dgm:constr type="l" for="ch" forName="text_1" refType="ctrX" refFor="ch" refForName="accent_1"/>
+                <dgm:constr type="r" for="ch" forName="text_1" refType="w"/>
+                <dgm:constr type="w" for="ch" forName="text_1" refType="h" refFor="ch" refForName="text_1" op="gte"/>
+                <dgm:constr type="h" for="ch" forName="text_1" refType="h" refFor="ch" refForName="accent_1" fact="0.8"/>
+                <dgm:constr type="ctrY" for="ch" forName="text_1" refType="ctrY" refFor="ch" refForName="accent_1"/>
+                <dgm:constr type="lMarg" for="ch" forName="text_1" refType="w" refFor="ch" refForName="accent_1" fact="1.8"/>
+                <dgm:constr type="h" for="ch" forName="accent_2" refType="h" fact="0.1563"/>
+                <dgm:constr type="w" for="ch" forName="accent_2" refType="h" refFor="ch" refForName="accent_2" op="equ"/>
+                <dgm:constr type="ctrY" for="ch" forName="accent_2" refType="h" fact="0.3125"/>
+                <dgm:constr type="ctrX" for="ch" forName="accent_2" refType="h" fact="0.1978"/>
+                <dgm:constr type="l" for="ch" forName="text_2" refType="ctrX" refFor="ch" refForName="accent_2"/>
+                <dgm:constr type="r" for="ch" forName="text_2" refType="w"/>
+                <dgm:constr type="w" for="ch" forName="text_2" refType="h" refFor="ch" refForName="text_2" op="gte"/>
+                <dgm:constr type="h" for="ch" forName="text_2" refType="h" refFor="ch" refForName="accent_2" fact="0.8"/>
+                <dgm:constr type="ctrY" for="ch" forName="text_2" refType="ctrY" refFor="ch" refForName="accent_2"/>
+                <dgm:constr type="lMarg" for="ch" forName="text_2" refType="w" refFor="ch" refForName="accent_2" fact="1.8"/>
+                <dgm:constr type="h" for="ch" forName="accent_3" refType="h" fact="0.1563"/>
+                <dgm:constr type="w" for="ch" forName="accent_3" refType="h" refFor="ch" refForName="accent_3" op="equ"/>
+                <dgm:constr type="ctrY" for="ch" forName="accent_3" refType="h" fact="0.5"/>
+                <dgm:constr type="ctrX" for="ch" forName="accent_3" refType="h" fact="0.2253"/>
+                <dgm:constr type="l" for="ch" forName="text_3" refType="ctrX" refFor="ch" refForName="accent_3"/>
+                <dgm:constr type="r" for="ch" forName="text_3" refType="w"/>
+                <dgm:constr type="w" for="ch" forName="text_3" refType="h" refFor="ch" refForName="text_3" op="gte"/>
+                <dgm:constr type="h" for="ch" forName="text_3" refType="h" refFor="ch" refForName="accent_3" fact="0.8"/>
+                <dgm:constr type="ctrY" for="ch" forName="text_3" refType="ctrY" refFor="ch" refForName="accent_3"/>
+                <dgm:constr type="lMarg" for="ch" forName="text_3" refType="w" refFor="ch" refForName="accent_3" fact="1.8"/>
+                <dgm:constr type="h" for="ch" forName="accent_4" refType="h" fact="0.1563"/>
+                <dgm:constr type="w" for="ch" forName="accent_4" refType="h" refFor="ch" refForName="accent_4" op="equ"/>
+                <dgm:constr type="ctrY" for="ch" forName="accent_4" refType="h" fact="0.6875"/>
+                <dgm:constr type="ctrX" for="ch" forName="accent_4" refType="h" fact="0.1978"/>
+                <dgm:constr type="l" for="ch" forName="text_4" refType="ctrX" refFor="ch" refForName="accent_4"/>
+                <dgm:constr type="r" for="ch" forName="text_4" refType="w"/>
+                <dgm:constr type="w" for="ch" forName="text_4" refType="h" refFor="ch" refForName="text_4" op="gte"/>
+                <dgm:constr type="h" for="ch" forName="text_4" refType="h" refFor="ch" refForName="accent_4" fact="0.8"/>
+                <dgm:constr type="ctrY" for="ch" forName="text_4" refType="ctrY" refFor="ch" refForName="accent_4"/>
+                <dgm:constr type="lMarg" for="ch" forName="text_4" refType="w" refFor="ch" refForName="accent_4" fact="1.8"/>
+                <dgm:constr type="h" for="ch" forName="accent_5" refType="h" fact="0.1563"/>
+                <dgm:constr type="w" for="ch" forName="accent_5" refType="h" refFor="ch" refForName="accent_5" op="equ"/>
+                <dgm:constr type="ctrY" for="ch" forName="accent_5" refType="h" fact="0.875"/>
+                <dgm:constr type="ctrX" for="ch" forName="accent_5" refType="h" fact="0.1082"/>
+                <dgm:constr type="l" for="ch" forName="text_5" refType="ctrX" refFor="ch" refForName="accent_5"/>
+                <dgm:constr type="r" for="ch" forName="text_5" refType="w"/>
+                <dgm:constr type="w" for="ch" forName="text_5" refType="h" refFor="ch" refForName="text_5" op="gte"/>
+                <dgm:constr type="h" for="ch" forName="text_5" refType="h" refFor="ch" refForName="accent_5" fact="0.8"/>
+                <dgm:constr type="ctrY" for="ch" forName="text_5" refType="ctrY" refFor="ch" refForName="accent_5"/>
+                <dgm:constr type="lMarg" for="ch" forName="text_5" refType="w" refFor="ch" refForName="accent_5" fact="1.8"/>
+                <dgm:constr type="primFontSz" for="ch" ptType="node" op="equ" val="65"/>
+              </dgm:constrLst>
+            </dgm:if>
+            <dgm:if name="Name10" axis="ch" ptType="node" func="cnt" op="equ" val="6">
+              <dgm:constrLst>
+                <dgm:constr type="h" for="ch" forName="cycle" refType="h"/>
+                <dgm:constr type="w" for="ch" forName="cycle" refType="h" refFor="ch" refForName="cycle" fact="0.26"/>
+                <dgm:constr type="l" for="ch" forName="cycle"/>
+                <dgm:constr type="ctrY" for="ch" forName="cycle" refType="h" fact="0.5"/>
+                <dgm:constr type="diam" for="ch" forName="cycle" refType="h" fact="1.344"/>
+                <dgm:constr type="h" for="ch" forName="accent_1" refType="h" fact="0.1316"/>
+                <dgm:constr type="w" for="ch" forName="accent_1" refType="h" refFor="ch" refForName="accent_1" op="equ"/>
+                <dgm:constr type="ctrY" for="ch" forName="accent_1" refType="h" fact="0.1053"/>
+                <dgm:constr type="ctrX" for="ch" forName="accent_1" refType="h" fact="0.0943"/>
+                <dgm:constr type="l" for="ch" forName="text_1" refType="ctrX" refFor="ch" refForName="accent_1"/>
+                <dgm:constr type="r" for="ch" forName="text_1" refType="w"/>
+                <dgm:constr type="w" for="ch" forName="text_1" refType="h" refFor="ch" refForName="text_1" op="gte"/>
+                <dgm:constr type="h" for="ch" forName="text_1" refType="h" refFor="ch" refForName="accent_1" fact="0.8"/>
+                <dgm:constr type="ctrY" for="ch" forName="text_1" refType="ctrY" refFor="ch" refForName="accent_1"/>
+                <dgm:constr type="lMarg" for="ch" forName="text_1" refType="w" refFor="ch" refForName="accent_1" fact="1.8"/>
+                <dgm:constr type="h" for="ch" forName="accent_2" refType="h" fact="0.1316"/>
+                <dgm:constr type="w" for="ch" forName="accent_2" refType="h" refFor="ch" refForName="accent_2" op="equ"/>
+                <dgm:constr type="ctrY" for="ch" forName="accent_2" refType="h" fact="0.2632"/>
+                <dgm:constr type="ctrX" for="ch" forName="accent_2" refType="h" fact="0.1809"/>
+                <dgm:constr type="l" for="ch" forName="text_2" refType="ctrX" refFor="ch" refForName="accent_2"/>
+                <dgm:constr type="r" for="ch" forName="text_2" refType="w"/>
+                <dgm:constr type="w" for="ch" forName="text_2" refType="h" refFor="ch" refForName="text_2" op="gte"/>
+                <dgm:constr type="h" for="ch" forName="text_2" refType="h" refFor="ch" refForName="accent_2" fact="0.8"/>
+                <dgm:constr type="ctrY" for="ch" forName="text_2" refType="ctrY" refFor="ch" refForName="accent_2"/>
+                <dgm:constr type="lMarg" for="ch" forName="text_2" refType="w" refFor="ch" refForName="accent_2" fact="1.8"/>
+                <dgm:constr type="h" for="ch" forName="accent_3" refType="h" fact="0.1316"/>
+                <dgm:constr type="w" for="ch" forName="accent_3" refType="h" refFor="ch" refForName="accent_3" op="equ"/>
+                <dgm:constr type="ctrY" for="ch" forName="accent_3" refType="h" fact="0.4211"/>
+                <dgm:constr type="ctrX" for="ch" forName="accent_3" refType="h" fact="0.2205"/>
+                <dgm:constr type="l" for="ch" forName="text_3" refType="ctrX" refFor="ch" refForName="accent_3"/>
+                <dgm:constr type="r" for="ch" forName="text_3" refType="w"/>
+                <dgm:constr type="w" for="ch" forName="text_3" refType="h" refFor="ch" refForName="text_3" op="gte"/>
+                <dgm:constr type="h" for="ch" forName="text_3" refType="h" refFor="ch" refForName="accent_3" fact="0.8"/>
+                <dgm:constr type="ctrY" for="ch" forName="text_3" refType="ctrY" refFor="ch" refForName="accent_3"/>
+                <dgm:constr type="lMarg" for="ch" forName="text_3" refType="w" refFor="ch" refForName="accent_3" fact="1.8"/>
+                <dgm:constr type="h" for="ch" forName="accent_4" refType="h" fact="0.1316"/>
+                <dgm:constr type="w" for="ch" forName="accent_4" refType="h" refFor="ch" refForName="accent_4" op="equ"/>
+                <dgm:constr type="ctrY" for="ch" forName="accent_4" refType="h" fact="0.5789"/>
+                <dgm:constr type="ctrX" for="ch" forName="accent_4" refType="h" fact="0.2205"/>
+                <dgm:constr type="l" for="ch" forName="text_4" refType="ctrX" refFor="ch" refForName="accent_4"/>
+                <dgm:constr type="r" for="ch" forName="text_4" refType="w"/>
+                <dgm:constr type="w" for="ch" forName="text_4" refType="h" refFor="ch" refForName="text_4" op="gte"/>
+                <dgm:constr type="h" for="ch" forName="text_4" refType="h" refFor="ch" refForName="accent_4" fact="0.8"/>
+                <dgm:constr type="ctrY" for="ch" forName="text_4" refType="ctrY" refFor="ch" refForName="accent_4"/>
+                <dgm:constr type="lMarg" for="ch" forName="text_4" refType="w" refFor="ch" refForName="accent_4" fact="1.8"/>
+                <dgm:constr type="h" for="ch" forName="accent_5" refType="h" fact="0.1316"/>
+                <dgm:constr type="w" for="ch" forName="accent_5" refType="h" refFor="ch" refForName="accent_5" op="equ"/>
+                <dgm:constr type="ctrY" for="ch" forName="accent_5" refType="h" fact="0.7368"/>
+                <dgm:constr type="ctrX" for="ch" forName="accent_5" refType="h" fact="0.1809"/>
+                <dgm:constr type="l" for="ch" forName="text_5" refType="ctrX" refFor="ch" refForName="accent_5"/>
+                <dgm:constr type="r" for="ch" forName="text_5" refType="w"/>
+                <dgm:constr type="w" for="ch" forName="text_5" refType="h" refFor="ch" refForName="text_5" op="gte"/>
+                <dgm:constr type="h" for="ch" forName="text_5" refType="h" refFor="ch" refForName="accent_5" fact="0.8"/>
+                <dgm:constr type="ctrY" for="ch" forName="text_5" refType="ctrY" refFor="ch" refForName="accent_5"/>
+                <dgm:constr type="lMarg" for="ch" forName="text_5" refType="w" refFor="ch" refForName="accent_5" fact="1.8"/>
+                <dgm:constr type="h" for="ch" forName="accent_6" refType="h" fact="0.1316"/>
+                <dgm:constr type="w" for="ch" forName="accent_6" refType="h" refFor="ch" refForName="accent_6" op="equ"/>
+                <dgm:constr type="ctrY" for="ch" forName="accent_6" refType="h" fact="0.8947"/>
+                <dgm:constr type="ctrX" for="ch" forName="accent_6" refType="h" fact="0.0943"/>
+                <dgm:constr type="l" for="ch" forName="text_6" refType="ctrX" refFor="ch" refForName="accent_6"/>
+                <dgm:constr type="r" for="ch" forName="text_6" refType="w"/>
+                <dgm:constr type="w" for="ch" forName="text_6" refType="h" refFor="ch" refForName="text_6" op="gte"/>
+                <dgm:constr type="h" for="ch" forName="text_6" refType="h" refFor="ch" refForName="accent_6" fact="0.8"/>
+                <dgm:constr type="ctrY" for="ch" forName="text_6" refType="ctrY" refFor="ch" refForName="accent_6"/>
+                <dgm:constr type="lMarg" for="ch" forName="text_6" refType="w" refFor="ch" refForName="accent_6" fact="1.8"/>
+                <dgm:constr type="primFontSz" for="ch" ptType="node" op="equ" val="65"/>
+              </dgm:constrLst>
+            </dgm:if>
+            <dgm:else name="Name11">
+              <dgm:constrLst>
+                <dgm:constr type="h" for="ch" forName="cycle" refType="h"/>
+                <dgm:constr type="w" for="ch" forName="cycle" refType="h" refFor="ch" refForName="cycle" fact="0.26"/>
+                <dgm:constr type="l" for="ch" forName="cycle"/>
+                <dgm:constr type="ctrY" for="ch" forName="cycle" refType="h" fact="0.5"/>
+                <dgm:constr type="diam" for="ch" forName="cycle" refType="h" fact="1.344"/>
+                <dgm:constr type="h" for="ch" forName="accent_1" refType="h" fact="0.1136"/>
+                <dgm:constr type="w" for="ch" forName="accent_1" refType="h" refFor="ch" refForName="accent_1" op="equ"/>
+                <dgm:constr type="ctrY" for="ch" forName="accent_1" refType="h" fact="0.0909"/>
+                <dgm:constr type="ctrX" for="ch" forName="accent_1" refType="h" fact="0.0835"/>
+                <dgm:constr type="l" for="ch" forName="text_1" refType="ctrX" refFor="ch" refForName="accent_1"/>
+                <dgm:constr type="r" for="ch" forName="text_1" refType="w"/>
+                <dgm:constr type="w" for="ch" forName="text_1" refType="h" refFor="ch" refForName="text_1" op="gte"/>
+                <dgm:constr type="h" for="ch" forName="text_1" refType="h" refFor="ch" refForName="accent_1" fact="0.8"/>
+                <dgm:constr type="ctrY" for="ch" forName="text_1" refType="ctrY" refFor="ch" refForName="accent_1"/>
+                <dgm:constr type="lMarg" for="ch" forName="text_1" refType="w" refFor="ch" refForName="accent_1" fact="1.8"/>
+                <dgm:constr type="h" for="ch" forName="accent_2" refType="h" fact="0.1136"/>
+                <dgm:constr type="w" for="ch" forName="accent_2" refType="h" refFor="ch" refForName="accent_2" op="equ"/>
+                <dgm:constr type="ctrY" for="ch" forName="accent_2" refType="h" fact="0.2273"/>
+                <dgm:constr type="ctrX" for="ch" forName="accent_2" refType="h" fact="0.1658"/>
+                <dgm:constr type="l" for="ch" forName="text_2" refType="ctrX" refFor="ch" refForName="accent_2"/>
+                <dgm:constr type="r" for="ch" forName="text_2" refType="w"/>
+                <dgm:constr type="w" for="ch" forName="text_2" refType="h" refFor="ch" refForName="text_2" op="gte"/>
+                <dgm:constr type="h" for="ch" forName="text_2" refType="h" refFor="ch" refForName="accent_2" fact="0.8"/>
+                <dgm:constr type="ctrY" for="ch" forName="text_2" refType="ctrY" refFor="ch" refForName="accent_2"/>
+                <dgm:constr type="lMarg" for="ch" forName="text_2" refType="w" refFor="ch" refForName="accent_2" fact="1.8"/>
+                <dgm:constr type="h" for="ch" forName="accent_3" refType="h" fact="0.1136"/>
+                <dgm:constr type="w" for="ch" forName="accent_3" refType="h" refFor="ch" refForName="accent_3" op="equ"/>
+                <dgm:constr type="ctrY" for="ch" forName="accent_3" refType="h" fact="0.3636"/>
+                <dgm:constr type="ctrX" for="ch" forName="accent_3" refType="h" fact="0.2109"/>
+                <dgm:constr type="l" for="ch" forName="text_3" refType="ctrX" refFor="ch" refForName="accent_3"/>
+                <dgm:constr type="r" for="ch" forName="text_3" refType="w"/>
+                <dgm:constr type="w" for="ch" forName="text_3" refType="h" refFor="ch" refForName="text_3" op="gte"/>
+                <dgm:constr type="h" for="ch" forName="text_3" refType="h" refFor="ch" refForName="accent_3" fact="0.8"/>
+                <dgm:constr type="ctrY" for="ch" forName="text_3" refType="ctrY" refFor="ch" refForName="accent_3"/>
+                <dgm:constr type="lMarg" for="ch" forName="text_3" refType="w" refFor="ch" refForName="accent_3" fact="1.8"/>
+                <dgm:constr type="h" for="ch" forName="accent_4" refType="h" fact="0.1136"/>
+                <dgm:constr type="w" for="ch" forName="accent_4" refType="h" refFor="ch" refForName="accent_4" op="equ"/>
+                <dgm:constr type="ctrY" for="ch" forName="accent_4" refType="h" fact="0.5"/>
+                <dgm:constr type="ctrX" for="ch" forName="accent_4" refType="h" fact="0.2253"/>
+                <dgm:constr type="l" for="ch" forName="text_4" refType="ctrX" refFor="ch" refForName="accent_4"/>
+                <dgm:constr type="r" for="ch" forName="text_4" refType="w"/>
+                <dgm:constr type="w" for="ch" forName="text_4" refType="h" refFor="ch" refForName="text_4" op="gte"/>
+                <dgm:constr type="h" for="ch" forName="text_4" refType="h" refFor="ch" refForName="accent_4" fact="0.8"/>
+                <dgm:constr type="ctrY" for="ch" forName="text_4" refType="ctrY" refFor="ch" refForName="accent_4"/>
+                <dgm:constr type="lMarg" for="ch" forName="text_4" refType="w" refFor="ch" refForName="accent_4" fact="1.8"/>
+                <dgm:constr type="h" for="ch" forName="accent_5" refType="h" fact="0.1136"/>
+                <dgm:constr type="w" for="ch" forName="accent_5" refType="h" refFor="ch" refForName="accent_5" op="equ"/>
+                <dgm:constr type="ctrY" for="ch" forName="accent_5" refType="h" fact="0.6364"/>
+                <dgm:constr type="ctrX" for="ch" forName="accent_5" refType="h" fact="0.2109"/>
+                <dgm:constr type="l" for="ch" forName="text_5" refType="ctrX" refFor="ch" refForName="accent_5"/>
+                <dgm:constr type="r" for="ch" forName="text_5" refType="w"/>
+                <dgm:constr type="w" for="ch" forName="text_5" refType="h" refFor="ch" refForName="text_5" op="gte"/>
+                <dgm:constr type="h" for="ch" forName="text_5" refType="h" refFor="ch" refForName="accent_5" fact="0.8"/>
+                <dgm:constr type="ctrY" for="ch" forName="text_5" refType="ctrY" refFor="ch" refForName="accent_5"/>
+                <dgm:constr type="lMarg" for="ch" forName="text_5" refType="w" refFor="ch" refForName="accent_5" fact="1.8"/>
+                <dgm:constr type="h" for="ch" forName="accent_6" refType="h" fact="0.1136"/>
+                <dgm:constr type="w" for="ch" forName="accent_6" refType="h" refFor="ch" refForName="accent_6" op="equ"/>
+                <dgm:constr type="ctrY" for="ch" forName="accent_6" refType="h" fact="0.7727"/>
+                <dgm:constr type="ctrX" for="ch" forName="accent_6" refType="h" fact="0.1658"/>
+                <dgm:constr type="l" for="ch" forName="text_6" refType="ctrX" refFor="ch" refForName="accent_6"/>
+                <dgm:constr type="r" for="ch" forName="text_6" refType="w"/>
+                <dgm:constr type="w" for="ch" forName="text_6" refType="h" refFor="ch" refForName="text_6" op="gte"/>
+                <dgm:constr type="h" for="ch" forName="text_6" refType="h" refFor="ch" refForName="accent_6" fact="0.8"/>
+                <dgm:constr type="ctrY" for="ch" forName="text_6" refType="ctrY" refFor="ch" refForName="accent_6"/>
+                <dgm:constr type="lMarg" for="ch" forName="text_6" refType="w" refFor="ch" refForName="accent_6" fact="1.8"/>
+                <dgm:constr type="h" for="ch" forName="accent_7" refType="h" fact="0.1136"/>
+                <dgm:constr type="w" for="ch" forName="accent_7" refType="h" refFor="ch" refForName="accent_7" op="equ"/>
+                <dgm:constr type="ctrY" for="ch" forName="accent_7" refType="h" fact="0.9091"/>
+                <dgm:constr type="ctrX" for="ch" forName="accent_7" refType="h" fact="0.0835"/>
+                <dgm:constr type="l" for="ch" forName="text_7" refType="ctrX" refFor="ch" refForName="accent_7"/>
+                <dgm:constr type="r" for="ch" forName="text_7" refType="w"/>
+                <dgm:constr type="w" for="ch" forName="text_7" refType="h" refFor="ch" refForName="text_7" op="gte"/>
+                <dgm:constr type="h" for="ch" forName="text_7" refType="h" refFor="ch" refForName="accent_7" fact="0.8"/>
+                <dgm:constr type="ctrY" for="ch" forName="text_7" refType="ctrY" refFor="ch" refForName="accent_7"/>
+                <dgm:constr type="lMarg" for="ch" forName="text_7" refType="w" refFor="ch" refForName="accent_7" fact="1.8"/>
+                <dgm:constr type="primFontSz" for="ch" ptType="node" op="equ" val="65"/>
+              </dgm:constrLst>
+            </dgm:else>
+          </dgm:choose>
+        </dgm:if>
+        <dgm:else name="Name12">
+          <dgm:choose name="Name13">
+            <dgm:if name="Name14" axis="ch" ptType="node" func="cnt" op="equ" val="1">
+              <dgm:constrLst>
+                <dgm:constr type="h" for="ch" forName="cycle" refType="h"/>
+                <dgm:constr type="w" for="ch" forName="cycle" refType="h" refFor="ch" refForName="cycle" fact="0.26"/>
+                <dgm:constr type="r" for="ch" forName="cycle" refType="w"/>
+                <dgm:constr type="ctrY" for="ch" forName="cycle" refType="h" fact="0.5"/>
+                <dgm:constr type="diam" for="ch" forName="cycle" refType="h" fact="1.344"/>
+                <dgm:constr type="h" for="ch" forName="accent_1" refType="h" fact="0.625"/>
+                <dgm:constr type="w" for="ch" forName="accent_1" refType="h" refFor="ch" refForName="accent_1" op="equ"/>
+                <dgm:constr type="ctrY" for="ch" forName="accent_1" refType="h" fact="0.5"/>
+                <dgm:constr type="ctrX" for="ch" forName="accent_1" refType="w"/>
+                <dgm:constr type="ctrXOff" for="ch" forName="accent_1" refType="h" fact="-0.2253"/>
+                <dgm:constr type="r" for="ch" forName="text_1" refType="ctrX" refFor="ch" refForName="accent_1"/>
+                <dgm:constr type="rOff" for="ch" forName="text_1" refType="ctrXOff" refFor="ch" refForName="accent_1"/>
+                <dgm:constr type="l" for="ch" forName="text_1"/>
+                <dgm:constr type="w" for="ch" forName="text_1" refType="h" refFor="ch" refForName="text_1" op="gte"/>
+                <dgm:constr type="h" for="ch" forName="text_1" refType="h" refFor="ch" refForName="accent_1" fact="0.8"/>
+                <dgm:constr type="ctrY" for="ch" forName="text_1" refType="ctrY" refFor="ch" refForName="accent_1"/>
+                <dgm:constr type="rMarg" for="ch" forName="text_1" refType="w" refFor="ch" refForName="accent_1" fact="1.8"/>
+                <dgm:constr type="primFontSz" for="ch" ptType="node" op="equ" val="65"/>
+              </dgm:constrLst>
+            </dgm:if>
+            <dgm:if name="Name15" axis="ch" ptType="node" func="cnt" op="equ" val="2">
+              <dgm:constrLst>
+                <dgm:constr type="h" for="ch" forName="cycle" refType="h"/>
+                <dgm:constr type="w" for="ch" forName="cycle" refType="h" refFor="ch" refForName="cycle" fact="0.26"/>
+                <dgm:constr type="r" for="ch" forName="cycle" refType="w"/>
+                <dgm:constr type="ctrY" for="ch" forName="cycle" refType="h" fact="0.5"/>
+                <dgm:constr type="diam" for="ch" forName="cycle" refType="h" fact="1.344"/>
+                <dgm:constr type="h" for="ch" forName="accent_1" refType="h" fact="0.3571"/>
+                <dgm:constr type="w" for="ch" forName="accent_1" refType="h" refFor="ch" refForName="accent_1" op="equ"/>
+                <dgm:constr type="ctrY" for="ch" forName="accent_1" refType="h" fact="0.2857"/>
+                <dgm:constr type="ctrX" for="ch" forName="accent_1" refType="w"/>
+                <dgm:constr type="ctrXOff" for="ch" forName="accent_1" refType="h" fact="-0.1891"/>
+                <dgm:constr type="r" for="ch" forName="text_1" refType="ctrX" refFor="ch" refForName="accent_1"/>
+                <dgm:constr type="rOff" for="ch" forName="text_1" refType="ctrXOff" refFor="ch" refForName="accent_1"/>
+                <dgm:constr type="l" for="ch" forName="text_1"/>
+                <dgm:constr type="w" for="ch" forName="text_1" refType="h" refFor="ch" refForName="text_1" op="gte"/>
+                <dgm:constr type="h" for="ch" forName="text_1" refType="h" refFor="ch" refForName="accent_1" fact="0.8"/>
+                <dgm:constr type="ctrY" for="ch" forName="text_1" refType="ctrY" refFor="ch" refForName="accent_1"/>
+                <dgm:constr type="rMarg" for="ch" forName="text_1" refType="w" refFor="ch" refForName="accent_1" fact="1.8"/>
+                <dgm:constr type="h" for="ch" forName="accent_2" refType="h" fact="0.3571"/>
+                <dgm:constr type="w" for="ch" forName="accent_2" refType="h" refFor="ch" refForName="accent_2" op="equ"/>
+                <dgm:constr type="ctrY" for="ch" forName="accent_2" refType="h" fact="0.7143"/>
+                <dgm:constr type="ctrX" for="ch" forName="accent_2" refType="w"/>
+                <dgm:constr type="ctrXOff" for="ch" forName="accent_2" refType="h" fact="-0.1891"/>
+                <dgm:constr type="r" for="ch" forName="text_2" refType="ctrX" refFor="ch" refForName="accent_2"/>
+                <dgm:constr type="rOff" for="ch" forName="text_2" refType="ctrXOff" refFor="ch" refForName="accent_2"/>
+                <dgm:constr type="l" for="ch" forName="text_2"/>
+                <dgm:constr type="w" for="ch" forName="text_2" refType="h" refFor="ch" refForName="text_2" op="gte"/>
+                <dgm:constr type="h" for="ch" forName="text_2" refType="h" refFor="ch" refForName="accent_2" fact="0.8"/>
+                <dgm:constr type="ctrY" for="ch" forName="text_2" refType="ctrY" refFor="ch" refForName="accent_2"/>
+                <dgm:constr type="rMarg" for="ch" forName="text_2" refType="w" refFor="ch" refForName="accent_2" fact="1.8"/>
+                <dgm:constr type="primFontSz" for="ch" ptType="node" op="equ" val="65"/>
+              </dgm:constrLst>
+            </dgm:if>
+            <dgm:if name="Name16" axis="ch" ptType="node" func="cnt" op="equ" val="3">
+              <dgm:constrLst>
+                <dgm:constr type="h" for="ch" forName="cycle" refType="h"/>
+                <dgm:constr type="w" for="ch" forName="cycle" refType="h" refFor="ch" refForName="cycle" fact="0.26"/>
+                <dgm:constr type="r" for="ch" forName="cycle" refType="w"/>
+                <dgm:constr type="ctrY" for="ch" forName="cycle" refType="h" fact="0.5"/>
+                <dgm:constr type="diam" for="ch" forName="cycle" refType="h" fact="1.344"/>
+                <dgm:constr type="h" for="ch" forName="accent_1" refType="h" fact="0.25"/>
+                <dgm:constr type="w" for="ch" forName="accent_1" refType="h" refFor="ch" refForName="accent_1" op="equ"/>
+                <dgm:constr type="ctrY" for="ch" forName="accent_1" refType="h" fact="0.2"/>
+                <dgm:constr type="ctrX" for="ch" forName="accent_1" refType="w"/>
+                <dgm:constr type="ctrXOff" for="ch" forName="accent_1" refType="h" fact="-0.1526"/>
+                <dgm:constr type="r" for="ch" forName="text_1" refType="ctrX" refFor="ch" refForName="accent_1"/>
+                <dgm:constr type="rOff" for="ch" forName="text_1" refType="ctrXOff" refFor="ch" refForName="accent_1"/>
+                <dgm:constr type="l" for="ch" forName="text_1"/>
+                <dgm:constr type="w" for="ch" forName="text_1" refType="h" refFor="ch" refForName="text_1" op="gte"/>
+                <dgm:constr type="h" for="ch" forName="text_1" refType="h" refFor="ch" refForName="accent_1" fact="0.8"/>
+                <dgm:constr type="ctrY" for="ch" forName="text_1" refType="ctrY" refFor="ch" refForName="accent_1"/>
+                <dgm:constr type="rMarg" for="ch" forName="text_1" refType="w" refFor="ch" refForName="accent_1" fact="1.8"/>
+                <dgm:constr type="h" for="ch" forName="accent_2" refType="h" fact="0.25"/>
+                <dgm:constr type="w" for="ch" forName="accent_2" refType="h" refFor="ch" refForName="accent_2" op="equ"/>
+                <dgm:constr type="ctrY" for="ch" forName="accent_2" refType="h" fact="0.5"/>
+                <dgm:constr type="ctrX" for="ch" forName="accent_2" refType="w"/>
+                <dgm:constr type="ctrXOff" for="ch" forName="accent_2" refType="h" fact="-0.2253"/>
+                <dgm:constr type="r" for="ch" forName="text_2" refType="ctrX" refFor="ch" refForName="accent_2"/>
+                <dgm:constr type="rOff" for="ch" forName="text_2" refType="ctrXOff" refFor="ch" refForName="accent_2"/>
+                <dgm:constr type="l" for="ch" forName="text_2"/>
+                <dgm:constr type="w" for="ch" forName="text_2" refType="h" refFor="ch" refForName="text_2" op="gte"/>
+                <dgm:constr type="h" for="ch" forName="text_2" refType="h" refFor="ch" refForName="accent_2" fact="0.8"/>
+                <dgm:constr type="ctrY" for="ch" forName="text_2" refType="ctrY" refFor="ch" refForName="accent_2"/>
+                <dgm:constr type="rMarg" for="ch" forName="text_2" refType="w" refFor="ch" refForName="accent_2" fact="1.8"/>
+                <dgm:constr type="h" for="ch" forName="accent_3" refType="h" fact="0.25"/>
+                <dgm:constr type="w" for="ch" forName="accent_3" refType="h" refFor="ch" refForName="accent_3" op="equ"/>
+                <dgm:constr type="ctrY" for="ch" forName="accent_3" refType="h" fact="0.8"/>
+                <dgm:constr type="ctrX" for="ch" forName="accent_3" refType="w"/>
+                <dgm:constr type="ctrXOff" for="ch" forName="accent_3" refType="h" fact="-0.1526"/>
+                <dgm:constr type="r" for="ch" forName="text_3" refType="ctrX" refFor="ch" refForName="accent_3"/>
+                <dgm:constr type="rOff" for="ch" forName="text_3" refType="ctrXOff" refFor="ch" refForName="accent_3"/>
+                <dgm:constr type="l" for="ch" forName="text_3"/>
+                <dgm:constr type="w" for="ch" forName="text_3" refType="h" refFor="ch" refForName="text_3" op="gte"/>
+                <dgm:constr type="h" for="ch" forName="text_3" refType="h" refFor="ch" refForName="accent_3" fact="0.8"/>
+                <dgm:constr type="ctrY" for="ch" forName="text_3" refType="ctrY" refFor="ch" refForName="accent_3"/>
+                <dgm:constr type="rMarg" for="ch" forName="text_3" refType="w" refFor="ch" refForName="accent_3" fact="1.8"/>
+                <dgm:constr type="primFontSz" for="ch" ptType="node" op="equ" val="65"/>
+              </dgm:constrLst>
+            </dgm:if>
+            <dgm:if name="Name17" axis="ch" ptType="node" func="cnt" op="equ" val="4">
+              <dgm:constrLst>
+                <dgm:constr type="h" for="ch" forName="cycle" refType="h"/>
+                <dgm:constr type="w" for="ch" forName="cycle" refType="h" refFor="ch" refForName="cycle" fact="0.26"/>
+                <dgm:constr type="r" for="ch" forName="cycle" refType="w"/>
+                <dgm:constr type="ctrY" for="ch" forName="cycle" refType="h" fact="0.5"/>
+                <dgm:constr type="diam" for="ch" forName="cycle" refType="h" fact="1.344"/>
+                <dgm:constr type="h" for="ch" forName="accent_1" refType="h" fact="0.1923"/>
+                <dgm:constr type="w" for="ch" forName="accent_1" refType="h" refFor="ch" refForName="accent_1" op="equ"/>
+                <dgm:constr type="ctrY" for="ch" forName="accent_1" refType="h" fact="0.1538"/>
+                <dgm:constr type="ctrX" for="ch" forName="accent_1" refType="w"/>
+                <dgm:constr type="ctrXOff" for="ch" forName="accent_1" refType="h" fact="-0.1268"/>
+                <dgm:constr type="r" for="ch" forName="text_1" refType="ctrX" refFor="ch" refForName="accent_1"/>
+                <dgm:constr type="rOff" for="ch" forName="text_1" refType="ctrXOff" refFor="ch" refForName="accent_1"/>
+                <dgm:constr type="l" for="ch" forName="text_1"/>
+                <dgm:constr type="w" for="ch" forName="text_1" refType="h" refFor="ch" refForName="text_1" op="gte"/>
+                <dgm:constr type="h" for="ch" forName="text_1" refType="h" refFor="ch" refForName="accent_1" fact="0.8"/>
+                <dgm:constr type="ctrY" for="ch" forName="text_1" refType="ctrY" refFor="ch" refForName="accent_1"/>
+                <dgm:constr type="rMarg" for="ch" forName="text_1" refType="w" refFor="ch" refForName="accent_1" fact="1.8"/>
+                <dgm:constr type="h" for="ch" forName="accent_2" refType="h" fact="0.1923"/>
+                <dgm:constr type="w" for="ch" forName="accent_2" refType="h" refFor="ch" refForName="accent_2" op="equ"/>
+                <dgm:constr type="ctrY" for="ch" forName="accent_2" refType="h" fact="0.3846"/>
+                <dgm:constr type="ctrX" for="ch" forName="accent_2" refType="w"/>
+                <dgm:constr type="ctrXOff" for="ch" forName="accent_2" refType="h" fact="-0.215"/>
+                <dgm:constr type="r" for="ch" forName="text_2" refType="ctrX" refFor="ch" refForName="accent_2"/>
+                <dgm:constr type="rOff" for="ch" forName="text_2" refType="ctrXOff" refFor="ch" refForName="accent_2"/>
+                <dgm:constr type="l" for="ch" forName="text_2"/>
+                <dgm:constr type="w" for="ch" forName="text_2" refType="h" refFor="ch" refForName="text_2" op="gte"/>
+                <dgm:constr type="h" for="ch" forName="text_2" refType="h" refFor="ch" refForName="accent_2" fact="0.8"/>
+                <dgm:constr type="ctrY" for="ch" forName="text_2" refType="ctrY" refFor="ch" refForName="accent_2"/>
+                <dgm:constr type="rMarg" for="ch" forName="text_2" refType="w" refFor="ch" refForName="accent_2" fact="1.8"/>
+                <dgm:constr type="h" for="ch" forName="accent_3" refType="h" fact="0.1923"/>
+                <dgm:constr type="w" for="ch" forName="accent_3" refType="h" refFor="ch" refForName="accent_3" op="equ"/>
+                <dgm:constr type="ctrY" for="ch" forName="accent_3" refType="h" fact="0.6154"/>
+                <dgm:constr type="ctrX" for="ch" forName="accent_3" refType="w"/>
+                <dgm:constr type="ctrXOff" for="ch" forName="accent_3" refType="h" fact="-0.215"/>
+                <dgm:constr type="r" for="ch" forName="text_3" refType="ctrX" refFor="ch" refForName="accent_3"/>
+                <dgm:constr type="rOff" for="ch" forName="text_3" refType="ctrXOff" refFor="ch" refForName="accent_3"/>
+                <dgm:constr type="l" for="ch" forName="text_3"/>
+                <dgm:constr type="w" for="ch" forName="text_3" refType="h" refFor="ch" refForName="text_3" op="gte"/>
+                <dgm:constr type="h" for="ch" forName="text_3" refType="h" refFor="ch" refForName="accent_3" fact="0.8"/>
+                <dgm:constr type="ctrY" for="ch" forName="text_3" refType="ctrY" refFor="ch" refForName="accent_3"/>
+                <dgm:constr type="rMarg" for="ch" forName="text_3" refType="w" refFor="ch" refForName="accent_3" fact="1.8"/>
+                <dgm:constr type="h" for="ch" forName="accent_4" refType="h" fact="0.1923"/>
+                <dgm:constr type="w" for="ch" forName="accent_4" refType="h" refFor="ch" refForName="accent_4" op="equ"/>
+                <dgm:constr type="ctrY" for="ch" forName="accent_4" refType="h" fact="0.8462"/>
+                <dgm:constr type="ctrX" for="ch" forName="accent_4" refType="w"/>
+                <dgm:constr type="ctrXOff" for="ch" forName="accent_4" refType="h" fact="-0.1268"/>
+                <dgm:constr type="r" for="ch" forName="text_4" refType="ctrX" refFor="ch" refForName="accent_4"/>
+                <dgm:constr type="rOff" for="ch" forName="text_4" refType="ctrXOff" refFor="ch" refForName="accent_4"/>
+                <dgm:constr type="l" for="ch" forName="text_4"/>
+                <dgm:constr type="w" for="ch" forName="text_4" refType="h" refFor="ch" refForName="text_4" op="gte"/>
+                <dgm:constr type="h" for="ch" forName="text_4" refType="h" refFor="ch" refForName="accent_4" fact="0.8"/>
+                <dgm:constr type="ctrY" for="ch" forName="text_4" refType="ctrY" refFor="ch" refForName="accent_4"/>
+                <dgm:constr type="rMarg" for="ch" forName="text_4" refType="w" refFor="ch" refForName="accent_4" fact="1.8"/>
+                <dgm:constr type="primFontSz" for="ch" ptType="node" op="equ" val="65"/>
+              </dgm:constrLst>
+            </dgm:if>
+            <dgm:if name="Name18" axis="ch" ptType="node" func="cnt" op="equ" val="5">
+              <dgm:constrLst>
+                <dgm:constr type="h" for="ch" forName="cycle" refType="h"/>
+                <dgm:constr type="w" for="ch" forName="cycle" refType="h" refFor="ch" refForName="cycle" fact="0.26"/>
+                <dgm:constr type="r" for="ch" forName="cycle" refType="w"/>
+                <dgm:constr type="ctrY" for="ch" forName="cycle" refType="h" fact="0.5"/>
+                <dgm:constr type="diam" for="ch" forName="cycle" refType="h" fact="1.344"/>
+                <dgm:constr type="h" for="ch" forName="accent_1" refType="h" fact="0.1563"/>
+                <dgm:constr type="w" for="ch" forName="accent_1" refType="h" refFor="ch" refForName="accent_1" op="equ"/>
+                <dgm:constr type="ctrY" for="ch" forName="accent_1" refType="h" fact="0.125"/>
+                <dgm:constr type="ctrX" for="ch" forName="accent_1" refType="w"/>
+                <dgm:constr type="ctrXOff" for="ch" forName="accent_1" refType="h" fact="-0.1082"/>
+                <dgm:constr type="r" for="ch" forName="text_1" refType="ctrX" refFor="ch" refForName="accent_1"/>
+                <dgm:constr type="rOff" for="ch" forName="text_1" refType="ctrXOff" refFor="ch" refForName="accent_1"/>
+                <dgm:constr type="l" for="ch" forName="text_1"/>
+                <dgm:constr type="w" for="ch" forName="text_1" refType="h" refFor="ch" refForName="text_1" op="gte"/>
+                <dgm:constr type="h" for="ch" forName="text_1" refType="h" refFor="ch" refForName="accent_1" fact="0.8"/>
+                <dgm:constr type="ctrY" for="ch" forName="text_1" refType="ctrY" refFor="ch" refForName="accent_1"/>
+                <dgm:constr type="rMarg" for="ch" forName="text_1" refType="w" refFor="ch" refForName="accent_1" fact="1.8"/>
+                <dgm:constr type="h" for="ch" forName="accent_2" refType="h" fact="0.1563"/>
+                <dgm:constr type="w" for="ch" forName="accent_2" refType="h" refFor="ch" refForName="accent_2" op="equ"/>
+                <dgm:constr type="ctrY" for="ch" forName="accent_2" refType="h" fact="0.3125"/>
+                <dgm:constr type="ctrX" for="ch" forName="accent_2" refType="w"/>
+                <dgm:constr type="ctrXOff" for="ch" forName="accent_2" refType="h" fact="-0.1978"/>
+                <dgm:constr type="r" for="ch" forName="text_2" refType="ctrX" refFor="ch" refForName="accent_2"/>
+                <dgm:constr type="rOff" for="ch" forName="text_2" refType="ctrXOff" refFor="ch" refForName="accent_2"/>
+                <dgm:constr type="l" for="ch" forName="text_2"/>
+                <dgm:constr type="w" for="ch" forName="text_2" refType="h" refFor="ch" refForName="text_2" op="gte"/>
+                <dgm:constr type="h" for="ch" forName="text_2" refType="h" refFor="ch" refForName="accent_2" fact="0.8"/>
+                <dgm:constr type="ctrY" for="ch" forName="text_2" refType="ctrY" refFor="ch" refForName="accent_2"/>
+                <dgm:constr type="rMarg" for="ch" forName="text_2" refType="w" refFor="ch" refForName="accent_2" fact="1.8"/>
+                <dgm:constr type="h" for="ch" forName="accent_3" refType="h" fact="0.1563"/>
+                <dgm:constr type="w" for="ch" forName="accent_3" refType="h" refFor="ch" refForName="accent_3" op="equ"/>
+                <dgm:constr type="ctrY" for="ch" forName="accent_3" refType="h" fact="0.5"/>
+                <dgm:constr type="ctrX" for="ch" forName="accent_3" refType="w"/>
+                <dgm:constr type="ctrXOff" for="ch" forName="accent_3" refType="h" fact="-0.2253"/>
+                <dgm:constr type="r" for="ch" forName="text_3" refType="ctrX" refFor="ch" refForName="accent_3"/>
+                <dgm:constr type="rOff" for="ch" forName="text_3" refType="ctrXOff" refFor="ch" refForName="accent_3"/>
+                <dgm:constr type="l" for="ch" forName="text_3"/>
+                <dgm:constr type="w" for="ch" forName="text_3" refType="h" refFor="ch" refForName="text_3" op="gte"/>
+                <dgm:constr type="h" for="ch" forName="text_3" refType="h" refFor="ch" refForName="accent_3" fact="0.8"/>
+                <dgm:constr type="ctrY" for="ch" forName="text_3" refType="ctrY" refFor="ch" refForName="accent_3"/>
+                <dgm:constr type="rMarg" for="ch" forName="text_3" refType="w" refFor="ch" refForName="accent_3" fact="1.8"/>
+                <dgm:constr type="h" for="ch" forName="accent_4" refType="h" fact="0.1563"/>
+                <dgm:constr type="w" for="ch" forName="accent_4" refType="h" refFor="ch" refForName="accent_4" op="equ"/>
+                <dgm:constr type="ctrY" for="ch" forName="accent_4" refType="h" fact="0.6875"/>
+                <dgm:constr type="ctrX" for="ch" forName="accent_4" refType="w"/>
+                <dgm:constr type="ctrXOff" for="ch" forName="accent_4" refType="h" fact="-0.1978"/>
+                <dgm:constr type="r" for="ch" forName="text_4" refType="ctrX" refFor="ch" refForName="accent_4"/>
+                <dgm:constr type="rOff" for="ch" forName="text_4" refType="ctrXOff" refFor="ch" refForName="accent_4"/>
+                <dgm:constr type="l" for="ch" forName="text_4"/>
+                <dgm:constr type="w" for="ch" forName="text_4" refType="h" refFor="ch" refForName="text_4" op="gte"/>
+                <dgm:constr type="h" for="ch" forName="text_4" refType="h" refFor="ch" refForName="accent_4" fact="0.8"/>
+                <dgm:constr type="ctrY" for="ch" forName="text_4" refType="ctrY" refFor="ch" refForName="accent_4"/>
+                <dgm:constr type="rMarg" for="ch" forName="text_4" refType="w" refFor="ch" refForName="accent_4" fact="1.8"/>
+                <dgm:constr type="h" for="ch" forName="accent_5" refType="h" fact="0.1563"/>
+                <dgm:constr type="w" for="ch" forName="accent_5" refType="h" refFor="ch" refForName="accent_5" op="equ"/>
+                <dgm:constr type="ctrY" for="ch" forName="accent_5" refType="h" fact="0.875"/>
+                <dgm:constr type="ctrX" for="ch" forName="accent_5" refType="w"/>
+                <dgm:constr type="ctrXOff" for="ch" forName="accent_5" refType="h" fact="-0.1082"/>
+                <dgm:constr type="r" for="ch" forName="text_5" refType="ctrX" refFor="ch" refForName="accent_5"/>
+                <dgm:constr type="rOff" for="ch" forName="text_5" refType="ctrXOff" refFor="ch" refForName="accent_5"/>
+                <dgm:constr type="l" for="ch" forName="text_5"/>
+                <dgm:constr type="w" for="ch" forName="text_5" refType="h" refFor="ch" refForName="text_5" op="gte"/>
+                <dgm:constr type="h" for="ch" forName="text_5" refType="h" refFor="ch" refForName="accent_5" fact="0.8"/>
+                <dgm:constr type="ctrY" for="ch" forName="text_5" refType="ctrY" refFor="ch" refForName="accent_5"/>
+                <dgm:constr type="rMarg" for="ch" forName="text_5" refType="w" refFor="ch" refForName="accent_5" fact="1.8"/>
+                <dgm:constr type="primFontSz" for="ch" ptType="node" op="equ" val="65"/>
+              </dgm:constrLst>
+            </dgm:if>
+            <dgm:if name="Name19" axis="ch" ptType="node" func="cnt" op="equ" val="6">
+              <dgm:constrLst>
+                <dgm:constr type="h" for="ch" forName="cycle" refType="h"/>
+                <dgm:constr type="w" for="ch" forName="cycle" refType="h" refFor="ch" refForName="cycle" fact="0.26"/>
+                <dgm:constr type="r" for="ch" forName="cycle" refType="w"/>
+                <dgm:constr type="ctrY" for="ch" forName="cycle" refType="h" fact="0.5"/>
+                <dgm:constr type="diam" for="ch" forName="cycle" refType="h" fact="1.344"/>
+                <dgm:constr type="h" for="ch" forName="accent_1" refType="h" fact="0.1316"/>
+                <dgm:constr type="w" for="ch" forName="accent_1" refType="h" refFor="ch" refForName="accent_1" op="equ"/>
+                <dgm:constr type="ctrY" for="ch" forName="accent_1" refType="h" fact="0.1053"/>
+                <dgm:constr type="ctrX" for="ch" forName="accent_1" refType="w"/>
+                <dgm:constr type="ctrXOff" for="ch" forName="accent_1" refType="h" fact="-0.0943"/>
+                <dgm:constr type="r" for="ch" forName="text_1" refType="ctrX" refFor="ch" refForName="accent_1"/>
+                <dgm:constr type="rOff" for="ch" forName="text_1" refType="ctrXOff" refFor="ch" refForName="accent_1"/>
+                <dgm:constr type="l" for="ch" forName="text_1"/>
+                <dgm:constr type="w" for="ch" forName="text_1" refType="h" refFor="ch" refForName="text_1" op="gte"/>
+                <dgm:constr type="h" for="ch" forName="text_1" refType="h" refFor="ch" refForName="accent_1" fact="0.8"/>
+                <dgm:constr type="ctrY" for="ch" forName="text_1" refType="ctrY" refFor="ch" refForName="accent_1"/>
+                <dgm:constr type="rMarg" for="ch" forName="text_1" refType="w" refFor="ch" refForName="accent_1" fact="1.8"/>
+                <dgm:constr type="h" for="ch" forName="accent_2" refType="h" fact="0.1316"/>
+                <dgm:constr type="w" for="ch" forName="accent_2" refType="h" refFor="ch" refForName="accent_2" op="equ"/>
+                <dgm:constr type="ctrY" for="ch" forName="accent_2" refType="h" fact="0.2632"/>
+                <dgm:constr type="ctrX" for="ch" forName="accent_2" refType="w"/>
+                <dgm:constr type="ctrXOff" for="ch" forName="accent_2" refType="h" fact="-0.1809"/>
+                <dgm:constr type="r" for="ch" forName="text_2" refType="ctrX" refFor="ch" refForName="accent_2"/>
+                <dgm:constr type="rOff" for="ch" forName="text_2" refType="ctrXOff" refFor="ch" refForName="accent_2"/>
+                <dgm:constr type="l" for="ch" forName="text_2"/>
+                <dgm:constr type="w" for="ch" forName="text_2" refType="h" refFor="ch" refForName="text_2" op="gte"/>
+                <dgm:constr type="h" for="ch" forName="text_2" refType="h" refFor="ch" refForName="accent_2" fact="0.8"/>
+                <dgm:constr type="ctrY" for="ch" forName="text_2" refType="ctrY" refFor="ch" refForName="accent_2"/>
+                <dgm:constr type="rMarg" for="ch" forName="text_2" refType="w" refFor="ch" refForName="accent_2" fact="1.8"/>
+                <dgm:constr type="h" for="ch" forName="accent_3" refType="h" fact="0.1316"/>
+                <dgm:constr type="w" for="ch" forName="accent_3" refType="h" refFor="ch" refForName="accent_3" op="equ"/>
+                <dgm:constr type="ctrY" for="ch" forName="accent_3" refType="h" fact="0.4211"/>
+                <dgm:constr type="ctrX" for="ch" forName="accent_3" refType="w"/>
+                <dgm:constr type="ctrXOff" for="ch" forName="accent_3" refType="h" fact="-0.2205"/>
+                <dgm:constr type="r" for="ch" forName="text_3" refType="ctrX" refFor="ch" refForName="accent_3"/>
+                <dgm:constr type="rOff" for="ch" forName="text_3" refType="ctrXOff" refFor="ch" refForName="accent_3"/>
+                <dgm:constr type="l" for="ch" forName="text_3"/>
+                <dgm:constr type="w" for="ch" forName="text_3" refType="h" refFor="ch" refForName="text_3" op="gte"/>
+                <dgm:constr type="h" for="ch" forName="text_3" refType="h" refFor="ch" refForName="accent_3" fact="0.8"/>
+                <dgm:constr type="ctrY" for="ch" forName="text_3" refType="ctrY" refFor="ch" refForName="accent_3"/>
+                <dgm:constr type="rMarg" for="ch" forName="text_3" refType="w" refFor="ch" refForName="accent_3" fact="1.8"/>
+                <dgm:constr type="h" for="ch" forName="accent_4" refType="h" fact="0.1316"/>
+                <dgm:constr type="w" for="ch" forName="accent_4" refType="h" refFor="ch" refForName="accent_4" op="equ"/>
+                <dgm:constr type="ctrY" for="ch" forName="accent_4" refType="h" fact="0.5789"/>
+                <dgm:constr type="ctrX" for="ch" forName="accent_4" refType="w"/>
+                <dgm:constr type="ctrXOff" for="ch" forName="accent_4" refType="h" fact="-0.2205"/>
+                <dgm:constr type="r" for="ch" forName="text_4" refType="ctrX" refFor="ch" refForName="accent_4"/>
+                <dgm:constr type="rOff" for="ch" forName="text_4" refType="ctrXOff" refFor="ch" refForName="accent_4"/>
+                <dgm:constr type="l" for="ch" forName="text_4"/>
+                <dgm:constr type="w" for="ch" forName="text_4" refType="h" refFor="ch" refForName="text_4" op="gte"/>
+                <dgm:constr type="h" for="ch" forName="text_4" refType="h" refFor="ch" refForName="accent_4" fact="0.8"/>
+                <dgm:constr type="ctrY" for="ch" forName="text_4" refType="ctrY" refFor="ch" refForName="accent_4"/>
+                <dgm:constr type="rMarg" for="ch" forName="text_4" refType="w" refFor="ch" refForName="accent_4" fact="1.8"/>
+                <dgm:constr type="h" for="ch" forName="accent_5" refType="h" fact="0.1316"/>
+                <dgm:constr type="w" for="ch" forName="accent_5" refType="h" refFor="ch" refForName="accent_5" op="equ"/>
+                <dgm:constr type="ctrY" for="ch" forName="accent_5" refType="h" fact="0.7368"/>
+                <dgm:constr type="ctrX" for="ch" forName="accent_5" refType="w"/>
+                <dgm:constr type="ctrXOff" for="ch" forName="accent_5" refType="h" fact="-0.1809"/>
+                <dgm:constr type="r" for="ch" forName="text_5" refType="ctrX" refFor="ch" refForName="accent_5"/>
+                <dgm:constr type="rOff" for="ch" forName="text_5" refType="ctrXOff" refFor="ch" refForName="accent_5"/>
+                <dgm:constr type="l" for="ch" forName="text_5"/>
+                <dgm:constr type="w" for="ch" forName="text_5" refType="h" refFor="ch" refForName="text_5" op="gte"/>
+                <dgm:constr type="h" for="ch" forName="text_5" refType="h" refFor="ch" refForName="accent_5" fact="0.8"/>
+                <dgm:constr type="ctrY" for="ch" forName="text_5" refType="ctrY" refFor="ch" refForName="accent_5"/>
+                <dgm:constr type="rMarg" for="ch" forName="text_5" refType="w" refFor="ch" refForName="accent_5" fact="1.8"/>
+                <dgm:constr type="h" for="ch" forName="accent_6" refType="h" fact="0.1316"/>
+                <dgm:constr type="w" for="ch" forName="accent_6" refType="h" refFor="ch" refForName="accent_6" op="equ"/>
+                <dgm:constr type="ctrY" for="ch" forName="accent_6" refType="h" fact="0.8947"/>
+                <dgm:constr type="ctrX" for="ch" forName="accent_6" refType="w"/>
+                <dgm:constr type="ctrXOff" for="ch" forName="accent_6" refType="h" fact="-0.0943"/>
+                <dgm:constr type="r" for="ch" forName="text_6" refType="ctrX" refFor="ch" refForName="accent_6"/>
+                <dgm:constr type="rOff" for="ch" forName="text_6" refType="ctrXOff" refFor="ch" refForName="accent_6"/>
+                <dgm:constr type="l" for="ch" forName="text_6"/>
+                <dgm:constr type="w" for="ch" forName="text_6" refType="h" refFor="ch" refForName="text_6" op="gte"/>
+                <dgm:constr type="h" for="ch" forName="text_6" refType="h" refFor="ch" refForName="accent_6" fact="0.8"/>
+                <dgm:constr type="ctrY" for="ch" forName="text_6" refType="ctrY" refFor="ch" refForName="accent_6"/>
+                <dgm:constr type="rMarg" for="ch" forName="text_6" refType="w" refFor="ch" refForName="accent_6" fact="1.8"/>
+                <dgm:constr type="primFontSz" for="ch" ptType="node" op="equ" val="65"/>
+              </dgm:constrLst>
+            </dgm:if>
+            <dgm:else name="Name20">
+              <dgm:constrLst>
+                <dgm:constr type="h" for="ch" forName="cycle" refType="h"/>
+                <dgm:constr type="w" for="ch" forName="cycle" refType="h" refFor="ch" refForName="cycle" fact="0.26"/>
+                <dgm:constr type="r" for="ch" forName="cycle" refType="w"/>
+                <dgm:constr type="ctrY" for="ch" forName="cycle" refType="h" fact="0.5"/>
+                <dgm:constr type="diam" for="ch" forName="cycle" refType="h" fact="1.344"/>
+                <dgm:constr type="h" for="ch" forName="accent_1" refType="h" fact="0.1136"/>
+                <dgm:constr type="w" for="ch" forName="accent_1" refType="h" refFor="ch" refForName="accent_1" op="equ"/>
+                <dgm:constr type="ctrY" for="ch" forName="accent_1" refType="h" fact="0.0909"/>
+                <dgm:constr type="ctrX" for="ch" forName="accent_1" refType="w"/>
+                <dgm:constr type="ctrXOff" for="ch" forName="accent_1" refType="h" fact="-0.0835"/>
+                <dgm:constr type="r" for="ch" forName="text_1" refType="ctrX" refFor="ch" refForName="accent_1"/>
+                <dgm:constr type="rOff" for="ch" forName="text_1" refType="ctrXOff" refFor="ch" refForName="accent_1"/>
+                <dgm:constr type="l" for="ch" forName="text_1"/>
+                <dgm:constr type="w" for="ch" forName="text_1" refType="h" refFor="ch" refForName="text_1" op="gte"/>
+                <dgm:constr type="h" for="ch" forName="text_1" refType="h" refFor="ch" refForName="accent_1" fact="0.8"/>
+                <dgm:constr type="ctrY" for="ch" forName="text_1" refType="ctrY" refFor="ch" refForName="accent_1"/>
+                <dgm:constr type="rMarg" for="ch" forName="text_1" refType="w" refFor="ch" refForName="accent_1" fact="1.8"/>
+                <dgm:constr type="h" for="ch" forName="accent_2" refType="h" fact="0.1136"/>
+                <dgm:constr type="w" for="ch" forName="accent_2" refType="h" refFor="ch" refForName="accent_2" op="equ"/>
+                <dgm:constr type="ctrY" for="ch" forName="accent_2" refType="h" fact="0.2273"/>
+                <dgm:constr type="ctrX" for="ch" forName="accent_2" refType="w"/>
+                <dgm:constr type="ctrXOff" for="ch" forName="accent_2" refType="h" fact="-0.1658"/>
+                <dgm:constr type="r" for="ch" forName="text_2" refType="ctrX" refFor="ch" refForName="accent_2"/>
+                <dgm:constr type="rOff" for="ch" forName="text_2" refType="ctrXOff" refFor="ch" refForName="accent_2"/>
+                <dgm:constr type="l" for="ch" forName="text_2"/>
+                <dgm:constr type="w" for="ch" forName="text_2" refType="h" refFor="ch" refForName="text_2" op="gte"/>
+                <dgm:constr type="h" for="ch" forName="text_2" refType="h" refFor="ch" refForName="accent_2" fact="0.8"/>
+                <dgm:constr type="ctrY" for="ch" forName="text_2" refType="ctrY" refFor="ch" refForName="accent_2"/>
+                <dgm:constr type="rMarg" for="ch" forName="text_2" refType="w" refFor="ch" refForName="accent_2" fact="1.8"/>
+                <dgm:constr type="h" for="ch" forName="accent_3" refType="h" fact="0.1136"/>
+                <dgm:constr type="w" for="ch" forName="accent_3" refType="h" refFor="ch" refForName="accent_3" op="equ"/>
+                <dgm:constr type="ctrY" for="ch" forName="accent_3" refType="h" fact="0.3636"/>
+                <dgm:constr type="ctrX" for="ch" forName="accent_3" refType="w"/>
+                <dgm:constr type="ctrXOff" for="ch" forName="accent_3" refType="h" fact="-0.2109"/>
+                <dgm:constr type="r" for="ch" forName="text_3" refType="ctrX" refFor="ch" refForName="accent_3"/>
+                <dgm:constr type="rOff" for="ch" forName="text_3" refType="ctrXOff" refFor="ch" refForName="accent_3"/>
+                <dgm:constr type="l" for="ch" forName="text_3"/>
+                <dgm:constr type="w" for="ch" forName="text_3" refType="h" refFor="ch" refForName="text_3" op="gte"/>
+                <dgm:constr type="h" for="ch" forName="text_3" refType="h" refFor="ch" refForName="accent_3" fact="0.8"/>
+                <dgm:constr type="ctrY" for="ch" forName="text_3" refType="ctrY" refFor="ch" refForName="accent_3"/>
+                <dgm:constr type="rMarg" for="ch" forName="text_3" refType="w" refFor="ch" refForName="accent_3" fact="1.8"/>
+                <dgm:constr type="h" for="ch" forName="accent_4" refType="h" fact="0.1136"/>
+                <dgm:constr type="w" for="ch" forName="accent_4" refType="h" refFor="ch" refForName="accent_4" op="equ"/>
+                <dgm:constr type="ctrY" for="ch" forName="accent_4" refType="h" fact="0.5"/>
+                <dgm:constr type="ctrX" for="ch" forName="accent_4" refType="w"/>
+                <dgm:constr type="ctrXOff" for="ch" forName="accent_4" refType="h" fact="-0.2253"/>
+                <dgm:constr type="r" for="ch" forName="text_4" refType="ctrX" refFor="ch" refForName="accent_4"/>
+                <dgm:constr type="rOff" for="ch" forName="text_4" refType="ctrXOff" refFor="ch" refForName="accent_4"/>
+                <dgm:constr type="l" for="ch" forName="text_4"/>
+                <dgm:constr type="w" for="ch" forName="text_4" refType="h" refFor="ch" refForName="text_4" op="gte"/>
+                <dgm:constr type="h" for="ch" forName="text_4" refType="h" refFor="ch" refForName="accent_4" fact="0.8"/>
+                <dgm:constr type="ctrY" for="ch" forName="text_4" refType="ctrY" refFor="ch" refForName="accent_4"/>
+                <dgm:constr type="rMarg" for="ch" forName="text_4" refType="w" refFor="ch" refForName="accent_4" fact="1.8"/>
+                <dgm:constr type="h" for="ch" forName="accent_5" refType="h" fact="0.1136"/>
+                <dgm:constr type="w" for="ch" forName="accent_5" refType="h" refFor="ch" refForName="accent_5" op="equ"/>
+                <dgm:constr type="ctrY" for="ch" forName="accent_5" refType="h" fact="0.6364"/>
+                <dgm:constr type="ctrX" for="ch" forName="accent_5" refType="w"/>
+                <dgm:constr type="ctrXOff" for="ch" forName="accent_5" refType="h" fact="-0.2109"/>
+                <dgm:constr type="r" for="ch" forName="text_5" refType="ctrX" refFor="ch" refForName="accent_5"/>
+                <dgm:constr type="rOff" for="ch" forName="text_5" refType="ctrXOff" refFor="ch" refForName="accent_5"/>
+                <dgm:constr type="l" for="ch" forName="text_5"/>
+                <dgm:constr type="w" for="ch" forName="text_5" refType="h" refFor="ch" refForName="text_5" op="gte"/>
+                <dgm:constr type="h" for="ch" forName="text_5" refType="h" refFor="ch" refForName="accent_5" fact="0.8"/>
+                <dgm:constr type="ctrY" for="ch" forName="text_5" refType="ctrY" refFor="ch" refForName="accent_5"/>
+                <dgm:constr type="rMarg" for="ch" forName="text_5" refType="w" refFor="ch" refForName="accent_5" fact="1.8"/>
+                <dgm:constr type="h" for="ch" forName="accent_6" refType="h" fact="0.1136"/>
+                <dgm:constr type="w" for="ch" forName="accent_6" refType="h" refFor="ch" refForName="accent_6" op="equ"/>
+                <dgm:constr type="ctrY" for="ch" forName="accent_6" refType="h" fact="0.7727"/>
+                <dgm:constr type="ctrX" for="ch" forName="accent_6" refType="w"/>
+                <dgm:constr type="ctrXOff" for="ch" forName="accent_6" refType="h" fact="-0.1658"/>
+                <dgm:constr type="r" for="ch" forName="text_6" refType="ctrX" refFor="ch" refForName="accent_6"/>
+                <dgm:constr type="rOff" for="ch" forName="text_6" refType="ctrXOff" refFor="ch" refForName="accent_6"/>
+                <dgm:constr type="l" for="ch" forName="text_6"/>
+                <dgm:constr type="w" for="ch" forName="text_6" refType="h" refFor="ch" refForName="text_6" op="gte"/>
+                <dgm:constr type="h" for="ch" forName="text_6" refType="h" refFor="ch" refForName="accent_6" fact="0.8"/>
+                <dgm:constr type="ctrY" for="ch" forName="text_6" refType="ctrY" refFor="ch" refForName="accent_6"/>
+                <dgm:constr type="rMarg" for="ch" forName="text_6" refType="w" refFor="ch" refForName="accent_6" fact="1.8"/>
+                <dgm:constr type="h" for="ch" forName="accent_7" refType="h" fact="0.1136"/>
+                <dgm:constr type="w" for="ch" forName="accent_7" refType="h" refFor="ch" refForName="accent_7" op="equ"/>
+                <dgm:constr type="ctrY" for="ch" forName="accent_7" refType="h" fact="0.9091"/>
+                <dgm:constr type="ctrX" for="ch" forName="accent_7" refType="w"/>
+                <dgm:constr type="ctrXOff" for="ch" forName="accent_7" refType="h" fact="-0.0835"/>
+                <dgm:constr type="r" for="ch" forName="text_7" refType="ctrX" refFor="ch" refForName="accent_7"/>
+                <dgm:constr type="rOff" for="ch" forName="text_7" refType="ctrXOff" refFor="ch" refForName="accent_7"/>
+                <dgm:constr type="l" for="ch" forName="text_7"/>
+                <dgm:constr type="w" for="ch" forName="text_7" refType="h" refFor="ch" refForName="text_7" op="gte"/>
+                <dgm:constr type="h" for="ch" forName="text_7" refType="h" refFor="ch" refForName="accent_7" fact="0.8"/>
+                <dgm:constr type="ctrY" for="ch" forName="text_7" refType="ctrY" refFor="ch" refForName="accent_7"/>
+                <dgm:constr type="rMarg" for="ch" forName="text_7" refType="w" refFor="ch" refForName="accent_7" fact="1.8"/>
+                <dgm:constr type="primFontSz" for="ch" ptType="node" op="equ" val="65"/>
+              </dgm:constrLst>
+            </dgm:else>
+          </dgm:choose>
+        </dgm:else>
+      </dgm:choose>
+      <dgm:layoutNode name="cycle">
+        <dgm:choose name="Name21">
+          <dgm:if name="Name22" func="var" arg="dir" op="equ" val="norm">
+            <dgm:alg type="cycle">
+              <dgm:param type="stAng" val="45"/>
+              <dgm:param type="spanAng" val="90"/>
+            </dgm:alg>
+          </dgm:if>
+          <dgm:else name="Name23">
+            <dgm:alg type="cycle">
+              <dgm:param type="stAng" val="225"/>
+              <dgm:param type="spanAng" val="90"/>
+            </dgm:alg>
+          </dgm:else>
+        </dgm:choose>
+        <dgm:shape xmlns:r="http://schemas.openxmlformats.org/officeDocument/2006/relationships" r:blip="">
+          <dgm:adjLst/>
+        </dgm:shape>
+        <dgm:presOf/>
+        <dgm:constrLst>
+          <dgm:constr type="w" for="ch" val="1"/>
+          <dgm:constr type="h" for="ch" val="1"/>
+          <dgm:constr type="diam" for="ch" forName="conn" refType="diam"/>
+        </dgm:constrLst>
+        <dgm:layoutNode name="srcNode">
+          <dgm:alg type="sp"/>
+          <dgm:shape xmlns:r="http://schemas.openxmlformats.org/officeDocument/2006/relationships" type="rect" r:blip="" hideGeom="1">
+            <dgm:adjLst/>
+          </dgm:shape>
+          <dgm:presOf/>
+        </dgm:layoutNode>
+        <dgm:layoutNode name="conn" styleLbl="parChTrans1D2">
+          <dgm:alg type="conn">
+            <dgm:param type="connRout" val="curve"/>
+            <dgm:param type="srcNode" val="srcNode"/>
+            <dgm:param type="dstNode" val="dstNode"/>
+            <dgm:param type="begPts" val="ctr"/>
+            <dgm:param type="endPts" val="ctr"/>
+            <dgm:param type="endSty" val="noArr"/>
+          </dgm:alg>
+          <dgm:shape xmlns:r="http://schemas.openxmlformats.org/officeDocument/2006/relationships" type="conn" r:blip="">
+            <dgm:adjLst/>
+          </dgm:shape>
+          <dgm:presOf axis="desOrSelf" ptType="sibTrans" hideLastTrans="0" st="0" cnt="1"/>
+          <dgm:constrLst>
+            <dgm:constr type="begPad"/>
+            <dgm:constr type="endPad"/>
+          </dgm:constrLst>
+        </dgm:layoutNode>
+        <dgm:layoutNode name="extraNode">
+          <dgm:alg type="sp"/>
+          <dgm:shape xmlns:r="http://schemas.openxmlformats.org/officeDocument/2006/relationships" type="rect" r:blip="" hideGeom="1">
+            <dgm:adjLst/>
+          </dgm:shape>
+          <dgm:presOf/>
+        </dgm:layoutNode>
+        <dgm:layoutNode name="dstNode">
+          <dgm:alg type="sp"/>
+          <dgm:shape xmlns:r="http://schemas.openxmlformats.org/officeDocument/2006/relationships" type="rect" r:blip="" hideGeom="1">
+            <dgm:adjLst/>
+          </dgm:shape>
+          <dgm:presOf/>
+        </dgm:layoutNode>
+      </dgm:layoutNode>
+      <dgm:forEach name="wrapper" axis="self" ptType="parTrans">
+        <dgm:forEach name="wrapper2" axis="self" ptType="sibTrans" st="2">
+          <dgm:forEach name="accentRepeat" axis="self">
+            <dgm:layoutNode name="accentRepeatNode" styleLbl="solidFgAcc1">
+              <dgm:alg type="sp"/>
+              <dgm:shape xmlns:r="http://schemas.openxmlformats.org/officeDocument/2006/relationships" type="ellipse" r:blip="">
+                <dgm:adjLst/>
+              </dgm:shape>
+              <dgm:presOf/>
+            </dgm:layoutNode>
+          </dgm:forEach>
+        </dgm:forEach>
+      </dgm:forEach>
+      <dgm:forEach name="Name24" axis="ch" ptType="node" cnt="1">
+        <dgm:layoutNode name="text_1" styleLbl="node1">
+          <dgm:varLst>
+            <dgm:bulletEnabled val="1"/>
+          </dgm:varLst>
+          <dgm:choose name="Name25">
+            <dgm:if name="Name26" func="var" arg="dir" op="equ" val="norm">
+              <dgm:alg type="tx">
+                <dgm:param type="parTxLTRAlign" val="l"/>
+                <dgm:param type="shpTxLTRAlignCh" val="l"/>
+                <dgm:param type="parTxRTLAlign" val="l"/>
+                <dgm:param type="shpTxRTLAlignCh" val="l"/>
+              </dgm:alg>
+            </dgm:if>
+            <dgm:else name="Name27">
+              <dgm:alg type="tx">
+                <dgm:param type="parTxLTRAlign" val="r"/>
+                <dgm:param type="shpTxLTRAlignCh" val="r"/>
+                <dgm:param type="parTxRTLAlign" val="r"/>
+                <dgm:param type="shpTxRTLAlignCh" val="r"/>
+              </dgm:alg>
+            </dgm:else>
+          </dgm:choose>
+          <dgm:shape xmlns:r="http://schemas.openxmlformats.org/officeDocument/2006/relationships" type="rect" r:blip="">
+            <dgm:adjLst/>
+          </dgm:shape>
+          <dgm:presOf axis="desOrSelf" ptType="node"/>
+          <dgm:constrLst>
+            <dgm:constr type="primFontSz" val="65"/>
+            <dgm:constr type="lMarg" refType="primFontSz" fact="0.2"/>
+            <dgm:constr type="rMarg" refType="primFontSz" fact="0.2"/>
+            <dgm:constr type="tMarg" refType="primFontSz" fact="0.2"/>
+            <dgm:constr type="bMarg" refType="primFontSz" fact="0.2"/>
+          </dgm:constrLst>
+          <dgm:ruleLst>
+            <dgm:rule type="primFontSz" val="5" fact="NaN" max="NaN"/>
+          </dgm:ruleLst>
+        </dgm:layoutNode>
+        <dgm:layoutNode name="accent_1">
+          <dgm:alg type="sp"/>
+          <dgm:shape xmlns:r="http://schemas.openxmlformats.org/officeDocument/2006/relationships" r:blip="">
+            <dgm:adjLst/>
+          </dgm:shape>
+          <dgm:presOf/>
+          <dgm:constrLst/>
+          <dgm:forEach name="Name28" ref="accentRepeat"/>
+        </dgm:layoutNode>
+      </dgm:forEach>
+      <dgm:forEach name="Name29" axis="ch" ptType="node" st="2" cnt="1">
+        <dgm:layoutNode name="text_2" styleLbl="node1">
+          <dgm:varLst>
+            <dgm:bulletEnabled val="1"/>
+          </dgm:varLst>
+          <dgm:choose name="Name30">
+            <dgm:if name="Name31" func="var" arg="dir" op="equ" val="norm">
+              <dgm:alg type="tx">
+                <dgm:param type="parTxLTRAlign" val="l"/>
+                <dgm:param type="shpTxLTRAlignCh" val="l"/>
+                <dgm:param type="parTxRTLAlign" val="l"/>
+                <dgm:param type="shpTxRTLAlignCh" val="l"/>
+              </dgm:alg>
+            </dgm:if>
+            <dgm:else name="Name32">
+              <dgm:alg type="tx">
+                <dgm:param type="parTxLTRAlign" val="r"/>
+                <dgm:param type="shpTxLTRAlignCh" val="r"/>
+                <dgm:param type="parTxRTLAlign" val="r"/>
+                <dgm:param type="shpTxRTLAlignCh" val="r"/>
+              </dgm:alg>
+            </dgm:else>
+          </dgm:choose>
+          <dgm:shape xmlns:r="http://schemas.openxmlformats.org/officeDocument/2006/relationships" type="rect" r:blip="">
+            <dgm:adjLst/>
+          </dgm:shape>
+          <dgm:presOf axis="desOrSelf" ptType="node"/>
+          <dgm:constrLst>
+            <dgm:constr type="primFontSz" val="65"/>
+            <dgm:constr type="lMarg" refType="primFontSz" fact="0.2"/>
+            <dgm:constr type="rMarg" refType="primFontSz" fact="0.2"/>
+            <dgm:constr type="tMarg" refType="primFontSz" fact="0.2"/>
+            <dgm:constr type="bMarg" refType="primFontSz" fact="0.2"/>
+          </dgm:constrLst>
+          <dgm:ruleLst>
+            <dgm:rule type="primFontSz" val="5" fact="NaN" max="NaN"/>
+          </dgm:ruleLst>
+        </dgm:layoutNode>
+        <dgm:layoutNode name="accent_2">
+          <dgm:alg type="sp"/>
+          <dgm:shape xmlns:r="http://schemas.openxmlformats.org/officeDocument/2006/relationships" r:blip="">
+            <dgm:adjLst/>
+          </dgm:shape>
+          <dgm:presOf/>
+          <dgm:constrLst/>
+          <dgm:forEach name="Name33" ref="accentRepeat"/>
+        </dgm:layoutNode>
+      </dgm:forEach>
+      <dgm:forEach name="Name34" axis="ch" ptType="node" st="3" cnt="1">
+        <dgm:layoutNode name="text_3" styleLbl="node1">
+          <dgm:varLst>
+            <dgm:bulletEnabled val="1"/>
+          </dgm:varLst>
+          <dgm:choose name="Name35">
+            <dgm:if name="Name36" func="var" arg="dir" op="equ" val="norm">
+              <dgm:alg type="tx">
+                <dgm:param type="parTxLTRAlign" val="l"/>
+                <dgm:param type="shpTxLTRAlignCh" val="l"/>
+                <dgm:param type="parTxRTLAlign" val="l"/>
+                <dgm:param type="shpTxRTLAlignCh" val="l"/>
+              </dgm:alg>
+            </dgm:if>
+            <dgm:else name="Name37">
+              <dgm:alg type="tx">
+                <dgm:param type="parTxLTRAlign" val="r"/>
+                <dgm:param type="shpTxLTRAlignCh" val="r"/>
+                <dgm:param type="parTxRTLAlign" val="r"/>
+                <dgm:param type="shpTxRTLAlignCh" val="r"/>
+              </dgm:alg>
+            </dgm:else>
+          </dgm:choose>
+          <dgm:shape xmlns:r="http://schemas.openxmlformats.org/officeDocument/2006/relationships" type="rect" r:blip="">
+            <dgm:adjLst/>
+          </dgm:shape>
+          <dgm:presOf axis="desOrSelf" ptType="node"/>
+          <dgm:constrLst>
+            <dgm:constr type="primFontSz" val="65"/>
+            <dgm:constr type="lMarg" refType="primFontSz" fact="0.2"/>
+            <dgm:constr type="rMarg" refType="primFontSz" fact="0.2"/>
+            <dgm:constr type="tMarg" refType="primFontSz" fact="0.2"/>
+            <dgm:constr type="bMarg" refType="primFontSz" fact="0.2"/>
+          </dgm:constrLst>
+          <dgm:ruleLst>
+            <dgm:rule type="primFontSz" val="5" fact="NaN" max="NaN"/>
+          </dgm:ruleLst>
+        </dgm:layoutNode>
+        <dgm:layoutNode name="accent_3">
+          <dgm:alg type="sp"/>
+          <dgm:shape xmlns:r="http://schemas.openxmlformats.org/officeDocument/2006/relationships" r:blip="">
+            <dgm:adjLst/>
+          </dgm:shape>
+          <dgm:presOf/>
+          <dgm:constrLst/>
+          <dgm:forEach name="Name38" ref="accentRepeat"/>
+        </dgm:layoutNode>
+      </dgm:forEach>
+      <dgm:forEach name="Name39" axis="ch" ptType="node" st="4" cnt="1">
+        <dgm:layoutNode name="text_4" styleLbl="node1">
+          <dgm:varLst>
+            <dgm:bulletEnabled val="1"/>
+          </dgm:varLst>
+          <dgm:choose name="Name40">
+            <dgm:if name="Name41" func="var" arg="dir" op="equ" val="norm">
+              <dgm:alg type="tx">
+                <dgm:param type="parTxLTRAlign" val="l"/>
+                <dgm:param type="shpTxLTRAlignCh" val="l"/>
+                <dgm:param type="parTxRTLAlign" val="l"/>
+                <dgm:param type="shpTxRTLAlignCh" val="l"/>
+              </dgm:alg>
+            </dgm:if>
+            <dgm:else name="Name42">
+              <dgm:alg type="tx">
+                <dgm:param type="parTxLTRAlign" val="r"/>
+                <dgm:param type="shpTxLTRAlignCh" val="r"/>
+                <dgm:param type="parTxRTLAlign" val="r"/>
+                <dgm:param type="shpTxRTLAlignCh" val="r"/>
+              </dgm:alg>
+            </dgm:else>
+          </dgm:choose>
+          <dgm:shape xmlns:r="http://schemas.openxmlformats.org/officeDocument/2006/relationships" type="rect" r:blip="">
+            <dgm:adjLst/>
+          </dgm:shape>
+          <dgm:presOf axis="desOrSelf" ptType="node"/>
+          <dgm:constrLst>
+            <dgm:constr type="primFontSz" val="65"/>
+            <dgm:constr type="lMarg" refType="primFontSz" fact="0.2"/>
+            <dgm:constr type="rMarg" refType="primFontSz" fact="0.2"/>
+            <dgm:constr type="tMarg" refType="primFontSz" fact="0.2"/>
+            <dgm:constr type="bMarg" refType="primFontSz" fact="0.2"/>
+          </dgm:constrLst>
+          <dgm:ruleLst>
+            <dgm:rule type="primFontSz" val="5" fact="NaN" max="NaN"/>
+          </dgm:ruleLst>
+        </dgm:layoutNode>
+        <dgm:layoutNode name="accent_4">
+          <dgm:alg type="sp"/>
+          <dgm:shape xmlns:r="http://schemas.openxmlformats.org/officeDocument/2006/relationships" r:blip="">
+            <dgm:adjLst/>
+          </dgm:shape>
+          <dgm:presOf/>
+          <dgm:constrLst/>
+          <dgm:forEach name="Name43" ref="accentRepeat"/>
+        </dgm:layoutNode>
+      </dgm:forEach>
+      <dgm:forEach name="Name44" axis="ch" ptType="node" st="5" cnt="1">
+        <dgm:layoutNode name="text_5" styleLbl="node1">
+          <dgm:varLst>
+            <dgm:bulletEnabled val="1"/>
+          </dgm:varLst>
+          <dgm:choose name="Name45">
+            <dgm:if name="Name46" func="var" arg="dir" op="equ" val="norm">
+              <dgm:alg type="tx">
+                <dgm:param type="parTxLTRAlign" val="l"/>
+                <dgm:param type="shpTxLTRAlignCh" val="l"/>
+                <dgm:param type="parTxRTLAlign" val="l"/>
+                <dgm:param type="shpTxRTLAlignCh" val="l"/>
+              </dgm:alg>
+            </dgm:if>
+            <dgm:else name="Name47">
+              <dgm:alg type="tx">
+                <dgm:param type="parTxLTRAlign" val="r"/>
+                <dgm:param type="shpTxLTRAlignCh" val="r"/>
+                <dgm:param type="parTxRTLAlign" val="r"/>
+                <dgm:param type="shpTxRTLAlignCh" val="r"/>
+              </dgm:alg>
+            </dgm:else>
+          </dgm:choose>
+          <dgm:shape xmlns:r="http://schemas.openxmlformats.org/officeDocument/2006/relationships" type="rect" r:blip="">
+            <dgm:adjLst/>
+          </dgm:shape>
+          <dgm:presOf axis="desOrSelf" ptType="node"/>
+          <dgm:constrLst>
+            <dgm:constr type="primFontSz" val="65"/>
+            <dgm:constr type="lMarg" refType="primFontSz" fact="0.2"/>
+            <dgm:constr type="rMarg" refType="primFontSz" fact="0.2"/>
+            <dgm:constr type="tMarg" refType="primFontSz" fact="0.2"/>
+            <dgm:constr type="bMarg" refType="primFontSz" fact="0.2"/>
+          </dgm:constrLst>
+          <dgm:ruleLst>
+            <dgm:rule type="primFontSz" val="5" fact="NaN" max="NaN"/>
+          </dgm:ruleLst>
+        </dgm:layoutNode>
+        <dgm:layoutNode name="accent_5">
+          <dgm:alg type="sp"/>
+          <dgm:shape xmlns:r="http://schemas.openxmlformats.org/officeDocument/2006/relationships" r:blip="">
+            <dgm:adjLst/>
+          </dgm:shape>
+          <dgm:presOf/>
+          <dgm:constrLst/>
+          <dgm:forEach name="Name48" ref="accentRepeat"/>
+        </dgm:layoutNode>
+      </dgm:forEach>
+      <dgm:forEach name="Name49" axis="ch" ptType="node" st="6" cnt="1">
+        <dgm:layoutNode name="text_6" styleLbl="node1">
+          <dgm:varLst>
+            <dgm:bulletEnabled val="1"/>
+          </dgm:varLst>
+          <dgm:choose name="Name50">
+            <dgm:if name="Name51" func="var" arg="dir" op="equ" val="norm">
+              <dgm:alg type="tx">
+                <dgm:param type="parTxLTRAlign" val="l"/>
+                <dgm:param type="shpTxLTRAlignCh" val="l"/>
+                <dgm:param type="parTxRTLAlign" val="l"/>
+                <dgm:param type="shpTxRTLAlignCh" val="l"/>
+              </dgm:alg>
+            </dgm:if>
+            <dgm:else name="Name52">
+              <dgm:alg type="tx">
+                <dgm:param type="parTxLTRAlign" val="r"/>
+                <dgm:param type="shpTxLTRAlignCh" val="r"/>
+                <dgm:param type="parTxRTLAlign" val="r"/>
+                <dgm:param type="shpTxRTLAlignCh" val="r"/>
+              </dgm:alg>
+            </dgm:else>
+          </dgm:choose>
+          <dgm:shape xmlns:r="http://schemas.openxmlformats.org/officeDocument/2006/relationships" type="rect" r:blip="">
+            <dgm:adjLst/>
+          </dgm:shape>
+          <dgm:presOf axis="desOrSelf" ptType="node"/>
+          <dgm:constrLst>
+            <dgm:constr type="primFontSz" val="65"/>
+            <dgm:constr type="lMarg" refType="primFontSz" fact="0.2"/>
+            <dgm:constr type="rMarg" refType="primFontSz" fact="0.2"/>
+            <dgm:constr type="tMarg" refType="primFontSz" fact="0.2"/>
+            <dgm:constr type="bMarg" refType="primFontSz" fact="0.2"/>
+          </dgm:constrLst>
+          <dgm:ruleLst>
+            <dgm:rule type="primFontSz" val="5" fact="NaN" max="NaN"/>
+          </dgm:ruleLst>
+        </dgm:layoutNode>
+        <dgm:layoutNode name="accent_6">
+          <dgm:alg type="sp"/>
+          <dgm:shape xmlns:r="http://schemas.openxmlformats.org/officeDocument/2006/relationships" r:blip="">
+            <dgm:adjLst/>
+          </dgm:shape>
+          <dgm:presOf/>
+          <dgm:constrLst/>
+          <dgm:forEach name="Name53" ref="accentRepeat"/>
+        </dgm:layoutNode>
+      </dgm:forEach>
+      <dgm:forEach name="Name54" axis="ch" ptType="node" st="7" cnt="1">
+        <dgm:layoutNode name="text_7" styleLbl="node1">
+          <dgm:varLst>
+            <dgm:bulletEnabled val="1"/>
+          </dgm:varLst>
+          <dgm:choose name="Name55">
+            <dgm:if name="Name56" func="var" arg="dir" op="equ" val="norm">
+              <dgm:alg type="tx">
+                <dgm:param type="parTxLTRAlign" val="l"/>
+                <dgm:param type="shpTxLTRAlignCh" val="l"/>
+                <dgm:param type="parTxRTLAlign" val="l"/>
+                <dgm:param type="shpTxRTLAlignCh" val="l"/>
+              </dgm:alg>
+            </dgm:if>
+            <dgm:else name="Name57">
+              <dgm:alg type="tx">
+                <dgm:param type="parTxLTRAlign" val="r"/>
+                <dgm:param type="shpTxLTRAlignCh" val="r"/>
+                <dgm:param type="parTxRTLAlign" val="r"/>
+                <dgm:param type="shpTxRTLAlignCh" val="r"/>
+              </dgm:alg>
+            </dgm:else>
+          </dgm:choose>
+          <dgm:shape xmlns:r="http://schemas.openxmlformats.org/officeDocument/2006/relationships" type="rect" r:blip="">
+            <dgm:adjLst/>
+          </dgm:shape>
+          <dgm:presOf axis="desOrSelf" ptType="node"/>
+          <dgm:constrLst>
+            <dgm:constr type="primFontSz" val="65"/>
+            <dgm:constr type="lMarg" refType="primFontSz" fact="0.2"/>
+            <dgm:constr type="rMarg" refType="primFontSz" fact="0.2"/>
+            <dgm:constr type="tMarg" refType="primFontSz" fact="0.2"/>
+            <dgm:constr type="bMarg" refType="primFontSz" fact="0.2"/>
+          </dgm:constrLst>
+          <dgm:ruleLst>
+            <dgm:rule type="primFontSz" val="5" fact="NaN" max="NaN"/>
+          </dgm:ruleLst>
+        </dgm:layoutNode>
+        <dgm:layoutNode name="accent_7">
+          <dgm:alg type="sp"/>
+          <dgm:shape xmlns:r="http://schemas.openxmlformats.org/officeDocument/2006/relationships" r:blip="">
+            <dgm:adjLst/>
+          </dgm:shape>
+          <dgm:presOf/>
+          <dgm:constrLst/>
+          <dgm:forEach name="Name58" ref="accentRepeat"/>
+        </dgm:layoutNode>
+      </dgm:forEach>
+    </dgm:layoutNode>
+  </dgm:layoutNode>
+</dgm:layoutDef>
+</file>
+
 <file path=ppt/diagrams/quickStyle1.xml><?xml version="1.0" encoding="utf-8"?>
 <dgm:styleDef xmlns:dgm="http://schemas.openxmlformats.org/drawingml/2006/diagram" xmlns:a="http://schemas.openxmlformats.org/drawingml/2006/main" uniqueId="urn:microsoft.com/office/officeart/2005/8/quickstyle/simple1">
   <dgm:title val=""/>
@@ -21321,6 +24480,1040 @@
 </file>
 
 <file path=ppt/diagrams/quickStyle5.xml><?xml version="1.0" encoding="utf-8"?>
+<dgm:styleDef xmlns:dgm="http://schemas.openxmlformats.org/drawingml/2006/diagram" xmlns:a="http://schemas.openxmlformats.org/drawingml/2006/main" uniqueId="urn:microsoft.com/office/officeart/2005/8/quickstyle/simple1">
+  <dgm:title val=""/>
+  <dgm:desc val=""/>
+  <dgm:catLst>
+    <dgm:cat type="simple" pri="10100"/>
+  </dgm:catLst>
+  <dgm:scene3d>
+    <a:camera prst="orthographicFront"/>
+    <a:lightRig rig="threePt" dir="t"/>
+  </dgm:scene3d>
+  <dgm:styleLbl name="node0">
+    <dgm:scene3d>
+      <a:camera prst="orthographicFront"/>
+      <a:lightRig rig="threePt" dir="t"/>
+    </dgm:scene3d>
+    <dgm:sp3d/>
+    <dgm:txPr/>
+    <dgm:style>
+      <a:lnRef idx="2">
+        <a:scrgbClr r="0" g="0" b="0"/>
+      </a:lnRef>
+      <a:fillRef idx="1">
+        <a:scrgbClr r="0" g="0" b="0"/>
+      </a:fillRef>
+      <a:effectRef idx="0">
+        <a:scrgbClr r="0" g="0" b="0"/>
+      </a:effectRef>
+      <a:fontRef idx="minor">
+        <a:schemeClr val="lt1"/>
+      </a:fontRef>
+    </dgm:style>
+  </dgm:styleLbl>
+  <dgm:styleLbl name="lnNode1">
+    <dgm:scene3d>
+      <a:camera prst="orthographicFront"/>
+      <a:lightRig rig="threePt" dir="t"/>
+    </dgm:scene3d>
+    <dgm:sp3d/>
+    <dgm:txPr/>
+    <dgm:style>
+      <a:lnRef idx="2">
+        <a:scrgbClr r="0" g="0" b="0"/>
+      </a:lnRef>
+      <a:fillRef idx="1">
+        <a:scrgbClr r="0" g="0" b="0"/>
+      </a:fillRef>
+      <a:effectRef idx="0">
+        <a:scrgbClr r="0" g="0" b="0"/>
+      </a:effectRef>
+      <a:fontRef idx="minor">
+        <a:schemeClr val="lt1"/>
+      </a:fontRef>
+    </dgm:style>
+  </dgm:styleLbl>
+  <dgm:styleLbl name="vennNode1">
+    <dgm:scene3d>
+      <a:camera prst="orthographicFront"/>
+      <a:lightRig rig="threePt" dir="t"/>
+    </dgm:scene3d>
+    <dgm:sp3d/>
+    <dgm:txPr/>
+    <dgm:style>
+      <a:lnRef idx="2">
+        <a:scrgbClr r="0" g="0" b="0"/>
+      </a:lnRef>
+      <a:fillRef idx="1">
+        <a:scrgbClr r="0" g="0" b="0"/>
+      </a:fillRef>
+      <a:effectRef idx="0">
+        <a:scrgbClr r="0" g="0" b="0"/>
+      </a:effectRef>
+      <a:fontRef idx="minor">
+        <a:schemeClr val="tx1"/>
+      </a:fontRef>
+    </dgm:style>
+  </dgm:styleLbl>
+  <dgm:styleLbl name="alignNode1">
+    <dgm:scene3d>
+      <a:camera prst="orthographicFront"/>
+      <a:lightRig rig="threePt" dir="t"/>
+    </dgm:scene3d>
+    <dgm:sp3d/>
+    <dgm:txPr/>
+    <dgm:style>
+      <a:lnRef idx="2">
+        <a:scrgbClr r="0" g="0" b="0"/>
+      </a:lnRef>
+      <a:fillRef idx="1">
+        <a:scrgbClr r="0" g="0" b="0"/>
+      </a:fillRef>
+      <a:effectRef idx="0">
+        <a:scrgbClr r="0" g="0" b="0"/>
+      </a:effectRef>
+      <a:fontRef idx="minor">
+        <a:schemeClr val="lt1"/>
+      </a:fontRef>
+    </dgm:style>
+  </dgm:styleLbl>
+  <dgm:styleLbl name="node1">
+    <dgm:scene3d>
+      <a:camera prst="orthographicFront"/>
+      <a:lightRig rig="threePt" dir="t"/>
+    </dgm:scene3d>
+    <dgm:sp3d/>
+    <dgm:txPr/>
+    <dgm:style>
+      <a:lnRef idx="2">
+        <a:scrgbClr r="0" g="0" b="0"/>
+      </a:lnRef>
+      <a:fillRef idx="1">
+        <a:scrgbClr r="0" g="0" b="0"/>
+      </a:fillRef>
+      <a:effectRef idx="0">
+        <a:scrgbClr r="0" g="0" b="0"/>
+      </a:effectRef>
+      <a:fontRef idx="minor">
+        <a:schemeClr val="lt1"/>
+      </a:fontRef>
+    </dgm:style>
+  </dgm:styleLbl>
+  <dgm:styleLbl name="node2">
+    <dgm:scene3d>
+      <a:camera prst="orthographicFront"/>
+      <a:lightRig rig="threePt" dir="t"/>
+    </dgm:scene3d>
+    <dgm:sp3d/>
+    <dgm:txPr/>
+    <dgm:style>
+      <a:lnRef idx="2">
+        <a:scrgbClr r="0" g="0" b="0"/>
+      </a:lnRef>
+      <a:fillRef idx="1">
+        <a:scrgbClr r="0" g="0" b="0"/>
+      </a:fillRef>
+      <a:effectRef idx="0">
+        <a:scrgbClr r="0" g="0" b="0"/>
+      </a:effectRef>
+      <a:fontRef idx="minor">
+        <a:schemeClr val="lt1"/>
+      </a:fontRef>
+    </dgm:style>
+  </dgm:styleLbl>
+  <dgm:styleLbl name="node3">
+    <dgm:scene3d>
+      <a:camera prst="orthographicFront"/>
+      <a:lightRig rig="threePt" dir="t"/>
+    </dgm:scene3d>
+    <dgm:sp3d/>
+    <dgm:txPr/>
+    <dgm:style>
+      <a:lnRef idx="2">
+        <a:scrgbClr r="0" g="0" b="0"/>
+      </a:lnRef>
+      <a:fillRef idx="1">
+        <a:scrgbClr r="0" g="0" b="0"/>
+      </a:fillRef>
+      <a:effectRef idx="0">
+        <a:scrgbClr r="0" g="0" b="0"/>
+      </a:effectRef>
+      <a:fontRef idx="minor">
+        <a:schemeClr val="lt1"/>
+      </a:fontRef>
+    </dgm:style>
+  </dgm:styleLbl>
+  <dgm:styleLbl name="node4">
+    <dgm:scene3d>
+      <a:camera prst="orthographicFront"/>
+      <a:lightRig rig="threePt" dir="t"/>
+    </dgm:scene3d>
+    <dgm:sp3d/>
+    <dgm:txPr/>
+    <dgm:style>
+      <a:lnRef idx="2">
+        <a:scrgbClr r="0" g="0" b="0"/>
+      </a:lnRef>
+      <a:fillRef idx="1">
+        <a:scrgbClr r="0" g="0" b="0"/>
+      </a:fillRef>
+      <a:effectRef idx="0">
+        <a:scrgbClr r="0" g="0" b="0"/>
+      </a:effectRef>
+      <a:fontRef idx="minor">
+        <a:schemeClr val="lt1"/>
+      </a:fontRef>
+    </dgm:style>
+  </dgm:styleLbl>
+  <dgm:styleLbl name="fgImgPlace1">
+    <dgm:scene3d>
+      <a:camera prst="orthographicFront"/>
+      <a:lightRig rig="threePt" dir="t"/>
+    </dgm:scene3d>
+    <dgm:sp3d/>
+    <dgm:txPr/>
+    <dgm:style>
+      <a:lnRef idx="2">
+        <a:scrgbClr r="0" g="0" b="0"/>
+      </a:lnRef>
+      <a:fillRef idx="1">
+        <a:scrgbClr r="0" g="0" b="0"/>
+      </a:fillRef>
+      <a:effectRef idx="0">
+        <a:scrgbClr r="0" g="0" b="0"/>
+      </a:effectRef>
+      <a:fontRef idx="minor"/>
+    </dgm:style>
+  </dgm:styleLbl>
+  <dgm:styleLbl name="alignImgPlace1">
+    <dgm:scene3d>
+      <a:camera prst="orthographicFront"/>
+      <a:lightRig rig="threePt" dir="t"/>
+    </dgm:scene3d>
+    <dgm:sp3d/>
+    <dgm:txPr/>
+    <dgm:style>
+      <a:lnRef idx="2">
+        <a:scrgbClr r="0" g="0" b="0"/>
+      </a:lnRef>
+      <a:fillRef idx="1">
+        <a:scrgbClr r="0" g="0" b="0"/>
+      </a:fillRef>
+      <a:effectRef idx="0">
+        <a:scrgbClr r="0" g="0" b="0"/>
+      </a:effectRef>
+      <a:fontRef idx="minor"/>
+    </dgm:style>
+  </dgm:styleLbl>
+  <dgm:styleLbl name="bgImgPlace1">
+    <dgm:scene3d>
+      <a:camera prst="orthographicFront"/>
+      <a:lightRig rig="threePt" dir="t"/>
+    </dgm:scene3d>
+    <dgm:sp3d/>
+    <dgm:txPr/>
+    <dgm:style>
+      <a:lnRef idx="2">
+        <a:scrgbClr r="0" g="0" b="0"/>
+      </a:lnRef>
+      <a:fillRef idx="1">
+        <a:scrgbClr r="0" g="0" b="0"/>
+      </a:fillRef>
+      <a:effectRef idx="0">
+        <a:scrgbClr r="0" g="0" b="0"/>
+      </a:effectRef>
+      <a:fontRef idx="minor"/>
+    </dgm:style>
+  </dgm:styleLbl>
+  <dgm:styleLbl name="sibTrans2D1">
+    <dgm:scene3d>
+      <a:camera prst="orthographicFront"/>
+      <a:lightRig rig="threePt" dir="t"/>
+    </dgm:scene3d>
+    <dgm:sp3d/>
+    <dgm:txPr/>
+    <dgm:style>
+      <a:lnRef idx="0">
+        <a:scrgbClr r="0" g="0" b="0"/>
+      </a:lnRef>
+      <a:fillRef idx="1">
+        <a:scrgbClr r="0" g="0" b="0"/>
+      </a:fillRef>
+      <a:effectRef idx="0">
+        <a:scrgbClr r="0" g="0" b="0"/>
+      </a:effectRef>
+      <a:fontRef idx="minor">
+        <a:schemeClr val="lt1"/>
+      </a:fontRef>
+    </dgm:style>
+  </dgm:styleLbl>
+  <dgm:styleLbl name="fgSibTrans2D1">
+    <dgm:scene3d>
+      <a:camera prst="orthographicFront"/>
+      <a:lightRig rig="threePt" dir="t"/>
+    </dgm:scene3d>
+    <dgm:sp3d/>
+    <dgm:txPr/>
+    <dgm:style>
+      <a:lnRef idx="0">
+        <a:scrgbClr r="0" g="0" b="0"/>
+      </a:lnRef>
+      <a:fillRef idx="1">
+        <a:scrgbClr r="0" g="0" b="0"/>
+      </a:fillRef>
+      <a:effectRef idx="0">
+        <a:scrgbClr r="0" g="0" b="0"/>
+      </a:effectRef>
+      <a:fontRef idx="minor">
+        <a:schemeClr val="lt1"/>
+      </a:fontRef>
+    </dgm:style>
+  </dgm:styleLbl>
+  <dgm:styleLbl name="bgSibTrans2D1">
+    <dgm:scene3d>
+      <a:camera prst="orthographicFront"/>
+      <a:lightRig rig="threePt" dir="t"/>
+    </dgm:scene3d>
+    <dgm:sp3d/>
+    <dgm:txPr/>
+    <dgm:style>
+      <a:lnRef idx="0">
+        <a:scrgbClr r="0" g="0" b="0"/>
+      </a:lnRef>
+      <a:fillRef idx="1">
+        <a:scrgbClr r="0" g="0" b="0"/>
+      </a:fillRef>
+      <a:effectRef idx="0">
+        <a:scrgbClr r="0" g="0" b="0"/>
+      </a:effectRef>
+      <a:fontRef idx="minor">
+        <a:schemeClr val="lt1"/>
+      </a:fontRef>
+    </dgm:style>
+  </dgm:styleLbl>
+  <dgm:styleLbl name="sibTrans1D1">
+    <dgm:scene3d>
+      <a:camera prst="orthographicFront"/>
+      <a:lightRig rig="threePt" dir="t"/>
+    </dgm:scene3d>
+    <dgm:sp3d/>
+    <dgm:txPr/>
+    <dgm:style>
+      <a:lnRef idx="1">
+        <a:scrgbClr r="0" g="0" b="0"/>
+      </a:lnRef>
+      <a:fillRef idx="0">
+        <a:scrgbClr r="0" g="0" b="0"/>
+      </a:fillRef>
+      <a:effectRef idx="0">
+        <a:scrgbClr r="0" g="0" b="0"/>
+      </a:effectRef>
+      <a:fontRef idx="minor"/>
+    </dgm:style>
+  </dgm:styleLbl>
+  <dgm:styleLbl name="callout">
+    <dgm:scene3d>
+      <a:camera prst="orthographicFront"/>
+      <a:lightRig rig="threePt" dir="t"/>
+    </dgm:scene3d>
+    <dgm:sp3d/>
+    <dgm:txPr/>
+    <dgm:style>
+      <a:lnRef idx="2">
+        <a:scrgbClr r="0" g="0" b="0"/>
+      </a:lnRef>
+      <a:fillRef idx="1">
+        <a:scrgbClr r="0" g="0" b="0"/>
+      </a:fillRef>
+      <a:effectRef idx="0">
+        <a:scrgbClr r="0" g="0" b="0"/>
+      </a:effectRef>
+      <a:fontRef idx="minor"/>
+    </dgm:style>
+  </dgm:styleLbl>
+  <dgm:styleLbl name="asst0">
+    <dgm:scene3d>
+      <a:camera prst="orthographicFront"/>
+      <a:lightRig rig="threePt" dir="t"/>
+    </dgm:scene3d>
+    <dgm:sp3d/>
+    <dgm:txPr/>
+    <dgm:style>
+      <a:lnRef idx="2">
+        <a:scrgbClr r="0" g="0" b="0"/>
+      </a:lnRef>
+      <a:fillRef idx="1">
+        <a:scrgbClr r="0" g="0" b="0"/>
+      </a:fillRef>
+      <a:effectRef idx="0">
+        <a:scrgbClr r="0" g="0" b="0"/>
+      </a:effectRef>
+      <a:fontRef idx="minor">
+        <a:schemeClr val="lt1"/>
+      </a:fontRef>
+    </dgm:style>
+  </dgm:styleLbl>
+  <dgm:styleLbl name="asst1">
+    <dgm:scene3d>
+      <a:camera prst="orthographicFront"/>
+      <a:lightRig rig="threePt" dir="t"/>
+    </dgm:scene3d>
+    <dgm:sp3d/>
+    <dgm:txPr/>
+    <dgm:style>
+      <a:lnRef idx="2">
+        <a:scrgbClr r="0" g="0" b="0"/>
+      </a:lnRef>
+      <a:fillRef idx="1">
+        <a:scrgbClr r="0" g="0" b="0"/>
+      </a:fillRef>
+      <a:effectRef idx="0">
+        <a:scrgbClr r="0" g="0" b="0"/>
+      </a:effectRef>
+      <a:fontRef idx="minor">
+        <a:schemeClr val="lt1"/>
+      </a:fontRef>
+    </dgm:style>
+  </dgm:styleLbl>
+  <dgm:styleLbl name="asst2">
+    <dgm:scene3d>
+      <a:camera prst="orthographicFront"/>
+      <a:lightRig rig="threePt" dir="t"/>
+    </dgm:scene3d>
+    <dgm:sp3d/>
+    <dgm:txPr/>
+    <dgm:style>
+      <a:lnRef idx="2">
+        <a:scrgbClr r="0" g="0" b="0"/>
+      </a:lnRef>
+      <a:fillRef idx="1">
+        <a:scrgbClr r="0" g="0" b="0"/>
+      </a:fillRef>
+      <a:effectRef idx="0">
+        <a:scrgbClr r="0" g="0" b="0"/>
+      </a:effectRef>
+      <a:fontRef idx="minor">
+        <a:schemeClr val="lt1"/>
+      </a:fontRef>
+    </dgm:style>
+  </dgm:styleLbl>
+  <dgm:styleLbl name="asst3">
+    <dgm:scene3d>
+      <a:camera prst="orthographicFront"/>
+      <a:lightRig rig="threePt" dir="t"/>
+    </dgm:scene3d>
+    <dgm:sp3d/>
+    <dgm:txPr/>
+    <dgm:style>
+      <a:lnRef idx="2">
+        <a:scrgbClr r="0" g="0" b="0"/>
+      </a:lnRef>
+      <a:fillRef idx="1">
+        <a:scrgbClr r="0" g="0" b="0"/>
+      </a:fillRef>
+      <a:effectRef idx="0">
+        <a:scrgbClr r="0" g="0" b="0"/>
+      </a:effectRef>
+      <a:fontRef idx="minor">
+        <a:schemeClr val="lt1"/>
+      </a:fontRef>
+    </dgm:style>
+  </dgm:styleLbl>
+  <dgm:styleLbl name="asst4">
+    <dgm:scene3d>
+      <a:camera prst="orthographicFront"/>
+      <a:lightRig rig="threePt" dir="t"/>
+    </dgm:scene3d>
+    <dgm:sp3d/>
+    <dgm:txPr/>
+    <dgm:style>
+      <a:lnRef idx="2">
+        <a:scrgbClr r="0" g="0" b="0"/>
+      </a:lnRef>
+      <a:fillRef idx="1">
+        <a:scrgbClr r="0" g="0" b="0"/>
+      </a:fillRef>
+      <a:effectRef idx="0">
+        <a:scrgbClr r="0" g="0" b="0"/>
+      </a:effectRef>
+      <a:fontRef idx="minor">
+        <a:schemeClr val="lt1"/>
+      </a:fontRef>
+    </dgm:style>
+  </dgm:styleLbl>
+  <dgm:styleLbl name="parChTrans2D1">
+    <dgm:scene3d>
+      <a:camera prst="orthographicFront"/>
+      <a:lightRig rig="threePt" dir="t"/>
+    </dgm:scene3d>
+    <dgm:sp3d/>
+    <dgm:txPr/>
+    <dgm:style>
+      <a:lnRef idx="2">
+        <a:scrgbClr r="0" g="0" b="0"/>
+      </a:lnRef>
+      <a:fillRef idx="1">
+        <a:scrgbClr r="0" g="0" b="0"/>
+      </a:fillRef>
+      <a:effectRef idx="0">
+        <a:scrgbClr r="0" g="0" b="0"/>
+      </a:effectRef>
+      <a:fontRef idx="minor">
+        <a:schemeClr val="lt1"/>
+      </a:fontRef>
+    </dgm:style>
+  </dgm:styleLbl>
+  <dgm:styleLbl name="parChTrans2D2">
+    <dgm:scene3d>
+      <a:camera prst="orthographicFront"/>
+      <a:lightRig rig="threePt" dir="t"/>
+    </dgm:scene3d>
+    <dgm:sp3d/>
+    <dgm:txPr/>
+    <dgm:style>
+      <a:lnRef idx="2">
+        <a:scrgbClr r="0" g="0" b="0"/>
+      </a:lnRef>
+      <a:fillRef idx="1">
+        <a:scrgbClr r="0" g="0" b="0"/>
+      </a:fillRef>
+      <a:effectRef idx="0">
+        <a:scrgbClr r="0" g="0" b="0"/>
+      </a:effectRef>
+      <a:fontRef idx="minor">
+        <a:schemeClr val="lt1"/>
+      </a:fontRef>
+    </dgm:style>
+  </dgm:styleLbl>
+  <dgm:styleLbl name="parChTrans2D3">
+    <dgm:scene3d>
+      <a:camera prst="orthographicFront"/>
+      <a:lightRig rig="threePt" dir="t"/>
+    </dgm:scene3d>
+    <dgm:sp3d/>
+    <dgm:txPr/>
+    <dgm:style>
+      <a:lnRef idx="2">
+        <a:scrgbClr r="0" g="0" b="0"/>
+      </a:lnRef>
+      <a:fillRef idx="1">
+        <a:scrgbClr r="0" g="0" b="0"/>
+      </a:fillRef>
+      <a:effectRef idx="0">
+        <a:scrgbClr r="0" g="0" b="0"/>
+      </a:effectRef>
+      <a:fontRef idx="minor">
+        <a:schemeClr val="lt1"/>
+      </a:fontRef>
+    </dgm:style>
+  </dgm:styleLbl>
+  <dgm:styleLbl name="parChTrans2D4">
+    <dgm:scene3d>
+      <a:camera prst="orthographicFront"/>
+      <a:lightRig rig="threePt" dir="t"/>
+    </dgm:scene3d>
+    <dgm:sp3d/>
+    <dgm:txPr/>
+    <dgm:style>
+      <a:lnRef idx="2">
+        <a:scrgbClr r="0" g="0" b="0"/>
+      </a:lnRef>
+      <a:fillRef idx="1">
+        <a:scrgbClr r="0" g="0" b="0"/>
+      </a:fillRef>
+      <a:effectRef idx="0">
+        <a:scrgbClr r="0" g="0" b="0"/>
+      </a:effectRef>
+      <a:fontRef idx="minor">
+        <a:schemeClr val="lt1"/>
+      </a:fontRef>
+    </dgm:style>
+  </dgm:styleLbl>
+  <dgm:styleLbl name="parChTrans1D1">
+    <dgm:scene3d>
+      <a:camera prst="orthographicFront"/>
+      <a:lightRig rig="threePt" dir="t"/>
+    </dgm:scene3d>
+    <dgm:sp3d/>
+    <dgm:txPr/>
+    <dgm:style>
+      <a:lnRef idx="2">
+        <a:scrgbClr r="0" g="0" b="0"/>
+      </a:lnRef>
+      <a:fillRef idx="0">
+        <a:scrgbClr r="0" g="0" b="0"/>
+      </a:fillRef>
+      <a:effectRef idx="0">
+        <a:scrgbClr r="0" g="0" b="0"/>
+      </a:effectRef>
+      <a:fontRef idx="minor"/>
+    </dgm:style>
+  </dgm:styleLbl>
+  <dgm:styleLbl name="parChTrans1D2">
+    <dgm:scene3d>
+      <a:camera prst="orthographicFront"/>
+      <a:lightRig rig="threePt" dir="t"/>
+    </dgm:scene3d>
+    <dgm:sp3d/>
+    <dgm:txPr/>
+    <dgm:style>
+      <a:lnRef idx="2">
+        <a:scrgbClr r="0" g="0" b="0"/>
+      </a:lnRef>
+      <a:fillRef idx="0">
+        <a:scrgbClr r="0" g="0" b="0"/>
+      </a:fillRef>
+      <a:effectRef idx="0">
+        <a:scrgbClr r="0" g="0" b="0"/>
+      </a:effectRef>
+      <a:fontRef idx="minor"/>
+    </dgm:style>
+  </dgm:styleLbl>
+  <dgm:styleLbl name="parChTrans1D3">
+    <dgm:scene3d>
+      <a:camera prst="orthographicFront"/>
+      <a:lightRig rig="threePt" dir="t"/>
+    </dgm:scene3d>
+    <dgm:sp3d/>
+    <dgm:txPr/>
+    <dgm:style>
+      <a:lnRef idx="2">
+        <a:scrgbClr r="0" g="0" b="0"/>
+      </a:lnRef>
+      <a:fillRef idx="0">
+        <a:scrgbClr r="0" g="0" b="0"/>
+      </a:fillRef>
+      <a:effectRef idx="0">
+        <a:scrgbClr r="0" g="0" b="0"/>
+      </a:effectRef>
+      <a:fontRef idx="minor"/>
+    </dgm:style>
+  </dgm:styleLbl>
+  <dgm:styleLbl name="parChTrans1D4">
+    <dgm:scene3d>
+      <a:camera prst="orthographicFront"/>
+      <a:lightRig rig="threePt" dir="t"/>
+    </dgm:scene3d>
+    <dgm:sp3d/>
+    <dgm:txPr/>
+    <dgm:style>
+      <a:lnRef idx="2">
+        <a:scrgbClr r="0" g="0" b="0"/>
+      </a:lnRef>
+      <a:fillRef idx="0">
+        <a:scrgbClr r="0" g="0" b="0"/>
+      </a:fillRef>
+      <a:effectRef idx="0">
+        <a:scrgbClr r="0" g="0" b="0"/>
+      </a:effectRef>
+      <a:fontRef idx="minor"/>
+    </dgm:style>
+  </dgm:styleLbl>
+  <dgm:styleLbl name="fgAcc1">
+    <dgm:scene3d>
+      <a:camera prst="orthographicFront"/>
+      <a:lightRig rig="threePt" dir="t"/>
+    </dgm:scene3d>
+    <dgm:sp3d/>
+    <dgm:txPr/>
+    <dgm:style>
+      <a:lnRef idx="2">
+        <a:scrgbClr r="0" g="0" b="0"/>
+      </a:lnRef>
+      <a:fillRef idx="1">
+        <a:scrgbClr r="0" g="0" b="0"/>
+      </a:fillRef>
+      <a:effectRef idx="0">
+        <a:scrgbClr r="0" g="0" b="0"/>
+      </a:effectRef>
+      <a:fontRef idx="minor"/>
+    </dgm:style>
+  </dgm:styleLbl>
+  <dgm:styleLbl name="conFgAcc1">
+    <dgm:scene3d>
+      <a:camera prst="orthographicFront"/>
+      <a:lightRig rig="threePt" dir="t"/>
+    </dgm:scene3d>
+    <dgm:sp3d/>
+    <dgm:txPr/>
+    <dgm:style>
+      <a:lnRef idx="2">
+        <a:scrgbClr r="0" g="0" b="0"/>
+      </a:lnRef>
+      <a:fillRef idx="1">
+        <a:scrgbClr r="0" g="0" b="0"/>
+      </a:fillRef>
+      <a:effectRef idx="0">
+        <a:scrgbClr r="0" g="0" b="0"/>
+      </a:effectRef>
+      <a:fontRef idx="minor"/>
+    </dgm:style>
+  </dgm:styleLbl>
+  <dgm:styleLbl name="alignAcc1">
+    <dgm:scene3d>
+      <a:camera prst="orthographicFront"/>
+      <a:lightRig rig="threePt" dir="t"/>
+    </dgm:scene3d>
+    <dgm:sp3d/>
+    <dgm:txPr/>
+    <dgm:style>
+      <a:lnRef idx="2">
+        <a:scrgbClr r="0" g="0" b="0"/>
+      </a:lnRef>
+      <a:fillRef idx="1">
+        <a:scrgbClr r="0" g="0" b="0"/>
+      </a:fillRef>
+      <a:effectRef idx="0">
+        <a:scrgbClr r="0" g="0" b="0"/>
+      </a:effectRef>
+      <a:fontRef idx="minor"/>
+    </dgm:style>
+  </dgm:styleLbl>
+  <dgm:styleLbl name="trAlignAcc1">
+    <dgm:scene3d>
+      <a:camera prst="orthographicFront"/>
+      <a:lightRig rig="threePt" dir="t"/>
+    </dgm:scene3d>
+    <dgm:sp3d/>
+    <dgm:txPr/>
+    <dgm:style>
+      <a:lnRef idx="1">
+        <a:scrgbClr r="0" g="0" b="0"/>
+      </a:lnRef>
+      <a:fillRef idx="1">
+        <a:scrgbClr r="0" g="0" b="0"/>
+      </a:fillRef>
+      <a:effectRef idx="0">
+        <a:scrgbClr r="0" g="0" b="0"/>
+      </a:effectRef>
+      <a:fontRef idx="minor"/>
+    </dgm:style>
+  </dgm:styleLbl>
+  <dgm:styleLbl name="bgAcc1">
+    <dgm:scene3d>
+      <a:camera prst="orthographicFront"/>
+      <a:lightRig rig="threePt" dir="t"/>
+    </dgm:scene3d>
+    <dgm:sp3d/>
+    <dgm:txPr/>
+    <dgm:style>
+      <a:lnRef idx="2">
+        <a:scrgbClr r="0" g="0" b="0"/>
+      </a:lnRef>
+      <a:fillRef idx="1">
+        <a:scrgbClr r="0" g="0" b="0"/>
+      </a:fillRef>
+      <a:effectRef idx="0">
+        <a:scrgbClr r="0" g="0" b="0"/>
+      </a:effectRef>
+      <a:fontRef idx="minor"/>
+    </dgm:style>
+  </dgm:styleLbl>
+  <dgm:styleLbl name="solidFgAcc1">
+    <dgm:scene3d>
+      <a:camera prst="orthographicFront"/>
+      <a:lightRig rig="threePt" dir="t"/>
+    </dgm:scene3d>
+    <dgm:sp3d/>
+    <dgm:txPr/>
+    <dgm:style>
+      <a:lnRef idx="2">
+        <a:scrgbClr r="0" g="0" b="0"/>
+      </a:lnRef>
+      <a:fillRef idx="1">
+        <a:scrgbClr r="0" g="0" b="0"/>
+      </a:fillRef>
+      <a:effectRef idx="0">
+        <a:scrgbClr r="0" g="0" b="0"/>
+      </a:effectRef>
+      <a:fontRef idx="minor"/>
+    </dgm:style>
+  </dgm:styleLbl>
+  <dgm:styleLbl name="solidAlignAcc1">
+    <dgm:scene3d>
+      <a:camera prst="orthographicFront"/>
+      <a:lightRig rig="threePt" dir="t"/>
+    </dgm:scene3d>
+    <dgm:sp3d/>
+    <dgm:txPr/>
+    <dgm:style>
+      <a:lnRef idx="2">
+        <a:scrgbClr r="0" g="0" b="0"/>
+      </a:lnRef>
+      <a:fillRef idx="1">
+        <a:scrgbClr r="0" g="0" b="0"/>
+      </a:fillRef>
+      <a:effectRef idx="0">
+        <a:scrgbClr r="0" g="0" b="0"/>
+      </a:effectRef>
+      <a:fontRef idx="minor"/>
+    </dgm:style>
+  </dgm:styleLbl>
+  <dgm:styleLbl name="solidBgAcc1">
+    <dgm:scene3d>
+      <a:camera prst="orthographicFront"/>
+      <a:lightRig rig="threePt" dir="t"/>
+    </dgm:scene3d>
+    <dgm:sp3d/>
+    <dgm:txPr/>
+    <dgm:style>
+      <a:lnRef idx="2">
+        <a:scrgbClr r="0" g="0" b="0"/>
+      </a:lnRef>
+      <a:fillRef idx="1">
+        <a:scrgbClr r="0" g="0" b="0"/>
+      </a:fillRef>
+      <a:effectRef idx="0">
+        <a:scrgbClr r="0" g="0" b="0"/>
+      </a:effectRef>
+      <a:fontRef idx="minor"/>
+    </dgm:style>
+  </dgm:styleLbl>
+  <dgm:styleLbl name="fgAccFollowNode1">
+    <dgm:scene3d>
+      <a:camera prst="orthographicFront"/>
+      <a:lightRig rig="threePt" dir="t"/>
+    </dgm:scene3d>
+    <dgm:sp3d/>
+    <dgm:txPr/>
+    <dgm:style>
+      <a:lnRef idx="2">
+        <a:scrgbClr r="0" g="0" b="0"/>
+      </a:lnRef>
+      <a:fillRef idx="1">
+        <a:scrgbClr r="0" g="0" b="0"/>
+      </a:fillRef>
+      <a:effectRef idx="0">
+        <a:scrgbClr r="0" g="0" b="0"/>
+      </a:effectRef>
+      <a:fontRef idx="minor"/>
+    </dgm:style>
+  </dgm:styleLbl>
+  <dgm:styleLbl name="alignAccFollowNode1">
+    <dgm:scene3d>
+      <a:camera prst="orthographicFront"/>
+      <a:lightRig rig="threePt" dir="t"/>
+    </dgm:scene3d>
+    <dgm:sp3d/>
+    <dgm:txPr/>
+    <dgm:style>
+      <a:lnRef idx="2">
+        <a:scrgbClr r="0" g="0" b="0"/>
+      </a:lnRef>
+      <a:fillRef idx="1">
+        <a:scrgbClr r="0" g="0" b="0"/>
+      </a:fillRef>
+      <a:effectRef idx="0">
+        <a:scrgbClr r="0" g="0" b="0"/>
+      </a:effectRef>
+      <a:fontRef idx="minor"/>
+    </dgm:style>
+  </dgm:styleLbl>
+  <dgm:styleLbl name="bgAccFollowNode1">
+    <dgm:scene3d>
+      <a:camera prst="orthographicFront"/>
+      <a:lightRig rig="threePt" dir="t"/>
+    </dgm:scene3d>
+    <dgm:sp3d/>
+    <dgm:txPr/>
+    <dgm:style>
+      <a:lnRef idx="2">
+        <a:scrgbClr r="0" g="0" b="0"/>
+      </a:lnRef>
+      <a:fillRef idx="1">
+        <a:scrgbClr r="0" g="0" b="0"/>
+      </a:fillRef>
+      <a:effectRef idx="0">
+        <a:scrgbClr r="0" g="0" b="0"/>
+      </a:effectRef>
+      <a:fontRef idx="minor"/>
+    </dgm:style>
+  </dgm:styleLbl>
+  <dgm:styleLbl name="fgAcc0">
+    <dgm:scene3d>
+      <a:camera prst="orthographicFront"/>
+      <a:lightRig rig="threePt" dir="t"/>
+    </dgm:scene3d>
+    <dgm:sp3d/>
+    <dgm:txPr/>
+    <dgm:style>
+      <a:lnRef idx="2">
+        <a:scrgbClr r="0" g="0" b="0"/>
+      </a:lnRef>
+      <a:fillRef idx="1">
+        <a:scrgbClr r="0" g="0" b="0"/>
+      </a:fillRef>
+      <a:effectRef idx="0">
+        <a:scrgbClr r="0" g="0" b="0"/>
+      </a:effectRef>
+      <a:fontRef idx="minor"/>
+    </dgm:style>
+  </dgm:styleLbl>
+  <dgm:styleLbl name="fgAcc2">
+    <dgm:scene3d>
+      <a:camera prst="orthographicFront"/>
+      <a:lightRig rig="threePt" dir="t"/>
+    </dgm:scene3d>
+    <dgm:sp3d/>
+    <dgm:txPr/>
+    <dgm:style>
+      <a:lnRef idx="2">
+        <a:scrgbClr r="0" g="0" b="0"/>
+      </a:lnRef>
+      <a:fillRef idx="1">
+        <a:scrgbClr r="0" g="0" b="0"/>
+      </a:fillRef>
+      <a:effectRef idx="0">
+        <a:scrgbClr r="0" g="0" b="0"/>
+      </a:effectRef>
+      <a:fontRef idx="minor"/>
+    </dgm:style>
+  </dgm:styleLbl>
+  <dgm:styleLbl name="fgAcc3">
+    <dgm:scene3d>
+      <a:camera prst="orthographicFront"/>
+      <a:lightRig rig="threePt" dir="t"/>
+    </dgm:scene3d>
+    <dgm:sp3d/>
+    <dgm:txPr/>
+    <dgm:style>
+      <a:lnRef idx="2">
+        <a:scrgbClr r="0" g="0" b="0"/>
+      </a:lnRef>
+      <a:fillRef idx="1">
+        <a:scrgbClr r="0" g="0" b="0"/>
+      </a:fillRef>
+      <a:effectRef idx="0">
+        <a:scrgbClr r="0" g="0" b="0"/>
+      </a:effectRef>
+      <a:fontRef idx="minor"/>
+    </dgm:style>
+  </dgm:styleLbl>
+  <dgm:styleLbl name="fgAcc4">
+    <dgm:scene3d>
+      <a:camera prst="orthographicFront"/>
+      <a:lightRig rig="threePt" dir="t"/>
+    </dgm:scene3d>
+    <dgm:sp3d/>
+    <dgm:txPr/>
+    <dgm:style>
+      <a:lnRef idx="2">
+        <a:scrgbClr r="0" g="0" b="0"/>
+      </a:lnRef>
+      <a:fillRef idx="1">
+        <a:scrgbClr r="0" g="0" b="0"/>
+      </a:fillRef>
+      <a:effectRef idx="0">
+        <a:scrgbClr r="0" g="0" b="0"/>
+      </a:effectRef>
+      <a:fontRef idx="minor"/>
+    </dgm:style>
+  </dgm:styleLbl>
+  <dgm:styleLbl name="bgShp">
+    <dgm:scene3d>
+      <a:camera prst="orthographicFront"/>
+      <a:lightRig rig="threePt" dir="t"/>
+    </dgm:scene3d>
+    <dgm:sp3d/>
+    <dgm:txPr/>
+    <dgm:style>
+      <a:lnRef idx="0">
+        <a:scrgbClr r="0" g="0" b="0"/>
+      </a:lnRef>
+      <a:fillRef idx="1">
+        <a:scrgbClr r="0" g="0" b="0"/>
+      </a:fillRef>
+      <a:effectRef idx="0">
+        <a:scrgbClr r="0" g="0" b="0"/>
+      </a:effectRef>
+      <a:fontRef idx="minor"/>
+    </dgm:style>
+  </dgm:styleLbl>
+  <dgm:styleLbl name="dkBgShp">
+    <dgm:scene3d>
+      <a:camera prst="orthographicFront"/>
+      <a:lightRig rig="threePt" dir="t"/>
+    </dgm:scene3d>
+    <dgm:sp3d/>
+    <dgm:txPr/>
+    <dgm:style>
+      <a:lnRef idx="0">
+        <a:scrgbClr r="0" g="0" b="0"/>
+      </a:lnRef>
+      <a:fillRef idx="1">
+        <a:scrgbClr r="0" g="0" b="0"/>
+      </a:fillRef>
+      <a:effectRef idx="0">
+        <a:scrgbClr r="0" g="0" b="0"/>
+      </a:effectRef>
+      <a:fontRef idx="minor"/>
+    </dgm:style>
+  </dgm:styleLbl>
+  <dgm:styleLbl name="trBgShp">
+    <dgm:scene3d>
+      <a:camera prst="orthographicFront"/>
+      <a:lightRig rig="threePt" dir="t"/>
+    </dgm:scene3d>
+    <dgm:sp3d/>
+    <dgm:txPr/>
+    <dgm:style>
+      <a:lnRef idx="0">
+        <a:scrgbClr r="0" g="0" b="0"/>
+      </a:lnRef>
+      <a:fillRef idx="1">
+        <a:scrgbClr r="0" g="0" b="0"/>
+      </a:fillRef>
+      <a:effectRef idx="0">
+        <a:scrgbClr r="0" g="0" b="0"/>
+      </a:effectRef>
+      <a:fontRef idx="minor"/>
+    </dgm:style>
+  </dgm:styleLbl>
+  <dgm:styleLbl name="fgShp">
+    <dgm:scene3d>
+      <a:camera prst="orthographicFront"/>
+      <a:lightRig rig="threePt" dir="t"/>
+    </dgm:scene3d>
+    <dgm:sp3d/>
+    <dgm:txPr/>
+    <dgm:style>
+      <a:lnRef idx="2">
+        <a:scrgbClr r="0" g="0" b="0"/>
+      </a:lnRef>
+      <a:fillRef idx="1">
+        <a:scrgbClr r="0" g="0" b="0"/>
+      </a:fillRef>
+      <a:effectRef idx="0">
+        <a:scrgbClr r="0" g="0" b="0"/>
+      </a:effectRef>
+      <a:fontRef idx="minor"/>
+    </dgm:style>
+  </dgm:styleLbl>
+  <dgm:styleLbl name="revTx">
+    <dgm:scene3d>
+      <a:camera prst="orthographicFront"/>
+      <a:lightRig rig="threePt" dir="t"/>
+    </dgm:scene3d>
+    <dgm:sp3d/>
+    <dgm:txPr/>
+    <dgm:style>
+      <a:lnRef idx="0">
+        <a:scrgbClr r="0" g="0" b="0"/>
+      </a:lnRef>
+      <a:fillRef idx="0">
+        <a:scrgbClr r="0" g="0" b="0"/>
+      </a:fillRef>
+      <a:effectRef idx="0">
+        <a:scrgbClr r="0" g="0" b="0"/>
+      </a:effectRef>
+      <a:fontRef idx="minor"/>
+    </dgm:style>
+  </dgm:styleLbl>
+</dgm:styleDef>
+</file>
+
+<file path=ppt/diagrams/quickStyle6.xml><?xml version="1.0" encoding="utf-8"?>
 <dgm:styleDef xmlns:dgm="http://schemas.openxmlformats.org/drawingml/2006/diagram" xmlns:a="http://schemas.openxmlformats.org/drawingml/2006/main" uniqueId="urn:microsoft.com/office/officeart/2005/8/quickstyle/simple1">
   <dgm:title val=""/>
   <dgm:desc val=""/>
@@ -22436,7 +26629,7 @@
           <a:p>
             <a:fld id="{0D87D33D-AD8C-43FC-8310-7175FC0AC6E7}" type="datetimeFigureOut">
               <a:rPr lang="en-US" smtClean="0"/>
-              <a:t>10/17/2021</a:t>
+              <a:t>10/18/2021</a:t>
             </a:fld>
             <a:endParaRPr lang="en-US" dirty="0"/>
           </a:p>
@@ -22768,7 +26961,7 @@
           <a:p>
             <a:fld id="{302C64B7-96AE-4C1F-AFF5-ACD431C321CF}" type="slidenum">
               <a:rPr lang="en-US" smtClean="0"/>
-              <a:t>9</a:t>
+              <a:t>10</a:t>
             </a:fld>
             <a:endParaRPr lang="en-US" dirty="0"/>
           </a:p>
@@ -22852,7 +27045,7 @@
           <a:p>
             <a:fld id="{302C64B7-96AE-4C1F-AFF5-ACD431C321CF}" type="slidenum">
               <a:rPr lang="en-US" smtClean="0"/>
-              <a:t>10</a:t>
+              <a:t>11</a:t>
             </a:fld>
             <a:endParaRPr lang="en-US" dirty="0"/>
           </a:p>
@@ -22936,7 +27129,7 @@
           <a:p>
             <a:fld id="{302C64B7-96AE-4C1F-AFF5-ACD431C321CF}" type="slidenum">
               <a:rPr lang="en-US" smtClean="0"/>
-              <a:t>11</a:t>
+              <a:t>12</a:t>
             </a:fld>
             <a:endParaRPr lang="en-US" dirty="0"/>
           </a:p>
@@ -23020,7 +27213,7 @@
           <a:p>
             <a:fld id="{302C64B7-96AE-4C1F-AFF5-ACD431C321CF}" type="slidenum">
               <a:rPr lang="en-US" smtClean="0"/>
-              <a:t>12</a:t>
+              <a:t>13</a:t>
             </a:fld>
             <a:endParaRPr lang="en-US" dirty="0"/>
           </a:p>
@@ -23104,7 +27297,7 @@
           <a:p>
             <a:fld id="{302C64B7-96AE-4C1F-AFF5-ACD431C321CF}" type="slidenum">
               <a:rPr lang="en-US" smtClean="0"/>
-              <a:t>15</a:t>
+              <a:t>16</a:t>
             </a:fld>
             <a:endParaRPr lang="en-US" dirty="0"/>
           </a:p>
@@ -23349,7 +27542,7 @@
           <a:p>
             <a:fld id="{3CADBD16-5BFB-4D9F-9646-C75D1B53BBB6}" type="datetimeFigureOut">
               <a:rPr lang="en-US" smtClean="0"/>
-              <a:t>10/17/2021</a:t>
+              <a:t>10/18/2021</a:t>
             </a:fld>
             <a:endParaRPr lang="en-US" dirty="0"/>
           </a:p>
@@ -23557,7 +27750,7 @@
           <a:p>
             <a:fld id="{3CADBD16-5BFB-4D9F-9646-C75D1B53BBB6}" type="datetimeFigureOut">
               <a:rPr lang="en-US" smtClean="0"/>
-              <a:t>10/17/2021</a:t>
+              <a:t>10/18/2021</a:t>
             </a:fld>
             <a:endParaRPr lang="en-US" dirty="0"/>
           </a:p>
@@ -23813,7 +28006,7 @@
           <a:p>
             <a:fld id="{3CADBD16-5BFB-4D9F-9646-C75D1B53BBB6}" type="datetimeFigureOut">
               <a:rPr lang="en-US" smtClean="0"/>
-              <a:t>10/17/2021</a:t>
+              <a:t>10/18/2021</a:t>
             </a:fld>
             <a:endParaRPr lang="en-US" dirty="0"/>
           </a:p>
@@ -23987,7 +28180,7 @@
           <a:p>
             <a:fld id="{3CADBD16-5BFB-4D9F-9646-C75D1B53BBB6}" type="datetimeFigureOut">
               <a:rPr lang="en-US" smtClean="0"/>
-              <a:t>10/17/2021</a:t>
+              <a:t>10/18/2021</a:t>
             </a:fld>
             <a:endParaRPr lang="en-US" dirty="0"/>
           </a:p>
@@ -24330,7 +28523,7 @@
           <a:p>
             <a:fld id="{3CADBD16-5BFB-4D9F-9646-C75D1B53BBB6}" type="datetimeFigureOut">
               <a:rPr lang="en-US" smtClean="0"/>
-              <a:t>10/17/2021</a:t>
+              <a:t>10/18/2021</a:t>
             </a:fld>
             <a:endParaRPr lang="en-US" dirty="0"/>
           </a:p>
@@ -24605,7 +28798,7 @@
           <a:p>
             <a:fld id="{3CADBD16-5BFB-4D9F-9646-C75D1B53BBB6}" type="datetimeFigureOut">
               <a:rPr lang="en-US" smtClean="0"/>
-              <a:t>10/17/2021</a:t>
+              <a:t>10/18/2021</a:t>
             </a:fld>
             <a:endParaRPr lang="en-US" dirty="0"/>
           </a:p>
@@ -24984,7 +29177,7 @@
           <a:p>
             <a:fld id="{3CADBD16-5BFB-4D9F-9646-C75D1B53BBB6}" type="datetimeFigureOut">
               <a:rPr lang="en-US" smtClean="0"/>
-              <a:t>10/17/2021</a:t>
+              <a:t>10/18/2021</a:t>
             </a:fld>
             <a:endParaRPr lang="en-US" dirty="0"/>
           </a:p>
@@ -25102,7 +29295,7 @@
           <a:p>
             <a:fld id="{3CADBD16-5BFB-4D9F-9646-C75D1B53BBB6}" type="datetimeFigureOut">
               <a:rPr lang="en-US" smtClean="0"/>
-              <a:t>10/17/2021</a:t>
+              <a:t>10/18/2021</a:t>
             </a:fld>
             <a:endParaRPr lang="en-US" dirty="0"/>
           </a:p>
@@ -25273,7 +29466,7 @@
           <a:p>
             <a:fld id="{3CADBD16-5BFB-4D9F-9646-C75D1B53BBB6}" type="datetimeFigureOut">
               <a:rPr lang="en-US" smtClean="0"/>
-              <a:t>10/17/2021</a:t>
+              <a:t>10/18/2021</a:t>
             </a:fld>
             <a:endParaRPr lang="en-US" dirty="0"/>
           </a:p>
@@ -25627,7 +29820,7 @@
           <a:p>
             <a:fld id="{3CADBD16-5BFB-4D9F-9646-C75D1B53BBB6}" type="datetimeFigureOut">
               <a:rPr lang="en-US" smtClean="0"/>
-              <a:t>10/17/2021</a:t>
+              <a:t>10/18/2021</a:t>
             </a:fld>
             <a:endParaRPr lang="en-US" dirty="0"/>
           </a:p>
@@ -26008,7 +30201,7 @@
           <a:p>
             <a:fld id="{3CADBD16-5BFB-4D9F-9646-C75D1B53BBB6}" type="datetimeFigureOut">
               <a:rPr lang="en-US" smtClean="0"/>
-              <a:t>10/17/2021</a:t>
+              <a:t>10/18/2021</a:t>
             </a:fld>
             <a:endParaRPr lang="en-US" dirty="0"/>
           </a:p>
@@ -26296,7 +30489,7 @@
             <a:fld id="{3CADBD16-5BFB-4D9F-9646-C75D1B53BBB6}" type="datetimeFigureOut">
               <a:rPr lang="en-US" smtClean="0"/>
               <a:pPr/>
-              <a:t>10/17/2021</a:t>
+              <a:t>10/18/2021</a:t>
             </a:fld>
             <a:endParaRPr lang="en-US" dirty="0"/>
           </a:p>
@@ -26971,6 +31164,498 @@
       </p:grpSpPr>
       <p:sp>
         <p:nvSpPr>
+          <p:cNvPr id="7" name="Rectangle 6">
+            <a:extLst>
+              <a:ext uri="{FF2B5EF4-FFF2-40B4-BE49-F238E27FC236}">
+                <a16:creationId xmlns:a16="http://schemas.microsoft.com/office/drawing/2014/main" id="{BF1B094E-1CEA-4881-BC1A-71F51F2243A7}"/>
+              </a:ext>
+            </a:extLst>
+          </p:cNvPr>
+          <p:cNvSpPr/>
+          <p:nvPr/>
+        </p:nvSpPr>
+        <p:spPr>
+          <a:xfrm>
+            <a:off x="971550" y="1543050"/>
+            <a:ext cx="10401300" cy="257175"/>
+          </a:xfrm>
+          <a:prstGeom prst="rect">
+            <a:avLst/>
+          </a:prstGeom>
+          <a:solidFill>
+            <a:schemeClr val="bg1"/>
+          </a:solidFill>
+          <a:ln>
+            <a:solidFill>
+              <a:schemeClr val="bg1"/>
+            </a:solidFill>
+          </a:ln>
+        </p:spPr>
+        <p:style>
+          <a:lnRef idx="2">
+            <a:schemeClr val="accent1">
+              <a:shade val="50000"/>
+            </a:schemeClr>
+          </a:lnRef>
+          <a:fillRef idx="1">
+            <a:schemeClr val="accent1"/>
+          </a:fillRef>
+          <a:effectRef idx="0">
+            <a:schemeClr val="accent1"/>
+          </a:effectRef>
+          <a:fontRef idx="minor">
+            <a:schemeClr val="lt1"/>
+          </a:fontRef>
+        </p:style>
+        <p:txBody>
+          <a:bodyPr rtlCol="0" anchor="ctr"/>
+          <a:lstStyle/>
+          <a:p>
+            <a:pPr algn="ctr"/>
+            <a:endParaRPr lang="en-US" dirty="0">
+              <a:ln>
+                <a:solidFill>
+                  <a:schemeClr val="bg1"/>
+                </a:solidFill>
+              </a:ln>
+            </a:endParaRPr>
+          </a:p>
+        </p:txBody>
+      </p:sp>
+      <p:sp>
+        <p:nvSpPr>
+          <p:cNvPr id="2" name="Title 1">
+            <a:extLst>
+              <a:ext uri="{FF2B5EF4-FFF2-40B4-BE49-F238E27FC236}">
+                <a16:creationId xmlns:a16="http://schemas.microsoft.com/office/drawing/2014/main" id="{92A9B60F-7F68-48F6-9FB9-2CF291C61653}"/>
+              </a:ext>
+            </a:extLst>
+          </p:cNvPr>
+          <p:cNvSpPr>
+            <a:spLocks noGrp="1"/>
+          </p:cNvSpPr>
+          <p:nvPr>
+            <p:ph type="title"/>
+          </p:nvPr>
+        </p:nvSpPr>
+        <p:spPr>
+          <a:xfrm>
+            <a:off x="1097280" y="286604"/>
+            <a:ext cx="10058400" cy="666716"/>
+          </a:xfrm>
+        </p:spPr>
+        <p:txBody>
+          <a:bodyPr>
+            <a:normAutofit fontScale="90000"/>
+          </a:bodyPr>
+          <a:lstStyle/>
+          <a:p>
+            <a:r>
+              <a:rPr lang="en-US" dirty="0"/>
+              <a:t>Street Easy Median Rent Data </a:t>
+            </a:r>
+          </a:p>
+        </p:txBody>
+      </p:sp>
+      <p:pic>
+        <p:nvPicPr>
+          <p:cNvPr id="4" name="Picture 3">
+            <a:extLst>
+              <a:ext uri="{FF2B5EF4-FFF2-40B4-BE49-F238E27FC236}">
+                <a16:creationId xmlns:a16="http://schemas.microsoft.com/office/drawing/2014/main" id="{5BF8F774-5544-44EE-A728-A59B0D471603}"/>
+              </a:ext>
+            </a:extLst>
+          </p:cNvPr>
+          <p:cNvPicPr>
+            <a:picLocks noChangeAspect="1"/>
+          </p:cNvPicPr>
+          <p:nvPr/>
+        </p:nvPicPr>
+        <p:blipFill>
+          <a:blip r:embed="rId3">
+            <a:extLst>
+              <a:ext uri="{28A0092B-C50C-407E-A947-70E740481C1C}">
+                <a14:useLocalDpi xmlns:a14="http://schemas.microsoft.com/office/drawing/2010/main" val="0"/>
+              </a:ext>
+            </a:extLst>
+          </a:blip>
+          <a:srcRect/>
+          <a:stretch/>
+        </p:blipFill>
+        <p:spPr>
+          <a:xfrm>
+            <a:off x="123825" y="1085850"/>
+            <a:ext cx="9125139" cy="4892454"/>
+          </a:xfrm>
+          <a:prstGeom prst="rect">
+            <a:avLst/>
+          </a:prstGeom>
+          <a:ln>
+            <a:solidFill>
+              <a:schemeClr val="tx1"/>
+            </a:solidFill>
+          </a:ln>
+        </p:spPr>
+      </p:pic>
+      <p:sp>
+        <p:nvSpPr>
+          <p:cNvPr id="5" name="Rectangle 4">
+            <a:extLst>
+              <a:ext uri="{FF2B5EF4-FFF2-40B4-BE49-F238E27FC236}">
+                <a16:creationId xmlns:a16="http://schemas.microsoft.com/office/drawing/2014/main" id="{B2E9AF01-269C-41F1-AE19-40DA7D48E507}"/>
+              </a:ext>
+            </a:extLst>
+          </p:cNvPr>
+          <p:cNvSpPr/>
+          <p:nvPr/>
+        </p:nvSpPr>
+        <p:spPr>
+          <a:xfrm>
+            <a:off x="9401175" y="1085851"/>
+            <a:ext cx="2667000" cy="4892454"/>
+          </a:xfrm>
+          <a:prstGeom prst="rect">
+            <a:avLst/>
+          </a:prstGeom>
+          <a:solidFill>
+            <a:schemeClr val="bg1"/>
+          </a:solidFill>
+          <a:ln w="12700"/>
+        </p:spPr>
+        <p:style>
+          <a:lnRef idx="2">
+            <a:schemeClr val="accent1">
+              <a:shade val="50000"/>
+            </a:schemeClr>
+          </a:lnRef>
+          <a:fillRef idx="1">
+            <a:schemeClr val="accent1"/>
+          </a:fillRef>
+          <a:effectRef idx="0">
+            <a:schemeClr val="accent1"/>
+          </a:effectRef>
+          <a:fontRef idx="minor">
+            <a:schemeClr val="lt1"/>
+          </a:fontRef>
+        </p:style>
+        <p:txBody>
+          <a:bodyPr rtlCol="0" anchor="t"/>
+          <a:lstStyle/>
+          <a:p>
+            <a:r>
+              <a:rPr lang="en-US" b="1" dirty="0">
+                <a:solidFill>
+                  <a:schemeClr val="tx1"/>
+                </a:solidFill>
+              </a:rPr>
+              <a:t>Key Takeaways:</a:t>
+            </a:r>
+          </a:p>
+          <a:p>
+            <a:endParaRPr lang="en-US" sz="1600" b="1" dirty="0">
+              <a:solidFill>
+                <a:schemeClr val="tx1"/>
+              </a:solidFill>
+            </a:endParaRPr>
+          </a:p>
+          <a:p>
+            <a:pPr marL="285750" indent="-285750">
+              <a:buFontTx/>
+              <a:buChar char="-"/>
+            </a:pPr>
+            <a:r>
+              <a:rPr lang="en-US" sz="1600" dirty="0">
+                <a:solidFill>
+                  <a:schemeClr val="tx1"/>
+                </a:solidFill>
+              </a:rPr>
+              <a:t>Rents were increasingly consistently from 2010 through the beginning of 2020 </a:t>
+            </a:r>
+          </a:p>
+          <a:p>
+            <a:endParaRPr lang="en-US" sz="1600" dirty="0">
+              <a:solidFill>
+                <a:schemeClr val="tx1"/>
+              </a:solidFill>
+            </a:endParaRPr>
+          </a:p>
+          <a:p>
+            <a:pPr marL="285750" indent="-285750">
+              <a:buFontTx/>
+              <a:buChar char="-"/>
+            </a:pPr>
+            <a:r>
+              <a:rPr lang="en-US" sz="1600" dirty="0">
+                <a:solidFill>
+                  <a:schemeClr val="tx1"/>
+                </a:solidFill>
+              </a:rPr>
+              <a:t>After the first Covid case in NYC (marked by the red line), rents started dropping significantly for Manhattan and Brooklyn </a:t>
+            </a:r>
+          </a:p>
+          <a:p>
+            <a:endParaRPr lang="en-US" sz="1600" dirty="0">
+              <a:solidFill>
+                <a:schemeClr val="tx1"/>
+              </a:solidFill>
+            </a:endParaRPr>
+          </a:p>
+          <a:p>
+            <a:pPr marL="285750" indent="-285750">
+              <a:buFontTx/>
+              <a:buChar char="-"/>
+            </a:pPr>
+            <a:endParaRPr lang="en-US" dirty="0">
+              <a:solidFill>
+                <a:schemeClr val="tx1"/>
+              </a:solidFill>
+            </a:endParaRPr>
+          </a:p>
+        </p:txBody>
+      </p:sp>
+      <p:cxnSp>
+        <p:nvCxnSpPr>
+          <p:cNvPr id="6" name="Straight Connector 5">
+            <a:extLst>
+              <a:ext uri="{FF2B5EF4-FFF2-40B4-BE49-F238E27FC236}">
+                <a16:creationId xmlns:a16="http://schemas.microsoft.com/office/drawing/2014/main" id="{7110F110-0206-4F8D-8B70-EEF84A281CF2}"/>
+              </a:ext>
+            </a:extLst>
+          </p:cNvPr>
+          <p:cNvCxnSpPr>
+            <a:cxnSpLocks/>
+          </p:cNvCxnSpPr>
+          <p:nvPr/>
+        </p:nvCxnSpPr>
+        <p:spPr>
+          <a:xfrm>
+            <a:off x="7858125" y="1139482"/>
+            <a:ext cx="0" cy="4442168"/>
+          </a:xfrm>
+          <a:prstGeom prst="line">
+            <a:avLst/>
+          </a:prstGeom>
+          <a:ln>
+            <a:solidFill>
+              <a:srgbClr val="FF0000"/>
+            </a:solidFill>
+          </a:ln>
+        </p:spPr>
+        <p:style>
+          <a:lnRef idx="1">
+            <a:schemeClr val="accent1"/>
+          </a:lnRef>
+          <a:fillRef idx="0">
+            <a:schemeClr val="accent1"/>
+          </a:fillRef>
+          <a:effectRef idx="0">
+            <a:schemeClr val="accent1"/>
+          </a:effectRef>
+          <a:fontRef idx="minor">
+            <a:schemeClr val="tx1"/>
+          </a:fontRef>
+        </p:style>
+      </p:cxnSp>
+      <p:cxnSp>
+        <p:nvCxnSpPr>
+          <p:cNvPr id="8" name="Straight Connector 7">
+            <a:extLst>
+              <a:ext uri="{FF2B5EF4-FFF2-40B4-BE49-F238E27FC236}">
+                <a16:creationId xmlns:a16="http://schemas.microsoft.com/office/drawing/2014/main" id="{438B9D2A-783F-40C5-BA11-495EE7EE3473}"/>
+              </a:ext>
+            </a:extLst>
+          </p:cNvPr>
+          <p:cNvCxnSpPr/>
+          <p:nvPr/>
+        </p:nvCxnSpPr>
+        <p:spPr>
+          <a:xfrm>
+            <a:off x="971550" y="909211"/>
+            <a:ext cx="10477500" cy="0"/>
+          </a:xfrm>
+          <a:prstGeom prst="line">
+            <a:avLst/>
+          </a:prstGeom>
+        </p:spPr>
+        <p:style>
+          <a:lnRef idx="1">
+            <a:schemeClr val="accent1"/>
+          </a:lnRef>
+          <a:fillRef idx="0">
+            <a:schemeClr val="accent1"/>
+          </a:fillRef>
+          <a:effectRef idx="0">
+            <a:schemeClr val="accent1"/>
+          </a:effectRef>
+          <a:fontRef idx="minor">
+            <a:schemeClr val="tx1"/>
+          </a:fontRef>
+        </p:style>
+      </p:cxnSp>
+      <p:sp>
+        <p:nvSpPr>
+          <p:cNvPr id="10" name="Rectangle 9">
+            <a:extLst>
+              <a:ext uri="{FF2B5EF4-FFF2-40B4-BE49-F238E27FC236}">
+                <a16:creationId xmlns:a16="http://schemas.microsoft.com/office/drawing/2014/main" id="{21B78261-C581-4773-9FCA-0C45CDFF247C}"/>
+              </a:ext>
+            </a:extLst>
+          </p:cNvPr>
+          <p:cNvSpPr/>
+          <p:nvPr/>
+        </p:nvSpPr>
+        <p:spPr>
+          <a:xfrm>
+            <a:off x="7792278" y="1139482"/>
+            <a:ext cx="1406387" cy="4758977"/>
+          </a:xfrm>
+          <a:prstGeom prst="rect">
+            <a:avLst/>
+          </a:prstGeom>
+          <a:solidFill>
+            <a:schemeClr val="bg1"/>
+          </a:solidFill>
+          <a:ln>
+            <a:solidFill>
+              <a:schemeClr val="bg1"/>
+            </a:solidFill>
+          </a:ln>
+        </p:spPr>
+        <p:style>
+          <a:lnRef idx="2">
+            <a:schemeClr val="accent1">
+              <a:shade val="50000"/>
+            </a:schemeClr>
+          </a:lnRef>
+          <a:fillRef idx="1">
+            <a:schemeClr val="accent1"/>
+          </a:fillRef>
+          <a:effectRef idx="0">
+            <a:schemeClr val="accent1"/>
+          </a:effectRef>
+          <a:fontRef idx="minor">
+            <a:schemeClr val="lt1"/>
+          </a:fontRef>
+        </p:style>
+        <p:txBody>
+          <a:bodyPr rtlCol="0" anchor="ctr"/>
+          <a:lstStyle/>
+          <a:p>
+            <a:pPr algn="ctr"/>
+            <a:endParaRPr lang="en-US"/>
+          </a:p>
+        </p:txBody>
+      </p:sp>
+    </p:spTree>
+    <p:extLst>
+      <p:ext uri="{BB962C8B-B14F-4D97-AF65-F5344CB8AC3E}">
+        <p14:creationId xmlns:p14="http://schemas.microsoft.com/office/powerpoint/2010/main" val="2285805491"/>
+      </p:ext>
+    </p:extLst>
+  </p:cSld>
+  <p:clrMapOvr>
+    <a:masterClrMapping/>
+  </p:clrMapOvr>
+  <p:timing>
+    <p:tnLst>
+      <p:par>
+        <p:cTn id="1" dur="indefinite" restart="never" nodeType="tmRoot">
+          <p:childTnLst>
+            <p:seq concurrent="1" nextAc="seek">
+              <p:cTn id="2" dur="indefinite" nodeType="mainSeq">
+                <p:childTnLst>
+                  <p:par>
+                    <p:cTn id="3" fill="hold">
+                      <p:stCondLst>
+                        <p:cond delay="indefinite"/>
+                      </p:stCondLst>
+                      <p:childTnLst>
+                        <p:par>
+                          <p:cTn id="4" fill="hold">
+                            <p:stCondLst>
+                              <p:cond delay="0"/>
+                            </p:stCondLst>
+                            <p:childTnLst>
+                              <p:par>
+                                <p:cTn id="5" presetID="1" presetClass="exit" presetSubtype="0" fill="hold" grpId="0" nodeType="clickEffect">
+                                  <p:stCondLst>
+                                    <p:cond delay="0"/>
+                                  </p:stCondLst>
+                                  <p:childTnLst>
+                                    <p:set>
+                                      <p:cBhvr>
+                                        <p:cTn id="6" dur="1" fill="hold">
+                                          <p:stCondLst>
+                                            <p:cond delay="0"/>
+                                          </p:stCondLst>
+                                        </p:cTn>
+                                        <p:tgtEl>
+                                          <p:spTgt spid="10"/>
+                                        </p:tgtEl>
+                                        <p:attrNameLst>
+                                          <p:attrName>style.visibility</p:attrName>
+                                        </p:attrNameLst>
+                                      </p:cBhvr>
+                                      <p:to>
+                                        <p:strVal val="hidden"/>
+                                      </p:to>
+                                    </p:set>
+                                  </p:childTnLst>
+                                </p:cTn>
+                              </p:par>
+                            </p:childTnLst>
+                          </p:cTn>
+                        </p:par>
+                      </p:childTnLst>
+                    </p:cTn>
+                  </p:par>
+                </p:childTnLst>
+              </p:cTn>
+              <p:prevCondLst>
+                <p:cond evt="onPrev" delay="0">
+                  <p:tgtEl>
+                    <p:sldTgt/>
+                  </p:tgtEl>
+                </p:cond>
+              </p:prevCondLst>
+              <p:nextCondLst>
+                <p:cond evt="onNext" delay="0">
+                  <p:tgtEl>
+                    <p:sldTgt/>
+                  </p:tgtEl>
+                </p:cond>
+              </p:nextCondLst>
+            </p:seq>
+          </p:childTnLst>
+        </p:cTn>
+      </p:par>
+    </p:tnLst>
+    <p:bldLst>
+      <p:bldP spid="10" grpId="0" animBg="1"/>
+    </p:bldLst>
+  </p:timing>
+</p:sld>
+</file>
+
+<file path=ppt/slides/slide11.xml><?xml version="1.0" encoding="utf-8"?>
+<p:sld xmlns:a="http://schemas.openxmlformats.org/drawingml/2006/main" xmlns:r="http://schemas.openxmlformats.org/officeDocument/2006/relationships" xmlns:p="http://schemas.openxmlformats.org/presentationml/2006/main">
+  <p:cSld>
+    <p:spTree>
+      <p:nvGrpSpPr>
+        <p:cNvPr id="1" name=""/>
+        <p:cNvGrpSpPr/>
+        <p:nvPr/>
+      </p:nvGrpSpPr>
+      <p:grpSpPr>
+        <a:xfrm>
+          <a:off x="0" y="0"/>
+          <a:ext cx="0" cy="0"/>
+          <a:chOff x="0" y="0"/>
+          <a:chExt cx="0" cy="0"/>
+        </a:xfrm>
+      </p:grpSpPr>
+      <p:sp>
+        <p:nvSpPr>
           <p:cNvPr id="6" name="Rectangle 5">
             <a:extLst>
               <a:ext uri="{FF2B5EF4-FFF2-40B4-BE49-F238E27FC236}">
@@ -27293,7 +31978,7 @@
 </p:sld>
 </file>
 
-<file path=ppt/slides/slide11.xml><?xml version="1.0" encoding="utf-8"?>
+<file path=ppt/slides/slide12.xml><?xml version="1.0" encoding="utf-8"?>
 <p:sld xmlns:a="http://schemas.openxmlformats.org/drawingml/2006/main" xmlns:r="http://schemas.openxmlformats.org/officeDocument/2006/relationships" xmlns:p="http://schemas.openxmlformats.org/presentationml/2006/main">
   <p:cSld>
     <p:spTree>
@@ -27681,7 +32366,7 @@
 </p:sld>
 </file>
 
-<file path=ppt/slides/slide12.xml><?xml version="1.0" encoding="utf-8"?>
+<file path=ppt/slides/slide13.xml><?xml version="1.0" encoding="utf-8"?>
 <p:sld xmlns:a="http://schemas.openxmlformats.org/drawingml/2006/main" xmlns:r="http://schemas.openxmlformats.org/officeDocument/2006/relationships" xmlns:p="http://schemas.openxmlformats.org/presentationml/2006/main">
   <p:cSld>
     <p:spTree>
@@ -27820,7 +32505,7 @@
         </p:blipFill>
         <p:spPr>
           <a:xfrm>
-            <a:off x="714597" y="1085847"/>
+            <a:off x="714597" y="1085848"/>
             <a:ext cx="7505552" cy="5057768"/>
           </a:xfrm>
           <a:prstGeom prst="rect">
@@ -28031,18 +32716,13 @@
               <a:buChar char="•"/>
             </a:pPr>
             <a:r>
-              <a:rPr lang="en-US" sz="1600">
+              <a:rPr lang="en-US" sz="1600" dirty="0">
                 <a:solidFill>
                   <a:schemeClr val="tx1"/>
                 </a:solidFill>
               </a:rPr>
               <a:t>Population under 18</a:t>
             </a:r>
-            <a:endParaRPr lang="en-US" sz="1600" dirty="0">
-              <a:solidFill>
-                <a:schemeClr val="tx1"/>
-              </a:solidFill>
-            </a:endParaRPr>
           </a:p>
           <a:p>
             <a:pPr marL="285750" indent="-285750">
@@ -28070,7 +32750,7 @@
 </p:sld>
 </file>
 
-<file path=ppt/slides/slide13.xml><?xml version="1.0" encoding="utf-8"?>
+<file path=ppt/slides/slide14.xml><?xml version="1.0" encoding="utf-8"?>
 <p:sld xmlns:a="http://schemas.openxmlformats.org/drawingml/2006/main" xmlns:r="http://schemas.openxmlformats.org/officeDocument/2006/relationships" xmlns:p="http://schemas.openxmlformats.org/presentationml/2006/main">
   <p:cSld>
     <p:spTree>
@@ -28159,7 +32839,7 @@
 </p:sld>
 </file>
 
-<file path=ppt/slides/slide14.xml><?xml version="1.0" encoding="utf-8"?>
+<file path=ppt/slides/slide15.xml><?xml version="1.0" encoding="utf-8"?>
 <p:sld xmlns:a="http://schemas.openxmlformats.org/drawingml/2006/main" xmlns:r="http://schemas.openxmlformats.org/officeDocument/2006/relationships" xmlns:p="http://schemas.openxmlformats.org/presentationml/2006/main">
   <p:cSld>
     <p:spTree>
@@ -28226,7 +32906,7 @@
           <a:lstStyle/>
           <a:p>
             <a:pPr algn="ctr"/>
-            <a:endParaRPr lang="en-US">
+            <a:endParaRPr lang="en-US" dirty="0">
               <a:ln>
                 <a:solidFill>
                   <a:schemeClr val="bg1"/>
@@ -28266,7 +32946,7 @@
           <a:p>
             <a:r>
               <a:rPr lang="en-US" dirty="0"/>
-              <a:t>Research Questions</a:t>
+              <a:t>Conclusions</a:t>
             </a:r>
           </a:p>
         </p:txBody>
@@ -28610,7 +33290,7 @@
           <a:lstStyle/>
           <a:p>
             <a:pPr algn="ctr"/>
-            <a:endParaRPr lang="en-US"/>
+            <a:endParaRPr lang="en-US" dirty="0"/>
           </a:p>
         </p:txBody>
       </p:sp>
@@ -28893,7 +33573,7 @@
           <a:lstStyle/>
           <a:p>
             <a:pPr algn="ctr"/>
-            <a:endParaRPr lang="en-US"/>
+            <a:endParaRPr lang="en-US" dirty="0"/>
           </a:p>
         </p:txBody>
       </p:sp>
@@ -29432,7 +34112,7 @@
           <a:lstStyle/>
           <a:p>
             <a:pPr algn="ctr"/>
-            <a:endParaRPr lang="en-US"/>
+            <a:endParaRPr lang="en-US" dirty="0"/>
           </a:p>
         </p:txBody>
       </p:sp>
@@ -29664,10 +34344,569 @@
   <p:clrMapOvr>
     <a:masterClrMapping/>
   </p:clrMapOvr>
+  <p:timing>
+    <p:tnLst>
+      <p:par>
+        <p:cTn id="1" dur="indefinite" restart="never" nodeType="tmRoot">
+          <p:childTnLst>
+            <p:seq concurrent="1" nextAc="seek">
+              <p:cTn id="2" dur="indefinite" nodeType="mainSeq">
+                <p:childTnLst>
+                  <p:par>
+                    <p:cTn id="3" fill="hold">
+                      <p:stCondLst>
+                        <p:cond delay="indefinite"/>
+                      </p:stCondLst>
+                      <p:childTnLst>
+                        <p:par>
+                          <p:cTn id="4" fill="hold">
+                            <p:stCondLst>
+                              <p:cond delay="0"/>
+                            </p:stCondLst>
+                            <p:childTnLst>
+                              <p:par>
+                                <p:cTn id="5" presetID="1" presetClass="entr" presetSubtype="0" fill="hold" grpId="0" nodeType="clickEffect">
+                                  <p:stCondLst>
+                                    <p:cond delay="0"/>
+                                  </p:stCondLst>
+                                  <p:childTnLst>
+                                    <p:set>
+                                      <p:cBhvr>
+                                        <p:cTn id="6" dur="1" fill="hold">
+                                          <p:stCondLst>
+                                            <p:cond delay="0"/>
+                                          </p:stCondLst>
+                                        </p:cTn>
+                                        <p:tgtEl>
+                                          <p:spTgt spid="21"/>
+                                        </p:tgtEl>
+                                        <p:attrNameLst>
+                                          <p:attrName>style.visibility</p:attrName>
+                                        </p:attrNameLst>
+                                      </p:cBhvr>
+                                      <p:to>
+                                        <p:strVal val="visible"/>
+                                      </p:to>
+                                    </p:set>
+                                  </p:childTnLst>
+                                </p:cTn>
+                              </p:par>
+                              <p:par>
+                                <p:cTn id="7" presetID="1" presetClass="entr" presetSubtype="0" fill="hold" grpId="0" nodeType="withEffect">
+                                  <p:stCondLst>
+                                    <p:cond delay="0"/>
+                                  </p:stCondLst>
+                                  <p:childTnLst>
+                                    <p:set>
+                                      <p:cBhvr>
+                                        <p:cTn id="8" dur="1" fill="hold">
+                                          <p:stCondLst>
+                                            <p:cond delay="0"/>
+                                          </p:stCondLst>
+                                        </p:cTn>
+                                        <p:tgtEl>
+                                          <p:spTgt spid="22"/>
+                                        </p:tgtEl>
+                                        <p:attrNameLst>
+                                          <p:attrName>style.visibility</p:attrName>
+                                        </p:attrNameLst>
+                                      </p:cBhvr>
+                                      <p:to>
+                                        <p:strVal val="visible"/>
+                                      </p:to>
+                                    </p:set>
+                                  </p:childTnLst>
+                                </p:cTn>
+                              </p:par>
+                              <p:par>
+                                <p:cTn id="9" presetID="1" presetClass="entr" presetSubtype="0" fill="hold" grpId="0" nodeType="withEffect">
+                                  <p:stCondLst>
+                                    <p:cond delay="0"/>
+                                  </p:stCondLst>
+                                  <p:childTnLst>
+                                    <p:set>
+                                      <p:cBhvr>
+                                        <p:cTn id="10" dur="1" fill="hold">
+                                          <p:stCondLst>
+                                            <p:cond delay="0"/>
+                                          </p:stCondLst>
+                                        </p:cTn>
+                                        <p:tgtEl>
+                                          <p:spTgt spid="24"/>
+                                        </p:tgtEl>
+                                        <p:attrNameLst>
+                                          <p:attrName>style.visibility</p:attrName>
+                                        </p:attrNameLst>
+                                      </p:cBhvr>
+                                      <p:to>
+                                        <p:strVal val="visible"/>
+                                      </p:to>
+                                    </p:set>
+                                  </p:childTnLst>
+                                </p:cTn>
+                              </p:par>
+                              <p:par>
+                                <p:cTn id="11" presetID="1" presetClass="entr" presetSubtype="0" fill="hold" grpId="0" nodeType="withEffect">
+                                  <p:stCondLst>
+                                    <p:cond delay="0"/>
+                                  </p:stCondLst>
+                                  <p:childTnLst>
+                                    <p:set>
+                                      <p:cBhvr>
+                                        <p:cTn id="12" dur="1" fill="hold">
+                                          <p:stCondLst>
+                                            <p:cond delay="0"/>
+                                          </p:stCondLst>
+                                        </p:cTn>
+                                        <p:tgtEl>
+                                          <p:spTgt spid="25"/>
+                                        </p:tgtEl>
+                                        <p:attrNameLst>
+                                          <p:attrName>style.visibility</p:attrName>
+                                        </p:attrNameLst>
+                                      </p:cBhvr>
+                                      <p:to>
+                                        <p:strVal val="visible"/>
+                                      </p:to>
+                                    </p:set>
+                                  </p:childTnLst>
+                                </p:cTn>
+                              </p:par>
+                              <p:par>
+                                <p:cTn id="13" presetID="1" presetClass="entr" presetSubtype="0" fill="hold" nodeType="withEffect">
+                                  <p:stCondLst>
+                                    <p:cond delay="0"/>
+                                  </p:stCondLst>
+                                  <p:childTnLst>
+                                    <p:set>
+                                      <p:cBhvr>
+                                        <p:cTn id="14" dur="1" fill="hold">
+                                          <p:stCondLst>
+                                            <p:cond delay="0"/>
+                                          </p:stCondLst>
+                                        </p:cTn>
+                                        <p:tgtEl>
+                                          <p:spTgt spid="29"/>
+                                        </p:tgtEl>
+                                        <p:attrNameLst>
+                                          <p:attrName>style.visibility</p:attrName>
+                                        </p:attrNameLst>
+                                      </p:cBhvr>
+                                      <p:to>
+                                        <p:strVal val="visible"/>
+                                      </p:to>
+                                    </p:set>
+                                  </p:childTnLst>
+                                </p:cTn>
+                              </p:par>
+                              <p:par>
+                                <p:cTn id="15" presetID="1" presetClass="entr" presetSubtype="0" fill="hold" grpId="0" nodeType="withEffect">
+                                  <p:stCondLst>
+                                    <p:cond delay="0"/>
+                                  </p:stCondLst>
+                                  <p:childTnLst>
+                                    <p:set>
+                                      <p:cBhvr>
+                                        <p:cTn id="16" dur="1" fill="hold">
+                                          <p:stCondLst>
+                                            <p:cond delay="0"/>
+                                          </p:stCondLst>
+                                        </p:cTn>
+                                        <p:tgtEl>
+                                          <p:spTgt spid="32"/>
+                                        </p:tgtEl>
+                                        <p:attrNameLst>
+                                          <p:attrName>style.visibility</p:attrName>
+                                        </p:attrNameLst>
+                                      </p:cBhvr>
+                                      <p:to>
+                                        <p:strVal val="visible"/>
+                                      </p:to>
+                                    </p:set>
+                                  </p:childTnLst>
+                                </p:cTn>
+                              </p:par>
+                              <p:par>
+                                <p:cTn id="17" presetID="1" presetClass="entr" presetSubtype="0" fill="hold" grpId="0" nodeType="withEffect">
+                                  <p:stCondLst>
+                                    <p:cond delay="0"/>
+                                  </p:stCondLst>
+                                  <p:childTnLst>
+                                    <p:set>
+                                      <p:cBhvr>
+                                        <p:cTn id="18" dur="1" fill="hold">
+                                          <p:stCondLst>
+                                            <p:cond delay="0"/>
+                                          </p:stCondLst>
+                                        </p:cTn>
+                                        <p:tgtEl>
+                                          <p:spTgt spid="33"/>
+                                        </p:tgtEl>
+                                        <p:attrNameLst>
+                                          <p:attrName>style.visibility</p:attrName>
+                                        </p:attrNameLst>
+                                      </p:cBhvr>
+                                      <p:to>
+                                        <p:strVal val="visible"/>
+                                      </p:to>
+                                    </p:set>
+                                  </p:childTnLst>
+                                </p:cTn>
+                              </p:par>
+                            </p:childTnLst>
+                          </p:cTn>
+                        </p:par>
+                      </p:childTnLst>
+                    </p:cTn>
+                  </p:par>
+                  <p:par>
+                    <p:cTn id="19" fill="hold">
+                      <p:stCondLst>
+                        <p:cond delay="indefinite"/>
+                      </p:stCondLst>
+                      <p:childTnLst>
+                        <p:par>
+                          <p:cTn id="20" fill="hold">
+                            <p:stCondLst>
+                              <p:cond delay="0"/>
+                            </p:stCondLst>
+                            <p:childTnLst>
+                              <p:par>
+                                <p:cTn id="21" presetID="1" presetClass="entr" presetSubtype="0" fill="hold" grpId="0" nodeType="clickEffect">
+                                  <p:stCondLst>
+                                    <p:cond delay="0"/>
+                                  </p:stCondLst>
+                                  <p:childTnLst>
+                                    <p:set>
+                                      <p:cBhvr>
+                                        <p:cTn id="22" dur="1" fill="hold">
+                                          <p:stCondLst>
+                                            <p:cond delay="0"/>
+                                          </p:stCondLst>
+                                        </p:cTn>
+                                        <p:tgtEl>
+                                          <p:spTgt spid="34"/>
+                                        </p:tgtEl>
+                                        <p:attrNameLst>
+                                          <p:attrName>style.visibility</p:attrName>
+                                        </p:attrNameLst>
+                                      </p:cBhvr>
+                                      <p:to>
+                                        <p:strVal val="visible"/>
+                                      </p:to>
+                                    </p:set>
+                                  </p:childTnLst>
+                                </p:cTn>
+                              </p:par>
+                              <p:par>
+                                <p:cTn id="23" presetID="1" presetClass="entr" presetSubtype="0" fill="hold" grpId="0" nodeType="withEffect">
+                                  <p:stCondLst>
+                                    <p:cond delay="0"/>
+                                  </p:stCondLst>
+                                  <p:childTnLst>
+                                    <p:set>
+                                      <p:cBhvr>
+                                        <p:cTn id="24" dur="1" fill="hold">
+                                          <p:stCondLst>
+                                            <p:cond delay="0"/>
+                                          </p:stCondLst>
+                                        </p:cTn>
+                                        <p:tgtEl>
+                                          <p:spTgt spid="35"/>
+                                        </p:tgtEl>
+                                        <p:attrNameLst>
+                                          <p:attrName>style.visibility</p:attrName>
+                                        </p:attrNameLst>
+                                      </p:cBhvr>
+                                      <p:to>
+                                        <p:strVal val="visible"/>
+                                      </p:to>
+                                    </p:set>
+                                  </p:childTnLst>
+                                </p:cTn>
+                              </p:par>
+                              <p:par>
+                                <p:cTn id="25" presetID="1" presetClass="entr" presetSubtype="0" fill="hold" nodeType="withEffect">
+                                  <p:stCondLst>
+                                    <p:cond delay="0"/>
+                                  </p:stCondLst>
+                                  <p:childTnLst>
+                                    <p:set>
+                                      <p:cBhvr>
+                                        <p:cTn id="26" dur="1" fill="hold">
+                                          <p:stCondLst>
+                                            <p:cond delay="0"/>
+                                          </p:stCondLst>
+                                        </p:cTn>
+                                        <p:tgtEl>
+                                          <p:spTgt spid="36"/>
+                                        </p:tgtEl>
+                                        <p:attrNameLst>
+                                          <p:attrName>style.visibility</p:attrName>
+                                        </p:attrNameLst>
+                                      </p:cBhvr>
+                                      <p:to>
+                                        <p:strVal val="visible"/>
+                                      </p:to>
+                                    </p:set>
+                                  </p:childTnLst>
+                                </p:cTn>
+                              </p:par>
+                            </p:childTnLst>
+                          </p:cTn>
+                        </p:par>
+                      </p:childTnLst>
+                    </p:cTn>
+                  </p:par>
+                  <p:par>
+                    <p:cTn id="27" fill="hold">
+                      <p:stCondLst>
+                        <p:cond delay="indefinite"/>
+                      </p:stCondLst>
+                      <p:childTnLst>
+                        <p:par>
+                          <p:cTn id="28" fill="hold">
+                            <p:stCondLst>
+                              <p:cond delay="0"/>
+                            </p:stCondLst>
+                            <p:childTnLst>
+                              <p:par>
+                                <p:cTn id="29" presetID="1" presetClass="entr" presetSubtype="0" fill="hold" grpId="0" nodeType="clickEffect">
+                                  <p:stCondLst>
+                                    <p:cond delay="0"/>
+                                  </p:stCondLst>
+                                  <p:childTnLst>
+                                    <p:set>
+                                      <p:cBhvr>
+                                        <p:cTn id="30" dur="1" fill="hold">
+                                          <p:stCondLst>
+                                            <p:cond delay="0"/>
+                                          </p:stCondLst>
+                                        </p:cTn>
+                                        <p:tgtEl>
+                                          <p:spTgt spid="38"/>
+                                        </p:tgtEl>
+                                        <p:attrNameLst>
+                                          <p:attrName>style.visibility</p:attrName>
+                                        </p:attrNameLst>
+                                      </p:cBhvr>
+                                      <p:to>
+                                        <p:strVal val="visible"/>
+                                      </p:to>
+                                    </p:set>
+                                  </p:childTnLst>
+                                </p:cTn>
+                              </p:par>
+                              <p:par>
+                                <p:cTn id="31" presetID="1" presetClass="entr" presetSubtype="0" fill="hold" grpId="0" nodeType="withEffect">
+                                  <p:stCondLst>
+                                    <p:cond delay="0"/>
+                                  </p:stCondLst>
+                                  <p:childTnLst>
+                                    <p:set>
+                                      <p:cBhvr>
+                                        <p:cTn id="32" dur="1" fill="hold">
+                                          <p:stCondLst>
+                                            <p:cond delay="0"/>
+                                          </p:stCondLst>
+                                        </p:cTn>
+                                        <p:tgtEl>
+                                          <p:spTgt spid="39"/>
+                                        </p:tgtEl>
+                                        <p:attrNameLst>
+                                          <p:attrName>style.visibility</p:attrName>
+                                        </p:attrNameLst>
+                                      </p:cBhvr>
+                                      <p:to>
+                                        <p:strVal val="visible"/>
+                                      </p:to>
+                                    </p:set>
+                                  </p:childTnLst>
+                                </p:cTn>
+                              </p:par>
+                              <p:par>
+                                <p:cTn id="33" presetID="1" presetClass="entr" presetSubtype="0" fill="hold" grpId="0" nodeType="withEffect">
+                                  <p:stCondLst>
+                                    <p:cond delay="0"/>
+                                  </p:stCondLst>
+                                  <p:childTnLst>
+                                    <p:set>
+                                      <p:cBhvr>
+                                        <p:cTn id="34" dur="1" fill="hold">
+                                          <p:stCondLst>
+                                            <p:cond delay="0"/>
+                                          </p:stCondLst>
+                                        </p:cTn>
+                                        <p:tgtEl>
+                                          <p:spTgt spid="23"/>
+                                        </p:tgtEl>
+                                        <p:attrNameLst>
+                                          <p:attrName>style.visibility</p:attrName>
+                                        </p:attrNameLst>
+                                      </p:cBhvr>
+                                      <p:to>
+                                        <p:strVal val="visible"/>
+                                      </p:to>
+                                    </p:set>
+                                  </p:childTnLst>
+                                </p:cTn>
+                              </p:par>
+                              <p:par>
+                                <p:cTn id="35" presetID="1" presetClass="entr" presetSubtype="0" fill="hold" grpId="0" nodeType="withEffect">
+                                  <p:stCondLst>
+                                    <p:cond delay="0"/>
+                                  </p:stCondLst>
+                                  <p:childTnLst>
+                                    <p:set>
+                                      <p:cBhvr>
+                                        <p:cTn id="36" dur="1" fill="hold">
+                                          <p:stCondLst>
+                                            <p:cond delay="0"/>
+                                          </p:stCondLst>
+                                        </p:cTn>
+                                        <p:tgtEl>
+                                          <p:spTgt spid="26"/>
+                                        </p:tgtEl>
+                                        <p:attrNameLst>
+                                          <p:attrName>style.visibility</p:attrName>
+                                        </p:attrNameLst>
+                                      </p:cBhvr>
+                                      <p:to>
+                                        <p:strVal val="visible"/>
+                                      </p:to>
+                                    </p:set>
+                                  </p:childTnLst>
+                                </p:cTn>
+                              </p:par>
+                              <p:par>
+                                <p:cTn id="37" presetID="1" presetClass="entr" presetSubtype="0" fill="hold" nodeType="withEffect">
+                                  <p:stCondLst>
+                                    <p:cond delay="0"/>
+                                  </p:stCondLst>
+                                  <p:childTnLst>
+                                    <p:set>
+                                      <p:cBhvr>
+                                        <p:cTn id="38" dur="1" fill="hold">
+                                          <p:stCondLst>
+                                            <p:cond delay="0"/>
+                                          </p:stCondLst>
+                                        </p:cTn>
+                                        <p:tgtEl>
+                                          <p:spTgt spid="27"/>
+                                        </p:tgtEl>
+                                        <p:attrNameLst>
+                                          <p:attrName>style.visibility</p:attrName>
+                                        </p:attrNameLst>
+                                      </p:cBhvr>
+                                      <p:to>
+                                        <p:strVal val="visible"/>
+                                      </p:to>
+                                    </p:set>
+                                  </p:childTnLst>
+                                </p:cTn>
+                              </p:par>
+                              <p:par>
+                                <p:cTn id="39" presetID="1" presetClass="entr" presetSubtype="0" fill="hold" grpId="0" nodeType="withEffect">
+                                  <p:stCondLst>
+                                    <p:cond delay="0"/>
+                                  </p:stCondLst>
+                                  <p:childTnLst>
+                                    <p:set>
+                                      <p:cBhvr>
+                                        <p:cTn id="40" dur="1" fill="hold">
+                                          <p:stCondLst>
+                                            <p:cond delay="0"/>
+                                          </p:stCondLst>
+                                        </p:cTn>
+                                        <p:tgtEl>
+                                          <p:spTgt spid="3"/>
+                                        </p:tgtEl>
+                                        <p:attrNameLst>
+                                          <p:attrName>style.visibility</p:attrName>
+                                        </p:attrNameLst>
+                                      </p:cBhvr>
+                                      <p:to>
+                                        <p:strVal val="visible"/>
+                                      </p:to>
+                                    </p:set>
+                                  </p:childTnLst>
+                                </p:cTn>
+                              </p:par>
+                              <p:par>
+                                <p:cTn id="41" presetID="1" presetClass="entr" presetSubtype="0" fill="hold" grpId="0" nodeType="withEffect">
+                                  <p:stCondLst>
+                                    <p:cond delay="0"/>
+                                  </p:stCondLst>
+                                  <p:childTnLst>
+                                    <p:set>
+                                      <p:cBhvr>
+                                        <p:cTn id="42" dur="1" fill="hold">
+                                          <p:stCondLst>
+                                            <p:cond delay="0"/>
+                                          </p:stCondLst>
+                                        </p:cTn>
+                                        <p:tgtEl>
+                                          <p:spTgt spid="28"/>
+                                        </p:tgtEl>
+                                        <p:attrNameLst>
+                                          <p:attrName>style.visibility</p:attrName>
+                                        </p:attrNameLst>
+                                      </p:cBhvr>
+                                      <p:to>
+                                        <p:strVal val="visible"/>
+                                      </p:to>
+                                    </p:set>
+                                  </p:childTnLst>
+                                </p:cTn>
+                              </p:par>
+                            </p:childTnLst>
+                          </p:cTn>
+                        </p:par>
+                      </p:childTnLst>
+                    </p:cTn>
+                  </p:par>
+                </p:childTnLst>
+              </p:cTn>
+              <p:prevCondLst>
+                <p:cond evt="onPrev" delay="0">
+                  <p:tgtEl>
+                    <p:sldTgt/>
+                  </p:tgtEl>
+                </p:cond>
+              </p:prevCondLst>
+              <p:nextCondLst>
+                <p:cond evt="onNext" delay="0">
+                  <p:tgtEl>
+                    <p:sldTgt/>
+                  </p:tgtEl>
+                </p:cond>
+              </p:nextCondLst>
+            </p:seq>
+          </p:childTnLst>
+        </p:cTn>
+      </p:par>
+    </p:tnLst>
+    <p:bldLst>
+      <p:bldP spid="21" grpId="0" animBg="1"/>
+      <p:bldP spid="22" grpId="0" animBg="1"/>
+      <p:bldP spid="24" grpId="0"/>
+      <p:bldP spid="25" grpId="0"/>
+      <p:bldP spid="32" grpId="0"/>
+      <p:bldP spid="33" grpId="0"/>
+      <p:bldP spid="34" grpId="0" animBg="1"/>
+      <p:bldP spid="35" grpId="0" animBg="1"/>
+      <p:bldP spid="38" grpId="0" animBg="1"/>
+      <p:bldP spid="39" grpId="0" animBg="1"/>
+      <p:bldP spid="23" grpId="0"/>
+      <p:bldP spid="26" grpId="0"/>
+      <p:bldP spid="3" grpId="0"/>
+      <p:bldP spid="28" grpId="0"/>
+    </p:bldLst>
+  </p:timing>
 </p:sld>
 </file>
 
-<file path=ppt/slides/slide15.xml><?xml version="1.0" encoding="utf-8"?>
+<file path=ppt/slides/slide16.xml><?xml version="1.0" encoding="utf-8"?>
 <p:sld xmlns:a="http://schemas.openxmlformats.org/drawingml/2006/main" xmlns:r="http://schemas.openxmlformats.org/officeDocument/2006/relationships" xmlns:p="http://schemas.openxmlformats.org/presentationml/2006/main">
   <p:cSld>
     <p:spTree>
@@ -29756,7 +34995,7 @@
 </p:sld>
 </file>
 
-<file path=ppt/slides/slide16.xml><?xml version="1.0" encoding="utf-8"?>
+<file path=ppt/slides/slide17.xml><?xml version="1.0" encoding="utf-8"?>
 <p:sld xmlns:a="http://schemas.openxmlformats.org/drawingml/2006/main" xmlns:r="http://schemas.openxmlformats.org/officeDocument/2006/relationships" xmlns:p="http://schemas.openxmlformats.org/presentationml/2006/main">
   <p:cSld>
     <p:spTree>
@@ -29823,7 +35062,7 @@
           <a:lstStyle/>
           <a:p>
             <a:pPr algn="ctr"/>
-            <a:endParaRPr lang="en-US">
+            <a:endParaRPr lang="en-US" dirty="0">
               <a:ln>
                 <a:solidFill>
                   <a:schemeClr val="bg1"/>
@@ -30207,7 +35446,7 @@
           <a:lstStyle/>
           <a:p>
             <a:pPr algn="ctr"/>
-            <a:endParaRPr lang="en-US"/>
+            <a:endParaRPr lang="en-US" dirty="0"/>
           </a:p>
         </p:txBody>
       </p:sp>
@@ -30304,7 +35543,7 @@
           <a:lstStyle/>
           <a:p>
             <a:pPr algn="ctr"/>
-            <a:endParaRPr lang="en-US"/>
+            <a:endParaRPr lang="en-US" dirty="0"/>
           </a:p>
         </p:txBody>
       </p:sp>
@@ -30452,7 +35691,7 @@
           <a:lstStyle/>
           <a:p>
             <a:pPr algn="ctr"/>
-            <a:endParaRPr lang="en-US"/>
+            <a:endParaRPr lang="en-US" dirty="0"/>
           </a:p>
         </p:txBody>
       </p:sp>
@@ -30728,7 +35967,7 @@
 </p:sld>
 </file>
 
-<file path=ppt/slides/slide17.xml><?xml version="1.0" encoding="utf-8"?>
+<file path=ppt/slides/slide18.xml><?xml version="1.0" encoding="utf-8"?>
 <p:sld xmlns:a="http://schemas.openxmlformats.org/drawingml/2006/main" xmlns:r="http://schemas.openxmlformats.org/officeDocument/2006/relationships" xmlns:p="http://schemas.openxmlformats.org/presentationml/2006/main">
   <p:cSld>
     <p:spTree>
@@ -30892,7 +36131,7 @@
             <p:ph idx="1"/>
             <p:extLst>
               <p:ext uri="{D42A27DB-BD31-4B8C-83A1-F6EECF244321}">
-                <p14:modId xmlns:p14="http://schemas.microsoft.com/office/powerpoint/2010/main" val="1161546892"/>
+                <p14:modId xmlns:p14="http://schemas.microsoft.com/office/powerpoint/2010/main" val="1381150396"/>
               </p:ext>
             </p:extLst>
           </p:nvPr>
@@ -30921,6 +36160,90 @@
 </file>
 
 <file path=ppt/slides/slide3.xml><?xml version="1.0" encoding="utf-8"?>
+<p:sld xmlns:a="http://schemas.openxmlformats.org/drawingml/2006/main" xmlns:r="http://schemas.openxmlformats.org/officeDocument/2006/relationships" xmlns:p="http://schemas.openxmlformats.org/presentationml/2006/main">
+  <p:cSld>
+    <p:spTree>
+      <p:nvGrpSpPr>
+        <p:cNvPr id="1" name=""/>
+        <p:cNvGrpSpPr/>
+        <p:nvPr/>
+      </p:nvGrpSpPr>
+      <p:grpSpPr>
+        <a:xfrm>
+          <a:off x="0" y="0"/>
+          <a:ext cx="0" cy="0"/>
+          <a:chOff x="0" y="0"/>
+          <a:chExt cx="0" cy="0"/>
+        </a:xfrm>
+      </p:grpSpPr>
+      <p:sp>
+        <p:nvSpPr>
+          <p:cNvPr id="2" name="Title 1">
+            <a:extLst>
+              <a:ext uri="{FF2B5EF4-FFF2-40B4-BE49-F238E27FC236}">
+                <a16:creationId xmlns:a16="http://schemas.microsoft.com/office/drawing/2014/main" id="{56651043-58A8-4279-A949-143C7B546F07}"/>
+              </a:ext>
+            </a:extLst>
+          </p:cNvPr>
+          <p:cNvSpPr>
+            <a:spLocks noGrp="1"/>
+          </p:cNvSpPr>
+          <p:nvPr>
+            <p:ph type="title"/>
+          </p:nvPr>
+        </p:nvSpPr>
+        <p:spPr/>
+        <p:txBody>
+          <a:bodyPr/>
+          <a:lstStyle/>
+          <a:p>
+            <a:r>
+              <a:rPr lang="en-US" dirty="0"/>
+              <a:t>Outline</a:t>
+            </a:r>
+          </a:p>
+        </p:txBody>
+      </p:sp>
+      <p:graphicFrame>
+        <p:nvGraphicFramePr>
+          <p:cNvPr id="4" name="Content Placeholder 3">
+            <a:extLst>
+              <a:ext uri="{FF2B5EF4-FFF2-40B4-BE49-F238E27FC236}">
+                <a16:creationId xmlns:a16="http://schemas.microsoft.com/office/drawing/2014/main" id="{3E6131AB-8164-4B6B-8E68-5AE0D422DE4B}"/>
+              </a:ext>
+            </a:extLst>
+          </p:cNvPr>
+          <p:cNvGraphicFramePr>
+            <a:graphicFrameLocks noGrp="1"/>
+          </p:cNvGraphicFramePr>
+          <p:nvPr>
+            <p:ph idx="1"/>
+          </p:nvPr>
+        </p:nvGraphicFramePr>
+        <p:xfrm>
+          <a:off x="1096963" y="1846263"/>
+          <a:ext cx="10058400" cy="4022725"/>
+        </p:xfrm>
+        <a:graphic>
+          <a:graphicData uri="http://schemas.openxmlformats.org/drawingml/2006/diagram">
+            <dgm:relIds xmlns:dgm="http://schemas.openxmlformats.org/drawingml/2006/diagram" xmlns:r="http://schemas.openxmlformats.org/officeDocument/2006/relationships" r:dm="rId2" r:lo="rId3" r:qs="rId4" r:cs="rId5"/>
+          </a:graphicData>
+        </a:graphic>
+      </p:graphicFrame>
+    </p:spTree>
+    <p:extLst>
+      <p:ext uri="{BB962C8B-B14F-4D97-AF65-F5344CB8AC3E}">
+        <p14:creationId xmlns:p14="http://schemas.microsoft.com/office/powerpoint/2010/main" val="3972952506"/>
+      </p:ext>
+    </p:extLst>
+  </p:cSld>
+  <p:clrMapOvr>
+    <a:masterClrMapping/>
+  </p:clrMapOvr>
+</p:sld>
+</file>
+
+<file path=ppt/slides/slide4.xml><?xml version="1.0" encoding="utf-8"?>
 <p:sld xmlns:a="http://schemas.openxmlformats.org/drawingml/2006/main" xmlns:r="http://schemas.openxmlformats.org/officeDocument/2006/relationships" xmlns:p="http://schemas.openxmlformats.org/presentationml/2006/main">
   <p:cSld>
     <p:spTree>
@@ -31732,66 +37055,6 @@
           </a:fontRef>
         </p:style>
       </p:cxnSp>
-      <p:pic>
-        <p:nvPicPr>
-          <p:cNvPr id="28" name="Picture 27">
-            <a:extLst>
-              <a:ext uri="{FF2B5EF4-FFF2-40B4-BE49-F238E27FC236}">
-                <a16:creationId xmlns:a16="http://schemas.microsoft.com/office/drawing/2014/main" id="{1A7EC8A1-FC86-42FD-BB3C-BD166869F5F4}"/>
-              </a:ext>
-            </a:extLst>
-          </p:cNvPr>
-          <p:cNvPicPr>
-            <a:picLocks noChangeAspect="1"/>
-          </p:cNvPicPr>
-          <p:nvPr/>
-        </p:nvPicPr>
-        <p:blipFill>
-          <a:blip r:embed="rId2"/>
-          <a:stretch>
-            <a:fillRect/>
-          </a:stretch>
-        </p:blipFill>
-        <p:spPr>
-          <a:xfrm>
-            <a:off x="429673" y="3759715"/>
-            <a:ext cx="5287454" cy="1722532"/>
-          </a:xfrm>
-          <a:prstGeom prst="rect">
-            <a:avLst/>
-          </a:prstGeom>
-        </p:spPr>
-      </p:pic>
-      <p:pic>
-        <p:nvPicPr>
-          <p:cNvPr id="30" name="Picture 29">
-            <a:extLst>
-              <a:ext uri="{FF2B5EF4-FFF2-40B4-BE49-F238E27FC236}">
-                <a16:creationId xmlns:a16="http://schemas.microsoft.com/office/drawing/2014/main" id="{780A5FBE-AB58-4A05-B897-0A7A6D222055}"/>
-              </a:ext>
-            </a:extLst>
-          </p:cNvPr>
-          <p:cNvPicPr>
-            <a:picLocks noChangeAspect="1"/>
-          </p:cNvPicPr>
-          <p:nvPr/>
-        </p:nvPicPr>
-        <p:blipFill>
-          <a:blip r:embed="rId3"/>
-          <a:stretch>
-            <a:fillRect/>
-          </a:stretch>
-        </p:blipFill>
-        <p:spPr>
-          <a:xfrm>
-            <a:off x="571295" y="5369317"/>
-            <a:ext cx="2502105" cy="225860"/>
-          </a:xfrm>
-          <a:prstGeom prst="rect">
-            <a:avLst/>
-          </a:prstGeom>
-        </p:spPr>
-      </p:pic>
       <p:cxnSp>
         <p:nvCxnSpPr>
           <p:cNvPr id="32" name="Straight Connector 31">
@@ -31883,14 +37146,14 @@
           <p:nvPr/>
         </p:nvPicPr>
         <p:blipFill>
-          <a:blip r:embed="rId4"/>
+          <a:blip r:embed="rId2"/>
           <a:stretch>
             <a:fillRect/>
           </a:stretch>
         </p:blipFill>
         <p:spPr>
           <a:xfrm>
-            <a:off x="6157374" y="3671347"/>
+            <a:off x="342901" y="3645726"/>
             <a:ext cx="5460999" cy="1694206"/>
           </a:xfrm>
           <a:prstGeom prst="rect">
@@ -31913,14 +37176,14 @@
           <p:nvPr/>
         </p:nvPicPr>
         <p:blipFill>
-          <a:blip r:embed="rId5"/>
+          <a:blip r:embed="rId3"/>
           <a:stretch>
             <a:fillRect/>
           </a:stretch>
         </p:blipFill>
         <p:spPr>
           <a:xfrm>
-            <a:off x="6168485" y="5365553"/>
+            <a:off x="354012" y="5339932"/>
             <a:ext cx="2719388" cy="201044"/>
           </a:xfrm>
           <a:prstGeom prst="rect">
@@ -31964,6 +37227,235 @@
           </a:fontRef>
         </p:style>
       </p:cxnSp>
+      <p:sp>
+        <p:nvSpPr>
+          <p:cNvPr id="29" name="Rectangle 28">
+            <a:extLst>
+              <a:ext uri="{FF2B5EF4-FFF2-40B4-BE49-F238E27FC236}">
+                <a16:creationId xmlns:a16="http://schemas.microsoft.com/office/drawing/2014/main" id="{EFD0D897-A6DC-4990-9D8B-D79FFEEC1E09}"/>
+              </a:ext>
+            </a:extLst>
+          </p:cNvPr>
+          <p:cNvSpPr/>
+          <p:nvPr/>
+        </p:nvSpPr>
+        <p:spPr>
+          <a:xfrm>
+            <a:off x="7943850" y="79220"/>
+            <a:ext cx="2260600" cy="1231900"/>
+          </a:xfrm>
+          <a:prstGeom prst="rect">
+            <a:avLst/>
+          </a:prstGeom>
+        </p:spPr>
+        <p:style>
+          <a:lnRef idx="2">
+            <a:schemeClr val="accent1">
+              <a:shade val="50000"/>
+            </a:schemeClr>
+          </a:lnRef>
+          <a:fillRef idx="1">
+            <a:schemeClr val="accent1"/>
+          </a:fillRef>
+          <a:effectRef idx="0">
+            <a:schemeClr val="accent1"/>
+          </a:effectRef>
+          <a:fontRef idx="minor">
+            <a:schemeClr val="lt1"/>
+          </a:fontRef>
+        </p:style>
+        <p:txBody>
+          <a:bodyPr rtlCol="0" anchor="ctr"/>
+          <a:lstStyle/>
+          <a:p>
+            <a:pPr algn="ctr"/>
+            <a:endParaRPr lang="en-US" sz="1600" dirty="0"/>
+          </a:p>
+        </p:txBody>
+      </p:sp>
+      <p:sp>
+        <p:nvSpPr>
+          <p:cNvPr id="31" name="TextBox 30">
+            <a:extLst>
+              <a:ext uri="{FF2B5EF4-FFF2-40B4-BE49-F238E27FC236}">
+                <a16:creationId xmlns:a16="http://schemas.microsoft.com/office/drawing/2014/main" id="{F1BF80B9-5EF4-41F6-8932-6B88E88F98FB}"/>
+              </a:ext>
+            </a:extLst>
+          </p:cNvPr>
+          <p:cNvSpPr txBox="1"/>
+          <p:nvPr/>
+        </p:nvSpPr>
+        <p:spPr>
+          <a:xfrm>
+            <a:off x="8204200" y="175351"/>
+            <a:ext cx="1739900" cy="369332"/>
+          </a:xfrm>
+          <a:prstGeom prst="rect">
+            <a:avLst/>
+          </a:prstGeom>
+          <a:noFill/>
+        </p:spPr>
+        <p:txBody>
+          <a:bodyPr wrap="square" rtlCol="0">
+            <a:spAutoFit/>
+          </a:bodyPr>
+          <a:lstStyle/>
+          <a:p>
+            <a:pPr algn="ctr"/>
+            <a:r>
+              <a:rPr lang="en-US" b="1" dirty="0">
+                <a:solidFill>
+                  <a:schemeClr val="bg1"/>
+                </a:solidFill>
+              </a:rPr>
+              <a:t>January 2021</a:t>
+            </a:r>
+          </a:p>
+        </p:txBody>
+      </p:sp>
+      <p:sp>
+        <p:nvSpPr>
+          <p:cNvPr id="34" name="TextBox 33">
+            <a:extLst>
+              <a:ext uri="{FF2B5EF4-FFF2-40B4-BE49-F238E27FC236}">
+                <a16:creationId xmlns:a16="http://schemas.microsoft.com/office/drawing/2014/main" id="{758AFED9-098C-457F-B5D6-6825A22A9BDB}"/>
+              </a:ext>
+            </a:extLst>
+          </p:cNvPr>
+          <p:cNvSpPr txBox="1"/>
+          <p:nvPr/>
+        </p:nvSpPr>
+        <p:spPr>
+          <a:xfrm>
+            <a:off x="7943850" y="591365"/>
+            <a:ext cx="2260600" cy="646331"/>
+          </a:xfrm>
+          <a:prstGeom prst="rect">
+            <a:avLst/>
+          </a:prstGeom>
+          <a:noFill/>
+        </p:spPr>
+        <p:txBody>
+          <a:bodyPr wrap="square" rtlCol="0">
+            <a:spAutoFit/>
+          </a:bodyPr>
+          <a:lstStyle/>
+          <a:p>
+            <a:pPr algn="ctr"/>
+            <a:r>
+              <a:rPr lang="en-US" dirty="0">
+                <a:solidFill>
+                  <a:schemeClr val="bg1"/>
+                </a:solidFill>
+              </a:rPr>
+              <a:t>I start my search for an apartment</a:t>
+            </a:r>
+          </a:p>
+        </p:txBody>
+      </p:sp>
+      <p:cxnSp>
+        <p:nvCxnSpPr>
+          <p:cNvPr id="11" name="Connector: Elbow 10">
+            <a:extLst>
+              <a:ext uri="{FF2B5EF4-FFF2-40B4-BE49-F238E27FC236}">
+                <a16:creationId xmlns:a16="http://schemas.microsoft.com/office/drawing/2014/main" id="{2F004C99-C4F8-4607-A9F5-337A7F8686E9}"/>
+              </a:ext>
+            </a:extLst>
+          </p:cNvPr>
+          <p:cNvCxnSpPr>
+            <a:stCxn id="29" idx="2"/>
+          </p:cNvCxnSpPr>
+          <p:nvPr/>
+        </p:nvCxnSpPr>
+        <p:spPr>
+          <a:xfrm rot="5400000">
+            <a:off x="8565631" y="1633363"/>
+            <a:ext cx="830763" cy="186277"/>
+          </a:xfrm>
+          <a:prstGeom prst="bentConnector3">
+            <a:avLst>
+              <a:gd name="adj1" fmla="val 19492"/>
+            </a:avLst>
+          </a:prstGeom>
+          <a:ln>
+            <a:tailEnd type="triangle"/>
+          </a:ln>
+        </p:spPr>
+        <p:style>
+          <a:lnRef idx="1">
+            <a:schemeClr val="accent1"/>
+          </a:lnRef>
+          <a:fillRef idx="0">
+            <a:schemeClr val="accent1"/>
+          </a:fillRef>
+          <a:effectRef idx="0">
+            <a:schemeClr val="accent1"/>
+          </a:effectRef>
+          <a:fontRef idx="minor">
+            <a:schemeClr val="tx1"/>
+          </a:fontRef>
+        </p:style>
+      </p:cxnSp>
+      <p:pic>
+        <p:nvPicPr>
+          <p:cNvPr id="35" name="Picture 34">
+            <a:extLst>
+              <a:ext uri="{FF2B5EF4-FFF2-40B4-BE49-F238E27FC236}">
+                <a16:creationId xmlns:a16="http://schemas.microsoft.com/office/drawing/2014/main" id="{CDE373C5-2713-449D-95E8-A5A6972A1D18}"/>
+              </a:ext>
+            </a:extLst>
+          </p:cNvPr>
+          <p:cNvPicPr>
+            <a:picLocks noChangeAspect="1"/>
+          </p:cNvPicPr>
+          <p:nvPr/>
+        </p:nvPicPr>
+        <p:blipFill>
+          <a:blip r:embed="rId4"/>
+          <a:stretch>
+            <a:fillRect/>
+          </a:stretch>
+        </p:blipFill>
+        <p:spPr>
+          <a:xfrm>
+            <a:off x="6210300" y="3551614"/>
+            <a:ext cx="5440505" cy="1882429"/>
+          </a:xfrm>
+          <a:prstGeom prst="rect">
+            <a:avLst/>
+          </a:prstGeom>
+        </p:spPr>
+      </p:pic>
+      <p:pic>
+        <p:nvPicPr>
+          <p:cNvPr id="37" name="Picture 36">
+            <a:extLst>
+              <a:ext uri="{FF2B5EF4-FFF2-40B4-BE49-F238E27FC236}">
+                <a16:creationId xmlns:a16="http://schemas.microsoft.com/office/drawing/2014/main" id="{0FF4AE48-6A83-4641-857D-83A0454706FB}"/>
+              </a:ext>
+            </a:extLst>
+          </p:cNvPr>
+          <p:cNvPicPr>
+            <a:picLocks noChangeAspect="1"/>
+          </p:cNvPicPr>
+          <p:nvPr/>
+        </p:nvPicPr>
+        <p:blipFill>
+          <a:blip r:embed="rId5"/>
+          <a:stretch>
+            <a:fillRect/>
+          </a:stretch>
+        </p:blipFill>
+        <p:spPr>
+          <a:xfrm>
+            <a:off x="6353866" y="5297380"/>
+            <a:ext cx="971274" cy="274295"/>
+          </a:xfrm>
+          <a:prstGeom prst="rect">
+            <a:avLst/>
+          </a:prstGeom>
+        </p:spPr>
+      </p:pic>
     </p:spTree>
     <p:extLst>
       <p:ext uri="{BB962C8B-B14F-4D97-AF65-F5344CB8AC3E}">
@@ -31974,10 +37466,171 @@
   <p:clrMapOvr>
     <a:masterClrMapping/>
   </p:clrMapOvr>
+  <p:timing>
+    <p:tnLst>
+      <p:par>
+        <p:cTn id="1" dur="indefinite" restart="never" nodeType="tmRoot">
+          <p:childTnLst>
+            <p:seq concurrent="1" nextAc="seek">
+              <p:cTn id="2" dur="indefinite" nodeType="mainSeq">
+                <p:childTnLst>
+                  <p:par>
+                    <p:cTn id="3" fill="hold">
+                      <p:stCondLst>
+                        <p:cond delay="indefinite"/>
+                      </p:stCondLst>
+                      <p:childTnLst>
+                        <p:par>
+                          <p:cTn id="4" fill="hold">
+                            <p:stCondLst>
+                              <p:cond delay="0"/>
+                            </p:stCondLst>
+                            <p:childTnLst>
+                              <p:par>
+                                <p:cTn id="5" presetID="1" presetClass="entr" presetSubtype="0" fill="hold" grpId="0" nodeType="clickEffect">
+                                  <p:stCondLst>
+                                    <p:cond delay="0"/>
+                                  </p:stCondLst>
+                                  <p:childTnLst>
+                                    <p:set>
+                                      <p:cBhvr>
+                                        <p:cTn id="6" dur="1" fill="hold">
+                                          <p:stCondLst>
+                                            <p:cond delay="0"/>
+                                          </p:stCondLst>
+                                        </p:cTn>
+                                        <p:tgtEl>
+                                          <p:spTgt spid="34"/>
+                                        </p:tgtEl>
+                                        <p:attrNameLst>
+                                          <p:attrName>style.visibility</p:attrName>
+                                        </p:attrNameLst>
+                                      </p:cBhvr>
+                                      <p:to>
+                                        <p:strVal val="visible"/>
+                                      </p:to>
+                                    </p:set>
+                                  </p:childTnLst>
+                                </p:cTn>
+                              </p:par>
+                              <p:par>
+                                <p:cTn id="7" presetID="1" presetClass="entr" presetSubtype="0" fill="hold" grpId="0" nodeType="withEffect">
+                                  <p:stCondLst>
+                                    <p:cond delay="0"/>
+                                  </p:stCondLst>
+                                  <p:childTnLst>
+                                    <p:set>
+                                      <p:cBhvr>
+                                        <p:cTn id="8" dur="1" fill="hold">
+                                          <p:stCondLst>
+                                            <p:cond delay="0"/>
+                                          </p:stCondLst>
+                                        </p:cTn>
+                                        <p:tgtEl>
+                                          <p:spTgt spid="31"/>
+                                        </p:tgtEl>
+                                        <p:attrNameLst>
+                                          <p:attrName>style.visibility</p:attrName>
+                                        </p:attrNameLst>
+                                      </p:cBhvr>
+                                      <p:to>
+                                        <p:strVal val="visible"/>
+                                      </p:to>
+                                    </p:set>
+                                  </p:childTnLst>
+                                </p:cTn>
+                              </p:par>
+                              <p:par>
+                                <p:cTn id="9" presetID="1" presetClass="entr" presetSubtype="0" fill="hold" grpId="0" nodeType="withEffect">
+                                  <p:stCondLst>
+                                    <p:cond delay="0"/>
+                                  </p:stCondLst>
+                                  <p:childTnLst>
+                                    <p:set>
+                                      <p:cBhvr>
+                                        <p:cTn id="10" dur="1" fill="hold">
+                                          <p:stCondLst>
+                                            <p:cond delay="0"/>
+                                          </p:stCondLst>
+                                        </p:cTn>
+                                        <p:tgtEl>
+                                          <p:spTgt spid="29"/>
+                                        </p:tgtEl>
+                                        <p:attrNameLst>
+                                          <p:attrName>style.visibility</p:attrName>
+                                        </p:attrNameLst>
+                                      </p:cBhvr>
+                                      <p:to>
+                                        <p:strVal val="visible"/>
+                                      </p:to>
+                                    </p:set>
+                                  </p:childTnLst>
+                                </p:cTn>
+                              </p:par>
+                              <p:par>
+                                <p:cTn id="11" presetID="1" presetClass="entr" presetSubtype="0" fill="hold" nodeType="withEffect">
+                                  <p:stCondLst>
+                                    <p:cond delay="0"/>
+                                  </p:stCondLst>
+                                  <p:childTnLst>
+                                    <p:set>
+                                      <p:cBhvr>
+                                        <p:cTn id="12" dur="1" fill="hold">
+                                          <p:stCondLst>
+                                            <p:cond delay="0"/>
+                                          </p:stCondLst>
+                                        </p:cTn>
+                                        <p:tgtEl>
+                                          <p:spTgt spid="11"/>
+                                        </p:tgtEl>
+                                        <p:attrNameLst>
+                                          <p:attrName>style.visibility</p:attrName>
+                                        </p:attrNameLst>
+                                      </p:cBhvr>
+                                      <p:to>
+                                        <p:strVal val="visible"/>
+                                      </p:to>
+                                    </p:set>
+                                  </p:childTnLst>
+                                </p:cTn>
+                              </p:par>
+                            </p:childTnLst>
+                          </p:cTn>
+                        </p:par>
+                      </p:childTnLst>
+                    </p:cTn>
+                  </p:par>
+                </p:childTnLst>
+              </p:cTn>
+              <p:prevCondLst>
+                <p:cond evt="onPrev" delay="0">
+                  <p:tgtEl>
+                    <p:sldTgt/>
+                  </p:tgtEl>
+                </p:cond>
+              </p:prevCondLst>
+              <p:nextCondLst>
+                <p:cond evt="onNext" delay="0">
+                  <p:tgtEl>
+                    <p:sldTgt/>
+                  </p:tgtEl>
+                </p:cond>
+              </p:nextCondLst>
+            </p:seq>
+          </p:childTnLst>
+        </p:cTn>
+      </p:par>
+    </p:tnLst>
+    <p:bldLst>
+      <p:bldP spid="29" grpId="0" animBg="1"/>
+      <p:bldP spid="31" grpId="0"/>
+      <p:bldP spid="34" grpId="0"/>
+    </p:bldLst>
+  </p:timing>
 </p:sld>
 </file>
 
-<file path=ppt/slides/slide4.xml><?xml version="1.0" encoding="utf-8"?>
+<file path=ppt/slides/slide5.xml><?xml version="1.0" encoding="utf-8"?>
 <p:sld xmlns:a="http://schemas.openxmlformats.org/drawingml/2006/main" xmlns:r="http://schemas.openxmlformats.org/officeDocument/2006/relationships" xmlns:p="http://schemas.openxmlformats.org/presentationml/2006/main">
   <p:cSld>
     <p:spTree>
@@ -32066,7 +37719,7 @@
 </p:sld>
 </file>
 
-<file path=ppt/slides/slide5.xml><?xml version="1.0" encoding="utf-8"?>
+<file path=ppt/slides/slide6.xml><?xml version="1.0" encoding="utf-8"?>
 <p:sld xmlns:a="http://schemas.openxmlformats.org/drawingml/2006/main" xmlns:r="http://schemas.openxmlformats.org/officeDocument/2006/relationships" xmlns:p="http://schemas.openxmlformats.org/presentationml/2006/main">
   <p:cSld>
     <p:spTree>
@@ -32713,7 +38366,7 @@
 </p:sld>
 </file>
 
-<file path=ppt/slides/slide6.xml><?xml version="1.0" encoding="utf-8"?>
+<file path=ppt/slides/slide7.xml><?xml version="1.0" encoding="utf-8"?>
 <p:sld xmlns:a="http://schemas.openxmlformats.org/drawingml/2006/main" xmlns:r="http://schemas.openxmlformats.org/officeDocument/2006/relationships" xmlns:p="http://schemas.openxmlformats.org/presentationml/2006/main">
   <p:cSld>
     <p:spTree>
@@ -32802,7 +38455,7 @@
 </p:sld>
 </file>
 
-<file path=ppt/slides/slide7.xml><?xml version="1.0" encoding="utf-8"?>
+<file path=ppt/slides/slide8.xml><?xml version="1.0" encoding="utf-8"?>
 <p:sld xmlns:a="http://schemas.openxmlformats.org/drawingml/2006/main" xmlns:r="http://schemas.openxmlformats.org/officeDocument/2006/relationships" xmlns:p="http://schemas.openxmlformats.org/presentationml/2006/main">
   <p:cSld>
     <p:spTree>
@@ -33543,7 +39196,7 @@
 </p:sld>
 </file>
 
-<file path=ppt/slides/slide8.xml><?xml version="1.0" encoding="utf-8"?>
+<file path=ppt/slides/slide9.xml><?xml version="1.0" encoding="utf-8"?>
 <p:sld xmlns:a="http://schemas.openxmlformats.org/drawingml/2006/main" xmlns:r="http://schemas.openxmlformats.org/officeDocument/2006/relationships" xmlns:p="http://schemas.openxmlformats.org/presentationml/2006/main">
   <p:cSld>
     <p:spTree>
@@ -33899,366 +39552,6 @@
     <p:extLst>
       <p:ext uri="{BB962C8B-B14F-4D97-AF65-F5344CB8AC3E}">
         <p14:creationId xmlns:p14="http://schemas.microsoft.com/office/powerpoint/2010/main" val="3472992963"/>
-      </p:ext>
-    </p:extLst>
-  </p:cSld>
-  <p:clrMapOvr>
-    <a:masterClrMapping/>
-  </p:clrMapOvr>
-</p:sld>
-</file>
-
-<file path=ppt/slides/slide9.xml><?xml version="1.0" encoding="utf-8"?>
-<p:sld xmlns:a="http://schemas.openxmlformats.org/drawingml/2006/main" xmlns:r="http://schemas.openxmlformats.org/officeDocument/2006/relationships" xmlns:p="http://schemas.openxmlformats.org/presentationml/2006/main">
-  <p:cSld>
-    <p:spTree>
-      <p:nvGrpSpPr>
-        <p:cNvPr id="1" name=""/>
-        <p:cNvGrpSpPr/>
-        <p:nvPr/>
-      </p:nvGrpSpPr>
-      <p:grpSpPr>
-        <a:xfrm>
-          <a:off x="0" y="0"/>
-          <a:ext cx="0" cy="0"/>
-          <a:chOff x="0" y="0"/>
-          <a:chExt cx="0" cy="0"/>
-        </a:xfrm>
-      </p:grpSpPr>
-      <p:sp>
-        <p:nvSpPr>
-          <p:cNvPr id="7" name="Rectangle 6">
-            <a:extLst>
-              <a:ext uri="{FF2B5EF4-FFF2-40B4-BE49-F238E27FC236}">
-                <a16:creationId xmlns:a16="http://schemas.microsoft.com/office/drawing/2014/main" id="{BF1B094E-1CEA-4881-BC1A-71F51F2243A7}"/>
-              </a:ext>
-            </a:extLst>
-          </p:cNvPr>
-          <p:cNvSpPr/>
-          <p:nvPr/>
-        </p:nvSpPr>
-        <p:spPr>
-          <a:xfrm>
-            <a:off x="971550" y="1543050"/>
-            <a:ext cx="10401300" cy="257175"/>
-          </a:xfrm>
-          <a:prstGeom prst="rect">
-            <a:avLst/>
-          </a:prstGeom>
-          <a:solidFill>
-            <a:schemeClr val="bg1"/>
-          </a:solidFill>
-          <a:ln>
-            <a:solidFill>
-              <a:schemeClr val="bg1"/>
-            </a:solidFill>
-          </a:ln>
-        </p:spPr>
-        <p:style>
-          <a:lnRef idx="2">
-            <a:schemeClr val="accent1">
-              <a:shade val="50000"/>
-            </a:schemeClr>
-          </a:lnRef>
-          <a:fillRef idx="1">
-            <a:schemeClr val="accent1"/>
-          </a:fillRef>
-          <a:effectRef idx="0">
-            <a:schemeClr val="accent1"/>
-          </a:effectRef>
-          <a:fontRef idx="minor">
-            <a:schemeClr val="lt1"/>
-          </a:fontRef>
-        </p:style>
-        <p:txBody>
-          <a:bodyPr rtlCol="0" anchor="ctr"/>
-          <a:lstStyle/>
-          <a:p>
-            <a:pPr algn="ctr"/>
-            <a:endParaRPr lang="en-US" dirty="0">
-              <a:ln>
-                <a:solidFill>
-                  <a:schemeClr val="bg1"/>
-                </a:solidFill>
-              </a:ln>
-            </a:endParaRPr>
-          </a:p>
-        </p:txBody>
-      </p:sp>
-      <p:sp>
-        <p:nvSpPr>
-          <p:cNvPr id="2" name="Title 1">
-            <a:extLst>
-              <a:ext uri="{FF2B5EF4-FFF2-40B4-BE49-F238E27FC236}">
-                <a16:creationId xmlns:a16="http://schemas.microsoft.com/office/drawing/2014/main" id="{92A9B60F-7F68-48F6-9FB9-2CF291C61653}"/>
-              </a:ext>
-            </a:extLst>
-          </p:cNvPr>
-          <p:cNvSpPr>
-            <a:spLocks noGrp="1"/>
-          </p:cNvSpPr>
-          <p:nvPr>
-            <p:ph type="title"/>
-          </p:nvPr>
-        </p:nvSpPr>
-        <p:spPr>
-          <a:xfrm>
-            <a:off x="1097280" y="286604"/>
-            <a:ext cx="10058400" cy="666716"/>
-          </a:xfrm>
-        </p:spPr>
-        <p:txBody>
-          <a:bodyPr>
-            <a:normAutofit fontScale="90000"/>
-          </a:bodyPr>
-          <a:lstStyle/>
-          <a:p>
-            <a:r>
-              <a:rPr lang="en-US" dirty="0"/>
-              <a:t>Street Easy Rent Data </a:t>
-            </a:r>
-          </a:p>
-        </p:txBody>
-      </p:sp>
-      <p:pic>
-        <p:nvPicPr>
-          <p:cNvPr id="4" name="Picture 3">
-            <a:extLst>
-              <a:ext uri="{FF2B5EF4-FFF2-40B4-BE49-F238E27FC236}">
-                <a16:creationId xmlns:a16="http://schemas.microsoft.com/office/drawing/2014/main" id="{5BF8F774-5544-44EE-A728-A59B0D471603}"/>
-              </a:ext>
-            </a:extLst>
-          </p:cNvPr>
-          <p:cNvPicPr>
-            <a:picLocks noChangeAspect="1"/>
-          </p:cNvPicPr>
-          <p:nvPr/>
-        </p:nvPicPr>
-        <p:blipFill>
-          <a:blip r:embed="rId3">
-            <a:extLst>
-              <a:ext uri="{28A0092B-C50C-407E-A947-70E740481C1C}">
-                <a14:useLocalDpi xmlns:a14="http://schemas.microsoft.com/office/drawing/2010/main" val="0"/>
-              </a:ext>
-            </a:extLst>
-          </a:blip>
-          <a:srcRect/>
-          <a:stretch/>
-        </p:blipFill>
-        <p:spPr>
-          <a:xfrm>
-            <a:off x="123825" y="1085850"/>
-            <a:ext cx="9125139" cy="4892454"/>
-          </a:xfrm>
-          <a:prstGeom prst="rect">
-            <a:avLst/>
-          </a:prstGeom>
-          <a:ln>
-            <a:solidFill>
-              <a:schemeClr val="tx1"/>
-            </a:solidFill>
-          </a:ln>
-        </p:spPr>
-      </p:pic>
-      <p:sp>
-        <p:nvSpPr>
-          <p:cNvPr id="5" name="Rectangle 4">
-            <a:extLst>
-              <a:ext uri="{FF2B5EF4-FFF2-40B4-BE49-F238E27FC236}">
-                <a16:creationId xmlns:a16="http://schemas.microsoft.com/office/drawing/2014/main" id="{B2E9AF01-269C-41F1-AE19-40DA7D48E507}"/>
-              </a:ext>
-            </a:extLst>
-          </p:cNvPr>
-          <p:cNvSpPr/>
-          <p:nvPr/>
-        </p:nvSpPr>
-        <p:spPr>
-          <a:xfrm>
-            <a:off x="9401175" y="1085851"/>
-            <a:ext cx="2667000" cy="4892454"/>
-          </a:xfrm>
-          <a:prstGeom prst="rect">
-            <a:avLst/>
-          </a:prstGeom>
-          <a:solidFill>
-            <a:schemeClr val="bg1"/>
-          </a:solidFill>
-          <a:ln w="12700"/>
-        </p:spPr>
-        <p:style>
-          <a:lnRef idx="2">
-            <a:schemeClr val="accent1">
-              <a:shade val="50000"/>
-            </a:schemeClr>
-          </a:lnRef>
-          <a:fillRef idx="1">
-            <a:schemeClr val="accent1"/>
-          </a:fillRef>
-          <a:effectRef idx="0">
-            <a:schemeClr val="accent1"/>
-          </a:effectRef>
-          <a:fontRef idx="minor">
-            <a:schemeClr val="lt1"/>
-          </a:fontRef>
-        </p:style>
-        <p:txBody>
-          <a:bodyPr rtlCol="0" anchor="t"/>
-          <a:lstStyle/>
-          <a:p>
-            <a:r>
-              <a:rPr lang="en-US" b="1" dirty="0">
-                <a:solidFill>
-                  <a:schemeClr val="tx1"/>
-                </a:solidFill>
-              </a:rPr>
-              <a:t>Key Takeaways:</a:t>
-            </a:r>
-          </a:p>
-          <a:p>
-            <a:endParaRPr lang="en-US" sz="1600" b="1" dirty="0">
-              <a:solidFill>
-                <a:schemeClr val="tx1"/>
-              </a:solidFill>
-            </a:endParaRPr>
-          </a:p>
-          <a:p>
-            <a:pPr marL="285750" indent="-285750">
-              <a:buFontTx/>
-              <a:buChar char="-"/>
-            </a:pPr>
-            <a:r>
-              <a:rPr lang="en-US" sz="1600" dirty="0">
-                <a:solidFill>
-                  <a:schemeClr val="tx1"/>
-                </a:solidFill>
-              </a:rPr>
-              <a:t>Rents were increasingly consistently from 2010 through the beginning of 2020 </a:t>
-            </a:r>
-          </a:p>
-          <a:p>
-            <a:endParaRPr lang="en-US" sz="1600" dirty="0">
-              <a:solidFill>
-                <a:schemeClr val="tx1"/>
-              </a:solidFill>
-            </a:endParaRPr>
-          </a:p>
-          <a:p>
-            <a:pPr marL="285750" indent="-285750">
-              <a:buFontTx/>
-              <a:buChar char="-"/>
-            </a:pPr>
-            <a:r>
-              <a:rPr lang="en-US" sz="1600" dirty="0">
-                <a:solidFill>
-                  <a:schemeClr val="tx1"/>
-                </a:solidFill>
-              </a:rPr>
-              <a:t>After the first Covid case in NYC (marked by the red line), rents started dropping significantly for Manhattan and Brooklyn </a:t>
-            </a:r>
-          </a:p>
-          <a:p>
-            <a:endParaRPr lang="en-US" sz="1600" dirty="0">
-              <a:solidFill>
-                <a:schemeClr val="tx1"/>
-              </a:solidFill>
-            </a:endParaRPr>
-          </a:p>
-          <a:p>
-            <a:pPr marL="285750" indent="-285750">
-              <a:buFontTx/>
-              <a:buChar char="-"/>
-            </a:pPr>
-            <a:endParaRPr lang="en-US" dirty="0">
-              <a:solidFill>
-                <a:schemeClr val="tx1"/>
-              </a:solidFill>
-            </a:endParaRPr>
-          </a:p>
-        </p:txBody>
-      </p:sp>
-      <p:cxnSp>
-        <p:nvCxnSpPr>
-          <p:cNvPr id="6" name="Straight Connector 5">
-            <a:extLst>
-              <a:ext uri="{FF2B5EF4-FFF2-40B4-BE49-F238E27FC236}">
-                <a16:creationId xmlns:a16="http://schemas.microsoft.com/office/drawing/2014/main" id="{7110F110-0206-4F8D-8B70-EEF84A281CF2}"/>
-              </a:ext>
-            </a:extLst>
-          </p:cNvPr>
-          <p:cNvCxnSpPr>
-            <a:cxnSpLocks/>
-          </p:cNvCxnSpPr>
-          <p:nvPr/>
-        </p:nvCxnSpPr>
-        <p:spPr>
-          <a:xfrm>
-            <a:off x="7858125" y="1139482"/>
-            <a:ext cx="0" cy="4442168"/>
-          </a:xfrm>
-          <a:prstGeom prst="line">
-            <a:avLst/>
-          </a:prstGeom>
-          <a:ln>
-            <a:solidFill>
-              <a:srgbClr val="FF0000"/>
-            </a:solidFill>
-          </a:ln>
-        </p:spPr>
-        <p:style>
-          <a:lnRef idx="1">
-            <a:schemeClr val="accent1"/>
-          </a:lnRef>
-          <a:fillRef idx="0">
-            <a:schemeClr val="accent1"/>
-          </a:fillRef>
-          <a:effectRef idx="0">
-            <a:schemeClr val="accent1"/>
-          </a:effectRef>
-          <a:fontRef idx="minor">
-            <a:schemeClr val="tx1"/>
-          </a:fontRef>
-        </p:style>
-      </p:cxnSp>
-      <p:cxnSp>
-        <p:nvCxnSpPr>
-          <p:cNvPr id="8" name="Straight Connector 7">
-            <a:extLst>
-              <a:ext uri="{FF2B5EF4-FFF2-40B4-BE49-F238E27FC236}">
-                <a16:creationId xmlns:a16="http://schemas.microsoft.com/office/drawing/2014/main" id="{438B9D2A-783F-40C5-BA11-495EE7EE3473}"/>
-              </a:ext>
-            </a:extLst>
-          </p:cNvPr>
-          <p:cNvCxnSpPr/>
-          <p:nvPr/>
-        </p:nvCxnSpPr>
-        <p:spPr>
-          <a:xfrm>
-            <a:off x="971550" y="909211"/>
-            <a:ext cx="10477500" cy="0"/>
-          </a:xfrm>
-          <a:prstGeom prst="line">
-            <a:avLst/>
-          </a:prstGeom>
-        </p:spPr>
-        <p:style>
-          <a:lnRef idx="1">
-            <a:schemeClr val="accent1"/>
-          </a:lnRef>
-          <a:fillRef idx="0">
-            <a:schemeClr val="accent1"/>
-          </a:fillRef>
-          <a:effectRef idx="0">
-            <a:schemeClr val="accent1"/>
-          </a:effectRef>
-          <a:fontRef idx="minor">
-            <a:schemeClr val="tx1"/>
-          </a:fontRef>
-        </p:style>
-      </p:cxnSp>
-    </p:spTree>
-    <p:extLst>
-      <p:ext uri="{BB962C8B-B14F-4D97-AF65-F5344CB8AC3E}">
-        <p14:creationId xmlns:p14="http://schemas.microsoft.com/office/powerpoint/2010/main" val="2285805491"/>
       </p:ext>
     </p:extLst>
   </p:cSld>
